--- a/CavallaroAngelo/Präsentation Wahlmodulvorstellung/SAPlexa Präsentation.pptx
+++ b/CavallaroAngelo/Präsentation Wahlmodulvorstellung/SAPlexa Präsentation.pptx
@@ -8,17 +8,17 @@
     <p:notesMasterId r:id="rId16"/>
   </p:notesMasterIdLst>
   <p:sldIdLst>
-    <p:sldId id="257" r:id="rId2"/>
-    <p:sldId id="256" r:id="rId3"/>
-    <p:sldId id="266" r:id="rId4"/>
-    <p:sldId id="259" r:id="rId5"/>
-    <p:sldId id="268" r:id="rId6"/>
-    <p:sldId id="269" r:id="rId7"/>
-    <p:sldId id="270" r:id="rId8"/>
-    <p:sldId id="271" r:id="rId9"/>
-    <p:sldId id="273" r:id="rId10"/>
-    <p:sldId id="272" r:id="rId11"/>
-    <p:sldId id="274" r:id="rId12"/>
+    <p:sldId id="256" r:id="rId2"/>
+    <p:sldId id="266" r:id="rId3"/>
+    <p:sldId id="259" r:id="rId4"/>
+    <p:sldId id="269" r:id="rId5"/>
+    <p:sldId id="270" r:id="rId6"/>
+    <p:sldId id="277" r:id="rId7"/>
+    <p:sldId id="271" r:id="rId8"/>
+    <p:sldId id="273" r:id="rId9"/>
+    <p:sldId id="272" r:id="rId10"/>
+    <p:sldId id="274" r:id="rId11"/>
+    <p:sldId id="276" r:id="rId12"/>
     <p:sldId id="275" r:id="rId13"/>
     <p:sldId id="267" r:id="rId14"/>
     <p:sldId id="265" r:id="rId15"/>
@@ -2735,6 +2735,1744 @@
 </dgm:colorsDef>
 </file>
 
+<file path=ppt/diagrams/colors12.xml><?xml version="1.0" encoding="utf-8"?>
+<dgm:colorsDef xmlns:dgm="http://schemas.openxmlformats.org/drawingml/2006/diagram" xmlns:a="http://schemas.openxmlformats.org/drawingml/2006/main" uniqueId="urn:microsoft.com/office/officeart/2005/8/colors/accent6_4">
+  <dgm:title val=""/>
+  <dgm:desc val=""/>
+  <dgm:catLst>
+    <dgm:cat type="accent6" pri="11400"/>
+  </dgm:catLst>
+  <dgm:styleLbl name="node0">
+    <dgm:fillClrLst meth="cycle">
+      <a:schemeClr val="accent6">
+        <a:shade val="60000"/>
+      </a:schemeClr>
+    </dgm:fillClrLst>
+    <dgm:linClrLst meth="repeat">
+      <a:schemeClr val="lt1"/>
+    </dgm:linClrLst>
+    <dgm:effectClrLst/>
+    <dgm:txLinClrLst/>
+    <dgm:txFillClrLst/>
+    <dgm:txEffectClrLst/>
+  </dgm:styleLbl>
+  <dgm:styleLbl name="alignNode1">
+    <dgm:fillClrLst meth="cycle">
+      <a:schemeClr val="accent6">
+        <a:shade val="50000"/>
+      </a:schemeClr>
+      <a:schemeClr val="accent6">
+        <a:tint val="55000"/>
+      </a:schemeClr>
+    </dgm:fillClrLst>
+    <dgm:linClrLst meth="cycle">
+      <a:schemeClr val="accent6">
+        <a:shade val="50000"/>
+      </a:schemeClr>
+      <a:schemeClr val="accent6">
+        <a:tint val="55000"/>
+      </a:schemeClr>
+    </dgm:linClrLst>
+    <dgm:effectClrLst/>
+    <dgm:txLinClrLst/>
+    <dgm:txFillClrLst/>
+    <dgm:txEffectClrLst/>
+  </dgm:styleLbl>
+  <dgm:styleLbl name="node1">
+    <dgm:fillClrLst meth="cycle">
+      <a:schemeClr val="accent6">
+        <a:shade val="50000"/>
+      </a:schemeClr>
+      <a:schemeClr val="accent6">
+        <a:tint val="55000"/>
+      </a:schemeClr>
+    </dgm:fillClrLst>
+    <dgm:linClrLst meth="repeat">
+      <a:schemeClr val="lt1"/>
+    </dgm:linClrLst>
+    <dgm:effectClrLst/>
+    <dgm:txLinClrLst/>
+    <dgm:txFillClrLst/>
+    <dgm:txEffectClrLst/>
+  </dgm:styleLbl>
+  <dgm:styleLbl name="lnNode1">
+    <dgm:fillClrLst meth="cycle">
+      <a:schemeClr val="accent6">
+        <a:shade val="50000"/>
+      </a:schemeClr>
+      <a:schemeClr val="accent6">
+        <a:tint val="55000"/>
+      </a:schemeClr>
+    </dgm:fillClrLst>
+    <dgm:linClrLst meth="repeat">
+      <a:schemeClr val="lt1"/>
+    </dgm:linClrLst>
+    <dgm:effectClrLst/>
+    <dgm:txLinClrLst/>
+    <dgm:txFillClrLst/>
+    <dgm:txEffectClrLst/>
+  </dgm:styleLbl>
+  <dgm:styleLbl name="vennNode1">
+    <dgm:fillClrLst meth="cycle">
+      <a:schemeClr val="accent6">
+        <a:shade val="80000"/>
+        <a:alpha val="50000"/>
+      </a:schemeClr>
+      <a:schemeClr val="accent6">
+        <a:tint val="50000"/>
+        <a:alpha val="50000"/>
+      </a:schemeClr>
+    </dgm:fillClrLst>
+    <dgm:linClrLst meth="repeat">
+      <a:schemeClr val="lt1"/>
+    </dgm:linClrLst>
+    <dgm:effectClrLst/>
+    <dgm:txLinClrLst/>
+    <dgm:txFillClrLst/>
+    <dgm:txEffectClrLst/>
+  </dgm:styleLbl>
+  <dgm:styleLbl name="node2">
+    <dgm:fillClrLst>
+      <a:schemeClr val="accent6">
+        <a:shade val="80000"/>
+      </a:schemeClr>
+    </dgm:fillClrLst>
+    <dgm:linClrLst meth="repeat">
+      <a:schemeClr val="lt1"/>
+    </dgm:linClrLst>
+    <dgm:effectClrLst/>
+    <dgm:txLinClrLst/>
+    <dgm:txFillClrLst/>
+    <dgm:txEffectClrLst/>
+  </dgm:styleLbl>
+  <dgm:styleLbl name="node3">
+    <dgm:fillClrLst>
+      <a:schemeClr val="accent6">
+        <a:tint val="99000"/>
+      </a:schemeClr>
+    </dgm:fillClrLst>
+    <dgm:linClrLst meth="repeat">
+      <a:schemeClr val="lt1"/>
+    </dgm:linClrLst>
+    <dgm:effectClrLst/>
+    <dgm:txLinClrLst/>
+    <dgm:txFillClrLst/>
+    <dgm:txEffectClrLst/>
+  </dgm:styleLbl>
+  <dgm:styleLbl name="node4">
+    <dgm:fillClrLst>
+      <a:schemeClr val="accent6">
+        <a:tint val="70000"/>
+      </a:schemeClr>
+    </dgm:fillClrLst>
+    <dgm:linClrLst meth="repeat">
+      <a:schemeClr val="lt1"/>
+    </dgm:linClrLst>
+    <dgm:effectClrLst/>
+    <dgm:txLinClrLst/>
+    <dgm:txFillClrLst/>
+    <dgm:txEffectClrLst/>
+  </dgm:styleLbl>
+  <dgm:styleLbl name="fgImgPlace1">
+    <dgm:fillClrLst>
+      <a:schemeClr val="accent6">
+        <a:tint val="50000"/>
+      </a:schemeClr>
+      <a:schemeClr val="accent6">
+        <a:tint val="55000"/>
+      </a:schemeClr>
+    </dgm:fillClrLst>
+    <dgm:linClrLst meth="repeat">
+      <a:schemeClr val="lt1"/>
+    </dgm:linClrLst>
+    <dgm:effectClrLst/>
+    <dgm:txLinClrLst/>
+    <dgm:txFillClrLst meth="repeat">
+      <a:schemeClr val="lt1"/>
+    </dgm:txFillClrLst>
+    <dgm:txEffectClrLst/>
+  </dgm:styleLbl>
+  <dgm:styleLbl name="alignImgPlace1">
+    <dgm:fillClrLst>
+      <a:schemeClr val="accent6">
+        <a:tint val="50000"/>
+      </a:schemeClr>
+      <a:schemeClr val="accent6">
+        <a:tint val="55000"/>
+      </a:schemeClr>
+    </dgm:fillClrLst>
+    <dgm:linClrLst meth="repeat">
+      <a:schemeClr val="lt1"/>
+    </dgm:linClrLst>
+    <dgm:effectClrLst/>
+    <dgm:txLinClrLst/>
+    <dgm:txFillClrLst meth="repeat">
+      <a:schemeClr val="lt1"/>
+    </dgm:txFillClrLst>
+    <dgm:txEffectClrLst/>
+  </dgm:styleLbl>
+  <dgm:styleLbl name="bgImgPlace1">
+    <dgm:fillClrLst>
+      <a:schemeClr val="accent6">
+        <a:tint val="50000"/>
+      </a:schemeClr>
+      <a:schemeClr val="accent6">
+        <a:tint val="55000"/>
+      </a:schemeClr>
+    </dgm:fillClrLst>
+    <dgm:linClrLst meth="repeat">
+      <a:schemeClr val="lt1"/>
+    </dgm:linClrLst>
+    <dgm:effectClrLst/>
+    <dgm:txLinClrLst/>
+    <dgm:txFillClrLst meth="repeat">
+      <a:schemeClr val="lt1"/>
+    </dgm:txFillClrLst>
+    <dgm:txEffectClrLst/>
+  </dgm:styleLbl>
+  <dgm:styleLbl name="sibTrans2D1">
+    <dgm:fillClrLst meth="cycle">
+      <a:schemeClr val="accent6">
+        <a:shade val="90000"/>
+      </a:schemeClr>
+      <a:schemeClr val="accent6">
+        <a:tint val="50000"/>
+      </a:schemeClr>
+    </dgm:fillClrLst>
+    <dgm:linClrLst meth="cycle">
+      <a:schemeClr val="accent6">
+        <a:shade val="90000"/>
+      </a:schemeClr>
+      <a:schemeClr val="accent6">
+        <a:tint val="50000"/>
+      </a:schemeClr>
+    </dgm:linClrLst>
+    <dgm:effectClrLst/>
+    <dgm:txLinClrLst/>
+    <dgm:txFillClrLst/>
+    <dgm:txEffectClrLst/>
+  </dgm:styleLbl>
+  <dgm:styleLbl name="fgSibTrans2D1">
+    <dgm:fillClrLst meth="cycle">
+      <a:schemeClr val="accent6">
+        <a:shade val="90000"/>
+      </a:schemeClr>
+      <a:schemeClr val="accent6">
+        <a:tint val="50000"/>
+      </a:schemeClr>
+    </dgm:fillClrLst>
+    <dgm:linClrLst meth="cycle">
+      <a:schemeClr val="accent6">
+        <a:shade val="90000"/>
+      </a:schemeClr>
+      <a:schemeClr val="accent6">
+        <a:tint val="50000"/>
+      </a:schemeClr>
+    </dgm:linClrLst>
+    <dgm:effectClrLst/>
+    <dgm:txLinClrLst/>
+    <dgm:txFillClrLst/>
+    <dgm:txEffectClrLst/>
+  </dgm:styleLbl>
+  <dgm:styleLbl name="bgSibTrans2D1">
+    <dgm:fillClrLst meth="cycle">
+      <a:schemeClr val="accent6">
+        <a:shade val="90000"/>
+      </a:schemeClr>
+      <a:schemeClr val="accent6">
+        <a:tint val="50000"/>
+      </a:schemeClr>
+    </dgm:fillClrLst>
+    <dgm:linClrLst meth="cycle">
+      <a:schemeClr val="accent6">
+        <a:shade val="90000"/>
+      </a:schemeClr>
+      <a:schemeClr val="accent6">
+        <a:tint val="50000"/>
+      </a:schemeClr>
+    </dgm:linClrLst>
+    <dgm:effectClrLst/>
+    <dgm:txLinClrLst/>
+    <dgm:txFillClrLst/>
+    <dgm:txEffectClrLst/>
+  </dgm:styleLbl>
+  <dgm:styleLbl name="sibTrans1D1">
+    <dgm:fillClrLst meth="cycle">
+      <a:schemeClr val="accent6">
+        <a:shade val="90000"/>
+      </a:schemeClr>
+      <a:schemeClr val="accent6">
+        <a:tint val="50000"/>
+      </a:schemeClr>
+    </dgm:fillClrLst>
+    <dgm:linClrLst meth="cycle">
+      <a:schemeClr val="accent6">
+        <a:shade val="90000"/>
+      </a:schemeClr>
+      <a:schemeClr val="accent6">
+        <a:tint val="50000"/>
+      </a:schemeClr>
+    </dgm:linClrLst>
+    <dgm:effectClrLst/>
+    <dgm:txLinClrLst/>
+    <dgm:txFillClrLst meth="repeat">
+      <a:schemeClr val="tx1"/>
+    </dgm:txFillClrLst>
+    <dgm:txEffectClrLst/>
+  </dgm:styleLbl>
+  <dgm:styleLbl name="callout">
+    <dgm:fillClrLst meth="repeat">
+      <a:schemeClr val="accent6"/>
+    </dgm:fillClrLst>
+    <dgm:linClrLst meth="repeat">
+      <a:schemeClr val="accent6"/>
+    </dgm:linClrLst>
+    <dgm:effectClrLst/>
+    <dgm:txLinClrLst/>
+    <dgm:txFillClrLst meth="repeat">
+      <a:schemeClr val="tx1"/>
+    </dgm:txFillClrLst>
+    <dgm:txEffectClrLst/>
+  </dgm:styleLbl>
+  <dgm:styleLbl name="asst0">
+    <dgm:fillClrLst meth="repeat">
+      <a:schemeClr val="accent6">
+        <a:shade val="80000"/>
+      </a:schemeClr>
+    </dgm:fillClrLst>
+    <dgm:linClrLst meth="repeat">
+      <a:schemeClr val="lt1"/>
+    </dgm:linClrLst>
+    <dgm:effectClrLst/>
+    <dgm:txLinClrLst/>
+    <dgm:txFillClrLst/>
+    <dgm:txEffectClrLst/>
+  </dgm:styleLbl>
+  <dgm:styleLbl name="asst1">
+    <dgm:fillClrLst meth="repeat">
+      <a:schemeClr val="accent6">
+        <a:shade val="80000"/>
+      </a:schemeClr>
+    </dgm:fillClrLst>
+    <dgm:linClrLst meth="repeat">
+      <a:schemeClr val="lt1"/>
+    </dgm:linClrLst>
+    <dgm:effectClrLst/>
+    <dgm:txLinClrLst/>
+    <dgm:txFillClrLst/>
+    <dgm:txEffectClrLst/>
+  </dgm:styleLbl>
+  <dgm:styleLbl name="asst2">
+    <dgm:fillClrLst>
+      <a:schemeClr val="accent6">
+        <a:tint val="90000"/>
+      </a:schemeClr>
+    </dgm:fillClrLst>
+    <dgm:linClrLst meth="repeat">
+      <a:schemeClr val="lt1"/>
+    </dgm:linClrLst>
+    <dgm:effectClrLst/>
+    <dgm:txLinClrLst/>
+    <dgm:txFillClrLst/>
+    <dgm:txEffectClrLst/>
+  </dgm:styleLbl>
+  <dgm:styleLbl name="asst3">
+    <dgm:fillClrLst>
+      <a:schemeClr val="accent6">
+        <a:tint val="70000"/>
+      </a:schemeClr>
+    </dgm:fillClrLst>
+    <dgm:linClrLst meth="repeat">
+      <a:schemeClr val="lt1"/>
+    </dgm:linClrLst>
+    <dgm:effectClrLst/>
+    <dgm:txLinClrLst/>
+    <dgm:txFillClrLst/>
+    <dgm:txEffectClrLst/>
+  </dgm:styleLbl>
+  <dgm:styleLbl name="asst4">
+    <dgm:fillClrLst>
+      <a:schemeClr val="accent6">
+        <a:tint val="50000"/>
+      </a:schemeClr>
+    </dgm:fillClrLst>
+    <dgm:linClrLst meth="repeat">
+      <a:schemeClr val="lt1"/>
+    </dgm:linClrLst>
+    <dgm:effectClrLst/>
+    <dgm:txLinClrLst/>
+    <dgm:txFillClrLst/>
+    <dgm:txEffectClrLst/>
+  </dgm:styleLbl>
+  <dgm:styleLbl name="parChTrans2D1">
+    <dgm:fillClrLst meth="repeat">
+      <a:schemeClr val="accent6">
+        <a:tint val="60000"/>
+      </a:schemeClr>
+    </dgm:fillClrLst>
+    <dgm:linClrLst meth="repeat">
+      <a:schemeClr val="accent6">
+        <a:shade val="80000"/>
+      </a:schemeClr>
+    </dgm:linClrLst>
+    <dgm:effectClrLst/>
+    <dgm:txLinClrLst/>
+    <dgm:txFillClrLst/>
+    <dgm:txEffectClrLst/>
+  </dgm:styleLbl>
+  <dgm:styleLbl name="parChTrans2D2">
+    <dgm:fillClrLst meth="repeat">
+      <a:schemeClr val="accent6">
+        <a:tint val="90000"/>
+      </a:schemeClr>
+    </dgm:fillClrLst>
+    <dgm:linClrLst meth="repeat">
+      <a:schemeClr val="accent6">
+        <a:tint val="90000"/>
+      </a:schemeClr>
+    </dgm:linClrLst>
+    <dgm:effectClrLst/>
+    <dgm:txLinClrLst/>
+    <dgm:txFillClrLst/>
+    <dgm:txEffectClrLst/>
+  </dgm:styleLbl>
+  <dgm:styleLbl name="parChTrans2D3">
+    <dgm:fillClrLst meth="repeat">
+      <a:schemeClr val="accent6">
+        <a:tint val="70000"/>
+      </a:schemeClr>
+    </dgm:fillClrLst>
+    <dgm:linClrLst meth="repeat">
+      <a:schemeClr val="accent6">
+        <a:tint val="70000"/>
+      </a:schemeClr>
+    </dgm:linClrLst>
+    <dgm:effectClrLst/>
+    <dgm:txLinClrLst/>
+    <dgm:txFillClrLst/>
+    <dgm:txEffectClrLst/>
+  </dgm:styleLbl>
+  <dgm:styleLbl name="parChTrans2D4">
+    <dgm:fillClrLst meth="repeat">
+      <a:schemeClr val="accent6">
+        <a:tint val="50000"/>
+      </a:schemeClr>
+    </dgm:fillClrLst>
+    <dgm:linClrLst meth="repeat">
+      <a:schemeClr val="accent6">
+        <a:tint val="50000"/>
+      </a:schemeClr>
+    </dgm:linClrLst>
+    <dgm:effectClrLst/>
+    <dgm:txLinClrLst/>
+    <dgm:txFillClrLst meth="repeat">
+      <a:schemeClr val="dk1"/>
+    </dgm:txFillClrLst>
+    <dgm:txEffectClrLst/>
+  </dgm:styleLbl>
+  <dgm:styleLbl name="parChTrans1D1">
+    <dgm:fillClrLst meth="repeat">
+      <a:schemeClr val="accent6">
+        <a:shade val="80000"/>
+      </a:schemeClr>
+    </dgm:fillClrLst>
+    <dgm:linClrLst meth="repeat">
+      <a:schemeClr val="accent6">
+        <a:shade val="80000"/>
+      </a:schemeClr>
+    </dgm:linClrLst>
+    <dgm:effectClrLst/>
+    <dgm:txLinClrLst/>
+    <dgm:txFillClrLst meth="repeat">
+      <a:schemeClr val="tx1"/>
+    </dgm:txFillClrLst>
+    <dgm:txEffectClrLst/>
+  </dgm:styleLbl>
+  <dgm:styleLbl name="parChTrans1D2">
+    <dgm:fillClrLst meth="repeat">
+      <a:schemeClr val="accent6">
+        <a:tint val="90000"/>
+      </a:schemeClr>
+    </dgm:fillClrLst>
+    <dgm:linClrLst meth="repeat">
+      <a:schemeClr val="accent6">
+        <a:tint val="90000"/>
+      </a:schemeClr>
+    </dgm:linClrLst>
+    <dgm:effectClrLst/>
+    <dgm:txLinClrLst/>
+    <dgm:txFillClrLst meth="repeat">
+      <a:schemeClr val="tx1"/>
+    </dgm:txFillClrLst>
+    <dgm:txEffectClrLst/>
+  </dgm:styleLbl>
+  <dgm:styleLbl name="parChTrans1D3">
+    <dgm:fillClrLst meth="repeat">
+      <a:schemeClr val="accent6">
+        <a:tint val="70000"/>
+      </a:schemeClr>
+    </dgm:fillClrLst>
+    <dgm:linClrLst meth="repeat">
+      <a:schemeClr val="accent6">
+        <a:tint val="70000"/>
+      </a:schemeClr>
+    </dgm:linClrLst>
+    <dgm:effectClrLst/>
+    <dgm:txLinClrLst/>
+    <dgm:txFillClrLst meth="repeat">
+      <a:schemeClr val="tx1"/>
+    </dgm:txFillClrLst>
+    <dgm:txEffectClrLst/>
+  </dgm:styleLbl>
+  <dgm:styleLbl name="parChTrans1D4">
+    <dgm:fillClrLst meth="repeat">
+      <a:schemeClr val="accent6">
+        <a:tint val="50000"/>
+      </a:schemeClr>
+    </dgm:fillClrLst>
+    <dgm:linClrLst meth="repeat">
+      <a:schemeClr val="accent6">
+        <a:tint val="50000"/>
+      </a:schemeClr>
+    </dgm:linClrLst>
+    <dgm:effectClrLst/>
+    <dgm:txLinClrLst/>
+    <dgm:txFillClrLst meth="repeat">
+      <a:schemeClr val="tx1"/>
+    </dgm:txFillClrLst>
+    <dgm:txEffectClrLst/>
+  </dgm:styleLbl>
+  <dgm:styleLbl name="fgAcc1">
+    <dgm:fillClrLst meth="repeat">
+      <a:schemeClr val="lt1">
+        <a:alpha val="90000"/>
+      </a:schemeClr>
+    </dgm:fillClrLst>
+    <dgm:linClrLst meth="cycle">
+      <a:schemeClr val="accent6">
+        <a:shade val="50000"/>
+      </a:schemeClr>
+      <a:schemeClr val="accent6">
+        <a:tint val="55000"/>
+      </a:schemeClr>
+    </dgm:linClrLst>
+    <dgm:effectClrLst/>
+    <dgm:txLinClrLst/>
+    <dgm:txFillClrLst meth="repeat">
+      <a:schemeClr val="dk1"/>
+    </dgm:txFillClrLst>
+    <dgm:txEffectClrLst/>
+  </dgm:styleLbl>
+  <dgm:styleLbl name="conFgAcc1">
+    <dgm:fillClrLst meth="repeat">
+      <a:schemeClr val="lt1">
+        <a:alpha val="90000"/>
+      </a:schemeClr>
+    </dgm:fillClrLst>
+    <dgm:linClrLst meth="cycle">
+      <a:schemeClr val="accent6">
+        <a:shade val="50000"/>
+      </a:schemeClr>
+      <a:schemeClr val="accent6">
+        <a:tint val="55000"/>
+      </a:schemeClr>
+    </dgm:linClrLst>
+    <dgm:effectClrLst/>
+    <dgm:txLinClrLst/>
+    <dgm:txFillClrLst meth="repeat">
+      <a:schemeClr val="dk1"/>
+    </dgm:txFillClrLst>
+    <dgm:txEffectClrLst/>
+  </dgm:styleLbl>
+  <dgm:styleLbl name="alignAcc1">
+    <dgm:fillClrLst meth="repeat">
+      <a:schemeClr val="lt1">
+        <a:alpha val="90000"/>
+      </a:schemeClr>
+    </dgm:fillClrLst>
+    <dgm:linClrLst meth="cycle">
+      <a:schemeClr val="accent6">
+        <a:shade val="50000"/>
+      </a:schemeClr>
+      <a:schemeClr val="accent6">
+        <a:tint val="55000"/>
+      </a:schemeClr>
+    </dgm:linClrLst>
+    <dgm:effectClrLst/>
+    <dgm:txLinClrLst/>
+    <dgm:txFillClrLst meth="repeat">
+      <a:schemeClr val="dk1"/>
+    </dgm:txFillClrLst>
+    <dgm:txEffectClrLst/>
+  </dgm:styleLbl>
+  <dgm:styleLbl name="trAlignAcc1">
+    <dgm:fillClrLst meth="repeat">
+      <a:schemeClr val="lt1">
+        <a:alpha val="55000"/>
+      </a:schemeClr>
+    </dgm:fillClrLst>
+    <dgm:linClrLst meth="repeat">
+      <a:schemeClr val="accent6"/>
+    </dgm:linClrLst>
+    <dgm:effectClrLst/>
+    <dgm:txLinClrLst/>
+    <dgm:txFillClrLst meth="repeat">
+      <a:schemeClr val="dk1"/>
+    </dgm:txFillClrLst>
+    <dgm:txEffectClrLst/>
+  </dgm:styleLbl>
+  <dgm:styleLbl name="bgAcc1">
+    <dgm:fillClrLst meth="repeat">
+      <a:schemeClr val="lt1">
+        <a:alpha val="90000"/>
+      </a:schemeClr>
+    </dgm:fillClrLst>
+    <dgm:linClrLst meth="cycle">
+      <a:schemeClr val="accent6">
+        <a:shade val="50000"/>
+      </a:schemeClr>
+      <a:schemeClr val="accent6">
+        <a:tint val="55000"/>
+      </a:schemeClr>
+    </dgm:linClrLst>
+    <dgm:effectClrLst/>
+    <dgm:txLinClrLst/>
+    <dgm:txFillClrLst meth="repeat">
+      <a:schemeClr val="dk1"/>
+    </dgm:txFillClrLst>
+    <dgm:txEffectClrLst/>
+  </dgm:styleLbl>
+  <dgm:styleLbl name="solidFgAcc1">
+    <dgm:fillClrLst meth="repeat">
+      <a:schemeClr val="lt1"/>
+    </dgm:fillClrLst>
+    <dgm:linClrLst meth="cycle">
+      <a:schemeClr val="accent6">
+        <a:shade val="50000"/>
+      </a:schemeClr>
+      <a:schemeClr val="accent6">
+        <a:tint val="55000"/>
+      </a:schemeClr>
+    </dgm:linClrLst>
+    <dgm:effectClrLst/>
+    <dgm:txLinClrLst/>
+    <dgm:txFillClrLst meth="repeat">
+      <a:schemeClr val="dk1"/>
+    </dgm:txFillClrLst>
+    <dgm:txEffectClrLst/>
+  </dgm:styleLbl>
+  <dgm:styleLbl name="solidAlignAcc1">
+    <dgm:fillClrLst meth="repeat">
+      <a:schemeClr val="lt1"/>
+    </dgm:fillClrLst>
+    <dgm:linClrLst meth="repeat">
+      <a:schemeClr val="accent6"/>
+    </dgm:linClrLst>
+    <dgm:effectClrLst/>
+    <dgm:txLinClrLst/>
+    <dgm:txFillClrLst meth="repeat">
+      <a:schemeClr val="dk1"/>
+    </dgm:txFillClrLst>
+    <dgm:txEffectClrLst/>
+  </dgm:styleLbl>
+  <dgm:styleLbl name="solidBgAcc1">
+    <dgm:fillClrLst meth="repeat">
+      <a:schemeClr val="lt1"/>
+    </dgm:fillClrLst>
+    <dgm:linClrLst meth="repeat">
+      <a:schemeClr val="accent6"/>
+    </dgm:linClrLst>
+    <dgm:effectClrLst/>
+    <dgm:txLinClrLst/>
+    <dgm:txFillClrLst meth="repeat">
+      <a:schemeClr val="dk1"/>
+    </dgm:txFillClrLst>
+    <dgm:txEffectClrLst/>
+  </dgm:styleLbl>
+  <dgm:styleLbl name="fgAccFollowNode1">
+    <dgm:fillClrLst meth="repeat">
+      <a:schemeClr val="accent6">
+        <a:alpha val="90000"/>
+        <a:tint val="55000"/>
+      </a:schemeClr>
+    </dgm:fillClrLst>
+    <dgm:linClrLst meth="repeat">
+      <a:schemeClr val="accent6">
+        <a:alpha val="90000"/>
+        <a:tint val="55000"/>
+      </a:schemeClr>
+    </dgm:linClrLst>
+    <dgm:effectClrLst/>
+    <dgm:txLinClrLst/>
+    <dgm:txFillClrLst meth="repeat">
+      <a:schemeClr val="dk1"/>
+    </dgm:txFillClrLst>
+    <dgm:txEffectClrLst/>
+  </dgm:styleLbl>
+  <dgm:styleLbl name="alignAccFollowNode1">
+    <dgm:fillClrLst meth="repeat">
+      <a:schemeClr val="accent6">
+        <a:alpha val="90000"/>
+        <a:tint val="55000"/>
+      </a:schemeClr>
+    </dgm:fillClrLst>
+    <dgm:linClrLst meth="repeat">
+      <a:schemeClr val="accent6">
+        <a:alpha val="90000"/>
+        <a:tint val="55000"/>
+      </a:schemeClr>
+    </dgm:linClrLst>
+    <dgm:effectClrLst/>
+    <dgm:txLinClrLst/>
+    <dgm:txFillClrLst meth="repeat">
+      <a:schemeClr val="dk1"/>
+    </dgm:txFillClrLst>
+    <dgm:txEffectClrLst/>
+  </dgm:styleLbl>
+  <dgm:styleLbl name="bgAccFollowNode1">
+    <dgm:fillClrLst meth="repeat">
+      <a:schemeClr val="accent6">
+        <a:alpha val="90000"/>
+        <a:tint val="55000"/>
+      </a:schemeClr>
+    </dgm:fillClrLst>
+    <dgm:linClrLst meth="repeat">
+      <a:schemeClr val="lt1"/>
+    </dgm:linClrLst>
+    <dgm:effectClrLst/>
+    <dgm:txLinClrLst/>
+    <dgm:txFillClrLst meth="repeat">
+      <a:schemeClr val="dk1"/>
+    </dgm:txFillClrLst>
+    <dgm:txEffectClrLst/>
+  </dgm:styleLbl>
+  <dgm:styleLbl name="fgAcc0">
+    <dgm:fillClrLst meth="repeat">
+      <a:schemeClr val="lt1">
+        <a:alpha val="90000"/>
+      </a:schemeClr>
+    </dgm:fillClrLst>
+    <dgm:linClrLst meth="repeat">
+      <a:schemeClr val="accent6">
+        <a:shade val="80000"/>
+      </a:schemeClr>
+    </dgm:linClrLst>
+    <dgm:effectClrLst/>
+    <dgm:txLinClrLst/>
+    <dgm:txFillClrLst meth="repeat">
+      <a:schemeClr val="dk1"/>
+    </dgm:txFillClrLst>
+    <dgm:txEffectClrLst/>
+  </dgm:styleLbl>
+  <dgm:styleLbl name="fgAcc2">
+    <dgm:fillClrLst meth="repeat">
+      <a:schemeClr val="lt1">
+        <a:alpha val="90000"/>
+      </a:schemeClr>
+    </dgm:fillClrLst>
+    <dgm:linClrLst meth="repeat">
+      <a:schemeClr val="accent6">
+        <a:tint val="90000"/>
+      </a:schemeClr>
+    </dgm:linClrLst>
+    <dgm:effectClrLst/>
+    <dgm:txLinClrLst/>
+    <dgm:txFillClrLst meth="repeat">
+      <a:schemeClr val="dk1"/>
+    </dgm:txFillClrLst>
+    <dgm:txEffectClrLst/>
+  </dgm:styleLbl>
+  <dgm:styleLbl name="fgAcc3">
+    <dgm:fillClrLst meth="repeat">
+      <a:schemeClr val="lt1">
+        <a:alpha val="90000"/>
+      </a:schemeClr>
+    </dgm:fillClrLst>
+    <dgm:linClrLst meth="repeat">
+      <a:schemeClr val="accent6">
+        <a:tint val="70000"/>
+      </a:schemeClr>
+    </dgm:linClrLst>
+    <dgm:effectClrLst/>
+    <dgm:txLinClrLst/>
+    <dgm:txFillClrLst meth="repeat">
+      <a:schemeClr val="dk1"/>
+    </dgm:txFillClrLst>
+    <dgm:txEffectClrLst/>
+  </dgm:styleLbl>
+  <dgm:styleLbl name="fgAcc4">
+    <dgm:fillClrLst meth="repeat">
+      <a:schemeClr val="lt1">
+        <a:alpha val="90000"/>
+      </a:schemeClr>
+    </dgm:fillClrLst>
+    <dgm:linClrLst meth="repeat">
+      <a:schemeClr val="accent6">
+        <a:tint val="50000"/>
+      </a:schemeClr>
+    </dgm:linClrLst>
+    <dgm:effectClrLst/>
+    <dgm:txLinClrLst/>
+    <dgm:txFillClrLst meth="repeat">
+      <a:schemeClr val="dk1"/>
+    </dgm:txFillClrLst>
+    <dgm:txEffectClrLst/>
+  </dgm:styleLbl>
+  <dgm:styleLbl name="bgShp">
+    <dgm:fillClrLst meth="repeat">
+      <a:schemeClr val="accent6">
+        <a:tint val="55000"/>
+      </a:schemeClr>
+    </dgm:fillClrLst>
+    <dgm:linClrLst meth="repeat">
+      <a:schemeClr val="dk1"/>
+    </dgm:linClrLst>
+    <dgm:effectClrLst/>
+    <dgm:txLinClrLst/>
+    <dgm:txFillClrLst meth="repeat">
+      <a:schemeClr val="dk1"/>
+    </dgm:txFillClrLst>
+    <dgm:txEffectClrLst/>
+  </dgm:styleLbl>
+  <dgm:styleLbl name="dkBgShp">
+    <dgm:fillClrLst meth="repeat">
+      <a:schemeClr val="accent6">
+        <a:shade val="90000"/>
+      </a:schemeClr>
+    </dgm:fillClrLst>
+    <dgm:linClrLst meth="repeat">
+      <a:schemeClr val="dk1"/>
+    </dgm:linClrLst>
+    <dgm:effectClrLst/>
+    <dgm:txLinClrLst/>
+    <dgm:txFillClrLst meth="repeat">
+      <a:schemeClr val="lt1"/>
+    </dgm:txFillClrLst>
+    <dgm:txEffectClrLst/>
+  </dgm:styleLbl>
+  <dgm:styleLbl name="trBgShp">
+    <dgm:fillClrLst meth="repeat">
+      <a:schemeClr val="accent6">
+        <a:tint val="50000"/>
+        <a:alpha val="55000"/>
+      </a:schemeClr>
+    </dgm:fillClrLst>
+    <dgm:linClrLst meth="repeat">
+      <a:schemeClr val="accent6"/>
+    </dgm:linClrLst>
+    <dgm:effectClrLst/>
+    <dgm:txLinClrLst/>
+    <dgm:txFillClrLst meth="repeat">
+      <a:schemeClr val="lt1"/>
+    </dgm:txFillClrLst>
+    <dgm:txEffectClrLst/>
+  </dgm:styleLbl>
+  <dgm:styleLbl name="fgShp">
+    <dgm:fillClrLst meth="repeat">
+      <a:schemeClr val="accent6">
+        <a:tint val="55000"/>
+      </a:schemeClr>
+    </dgm:fillClrLst>
+    <dgm:linClrLst meth="repeat">
+      <a:schemeClr val="lt1"/>
+    </dgm:linClrLst>
+    <dgm:effectClrLst/>
+    <dgm:txLinClrLst/>
+    <dgm:txFillClrLst meth="repeat">
+      <a:schemeClr val="dk1"/>
+    </dgm:txFillClrLst>
+    <dgm:txEffectClrLst/>
+  </dgm:styleLbl>
+  <dgm:styleLbl name="revTx">
+    <dgm:fillClrLst meth="repeat">
+      <a:schemeClr val="lt1">
+        <a:alpha val="0"/>
+      </a:schemeClr>
+    </dgm:fillClrLst>
+    <dgm:linClrLst meth="repeat">
+      <a:schemeClr val="dk1">
+        <a:alpha val="0"/>
+      </a:schemeClr>
+    </dgm:linClrLst>
+    <dgm:effectClrLst/>
+    <dgm:txLinClrLst/>
+    <dgm:txFillClrLst meth="repeat">
+      <a:schemeClr val="tx1"/>
+    </dgm:txFillClrLst>
+    <dgm:txEffectClrLst/>
+  </dgm:styleLbl>
+</dgm:colorsDef>
+</file>
+
+<file path=ppt/diagrams/colors13.xml><?xml version="1.0" encoding="utf-8"?>
+<dgm:colorsDef xmlns:dgm="http://schemas.openxmlformats.org/drawingml/2006/diagram" xmlns:a="http://schemas.openxmlformats.org/drawingml/2006/main" uniqueId="urn:microsoft.com/office/officeart/2005/8/colors/accent6_4">
+  <dgm:title val=""/>
+  <dgm:desc val=""/>
+  <dgm:catLst>
+    <dgm:cat type="accent6" pri="11400"/>
+  </dgm:catLst>
+  <dgm:styleLbl name="node0">
+    <dgm:fillClrLst meth="cycle">
+      <a:schemeClr val="accent6">
+        <a:shade val="60000"/>
+      </a:schemeClr>
+    </dgm:fillClrLst>
+    <dgm:linClrLst meth="repeat">
+      <a:schemeClr val="lt1"/>
+    </dgm:linClrLst>
+    <dgm:effectClrLst/>
+    <dgm:txLinClrLst/>
+    <dgm:txFillClrLst/>
+    <dgm:txEffectClrLst/>
+  </dgm:styleLbl>
+  <dgm:styleLbl name="alignNode1">
+    <dgm:fillClrLst meth="cycle">
+      <a:schemeClr val="accent6">
+        <a:shade val="50000"/>
+      </a:schemeClr>
+      <a:schemeClr val="accent6">
+        <a:tint val="55000"/>
+      </a:schemeClr>
+    </dgm:fillClrLst>
+    <dgm:linClrLst meth="cycle">
+      <a:schemeClr val="accent6">
+        <a:shade val="50000"/>
+      </a:schemeClr>
+      <a:schemeClr val="accent6">
+        <a:tint val="55000"/>
+      </a:schemeClr>
+    </dgm:linClrLst>
+    <dgm:effectClrLst/>
+    <dgm:txLinClrLst/>
+    <dgm:txFillClrLst/>
+    <dgm:txEffectClrLst/>
+  </dgm:styleLbl>
+  <dgm:styleLbl name="node1">
+    <dgm:fillClrLst meth="cycle">
+      <a:schemeClr val="accent6">
+        <a:shade val="50000"/>
+      </a:schemeClr>
+      <a:schemeClr val="accent6">
+        <a:tint val="55000"/>
+      </a:schemeClr>
+    </dgm:fillClrLst>
+    <dgm:linClrLst meth="repeat">
+      <a:schemeClr val="lt1"/>
+    </dgm:linClrLst>
+    <dgm:effectClrLst/>
+    <dgm:txLinClrLst/>
+    <dgm:txFillClrLst/>
+    <dgm:txEffectClrLst/>
+  </dgm:styleLbl>
+  <dgm:styleLbl name="lnNode1">
+    <dgm:fillClrLst meth="cycle">
+      <a:schemeClr val="accent6">
+        <a:shade val="50000"/>
+      </a:schemeClr>
+      <a:schemeClr val="accent6">
+        <a:tint val="55000"/>
+      </a:schemeClr>
+    </dgm:fillClrLst>
+    <dgm:linClrLst meth="repeat">
+      <a:schemeClr val="lt1"/>
+    </dgm:linClrLst>
+    <dgm:effectClrLst/>
+    <dgm:txLinClrLst/>
+    <dgm:txFillClrLst/>
+    <dgm:txEffectClrLst/>
+  </dgm:styleLbl>
+  <dgm:styleLbl name="vennNode1">
+    <dgm:fillClrLst meth="cycle">
+      <a:schemeClr val="accent6">
+        <a:shade val="80000"/>
+        <a:alpha val="50000"/>
+      </a:schemeClr>
+      <a:schemeClr val="accent6">
+        <a:tint val="50000"/>
+        <a:alpha val="50000"/>
+      </a:schemeClr>
+    </dgm:fillClrLst>
+    <dgm:linClrLst meth="repeat">
+      <a:schemeClr val="lt1"/>
+    </dgm:linClrLst>
+    <dgm:effectClrLst/>
+    <dgm:txLinClrLst/>
+    <dgm:txFillClrLst/>
+    <dgm:txEffectClrLst/>
+  </dgm:styleLbl>
+  <dgm:styleLbl name="node2">
+    <dgm:fillClrLst>
+      <a:schemeClr val="accent6">
+        <a:shade val="80000"/>
+      </a:schemeClr>
+    </dgm:fillClrLst>
+    <dgm:linClrLst meth="repeat">
+      <a:schemeClr val="lt1"/>
+    </dgm:linClrLst>
+    <dgm:effectClrLst/>
+    <dgm:txLinClrLst/>
+    <dgm:txFillClrLst/>
+    <dgm:txEffectClrLst/>
+  </dgm:styleLbl>
+  <dgm:styleLbl name="node3">
+    <dgm:fillClrLst>
+      <a:schemeClr val="accent6">
+        <a:tint val="99000"/>
+      </a:schemeClr>
+    </dgm:fillClrLst>
+    <dgm:linClrLst meth="repeat">
+      <a:schemeClr val="lt1"/>
+    </dgm:linClrLst>
+    <dgm:effectClrLst/>
+    <dgm:txLinClrLst/>
+    <dgm:txFillClrLst/>
+    <dgm:txEffectClrLst/>
+  </dgm:styleLbl>
+  <dgm:styleLbl name="node4">
+    <dgm:fillClrLst>
+      <a:schemeClr val="accent6">
+        <a:tint val="70000"/>
+      </a:schemeClr>
+    </dgm:fillClrLst>
+    <dgm:linClrLst meth="repeat">
+      <a:schemeClr val="lt1"/>
+    </dgm:linClrLst>
+    <dgm:effectClrLst/>
+    <dgm:txLinClrLst/>
+    <dgm:txFillClrLst/>
+    <dgm:txEffectClrLst/>
+  </dgm:styleLbl>
+  <dgm:styleLbl name="fgImgPlace1">
+    <dgm:fillClrLst>
+      <a:schemeClr val="accent6">
+        <a:tint val="50000"/>
+      </a:schemeClr>
+      <a:schemeClr val="accent6">
+        <a:tint val="55000"/>
+      </a:schemeClr>
+    </dgm:fillClrLst>
+    <dgm:linClrLst meth="repeat">
+      <a:schemeClr val="lt1"/>
+    </dgm:linClrLst>
+    <dgm:effectClrLst/>
+    <dgm:txLinClrLst/>
+    <dgm:txFillClrLst meth="repeat">
+      <a:schemeClr val="lt1"/>
+    </dgm:txFillClrLst>
+    <dgm:txEffectClrLst/>
+  </dgm:styleLbl>
+  <dgm:styleLbl name="alignImgPlace1">
+    <dgm:fillClrLst>
+      <a:schemeClr val="accent6">
+        <a:tint val="50000"/>
+      </a:schemeClr>
+      <a:schemeClr val="accent6">
+        <a:tint val="55000"/>
+      </a:schemeClr>
+    </dgm:fillClrLst>
+    <dgm:linClrLst meth="repeat">
+      <a:schemeClr val="lt1"/>
+    </dgm:linClrLst>
+    <dgm:effectClrLst/>
+    <dgm:txLinClrLst/>
+    <dgm:txFillClrLst meth="repeat">
+      <a:schemeClr val="lt1"/>
+    </dgm:txFillClrLst>
+    <dgm:txEffectClrLst/>
+  </dgm:styleLbl>
+  <dgm:styleLbl name="bgImgPlace1">
+    <dgm:fillClrLst>
+      <a:schemeClr val="accent6">
+        <a:tint val="50000"/>
+      </a:schemeClr>
+      <a:schemeClr val="accent6">
+        <a:tint val="55000"/>
+      </a:schemeClr>
+    </dgm:fillClrLst>
+    <dgm:linClrLst meth="repeat">
+      <a:schemeClr val="lt1"/>
+    </dgm:linClrLst>
+    <dgm:effectClrLst/>
+    <dgm:txLinClrLst/>
+    <dgm:txFillClrLst meth="repeat">
+      <a:schemeClr val="lt1"/>
+    </dgm:txFillClrLst>
+    <dgm:txEffectClrLst/>
+  </dgm:styleLbl>
+  <dgm:styleLbl name="sibTrans2D1">
+    <dgm:fillClrLst meth="cycle">
+      <a:schemeClr val="accent6">
+        <a:shade val="90000"/>
+      </a:schemeClr>
+      <a:schemeClr val="accent6">
+        <a:tint val="50000"/>
+      </a:schemeClr>
+    </dgm:fillClrLst>
+    <dgm:linClrLst meth="cycle">
+      <a:schemeClr val="accent6">
+        <a:shade val="90000"/>
+      </a:schemeClr>
+      <a:schemeClr val="accent6">
+        <a:tint val="50000"/>
+      </a:schemeClr>
+    </dgm:linClrLst>
+    <dgm:effectClrLst/>
+    <dgm:txLinClrLst/>
+    <dgm:txFillClrLst/>
+    <dgm:txEffectClrLst/>
+  </dgm:styleLbl>
+  <dgm:styleLbl name="fgSibTrans2D1">
+    <dgm:fillClrLst meth="cycle">
+      <a:schemeClr val="accent6">
+        <a:shade val="90000"/>
+      </a:schemeClr>
+      <a:schemeClr val="accent6">
+        <a:tint val="50000"/>
+      </a:schemeClr>
+    </dgm:fillClrLst>
+    <dgm:linClrLst meth="cycle">
+      <a:schemeClr val="accent6">
+        <a:shade val="90000"/>
+      </a:schemeClr>
+      <a:schemeClr val="accent6">
+        <a:tint val="50000"/>
+      </a:schemeClr>
+    </dgm:linClrLst>
+    <dgm:effectClrLst/>
+    <dgm:txLinClrLst/>
+    <dgm:txFillClrLst/>
+    <dgm:txEffectClrLst/>
+  </dgm:styleLbl>
+  <dgm:styleLbl name="bgSibTrans2D1">
+    <dgm:fillClrLst meth="cycle">
+      <a:schemeClr val="accent6">
+        <a:shade val="90000"/>
+      </a:schemeClr>
+      <a:schemeClr val="accent6">
+        <a:tint val="50000"/>
+      </a:schemeClr>
+    </dgm:fillClrLst>
+    <dgm:linClrLst meth="cycle">
+      <a:schemeClr val="accent6">
+        <a:shade val="90000"/>
+      </a:schemeClr>
+      <a:schemeClr val="accent6">
+        <a:tint val="50000"/>
+      </a:schemeClr>
+    </dgm:linClrLst>
+    <dgm:effectClrLst/>
+    <dgm:txLinClrLst/>
+    <dgm:txFillClrLst/>
+    <dgm:txEffectClrLst/>
+  </dgm:styleLbl>
+  <dgm:styleLbl name="sibTrans1D1">
+    <dgm:fillClrLst meth="cycle">
+      <a:schemeClr val="accent6">
+        <a:shade val="90000"/>
+      </a:schemeClr>
+      <a:schemeClr val="accent6">
+        <a:tint val="50000"/>
+      </a:schemeClr>
+    </dgm:fillClrLst>
+    <dgm:linClrLst meth="cycle">
+      <a:schemeClr val="accent6">
+        <a:shade val="90000"/>
+      </a:schemeClr>
+      <a:schemeClr val="accent6">
+        <a:tint val="50000"/>
+      </a:schemeClr>
+    </dgm:linClrLst>
+    <dgm:effectClrLst/>
+    <dgm:txLinClrLst/>
+    <dgm:txFillClrLst meth="repeat">
+      <a:schemeClr val="tx1"/>
+    </dgm:txFillClrLst>
+    <dgm:txEffectClrLst/>
+  </dgm:styleLbl>
+  <dgm:styleLbl name="callout">
+    <dgm:fillClrLst meth="repeat">
+      <a:schemeClr val="accent6"/>
+    </dgm:fillClrLst>
+    <dgm:linClrLst meth="repeat">
+      <a:schemeClr val="accent6"/>
+    </dgm:linClrLst>
+    <dgm:effectClrLst/>
+    <dgm:txLinClrLst/>
+    <dgm:txFillClrLst meth="repeat">
+      <a:schemeClr val="tx1"/>
+    </dgm:txFillClrLst>
+    <dgm:txEffectClrLst/>
+  </dgm:styleLbl>
+  <dgm:styleLbl name="asst0">
+    <dgm:fillClrLst meth="repeat">
+      <a:schemeClr val="accent6">
+        <a:shade val="80000"/>
+      </a:schemeClr>
+    </dgm:fillClrLst>
+    <dgm:linClrLst meth="repeat">
+      <a:schemeClr val="lt1"/>
+    </dgm:linClrLst>
+    <dgm:effectClrLst/>
+    <dgm:txLinClrLst/>
+    <dgm:txFillClrLst/>
+    <dgm:txEffectClrLst/>
+  </dgm:styleLbl>
+  <dgm:styleLbl name="asst1">
+    <dgm:fillClrLst meth="repeat">
+      <a:schemeClr val="accent6">
+        <a:shade val="80000"/>
+      </a:schemeClr>
+    </dgm:fillClrLst>
+    <dgm:linClrLst meth="repeat">
+      <a:schemeClr val="lt1"/>
+    </dgm:linClrLst>
+    <dgm:effectClrLst/>
+    <dgm:txLinClrLst/>
+    <dgm:txFillClrLst/>
+    <dgm:txEffectClrLst/>
+  </dgm:styleLbl>
+  <dgm:styleLbl name="asst2">
+    <dgm:fillClrLst>
+      <a:schemeClr val="accent6">
+        <a:tint val="90000"/>
+      </a:schemeClr>
+    </dgm:fillClrLst>
+    <dgm:linClrLst meth="repeat">
+      <a:schemeClr val="lt1"/>
+    </dgm:linClrLst>
+    <dgm:effectClrLst/>
+    <dgm:txLinClrLst/>
+    <dgm:txFillClrLst/>
+    <dgm:txEffectClrLst/>
+  </dgm:styleLbl>
+  <dgm:styleLbl name="asst3">
+    <dgm:fillClrLst>
+      <a:schemeClr val="accent6">
+        <a:tint val="70000"/>
+      </a:schemeClr>
+    </dgm:fillClrLst>
+    <dgm:linClrLst meth="repeat">
+      <a:schemeClr val="lt1"/>
+    </dgm:linClrLst>
+    <dgm:effectClrLst/>
+    <dgm:txLinClrLst/>
+    <dgm:txFillClrLst/>
+    <dgm:txEffectClrLst/>
+  </dgm:styleLbl>
+  <dgm:styleLbl name="asst4">
+    <dgm:fillClrLst>
+      <a:schemeClr val="accent6">
+        <a:tint val="50000"/>
+      </a:schemeClr>
+    </dgm:fillClrLst>
+    <dgm:linClrLst meth="repeat">
+      <a:schemeClr val="lt1"/>
+    </dgm:linClrLst>
+    <dgm:effectClrLst/>
+    <dgm:txLinClrLst/>
+    <dgm:txFillClrLst/>
+    <dgm:txEffectClrLst/>
+  </dgm:styleLbl>
+  <dgm:styleLbl name="parChTrans2D1">
+    <dgm:fillClrLst meth="repeat">
+      <a:schemeClr val="accent6">
+        <a:tint val="60000"/>
+      </a:schemeClr>
+    </dgm:fillClrLst>
+    <dgm:linClrLst meth="repeat">
+      <a:schemeClr val="accent6">
+        <a:shade val="80000"/>
+      </a:schemeClr>
+    </dgm:linClrLst>
+    <dgm:effectClrLst/>
+    <dgm:txLinClrLst/>
+    <dgm:txFillClrLst/>
+    <dgm:txEffectClrLst/>
+  </dgm:styleLbl>
+  <dgm:styleLbl name="parChTrans2D2">
+    <dgm:fillClrLst meth="repeat">
+      <a:schemeClr val="accent6">
+        <a:tint val="90000"/>
+      </a:schemeClr>
+    </dgm:fillClrLst>
+    <dgm:linClrLst meth="repeat">
+      <a:schemeClr val="accent6">
+        <a:tint val="90000"/>
+      </a:schemeClr>
+    </dgm:linClrLst>
+    <dgm:effectClrLst/>
+    <dgm:txLinClrLst/>
+    <dgm:txFillClrLst/>
+    <dgm:txEffectClrLst/>
+  </dgm:styleLbl>
+  <dgm:styleLbl name="parChTrans2D3">
+    <dgm:fillClrLst meth="repeat">
+      <a:schemeClr val="accent6">
+        <a:tint val="70000"/>
+      </a:schemeClr>
+    </dgm:fillClrLst>
+    <dgm:linClrLst meth="repeat">
+      <a:schemeClr val="accent6">
+        <a:tint val="70000"/>
+      </a:schemeClr>
+    </dgm:linClrLst>
+    <dgm:effectClrLst/>
+    <dgm:txLinClrLst/>
+    <dgm:txFillClrLst/>
+    <dgm:txEffectClrLst/>
+  </dgm:styleLbl>
+  <dgm:styleLbl name="parChTrans2D4">
+    <dgm:fillClrLst meth="repeat">
+      <a:schemeClr val="accent6">
+        <a:tint val="50000"/>
+      </a:schemeClr>
+    </dgm:fillClrLst>
+    <dgm:linClrLst meth="repeat">
+      <a:schemeClr val="accent6">
+        <a:tint val="50000"/>
+      </a:schemeClr>
+    </dgm:linClrLst>
+    <dgm:effectClrLst/>
+    <dgm:txLinClrLst/>
+    <dgm:txFillClrLst meth="repeat">
+      <a:schemeClr val="dk1"/>
+    </dgm:txFillClrLst>
+    <dgm:txEffectClrLst/>
+  </dgm:styleLbl>
+  <dgm:styleLbl name="parChTrans1D1">
+    <dgm:fillClrLst meth="repeat">
+      <a:schemeClr val="accent6">
+        <a:shade val="80000"/>
+      </a:schemeClr>
+    </dgm:fillClrLst>
+    <dgm:linClrLst meth="repeat">
+      <a:schemeClr val="accent6">
+        <a:shade val="80000"/>
+      </a:schemeClr>
+    </dgm:linClrLst>
+    <dgm:effectClrLst/>
+    <dgm:txLinClrLst/>
+    <dgm:txFillClrLst meth="repeat">
+      <a:schemeClr val="tx1"/>
+    </dgm:txFillClrLst>
+    <dgm:txEffectClrLst/>
+  </dgm:styleLbl>
+  <dgm:styleLbl name="parChTrans1D2">
+    <dgm:fillClrLst meth="repeat">
+      <a:schemeClr val="accent6">
+        <a:tint val="90000"/>
+      </a:schemeClr>
+    </dgm:fillClrLst>
+    <dgm:linClrLst meth="repeat">
+      <a:schemeClr val="accent6">
+        <a:tint val="90000"/>
+      </a:schemeClr>
+    </dgm:linClrLst>
+    <dgm:effectClrLst/>
+    <dgm:txLinClrLst/>
+    <dgm:txFillClrLst meth="repeat">
+      <a:schemeClr val="tx1"/>
+    </dgm:txFillClrLst>
+    <dgm:txEffectClrLst/>
+  </dgm:styleLbl>
+  <dgm:styleLbl name="parChTrans1D3">
+    <dgm:fillClrLst meth="repeat">
+      <a:schemeClr val="accent6">
+        <a:tint val="70000"/>
+      </a:schemeClr>
+    </dgm:fillClrLst>
+    <dgm:linClrLst meth="repeat">
+      <a:schemeClr val="accent6">
+        <a:tint val="70000"/>
+      </a:schemeClr>
+    </dgm:linClrLst>
+    <dgm:effectClrLst/>
+    <dgm:txLinClrLst/>
+    <dgm:txFillClrLst meth="repeat">
+      <a:schemeClr val="tx1"/>
+    </dgm:txFillClrLst>
+    <dgm:txEffectClrLst/>
+  </dgm:styleLbl>
+  <dgm:styleLbl name="parChTrans1D4">
+    <dgm:fillClrLst meth="repeat">
+      <a:schemeClr val="accent6">
+        <a:tint val="50000"/>
+      </a:schemeClr>
+    </dgm:fillClrLst>
+    <dgm:linClrLst meth="repeat">
+      <a:schemeClr val="accent6">
+        <a:tint val="50000"/>
+      </a:schemeClr>
+    </dgm:linClrLst>
+    <dgm:effectClrLst/>
+    <dgm:txLinClrLst/>
+    <dgm:txFillClrLst meth="repeat">
+      <a:schemeClr val="tx1"/>
+    </dgm:txFillClrLst>
+    <dgm:txEffectClrLst/>
+  </dgm:styleLbl>
+  <dgm:styleLbl name="fgAcc1">
+    <dgm:fillClrLst meth="repeat">
+      <a:schemeClr val="lt1">
+        <a:alpha val="90000"/>
+      </a:schemeClr>
+    </dgm:fillClrLst>
+    <dgm:linClrLst meth="cycle">
+      <a:schemeClr val="accent6">
+        <a:shade val="50000"/>
+      </a:schemeClr>
+      <a:schemeClr val="accent6">
+        <a:tint val="55000"/>
+      </a:schemeClr>
+    </dgm:linClrLst>
+    <dgm:effectClrLst/>
+    <dgm:txLinClrLst/>
+    <dgm:txFillClrLst meth="repeat">
+      <a:schemeClr val="dk1"/>
+    </dgm:txFillClrLst>
+    <dgm:txEffectClrLst/>
+  </dgm:styleLbl>
+  <dgm:styleLbl name="conFgAcc1">
+    <dgm:fillClrLst meth="repeat">
+      <a:schemeClr val="lt1">
+        <a:alpha val="90000"/>
+      </a:schemeClr>
+    </dgm:fillClrLst>
+    <dgm:linClrLst meth="cycle">
+      <a:schemeClr val="accent6">
+        <a:shade val="50000"/>
+      </a:schemeClr>
+      <a:schemeClr val="accent6">
+        <a:tint val="55000"/>
+      </a:schemeClr>
+    </dgm:linClrLst>
+    <dgm:effectClrLst/>
+    <dgm:txLinClrLst/>
+    <dgm:txFillClrLst meth="repeat">
+      <a:schemeClr val="dk1"/>
+    </dgm:txFillClrLst>
+    <dgm:txEffectClrLst/>
+  </dgm:styleLbl>
+  <dgm:styleLbl name="alignAcc1">
+    <dgm:fillClrLst meth="repeat">
+      <a:schemeClr val="lt1">
+        <a:alpha val="90000"/>
+      </a:schemeClr>
+    </dgm:fillClrLst>
+    <dgm:linClrLst meth="cycle">
+      <a:schemeClr val="accent6">
+        <a:shade val="50000"/>
+      </a:schemeClr>
+      <a:schemeClr val="accent6">
+        <a:tint val="55000"/>
+      </a:schemeClr>
+    </dgm:linClrLst>
+    <dgm:effectClrLst/>
+    <dgm:txLinClrLst/>
+    <dgm:txFillClrLst meth="repeat">
+      <a:schemeClr val="dk1"/>
+    </dgm:txFillClrLst>
+    <dgm:txEffectClrLst/>
+  </dgm:styleLbl>
+  <dgm:styleLbl name="trAlignAcc1">
+    <dgm:fillClrLst meth="repeat">
+      <a:schemeClr val="lt1">
+        <a:alpha val="55000"/>
+      </a:schemeClr>
+    </dgm:fillClrLst>
+    <dgm:linClrLst meth="repeat">
+      <a:schemeClr val="accent6"/>
+    </dgm:linClrLst>
+    <dgm:effectClrLst/>
+    <dgm:txLinClrLst/>
+    <dgm:txFillClrLst meth="repeat">
+      <a:schemeClr val="dk1"/>
+    </dgm:txFillClrLst>
+    <dgm:txEffectClrLst/>
+  </dgm:styleLbl>
+  <dgm:styleLbl name="bgAcc1">
+    <dgm:fillClrLst meth="repeat">
+      <a:schemeClr val="lt1">
+        <a:alpha val="90000"/>
+      </a:schemeClr>
+    </dgm:fillClrLst>
+    <dgm:linClrLst meth="cycle">
+      <a:schemeClr val="accent6">
+        <a:shade val="50000"/>
+      </a:schemeClr>
+      <a:schemeClr val="accent6">
+        <a:tint val="55000"/>
+      </a:schemeClr>
+    </dgm:linClrLst>
+    <dgm:effectClrLst/>
+    <dgm:txLinClrLst/>
+    <dgm:txFillClrLst meth="repeat">
+      <a:schemeClr val="dk1"/>
+    </dgm:txFillClrLst>
+    <dgm:txEffectClrLst/>
+  </dgm:styleLbl>
+  <dgm:styleLbl name="solidFgAcc1">
+    <dgm:fillClrLst meth="repeat">
+      <a:schemeClr val="lt1"/>
+    </dgm:fillClrLst>
+    <dgm:linClrLst meth="cycle">
+      <a:schemeClr val="accent6">
+        <a:shade val="50000"/>
+      </a:schemeClr>
+      <a:schemeClr val="accent6">
+        <a:tint val="55000"/>
+      </a:schemeClr>
+    </dgm:linClrLst>
+    <dgm:effectClrLst/>
+    <dgm:txLinClrLst/>
+    <dgm:txFillClrLst meth="repeat">
+      <a:schemeClr val="dk1"/>
+    </dgm:txFillClrLst>
+    <dgm:txEffectClrLst/>
+  </dgm:styleLbl>
+  <dgm:styleLbl name="solidAlignAcc1">
+    <dgm:fillClrLst meth="repeat">
+      <a:schemeClr val="lt1"/>
+    </dgm:fillClrLst>
+    <dgm:linClrLst meth="repeat">
+      <a:schemeClr val="accent6"/>
+    </dgm:linClrLst>
+    <dgm:effectClrLst/>
+    <dgm:txLinClrLst/>
+    <dgm:txFillClrLst meth="repeat">
+      <a:schemeClr val="dk1"/>
+    </dgm:txFillClrLst>
+    <dgm:txEffectClrLst/>
+  </dgm:styleLbl>
+  <dgm:styleLbl name="solidBgAcc1">
+    <dgm:fillClrLst meth="repeat">
+      <a:schemeClr val="lt1"/>
+    </dgm:fillClrLst>
+    <dgm:linClrLst meth="repeat">
+      <a:schemeClr val="accent6"/>
+    </dgm:linClrLst>
+    <dgm:effectClrLst/>
+    <dgm:txLinClrLst/>
+    <dgm:txFillClrLst meth="repeat">
+      <a:schemeClr val="dk1"/>
+    </dgm:txFillClrLst>
+    <dgm:txEffectClrLst/>
+  </dgm:styleLbl>
+  <dgm:styleLbl name="fgAccFollowNode1">
+    <dgm:fillClrLst meth="repeat">
+      <a:schemeClr val="accent6">
+        <a:alpha val="90000"/>
+        <a:tint val="55000"/>
+      </a:schemeClr>
+    </dgm:fillClrLst>
+    <dgm:linClrLst meth="repeat">
+      <a:schemeClr val="accent6">
+        <a:alpha val="90000"/>
+        <a:tint val="55000"/>
+      </a:schemeClr>
+    </dgm:linClrLst>
+    <dgm:effectClrLst/>
+    <dgm:txLinClrLst/>
+    <dgm:txFillClrLst meth="repeat">
+      <a:schemeClr val="dk1"/>
+    </dgm:txFillClrLst>
+    <dgm:txEffectClrLst/>
+  </dgm:styleLbl>
+  <dgm:styleLbl name="alignAccFollowNode1">
+    <dgm:fillClrLst meth="repeat">
+      <a:schemeClr val="accent6">
+        <a:alpha val="90000"/>
+        <a:tint val="55000"/>
+      </a:schemeClr>
+    </dgm:fillClrLst>
+    <dgm:linClrLst meth="repeat">
+      <a:schemeClr val="accent6">
+        <a:alpha val="90000"/>
+        <a:tint val="55000"/>
+      </a:schemeClr>
+    </dgm:linClrLst>
+    <dgm:effectClrLst/>
+    <dgm:txLinClrLst/>
+    <dgm:txFillClrLst meth="repeat">
+      <a:schemeClr val="dk1"/>
+    </dgm:txFillClrLst>
+    <dgm:txEffectClrLst/>
+  </dgm:styleLbl>
+  <dgm:styleLbl name="bgAccFollowNode1">
+    <dgm:fillClrLst meth="repeat">
+      <a:schemeClr val="accent6">
+        <a:alpha val="90000"/>
+        <a:tint val="55000"/>
+      </a:schemeClr>
+    </dgm:fillClrLst>
+    <dgm:linClrLst meth="repeat">
+      <a:schemeClr val="lt1"/>
+    </dgm:linClrLst>
+    <dgm:effectClrLst/>
+    <dgm:txLinClrLst/>
+    <dgm:txFillClrLst meth="repeat">
+      <a:schemeClr val="dk1"/>
+    </dgm:txFillClrLst>
+    <dgm:txEffectClrLst/>
+  </dgm:styleLbl>
+  <dgm:styleLbl name="fgAcc0">
+    <dgm:fillClrLst meth="repeat">
+      <a:schemeClr val="lt1">
+        <a:alpha val="90000"/>
+      </a:schemeClr>
+    </dgm:fillClrLst>
+    <dgm:linClrLst meth="repeat">
+      <a:schemeClr val="accent6">
+        <a:shade val="80000"/>
+      </a:schemeClr>
+    </dgm:linClrLst>
+    <dgm:effectClrLst/>
+    <dgm:txLinClrLst/>
+    <dgm:txFillClrLst meth="repeat">
+      <a:schemeClr val="dk1"/>
+    </dgm:txFillClrLst>
+    <dgm:txEffectClrLst/>
+  </dgm:styleLbl>
+  <dgm:styleLbl name="fgAcc2">
+    <dgm:fillClrLst meth="repeat">
+      <a:schemeClr val="lt1">
+        <a:alpha val="90000"/>
+      </a:schemeClr>
+    </dgm:fillClrLst>
+    <dgm:linClrLst meth="repeat">
+      <a:schemeClr val="accent6">
+        <a:tint val="90000"/>
+      </a:schemeClr>
+    </dgm:linClrLst>
+    <dgm:effectClrLst/>
+    <dgm:txLinClrLst/>
+    <dgm:txFillClrLst meth="repeat">
+      <a:schemeClr val="dk1"/>
+    </dgm:txFillClrLst>
+    <dgm:txEffectClrLst/>
+  </dgm:styleLbl>
+  <dgm:styleLbl name="fgAcc3">
+    <dgm:fillClrLst meth="repeat">
+      <a:schemeClr val="lt1">
+        <a:alpha val="90000"/>
+      </a:schemeClr>
+    </dgm:fillClrLst>
+    <dgm:linClrLst meth="repeat">
+      <a:schemeClr val="accent6">
+        <a:tint val="70000"/>
+      </a:schemeClr>
+    </dgm:linClrLst>
+    <dgm:effectClrLst/>
+    <dgm:txLinClrLst/>
+    <dgm:txFillClrLst meth="repeat">
+      <a:schemeClr val="dk1"/>
+    </dgm:txFillClrLst>
+    <dgm:txEffectClrLst/>
+  </dgm:styleLbl>
+  <dgm:styleLbl name="fgAcc4">
+    <dgm:fillClrLst meth="repeat">
+      <a:schemeClr val="lt1">
+        <a:alpha val="90000"/>
+      </a:schemeClr>
+    </dgm:fillClrLst>
+    <dgm:linClrLst meth="repeat">
+      <a:schemeClr val="accent6">
+        <a:tint val="50000"/>
+      </a:schemeClr>
+    </dgm:linClrLst>
+    <dgm:effectClrLst/>
+    <dgm:txLinClrLst/>
+    <dgm:txFillClrLst meth="repeat">
+      <a:schemeClr val="dk1"/>
+    </dgm:txFillClrLst>
+    <dgm:txEffectClrLst/>
+  </dgm:styleLbl>
+  <dgm:styleLbl name="bgShp">
+    <dgm:fillClrLst meth="repeat">
+      <a:schemeClr val="accent6">
+        <a:tint val="55000"/>
+      </a:schemeClr>
+    </dgm:fillClrLst>
+    <dgm:linClrLst meth="repeat">
+      <a:schemeClr val="dk1"/>
+    </dgm:linClrLst>
+    <dgm:effectClrLst/>
+    <dgm:txLinClrLst/>
+    <dgm:txFillClrLst meth="repeat">
+      <a:schemeClr val="dk1"/>
+    </dgm:txFillClrLst>
+    <dgm:txEffectClrLst/>
+  </dgm:styleLbl>
+  <dgm:styleLbl name="dkBgShp">
+    <dgm:fillClrLst meth="repeat">
+      <a:schemeClr val="accent6">
+        <a:shade val="90000"/>
+      </a:schemeClr>
+    </dgm:fillClrLst>
+    <dgm:linClrLst meth="repeat">
+      <a:schemeClr val="dk1"/>
+    </dgm:linClrLst>
+    <dgm:effectClrLst/>
+    <dgm:txLinClrLst/>
+    <dgm:txFillClrLst meth="repeat">
+      <a:schemeClr val="lt1"/>
+    </dgm:txFillClrLst>
+    <dgm:txEffectClrLst/>
+  </dgm:styleLbl>
+  <dgm:styleLbl name="trBgShp">
+    <dgm:fillClrLst meth="repeat">
+      <a:schemeClr val="accent6">
+        <a:tint val="50000"/>
+        <a:alpha val="55000"/>
+      </a:schemeClr>
+    </dgm:fillClrLst>
+    <dgm:linClrLst meth="repeat">
+      <a:schemeClr val="accent6"/>
+    </dgm:linClrLst>
+    <dgm:effectClrLst/>
+    <dgm:txLinClrLst/>
+    <dgm:txFillClrLst meth="repeat">
+      <a:schemeClr val="lt1"/>
+    </dgm:txFillClrLst>
+    <dgm:txEffectClrLst/>
+  </dgm:styleLbl>
+  <dgm:styleLbl name="fgShp">
+    <dgm:fillClrLst meth="repeat">
+      <a:schemeClr val="accent6">
+        <a:tint val="55000"/>
+      </a:schemeClr>
+    </dgm:fillClrLst>
+    <dgm:linClrLst meth="repeat">
+      <a:schemeClr val="lt1"/>
+    </dgm:linClrLst>
+    <dgm:effectClrLst/>
+    <dgm:txLinClrLst/>
+    <dgm:txFillClrLst meth="repeat">
+      <a:schemeClr val="dk1"/>
+    </dgm:txFillClrLst>
+    <dgm:txEffectClrLst/>
+  </dgm:styleLbl>
+  <dgm:styleLbl name="revTx">
+    <dgm:fillClrLst meth="repeat">
+      <a:schemeClr val="lt1">
+        <a:alpha val="0"/>
+      </a:schemeClr>
+    </dgm:fillClrLst>
+    <dgm:linClrLst meth="repeat">
+      <a:schemeClr val="dk1">
+        <a:alpha val="0"/>
+      </a:schemeClr>
+    </dgm:linClrLst>
+    <dgm:effectClrLst/>
+    <dgm:txLinClrLst/>
+    <dgm:txFillClrLst meth="repeat">
+      <a:schemeClr val="tx1"/>
+    </dgm:txFillClrLst>
+    <dgm:txEffectClrLst/>
+  </dgm:styleLbl>
+</dgm:colorsDef>
+</file>
+
 <file path=ppt/diagrams/colors2.xml><?xml version="1.0" encoding="utf-8"?>
 <dgm:colorsDef xmlns:dgm="http://schemas.openxmlformats.org/drawingml/2006/diagram" xmlns:a="http://schemas.openxmlformats.org/drawingml/2006/main" uniqueId="urn:microsoft.com/office/officeart/2005/8/colors/accent6_4">
   <dgm:title val=""/>
@@ -9790,6 +11528,212 @@
         <a:lstStyle/>
         <a:p>
           <a:r>
+            <a:rPr lang="de-DE" b="1" dirty="0">
+              <a:solidFill>
+                <a:schemeClr val="bg1"/>
+              </a:solidFill>
+              <a:latin typeface="Corbel Light" panose="020B0303020204020204" pitchFamily="34" charset="0"/>
+            </a:rPr>
+            <a:t>Live-Demo bzw. Video-Tutorial</a:t>
+          </a:r>
+          <a:endParaRPr lang="de-DE" dirty="0">
+            <a:solidFill>
+              <a:schemeClr val="bg1"/>
+            </a:solidFill>
+            <a:latin typeface="Corbel Light" panose="020B0303020204020204" pitchFamily="34" charset="0"/>
+          </a:endParaRPr>
+        </a:p>
+      </dgm:t>
+    </dgm:pt>
+    <dgm:pt modelId="{4F5440BC-E4ED-41F4-BCBC-91A4379FE628}" type="parTrans" cxnId="{A9C04542-76A5-484F-BDC6-8684DE3831C0}">
+      <dgm:prSet/>
+      <dgm:spPr/>
+      <dgm:t>
+        <a:bodyPr/>
+        <a:lstStyle/>
+        <a:p>
+          <a:endParaRPr lang="de-DE"/>
+        </a:p>
+      </dgm:t>
+    </dgm:pt>
+    <dgm:pt modelId="{0F72E487-3666-4627-B648-0F027167834A}" type="sibTrans" cxnId="{A9C04542-76A5-484F-BDC6-8684DE3831C0}">
+      <dgm:prSet/>
+      <dgm:spPr/>
+      <dgm:t>
+        <a:bodyPr/>
+        <a:lstStyle/>
+        <a:p>
+          <a:endParaRPr lang="de-DE"/>
+        </a:p>
+      </dgm:t>
+    </dgm:pt>
+    <dgm:pt modelId="{B2AC34C9-27F4-4A43-B9E6-31AAF7FDE0CB}" type="pres">
+      <dgm:prSet presAssocID="{674503E8-1AC7-41ED-8605-5E819E9C237D}" presName="Name0" presStyleCnt="0">
+        <dgm:presLayoutVars>
+          <dgm:dir/>
+          <dgm:animLvl val="lvl"/>
+          <dgm:resizeHandles val="exact"/>
+        </dgm:presLayoutVars>
+      </dgm:prSet>
+      <dgm:spPr/>
+    </dgm:pt>
+    <dgm:pt modelId="{3EB30996-91B3-4239-BF37-88E3C555BC52}" type="pres">
+      <dgm:prSet presAssocID="{5033FB32-F740-4C19-B504-0647C1F53E48}" presName="parTxOnly" presStyleLbl="node1" presStyleIdx="0" presStyleCnt="1">
+        <dgm:presLayoutVars>
+          <dgm:chMax val="0"/>
+          <dgm:chPref val="0"/>
+          <dgm:bulletEnabled val="1"/>
+        </dgm:presLayoutVars>
+      </dgm:prSet>
+      <dgm:spPr/>
+    </dgm:pt>
+  </dgm:ptLst>
+  <dgm:cxnLst>
+    <dgm:cxn modelId="{6D139A0C-1C5F-462F-941A-E83A5038A582}" type="presOf" srcId="{5033FB32-F740-4C19-B504-0647C1F53E48}" destId="{3EB30996-91B3-4239-BF37-88E3C555BC52}" srcOrd="0" destOrd="0" presId="urn:microsoft.com/office/officeart/2005/8/layout/chevron1"/>
+    <dgm:cxn modelId="{A9C04542-76A5-484F-BDC6-8684DE3831C0}" srcId="{674503E8-1AC7-41ED-8605-5E819E9C237D}" destId="{5033FB32-F740-4C19-B504-0647C1F53E48}" srcOrd="0" destOrd="0" parTransId="{4F5440BC-E4ED-41F4-BCBC-91A4379FE628}" sibTransId="{0F72E487-3666-4627-B648-0F027167834A}"/>
+    <dgm:cxn modelId="{3EFB67F2-B4EB-4EFE-964A-8AF193349332}" type="presOf" srcId="{674503E8-1AC7-41ED-8605-5E819E9C237D}" destId="{B2AC34C9-27F4-4A43-B9E6-31AAF7FDE0CB}" srcOrd="0" destOrd="0" presId="urn:microsoft.com/office/officeart/2005/8/layout/chevron1"/>
+    <dgm:cxn modelId="{E75CA34E-81F5-42E1-938A-72E2F0999817}" type="presParOf" srcId="{B2AC34C9-27F4-4A43-B9E6-31AAF7FDE0CB}" destId="{3EB30996-91B3-4239-BF37-88E3C555BC52}" srcOrd="0" destOrd="0" presId="urn:microsoft.com/office/officeart/2005/8/layout/chevron1"/>
+  </dgm:cxnLst>
+  <dgm:bg/>
+  <dgm:whole/>
+  <dgm:extLst>
+    <a:ext uri="http://schemas.microsoft.com/office/drawing/2008/diagram">
+      <dsp:dataModelExt xmlns:dsp="http://schemas.microsoft.com/office/drawing/2008/diagram" relId="rId8" minVer="http://schemas.openxmlformats.org/drawingml/2006/diagram"/>
+    </a:ext>
+    <a:ext uri="{C62137D5-CB1D-491B-B009-E17868A290BF}">
+      <dgm14:recolorImg xmlns:dgm14="http://schemas.microsoft.com/office/drawing/2010/diagram" val="1"/>
+    </a:ext>
+  </dgm:extLst>
+</dgm:dataModel>
+</file>
+
+<file path=ppt/diagrams/data11.xml><?xml version="1.0" encoding="utf-8"?>
+<dgm:dataModel xmlns:dgm="http://schemas.openxmlformats.org/drawingml/2006/diagram" xmlns:a="http://schemas.openxmlformats.org/drawingml/2006/main">
+  <dgm:ptLst>
+    <dgm:pt modelId="{674503E8-1AC7-41ED-8605-5E819E9C237D}" type="doc">
+      <dgm:prSet loTypeId="urn:microsoft.com/office/officeart/2005/8/layout/chevron1" loCatId="process" qsTypeId="urn:microsoft.com/office/officeart/2005/8/quickstyle/simple2" qsCatId="simple" csTypeId="urn:microsoft.com/office/officeart/2005/8/colors/accent6_4" csCatId="accent6" phldr="1"/>
+      <dgm:spPr/>
+    </dgm:pt>
+    <dgm:pt modelId="{5033FB32-F740-4C19-B504-0647C1F53E48}">
+      <dgm:prSet phldrT="[Text]"/>
+      <dgm:spPr/>
+      <dgm:t>
+        <a:bodyPr/>
+        <a:lstStyle/>
+        <a:p>
+          <a:r>
+            <a:rPr lang="de-DE" b="1" dirty="0">
+              <a:solidFill>
+                <a:schemeClr val="bg1"/>
+              </a:solidFill>
+              <a:latin typeface="Corbel Light" panose="020B0303020204020204" pitchFamily="34" charset="0"/>
+            </a:rPr>
+            <a:t>Projektziele im Anschluss (Herr </a:t>
+          </a:r>
+          <a:r>
+            <a:rPr lang="de-DE" b="1" dirty="0" err="1">
+              <a:solidFill>
+                <a:schemeClr val="bg1"/>
+              </a:solidFill>
+              <a:latin typeface="Corbel Light" panose="020B0303020204020204" pitchFamily="34" charset="0"/>
+            </a:rPr>
+            <a:t>Stauß</a:t>
+          </a:r>
+          <a:r>
+            <a:rPr lang="de-DE" b="1" dirty="0">
+              <a:solidFill>
+                <a:schemeClr val="bg1"/>
+              </a:solidFill>
+              <a:latin typeface="Corbel Light" panose="020B0303020204020204" pitchFamily="34" charset="0"/>
+            </a:rPr>
+            <a:t> ? Grundsätzliche Optimierung und Erweiterung der Funktionen?)</a:t>
+          </a:r>
+          <a:endParaRPr lang="de-DE" dirty="0">
+            <a:solidFill>
+              <a:schemeClr val="bg1"/>
+            </a:solidFill>
+            <a:latin typeface="Corbel Light" panose="020B0303020204020204" pitchFamily="34" charset="0"/>
+          </a:endParaRPr>
+        </a:p>
+      </dgm:t>
+    </dgm:pt>
+    <dgm:pt modelId="{4F5440BC-E4ED-41F4-BCBC-91A4379FE628}" type="parTrans" cxnId="{A9C04542-76A5-484F-BDC6-8684DE3831C0}">
+      <dgm:prSet/>
+      <dgm:spPr/>
+      <dgm:t>
+        <a:bodyPr/>
+        <a:lstStyle/>
+        <a:p>
+          <a:endParaRPr lang="de-DE"/>
+        </a:p>
+      </dgm:t>
+    </dgm:pt>
+    <dgm:pt modelId="{0F72E487-3666-4627-B648-0F027167834A}" type="sibTrans" cxnId="{A9C04542-76A5-484F-BDC6-8684DE3831C0}">
+      <dgm:prSet/>
+      <dgm:spPr/>
+      <dgm:t>
+        <a:bodyPr/>
+        <a:lstStyle/>
+        <a:p>
+          <a:endParaRPr lang="de-DE"/>
+        </a:p>
+      </dgm:t>
+    </dgm:pt>
+    <dgm:pt modelId="{B2AC34C9-27F4-4A43-B9E6-31AAF7FDE0CB}" type="pres">
+      <dgm:prSet presAssocID="{674503E8-1AC7-41ED-8605-5E819E9C237D}" presName="Name0" presStyleCnt="0">
+        <dgm:presLayoutVars>
+          <dgm:dir/>
+          <dgm:animLvl val="lvl"/>
+          <dgm:resizeHandles val="exact"/>
+        </dgm:presLayoutVars>
+      </dgm:prSet>
+      <dgm:spPr/>
+    </dgm:pt>
+    <dgm:pt modelId="{3EB30996-91B3-4239-BF37-88E3C555BC52}" type="pres">
+      <dgm:prSet presAssocID="{5033FB32-F740-4C19-B504-0647C1F53E48}" presName="parTxOnly" presStyleLbl="node1" presStyleIdx="0" presStyleCnt="1">
+        <dgm:presLayoutVars>
+          <dgm:chMax val="0"/>
+          <dgm:chPref val="0"/>
+          <dgm:bulletEnabled val="1"/>
+        </dgm:presLayoutVars>
+      </dgm:prSet>
+      <dgm:spPr/>
+    </dgm:pt>
+  </dgm:ptLst>
+  <dgm:cxnLst>
+    <dgm:cxn modelId="{6D139A0C-1C5F-462F-941A-E83A5038A582}" type="presOf" srcId="{5033FB32-F740-4C19-B504-0647C1F53E48}" destId="{3EB30996-91B3-4239-BF37-88E3C555BC52}" srcOrd="0" destOrd="0" presId="urn:microsoft.com/office/officeart/2005/8/layout/chevron1"/>
+    <dgm:cxn modelId="{A9C04542-76A5-484F-BDC6-8684DE3831C0}" srcId="{674503E8-1AC7-41ED-8605-5E819E9C237D}" destId="{5033FB32-F740-4C19-B504-0647C1F53E48}" srcOrd="0" destOrd="0" parTransId="{4F5440BC-E4ED-41F4-BCBC-91A4379FE628}" sibTransId="{0F72E487-3666-4627-B648-0F027167834A}"/>
+    <dgm:cxn modelId="{3EFB67F2-B4EB-4EFE-964A-8AF193349332}" type="presOf" srcId="{674503E8-1AC7-41ED-8605-5E819E9C237D}" destId="{B2AC34C9-27F4-4A43-B9E6-31AAF7FDE0CB}" srcOrd="0" destOrd="0" presId="urn:microsoft.com/office/officeart/2005/8/layout/chevron1"/>
+    <dgm:cxn modelId="{E75CA34E-81F5-42E1-938A-72E2F0999817}" type="presParOf" srcId="{B2AC34C9-27F4-4A43-B9E6-31AAF7FDE0CB}" destId="{3EB30996-91B3-4239-BF37-88E3C555BC52}" srcOrd="0" destOrd="0" presId="urn:microsoft.com/office/officeart/2005/8/layout/chevron1"/>
+  </dgm:cxnLst>
+  <dgm:bg/>
+  <dgm:whole/>
+  <dgm:extLst>
+    <a:ext uri="http://schemas.microsoft.com/office/drawing/2008/diagram">
+      <dsp:dataModelExt xmlns:dsp="http://schemas.microsoft.com/office/drawing/2008/diagram" relId="rId8" minVer="http://schemas.openxmlformats.org/drawingml/2006/diagram"/>
+    </a:ext>
+    <a:ext uri="{C62137D5-CB1D-491B-B009-E17868A290BF}">
+      <dgm14:recolorImg xmlns:dgm14="http://schemas.microsoft.com/office/drawing/2010/diagram" val="1"/>
+    </a:ext>
+  </dgm:extLst>
+</dgm:dataModel>
+</file>
+
+<file path=ppt/diagrams/data12.xml><?xml version="1.0" encoding="utf-8"?>
+<dgm:dataModel xmlns:dgm="http://schemas.openxmlformats.org/drawingml/2006/diagram" xmlns:a="http://schemas.openxmlformats.org/drawingml/2006/main">
+  <dgm:ptLst>
+    <dgm:pt modelId="{674503E8-1AC7-41ED-8605-5E819E9C237D}" type="doc">
+      <dgm:prSet loTypeId="urn:microsoft.com/office/officeart/2005/8/layout/chevron1" loCatId="process" qsTypeId="urn:microsoft.com/office/officeart/2005/8/quickstyle/simple2" qsCatId="simple" csTypeId="urn:microsoft.com/office/officeart/2005/8/colors/accent6_4" csCatId="accent6" phldr="1"/>
+      <dgm:spPr/>
+    </dgm:pt>
+    <dgm:pt modelId="{5033FB32-F740-4C19-B504-0647C1F53E48}">
+      <dgm:prSet phldrT="[Text]"/>
+      <dgm:spPr/>
+      <dgm:t>
+        <a:bodyPr/>
+        <a:lstStyle/>
+        <a:p>
+          <a:r>
             <a:rPr lang="de-DE" dirty="0">
               <a:solidFill>
                 <a:schemeClr val="bg1"/>
@@ -9863,7 +11807,7 @@
 </dgm:dataModel>
 </file>
 
-<file path=ppt/diagrams/data11.xml><?xml version="1.0" encoding="utf-8"?>
+<file path=ppt/diagrams/data13.xml><?xml version="1.0" encoding="utf-8"?>
 <dgm:dataModel xmlns:dgm="http://schemas.openxmlformats.org/drawingml/2006/diagram" xmlns:a="http://schemas.openxmlformats.org/drawingml/2006/main">
   <dgm:ptLst>
     <dgm:pt modelId="{674503E8-1AC7-41ED-8605-5E819E9C237D}" type="doc">
@@ -10157,7 +12101,7 @@
   <dgm:whole/>
   <dgm:extLst>
     <a:ext uri="http://schemas.microsoft.com/office/drawing/2008/diagram">
-      <dsp:dataModelExt xmlns:dsp="http://schemas.microsoft.com/office/drawing/2008/diagram" relId="rId8" minVer="http://schemas.openxmlformats.org/drawingml/2006/diagram"/>
+      <dsp:dataModelExt xmlns:dsp="http://schemas.microsoft.com/office/drawing/2008/diagram" relId="rId16" minVer="http://schemas.openxmlformats.org/drawingml/2006/diagram"/>
     </a:ext>
     <a:ext uri="{C62137D5-CB1D-491B-B009-E17868A290BF}">
       <dgm14:recolorImg xmlns:dgm14="http://schemas.microsoft.com/office/drawing/2010/diagram" val="1"/>
@@ -10709,14 +12653,20 @@
         <a:lstStyle/>
         <a:p>
           <a:r>
-            <a:rPr lang="de-DE" dirty="0">
+            <a:rPr lang="de-DE" b="1" dirty="0">
               <a:solidFill>
                 <a:schemeClr val="bg1"/>
               </a:solidFill>
               <a:latin typeface="Corbel Light" panose="020B0303020204020204" pitchFamily="34" charset="0"/>
             </a:rPr>
-            <a:t>Schwerpunkte der Implementierung</a:t>
+            <a:t>Live-Demo bzw. Video-Tutorial</a:t>
           </a:r>
+          <a:endParaRPr lang="de-DE" dirty="0">
+            <a:solidFill>
+              <a:schemeClr val="bg1"/>
+            </a:solidFill>
+            <a:latin typeface="Corbel Light" panose="020B0303020204020204" pitchFamily="34" charset="0"/>
+          </a:endParaRPr>
         </a:p>
       </dgm:t>
     </dgm:pt>
@@ -10955,6 +12905,228 @@
             <a:buNone/>
           </a:pPr>
           <a:r>
+            <a:rPr lang="de-DE" sz="1900" b="1" kern="1200" dirty="0">
+              <a:solidFill>
+                <a:schemeClr val="bg1"/>
+              </a:solidFill>
+              <a:latin typeface="Corbel Light" panose="020B0303020204020204" pitchFamily="34" charset="0"/>
+            </a:rPr>
+            <a:t>Live-Demo bzw. Video-Tutorial</a:t>
+          </a:r>
+          <a:endParaRPr lang="de-DE" sz="1900" kern="1200" dirty="0">
+            <a:solidFill>
+              <a:schemeClr val="bg1"/>
+            </a:solidFill>
+            <a:latin typeface="Corbel Light" panose="020B0303020204020204" pitchFamily="34" charset="0"/>
+          </a:endParaRPr>
+        </a:p>
+      </dsp:txBody>
+      <dsp:txXfrm>
+        <a:off x="166737" y="0"/>
+        <a:ext cx="9369565" cy="324000"/>
+      </dsp:txXfrm>
+    </dsp:sp>
+  </dsp:spTree>
+</dsp:drawing>
+</file>
+
+<file path=ppt/diagrams/drawing11.xml><?xml version="1.0" encoding="utf-8"?>
+<dsp:drawing xmlns:dgm="http://schemas.openxmlformats.org/drawingml/2006/diagram" xmlns:dsp="http://schemas.microsoft.com/office/drawing/2008/diagram" xmlns:a="http://schemas.openxmlformats.org/drawingml/2006/main">
+  <dsp:spTree>
+    <dsp:nvGrpSpPr>
+      <dsp:cNvPr id="0" name=""/>
+      <dsp:cNvGrpSpPr/>
+    </dsp:nvGrpSpPr>
+    <dsp:grpSpPr/>
+    <dsp:sp modelId="{3EB30996-91B3-4239-BF37-88E3C555BC52}">
+      <dsp:nvSpPr>
+        <dsp:cNvPr id="0" name=""/>
+        <dsp:cNvSpPr/>
+      </dsp:nvSpPr>
+      <dsp:spPr>
+        <a:xfrm>
+          <a:off x="4737" y="0"/>
+          <a:ext cx="9693565" cy="324000"/>
+        </a:xfrm>
+        <a:prstGeom prst="chevron">
+          <a:avLst/>
+        </a:prstGeom>
+        <a:solidFill>
+          <a:schemeClr val="accent6">
+            <a:shade val="50000"/>
+            <a:hueOff val="0"/>
+            <a:satOff val="0"/>
+            <a:lumOff val="0"/>
+            <a:alphaOff val="0"/>
+          </a:schemeClr>
+        </a:solidFill>
+        <a:ln w="19050" cap="flat" cmpd="sng" algn="ctr">
+          <a:solidFill>
+            <a:schemeClr val="lt1">
+              <a:hueOff val="0"/>
+              <a:satOff val="0"/>
+              <a:lumOff val="0"/>
+              <a:alphaOff val="0"/>
+            </a:schemeClr>
+          </a:solidFill>
+          <a:prstDash val="solid"/>
+          <a:miter lim="800000"/>
+        </a:ln>
+        <a:effectLst/>
+      </dsp:spPr>
+      <dsp:style>
+        <a:lnRef idx="3">
+          <a:scrgbClr r="0" g="0" b="0"/>
+        </a:lnRef>
+        <a:fillRef idx="1">
+          <a:scrgbClr r="0" g="0" b="0"/>
+        </a:fillRef>
+        <a:effectRef idx="1">
+          <a:scrgbClr r="0" g="0" b="0"/>
+        </a:effectRef>
+        <a:fontRef idx="minor">
+          <a:schemeClr val="lt1"/>
+        </a:fontRef>
+      </dsp:style>
+      <dsp:txBody>
+        <a:bodyPr spcFirstLastPara="0" vert="horz" wrap="square" lIns="72009" tIns="24003" rIns="24003" bIns="24003" numCol="1" spcCol="1270" anchor="ctr" anchorCtr="0">
+          <a:noAutofit/>
+        </a:bodyPr>
+        <a:lstStyle/>
+        <a:p>
+          <a:pPr marL="0" lvl="0" indent="0" algn="ctr" defTabSz="800100">
+            <a:lnSpc>
+              <a:spcPct val="90000"/>
+            </a:lnSpc>
+            <a:spcBef>
+              <a:spcPct val="0"/>
+            </a:spcBef>
+            <a:spcAft>
+              <a:spcPct val="35000"/>
+            </a:spcAft>
+            <a:buNone/>
+          </a:pPr>
+          <a:r>
+            <a:rPr lang="de-DE" sz="1800" b="1" kern="1200" dirty="0">
+              <a:solidFill>
+                <a:schemeClr val="bg1"/>
+              </a:solidFill>
+              <a:latin typeface="Corbel Light" panose="020B0303020204020204" pitchFamily="34" charset="0"/>
+            </a:rPr>
+            <a:t>Projektziele im Anschluss (Herr </a:t>
+          </a:r>
+          <a:r>
+            <a:rPr lang="de-DE" sz="1800" b="1" kern="1200" dirty="0" err="1">
+              <a:solidFill>
+                <a:schemeClr val="bg1"/>
+              </a:solidFill>
+              <a:latin typeface="Corbel Light" panose="020B0303020204020204" pitchFamily="34" charset="0"/>
+            </a:rPr>
+            <a:t>Stauß</a:t>
+          </a:r>
+          <a:r>
+            <a:rPr lang="de-DE" sz="1800" b="1" kern="1200" dirty="0">
+              <a:solidFill>
+                <a:schemeClr val="bg1"/>
+              </a:solidFill>
+              <a:latin typeface="Corbel Light" panose="020B0303020204020204" pitchFamily="34" charset="0"/>
+            </a:rPr>
+            <a:t> ? Grundsätzliche Optimierung und Erweiterung der Funktionen?)</a:t>
+          </a:r>
+          <a:endParaRPr lang="de-DE" sz="1800" kern="1200" dirty="0">
+            <a:solidFill>
+              <a:schemeClr val="bg1"/>
+            </a:solidFill>
+            <a:latin typeface="Corbel Light" panose="020B0303020204020204" pitchFamily="34" charset="0"/>
+          </a:endParaRPr>
+        </a:p>
+      </dsp:txBody>
+      <dsp:txXfrm>
+        <a:off x="166737" y="0"/>
+        <a:ext cx="9369565" cy="324000"/>
+      </dsp:txXfrm>
+    </dsp:sp>
+  </dsp:spTree>
+</dsp:drawing>
+</file>
+
+<file path=ppt/diagrams/drawing12.xml><?xml version="1.0" encoding="utf-8"?>
+<dsp:drawing xmlns:dgm="http://schemas.openxmlformats.org/drawingml/2006/diagram" xmlns:dsp="http://schemas.microsoft.com/office/drawing/2008/diagram" xmlns:a="http://schemas.openxmlformats.org/drawingml/2006/main">
+  <dsp:spTree>
+    <dsp:nvGrpSpPr>
+      <dsp:cNvPr id="0" name=""/>
+      <dsp:cNvGrpSpPr/>
+    </dsp:nvGrpSpPr>
+    <dsp:grpSpPr/>
+    <dsp:sp modelId="{3EB30996-91B3-4239-BF37-88E3C555BC52}">
+      <dsp:nvSpPr>
+        <dsp:cNvPr id="0" name=""/>
+        <dsp:cNvSpPr/>
+      </dsp:nvSpPr>
+      <dsp:spPr>
+        <a:xfrm>
+          <a:off x="4737" y="0"/>
+          <a:ext cx="9693565" cy="324000"/>
+        </a:xfrm>
+        <a:prstGeom prst="chevron">
+          <a:avLst/>
+        </a:prstGeom>
+        <a:solidFill>
+          <a:schemeClr val="accent6">
+            <a:shade val="50000"/>
+            <a:hueOff val="0"/>
+            <a:satOff val="0"/>
+            <a:lumOff val="0"/>
+            <a:alphaOff val="0"/>
+          </a:schemeClr>
+        </a:solidFill>
+        <a:ln w="19050" cap="flat" cmpd="sng" algn="ctr">
+          <a:solidFill>
+            <a:schemeClr val="lt1">
+              <a:hueOff val="0"/>
+              <a:satOff val="0"/>
+              <a:lumOff val="0"/>
+              <a:alphaOff val="0"/>
+            </a:schemeClr>
+          </a:solidFill>
+          <a:prstDash val="solid"/>
+          <a:miter lim="800000"/>
+        </a:ln>
+        <a:effectLst/>
+      </dsp:spPr>
+      <dsp:style>
+        <a:lnRef idx="3">
+          <a:scrgbClr r="0" g="0" b="0"/>
+        </a:lnRef>
+        <a:fillRef idx="1">
+          <a:scrgbClr r="0" g="0" b="0"/>
+        </a:fillRef>
+        <a:effectRef idx="1">
+          <a:scrgbClr r="0" g="0" b="0"/>
+        </a:effectRef>
+        <a:fontRef idx="minor">
+          <a:schemeClr val="lt1"/>
+        </a:fontRef>
+      </dsp:style>
+      <dsp:txBody>
+        <a:bodyPr spcFirstLastPara="0" vert="horz" wrap="square" lIns="76010" tIns="25337" rIns="25337" bIns="25337" numCol="1" spcCol="1270" anchor="ctr" anchorCtr="0">
+          <a:noAutofit/>
+        </a:bodyPr>
+        <a:lstStyle/>
+        <a:p>
+          <a:pPr marL="0" lvl="0" indent="0" algn="ctr" defTabSz="844550">
+            <a:lnSpc>
+              <a:spcPct val="90000"/>
+            </a:lnSpc>
+            <a:spcBef>
+              <a:spcPct val="0"/>
+            </a:spcBef>
+            <a:spcAft>
+              <a:spcPct val="35000"/>
+            </a:spcAft>
+            <a:buNone/>
+          </a:pPr>
+          <a:r>
             <a:rPr lang="de-DE" sz="1900" kern="1200" dirty="0">
               <a:solidFill>
                 <a:schemeClr val="bg1"/>
@@ -10974,7 +13146,7 @@
 </dsp:drawing>
 </file>
 
-<file path=ppt/diagrams/drawing11.xml><?xml version="1.0" encoding="utf-8"?>
+<file path=ppt/diagrams/drawing13.xml><?xml version="1.0" encoding="utf-8"?>
 <dsp:drawing xmlns:dgm="http://schemas.openxmlformats.org/drawingml/2006/diagram" xmlns:dsp="http://schemas.microsoft.com/office/drawing/2008/diagram" xmlns:a="http://schemas.openxmlformats.org/drawingml/2006/main">
   <dsp:spTree>
     <dsp:nvGrpSpPr>
@@ -11966,14 +14138,20 @@
             <a:buNone/>
           </a:pPr>
           <a:r>
-            <a:rPr lang="de-DE" sz="1900" kern="1200" dirty="0">
+            <a:rPr lang="de-DE" sz="1900" b="1" kern="1200" dirty="0">
               <a:solidFill>
                 <a:schemeClr val="bg1"/>
               </a:solidFill>
               <a:latin typeface="Corbel Light" panose="020B0303020204020204" pitchFamily="34" charset="0"/>
             </a:rPr>
-            <a:t>Schwerpunkte der Implementierung</a:t>
+            <a:t>Live-Demo bzw. Video-Tutorial</a:t>
           </a:r>
+          <a:endParaRPr lang="de-DE" sz="1900" kern="1200" dirty="0">
+            <a:solidFill>
+              <a:schemeClr val="bg1"/>
+            </a:solidFill>
+            <a:latin typeface="Corbel Light" panose="020B0303020204020204" pitchFamily="34" charset="0"/>
+          </a:endParaRPr>
         </a:p>
       </dsp:txBody>
       <dsp:txXfrm>
@@ -12552,6 +14730,572 @@
 </file>
 
 <file path=ppt/diagrams/layout11.xml><?xml version="1.0" encoding="utf-8"?>
+<dgm:layoutDef xmlns:dgm="http://schemas.openxmlformats.org/drawingml/2006/diagram" xmlns:a="http://schemas.openxmlformats.org/drawingml/2006/main" uniqueId="urn:microsoft.com/office/officeart/2005/8/layout/chevron1">
+  <dgm:title val=""/>
+  <dgm:desc val=""/>
+  <dgm:catLst>
+    <dgm:cat type="process" pri="9000"/>
+  </dgm:catLst>
+  <dgm:sampData useDef="1">
+    <dgm:dataModel>
+      <dgm:ptLst/>
+      <dgm:bg/>
+      <dgm:whole/>
+    </dgm:dataModel>
+  </dgm:sampData>
+  <dgm:styleData>
+    <dgm:dataModel>
+      <dgm:ptLst>
+        <dgm:pt modelId="0" type="doc"/>
+        <dgm:pt modelId="1"/>
+        <dgm:pt modelId="2"/>
+      </dgm:ptLst>
+      <dgm:cxnLst>
+        <dgm:cxn modelId="3" srcId="0" destId="1" srcOrd="0" destOrd="0"/>
+        <dgm:cxn modelId="4" srcId="0" destId="2" srcOrd="1" destOrd="0"/>
+      </dgm:cxnLst>
+      <dgm:bg/>
+      <dgm:whole/>
+    </dgm:dataModel>
+  </dgm:styleData>
+  <dgm:clrData>
+    <dgm:dataModel>
+      <dgm:ptLst>
+        <dgm:pt modelId="0" type="doc"/>
+        <dgm:pt modelId="1"/>
+        <dgm:pt modelId="2"/>
+        <dgm:pt modelId="3"/>
+        <dgm:pt modelId="4"/>
+      </dgm:ptLst>
+      <dgm:cxnLst>
+        <dgm:cxn modelId="5" srcId="0" destId="1" srcOrd="0" destOrd="0"/>
+        <dgm:cxn modelId="6" srcId="0" destId="2" srcOrd="1" destOrd="0"/>
+        <dgm:cxn modelId="7" srcId="0" destId="3" srcOrd="2" destOrd="0"/>
+        <dgm:cxn modelId="8" srcId="0" destId="4" srcOrd="3" destOrd="0"/>
+      </dgm:cxnLst>
+      <dgm:bg/>
+      <dgm:whole/>
+    </dgm:dataModel>
+  </dgm:clrData>
+  <dgm:layoutNode name="Name0">
+    <dgm:varLst>
+      <dgm:dir/>
+      <dgm:animLvl val="lvl"/>
+      <dgm:resizeHandles val="exact"/>
+    </dgm:varLst>
+    <dgm:choose name="Name1">
+      <dgm:if name="Name2" func="var" arg="dir" op="equ" val="norm">
+        <dgm:alg type="lin"/>
+      </dgm:if>
+      <dgm:else name="Name3">
+        <dgm:alg type="lin">
+          <dgm:param type="linDir" val="fromR"/>
+        </dgm:alg>
+      </dgm:else>
+    </dgm:choose>
+    <dgm:shape xmlns:r="http://schemas.openxmlformats.org/officeDocument/2006/relationships" r:blip="">
+      <dgm:adjLst/>
+    </dgm:shape>
+    <dgm:presOf/>
+    <dgm:choose name="Name4">
+      <dgm:if name="Name5" axis="des" func="maxDepth" op="gte" val="2">
+        <dgm:constrLst>
+          <dgm:constr type="h" for="ch" forName="composite" refType="h"/>
+          <dgm:constr type="w" for="ch" forName="composite" refType="w"/>
+          <dgm:constr type="w" for="des" forName="parTx"/>
+          <dgm:constr type="h" for="des" forName="parTx" op="equ"/>
+          <dgm:constr type="w" for="des" forName="desTx"/>
+          <dgm:constr type="h" for="des" forName="desTx" op="equ"/>
+          <dgm:constr type="primFontSz" for="des" forName="parTx" val="65"/>
+          <dgm:constr type="secFontSz" for="des" forName="desTx" refType="primFontSz" refFor="des" refForName="parTx" op="equ"/>
+          <dgm:constr type="h" for="des" forName="parTx" refType="primFontSz" refFor="des" refForName="parTx" fact="1.5"/>
+          <dgm:constr type="h" for="des" forName="desTx" refType="primFontSz" refFor="des" refForName="parTx" fact="0.5"/>
+          <dgm:constr type="w" for="ch" forName="space" op="equ" val="-6"/>
+        </dgm:constrLst>
+        <dgm:ruleLst>
+          <dgm:rule type="w" for="ch" forName="composite" val="0" fact="NaN" max="NaN"/>
+          <dgm:rule type="primFontSz" for="des" forName="parTx" val="5" fact="NaN" max="NaN"/>
+        </dgm:ruleLst>
+        <dgm:forEach name="Name6" axis="ch" ptType="node">
+          <dgm:layoutNode name="composite">
+            <dgm:alg type="composite"/>
+            <dgm:shape xmlns:r="http://schemas.openxmlformats.org/officeDocument/2006/relationships" r:blip="">
+              <dgm:adjLst/>
+            </dgm:shape>
+            <dgm:presOf/>
+            <dgm:choose name="Name7">
+              <dgm:if name="Name8" func="var" arg="dir" op="equ" val="norm">
+                <dgm:constrLst>
+                  <dgm:constr type="l" for="ch" forName="parTx"/>
+                  <dgm:constr type="w" for="ch" forName="parTx" refType="w"/>
+                  <dgm:constr type="t" for="ch" forName="parTx"/>
+                  <dgm:constr type="l" for="ch" forName="desTx"/>
+                  <dgm:constr type="w" for="ch" forName="desTx" refType="w" refFor="ch" refForName="parTx" fact="0.8"/>
+                  <dgm:constr type="t" for="ch" forName="desTx" refType="h" refFor="ch" refForName="parTx" fact="1.125"/>
+                </dgm:constrLst>
+              </dgm:if>
+              <dgm:else name="Name9">
+                <dgm:constrLst>
+                  <dgm:constr type="l" for="ch" forName="parTx"/>
+                  <dgm:constr type="w" for="ch" forName="parTx" refType="w"/>
+                  <dgm:constr type="t" for="ch" forName="parTx"/>
+                  <dgm:constr type="l" for="ch" forName="desTx" refType="w" fact="0.2"/>
+                  <dgm:constr type="w" for="ch" forName="desTx" refType="w" refFor="ch" refForName="parTx" fact="0.8"/>
+                  <dgm:constr type="t" for="ch" forName="desTx" refType="h" refFor="ch" refForName="parTx" fact="1.125"/>
+                </dgm:constrLst>
+              </dgm:else>
+            </dgm:choose>
+            <dgm:ruleLst>
+              <dgm:rule type="h" val="INF" fact="NaN" max="NaN"/>
+            </dgm:ruleLst>
+            <dgm:layoutNode name="parTx">
+              <dgm:varLst>
+                <dgm:chMax val="0"/>
+                <dgm:chPref val="0"/>
+                <dgm:bulletEnabled val="1"/>
+              </dgm:varLst>
+              <dgm:alg type="tx"/>
+              <dgm:choose name="Name10">
+                <dgm:if name="Name11" func="var" arg="dir" op="equ" val="norm">
+                  <dgm:shape xmlns:r="http://schemas.openxmlformats.org/officeDocument/2006/relationships" type="chevron" r:blip="">
+                    <dgm:adjLst/>
+                  </dgm:shape>
+                </dgm:if>
+                <dgm:else name="Name12">
+                  <dgm:shape xmlns:r="http://schemas.openxmlformats.org/officeDocument/2006/relationships" rot="180" type="chevron" r:blip="">
+                    <dgm:adjLst/>
+                  </dgm:shape>
+                </dgm:else>
+              </dgm:choose>
+              <dgm:presOf axis="self" ptType="node"/>
+              <dgm:choose name="Name13">
+                <dgm:if name="Name14" func="var" arg="dir" op="equ" val="norm">
+                  <dgm:constrLst>
+                    <dgm:constr type="h" refType="w" op="lte" fact="0.4"/>
+                    <dgm:constr type="h"/>
+                    <dgm:constr type="tMarg" refType="primFontSz" fact="0.105"/>
+                    <dgm:constr type="bMarg" refType="primFontSz" fact="0.105"/>
+                    <dgm:constr type="lMarg" refType="primFontSz" fact="0.315"/>
+                    <dgm:constr type="rMarg" refType="primFontSz" fact="0.105"/>
+                  </dgm:constrLst>
+                </dgm:if>
+                <dgm:else name="Name15">
+                  <dgm:constrLst>
+                    <dgm:constr type="h" refType="w" op="lte" fact="0.4"/>
+                    <dgm:constr type="h"/>
+                    <dgm:constr type="tMarg" refType="primFontSz" fact="0.105"/>
+                    <dgm:constr type="bMarg" refType="primFontSz" fact="0.105"/>
+                    <dgm:constr type="lMarg" refType="primFontSz" fact="0.105"/>
+                    <dgm:constr type="rMarg" refType="primFontSz" fact="0.315"/>
+                  </dgm:constrLst>
+                </dgm:else>
+              </dgm:choose>
+              <dgm:ruleLst>
+                <dgm:rule type="h" val="INF" fact="NaN" max="NaN"/>
+              </dgm:ruleLst>
+            </dgm:layoutNode>
+            <dgm:layoutNode name="desTx" styleLbl="revTx">
+              <dgm:varLst>
+                <dgm:bulletEnabled val="1"/>
+              </dgm:varLst>
+              <dgm:alg type="tx">
+                <dgm:param type="stBulletLvl" val="1"/>
+              </dgm:alg>
+              <dgm:choose name="Name16">
+                <dgm:if name="Name17" axis="ch" ptType="node" func="cnt" op="gte" val="1">
+                  <dgm:shape xmlns:r="http://schemas.openxmlformats.org/officeDocument/2006/relationships" type="rect" r:blip="">
+                    <dgm:adjLst/>
+                  </dgm:shape>
+                </dgm:if>
+                <dgm:else name="Name18">
+                  <dgm:shape xmlns:r="http://schemas.openxmlformats.org/officeDocument/2006/relationships" type="rect" r:blip="" hideGeom="1">
+                    <dgm:adjLst/>
+                  </dgm:shape>
+                </dgm:else>
+              </dgm:choose>
+              <dgm:presOf axis="des" ptType="node"/>
+              <dgm:constrLst>
+                <dgm:constr type="secFontSz" val="65"/>
+                <dgm:constr type="primFontSz" refType="secFontSz"/>
+                <dgm:constr type="h"/>
+                <dgm:constr type="tMarg"/>
+                <dgm:constr type="bMarg"/>
+                <dgm:constr type="rMarg"/>
+                <dgm:constr type="lMarg"/>
+              </dgm:constrLst>
+              <dgm:ruleLst>
+                <dgm:rule type="h" val="INF" fact="NaN" max="NaN"/>
+              </dgm:ruleLst>
+            </dgm:layoutNode>
+          </dgm:layoutNode>
+          <dgm:forEach name="Name19" axis="followSib" ptType="sibTrans" cnt="1">
+            <dgm:layoutNode name="space">
+              <dgm:alg type="sp"/>
+              <dgm:shape xmlns:r="http://schemas.openxmlformats.org/officeDocument/2006/relationships" r:blip="">
+                <dgm:adjLst/>
+              </dgm:shape>
+              <dgm:presOf/>
+              <dgm:constrLst/>
+              <dgm:ruleLst/>
+            </dgm:layoutNode>
+          </dgm:forEach>
+        </dgm:forEach>
+      </dgm:if>
+      <dgm:else name="Name20">
+        <dgm:constrLst>
+          <dgm:constr type="w" for="ch" forName="parTxOnly" refType="w"/>
+          <dgm:constr type="h" for="des" forName="parTxOnly" op="equ"/>
+          <dgm:constr type="primFontSz" for="des" forName="parTxOnly" op="equ" val="65"/>
+          <dgm:constr type="w" for="ch" forName="parTxOnlySpace" refType="w" refFor="ch" refForName="parTxOnly" fact="-0.1"/>
+        </dgm:constrLst>
+        <dgm:ruleLst/>
+        <dgm:forEach name="Name21" axis="ch" ptType="node">
+          <dgm:layoutNode name="parTxOnly">
+            <dgm:varLst>
+              <dgm:chMax val="0"/>
+              <dgm:chPref val="0"/>
+              <dgm:bulletEnabled val="1"/>
+            </dgm:varLst>
+            <dgm:alg type="tx"/>
+            <dgm:choose name="Name22">
+              <dgm:if name="Name23" func="var" arg="dir" op="equ" val="norm">
+                <dgm:shape xmlns:r="http://schemas.openxmlformats.org/officeDocument/2006/relationships" type="chevron" r:blip="">
+                  <dgm:adjLst/>
+                </dgm:shape>
+              </dgm:if>
+              <dgm:else name="Name24">
+                <dgm:shape xmlns:r="http://schemas.openxmlformats.org/officeDocument/2006/relationships" rot="180" type="chevron" r:blip="">
+                  <dgm:adjLst/>
+                </dgm:shape>
+              </dgm:else>
+            </dgm:choose>
+            <dgm:presOf axis="self" ptType="node"/>
+            <dgm:choose name="Name25">
+              <dgm:if name="Name26" func="var" arg="dir" op="equ" val="norm">
+                <dgm:constrLst>
+                  <dgm:constr type="h" refType="w" op="equ" fact="0.4"/>
+                  <dgm:constr type="tMarg" refType="primFontSz" fact="0.105"/>
+                  <dgm:constr type="bMarg" refType="primFontSz" fact="0.105"/>
+                  <dgm:constr type="lMarg" refType="primFontSz" fact="0.315"/>
+                  <dgm:constr type="rMarg" refType="primFontSz" fact="0.105"/>
+                </dgm:constrLst>
+              </dgm:if>
+              <dgm:else name="Name27">
+                <dgm:constrLst>
+                  <dgm:constr type="h" refType="w" op="equ" fact="0.4"/>
+                  <dgm:constr type="tMarg" refType="primFontSz" fact="0.105"/>
+                  <dgm:constr type="bMarg" refType="primFontSz" fact="0.105"/>
+                  <dgm:constr type="lMarg" refType="primFontSz" fact="0.105"/>
+                  <dgm:constr type="rMarg" refType="primFontSz" fact="0.315"/>
+                </dgm:constrLst>
+              </dgm:else>
+            </dgm:choose>
+            <dgm:ruleLst>
+              <dgm:rule type="primFontSz" val="5" fact="NaN" max="NaN"/>
+            </dgm:ruleLst>
+          </dgm:layoutNode>
+          <dgm:forEach name="Name28" axis="followSib" ptType="sibTrans" cnt="1">
+            <dgm:layoutNode name="parTxOnlySpace">
+              <dgm:alg type="sp"/>
+              <dgm:shape xmlns:r="http://schemas.openxmlformats.org/officeDocument/2006/relationships" r:blip="">
+                <dgm:adjLst/>
+              </dgm:shape>
+              <dgm:presOf/>
+              <dgm:constrLst/>
+              <dgm:ruleLst/>
+            </dgm:layoutNode>
+          </dgm:forEach>
+        </dgm:forEach>
+      </dgm:else>
+    </dgm:choose>
+  </dgm:layoutNode>
+</dgm:layoutDef>
+</file>
+
+<file path=ppt/diagrams/layout12.xml><?xml version="1.0" encoding="utf-8"?>
+<dgm:layoutDef xmlns:dgm="http://schemas.openxmlformats.org/drawingml/2006/diagram" xmlns:a="http://schemas.openxmlformats.org/drawingml/2006/main" uniqueId="urn:microsoft.com/office/officeart/2005/8/layout/chevron1">
+  <dgm:title val=""/>
+  <dgm:desc val=""/>
+  <dgm:catLst>
+    <dgm:cat type="process" pri="9000"/>
+  </dgm:catLst>
+  <dgm:sampData useDef="1">
+    <dgm:dataModel>
+      <dgm:ptLst/>
+      <dgm:bg/>
+      <dgm:whole/>
+    </dgm:dataModel>
+  </dgm:sampData>
+  <dgm:styleData>
+    <dgm:dataModel>
+      <dgm:ptLst>
+        <dgm:pt modelId="0" type="doc"/>
+        <dgm:pt modelId="1"/>
+        <dgm:pt modelId="2"/>
+      </dgm:ptLst>
+      <dgm:cxnLst>
+        <dgm:cxn modelId="3" srcId="0" destId="1" srcOrd="0" destOrd="0"/>
+        <dgm:cxn modelId="4" srcId="0" destId="2" srcOrd="1" destOrd="0"/>
+      </dgm:cxnLst>
+      <dgm:bg/>
+      <dgm:whole/>
+    </dgm:dataModel>
+  </dgm:styleData>
+  <dgm:clrData>
+    <dgm:dataModel>
+      <dgm:ptLst>
+        <dgm:pt modelId="0" type="doc"/>
+        <dgm:pt modelId="1"/>
+        <dgm:pt modelId="2"/>
+        <dgm:pt modelId="3"/>
+        <dgm:pt modelId="4"/>
+      </dgm:ptLst>
+      <dgm:cxnLst>
+        <dgm:cxn modelId="5" srcId="0" destId="1" srcOrd="0" destOrd="0"/>
+        <dgm:cxn modelId="6" srcId="0" destId="2" srcOrd="1" destOrd="0"/>
+        <dgm:cxn modelId="7" srcId="0" destId="3" srcOrd="2" destOrd="0"/>
+        <dgm:cxn modelId="8" srcId="0" destId="4" srcOrd="3" destOrd="0"/>
+      </dgm:cxnLst>
+      <dgm:bg/>
+      <dgm:whole/>
+    </dgm:dataModel>
+  </dgm:clrData>
+  <dgm:layoutNode name="Name0">
+    <dgm:varLst>
+      <dgm:dir/>
+      <dgm:animLvl val="lvl"/>
+      <dgm:resizeHandles val="exact"/>
+    </dgm:varLst>
+    <dgm:choose name="Name1">
+      <dgm:if name="Name2" func="var" arg="dir" op="equ" val="norm">
+        <dgm:alg type="lin"/>
+      </dgm:if>
+      <dgm:else name="Name3">
+        <dgm:alg type="lin">
+          <dgm:param type="linDir" val="fromR"/>
+        </dgm:alg>
+      </dgm:else>
+    </dgm:choose>
+    <dgm:shape xmlns:r="http://schemas.openxmlformats.org/officeDocument/2006/relationships" r:blip="">
+      <dgm:adjLst/>
+    </dgm:shape>
+    <dgm:presOf/>
+    <dgm:choose name="Name4">
+      <dgm:if name="Name5" axis="des" func="maxDepth" op="gte" val="2">
+        <dgm:constrLst>
+          <dgm:constr type="h" for="ch" forName="composite" refType="h"/>
+          <dgm:constr type="w" for="ch" forName="composite" refType="w"/>
+          <dgm:constr type="w" for="des" forName="parTx"/>
+          <dgm:constr type="h" for="des" forName="parTx" op="equ"/>
+          <dgm:constr type="w" for="des" forName="desTx"/>
+          <dgm:constr type="h" for="des" forName="desTx" op="equ"/>
+          <dgm:constr type="primFontSz" for="des" forName="parTx" val="65"/>
+          <dgm:constr type="secFontSz" for="des" forName="desTx" refType="primFontSz" refFor="des" refForName="parTx" op="equ"/>
+          <dgm:constr type="h" for="des" forName="parTx" refType="primFontSz" refFor="des" refForName="parTx" fact="1.5"/>
+          <dgm:constr type="h" for="des" forName="desTx" refType="primFontSz" refFor="des" refForName="parTx" fact="0.5"/>
+          <dgm:constr type="w" for="ch" forName="space" op="equ" val="-6"/>
+        </dgm:constrLst>
+        <dgm:ruleLst>
+          <dgm:rule type="w" for="ch" forName="composite" val="0" fact="NaN" max="NaN"/>
+          <dgm:rule type="primFontSz" for="des" forName="parTx" val="5" fact="NaN" max="NaN"/>
+        </dgm:ruleLst>
+        <dgm:forEach name="Name6" axis="ch" ptType="node">
+          <dgm:layoutNode name="composite">
+            <dgm:alg type="composite"/>
+            <dgm:shape xmlns:r="http://schemas.openxmlformats.org/officeDocument/2006/relationships" r:blip="">
+              <dgm:adjLst/>
+            </dgm:shape>
+            <dgm:presOf/>
+            <dgm:choose name="Name7">
+              <dgm:if name="Name8" func="var" arg="dir" op="equ" val="norm">
+                <dgm:constrLst>
+                  <dgm:constr type="l" for="ch" forName="parTx"/>
+                  <dgm:constr type="w" for="ch" forName="parTx" refType="w"/>
+                  <dgm:constr type="t" for="ch" forName="parTx"/>
+                  <dgm:constr type="l" for="ch" forName="desTx"/>
+                  <dgm:constr type="w" for="ch" forName="desTx" refType="w" refFor="ch" refForName="parTx" fact="0.8"/>
+                  <dgm:constr type="t" for="ch" forName="desTx" refType="h" refFor="ch" refForName="parTx" fact="1.125"/>
+                </dgm:constrLst>
+              </dgm:if>
+              <dgm:else name="Name9">
+                <dgm:constrLst>
+                  <dgm:constr type="l" for="ch" forName="parTx"/>
+                  <dgm:constr type="w" for="ch" forName="parTx" refType="w"/>
+                  <dgm:constr type="t" for="ch" forName="parTx"/>
+                  <dgm:constr type="l" for="ch" forName="desTx" refType="w" fact="0.2"/>
+                  <dgm:constr type="w" for="ch" forName="desTx" refType="w" refFor="ch" refForName="parTx" fact="0.8"/>
+                  <dgm:constr type="t" for="ch" forName="desTx" refType="h" refFor="ch" refForName="parTx" fact="1.125"/>
+                </dgm:constrLst>
+              </dgm:else>
+            </dgm:choose>
+            <dgm:ruleLst>
+              <dgm:rule type="h" val="INF" fact="NaN" max="NaN"/>
+            </dgm:ruleLst>
+            <dgm:layoutNode name="parTx">
+              <dgm:varLst>
+                <dgm:chMax val="0"/>
+                <dgm:chPref val="0"/>
+                <dgm:bulletEnabled val="1"/>
+              </dgm:varLst>
+              <dgm:alg type="tx"/>
+              <dgm:choose name="Name10">
+                <dgm:if name="Name11" func="var" arg="dir" op="equ" val="norm">
+                  <dgm:shape xmlns:r="http://schemas.openxmlformats.org/officeDocument/2006/relationships" type="chevron" r:blip="">
+                    <dgm:adjLst/>
+                  </dgm:shape>
+                </dgm:if>
+                <dgm:else name="Name12">
+                  <dgm:shape xmlns:r="http://schemas.openxmlformats.org/officeDocument/2006/relationships" rot="180" type="chevron" r:blip="">
+                    <dgm:adjLst/>
+                  </dgm:shape>
+                </dgm:else>
+              </dgm:choose>
+              <dgm:presOf axis="self" ptType="node"/>
+              <dgm:choose name="Name13">
+                <dgm:if name="Name14" func="var" arg="dir" op="equ" val="norm">
+                  <dgm:constrLst>
+                    <dgm:constr type="h" refType="w" op="lte" fact="0.4"/>
+                    <dgm:constr type="h"/>
+                    <dgm:constr type="tMarg" refType="primFontSz" fact="0.105"/>
+                    <dgm:constr type="bMarg" refType="primFontSz" fact="0.105"/>
+                    <dgm:constr type="lMarg" refType="primFontSz" fact="0.315"/>
+                    <dgm:constr type="rMarg" refType="primFontSz" fact="0.105"/>
+                  </dgm:constrLst>
+                </dgm:if>
+                <dgm:else name="Name15">
+                  <dgm:constrLst>
+                    <dgm:constr type="h" refType="w" op="lte" fact="0.4"/>
+                    <dgm:constr type="h"/>
+                    <dgm:constr type="tMarg" refType="primFontSz" fact="0.105"/>
+                    <dgm:constr type="bMarg" refType="primFontSz" fact="0.105"/>
+                    <dgm:constr type="lMarg" refType="primFontSz" fact="0.105"/>
+                    <dgm:constr type="rMarg" refType="primFontSz" fact="0.315"/>
+                  </dgm:constrLst>
+                </dgm:else>
+              </dgm:choose>
+              <dgm:ruleLst>
+                <dgm:rule type="h" val="INF" fact="NaN" max="NaN"/>
+              </dgm:ruleLst>
+            </dgm:layoutNode>
+            <dgm:layoutNode name="desTx" styleLbl="revTx">
+              <dgm:varLst>
+                <dgm:bulletEnabled val="1"/>
+              </dgm:varLst>
+              <dgm:alg type="tx">
+                <dgm:param type="stBulletLvl" val="1"/>
+              </dgm:alg>
+              <dgm:choose name="Name16">
+                <dgm:if name="Name17" axis="ch" ptType="node" func="cnt" op="gte" val="1">
+                  <dgm:shape xmlns:r="http://schemas.openxmlformats.org/officeDocument/2006/relationships" type="rect" r:blip="">
+                    <dgm:adjLst/>
+                  </dgm:shape>
+                </dgm:if>
+                <dgm:else name="Name18">
+                  <dgm:shape xmlns:r="http://schemas.openxmlformats.org/officeDocument/2006/relationships" type="rect" r:blip="" hideGeom="1">
+                    <dgm:adjLst/>
+                  </dgm:shape>
+                </dgm:else>
+              </dgm:choose>
+              <dgm:presOf axis="des" ptType="node"/>
+              <dgm:constrLst>
+                <dgm:constr type="secFontSz" val="65"/>
+                <dgm:constr type="primFontSz" refType="secFontSz"/>
+                <dgm:constr type="h"/>
+                <dgm:constr type="tMarg"/>
+                <dgm:constr type="bMarg"/>
+                <dgm:constr type="rMarg"/>
+                <dgm:constr type="lMarg"/>
+              </dgm:constrLst>
+              <dgm:ruleLst>
+                <dgm:rule type="h" val="INF" fact="NaN" max="NaN"/>
+              </dgm:ruleLst>
+            </dgm:layoutNode>
+          </dgm:layoutNode>
+          <dgm:forEach name="Name19" axis="followSib" ptType="sibTrans" cnt="1">
+            <dgm:layoutNode name="space">
+              <dgm:alg type="sp"/>
+              <dgm:shape xmlns:r="http://schemas.openxmlformats.org/officeDocument/2006/relationships" r:blip="">
+                <dgm:adjLst/>
+              </dgm:shape>
+              <dgm:presOf/>
+              <dgm:constrLst/>
+              <dgm:ruleLst/>
+            </dgm:layoutNode>
+          </dgm:forEach>
+        </dgm:forEach>
+      </dgm:if>
+      <dgm:else name="Name20">
+        <dgm:constrLst>
+          <dgm:constr type="w" for="ch" forName="parTxOnly" refType="w"/>
+          <dgm:constr type="h" for="des" forName="parTxOnly" op="equ"/>
+          <dgm:constr type="primFontSz" for="des" forName="parTxOnly" op="equ" val="65"/>
+          <dgm:constr type="w" for="ch" forName="parTxOnlySpace" refType="w" refFor="ch" refForName="parTxOnly" fact="-0.1"/>
+        </dgm:constrLst>
+        <dgm:ruleLst/>
+        <dgm:forEach name="Name21" axis="ch" ptType="node">
+          <dgm:layoutNode name="parTxOnly">
+            <dgm:varLst>
+              <dgm:chMax val="0"/>
+              <dgm:chPref val="0"/>
+              <dgm:bulletEnabled val="1"/>
+            </dgm:varLst>
+            <dgm:alg type="tx"/>
+            <dgm:choose name="Name22">
+              <dgm:if name="Name23" func="var" arg="dir" op="equ" val="norm">
+                <dgm:shape xmlns:r="http://schemas.openxmlformats.org/officeDocument/2006/relationships" type="chevron" r:blip="">
+                  <dgm:adjLst/>
+                </dgm:shape>
+              </dgm:if>
+              <dgm:else name="Name24">
+                <dgm:shape xmlns:r="http://schemas.openxmlformats.org/officeDocument/2006/relationships" rot="180" type="chevron" r:blip="">
+                  <dgm:adjLst/>
+                </dgm:shape>
+              </dgm:else>
+            </dgm:choose>
+            <dgm:presOf axis="self" ptType="node"/>
+            <dgm:choose name="Name25">
+              <dgm:if name="Name26" func="var" arg="dir" op="equ" val="norm">
+                <dgm:constrLst>
+                  <dgm:constr type="h" refType="w" op="equ" fact="0.4"/>
+                  <dgm:constr type="tMarg" refType="primFontSz" fact="0.105"/>
+                  <dgm:constr type="bMarg" refType="primFontSz" fact="0.105"/>
+                  <dgm:constr type="lMarg" refType="primFontSz" fact="0.315"/>
+                  <dgm:constr type="rMarg" refType="primFontSz" fact="0.105"/>
+                </dgm:constrLst>
+              </dgm:if>
+              <dgm:else name="Name27">
+                <dgm:constrLst>
+                  <dgm:constr type="h" refType="w" op="equ" fact="0.4"/>
+                  <dgm:constr type="tMarg" refType="primFontSz" fact="0.105"/>
+                  <dgm:constr type="bMarg" refType="primFontSz" fact="0.105"/>
+                  <dgm:constr type="lMarg" refType="primFontSz" fact="0.105"/>
+                  <dgm:constr type="rMarg" refType="primFontSz" fact="0.315"/>
+                </dgm:constrLst>
+              </dgm:else>
+            </dgm:choose>
+            <dgm:ruleLst>
+              <dgm:rule type="primFontSz" val="5" fact="NaN" max="NaN"/>
+            </dgm:ruleLst>
+          </dgm:layoutNode>
+          <dgm:forEach name="Name28" axis="followSib" ptType="sibTrans" cnt="1">
+            <dgm:layoutNode name="parTxOnlySpace">
+              <dgm:alg type="sp"/>
+              <dgm:shape xmlns:r="http://schemas.openxmlformats.org/officeDocument/2006/relationships" r:blip="">
+                <dgm:adjLst/>
+              </dgm:shape>
+              <dgm:presOf/>
+              <dgm:constrLst/>
+              <dgm:ruleLst/>
+            </dgm:layoutNode>
+          </dgm:forEach>
+        </dgm:forEach>
+      </dgm:else>
+    </dgm:choose>
+  </dgm:layoutNode>
+</dgm:layoutDef>
+</file>
+
+<file path=ppt/diagrams/layout13.xml><?xml version="1.0" encoding="utf-8"?>
 <dgm:layoutDef xmlns:dgm="http://schemas.openxmlformats.org/drawingml/2006/diagram" xmlns:a="http://schemas.openxmlformats.org/drawingml/2006/main" uniqueId="urn:microsoft.com/office/officeart/2005/8/layout/chevron1">
   <dgm:title val=""/>
   <dgm:desc val=""/>
@@ -18200,6 +20944,2074 @@
 </dgm:styleDef>
 </file>
 
+<file path=ppt/diagrams/quickStyle12.xml><?xml version="1.0" encoding="utf-8"?>
+<dgm:styleDef xmlns:dgm="http://schemas.openxmlformats.org/drawingml/2006/diagram" xmlns:a="http://schemas.openxmlformats.org/drawingml/2006/main" uniqueId="urn:microsoft.com/office/officeart/2005/8/quickstyle/simple2">
+  <dgm:title val=""/>
+  <dgm:desc val=""/>
+  <dgm:catLst>
+    <dgm:cat type="simple" pri="10200"/>
+  </dgm:catLst>
+  <dgm:scene3d>
+    <a:camera prst="orthographicFront"/>
+    <a:lightRig rig="threePt" dir="t"/>
+  </dgm:scene3d>
+  <dgm:styleLbl name="node0">
+    <dgm:scene3d>
+      <a:camera prst="orthographicFront"/>
+      <a:lightRig rig="threePt" dir="t"/>
+    </dgm:scene3d>
+    <dgm:sp3d/>
+    <dgm:txPr/>
+    <dgm:style>
+      <a:lnRef idx="3">
+        <a:scrgbClr r="0" g="0" b="0"/>
+      </a:lnRef>
+      <a:fillRef idx="1">
+        <a:scrgbClr r="0" g="0" b="0"/>
+      </a:fillRef>
+      <a:effectRef idx="1">
+        <a:scrgbClr r="0" g="0" b="0"/>
+      </a:effectRef>
+      <a:fontRef idx="minor">
+        <a:schemeClr val="lt1"/>
+      </a:fontRef>
+    </dgm:style>
+  </dgm:styleLbl>
+  <dgm:styleLbl name="lnNode1">
+    <dgm:scene3d>
+      <a:camera prst="orthographicFront"/>
+      <a:lightRig rig="threePt" dir="t"/>
+    </dgm:scene3d>
+    <dgm:sp3d/>
+    <dgm:txPr/>
+    <dgm:style>
+      <a:lnRef idx="3">
+        <a:scrgbClr r="0" g="0" b="0"/>
+      </a:lnRef>
+      <a:fillRef idx="1">
+        <a:scrgbClr r="0" g="0" b="0"/>
+      </a:fillRef>
+      <a:effectRef idx="1">
+        <a:scrgbClr r="0" g="0" b="0"/>
+      </a:effectRef>
+      <a:fontRef idx="minor">
+        <a:schemeClr val="lt1"/>
+      </a:fontRef>
+    </dgm:style>
+  </dgm:styleLbl>
+  <dgm:styleLbl name="vennNode1">
+    <dgm:scene3d>
+      <a:camera prst="orthographicFront"/>
+      <a:lightRig rig="threePt" dir="t"/>
+    </dgm:scene3d>
+    <dgm:sp3d/>
+    <dgm:txPr/>
+    <dgm:style>
+      <a:lnRef idx="3">
+        <a:scrgbClr r="0" g="0" b="0"/>
+      </a:lnRef>
+      <a:fillRef idx="1">
+        <a:scrgbClr r="0" g="0" b="0"/>
+      </a:fillRef>
+      <a:effectRef idx="0">
+        <a:scrgbClr r="0" g="0" b="0"/>
+      </a:effectRef>
+      <a:fontRef idx="minor">
+        <a:schemeClr val="tx1"/>
+      </a:fontRef>
+    </dgm:style>
+  </dgm:styleLbl>
+  <dgm:styleLbl name="alignNode1">
+    <dgm:scene3d>
+      <a:camera prst="orthographicFront"/>
+      <a:lightRig rig="threePt" dir="t"/>
+    </dgm:scene3d>
+    <dgm:sp3d/>
+    <dgm:txPr/>
+    <dgm:style>
+      <a:lnRef idx="2">
+        <a:scrgbClr r="0" g="0" b="0"/>
+      </a:lnRef>
+      <a:fillRef idx="1">
+        <a:scrgbClr r="0" g="0" b="0"/>
+      </a:fillRef>
+      <a:effectRef idx="1">
+        <a:scrgbClr r="0" g="0" b="0"/>
+      </a:effectRef>
+      <a:fontRef idx="minor">
+        <a:schemeClr val="lt1"/>
+      </a:fontRef>
+    </dgm:style>
+  </dgm:styleLbl>
+  <dgm:styleLbl name="node1">
+    <dgm:scene3d>
+      <a:camera prst="orthographicFront"/>
+      <a:lightRig rig="threePt" dir="t"/>
+    </dgm:scene3d>
+    <dgm:sp3d/>
+    <dgm:txPr/>
+    <dgm:style>
+      <a:lnRef idx="3">
+        <a:scrgbClr r="0" g="0" b="0"/>
+      </a:lnRef>
+      <a:fillRef idx="1">
+        <a:scrgbClr r="0" g="0" b="0"/>
+      </a:fillRef>
+      <a:effectRef idx="1">
+        <a:scrgbClr r="0" g="0" b="0"/>
+      </a:effectRef>
+      <a:fontRef idx="minor">
+        <a:schemeClr val="lt1"/>
+      </a:fontRef>
+    </dgm:style>
+  </dgm:styleLbl>
+  <dgm:styleLbl name="node2">
+    <dgm:scene3d>
+      <a:camera prst="orthographicFront"/>
+      <a:lightRig rig="threePt" dir="t"/>
+    </dgm:scene3d>
+    <dgm:sp3d/>
+    <dgm:txPr/>
+    <dgm:style>
+      <a:lnRef idx="3">
+        <a:scrgbClr r="0" g="0" b="0"/>
+      </a:lnRef>
+      <a:fillRef idx="1">
+        <a:scrgbClr r="0" g="0" b="0"/>
+      </a:fillRef>
+      <a:effectRef idx="1">
+        <a:scrgbClr r="0" g="0" b="0"/>
+      </a:effectRef>
+      <a:fontRef idx="minor">
+        <a:schemeClr val="lt1"/>
+      </a:fontRef>
+    </dgm:style>
+  </dgm:styleLbl>
+  <dgm:styleLbl name="node3">
+    <dgm:scene3d>
+      <a:camera prst="orthographicFront"/>
+      <a:lightRig rig="threePt" dir="t"/>
+    </dgm:scene3d>
+    <dgm:sp3d/>
+    <dgm:txPr/>
+    <dgm:style>
+      <a:lnRef idx="3">
+        <a:scrgbClr r="0" g="0" b="0"/>
+      </a:lnRef>
+      <a:fillRef idx="1">
+        <a:scrgbClr r="0" g="0" b="0"/>
+      </a:fillRef>
+      <a:effectRef idx="1">
+        <a:scrgbClr r="0" g="0" b="0"/>
+      </a:effectRef>
+      <a:fontRef idx="minor">
+        <a:schemeClr val="lt1"/>
+      </a:fontRef>
+    </dgm:style>
+  </dgm:styleLbl>
+  <dgm:styleLbl name="node4">
+    <dgm:scene3d>
+      <a:camera prst="orthographicFront"/>
+      <a:lightRig rig="threePt" dir="t"/>
+    </dgm:scene3d>
+    <dgm:sp3d/>
+    <dgm:txPr/>
+    <dgm:style>
+      <a:lnRef idx="3">
+        <a:scrgbClr r="0" g="0" b="0"/>
+      </a:lnRef>
+      <a:fillRef idx="1">
+        <a:scrgbClr r="0" g="0" b="0"/>
+      </a:fillRef>
+      <a:effectRef idx="1">
+        <a:scrgbClr r="0" g="0" b="0"/>
+      </a:effectRef>
+      <a:fontRef idx="minor">
+        <a:schemeClr val="lt1"/>
+      </a:fontRef>
+    </dgm:style>
+  </dgm:styleLbl>
+  <dgm:styleLbl name="fgImgPlace1">
+    <dgm:scene3d>
+      <a:camera prst="orthographicFront"/>
+      <a:lightRig rig="threePt" dir="t"/>
+    </dgm:scene3d>
+    <dgm:sp3d/>
+    <dgm:txPr/>
+    <dgm:style>
+      <a:lnRef idx="3">
+        <a:scrgbClr r="0" g="0" b="0"/>
+      </a:lnRef>
+      <a:fillRef idx="1">
+        <a:scrgbClr r="0" g="0" b="0"/>
+      </a:fillRef>
+      <a:effectRef idx="1">
+        <a:scrgbClr r="0" g="0" b="0"/>
+      </a:effectRef>
+      <a:fontRef idx="minor"/>
+    </dgm:style>
+  </dgm:styleLbl>
+  <dgm:styleLbl name="alignImgPlace1">
+    <dgm:scene3d>
+      <a:camera prst="orthographicFront"/>
+      <a:lightRig rig="threePt" dir="t"/>
+    </dgm:scene3d>
+    <dgm:sp3d/>
+    <dgm:txPr/>
+    <dgm:style>
+      <a:lnRef idx="3">
+        <a:scrgbClr r="0" g="0" b="0"/>
+      </a:lnRef>
+      <a:fillRef idx="1">
+        <a:scrgbClr r="0" g="0" b="0"/>
+      </a:fillRef>
+      <a:effectRef idx="1">
+        <a:scrgbClr r="0" g="0" b="0"/>
+      </a:effectRef>
+      <a:fontRef idx="minor"/>
+    </dgm:style>
+  </dgm:styleLbl>
+  <dgm:styleLbl name="bgImgPlace1">
+    <dgm:scene3d>
+      <a:camera prst="orthographicFront"/>
+      <a:lightRig rig="threePt" dir="t"/>
+    </dgm:scene3d>
+    <dgm:sp3d/>
+    <dgm:txPr/>
+    <dgm:style>
+      <a:lnRef idx="3">
+        <a:scrgbClr r="0" g="0" b="0"/>
+      </a:lnRef>
+      <a:fillRef idx="1">
+        <a:scrgbClr r="0" g="0" b="0"/>
+      </a:fillRef>
+      <a:effectRef idx="1">
+        <a:scrgbClr r="0" g="0" b="0"/>
+      </a:effectRef>
+      <a:fontRef idx="minor"/>
+    </dgm:style>
+  </dgm:styleLbl>
+  <dgm:styleLbl name="sibTrans2D1">
+    <dgm:scene3d>
+      <a:camera prst="orthographicFront"/>
+      <a:lightRig rig="threePt" dir="t"/>
+    </dgm:scene3d>
+    <dgm:sp3d/>
+    <dgm:txPr/>
+    <dgm:style>
+      <a:lnRef idx="0">
+        <a:scrgbClr r="0" g="0" b="0"/>
+      </a:lnRef>
+      <a:fillRef idx="1">
+        <a:scrgbClr r="0" g="0" b="0"/>
+      </a:fillRef>
+      <a:effectRef idx="1">
+        <a:scrgbClr r="0" g="0" b="0"/>
+      </a:effectRef>
+      <a:fontRef idx="minor">
+        <a:schemeClr val="lt1"/>
+      </a:fontRef>
+    </dgm:style>
+  </dgm:styleLbl>
+  <dgm:styleLbl name="fgSibTrans2D1">
+    <dgm:scene3d>
+      <a:camera prst="orthographicFront"/>
+      <a:lightRig rig="threePt" dir="t"/>
+    </dgm:scene3d>
+    <dgm:sp3d/>
+    <dgm:txPr/>
+    <dgm:style>
+      <a:lnRef idx="0">
+        <a:scrgbClr r="0" g="0" b="0"/>
+      </a:lnRef>
+      <a:fillRef idx="1">
+        <a:scrgbClr r="0" g="0" b="0"/>
+      </a:fillRef>
+      <a:effectRef idx="1">
+        <a:scrgbClr r="0" g="0" b="0"/>
+      </a:effectRef>
+      <a:fontRef idx="minor">
+        <a:schemeClr val="lt1"/>
+      </a:fontRef>
+    </dgm:style>
+  </dgm:styleLbl>
+  <dgm:styleLbl name="bgSibTrans2D1">
+    <dgm:scene3d>
+      <a:camera prst="orthographicFront"/>
+      <a:lightRig rig="threePt" dir="t"/>
+    </dgm:scene3d>
+    <dgm:sp3d/>
+    <dgm:txPr/>
+    <dgm:style>
+      <a:lnRef idx="0">
+        <a:scrgbClr r="0" g="0" b="0"/>
+      </a:lnRef>
+      <a:fillRef idx="1">
+        <a:scrgbClr r="0" g="0" b="0"/>
+      </a:fillRef>
+      <a:effectRef idx="1">
+        <a:scrgbClr r="0" g="0" b="0"/>
+      </a:effectRef>
+      <a:fontRef idx="minor">
+        <a:schemeClr val="lt1"/>
+      </a:fontRef>
+    </dgm:style>
+  </dgm:styleLbl>
+  <dgm:styleLbl name="sibTrans1D1">
+    <dgm:scene3d>
+      <a:camera prst="orthographicFront"/>
+      <a:lightRig rig="threePt" dir="t"/>
+    </dgm:scene3d>
+    <dgm:sp3d/>
+    <dgm:txPr/>
+    <dgm:style>
+      <a:lnRef idx="1">
+        <a:scrgbClr r="0" g="0" b="0"/>
+      </a:lnRef>
+      <a:fillRef idx="0">
+        <a:scrgbClr r="0" g="0" b="0"/>
+      </a:fillRef>
+      <a:effectRef idx="0">
+        <a:scrgbClr r="0" g="0" b="0"/>
+      </a:effectRef>
+      <a:fontRef idx="minor"/>
+    </dgm:style>
+  </dgm:styleLbl>
+  <dgm:styleLbl name="callout">
+    <dgm:scene3d>
+      <a:camera prst="orthographicFront"/>
+      <a:lightRig rig="threePt" dir="t"/>
+    </dgm:scene3d>
+    <dgm:sp3d/>
+    <dgm:txPr/>
+    <dgm:style>
+      <a:lnRef idx="2">
+        <a:scrgbClr r="0" g="0" b="0"/>
+      </a:lnRef>
+      <a:fillRef idx="1">
+        <a:scrgbClr r="0" g="0" b="0"/>
+      </a:fillRef>
+      <a:effectRef idx="1">
+        <a:scrgbClr r="0" g="0" b="0"/>
+      </a:effectRef>
+      <a:fontRef idx="minor"/>
+    </dgm:style>
+  </dgm:styleLbl>
+  <dgm:styleLbl name="asst0">
+    <dgm:scene3d>
+      <a:camera prst="orthographicFront"/>
+      <a:lightRig rig="threePt" dir="t"/>
+    </dgm:scene3d>
+    <dgm:sp3d/>
+    <dgm:txPr/>
+    <dgm:style>
+      <a:lnRef idx="3">
+        <a:scrgbClr r="0" g="0" b="0"/>
+      </a:lnRef>
+      <a:fillRef idx="1">
+        <a:scrgbClr r="0" g="0" b="0"/>
+      </a:fillRef>
+      <a:effectRef idx="1">
+        <a:scrgbClr r="0" g="0" b="0"/>
+      </a:effectRef>
+      <a:fontRef idx="minor">
+        <a:schemeClr val="lt1"/>
+      </a:fontRef>
+    </dgm:style>
+  </dgm:styleLbl>
+  <dgm:styleLbl name="asst1">
+    <dgm:scene3d>
+      <a:camera prst="orthographicFront"/>
+      <a:lightRig rig="threePt" dir="t"/>
+    </dgm:scene3d>
+    <dgm:sp3d/>
+    <dgm:txPr/>
+    <dgm:style>
+      <a:lnRef idx="3">
+        <a:scrgbClr r="0" g="0" b="0"/>
+      </a:lnRef>
+      <a:fillRef idx="1">
+        <a:scrgbClr r="0" g="0" b="0"/>
+      </a:fillRef>
+      <a:effectRef idx="1">
+        <a:scrgbClr r="0" g="0" b="0"/>
+      </a:effectRef>
+      <a:fontRef idx="minor">
+        <a:schemeClr val="lt1"/>
+      </a:fontRef>
+    </dgm:style>
+  </dgm:styleLbl>
+  <dgm:styleLbl name="asst2">
+    <dgm:scene3d>
+      <a:camera prst="orthographicFront"/>
+      <a:lightRig rig="threePt" dir="t"/>
+    </dgm:scene3d>
+    <dgm:sp3d/>
+    <dgm:txPr/>
+    <dgm:style>
+      <a:lnRef idx="3">
+        <a:scrgbClr r="0" g="0" b="0"/>
+      </a:lnRef>
+      <a:fillRef idx="1">
+        <a:scrgbClr r="0" g="0" b="0"/>
+      </a:fillRef>
+      <a:effectRef idx="1">
+        <a:scrgbClr r="0" g="0" b="0"/>
+      </a:effectRef>
+      <a:fontRef idx="minor">
+        <a:schemeClr val="lt1"/>
+      </a:fontRef>
+    </dgm:style>
+  </dgm:styleLbl>
+  <dgm:styleLbl name="asst3">
+    <dgm:scene3d>
+      <a:camera prst="orthographicFront"/>
+      <a:lightRig rig="threePt" dir="t"/>
+    </dgm:scene3d>
+    <dgm:sp3d/>
+    <dgm:txPr/>
+    <dgm:style>
+      <a:lnRef idx="3">
+        <a:scrgbClr r="0" g="0" b="0"/>
+      </a:lnRef>
+      <a:fillRef idx="1">
+        <a:scrgbClr r="0" g="0" b="0"/>
+      </a:fillRef>
+      <a:effectRef idx="1">
+        <a:scrgbClr r="0" g="0" b="0"/>
+      </a:effectRef>
+      <a:fontRef idx="minor">
+        <a:schemeClr val="lt1"/>
+      </a:fontRef>
+    </dgm:style>
+  </dgm:styleLbl>
+  <dgm:styleLbl name="asst4">
+    <dgm:scene3d>
+      <a:camera prst="orthographicFront"/>
+      <a:lightRig rig="threePt" dir="t"/>
+    </dgm:scene3d>
+    <dgm:sp3d/>
+    <dgm:txPr/>
+    <dgm:style>
+      <a:lnRef idx="3">
+        <a:scrgbClr r="0" g="0" b="0"/>
+      </a:lnRef>
+      <a:fillRef idx="1">
+        <a:scrgbClr r="0" g="0" b="0"/>
+      </a:fillRef>
+      <a:effectRef idx="1">
+        <a:scrgbClr r="0" g="0" b="0"/>
+      </a:effectRef>
+      <a:fontRef idx="minor">
+        <a:schemeClr val="lt1"/>
+      </a:fontRef>
+    </dgm:style>
+  </dgm:styleLbl>
+  <dgm:styleLbl name="parChTrans2D1">
+    <dgm:scene3d>
+      <a:camera prst="orthographicFront"/>
+      <a:lightRig rig="threePt" dir="t"/>
+    </dgm:scene3d>
+    <dgm:sp3d/>
+    <dgm:txPr/>
+    <dgm:style>
+      <a:lnRef idx="3">
+        <a:scrgbClr r="0" g="0" b="0"/>
+      </a:lnRef>
+      <a:fillRef idx="1">
+        <a:scrgbClr r="0" g="0" b="0"/>
+      </a:fillRef>
+      <a:effectRef idx="1">
+        <a:scrgbClr r="0" g="0" b="0"/>
+      </a:effectRef>
+      <a:fontRef idx="minor">
+        <a:schemeClr val="lt1"/>
+      </a:fontRef>
+    </dgm:style>
+  </dgm:styleLbl>
+  <dgm:styleLbl name="parChTrans2D2">
+    <dgm:scene3d>
+      <a:camera prst="orthographicFront"/>
+      <a:lightRig rig="threePt" dir="t"/>
+    </dgm:scene3d>
+    <dgm:sp3d/>
+    <dgm:txPr/>
+    <dgm:style>
+      <a:lnRef idx="3">
+        <a:scrgbClr r="0" g="0" b="0"/>
+      </a:lnRef>
+      <a:fillRef idx="1">
+        <a:scrgbClr r="0" g="0" b="0"/>
+      </a:fillRef>
+      <a:effectRef idx="1">
+        <a:scrgbClr r="0" g="0" b="0"/>
+      </a:effectRef>
+      <a:fontRef idx="minor">
+        <a:schemeClr val="lt1"/>
+      </a:fontRef>
+    </dgm:style>
+  </dgm:styleLbl>
+  <dgm:styleLbl name="parChTrans2D3">
+    <dgm:scene3d>
+      <a:camera prst="orthographicFront"/>
+      <a:lightRig rig="threePt" dir="t"/>
+    </dgm:scene3d>
+    <dgm:sp3d/>
+    <dgm:txPr/>
+    <dgm:style>
+      <a:lnRef idx="3">
+        <a:scrgbClr r="0" g="0" b="0"/>
+      </a:lnRef>
+      <a:fillRef idx="1">
+        <a:scrgbClr r="0" g="0" b="0"/>
+      </a:fillRef>
+      <a:effectRef idx="1">
+        <a:scrgbClr r="0" g="0" b="0"/>
+      </a:effectRef>
+      <a:fontRef idx="minor">
+        <a:schemeClr val="lt1"/>
+      </a:fontRef>
+    </dgm:style>
+  </dgm:styleLbl>
+  <dgm:styleLbl name="parChTrans2D4">
+    <dgm:scene3d>
+      <a:camera prst="orthographicFront"/>
+      <a:lightRig rig="threePt" dir="t"/>
+    </dgm:scene3d>
+    <dgm:sp3d/>
+    <dgm:txPr/>
+    <dgm:style>
+      <a:lnRef idx="3">
+        <a:scrgbClr r="0" g="0" b="0"/>
+      </a:lnRef>
+      <a:fillRef idx="1">
+        <a:scrgbClr r="0" g="0" b="0"/>
+      </a:fillRef>
+      <a:effectRef idx="1">
+        <a:scrgbClr r="0" g="0" b="0"/>
+      </a:effectRef>
+      <a:fontRef idx="minor">
+        <a:schemeClr val="lt1"/>
+      </a:fontRef>
+    </dgm:style>
+  </dgm:styleLbl>
+  <dgm:styleLbl name="parChTrans1D1">
+    <dgm:scene3d>
+      <a:camera prst="orthographicFront"/>
+      <a:lightRig rig="threePt" dir="t"/>
+    </dgm:scene3d>
+    <dgm:sp3d/>
+    <dgm:txPr/>
+    <dgm:style>
+      <a:lnRef idx="2">
+        <a:scrgbClr r="0" g="0" b="0"/>
+      </a:lnRef>
+      <a:fillRef idx="0">
+        <a:scrgbClr r="0" g="0" b="0"/>
+      </a:fillRef>
+      <a:effectRef idx="0">
+        <a:scrgbClr r="0" g="0" b="0"/>
+      </a:effectRef>
+      <a:fontRef idx="minor"/>
+    </dgm:style>
+  </dgm:styleLbl>
+  <dgm:styleLbl name="parChTrans1D2">
+    <dgm:scene3d>
+      <a:camera prst="orthographicFront"/>
+      <a:lightRig rig="threePt" dir="t"/>
+    </dgm:scene3d>
+    <dgm:sp3d/>
+    <dgm:txPr/>
+    <dgm:style>
+      <a:lnRef idx="2">
+        <a:scrgbClr r="0" g="0" b="0"/>
+      </a:lnRef>
+      <a:fillRef idx="0">
+        <a:scrgbClr r="0" g="0" b="0"/>
+      </a:fillRef>
+      <a:effectRef idx="0">
+        <a:scrgbClr r="0" g="0" b="0"/>
+      </a:effectRef>
+      <a:fontRef idx="minor"/>
+    </dgm:style>
+  </dgm:styleLbl>
+  <dgm:styleLbl name="parChTrans1D3">
+    <dgm:scene3d>
+      <a:camera prst="orthographicFront"/>
+      <a:lightRig rig="threePt" dir="t"/>
+    </dgm:scene3d>
+    <dgm:sp3d/>
+    <dgm:txPr/>
+    <dgm:style>
+      <a:lnRef idx="2">
+        <a:scrgbClr r="0" g="0" b="0"/>
+      </a:lnRef>
+      <a:fillRef idx="0">
+        <a:scrgbClr r="0" g="0" b="0"/>
+      </a:fillRef>
+      <a:effectRef idx="0">
+        <a:scrgbClr r="0" g="0" b="0"/>
+      </a:effectRef>
+      <a:fontRef idx="minor"/>
+    </dgm:style>
+  </dgm:styleLbl>
+  <dgm:styleLbl name="parChTrans1D4">
+    <dgm:scene3d>
+      <a:camera prst="orthographicFront"/>
+      <a:lightRig rig="threePt" dir="t"/>
+    </dgm:scene3d>
+    <dgm:sp3d/>
+    <dgm:txPr/>
+    <dgm:style>
+      <a:lnRef idx="2">
+        <a:scrgbClr r="0" g="0" b="0"/>
+      </a:lnRef>
+      <a:fillRef idx="0">
+        <a:scrgbClr r="0" g="0" b="0"/>
+      </a:fillRef>
+      <a:effectRef idx="0">
+        <a:scrgbClr r="0" g="0" b="0"/>
+      </a:effectRef>
+      <a:fontRef idx="minor"/>
+    </dgm:style>
+  </dgm:styleLbl>
+  <dgm:styleLbl name="fgAcc1">
+    <dgm:scene3d>
+      <a:camera prst="orthographicFront"/>
+      <a:lightRig rig="threePt" dir="t"/>
+    </dgm:scene3d>
+    <dgm:sp3d/>
+    <dgm:txPr/>
+    <dgm:style>
+      <a:lnRef idx="2">
+        <a:scrgbClr r="0" g="0" b="0"/>
+      </a:lnRef>
+      <a:fillRef idx="1">
+        <a:scrgbClr r="0" g="0" b="0"/>
+      </a:fillRef>
+      <a:effectRef idx="0">
+        <a:scrgbClr r="0" g="0" b="0"/>
+      </a:effectRef>
+      <a:fontRef idx="minor"/>
+    </dgm:style>
+  </dgm:styleLbl>
+  <dgm:styleLbl name="conFgAcc1">
+    <dgm:scene3d>
+      <a:camera prst="orthographicFront"/>
+      <a:lightRig rig="threePt" dir="t"/>
+    </dgm:scene3d>
+    <dgm:sp3d/>
+    <dgm:txPr/>
+    <dgm:style>
+      <a:lnRef idx="2">
+        <a:scrgbClr r="0" g="0" b="0"/>
+      </a:lnRef>
+      <a:fillRef idx="1">
+        <a:scrgbClr r="0" g="0" b="0"/>
+      </a:fillRef>
+      <a:effectRef idx="0">
+        <a:scrgbClr r="0" g="0" b="0"/>
+      </a:effectRef>
+      <a:fontRef idx="minor"/>
+    </dgm:style>
+  </dgm:styleLbl>
+  <dgm:styleLbl name="alignAcc1">
+    <dgm:scene3d>
+      <a:camera prst="orthographicFront"/>
+      <a:lightRig rig="threePt" dir="t"/>
+    </dgm:scene3d>
+    <dgm:sp3d/>
+    <dgm:txPr/>
+    <dgm:style>
+      <a:lnRef idx="2">
+        <a:scrgbClr r="0" g="0" b="0"/>
+      </a:lnRef>
+      <a:fillRef idx="1">
+        <a:scrgbClr r="0" g="0" b="0"/>
+      </a:fillRef>
+      <a:effectRef idx="0">
+        <a:scrgbClr r="0" g="0" b="0"/>
+      </a:effectRef>
+      <a:fontRef idx="minor"/>
+    </dgm:style>
+  </dgm:styleLbl>
+  <dgm:styleLbl name="trAlignAcc1">
+    <dgm:scene3d>
+      <a:camera prst="orthographicFront"/>
+      <a:lightRig rig="threePt" dir="t"/>
+    </dgm:scene3d>
+    <dgm:sp3d/>
+    <dgm:txPr/>
+    <dgm:style>
+      <a:lnRef idx="1">
+        <a:scrgbClr r="0" g="0" b="0"/>
+      </a:lnRef>
+      <a:fillRef idx="1">
+        <a:scrgbClr r="0" g="0" b="0"/>
+      </a:fillRef>
+      <a:effectRef idx="0">
+        <a:scrgbClr r="0" g="0" b="0"/>
+      </a:effectRef>
+      <a:fontRef idx="minor"/>
+    </dgm:style>
+  </dgm:styleLbl>
+  <dgm:styleLbl name="bgAcc1">
+    <dgm:scene3d>
+      <a:camera prst="orthographicFront"/>
+      <a:lightRig rig="threePt" dir="t"/>
+    </dgm:scene3d>
+    <dgm:sp3d/>
+    <dgm:txPr/>
+    <dgm:style>
+      <a:lnRef idx="2">
+        <a:scrgbClr r="0" g="0" b="0"/>
+      </a:lnRef>
+      <a:fillRef idx="1">
+        <a:scrgbClr r="0" g="0" b="0"/>
+      </a:fillRef>
+      <a:effectRef idx="0">
+        <a:scrgbClr r="0" g="0" b="0"/>
+      </a:effectRef>
+      <a:fontRef idx="minor"/>
+    </dgm:style>
+  </dgm:styleLbl>
+  <dgm:styleLbl name="solidFgAcc1">
+    <dgm:scene3d>
+      <a:camera prst="orthographicFront"/>
+      <a:lightRig rig="threePt" dir="t"/>
+    </dgm:scene3d>
+    <dgm:sp3d/>
+    <dgm:txPr/>
+    <dgm:style>
+      <a:lnRef idx="2">
+        <a:scrgbClr r="0" g="0" b="0"/>
+      </a:lnRef>
+      <a:fillRef idx="1">
+        <a:scrgbClr r="0" g="0" b="0"/>
+      </a:fillRef>
+      <a:effectRef idx="0">
+        <a:scrgbClr r="0" g="0" b="0"/>
+      </a:effectRef>
+      <a:fontRef idx="minor"/>
+    </dgm:style>
+  </dgm:styleLbl>
+  <dgm:styleLbl name="solidAlignAcc1">
+    <dgm:scene3d>
+      <a:camera prst="orthographicFront"/>
+      <a:lightRig rig="threePt" dir="t"/>
+    </dgm:scene3d>
+    <dgm:sp3d/>
+    <dgm:txPr/>
+    <dgm:style>
+      <a:lnRef idx="2">
+        <a:scrgbClr r="0" g="0" b="0"/>
+      </a:lnRef>
+      <a:fillRef idx="1">
+        <a:scrgbClr r="0" g="0" b="0"/>
+      </a:fillRef>
+      <a:effectRef idx="0">
+        <a:scrgbClr r="0" g="0" b="0"/>
+      </a:effectRef>
+      <a:fontRef idx="minor"/>
+    </dgm:style>
+  </dgm:styleLbl>
+  <dgm:styleLbl name="solidBgAcc1">
+    <dgm:scene3d>
+      <a:camera prst="orthographicFront"/>
+      <a:lightRig rig="threePt" dir="t"/>
+    </dgm:scene3d>
+    <dgm:sp3d/>
+    <dgm:txPr/>
+    <dgm:style>
+      <a:lnRef idx="2">
+        <a:scrgbClr r="0" g="0" b="0"/>
+      </a:lnRef>
+      <a:fillRef idx="1">
+        <a:scrgbClr r="0" g="0" b="0"/>
+      </a:fillRef>
+      <a:effectRef idx="0">
+        <a:scrgbClr r="0" g="0" b="0"/>
+      </a:effectRef>
+      <a:fontRef idx="minor"/>
+    </dgm:style>
+  </dgm:styleLbl>
+  <dgm:styleLbl name="fgAccFollowNode1">
+    <dgm:scene3d>
+      <a:camera prst="orthographicFront"/>
+      <a:lightRig rig="threePt" dir="t"/>
+    </dgm:scene3d>
+    <dgm:sp3d/>
+    <dgm:txPr/>
+    <dgm:style>
+      <a:lnRef idx="2">
+        <a:scrgbClr r="0" g="0" b="0"/>
+      </a:lnRef>
+      <a:fillRef idx="1">
+        <a:scrgbClr r="0" g="0" b="0"/>
+      </a:fillRef>
+      <a:effectRef idx="0">
+        <a:scrgbClr r="0" g="0" b="0"/>
+      </a:effectRef>
+      <a:fontRef idx="minor"/>
+    </dgm:style>
+  </dgm:styleLbl>
+  <dgm:styleLbl name="alignAccFollowNode1">
+    <dgm:scene3d>
+      <a:camera prst="orthographicFront"/>
+      <a:lightRig rig="threePt" dir="t"/>
+    </dgm:scene3d>
+    <dgm:sp3d/>
+    <dgm:txPr/>
+    <dgm:style>
+      <a:lnRef idx="2">
+        <a:scrgbClr r="0" g="0" b="0"/>
+      </a:lnRef>
+      <a:fillRef idx="1">
+        <a:scrgbClr r="0" g="0" b="0"/>
+      </a:fillRef>
+      <a:effectRef idx="0">
+        <a:scrgbClr r="0" g="0" b="0"/>
+      </a:effectRef>
+      <a:fontRef idx="minor"/>
+    </dgm:style>
+  </dgm:styleLbl>
+  <dgm:styleLbl name="bgAccFollowNode1">
+    <dgm:scene3d>
+      <a:camera prst="orthographicFront"/>
+      <a:lightRig rig="threePt" dir="t"/>
+    </dgm:scene3d>
+    <dgm:sp3d/>
+    <dgm:txPr/>
+    <dgm:style>
+      <a:lnRef idx="2">
+        <a:scrgbClr r="0" g="0" b="0"/>
+      </a:lnRef>
+      <a:fillRef idx="1">
+        <a:scrgbClr r="0" g="0" b="0"/>
+      </a:fillRef>
+      <a:effectRef idx="0">
+        <a:scrgbClr r="0" g="0" b="0"/>
+      </a:effectRef>
+      <a:fontRef idx="minor"/>
+    </dgm:style>
+  </dgm:styleLbl>
+  <dgm:styleLbl name="fgAcc0">
+    <dgm:scene3d>
+      <a:camera prst="orthographicFront"/>
+      <a:lightRig rig="threePt" dir="t"/>
+    </dgm:scene3d>
+    <dgm:sp3d/>
+    <dgm:txPr/>
+    <dgm:style>
+      <a:lnRef idx="2">
+        <a:scrgbClr r="0" g="0" b="0"/>
+      </a:lnRef>
+      <a:fillRef idx="1">
+        <a:scrgbClr r="0" g="0" b="0"/>
+      </a:fillRef>
+      <a:effectRef idx="0">
+        <a:scrgbClr r="0" g="0" b="0"/>
+      </a:effectRef>
+      <a:fontRef idx="minor"/>
+    </dgm:style>
+  </dgm:styleLbl>
+  <dgm:styleLbl name="fgAcc2">
+    <dgm:scene3d>
+      <a:camera prst="orthographicFront"/>
+      <a:lightRig rig="threePt" dir="t"/>
+    </dgm:scene3d>
+    <dgm:sp3d/>
+    <dgm:txPr/>
+    <dgm:style>
+      <a:lnRef idx="2">
+        <a:scrgbClr r="0" g="0" b="0"/>
+      </a:lnRef>
+      <a:fillRef idx="1">
+        <a:scrgbClr r="0" g="0" b="0"/>
+      </a:fillRef>
+      <a:effectRef idx="0">
+        <a:scrgbClr r="0" g="0" b="0"/>
+      </a:effectRef>
+      <a:fontRef idx="minor"/>
+    </dgm:style>
+  </dgm:styleLbl>
+  <dgm:styleLbl name="fgAcc3">
+    <dgm:scene3d>
+      <a:camera prst="orthographicFront"/>
+      <a:lightRig rig="threePt" dir="t"/>
+    </dgm:scene3d>
+    <dgm:sp3d/>
+    <dgm:txPr/>
+    <dgm:style>
+      <a:lnRef idx="2">
+        <a:scrgbClr r="0" g="0" b="0"/>
+      </a:lnRef>
+      <a:fillRef idx="1">
+        <a:scrgbClr r="0" g="0" b="0"/>
+      </a:fillRef>
+      <a:effectRef idx="0">
+        <a:scrgbClr r="0" g="0" b="0"/>
+      </a:effectRef>
+      <a:fontRef idx="minor"/>
+    </dgm:style>
+  </dgm:styleLbl>
+  <dgm:styleLbl name="fgAcc4">
+    <dgm:scene3d>
+      <a:camera prst="orthographicFront"/>
+      <a:lightRig rig="threePt" dir="t"/>
+    </dgm:scene3d>
+    <dgm:sp3d/>
+    <dgm:txPr/>
+    <dgm:style>
+      <a:lnRef idx="2">
+        <a:scrgbClr r="0" g="0" b="0"/>
+      </a:lnRef>
+      <a:fillRef idx="1">
+        <a:scrgbClr r="0" g="0" b="0"/>
+      </a:fillRef>
+      <a:effectRef idx="0">
+        <a:scrgbClr r="0" g="0" b="0"/>
+      </a:effectRef>
+      <a:fontRef idx="minor"/>
+    </dgm:style>
+  </dgm:styleLbl>
+  <dgm:styleLbl name="bgShp">
+    <dgm:scene3d>
+      <a:camera prst="orthographicFront"/>
+      <a:lightRig rig="threePt" dir="t"/>
+    </dgm:scene3d>
+    <dgm:sp3d/>
+    <dgm:txPr/>
+    <dgm:style>
+      <a:lnRef idx="0">
+        <a:scrgbClr r="0" g="0" b="0"/>
+      </a:lnRef>
+      <a:fillRef idx="1">
+        <a:scrgbClr r="0" g="0" b="0"/>
+      </a:fillRef>
+      <a:effectRef idx="0">
+        <a:scrgbClr r="0" g="0" b="0"/>
+      </a:effectRef>
+      <a:fontRef idx="minor"/>
+    </dgm:style>
+  </dgm:styleLbl>
+  <dgm:styleLbl name="dkBgShp">
+    <dgm:scene3d>
+      <a:camera prst="orthographicFront"/>
+      <a:lightRig rig="threePt" dir="t"/>
+    </dgm:scene3d>
+    <dgm:sp3d/>
+    <dgm:txPr/>
+    <dgm:style>
+      <a:lnRef idx="0">
+        <a:scrgbClr r="0" g="0" b="0"/>
+      </a:lnRef>
+      <a:fillRef idx="1">
+        <a:scrgbClr r="0" g="0" b="0"/>
+      </a:fillRef>
+      <a:effectRef idx="0">
+        <a:scrgbClr r="0" g="0" b="0"/>
+      </a:effectRef>
+      <a:fontRef idx="minor"/>
+    </dgm:style>
+  </dgm:styleLbl>
+  <dgm:styleLbl name="trBgShp">
+    <dgm:scene3d>
+      <a:camera prst="orthographicFront"/>
+      <a:lightRig rig="threePt" dir="t"/>
+    </dgm:scene3d>
+    <dgm:sp3d/>
+    <dgm:txPr/>
+    <dgm:style>
+      <a:lnRef idx="0">
+        <a:scrgbClr r="0" g="0" b="0"/>
+      </a:lnRef>
+      <a:fillRef idx="1">
+        <a:scrgbClr r="0" g="0" b="0"/>
+      </a:fillRef>
+      <a:effectRef idx="0">
+        <a:scrgbClr r="0" g="0" b="0"/>
+      </a:effectRef>
+      <a:fontRef idx="minor"/>
+    </dgm:style>
+  </dgm:styleLbl>
+  <dgm:styleLbl name="fgShp">
+    <dgm:scene3d>
+      <a:camera prst="orthographicFront"/>
+      <a:lightRig rig="threePt" dir="t"/>
+    </dgm:scene3d>
+    <dgm:sp3d/>
+    <dgm:txPr/>
+    <dgm:style>
+      <a:lnRef idx="3">
+        <a:scrgbClr r="0" g="0" b="0"/>
+      </a:lnRef>
+      <a:fillRef idx="1">
+        <a:scrgbClr r="0" g="0" b="0"/>
+      </a:fillRef>
+      <a:effectRef idx="1">
+        <a:scrgbClr r="0" g="0" b="0"/>
+      </a:effectRef>
+      <a:fontRef idx="minor"/>
+    </dgm:style>
+  </dgm:styleLbl>
+  <dgm:styleLbl name="revTx">
+    <dgm:scene3d>
+      <a:camera prst="orthographicFront"/>
+      <a:lightRig rig="threePt" dir="t"/>
+    </dgm:scene3d>
+    <dgm:sp3d/>
+    <dgm:txPr/>
+    <dgm:style>
+      <a:lnRef idx="0">
+        <a:scrgbClr r="0" g="0" b="0"/>
+      </a:lnRef>
+      <a:fillRef idx="0">
+        <a:scrgbClr r="0" g="0" b="0"/>
+      </a:fillRef>
+      <a:effectRef idx="0">
+        <a:scrgbClr r="0" g="0" b="0"/>
+      </a:effectRef>
+      <a:fontRef idx="minor"/>
+    </dgm:style>
+  </dgm:styleLbl>
+</dgm:styleDef>
+</file>
+
+<file path=ppt/diagrams/quickStyle13.xml><?xml version="1.0" encoding="utf-8"?>
+<dgm:styleDef xmlns:dgm="http://schemas.openxmlformats.org/drawingml/2006/diagram" xmlns:a="http://schemas.openxmlformats.org/drawingml/2006/main" uniqueId="urn:microsoft.com/office/officeart/2005/8/quickstyle/simple2">
+  <dgm:title val=""/>
+  <dgm:desc val=""/>
+  <dgm:catLst>
+    <dgm:cat type="simple" pri="10200"/>
+  </dgm:catLst>
+  <dgm:scene3d>
+    <a:camera prst="orthographicFront"/>
+    <a:lightRig rig="threePt" dir="t"/>
+  </dgm:scene3d>
+  <dgm:styleLbl name="node0">
+    <dgm:scene3d>
+      <a:camera prst="orthographicFront"/>
+      <a:lightRig rig="threePt" dir="t"/>
+    </dgm:scene3d>
+    <dgm:sp3d/>
+    <dgm:txPr/>
+    <dgm:style>
+      <a:lnRef idx="3">
+        <a:scrgbClr r="0" g="0" b="0"/>
+      </a:lnRef>
+      <a:fillRef idx="1">
+        <a:scrgbClr r="0" g="0" b="0"/>
+      </a:fillRef>
+      <a:effectRef idx="1">
+        <a:scrgbClr r="0" g="0" b="0"/>
+      </a:effectRef>
+      <a:fontRef idx="minor">
+        <a:schemeClr val="lt1"/>
+      </a:fontRef>
+    </dgm:style>
+  </dgm:styleLbl>
+  <dgm:styleLbl name="lnNode1">
+    <dgm:scene3d>
+      <a:camera prst="orthographicFront"/>
+      <a:lightRig rig="threePt" dir="t"/>
+    </dgm:scene3d>
+    <dgm:sp3d/>
+    <dgm:txPr/>
+    <dgm:style>
+      <a:lnRef idx="3">
+        <a:scrgbClr r="0" g="0" b="0"/>
+      </a:lnRef>
+      <a:fillRef idx="1">
+        <a:scrgbClr r="0" g="0" b="0"/>
+      </a:fillRef>
+      <a:effectRef idx="1">
+        <a:scrgbClr r="0" g="0" b="0"/>
+      </a:effectRef>
+      <a:fontRef idx="minor">
+        <a:schemeClr val="lt1"/>
+      </a:fontRef>
+    </dgm:style>
+  </dgm:styleLbl>
+  <dgm:styleLbl name="vennNode1">
+    <dgm:scene3d>
+      <a:camera prst="orthographicFront"/>
+      <a:lightRig rig="threePt" dir="t"/>
+    </dgm:scene3d>
+    <dgm:sp3d/>
+    <dgm:txPr/>
+    <dgm:style>
+      <a:lnRef idx="3">
+        <a:scrgbClr r="0" g="0" b="0"/>
+      </a:lnRef>
+      <a:fillRef idx="1">
+        <a:scrgbClr r="0" g="0" b="0"/>
+      </a:fillRef>
+      <a:effectRef idx="0">
+        <a:scrgbClr r="0" g="0" b="0"/>
+      </a:effectRef>
+      <a:fontRef idx="minor">
+        <a:schemeClr val="tx1"/>
+      </a:fontRef>
+    </dgm:style>
+  </dgm:styleLbl>
+  <dgm:styleLbl name="alignNode1">
+    <dgm:scene3d>
+      <a:camera prst="orthographicFront"/>
+      <a:lightRig rig="threePt" dir="t"/>
+    </dgm:scene3d>
+    <dgm:sp3d/>
+    <dgm:txPr/>
+    <dgm:style>
+      <a:lnRef idx="2">
+        <a:scrgbClr r="0" g="0" b="0"/>
+      </a:lnRef>
+      <a:fillRef idx="1">
+        <a:scrgbClr r="0" g="0" b="0"/>
+      </a:fillRef>
+      <a:effectRef idx="1">
+        <a:scrgbClr r="0" g="0" b="0"/>
+      </a:effectRef>
+      <a:fontRef idx="minor">
+        <a:schemeClr val="lt1"/>
+      </a:fontRef>
+    </dgm:style>
+  </dgm:styleLbl>
+  <dgm:styleLbl name="node1">
+    <dgm:scene3d>
+      <a:camera prst="orthographicFront"/>
+      <a:lightRig rig="threePt" dir="t"/>
+    </dgm:scene3d>
+    <dgm:sp3d/>
+    <dgm:txPr/>
+    <dgm:style>
+      <a:lnRef idx="3">
+        <a:scrgbClr r="0" g="0" b="0"/>
+      </a:lnRef>
+      <a:fillRef idx="1">
+        <a:scrgbClr r="0" g="0" b="0"/>
+      </a:fillRef>
+      <a:effectRef idx="1">
+        <a:scrgbClr r="0" g="0" b="0"/>
+      </a:effectRef>
+      <a:fontRef idx="minor">
+        <a:schemeClr val="lt1"/>
+      </a:fontRef>
+    </dgm:style>
+  </dgm:styleLbl>
+  <dgm:styleLbl name="node2">
+    <dgm:scene3d>
+      <a:camera prst="orthographicFront"/>
+      <a:lightRig rig="threePt" dir="t"/>
+    </dgm:scene3d>
+    <dgm:sp3d/>
+    <dgm:txPr/>
+    <dgm:style>
+      <a:lnRef idx="3">
+        <a:scrgbClr r="0" g="0" b="0"/>
+      </a:lnRef>
+      <a:fillRef idx="1">
+        <a:scrgbClr r="0" g="0" b="0"/>
+      </a:fillRef>
+      <a:effectRef idx="1">
+        <a:scrgbClr r="0" g="0" b="0"/>
+      </a:effectRef>
+      <a:fontRef idx="minor">
+        <a:schemeClr val="lt1"/>
+      </a:fontRef>
+    </dgm:style>
+  </dgm:styleLbl>
+  <dgm:styleLbl name="node3">
+    <dgm:scene3d>
+      <a:camera prst="orthographicFront"/>
+      <a:lightRig rig="threePt" dir="t"/>
+    </dgm:scene3d>
+    <dgm:sp3d/>
+    <dgm:txPr/>
+    <dgm:style>
+      <a:lnRef idx="3">
+        <a:scrgbClr r="0" g="0" b="0"/>
+      </a:lnRef>
+      <a:fillRef idx="1">
+        <a:scrgbClr r="0" g="0" b="0"/>
+      </a:fillRef>
+      <a:effectRef idx="1">
+        <a:scrgbClr r="0" g="0" b="0"/>
+      </a:effectRef>
+      <a:fontRef idx="minor">
+        <a:schemeClr val="lt1"/>
+      </a:fontRef>
+    </dgm:style>
+  </dgm:styleLbl>
+  <dgm:styleLbl name="node4">
+    <dgm:scene3d>
+      <a:camera prst="orthographicFront"/>
+      <a:lightRig rig="threePt" dir="t"/>
+    </dgm:scene3d>
+    <dgm:sp3d/>
+    <dgm:txPr/>
+    <dgm:style>
+      <a:lnRef idx="3">
+        <a:scrgbClr r="0" g="0" b="0"/>
+      </a:lnRef>
+      <a:fillRef idx="1">
+        <a:scrgbClr r="0" g="0" b="0"/>
+      </a:fillRef>
+      <a:effectRef idx="1">
+        <a:scrgbClr r="0" g="0" b="0"/>
+      </a:effectRef>
+      <a:fontRef idx="minor">
+        <a:schemeClr val="lt1"/>
+      </a:fontRef>
+    </dgm:style>
+  </dgm:styleLbl>
+  <dgm:styleLbl name="fgImgPlace1">
+    <dgm:scene3d>
+      <a:camera prst="orthographicFront"/>
+      <a:lightRig rig="threePt" dir="t"/>
+    </dgm:scene3d>
+    <dgm:sp3d/>
+    <dgm:txPr/>
+    <dgm:style>
+      <a:lnRef idx="3">
+        <a:scrgbClr r="0" g="0" b="0"/>
+      </a:lnRef>
+      <a:fillRef idx="1">
+        <a:scrgbClr r="0" g="0" b="0"/>
+      </a:fillRef>
+      <a:effectRef idx="1">
+        <a:scrgbClr r="0" g="0" b="0"/>
+      </a:effectRef>
+      <a:fontRef idx="minor"/>
+    </dgm:style>
+  </dgm:styleLbl>
+  <dgm:styleLbl name="alignImgPlace1">
+    <dgm:scene3d>
+      <a:camera prst="orthographicFront"/>
+      <a:lightRig rig="threePt" dir="t"/>
+    </dgm:scene3d>
+    <dgm:sp3d/>
+    <dgm:txPr/>
+    <dgm:style>
+      <a:lnRef idx="3">
+        <a:scrgbClr r="0" g="0" b="0"/>
+      </a:lnRef>
+      <a:fillRef idx="1">
+        <a:scrgbClr r="0" g="0" b="0"/>
+      </a:fillRef>
+      <a:effectRef idx="1">
+        <a:scrgbClr r="0" g="0" b="0"/>
+      </a:effectRef>
+      <a:fontRef idx="minor"/>
+    </dgm:style>
+  </dgm:styleLbl>
+  <dgm:styleLbl name="bgImgPlace1">
+    <dgm:scene3d>
+      <a:camera prst="orthographicFront"/>
+      <a:lightRig rig="threePt" dir="t"/>
+    </dgm:scene3d>
+    <dgm:sp3d/>
+    <dgm:txPr/>
+    <dgm:style>
+      <a:lnRef idx="3">
+        <a:scrgbClr r="0" g="0" b="0"/>
+      </a:lnRef>
+      <a:fillRef idx="1">
+        <a:scrgbClr r="0" g="0" b="0"/>
+      </a:fillRef>
+      <a:effectRef idx="1">
+        <a:scrgbClr r="0" g="0" b="0"/>
+      </a:effectRef>
+      <a:fontRef idx="minor"/>
+    </dgm:style>
+  </dgm:styleLbl>
+  <dgm:styleLbl name="sibTrans2D1">
+    <dgm:scene3d>
+      <a:camera prst="orthographicFront"/>
+      <a:lightRig rig="threePt" dir="t"/>
+    </dgm:scene3d>
+    <dgm:sp3d/>
+    <dgm:txPr/>
+    <dgm:style>
+      <a:lnRef idx="0">
+        <a:scrgbClr r="0" g="0" b="0"/>
+      </a:lnRef>
+      <a:fillRef idx="1">
+        <a:scrgbClr r="0" g="0" b="0"/>
+      </a:fillRef>
+      <a:effectRef idx="1">
+        <a:scrgbClr r="0" g="0" b="0"/>
+      </a:effectRef>
+      <a:fontRef idx="minor">
+        <a:schemeClr val="lt1"/>
+      </a:fontRef>
+    </dgm:style>
+  </dgm:styleLbl>
+  <dgm:styleLbl name="fgSibTrans2D1">
+    <dgm:scene3d>
+      <a:camera prst="orthographicFront"/>
+      <a:lightRig rig="threePt" dir="t"/>
+    </dgm:scene3d>
+    <dgm:sp3d/>
+    <dgm:txPr/>
+    <dgm:style>
+      <a:lnRef idx="0">
+        <a:scrgbClr r="0" g="0" b="0"/>
+      </a:lnRef>
+      <a:fillRef idx="1">
+        <a:scrgbClr r="0" g="0" b="0"/>
+      </a:fillRef>
+      <a:effectRef idx="1">
+        <a:scrgbClr r="0" g="0" b="0"/>
+      </a:effectRef>
+      <a:fontRef idx="minor">
+        <a:schemeClr val="lt1"/>
+      </a:fontRef>
+    </dgm:style>
+  </dgm:styleLbl>
+  <dgm:styleLbl name="bgSibTrans2D1">
+    <dgm:scene3d>
+      <a:camera prst="orthographicFront"/>
+      <a:lightRig rig="threePt" dir="t"/>
+    </dgm:scene3d>
+    <dgm:sp3d/>
+    <dgm:txPr/>
+    <dgm:style>
+      <a:lnRef idx="0">
+        <a:scrgbClr r="0" g="0" b="0"/>
+      </a:lnRef>
+      <a:fillRef idx="1">
+        <a:scrgbClr r="0" g="0" b="0"/>
+      </a:fillRef>
+      <a:effectRef idx="1">
+        <a:scrgbClr r="0" g="0" b="0"/>
+      </a:effectRef>
+      <a:fontRef idx="minor">
+        <a:schemeClr val="lt1"/>
+      </a:fontRef>
+    </dgm:style>
+  </dgm:styleLbl>
+  <dgm:styleLbl name="sibTrans1D1">
+    <dgm:scene3d>
+      <a:camera prst="orthographicFront"/>
+      <a:lightRig rig="threePt" dir="t"/>
+    </dgm:scene3d>
+    <dgm:sp3d/>
+    <dgm:txPr/>
+    <dgm:style>
+      <a:lnRef idx="1">
+        <a:scrgbClr r="0" g="0" b="0"/>
+      </a:lnRef>
+      <a:fillRef idx="0">
+        <a:scrgbClr r="0" g="0" b="0"/>
+      </a:fillRef>
+      <a:effectRef idx="0">
+        <a:scrgbClr r="0" g="0" b="0"/>
+      </a:effectRef>
+      <a:fontRef idx="minor"/>
+    </dgm:style>
+  </dgm:styleLbl>
+  <dgm:styleLbl name="callout">
+    <dgm:scene3d>
+      <a:camera prst="orthographicFront"/>
+      <a:lightRig rig="threePt" dir="t"/>
+    </dgm:scene3d>
+    <dgm:sp3d/>
+    <dgm:txPr/>
+    <dgm:style>
+      <a:lnRef idx="2">
+        <a:scrgbClr r="0" g="0" b="0"/>
+      </a:lnRef>
+      <a:fillRef idx="1">
+        <a:scrgbClr r="0" g="0" b="0"/>
+      </a:fillRef>
+      <a:effectRef idx="1">
+        <a:scrgbClr r="0" g="0" b="0"/>
+      </a:effectRef>
+      <a:fontRef idx="minor"/>
+    </dgm:style>
+  </dgm:styleLbl>
+  <dgm:styleLbl name="asst0">
+    <dgm:scene3d>
+      <a:camera prst="orthographicFront"/>
+      <a:lightRig rig="threePt" dir="t"/>
+    </dgm:scene3d>
+    <dgm:sp3d/>
+    <dgm:txPr/>
+    <dgm:style>
+      <a:lnRef idx="3">
+        <a:scrgbClr r="0" g="0" b="0"/>
+      </a:lnRef>
+      <a:fillRef idx="1">
+        <a:scrgbClr r="0" g="0" b="0"/>
+      </a:fillRef>
+      <a:effectRef idx="1">
+        <a:scrgbClr r="0" g="0" b="0"/>
+      </a:effectRef>
+      <a:fontRef idx="minor">
+        <a:schemeClr val="lt1"/>
+      </a:fontRef>
+    </dgm:style>
+  </dgm:styleLbl>
+  <dgm:styleLbl name="asst1">
+    <dgm:scene3d>
+      <a:camera prst="orthographicFront"/>
+      <a:lightRig rig="threePt" dir="t"/>
+    </dgm:scene3d>
+    <dgm:sp3d/>
+    <dgm:txPr/>
+    <dgm:style>
+      <a:lnRef idx="3">
+        <a:scrgbClr r="0" g="0" b="0"/>
+      </a:lnRef>
+      <a:fillRef idx="1">
+        <a:scrgbClr r="0" g="0" b="0"/>
+      </a:fillRef>
+      <a:effectRef idx="1">
+        <a:scrgbClr r="0" g="0" b="0"/>
+      </a:effectRef>
+      <a:fontRef idx="minor">
+        <a:schemeClr val="lt1"/>
+      </a:fontRef>
+    </dgm:style>
+  </dgm:styleLbl>
+  <dgm:styleLbl name="asst2">
+    <dgm:scene3d>
+      <a:camera prst="orthographicFront"/>
+      <a:lightRig rig="threePt" dir="t"/>
+    </dgm:scene3d>
+    <dgm:sp3d/>
+    <dgm:txPr/>
+    <dgm:style>
+      <a:lnRef idx="3">
+        <a:scrgbClr r="0" g="0" b="0"/>
+      </a:lnRef>
+      <a:fillRef idx="1">
+        <a:scrgbClr r="0" g="0" b="0"/>
+      </a:fillRef>
+      <a:effectRef idx="1">
+        <a:scrgbClr r="0" g="0" b="0"/>
+      </a:effectRef>
+      <a:fontRef idx="minor">
+        <a:schemeClr val="lt1"/>
+      </a:fontRef>
+    </dgm:style>
+  </dgm:styleLbl>
+  <dgm:styleLbl name="asst3">
+    <dgm:scene3d>
+      <a:camera prst="orthographicFront"/>
+      <a:lightRig rig="threePt" dir="t"/>
+    </dgm:scene3d>
+    <dgm:sp3d/>
+    <dgm:txPr/>
+    <dgm:style>
+      <a:lnRef idx="3">
+        <a:scrgbClr r="0" g="0" b="0"/>
+      </a:lnRef>
+      <a:fillRef idx="1">
+        <a:scrgbClr r="0" g="0" b="0"/>
+      </a:fillRef>
+      <a:effectRef idx="1">
+        <a:scrgbClr r="0" g="0" b="0"/>
+      </a:effectRef>
+      <a:fontRef idx="minor">
+        <a:schemeClr val="lt1"/>
+      </a:fontRef>
+    </dgm:style>
+  </dgm:styleLbl>
+  <dgm:styleLbl name="asst4">
+    <dgm:scene3d>
+      <a:camera prst="orthographicFront"/>
+      <a:lightRig rig="threePt" dir="t"/>
+    </dgm:scene3d>
+    <dgm:sp3d/>
+    <dgm:txPr/>
+    <dgm:style>
+      <a:lnRef idx="3">
+        <a:scrgbClr r="0" g="0" b="0"/>
+      </a:lnRef>
+      <a:fillRef idx="1">
+        <a:scrgbClr r="0" g="0" b="0"/>
+      </a:fillRef>
+      <a:effectRef idx="1">
+        <a:scrgbClr r="0" g="0" b="0"/>
+      </a:effectRef>
+      <a:fontRef idx="minor">
+        <a:schemeClr val="lt1"/>
+      </a:fontRef>
+    </dgm:style>
+  </dgm:styleLbl>
+  <dgm:styleLbl name="parChTrans2D1">
+    <dgm:scene3d>
+      <a:camera prst="orthographicFront"/>
+      <a:lightRig rig="threePt" dir="t"/>
+    </dgm:scene3d>
+    <dgm:sp3d/>
+    <dgm:txPr/>
+    <dgm:style>
+      <a:lnRef idx="3">
+        <a:scrgbClr r="0" g="0" b="0"/>
+      </a:lnRef>
+      <a:fillRef idx="1">
+        <a:scrgbClr r="0" g="0" b="0"/>
+      </a:fillRef>
+      <a:effectRef idx="1">
+        <a:scrgbClr r="0" g="0" b="0"/>
+      </a:effectRef>
+      <a:fontRef idx="minor">
+        <a:schemeClr val="lt1"/>
+      </a:fontRef>
+    </dgm:style>
+  </dgm:styleLbl>
+  <dgm:styleLbl name="parChTrans2D2">
+    <dgm:scene3d>
+      <a:camera prst="orthographicFront"/>
+      <a:lightRig rig="threePt" dir="t"/>
+    </dgm:scene3d>
+    <dgm:sp3d/>
+    <dgm:txPr/>
+    <dgm:style>
+      <a:lnRef idx="3">
+        <a:scrgbClr r="0" g="0" b="0"/>
+      </a:lnRef>
+      <a:fillRef idx="1">
+        <a:scrgbClr r="0" g="0" b="0"/>
+      </a:fillRef>
+      <a:effectRef idx="1">
+        <a:scrgbClr r="0" g="0" b="0"/>
+      </a:effectRef>
+      <a:fontRef idx="minor">
+        <a:schemeClr val="lt1"/>
+      </a:fontRef>
+    </dgm:style>
+  </dgm:styleLbl>
+  <dgm:styleLbl name="parChTrans2D3">
+    <dgm:scene3d>
+      <a:camera prst="orthographicFront"/>
+      <a:lightRig rig="threePt" dir="t"/>
+    </dgm:scene3d>
+    <dgm:sp3d/>
+    <dgm:txPr/>
+    <dgm:style>
+      <a:lnRef idx="3">
+        <a:scrgbClr r="0" g="0" b="0"/>
+      </a:lnRef>
+      <a:fillRef idx="1">
+        <a:scrgbClr r="0" g="0" b="0"/>
+      </a:fillRef>
+      <a:effectRef idx="1">
+        <a:scrgbClr r="0" g="0" b="0"/>
+      </a:effectRef>
+      <a:fontRef idx="minor">
+        <a:schemeClr val="lt1"/>
+      </a:fontRef>
+    </dgm:style>
+  </dgm:styleLbl>
+  <dgm:styleLbl name="parChTrans2D4">
+    <dgm:scene3d>
+      <a:camera prst="orthographicFront"/>
+      <a:lightRig rig="threePt" dir="t"/>
+    </dgm:scene3d>
+    <dgm:sp3d/>
+    <dgm:txPr/>
+    <dgm:style>
+      <a:lnRef idx="3">
+        <a:scrgbClr r="0" g="0" b="0"/>
+      </a:lnRef>
+      <a:fillRef idx="1">
+        <a:scrgbClr r="0" g="0" b="0"/>
+      </a:fillRef>
+      <a:effectRef idx="1">
+        <a:scrgbClr r="0" g="0" b="0"/>
+      </a:effectRef>
+      <a:fontRef idx="minor">
+        <a:schemeClr val="lt1"/>
+      </a:fontRef>
+    </dgm:style>
+  </dgm:styleLbl>
+  <dgm:styleLbl name="parChTrans1D1">
+    <dgm:scene3d>
+      <a:camera prst="orthographicFront"/>
+      <a:lightRig rig="threePt" dir="t"/>
+    </dgm:scene3d>
+    <dgm:sp3d/>
+    <dgm:txPr/>
+    <dgm:style>
+      <a:lnRef idx="2">
+        <a:scrgbClr r="0" g="0" b="0"/>
+      </a:lnRef>
+      <a:fillRef idx="0">
+        <a:scrgbClr r="0" g="0" b="0"/>
+      </a:fillRef>
+      <a:effectRef idx="0">
+        <a:scrgbClr r="0" g="0" b="0"/>
+      </a:effectRef>
+      <a:fontRef idx="minor"/>
+    </dgm:style>
+  </dgm:styleLbl>
+  <dgm:styleLbl name="parChTrans1D2">
+    <dgm:scene3d>
+      <a:camera prst="orthographicFront"/>
+      <a:lightRig rig="threePt" dir="t"/>
+    </dgm:scene3d>
+    <dgm:sp3d/>
+    <dgm:txPr/>
+    <dgm:style>
+      <a:lnRef idx="2">
+        <a:scrgbClr r="0" g="0" b="0"/>
+      </a:lnRef>
+      <a:fillRef idx="0">
+        <a:scrgbClr r="0" g="0" b="0"/>
+      </a:fillRef>
+      <a:effectRef idx="0">
+        <a:scrgbClr r="0" g="0" b="0"/>
+      </a:effectRef>
+      <a:fontRef idx="minor"/>
+    </dgm:style>
+  </dgm:styleLbl>
+  <dgm:styleLbl name="parChTrans1D3">
+    <dgm:scene3d>
+      <a:camera prst="orthographicFront"/>
+      <a:lightRig rig="threePt" dir="t"/>
+    </dgm:scene3d>
+    <dgm:sp3d/>
+    <dgm:txPr/>
+    <dgm:style>
+      <a:lnRef idx="2">
+        <a:scrgbClr r="0" g="0" b="0"/>
+      </a:lnRef>
+      <a:fillRef idx="0">
+        <a:scrgbClr r="0" g="0" b="0"/>
+      </a:fillRef>
+      <a:effectRef idx="0">
+        <a:scrgbClr r="0" g="0" b="0"/>
+      </a:effectRef>
+      <a:fontRef idx="minor"/>
+    </dgm:style>
+  </dgm:styleLbl>
+  <dgm:styleLbl name="parChTrans1D4">
+    <dgm:scene3d>
+      <a:camera prst="orthographicFront"/>
+      <a:lightRig rig="threePt" dir="t"/>
+    </dgm:scene3d>
+    <dgm:sp3d/>
+    <dgm:txPr/>
+    <dgm:style>
+      <a:lnRef idx="2">
+        <a:scrgbClr r="0" g="0" b="0"/>
+      </a:lnRef>
+      <a:fillRef idx="0">
+        <a:scrgbClr r="0" g="0" b="0"/>
+      </a:fillRef>
+      <a:effectRef idx="0">
+        <a:scrgbClr r="0" g="0" b="0"/>
+      </a:effectRef>
+      <a:fontRef idx="minor"/>
+    </dgm:style>
+  </dgm:styleLbl>
+  <dgm:styleLbl name="fgAcc1">
+    <dgm:scene3d>
+      <a:camera prst="orthographicFront"/>
+      <a:lightRig rig="threePt" dir="t"/>
+    </dgm:scene3d>
+    <dgm:sp3d/>
+    <dgm:txPr/>
+    <dgm:style>
+      <a:lnRef idx="2">
+        <a:scrgbClr r="0" g="0" b="0"/>
+      </a:lnRef>
+      <a:fillRef idx="1">
+        <a:scrgbClr r="0" g="0" b="0"/>
+      </a:fillRef>
+      <a:effectRef idx="0">
+        <a:scrgbClr r="0" g="0" b="0"/>
+      </a:effectRef>
+      <a:fontRef idx="minor"/>
+    </dgm:style>
+  </dgm:styleLbl>
+  <dgm:styleLbl name="conFgAcc1">
+    <dgm:scene3d>
+      <a:camera prst="orthographicFront"/>
+      <a:lightRig rig="threePt" dir="t"/>
+    </dgm:scene3d>
+    <dgm:sp3d/>
+    <dgm:txPr/>
+    <dgm:style>
+      <a:lnRef idx="2">
+        <a:scrgbClr r="0" g="0" b="0"/>
+      </a:lnRef>
+      <a:fillRef idx="1">
+        <a:scrgbClr r="0" g="0" b="0"/>
+      </a:fillRef>
+      <a:effectRef idx="0">
+        <a:scrgbClr r="0" g="0" b="0"/>
+      </a:effectRef>
+      <a:fontRef idx="minor"/>
+    </dgm:style>
+  </dgm:styleLbl>
+  <dgm:styleLbl name="alignAcc1">
+    <dgm:scene3d>
+      <a:camera prst="orthographicFront"/>
+      <a:lightRig rig="threePt" dir="t"/>
+    </dgm:scene3d>
+    <dgm:sp3d/>
+    <dgm:txPr/>
+    <dgm:style>
+      <a:lnRef idx="2">
+        <a:scrgbClr r="0" g="0" b="0"/>
+      </a:lnRef>
+      <a:fillRef idx="1">
+        <a:scrgbClr r="0" g="0" b="0"/>
+      </a:fillRef>
+      <a:effectRef idx="0">
+        <a:scrgbClr r="0" g="0" b="0"/>
+      </a:effectRef>
+      <a:fontRef idx="minor"/>
+    </dgm:style>
+  </dgm:styleLbl>
+  <dgm:styleLbl name="trAlignAcc1">
+    <dgm:scene3d>
+      <a:camera prst="orthographicFront"/>
+      <a:lightRig rig="threePt" dir="t"/>
+    </dgm:scene3d>
+    <dgm:sp3d/>
+    <dgm:txPr/>
+    <dgm:style>
+      <a:lnRef idx="1">
+        <a:scrgbClr r="0" g="0" b="0"/>
+      </a:lnRef>
+      <a:fillRef idx="1">
+        <a:scrgbClr r="0" g="0" b="0"/>
+      </a:fillRef>
+      <a:effectRef idx="0">
+        <a:scrgbClr r="0" g="0" b="0"/>
+      </a:effectRef>
+      <a:fontRef idx="minor"/>
+    </dgm:style>
+  </dgm:styleLbl>
+  <dgm:styleLbl name="bgAcc1">
+    <dgm:scene3d>
+      <a:camera prst="orthographicFront"/>
+      <a:lightRig rig="threePt" dir="t"/>
+    </dgm:scene3d>
+    <dgm:sp3d/>
+    <dgm:txPr/>
+    <dgm:style>
+      <a:lnRef idx="2">
+        <a:scrgbClr r="0" g="0" b="0"/>
+      </a:lnRef>
+      <a:fillRef idx="1">
+        <a:scrgbClr r="0" g="0" b="0"/>
+      </a:fillRef>
+      <a:effectRef idx="0">
+        <a:scrgbClr r="0" g="0" b="0"/>
+      </a:effectRef>
+      <a:fontRef idx="minor"/>
+    </dgm:style>
+  </dgm:styleLbl>
+  <dgm:styleLbl name="solidFgAcc1">
+    <dgm:scene3d>
+      <a:camera prst="orthographicFront"/>
+      <a:lightRig rig="threePt" dir="t"/>
+    </dgm:scene3d>
+    <dgm:sp3d/>
+    <dgm:txPr/>
+    <dgm:style>
+      <a:lnRef idx="2">
+        <a:scrgbClr r="0" g="0" b="0"/>
+      </a:lnRef>
+      <a:fillRef idx="1">
+        <a:scrgbClr r="0" g="0" b="0"/>
+      </a:fillRef>
+      <a:effectRef idx="0">
+        <a:scrgbClr r="0" g="0" b="0"/>
+      </a:effectRef>
+      <a:fontRef idx="minor"/>
+    </dgm:style>
+  </dgm:styleLbl>
+  <dgm:styleLbl name="solidAlignAcc1">
+    <dgm:scene3d>
+      <a:camera prst="orthographicFront"/>
+      <a:lightRig rig="threePt" dir="t"/>
+    </dgm:scene3d>
+    <dgm:sp3d/>
+    <dgm:txPr/>
+    <dgm:style>
+      <a:lnRef idx="2">
+        <a:scrgbClr r="0" g="0" b="0"/>
+      </a:lnRef>
+      <a:fillRef idx="1">
+        <a:scrgbClr r="0" g="0" b="0"/>
+      </a:fillRef>
+      <a:effectRef idx="0">
+        <a:scrgbClr r="0" g="0" b="0"/>
+      </a:effectRef>
+      <a:fontRef idx="minor"/>
+    </dgm:style>
+  </dgm:styleLbl>
+  <dgm:styleLbl name="solidBgAcc1">
+    <dgm:scene3d>
+      <a:camera prst="orthographicFront"/>
+      <a:lightRig rig="threePt" dir="t"/>
+    </dgm:scene3d>
+    <dgm:sp3d/>
+    <dgm:txPr/>
+    <dgm:style>
+      <a:lnRef idx="2">
+        <a:scrgbClr r="0" g="0" b="0"/>
+      </a:lnRef>
+      <a:fillRef idx="1">
+        <a:scrgbClr r="0" g="0" b="0"/>
+      </a:fillRef>
+      <a:effectRef idx="0">
+        <a:scrgbClr r="0" g="0" b="0"/>
+      </a:effectRef>
+      <a:fontRef idx="minor"/>
+    </dgm:style>
+  </dgm:styleLbl>
+  <dgm:styleLbl name="fgAccFollowNode1">
+    <dgm:scene3d>
+      <a:camera prst="orthographicFront"/>
+      <a:lightRig rig="threePt" dir="t"/>
+    </dgm:scene3d>
+    <dgm:sp3d/>
+    <dgm:txPr/>
+    <dgm:style>
+      <a:lnRef idx="2">
+        <a:scrgbClr r="0" g="0" b="0"/>
+      </a:lnRef>
+      <a:fillRef idx="1">
+        <a:scrgbClr r="0" g="0" b="0"/>
+      </a:fillRef>
+      <a:effectRef idx="0">
+        <a:scrgbClr r="0" g="0" b="0"/>
+      </a:effectRef>
+      <a:fontRef idx="minor"/>
+    </dgm:style>
+  </dgm:styleLbl>
+  <dgm:styleLbl name="alignAccFollowNode1">
+    <dgm:scene3d>
+      <a:camera prst="orthographicFront"/>
+      <a:lightRig rig="threePt" dir="t"/>
+    </dgm:scene3d>
+    <dgm:sp3d/>
+    <dgm:txPr/>
+    <dgm:style>
+      <a:lnRef idx="2">
+        <a:scrgbClr r="0" g="0" b="0"/>
+      </a:lnRef>
+      <a:fillRef idx="1">
+        <a:scrgbClr r="0" g="0" b="0"/>
+      </a:fillRef>
+      <a:effectRef idx="0">
+        <a:scrgbClr r="0" g="0" b="0"/>
+      </a:effectRef>
+      <a:fontRef idx="minor"/>
+    </dgm:style>
+  </dgm:styleLbl>
+  <dgm:styleLbl name="bgAccFollowNode1">
+    <dgm:scene3d>
+      <a:camera prst="orthographicFront"/>
+      <a:lightRig rig="threePt" dir="t"/>
+    </dgm:scene3d>
+    <dgm:sp3d/>
+    <dgm:txPr/>
+    <dgm:style>
+      <a:lnRef idx="2">
+        <a:scrgbClr r="0" g="0" b="0"/>
+      </a:lnRef>
+      <a:fillRef idx="1">
+        <a:scrgbClr r="0" g="0" b="0"/>
+      </a:fillRef>
+      <a:effectRef idx="0">
+        <a:scrgbClr r="0" g="0" b="0"/>
+      </a:effectRef>
+      <a:fontRef idx="minor"/>
+    </dgm:style>
+  </dgm:styleLbl>
+  <dgm:styleLbl name="fgAcc0">
+    <dgm:scene3d>
+      <a:camera prst="orthographicFront"/>
+      <a:lightRig rig="threePt" dir="t"/>
+    </dgm:scene3d>
+    <dgm:sp3d/>
+    <dgm:txPr/>
+    <dgm:style>
+      <a:lnRef idx="2">
+        <a:scrgbClr r="0" g="0" b="0"/>
+      </a:lnRef>
+      <a:fillRef idx="1">
+        <a:scrgbClr r="0" g="0" b="0"/>
+      </a:fillRef>
+      <a:effectRef idx="0">
+        <a:scrgbClr r="0" g="0" b="0"/>
+      </a:effectRef>
+      <a:fontRef idx="minor"/>
+    </dgm:style>
+  </dgm:styleLbl>
+  <dgm:styleLbl name="fgAcc2">
+    <dgm:scene3d>
+      <a:camera prst="orthographicFront"/>
+      <a:lightRig rig="threePt" dir="t"/>
+    </dgm:scene3d>
+    <dgm:sp3d/>
+    <dgm:txPr/>
+    <dgm:style>
+      <a:lnRef idx="2">
+        <a:scrgbClr r="0" g="0" b="0"/>
+      </a:lnRef>
+      <a:fillRef idx="1">
+        <a:scrgbClr r="0" g="0" b="0"/>
+      </a:fillRef>
+      <a:effectRef idx="0">
+        <a:scrgbClr r="0" g="0" b="0"/>
+      </a:effectRef>
+      <a:fontRef idx="minor"/>
+    </dgm:style>
+  </dgm:styleLbl>
+  <dgm:styleLbl name="fgAcc3">
+    <dgm:scene3d>
+      <a:camera prst="orthographicFront"/>
+      <a:lightRig rig="threePt" dir="t"/>
+    </dgm:scene3d>
+    <dgm:sp3d/>
+    <dgm:txPr/>
+    <dgm:style>
+      <a:lnRef idx="2">
+        <a:scrgbClr r="0" g="0" b="0"/>
+      </a:lnRef>
+      <a:fillRef idx="1">
+        <a:scrgbClr r="0" g="0" b="0"/>
+      </a:fillRef>
+      <a:effectRef idx="0">
+        <a:scrgbClr r="0" g="0" b="0"/>
+      </a:effectRef>
+      <a:fontRef idx="minor"/>
+    </dgm:style>
+  </dgm:styleLbl>
+  <dgm:styleLbl name="fgAcc4">
+    <dgm:scene3d>
+      <a:camera prst="orthographicFront"/>
+      <a:lightRig rig="threePt" dir="t"/>
+    </dgm:scene3d>
+    <dgm:sp3d/>
+    <dgm:txPr/>
+    <dgm:style>
+      <a:lnRef idx="2">
+        <a:scrgbClr r="0" g="0" b="0"/>
+      </a:lnRef>
+      <a:fillRef idx="1">
+        <a:scrgbClr r="0" g="0" b="0"/>
+      </a:fillRef>
+      <a:effectRef idx="0">
+        <a:scrgbClr r="0" g="0" b="0"/>
+      </a:effectRef>
+      <a:fontRef idx="minor"/>
+    </dgm:style>
+  </dgm:styleLbl>
+  <dgm:styleLbl name="bgShp">
+    <dgm:scene3d>
+      <a:camera prst="orthographicFront"/>
+      <a:lightRig rig="threePt" dir="t"/>
+    </dgm:scene3d>
+    <dgm:sp3d/>
+    <dgm:txPr/>
+    <dgm:style>
+      <a:lnRef idx="0">
+        <a:scrgbClr r="0" g="0" b="0"/>
+      </a:lnRef>
+      <a:fillRef idx="1">
+        <a:scrgbClr r="0" g="0" b="0"/>
+      </a:fillRef>
+      <a:effectRef idx="0">
+        <a:scrgbClr r="0" g="0" b="0"/>
+      </a:effectRef>
+      <a:fontRef idx="minor"/>
+    </dgm:style>
+  </dgm:styleLbl>
+  <dgm:styleLbl name="dkBgShp">
+    <dgm:scene3d>
+      <a:camera prst="orthographicFront"/>
+      <a:lightRig rig="threePt" dir="t"/>
+    </dgm:scene3d>
+    <dgm:sp3d/>
+    <dgm:txPr/>
+    <dgm:style>
+      <a:lnRef idx="0">
+        <a:scrgbClr r="0" g="0" b="0"/>
+      </a:lnRef>
+      <a:fillRef idx="1">
+        <a:scrgbClr r="0" g="0" b="0"/>
+      </a:fillRef>
+      <a:effectRef idx="0">
+        <a:scrgbClr r="0" g="0" b="0"/>
+      </a:effectRef>
+      <a:fontRef idx="minor"/>
+    </dgm:style>
+  </dgm:styleLbl>
+  <dgm:styleLbl name="trBgShp">
+    <dgm:scene3d>
+      <a:camera prst="orthographicFront"/>
+      <a:lightRig rig="threePt" dir="t"/>
+    </dgm:scene3d>
+    <dgm:sp3d/>
+    <dgm:txPr/>
+    <dgm:style>
+      <a:lnRef idx="0">
+        <a:scrgbClr r="0" g="0" b="0"/>
+      </a:lnRef>
+      <a:fillRef idx="1">
+        <a:scrgbClr r="0" g="0" b="0"/>
+      </a:fillRef>
+      <a:effectRef idx="0">
+        <a:scrgbClr r="0" g="0" b="0"/>
+      </a:effectRef>
+      <a:fontRef idx="minor"/>
+    </dgm:style>
+  </dgm:styleLbl>
+  <dgm:styleLbl name="fgShp">
+    <dgm:scene3d>
+      <a:camera prst="orthographicFront"/>
+      <a:lightRig rig="threePt" dir="t"/>
+    </dgm:scene3d>
+    <dgm:sp3d/>
+    <dgm:txPr/>
+    <dgm:style>
+      <a:lnRef idx="3">
+        <a:scrgbClr r="0" g="0" b="0"/>
+      </a:lnRef>
+      <a:fillRef idx="1">
+        <a:scrgbClr r="0" g="0" b="0"/>
+      </a:fillRef>
+      <a:effectRef idx="1">
+        <a:scrgbClr r="0" g="0" b="0"/>
+      </a:effectRef>
+      <a:fontRef idx="minor"/>
+    </dgm:style>
+  </dgm:styleLbl>
+  <dgm:styleLbl name="revTx">
+    <dgm:scene3d>
+      <a:camera prst="orthographicFront"/>
+      <a:lightRig rig="threePt" dir="t"/>
+    </dgm:scene3d>
+    <dgm:sp3d/>
+    <dgm:txPr/>
+    <dgm:style>
+      <a:lnRef idx="0">
+        <a:scrgbClr r="0" g="0" b="0"/>
+      </a:lnRef>
+      <a:fillRef idx="0">
+        <a:scrgbClr r="0" g="0" b="0"/>
+      </a:fillRef>
+      <a:effectRef idx="0">
+        <a:scrgbClr r="0" g="0" b="0"/>
+      </a:effectRef>
+      <a:fontRef idx="minor"/>
+    </dgm:style>
+  </dgm:styleLbl>
+</dgm:styleDef>
+</file>
+
 <file path=ppt/diagrams/quickStyle2.xml><?xml version="1.0" encoding="utf-8"?>
 <dgm:styleDef xmlns:dgm="http://schemas.openxmlformats.org/drawingml/2006/diagram" xmlns:a="http://schemas.openxmlformats.org/drawingml/2006/main" uniqueId="urn:microsoft.com/office/officeart/2005/8/quickstyle/simple2">
   <dgm:title val=""/>
@@ -26867,19 +31679,90 @@
           <a:p>
             <a:r>
               <a:rPr lang="de-DE" dirty="0"/>
-              <a:t>Interaktion: Wer</a:t>
-            </a:r>
-            <a:r>
-              <a:rPr lang="de-DE" baseline="0" dirty="0"/>
-              <a:t> kennt SAP ?</a:t>
+              <a:t>Vorstellung des Projekts</a:t>
             </a:r>
           </a:p>
+        </p:txBody>
+      </p:sp>
+      <p:sp>
+        <p:nvSpPr>
+          <p:cNvPr id="4" name="Foliennummernplatzhalter 3"/>
+          <p:cNvSpPr>
+            <a:spLocks noGrp="1"/>
+          </p:cNvSpPr>
+          <p:nvPr>
+            <p:ph type="sldNum" sz="quarter" idx="5"/>
+          </p:nvPr>
+        </p:nvSpPr>
+        <p:spPr/>
+        <p:txBody>
+          <a:bodyPr/>
+          <a:lstStyle/>
           <a:p>
-            <a:r>
-              <a:rPr lang="de-DE" baseline="0" dirty="0"/>
-              <a:t>Referenten, alle ?</a:t>
-            </a:r>
+            <a:fld id="{9CCF391E-5C5D-4EA1-8A2D-1AD87DAE70A5}" type="slidenum">
+              <a:rPr lang="de-DE" smtClean="0"/>
+              <a:t>1</a:t>
+            </a:fld>
+            <a:endParaRPr lang="de-DE"/>
           </a:p>
+        </p:txBody>
+      </p:sp>
+    </p:spTree>
+    <p:extLst>
+      <p:ext uri="{BB962C8B-B14F-4D97-AF65-F5344CB8AC3E}">
+        <p14:creationId xmlns:p14="http://schemas.microsoft.com/office/powerpoint/2010/main" val="2671538948"/>
+      </p:ext>
+    </p:extLst>
+  </p:cSld>
+  <p:clrMapOvr>
+    <a:masterClrMapping/>
+  </p:clrMapOvr>
+</p:notes>
+</file>
+
+<file path=ppt/notesSlides/notesSlide10.xml><?xml version="1.0" encoding="utf-8"?>
+<p:notes xmlns:a="http://schemas.openxmlformats.org/drawingml/2006/main" xmlns:r="http://schemas.openxmlformats.org/officeDocument/2006/relationships" xmlns:p="http://schemas.openxmlformats.org/presentationml/2006/main">
+  <p:cSld>
+    <p:spTree>
+      <p:nvGrpSpPr>
+        <p:cNvPr id="1" name=""/>
+        <p:cNvGrpSpPr/>
+        <p:nvPr/>
+      </p:nvGrpSpPr>
+      <p:grpSpPr>
+        <a:xfrm>
+          <a:off x="0" y="0"/>
+          <a:ext cx="0" cy="0"/>
+          <a:chOff x="0" y="0"/>
+          <a:chExt cx="0" cy="0"/>
+        </a:xfrm>
+      </p:grpSpPr>
+      <p:sp>
+        <p:nvSpPr>
+          <p:cNvPr id="2" name="Folienbildplatzhalter 1"/>
+          <p:cNvSpPr>
+            <a:spLocks noGrp="1" noRot="1" noChangeAspect="1"/>
+          </p:cNvSpPr>
+          <p:nvPr>
+            <p:ph type="sldImg"/>
+          </p:nvPr>
+        </p:nvSpPr>
+        <p:spPr/>
+      </p:sp>
+      <p:sp>
+        <p:nvSpPr>
+          <p:cNvPr id="3" name="Notizenplatzhalter 2"/>
+          <p:cNvSpPr>
+            <a:spLocks noGrp="1"/>
+          </p:cNvSpPr>
+          <p:nvPr>
+            <p:ph type="body" idx="1"/>
+          </p:nvPr>
+        </p:nvSpPr>
+        <p:spPr/>
+        <p:txBody>
+          <a:bodyPr/>
+          <a:lstStyle/>
           <a:p>
             <a:endParaRPr lang="de-DE" dirty="0"/>
           </a:p>
@@ -26902,7 +31785,7 @@
           <a:p>
             <a:fld id="{9CCF391E-5C5D-4EA1-8A2D-1AD87DAE70A5}" type="slidenum">
               <a:rPr lang="de-DE" smtClean="0"/>
-              <a:t>3</a:t>
+              <a:t>10</a:t>
             </a:fld>
             <a:endParaRPr lang="de-DE"/>
           </a:p>
@@ -26911,7 +31794,175 @@
     </p:spTree>
     <p:extLst>
       <p:ext uri="{BB962C8B-B14F-4D97-AF65-F5344CB8AC3E}">
-        <p14:creationId xmlns:p14="http://schemas.microsoft.com/office/powerpoint/2010/main" val="207181385"/>
+        <p14:creationId xmlns:p14="http://schemas.microsoft.com/office/powerpoint/2010/main" val="3763017894"/>
+      </p:ext>
+    </p:extLst>
+  </p:cSld>
+  <p:clrMapOvr>
+    <a:masterClrMapping/>
+  </p:clrMapOvr>
+</p:notes>
+</file>
+
+<file path=ppt/notesSlides/notesSlide11.xml><?xml version="1.0" encoding="utf-8"?>
+<p:notes xmlns:a="http://schemas.openxmlformats.org/drawingml/2006/main" xmlns:r="http://schemas.openxmlformats.org/officeDocument/2006/relationships" xmlns:p="http://schemas.openxmlformats.org/presentationml/2006/main">
+  <p:cSld>
+    <p:spTree>
+      <p:nvGrpSpPr>
+        <p:cNvPr id="1" name=""/>
+        <p:cNvGrpSpPr/>
+        <p:nvPr/>
+      </p:nvGrpSpPr>
+      <p:grpSpPr>
+        <a:xfrm>
+          <a:off x="0" y="0"/>
+          <a:ext cx="0" cy="0"/>
+          <a:chOff x="0" y="0"/>
+          <a:chExt cx="0" cy="0"/>
+        </a:xfrm>
+      </p:grpSpPr>
+      <p:sp>
+        <p:nvSpPr>
+          <p:cNvPr id="2" name="Folienbildplatzhalter 1"/>
+          <p:cNvSpPr>
+            <a:spLocks noGrp="1" noRot="1" noChangeAspect="1"/>
+          </p:cNvSpPr>
+          <p:nvPr>
+            <p:ph type="sldImg"/>
+          </p:nvPr>
+        </p:nvSpPr>
+        <p:spPr/>
+      </p:sp>
+      <p:sp>
+        <p:nvSpPr>
+          <p:cNvPr id="3" name="Notizenplatzhalter 2"/>
+          <p:cNvSpPr>
+            <a:spLocks noGrp="1"/>
+          </p:cNvSpPr>
+          <p:nvPr>
+            <p:ph type="body" idx="1"/>
+          </p:nvPr>
+        </p:nvSpPr>
+        <p:spPr/>
+        <p:txBody>
+          <a:bodyPr/>
+          <a:lstStyle/>
+          <a:p>
+            <a:endParaRPr lang="de-DE" dirty="0"/>
+          </a:p>
+        </p:txBody>
+      </p:sp>
+      <p:sp>
+        <p:nvSpPr>
+          <p:cNvPr id="4" name="Foliennummernplatzhalter 3"/>
+          <p:cNvSpPr>
+            <a:spLocks noGrp="1"/>
+          </p:cNvSpPr>
+          <p:nvPr>
+            <p:ph type="sldNum" sz="quarter" idx="10"/>
+          </p:nvPr>
+        </p:nvSpPr>
+        <p:spPr/>
+        <p:txBody>
+          <a:bodyPr/>
+          <a:lstStyle/>
+          <a:p>
+            <a:fld id="{9CCF391E-5C5D-4EA1-8A2D-1AD87DAE70A5}" type="slidenum">
+              <a:rPr lang="de-DE" smtClean="0"/>
+              <a:t>11</a:t>
+            </a:fld>
+            <a:endParaRPr lang="de-DE"/>
+          </a:p>
+        </p:txBody>
+      </p:sp>
+    </p:spTree>
+    <p:extLst>
+      <p:ext uri="{BB962C8B-B14F-4D97-AF65-F5344CB8AC3E}">
+        <p14:creationId xmlns:p14="http://schemas.microsoft.com/office/powerpoint/2010/main" val="4071012174"/>
+      </p:ext>
+    </p:extLst>
+  </p:cSld>
+  <p:clrMapOvr>
+    <a:masterClrMapping/>
+  </p:clrMapOvr>
+</p:notes>
+</file>
+
+<file path=ppt/notesSlides/notesSlide12.xml><?xml version="1.0" encoding="utf-8"?>
+<p:notes xmlns:a="http://schemas.openxmlformats.org/drawingml/2006/main" xmlns:r="http://schemas.openxmlformats.org/officeDocument/2006/relationships" xmlns:p="http://schemas.openxmlformats.org/presentationml/2006/main">
+  <p:cSld>
+    <p:spTree>
+      <p:nvGrpSpPr>
+        <p:cNvPr id="1" name=""/>
+        <p:cNvGrpSpPr/>
+        <p:nvPr/>
+      </p:nvGrpSpPr>
+      <p:grpSpPr>
+        <a:xfrm>
+          <a:off x="0" y="0"/>
+          <a:ext cx="0" cy="0"/>
+          <a:chOff x="0" y="0"/>
+          <a:chExt cx="0" cy="0"/>
+        </a:xfrm>
+      </p:grpSpPr>
+      <p:sp>
+        <p:nvSpPr>
+          <p:cNvPr id="2" name="Folienbildplatzhalter 1"/>
+          <p:cNvSpPr>
+            <a:spLocks noGrp="1" noRot="1" noChangeAspect="1"/>
+          </p:cNvSpPr>
+          <p:nvPr>
+            <p:ph type="sldImg"/>
+          </p:nvPr>
+        </p:nvSpPr>
+        <p:spPr/>
+      </p:sp>
+      <p:sp>
+        <p:nvSpPr>
+          <p:cNvPr id="3" name="Notizenplatzhalter 2"/>
+          <p:cNvSpPr>
+            <a:spLocks noGrp="1"/>
+          </p:cNvSpPr>
+          <p:nvPr>
+            <p:ph type="body" idx="1"/>
+          </p:nvPr>
+        </p:nvSpPr>
+        <p:spPr/>
+        <p:txBody>
+          <a:bodyPr/>
+          <a:lstStyle/>
+          <a:p>
+            <a:endParaRPr lang="de-DE" dirty="0"/>
+          </a:p>
+        </p:txBody>
+      </p:sp>
+      <p:sp>
+        <p:nvSpPr>
+          <p:cNvPr id="4" name="Foliennummernplatzhalter 3"/>
+          <p:cNvSpPr>
+            <a:spLocks noGrp="1"/>
+          </p:cNvSpPr>
+          <p:nvPr>
+            <p:ph type="sldNum" sz="quarter" idx="10"/>
+          </p:nvPr>
+        </p:nvSpPr>
+        <p:spPr/>
+        <p:txBody>
+          <a:bodyPr/>
+          <a:lstStyle/>
+          <a:p>
+            <a:fld id="{9CCF391E-5C5D-4EA1-8A2D-1AD87DAE70A5}" type="slidenum">
+              <a:rPr lang="de-DE" smtClean="0"/>
+              <a:t>12</a:t>
+            </a:fld>
+            <a:endParaRPr lang="de-DE"/>
+          </a:p>
+        </p:txBody>
+      </p:sp>
+    </p:spTree>
+    <p:extLst>
+      <p:ext uri="{BB962C8B-B14F-4D97-AF65-F5344CB8AC3E}">
+        <p14:creationId xmlns:p14="http://schemas.microsoft.com/office/powerpoint/2010/main" val="1309800346"/>
       </p:ext>
     </p:extLst>
   </p:cSld>
@@ -27002,7 +32053,7 @@
           <a:p>
             <a:fld id="{9CCF391E-5C5D-4EA1-8A2D-1AD87DAE70A5}" type="slidenum">
               <a:rPr lang="de-DE" smtClean="0"/>
-              <a:t>5</a:t>
+              <a:t>2</a:t>
             </a:fld>
             <a:endParaRPr lang="de-DE"/>
           </a:p>
@@ -27011,7 +32062,7 @@
     </p:spTree>
     <p:extLst>
       <p:ext uri="{BB962C8B-B14F-4D97-AF65-F5344CB8AC3E}">
-        <p14:creationId xmlns:p14="http://schemas.microsoft.com/office/powerpoint/2010/main" val="2868126856"/>
+        <p14:creationId xmlns:p14="http://schemas.microsoft.com/office/powerpoint/2010/main" val="207181385"/>
       </p:ext>
     </p:extLst>
   </p:cSld>
@@ -27067,21 +32118,8 @@
           <a:p>
             <a:r>
               <a:rPr lang="de-DE" dirty="0"/>
-              <a:t>Interaktion: Wer</a:t>
+              <a:t>Vorstellung des Projekts anhand der Skizze</a:t>
             </a:r>
-            <a:r>
-              <a:rPr lang="de-DE" baseline="0" dirty="0"/>
-              <a:t> kennt SAP ?</a:t>
-            </a:r>
-          </a:p>
-          <a:p>
-            <a:r>
-              <a:rPr lang="de-DE" baseline="0" dirty="0"/>
-              <a:t>Referenten, alle ?</a:t>
-            </a:r>
-          </a:p>
-          <a:p>
-            <a:endParaRPr lang="de-DE" dirty="0"/>
           </a:p>
         </p:txBody>
       </p:sp>
@@ -27092,7 +32130,7 @@
             <a:spLocks noGrp="1"/>
           </p:cNvSpPr>
           <p:nvPr>
-            <p:ph type="sldNum" sz="quarter" idx="10"/>
+            <p:ph type="sldNum" sz="quarter" idx="5"/>
           </p:nvPr>
         </p:nvSpPr>
         <p:spPr/>
@@ -27102,7 +32140,7 @@
           <a:p>
             <a:fld id="{9CCF391E-5C5D-4EA1-8A2D-1AD87DAE70A5}" type="slidenum">
               <a:rPr lang="de-DE" smtClean="0"/>
-              <a:t>6</a:t>
+              <a:t>3</a:t>
             </a:fld>
             <a:endParaRPr lang="de-DE"/>
           </a:p>
@@ -27111,7 +32149,7 @@
     </p:spTree>
     <p:extLst>
       <p:ext uri="{BB962C8B-B14F-4D97-AF65-F5344CB8AC3E}">
-        <p14:creationId xmlns:p14="http://schemas.microsoft.com/office/powerpoint/2010/main" val="370161882"/>
+        <p14:creationId xmlns:p14="http://schemas.microsoft.com/office/powerpoint/2010/main" val="3030923412"/>
       </p:ext>
     </p:extLst>
   </p:cSld>
@@ -27165,22 +32203,6 @@
           <a:bodyPr/>
           <a:lstStyle/>
           <a:p>
-            <a:r>
-              <a:rPr lang="de-DE" dirty="0"/>
-              <a:t>Interaktion: Wer</a:t>
-            </a:r>
-            <a:r>
-              <a:rPr lang="de-DE" baseline="0" dirty="0"/>
-              <a:t> kennt SAP ?</a:t>
-            </a:r>
-          </a:p>
-          <a:p>
-            <a:r>
-              <a:rPr lang="de-DE" baseline="0" dirty="0"/>
-              <a:t>Referenten, alle ?</a:t>
-            </a:r>
-          </a:p>
-          <a:p>
             <a:endParaRPr lang="de-DE" dirty="0"/>
           </a:p>
         </p:txBody>
@@ -27202,7 +32224,7 @@
           <a:p>
             <a:fld id="{9CCF391E-5C5D-4EA1-8A2D-1AD87DAE70A5}" type="slidenum">
               <a:rPr lang="de-DE" smtClean="0"/>
-              <a:t>7</a:t>
+              <a:t>4</a:t>
             </a:fld>
             <a:endParaRPr lang="de-DE"/>
           </a:p>
@@ -27211,7 +32233,7 @@
     </p:spTree>
     <p:extLst>
       <p:ext uri="{BB962C8B-B14F-4D97-AF65-F5344CB8AC3E}">
-        <p14:creationId xmlns:p14="http://schemas.microsoft.com/office/powerpoint/2010/main" val="2123776605"/>
+        <p14:creationId xmlns:p14="http://schemas.microsoft.com/office/powerpoint/2010/main" val="370161882"/>
       </p:ext>
     </p:extLst>
   </p:cSld>
@@ -27265,22 +32287,6 @@
           <a:bodyPr/>
           <a:lstStyle/>
           <a:p>
-            <a:r>
-              <a:rPr lang="de-DE" dirty="0"/>
-              <a:t>Interaktion: Wer</a:t>
-            </a:r>
-            <a:r>
-              <a:rPr lang="de-DE" baseline="0" dirty="0"/>
-              <a:t> kennt SAP ?</a:t>
-            </a:r>
-          </a:p>
-          <a:p>
-            <a:r>
-              <a:rPr lang="de-DE" baseline="0" dirty="0"/>
-              <a:t>Referenten, alle ?</a:t>
-            </a:r>
-          </a:p>
-          <a:p>
             <a:endParaRPr lang="de-DE" dirty="0"/>
           </a:p>
         </p:txBody>
@@ -27302,7 +32308,7 @@
           <a:p>
             <a:fld id="{9CCF391E-5C5D-4EA1-8A2D-1AD87DAE70A5}" type="slidenum">
               <a:rPr lang="de-DE" smtClean="0"/>
-              <a:t>8</a:t>
+              <a:t>5</a:t>
             </a:fld>
             <a:endParaRPr lang="de-DE"/>
           </a:p>
@@ -27311,7 +32317,7 @@
     </p:spTree>
     <p:extLst>
       <p:ext uri="{BB962C8B-B14F-4D97-AF65-F5344CB8AC3E}">
-        <p14:creationId xmlns:p14="http://schemas.microsoft.com/office/powerpoint/2010/main" val="4236658229"/>
+        <p14:creationId xmlns:p14="http://schemas.microsoft.com/office/powerpoint/2010/main" val="2123776605"/>
       </p:ext>
     </p:extLst>
   </p:cSld>
@@ -27365,22 +32371,6 @@
           <a:bodyPr/>
           <a:lstStyle/>
           <a:p>
-            <a:r>
-              <a:rPr lang="de-DE" dirty="0"/>
-              <a:t>Interaktion: Wer</a:t>
-            </a:r>
-            <a:r>
-              <a:rPr lang="de-DE" baseline="0" dirty="0"/>
-              <a:t> kennt SAP ?</a:t>
-            </a:r>
-          </a:p>
-          <a:p>
-            <a:r>
-              <a:rPr lang="de-DE" baseline="0" dirty="0"/>
-              <a:t>Referenten, alle ?</a:t>
-            </a:r>
-          </a:p>
-          <a:p>
             <a:endParaRPr lang="de-DE" dirty="0"/>
           </a:p>
         </p:txBody>
@@ -27402,7 +32392,7 @@
           <a:p>
             <a:fld id="{9CCF391E-5C5D-4EA1-8A2D-1AD87DAE70A5}" type="slidenum">
               <a:rPr lang="de-DE" smtClean="0"/>
-              <a:t>9</a:t>
+              <a:t>6</a:t>
             </a:fld>
             <a:endParaRPr lang="de-DE"/>
           </a:p>
@@ -27411,7 +32401,7 @@
     </p:spTree>
     <p:extLst>
       <p:ext uri="{BB962C8B-B14F-4D97-AF65-F5344CB8AC3E}">
-        <p14:creationId xmlns:p14="http://schemas.microsoft.com/office/powerpoint/2010/main" val="1635911333"/>
+        <p14:creationId xmlns:p14="http://schemas.microsoft.com/office/powerpoint/2010/main" val="1630585595"/>
       </p:ext>
     </p:extLst>
   </p:cSld>
@@ -27465,22 +32455,6 @@
           <a:bodyPr/>
           <a:lstStyle/>
           <a:p>
-            <a:r>
-              <a:rPr lang="de-DE" dirty="0"/>
-              <a:t>Interaktion: Wer</a:t>
-            </a:r>
-            <a:r>
-              <a:rPr lang="de-DE" baseline="0" dirty="0"/>
-              <a:t> kennt SAP ?</a:t>
-            </a:r>
-          </a:p>
-          <a:p>
-            <a:r>
-              <a:rPr lang="de-DE" baseline="0" dirty="0"/>
-              <a:t>Referenten, alle ?</a:t>
-            </a:r>
-          </a:p>
-          <a:p>
             <a:endParaRPr lang="de-DE" dirty="0"/>
           </a:p>
         </p:txBody>
@@ -27502,7 +32476,7 @@
           <a:p>
             <a:fld id="{9CCF391E-5C5D-4EA1-8A2D-1AD87DAE70A5}" type="slidenum">
               <a:rPr lang="de-DE" smtClean="0"/>
-              <a:t>10</a:t>
+              <a:t>7</a:t>
             </a:fld>
             <a:endParaRPr lang="de-DE"/>
           </a:p>
@@ -27511,7 +32485,7 @@
     </p:spTree>
     <p:extLst>
       <p:ext uri="{BB962C8B-B14F-4D97-AF65-F5344CB8AC3E}">
-        <p14:creationId xmlns:p14="http://schemas.microsoft.com/office/powerpoint/2010/main" val="1939463753"/>
+        <p14:creationId xmlns:p14="http://schemas.microsoft.com/office/powerpoint/2010/main" val="4236658229"/>
       </p:ext>
     </p:extLst>
   </p:cSld>
@@ -27565,22 +32539,6 @@
           <a:bodyPr/>
           <a:lstStyle/>
           <a:p>
-            <a:r>
-              <a:rPr lang="de-DE" dirty="0"/>
-              <a:t>Interaktion: Wer</a:t>
-            </a:r>
-            <a:r>
-              <a:rPr lang="de-DE" baseline="0" dirty="0"/>
-              <a:t> kennt SAP ?</a:t>
-            </a:r>
-          </a:p>
-          <a:p>
-            <a:r>
-              <a:rPr lang="de-DE" baseline="0" dirty="0"/>
-              <a:t>Referenten, alle ?</a:t>
-            </a:r>
-          </a:p>
-          <a:p>
             <a:endParaRPr lang="de-DE" dirty="0"/>
           </a:p>
         </p:txBody>
@@ -27602,7 +32560,7 @@
           <a:p>
             <a:fld id="{9CCF391E-5C5D-4EA1-8A2D-1AD87DAE70A5}" type="slidenum">
               <a:rPr lang="de-DE" smtClean="0"/>
-              <a:t>11</a:t>
+              <a:t>8</a:t>
             </a:fld>
             <a:endParaRPr lang="de-DE"/>
           </a:p>
@@ -27611,7 +32569,7 @@
     </p:spTree>
     <p:extLst>
       <p:ext uri="{BB962C8B-B14F-4D97-AF65-F5344CB8AC3E}">
-        <p14:creationId xmlns:p14="http://schemas.microsoft.com/office/powerpoint/2010/main" val="3763017894"/>
+        <p14:creationId xmlns:p14="http://schemas.microsoft.com/office/powerpoint/2010/main" val="1635911333"/>
       </p:ext>
     </p:extLst>
   </p:cSld>
@@ -27665,22 +32623,6 @@
           <a:bodyPr/>
           <a:lstStyle/>
           <a:p>
-            <a:r>
-              <a:rPr lang="de-DE" dirty="0"/>
-              <a:t>Interaktion: Wer</a:t>
-            </a:r>
-            <a:r>
-              <a:rPr lang="de-DE" baseline="0" dirty="0"/>
-              <a:t> kennt SAP ?</a:t>
-            </a:r>
-          </a:p>
-          <a:p>
-            <a:r>
-              <a:rPr lang="de-DE" baseline="0" dirty="0"/>
-              <a:t>Referenten, alle ?</a:t>
-            </a:r>
-          </a:p>
-          <a:p>
             <a:endParaRPr lang="de-DE" dirty="0"/>
           </a:p>
         </p:txBody>
@@ -27702,7 +32644,7 @@
           <a:p>
             <a:fld id="{9CCF391E-5C5D-4EA1-8A2D-1AD87DAE70A5}" type="slidenum">
               <a:rPr lang="de-DE" smtClean="0"/>
-              <a:t>12</a:t>
+              <a:t>9</a:t>
             </a:fld>
             <a:endParaRPr lang="de-DE"/>
           </a:p>
@@ -27711,7 +32653,7 @@
     </p:spTree>
     <p:extLst>
       <p:ext uri="{BB962C8B-B14F-4D97-AF65-F5344CB8AC3E}">
-        <p14:creationId xmlns:p14="http://schemas.microsoft.com/office/powerpoint/2010/main" val="1309800346"/>
+        <p14:creationId xmlns:p14="http://schemas.microsoft.com/office/powerpoint/2010/main" val="1939463753"/>
       </p:ext>
     </p:extLst>
   </p:cSld>
@@ -30685,924 +35627,6 @@
 </file>
 
 <file path=ppt/slides/slide1.xml><?xml version="1.0" encoding="utf-8"?>
-<p:sld xmlns:a="http://schemas.openxmlformats.org/drawingml/2006/main" xmlns:r="http://schemas.openxmlformats.org/officeDocument/2006/relationships" xmlns:p="http://schemas.openxmlformats.org/presentationml/2006/main">
-  <p:cSld>
-    <p:bg>
-      <p:bgPr>
-        <a:solidFill>
-          <a:schemeClr val="tx1"/>
-        </a:solidFill>
-        <a:effectLst/>
-      </p:bgPr>
-    </p:bg>
-    <p:spTree>
-      <p:nvGrpSpPr>
-        <p:cNvPr id="1" name=""/>
-        <p:cNvGrpSpPr/>
-        <p:nvPr/>
-      </p:nvGrpSpPr>
-      <p:grpSpPr>
-        <a:xfrm>
-          <a:off x="0" y="0"/>
-          <a:ext cx="0" cy="0"/>
-          <a:chOff x="0" y="0"/>
-          <a:chExt cx="0" cy="0"/>
-        </a:xfrm>
-      </p:grpSpPr>
-      <p:grpSp>
-        <p:nvGrpSpPr>
-          <p:cNvPr id="6" name="Gruppieren 5"/>
-          <p:cNvGrpSpPr/>
-          <p:nvPr/>
-        </p:nvGrpSpPr>
-        <p:grpSpPr>
-          <a:xfrm>
-            <a:off x="5185336" y="2613392"/>
-            <a:ext cx="1821332" cy="1077218"/>
-            <a:chOff x="5185336" y="3075057"/>
-            <a:chExt cx="1821332" cy="1077218"/>
-          </a:xfrm>
-        </p:grpSpPr>
-        <p:sp>
-          <p:nvSpPr>
-            <p:cNvPr id="4" name="Textfeld 3"/>
-            <p:cNvSpPr txBox="1"/>
-            <p:nvPr/>
-          </p:nvSpPr>
-          <p:spPr>
-            <a:xfrm>
-              <a:off x="5293698" y="3782943"/>
-              <a:ext cx="1604606" cy="369332"/>
-            </a:xfrm>
-            <a:prstGeom prst="rect">
-              <a:avLst/>
-            </a:prstGeom>
-            <a:noFill/>
-          </p:spPr>
-          <p:txBody>
-            <a:bodyPr wrap="none" rtlCol="0">
-              <a:spAutoFit/>
-            </a:bodyPr>
-            <a:lstStyle/>
-            <a:p>
-              <a:pPr algn="ctr"/>
-              <a:r>
-                <a:rPr lang="de-DE" dirty="0">
-                  <a:solidFill>
-                    <a:schemeClr val="bg1"/>
-                  </a:solidFill>
-                  <a:latin typeface="Corbel Light" panose="020B0303020204020204" pitchFamily="34" charset="0"/>
-                </a:rPr>
-                <a:t>14. Januar 2020</a:t>
-              </a:r>
-            </a:p>
-          </p:txBody>
-        </p:sp>
-        <p:sp>
-          <p:nvSpPr>
-            <p:cNvPr id="5" name="Textfeld 4"/>
-            <p:cNvSpPr txBox="1"/>
-            <p:nvPr/>
-          </p:nvSpPr>
-          <p:spPr>
-            <a:xfrm>
-              <a:off x="5185336" y="3075057"/>
-              <a:ext cx="1821332" cy="707886"/>
-            </a:xfrm>
-            <a:prstGeom prst="rect">
-              <a:avLst/>
-            </a:prstGeom>
-            <a:noFill/>
-          </p:spPr>
-          <p:txBody>
-            <a:bodyPr wrap="none" rtlCol="0">
-              <a:spAutoFit/>
-            </a:bodyPr>
-            <a:lstStyle/>
-            <a:p>
-              <a:pPr algn="ctr"/>
-              <a:r>
-                <a:rPr lang="de-DE" sz="4000" b="1" dirty="0" err="1">
-                  <a:solidFill>
-                    <a:schemeClr val="bg1"/>
-                  </a:solidFill>
-                  <a:latin typeface="Corbel Light" panose="020B0303020204020204" pitchFamily="34" charset="0"/>
-                </a:rPr>
-                <a:t>SAPlexa</a:t>
-              </a:r>
-              <a:endParaRPr lang="de-DE" sz="4000" b="1" dirty="0">
-                <a:solidFill>
-                  <a:schemeClr val="bg1"/>
-                </a:solidFill>
-                <a:latin typeface="Corbel Light" panose="020B0303020204020204" pitchFamily="34" charset="0"/>
-              </a:endParaRPr>
-            </a:p>
-          </p:txBody>
-        </p:sp>
-      </p:grpSp>
-    </p:spTree>
-    <p:extLst>
-      <p:ext uri="{BB962C8B-B14F-4D97-AF65-F5344CB8AC3E}">
-        <p14:creationId xmlns:p14="http://schemas.microsoft.com/office/powerpoint/2010/main" val="4089904231"/>
-      </p:ext>
-    </p:extLst>
-  </p:cSld>
-  <p:clrMapOvr>
-    <a:masterClrMapping/>
-  </p:clrMapOvr>
-  <mc:AlternateContent xmlns:mc="http://schemas.openxmlformats.org/markup-compatibility/2006" xmlns:p14="http://schemas.microsoft.com/office/powerpoint/2010/main">
-    <mc:Choice Requires="p14">
-      <p:transition spd="med" p14:dur="700">
-        <p:fade/>
-      </p:transition>
-    </mc:Choice>
-    <mc:Fallback xmlns="">
-      <p:transition spd="med">
-        <p:fade/>
-      </p:transition>
-    </mc:Fallback>
-  </mc:AlternateContent>
-</p:sld>
-</file>
-
-<file path=ppt/slides/slide10.xml><?xml version="1.0" encoding="utf-8"?>
-<p:sld xmlns:a="http://schemas.openxmlformats.org/drawingml/2006/main" xmlns:r="http://schemas.openxmlformats.org/officeDocument/2006/relationships" xmlns:p="http://schemas.openxmlformats.org/presentationml/2006/main">
-  <p:cSld>
-    <p:spTree>
-      <p:nvGrpSpPr>
-        <p:cNvPr id="1" name=""/>
-        <p:cNvGrpSpPr/>
-        <p:nvPr/>
-      </p:nvGrpSpPr>
-      <p:grpSpPr>
-        <a:xfrm>
-          <a:off x="0" y="0"/>
-          <a:ext cx="0" cy="0"/>
-          <a:chOff x="0" y="0"/>
-          <a:chExt cx="0" cy="0"/>
-        </a:xfrm>
-      </p:grpSpPr>
-      <p:pic>
-        <p:nvPicPr>
-          <p:cNvPr id="5" name="Grafik 4"/>
-          <p:cNvPicPr>
-            <a:picLocks noChangeAspect="1"/>
-          </p:cNvPicPr>
-          <p:nvPr/>
-        </p:nvPicPr>
-        <p:blipFill rotWithShape="1">
-          <a:blip r:embed="rId3" cstate="print">
-            <a:extLst>
-              <a:ext uri="{28A0092B-C50C-407E-A947-70E740481C1C}">
-                <a14:useLocalDpi xmlns:a14="http://schemas.microsoft.com/office/drawing/2010/main" val="0"/>
-              </a:ext>
-            </a:extLst>
-          </a:blip>
-          <a:srcRect l="11698" t="20395" r="11757" b="33313"/>
-          <a:stretch/>
-        </p:blipFill>
-        <p:spPr>
-          <a:xfrm>
-            <a:off x="10480851" y="231038"/>
-            <a:ext cx="1392702" cy="401920"/>
-          </a:xfrm>
-          <a:prstGeom prst="rect">
-            <a:avLst/>
-          </a:prstGeom>
-        </p:spPr>
-      </p:pic>
-      <p:graphicFrame>
-        <p:nvGraphicFramePr>
-          <p:cNvPr id="11" name="Diagramm 10"/>
-          <p:cNvGraphicFramePr/>
-          <p:nvPr>
-            <p:extLst/>
-          </p:nvPr>
-        </p:nvGraphicFramePr>
-        <p:xfrm>
-          <a:off x="500026" y="242702"/>
-          <a:ext cx="9703041" cy="324000"/>
-        </p:xfrm>
-        <a:graphic>
-          <a:graphicData uri="http://schemas.openxmlformats.org/drawingml/2006/diagram">
-            <dgm:relIds xmlns:dgm="http://schemas.openxmlformats.org/drawingml/2006/diagram" xmlns:r="http://schemas.openxmlformats.org/officeDocument/2006/relationships" r:dm="rId4" r:lo="rId5" r:qs="rId6" r:cs="rId7"/>
-          </a:graphicData>
-        </a:graphic>
-      </p:graphicFrame>
-      <p:sp>
-        <p:nvSpPr>
-          <p:cNvPr id="2" name="Rechteck 1">
-            <a:extLst>
-              <a:ext uri="{FF2B5EF4-FFF2-40B4-BE49-F238E27FC236}">
-                <a16:creationId xmlns:a16="http://schemas.microsoft.com/office/drawing/2014/main" id="{C2A7ECBF-C5DE-4CA9-B4CD-A91748CBCA72}"/>
-              </a:ext>
-            </a:extLst>
-          </p:cNvPr>
-          <p:cNvSpPr/>
-          <p:nvPr/>
-        </p:nvSpPr>
-        <p:spPr>
-          <a:xfrm>
-            <a:off x="448574" y="836268"/>
-            <a:ext cx="6096000" cy="754694"/>
-          </a:xfrm>
-          <a:prstGeom prst="rect">
-            <a:avLst/>
-          </a:prstGeom>
-        </p:spPr>
-        <p:txBody>
-          <a:bodyPr>
-            <a:spAutoFit/>
-          </a:bodyPr>
-          <a:lstStyle/>
-          <a:p>
-            <a:pPr>
-              <a:lnSpc>
-                <a:spcPct val="150000"/>
-              </a:lnSpc>
-            </a:pPr>
-            <a:r>
-              <a:rPr lang="de-DE" sz="3200" b="1" dirty="0">
-                <a:solidFill>
-                  <a:srgbClr val="385723"/>
-                </a:solidFill>
-                <a:latin typeface="Corbel Light" panose="020B0303020204020204" pitchFamily="34" charset="0"/>
-              </a:rPr>
-              <a:t>SAP ABAP API Programmierung</a:t>
-            </a:r>
-          </a:p>
-        </p:txBody>
-      </p:sp>
-    </p:spTree>
-    <p:extLst>
-      <p:ext uri="{BB962C8B-B14F-4D97-AF65-F5344CB8AC3E}">
-        <p14:creationId xmlns:p14="http://schemas.microsoft.com/office/powerpoint/2010/main" val="2472505764"/>
-      </p:ext>
-    </p:extLst>
-  </p:cSld>
-  <p:clrMapOvr>
-    <a:masterClrMapping/>
-  </p:clrMapOvr>
-  <mc:AlternateContent xmlns:mc="http://schemas.openxmlformats.org/markup-compatibility/2006" xmlns:p14="http://schemas.microsoft.com/office/powerpoint/2010/main">
-    <mc:Choice Requires="p14">
-      <p:transition spd="med" p14:dur="700">
-        <p:fade/>
-      </p:transition>
-    </mc:Choice>
-    <mc:Fallback xmlns="">
-      <p:transition spd="med">
-        <p:fade/>
-      </p:transition>
-    </mc:Fallback>
-  </mc:AlternateContent>
-</p:sld>
-</file>
-
-<file path=ppt/slides/slide11.xml><?xml version="1.0" encoding="utf-8"?>
-<p:sld xmlns:a="http://schemas.openxmlformats.org/drawingml/2006/main" xmlns:r="http://schemas.openxmlformats.org/officeDocument/2006/relationships" xmlns:p="http://schemas.openxmlformats.org/presentationml/2006/main">
-  <p:cSld>
-    <p:spTree>
-      <p:nvGrpSpPr>
-        <p:cNvPr id="1" name=""/>
-        <p:cNvGrpSpPr/>
-        <p:nvPr/>
-      </p:nvGrpSpPr>
-      <p:grpSpPr>
-        <a:xfrm>
-          <a:off x="0" y="0"/>
-          <a:ext cx="0" cy="0"/>
-          <a:chOff x="0" y="0"/>
-          <a:chExt cx="0" cy="0"/>
-        </a:xfrm>
-      </p:grpSpPr>
-      <p:pic>
-        <p:nvPicPr>
-          <p:cNvPr id="5" name="Grafik 4"/>
-          <p:cNvPicPr>
-            <a:picLocks noChangeAspect="1"/>
-          </p:cNvPicPr>
-          <p:nvPr/>
-        </p:nvPicPr>
-        <p:blipFill rotWithShape="1">
-          <a:blip r:embed="rId3" cstate="print">
-            <a:extLst>
-              <a:ext uri="{28A0092B-C50C-407E-A947-70E740481C1C}">
-                <a14:useLocalDpi xmlns:a14="http://schemas.microsoft.com/office/drawing/2010/main" val="0"/>
-              </a:ext>
-            </a:extLst>
-          </a:blip>
-          <a:srcRect l="11698" t="20395" r="11757" b="33313"/>
-          <a:stretch/>
-        </p:blipFill>
-        <p:spPr>
-          <a:xfrm>
-            <a:off x="10480851" y="231038"/>
-            <a:ext cx="1392702" cy="401920"/>
-          </a:xfrm>
-          <a:prstGeom prst="rect">
-            <a:avLst/>
-          </a:prstGeom>
-        </p:spPr>
-      </p:pic>
-      <p:graphicFrame>
-        <p:nvGraphicFramePr>
-          <p:cNvPr id="11" name="Diagramm 10"/>
-          <p:cNvGraphicFramePr/>
-          <p:nvPr>
-            <p:extLst/>
-          </p:nvPr>
-        </p:nvGraphicFramePr>
-        <p:xfrm>
-          <a:off x="500026" y="242702"/>
-          <a:ext cx="9703041" cy="324000"/>
-        </p:xfrm>
-        <a:graphic>
-          <a:graphicData uri="http://schemas.openxmlformats.org/drawingml/2006/diagram">
-            <dgm:relIds xmlns:dgm="http://schemas.openxmlformats.org/drawingml/2006/diagram" xmlns:r="http://schemas.openxmlformats.org/officeDocument/2006/relationships" r:dm="rId4" r:lo="rId5" r:qs="rId6" r:cs="rId7"/>
-          </a:graphicData>
-        </a:graphic>
-      </p:graphicFrame>
-      <p:sp>
-        <p:nvSpPr>
-          <p:cNvPr id="2" name="Rechteck 1">
-            <a:extLst>
-              <a:ext uri="{FF2B5EF4-FFF2-40B4-BE49-F238E27FC236}">
-                <a16:creationId xmlns:a16="http://schemas.microsoft.com/office/drawing/2014/main" id="{C2A7ECBF-C5DE-4CA9-B4CD-A91748CBCA72}"/>
-              </a:ext>
-            </a:extLst>
-          </p:cNvPr>
-          <p:cNvSpPr/>
-          <p:nvPr/>
-        </p:nvSpPr>
-        <p:spPr>
-          <a:xfrm>
-            <a:off x="448574" y="836268"/>
-            <a:ext cx="6096000" cy="584775"/>
-          </a:xfrm>
-          <a:prstGeom prst="rect">
-            <a:avLst/>
-          </a:prstGeom>
-        </p:spPr>
-        <p:txBody>
-          <a:bodyPr>
-            <a:spAutoFit/>
-          </a:bodyPr>
-          <a:lstStyle/>
-          <a:p>
-            <a:r>
-              <a:rPr lang="de-DE" sz="3200" b="1" dirty="0">
-                <a:solidFill>
-                  <a:srgbClr val="385723"/>
-                </a:solidFill>
-                <a:latin typeface="Corbel Light" panose="020B0303020204020204" pitchFamily="34" charset="0"/>
-              </a:rPr>
-              <a:t>Live-Demo bzw. Video-Tutorial</a:t>
-            </a:r>
-          </a:p>
-        </p:txBody>
-      </p:sp>
-    </p:spTree>
-    <p:extLst>
-      <p:ext uri="{BB962C8B-B14F-4D97-AF65-F5344CB8AC3E}">
-        <p14:creationId xmlns:p14="http://schemas.microsoft.com/office/powerpoint/2010/main" val="978392592"/>
-      </p:ext>
-    </p:extLst>
-  </p:cSld>
-  <p:clrMapOvr>
-    <a:masterClrMapping/>
-  </p:clrMapOvr>
-  <mc:AlternateContent xmlns:mc="http://schemas.openxmlformats.org/markup-compatibility/2006" xmlns:p14="http://schemas.microsoft.com/office/powerpoint/2010/main">
-    <mc:Choice Requires="p14">
-      <p:transition spd="med" p14:dur="700">
-        <p:fade/>
-      </p:transition>
-    </mc:Choice>
-    <mc:Fallback xmlns="">
-      <p:transition spd="med">
-        <p:fade/>
-      </p:transition>
-    </mc:Fallback>
-  </mc:AlternateContent>
-</p:sld>
-</file>
-
-<file path=ppt/slides/slide12.xml><?xml version="1.0" encoding="utf-8"?>
-<p:sld xmlns:a="http://schemas.openxmlformats.org/drawingml/2006/main" xmlns:r="http://schemas.openxmlformats.org/officeDocument/2006/relationships" xmlns:p="http://schemas.openxmlformats.org/presentationml/2006/main">
-  <p:cSld>
-    <p:spTree>
-      <p:nvGrpSpPr>
-        <p:cNvPr id="1" name=""/>
-        <p:cNvGrpSpPr/>
-        <p:nvPr/>
-      </p:nvGrpSpPr>
-      <p:grpSpPr>
-        <a:xfrm>
-          <a:off x="0" y="0"/>
-          <a:ext cx="0" cy="0"/>
-          <a:chOff x="0" y="0"/>
-          <a:chExt cx="0" cy="0"/>
-        </a:xfrm>
-      </p:grpSpPr>
-      <p:pic>
-        <p:nvPicPr>
-          <p:cNvPr id="5" name="Grafik 4"/>
-          <p:cNvPicPr>
-            <a:picLocks noChangeAspect="1"/>
-          </p:cNvPicPr>
-          <p:nvPr/>
-        </p:nvPicPr>
-        <p:blipFill rotWithShape="1">
-          <a:blip r:embed="rId3" cstate="print">
-            <a:extLst>
-              <a:ext uri="{28A0092B-C50C-407E-A947-70E740481C1C}">
-                <a14:useLocalDpi xmlns:a14="http://schemas.microsoft.com/office/drawing/2010/main" val="0"/>
-              </a:ext>
-            </a:extLst>
-          </a:blip>
-          <a:srcRect l="11698" t="20395" r="11757" b="33313"/>
-          <a:stretch/>
-        </p:blipFill>
-        <p:spPr>
-          <a:xfrm>
-            <a:off x="10480851" y="231038"/>
-            <a:ext cx="1392702" cy="401920"/>
-          </a:xfrm>
-          <a:prstGeom prst="rect">
-            <a:avLst/>
-          </a:prstGeom>
-        </p:spPr>
-      </p:pic>
-      <p:graphicFrame>
-        <p:nvGraphicFramePr>
-          <p:cNvPr id="11" name="Diagramm 10"/>
-          <p:cNvGraphicFramePr/>
-          <p:nvPr>
-            <p:extLst/>
-          </p:nvPr>
-        </p:nvGraphicFramePr>
-        <p:xfrm>
-          <a:off x="500026" y="242702"/>
-          <a:ext cx="9703041" cy="324000"/>
-        </p:xfrm>
-        <a:graphic>
-          <a:graphicData uri="http://schemas.openxmlformats.org/drawingml/2006/diagram">
-            <dgm:relIds xmlns:dgm="http://schemas.openxmlformats.org/drawingml/2006/diagram" xmlns:r="http://schemas.openxmlformats.org/officeDocument/2006/relationships" r:dm="rId4" r:lo="rId5" r:qs="rId6" r:cs="rId7"/>
-          </a:graphicData>
-        </a:graphic>
-      </p:graphicFrame>
-      <p:sp>
-        <p:nvSpPr>
-          <p:cNvPr id="2" name="Rechteck 1">
-            <a:extLst>
-              <a:ext uri="{FF2B5EF4-FFF2-40B4-BE49-F238E27FC236}">
-                <a16:creationId xmlns:a16="http://schemas.microsoft.com/office/drawing/2014/main" id="{C2A7ECBF-C5DE-4CA9-B4CD-A91748CBCA72}"/>
-              </a:ext>
-            </a:extLst>
-          </p:cNvPr>
-          <p:cNvSpPr/>
-          <p:nvPr/>
-        </p:nvSpPr>
-        <p:spPr>
-          <a:xfrm>
-            <a:off x="448573" y="836268"/>
-            <a:ext cx="11007305" cy="1077218"/>
-          </a:xfrm>
-          <a:prstGeom prst="rect">
-            <a:avLst/>
-          </a:prstGeom>
-        </p:spPr>
-        <p:txBody>
-          <a:bodyPr wrap="square">
-            <a:spAutoFit/>
-          </a:bodyPr>
-          <a:lstStyle/>
-          <a:p>
-            <a:r>
-              <a:rPr lang="de-DE" sz="3200" b="1" dirty="0">
-                <a:solidFill>
-                  <a:srgbClr val="385723"/>
-                </a:solidFill>
-                <a:latin typeface="Corbel Light" panose="020B0303020204020204" pitchFamily="34" charset="0"/>
-              </a:rPr>
-              <a:t>Projektziele im Anschluss (Herr </a:t>
-            </a:r>
-            <a:r>
-              <a:rPr lang="de-DE" sz="3200" b="1" dirty="0" err="1">
-                <a:solidFill>
-                  <a:srgbClr val="385723"/>
-                </a:solidFill>
-                <a:latin typeface="Corbel Light" panose="020B0303020204020204" pitchFamily="34" charset="0"/>
-              </a:rPr>
-              <a:t>Stauß</a:t>
-            </a:r>
-            <a:r>
-              <a:rPr lang="de-DE" sz="3200" b="1" dirty="0">
-                <a:solidFill>
-                  <a:srgbClr val="385723"/>
-                </a:solidFill>
-                <a:latin typeface="Corbel Light" panose="020B0303020204020204" pitchFamily="34" charset="0"/>
-              </a:rPr>
-              <a:t> ? Grundsätzliche Optimierung und Erweiterung der Funktionen?)</a:t>
-            </a:r>
-            <a:endParaRPr lang="de-DE" sz="3200" b="1" baseline="-25000" dirty="0">
-              <a:solidFill>
-                <a:srgbClr val="385723"/>
-              </a:solidFill>
-              <a:latin typeface="Corbel Light" panose="020B0303020204020204" pitchFamily="34" charset="0"/>
-            </a:endParaRPr>
-          </a:p>
-        </p:txBody>
-      </p:sp>
-    </p:spTree>
-    <p:extLst>
-      <p:ext uri="{BB962C8B-B14F-4D97-AF65-F5344CB8AC3E}">
-        <p14:creationId xmlns:p14="http://schemas.microsoft.com/office/powerpoint/2010/main" val="3338334478"/>
-      </p:ext>
-    </p:extLst>
-  </p:cSld>
-  <p:clrMapOvr>
-    <a:masterClrMapping/>
-  </p:clrMapOvr>
-  <mc:AlternateContent xmlns:mc="http://schemas.openxmlformats.org/markup-compatibility/2006" xmlns:p14="http://schemas.microsoft.com/office/powerpoint/2010/main">
-    <mc:Choice Requires="p14">
-      <p:transition spd="med" p14:dur="700">
-        <p:fade/>
-      </p:transition>
-    </mc:Choice>
-    <mc:Fallback xmlns="">
-      <p:transition spd="med">
-        <p:fade/>
-      </p:transition>
-    </mc:Fallback>
-  </mc:AlternateContent>
-</p:sld>
-</file>
-
-<file path=ppt/slides/slide13.xml><?xml version="1.0" encoding="utf-8"?>
-<p:sld xmlns:a="http://schemas.openxmlformats.org/drawingml/2006/main" xmlns:r="http://schemas.openxmlformats.org/officeDocument/2006/relationships" xmlns:p="http://schemas.openxmlformats.org/presentationml/2006/main">
-  <p:cSld>
-    <p:spTree>
-      <p:nvGrpSpPr>
-        <p:cNvPr id="1" name=""/>
-        <p:cNvGrpSpPr/>
-        <p:nvPr/>
-      </p:nvGrpSpPr>
-      <p:grpSpPr>
-        <a:xfrm>
-          <a:off x="0" y="0"/>
-          <a:ext cx="0" cy="0"/>
-          <a:chOff x="0" y="0"/>
-          <a:chExt cx="0" cy="0"/>
-        </a:xfrm>
-      </p:grpSpPr>
-      <p:pic>
-        <p:nvPicPr>
-          <p:cNvPr id="4" name="Grafik 3"/>
-          <p:cNvPicPr>
-            <a:picLocks noChangeAspect="1"/>
-          </p:cNvPicPr>
-          <p:nvPr/>
-        </p:nvPicPr>
-        <p:blipFill rotWithShape="1">
-          <a:blip r:embed="rId2"/>
-          <a:srcRect l="671" t="16724" r="6642" b="27769"/>
-          <a:stretch/>
-        </p:blipFill>
-        <p:spPr>
-          <a:xfrm>
-            <a:off x="233979" y="1630681"/>
-            <a:ext cx="11776734" cy="4110478"/>
-          </a:xfrm>
-          <a:prstGeom prst="rect">
-            <a:avLst/>
-          </a:prstGeom>
-          <a:effectLst>
-            <a:outerShdw blurRad="63500" sx="101000" sy="101000" algn="ctr" rotWithShape="0">
-              <a:prstClr val="black">
-                <a:alpha val="25000"/>
-              </a:prstClr>
-            </a:outerShdw>
-          </a:effectLst>
-        </p:spPr>
-      </p:pic>
-      <p:sp>
-        <p:nvSpPr>
-          <p:cNvPr id="6" name="Textfeld 5"/>
-          <p:cNvSpPr txBox="1"/>
-          <p:nvPr/>
-        </p:nvSpPr>
-        <p:spPr>
-          <a:xfrm>
-            <a:off x="389936" y="632958"/>
-            <a:ext cx="5930663" cy="646331"/>
-          </a:xfrm>
-          <a:prstGeom prst="rect">
-            <a:avLst/>
-          </a:prstGeom>
-          <a:noFill/>
-        </p:spPr>
-        <p:txBody>
-          <a:bodyPr wrap="none" rtlCol="0">
-            <a:spAutoFit/>
-          </a:bodyPr>
-          <a:lstStyle/>
-          <a:p>
-            <a:r>
-              <a:rPr lang="de-DE" sz="3600" dirty="0">
-                <a:solidFill>
-                  <a:srgbClr val="385723"/>
-                </a:solidFill>
-                <a:latin typeface="Corbel Light" panose="020B0303020204020204" pitchFamily="34" charset="0"/>
-              </a:rPr>
-              <a:t>MIGO – Wareneingang buchen</a:t>
-            </a:r>
-            <a:endParaRPr lang="de-DE" sz="3600" baseline="-25000" dirty="0">
-              <a:solidFill>
-                <a:srgbClr val="385723"/>
-              </a:solidFill>
-              <a:latin typeface="Corbel Light" panose="020B0303020204020204" pitchFamily="34" charset="0"/>
-            </a:endParaRPr>
-          </a:p>
-        </p:txBody>
-      </p:sp>
-      <p:pic>
-        <p:nvPicPr>
-          <p:cNvPr id="7" name="Grafik 6"/>
-          <p:cNvPicPr>
-            <a:picLocks noChangeAspect="1"/>
-          </p:cNvPicPr>
-          <p:nvPr/>
-        </p:nvPicPr>
-        <p:blipFill rotWithShape="1">
-          <a:blip r:embed="rId3" cstate="print">
-            <a:extLst>
-              <a:ext uri="{28A0092B-C50C-407E-A947-70E740481C1C}">
-                <a14:useLocalDpi xmlns:a14="http://schemas.microsoft.com/office/drawing/2010/main" val="0"/>
-              </a:ext>
-            </a:extLst>
-          </a:blip>
-          <a:srcRect l="11698" t="20395" r="11757" b="33313"/>
-          <a:stretch/>
-        </p:blipFill>
-        <p:spPr>
-          <a:xfrm>
-            <a:off x="10480851" y="231038"/>
-            <a:ext cx="1392702" cy="401920"/>
-          </a:xfrm>
-          <a:prstGeom prst="rect">
-            <a:avLst/>
-          </a:prstGeom>
-        </p:spPr>
-      </p:pic>
-      <p:graphicFrame>
-        <p:nvGraphicFramePr>
-          <p:cNvPr id="8" name="Diagramm 7"/>
-          <p:cNvGraphicFramePr/>
-          <p:nvPr>
-            <p:extLst>
-              <p:ext uri="{D42A27DB-BD31-4B8C-83A1-F6EECF244321}">
-                <p14:modId xmlns:p14="http://schemas.microsoft.com/office/powerpoint/2010/main" val="2178379743"/>
-              </p:ext>
-            </p:extLst>
-          </p:nvPr>
-        </p:nvGraphicFramePr>
-        <p:xfrm>
-          <a:off x="500026" y="242702"/>
-          <a:ext cx="9703041" cy="324000"/>
-        </p:xfrm>
-        <a:graphic>
-          <a:graphicData uri="http://schemas.openxmlformats.org/drawingml/2006/diagram">
-            <dgm:relIds xmlns:dgm="http://schemas.openxmlformats.org/drawingml/2006/diagram" xmlns:r="http://schemas.openxmlformats.org/officeDocument/2006/relationships" r:dm="rId4" r:lo="rId5" r:qs="rId6" r:cs="rId7"/>
-          </a:graphicData>
-        </a:graphic>
-      </p:graphicFrame>
-    </p:spTree>
-    <p:extLst>
-      <p:ext uri="{BB962C8B-B14F-4D97-AF65-F5344CB8AC3E}">
-        <p14:creationId xmlns:p14="http://schemas.microsoft.com/office/powerpoint/2010/main" val="169311735"/>
-      </p:ext>
-    </p:extLst>
-  </p:cSld>
-  <p:clrMapOvr>
-    <a:masterClrMapping/>
-  </p:clrMapOvr>
-  <mc:AlternateContent xmlns:mc="http://schemas.openxmlformats.org/markup-compatibility/2006" xmlns:p14="http://schemas.microsoft.com/office/powerpoint/2010/main">
-    <mc:Choice Requires="p14">
-      <p:transition spd="med" p14:dur="700">
-        <p:fade/>
-      </p:transition>
-    </mc:Choice>
-    <mc:Fallback xmlns="">
-      <p:transition spd="med">
-        <p:fade/>
-      </p:transition>
-    </mc:Fallback>
-  </mc:AlternateContent>
-</p:sld>
-</file>
-
-<file path=ppt/slides/slide14.xml><?xml version="1.0" encoding="utf-8"?>
-<p:sld xmlns:a="http://schemas.openxmlformats.org/drawingml/2006/main" xmlns:r="http://schemas.openxmlformats.org/officeDocument/2006/relationships" xmlns:p="http://schemas.openxmlformats.org/presentationml/2006/main">
-  <p:cSld>
-    <p:spTree>
-      <p:nvGrpSpPr>
-        <p:cNvPr id="1" name=""/>
-        <p:cNvGrpSpPr/>
-        <p:nvPr/>
-      </p:nvGrpSpPr>
-      <p:grpSpPr>
-        <a:xfrm>
-          <a:off x="0" y="0"/>
-          <a:ext cx="0" cy="0"/>
-          <a:chOff x="0" y="0"/>
-          <a:chExt cx="0" cy="0"/>
-        </a:xfrm>
-      </p:grpSpPr>
-      <p:pic>
-        <p:nvPicPr>
-          <p:cNvPr id="5" name="Grafik 4"/>
-          <p:cNvPicPr>
-            <a:picLocks noChangeAspect="1"/>
-          </p:cNvPicPr>
-          <p:nvPr/>
-        </p:nvPicPr>
-        <p:blipFill rotWithShape="1">
-          <a:blip r:embed="rId2" cstate="print">
-            <a:extLst>
-              <a:ext uri="{28A0092B-C50C-407E-A947-70E740481C1C}">
-                <a14:useLocalDpi xmlns:a14="http://schemas.microsoft.com/office/drawing/2010/main" val="0"/>
-              </a:ext>
-            </a:extLst>
-          </a:blip>
-          <a:srcRect l="11698" t="20395" r="11757" b="33313"/>
-          <a:stretch/>
-        </p:blipFill>
-        <p:spPr>
-          <a:xfrm>
-            <a:off x="10480851" y="231038"/>
-            <a:ext cx="1392702" cy="401920"/>
-          </a:xfrm>
-          <a:prstGeom prst="rect">
-            <a:avLst/>
-          </a:prstGeom>
-        </p:spPr>
-      </p:pic>
-      <p:graphicFrame>
-        <p:nvGraphicFramePr>
-          <p:cNvPr id="4" name="Diagramm 3"/>
-          <p:cNvGraphicFramePr/>
-          <p:nvPr>
-            <p:extLst>
-              <p:ext uri="{D42A27DB-BD31-4B8C-83A1-F6EECF244321}">
-                <p14:modId xmlns:p14="http://schemas.microsoft.com/office/powerpoint/2010/main" val="1251809369"/>
-              </p:ext>
-            </p:extLst>
-          </p:nvPr>
-        </p:nvGraphicFramePr>
-        <p:xfrm>
-          <a:off x="500025" y="242702"/>
-          <a:ext cx="9703041" cy="324000"/>
-        </p:xfrm>
-        <a:graphic>
-          <a:graphicData uri="http://schemas.openxmlformats.org/drawingml/2006/diagram">
-            <dgm:relIds xmlns:dgm="http://schemas.openxmlformats.org/drawingml/2006/diagram" xmlns:r="http://schemas.openxmlformats.org/officeDocument/2006/relationships" r:dm="rId3" r:lo="rId4" r:qs="rId5" r:cs="rId6"/>
-          </a:graphicData>
-        </a:graphic>
-      </p:graphicFrame>
-      <p:sp>
-        <p:nvSpPr>
-          <p:cNvPr id="9" name="Textfeld 8"/>
-          <p:cNvSpPr txBox="1"/>
-          <p:nvPr/>
-        </p:nvSpPr>
-        <p:spPr>
-          <a:xfrm>
-            <a:off x="659259" y="684015"/>
-            <a:ext cx="4921540" cy="830997"/>
-          </a:xfrm>
-          <a:prstGeom prst="rect">
-            <a:avLst/>
-          </a:prstGeom>
-          <a:noFill/>
-        </p:spPr>
-        <p:txBody>
-          <a:bodyPr wrap="none" rtlCol="0">
-            <a:spAutoFit/>
-          </a:bodyPr>
-          <a:lstStyle/>
-          <a:p>
-            <a:r>
-              <a:rPr lang="de-DE" sz="2400" dirty="0">
-                <a:latin typeface="Corbel Light" panose="020B0303020204020204" pitchFamily="34" charset="0"/>
-              </a:rPr>
-              <a:t>Beispiel-Ansage</a:t>
-            </a:r>
-            <a:br>
-              <a:rPr lang="de-DE" sz="2400" dirty="0">
-                <a:latin typeface="Corbel Light" panose="020B0303020204020204" pitchFamily="34" charset="0"/>
-              </a:rPr>
-            </a:br>
-            <a:r>
-              <a:rPr lang="de-DE" sz="2400" dirty="0">
-                <a:latin typeface="Corbel Light" panose="020B0303020204020204" pitchFamily="34" charset="0"/>
-              </a:rPr>
-              <a:t>„</a:t>
-            </a:r>
-            <a:r>
-              <a:rPr lang="de-DE" sz="2400" b="1" dirty="0" err="1">
-                <a:latin typeface="Corbel Light" panose="020B0303020204020204" pitchFamily="34" charset="0"/>
-              </a:rPr>
-              <a:t>SAPlexa</a:t>
-            </a:r>
-            <a:r>
-              <a:rPr lang="de-DE" sz="2400" b="1" dirty="0">
-                <a:latin typeface="Corbel Light" panose="020B0303020204020204" pitchFamily="34" charset="0"/>
-              </a:rPr>
-              <a:t>, zeige mir die Bestellung 643.“</a:t>
-            </a:r>
-          </a:p>
-        </p:txBody>
-      </p:sp>
-      <p:pic>
-        <p:nvPicPr>
-          <p:cNvPr id="10" name="Grafik 9"/>
-          <p:cNvPicPr>
-            <a:picLocks noChangeAspect="1"/>
-          </p:cNvPicPr>
-          <p:nvPr/>
-        </p:nvPicPr>
-        <p:blipFill>
-          <a:blip r:embed="rId8">
-            <a:extLst>
-              <a:ext uri="{28A0092B-C50C-407E-A947-70E740481C1C}">
-                <a14:useLocalDpi xmlns:a14="http://schemas.microsoft.com/office/drawing/2010/main" val="0"/>
-              </a:ext>
-            </a:extLst>
-          </a:blip>
-          <a:stretch>
-            <a:fillRect/>
-          </a:stretch>
-        </p:blipFill>
-        <p:spPr>
-          <a:xfrm>
-            <a:off x="-228791" y="737177"/>
-            <a:ext cx="888050" cy="888050"/>
-          </a:xfrm>
-          <a:prstGeom prst="rect">
-            <a:avLst/>
-          </a:prstGeom>
-        </p:spPr>
-      </p:pic>
-      <p:pic>
-        <p:nvPicPr>
-          <p:cNvPr id="3" name="Grafik 2"/>
-          <p:cNvPicPr>
-            <a:picLocks noChangeAspect="1"/>
-          </p:cNvPicPr>
-          <p:nvPr/>
-        </p:nvPicPr>
-        <p:blipFill>
-          <a:blip r:embed="rId9"/>
-          <a:stretch>
-            <a:fillRect/>
-          </a:stretch>
-        </p:blipFill>
-        <p:spPr>
-          <a:xfrm>
-            <a:off x="1805965" y="1632325"/>
-            <a:ext cx="9525000" cy="5010150"/>
-          </a:xfrm>
-          <a:prstGeom prst="rect">
-            <a:avLst/>
-          </a:prstGeom>
-        </p:spPr>
-      </p:pic>
-    </p:spTree>
-    <p:extLst>
-      <p:ext uri="{BB962C8B-B14F-4D97-AF65-F5344CB8AC3E}">
-        <p14:creationId xmlns:p14="http://schemas.microsoft.com/office/powerpoint/2010/main" val="1374680937"/>
-      </p:ext>
-    </p:extLst>
-  </p:cSld>
-  <p:clrMapOvr>
-    <a:masterClrMapping/>
-  </p:clrMapOvr>
-  <mc:AlternateContent xmlns:mc="http://schemas.openxmlformats.org/markup-compatibility/2006" xmlns:p14="http://schemas.microsoft.com/office/powerpoint/2010/main">
-    <mc:Choice Requires="p14">
-      <p:transition spd="med" p14:dur="700">
-        <p:fade/>
-      </p:transition>
-    </mc:Choice>
-    <mc:Fallback xmlns="">
-      <p:transition spd="med">
-        <p:fade/>
-      </p:transition>
-    </mc:Fallback>
-  </mc:AlternateContent>
-</p:sld>
-</file>
-
-<file path=ppt/slides/slide2.xml><?xml version="1.0" encoding="utf-8"?>
 <p:sld xmlns:a="http://schemas.openxmlformats.org/drawingml/2006/main" xmlns:r="http://schemas.openxmlformats.org/officeDocument/2006/relationships" xmlns:p="http://schemas.openxmlformats.org/presentationml/2006/main" showMasterSp="0">
   <p:cSld>
     <p:bg>
@@ -32134,8 +36158,8 @@
         </p:nvSpPr>
         <p:spPr>
           <a:xfrm>
-            <a:off x="10289034" y="6435322"/>
-            <a:ext cx="1907510" cy="400110"/>
+            <a:off x="245378" y="6031297"/>
+            <a:ext cx="11946622" cy="400110"/>
           </a:xfrm>
           <a:prstGeom prst="rect">
             <a:avLst/>
@@ -32143,7 +36167,7 @@
           <a:noFill/>
         </p:spPr>
         <p:txBody>
-          <a:bodyPr wrap="none" rtlCol="0">
+          <a:bodyPr wrap="square" rtlCol="0">
             <a:spAutoFit/>
           </a:bodyPr>
           <a:lstStyle/>
@@ -32156,7 +36180,25 @@
                 </a:solidFill>
                 <a:latin typeface="Corbel Light" panose="020B0303020204020204" pitchFamily="34" charset="0"/>
               </a:rPr>
-              <a:t>Angelo Cavallaro</a:t>
+              <a:t>Adrian Gröne,  Angelo Cavallaro,  Daniel </a:t>
+            </a:r>
+            <a:r>
+              <a:rPr lang="de-DE" sz="2000" dirty="0" err="1">
+                <a:solidFill>
+                  <a:srgbClr val="385723"/>
+                </a:solidFill>
+                <a:latin typeface="Corbel Light" panose="020B0303020204020204" pitchFamily="34" charset="0"/>
+              </a:rPr>
+              <a:t>Kinzelmann</a:t>
+            </a:r>
+            <a:r>
+              <a:rPr lang="de-DE" sz="2000" dirty="0">
+                <a:solidFill>
+                  <a:srgbClr val="385723"/>
+                </a:solidFill>
+                <a:latin typeface="Corbel Light" panose="020B0303020204020204" pitchFamily="34" charset="0"/>
+              </a:rPr>
+              <a:t>,  Eduard Bresemler,  Hüseyin Kasarca </a:t>
             </a:r>
             <a:endParaRPr lang="de-DE" sz="2000" baseline="-25000" dirty="0">
               <a:solidFill>
@@ -32192,7 +36234,1305 @@
 </p:sld>
 </file>
 
-<file path=ppt/slides/slide3.xml><?xml version="1.0" encoding="utf-8"?>
+<file path=ppt/slides/slide10.xml><?xml version="1.0" encoding="utf-8"?>
+<p:sld xmlns:a="http://schemas.openxmlformats.org/drawingml/2006/main" xmlns:r="http://schemas.openxmlformats.org/officeDocument/2006/relationships" xmlns:p="http://schemas.openxmlformats.org/presentationml/2006/main">
+  <p:cSld>
+    <p:spTree>
+      <p:nvGrpSpPr>
+        <p:cNvPr id="1" name=""/>
+        <p:cNvGrpSpPr/>
+        <p:nvPr/>
+      </p:nvGrpSpPr>
+      <p:grpSpPr>
+        <a:xfrm>
+          <a:off x="0" y="0"/>
+          <a:ext cx="0" cy="0"/>
+          <a:chOff x="0" y="0"/>
+          <a:chExt cx="0" cy="0"/>
+        </a:xfrm>
+      </p:grpSpPr>
+      <p:pic>
+        <p:nvPicPr>
+          <p:cNvPr id="5" name="Grafik 4"/>
+          <p:cNvPicPr>
+            <a:picLocks noChangeAspect="1"/>
+          </p:cNvPicPr>
+          <p:nvPr/>
+        </p:nvPicPr>
+        <p:blipFill rotWithShape="1">
+          <a:blip r:embed="rId3" cstate="print">
+            <a:extLst>
+              <a:ext uri="{28A0092B-C50C-407E-A947-70E740481C1C}">
+                <a14:useLocalDpi xmlns:a14="http://schemas.microsoft.com/office/drawing/2010/main" val="0"/>
+              </a:ext>
+            </a:extLst>
+          </a:blip>
+          <a:srcRect l="11698" t="20395" r="11757" b="33313"/>
+          <a:stretch/>
+        </p:blipFill>
+        <p:spPr>
+          <a:xfrm>
+            <a:off x="10480851" y="231038"/>
+            <a:ext cx="1392702" cy="401920"/>
+          </a:xfrm>
+          <a:prstGeom prst="rect">
+            <a:avLst/>
+          </a:prstGeom>
+        </p:spPr>
+      </p:pic>
+      <p:graphicFrame>
+        <p:nvGraphicFramePr>
+          <p:cNvPr id="11" name="Diagramm 10"/>
+          <p:cNvGraphicFramePr/>
+          <p:nvPr>
+            <p:extLst>
+              <p:ext uri="{D42A27DB-BD31-4B8C-83A1-F6EECF244321}">
+                <p14:modId xmlns:p14="http://schemas.microsoft.com/office/powerpoint/2010/main" val="3255996249"/>
+              </p:ext>
+            </p:extLst>
+          </p:nvPr>
+        </p:nvGraphicFramePr>
+        <p:xfrm>
+          <a:off x="500026" y="242702"/>
+          <a:ext cx="9703041" cy="324000"/>
+        </p:xfrm>
+        <a:graphic>
+          <a:graphicData uri="http://schemas.openxmlformats.org/drawingml/2006/diagram">
+            <dgm:relIds xmlns:dgm="http://schemas.openxmlformats.org/drawingml/2006/diagram" xmlns:r="http://schemas.openxmlformats.org/officeDocument/2006/relationships" r:dm="rId4" r:lo="rId5" r:qs="rId6" r:cs="rId7"/>
+          </a:graphicData>
+        </a:graphic>
+      </p:graphicFrame>
+      <p:sp>
+        <p:nvSpPr>
+          <p:cNvPr id="2" name="Rechteck 1">
+            <a:extLst>
+              <a:ext uri="{FF2B5EF4-FFF2-40B4-BE49-F238E27FC236}">
+                <a16:creationId xmlns:a16="http://schemas.microsoft.com/office/drawing/2014/main" id="{C2A7ECBF-C5DE-4CA9-B4CD-A91748CBCA72}"/>
+              </a:ext>
+            </a:extLst>
+          </p:cNvPr>
+          <p:cNvSpPr/>
+          <p:nvPr/>
+        </p:nvSpPr>
+        <p:spPr>
+          <a:xfrm>
+            <a:off x="448574" y="836268"/>
+            <a:ext cx="6096000" cy="584775"/>
+          </a:xfrm>
+          <a:prstGeom prst="rect">
+            <a:avLst/>
+          </a:prstGeom>
+        </p:spPr>
+        <p:txBody>
+          <a:bodyPr>
+            <a:spAutoFit/>
+          </a:bodyPr>
+          <a:lstStyle/>
+          <a:p>
+            <a:r>
+              <a:rPr lang="de-DE" sz="3200" b="1" dirty="0">
+                <a:solidFill>
+                  <a:srgbClr val="385723"/>
+                </a:solidFill>
+                <a:latin typeface="Corbel Light" panose="020B0303020204020204" pitchFamily="34" charset="0"/>
+              </a:rPr>
+              <a:t>Live-Demo bzw. Video-Tutorial</a:t>
+            </a:r>
+          </a:p>
+        </p:txBody>
+      </p:sp>
+      <p:grpSp>
+        <p:nvGrpSpPr>
+          <p:cNvPr id="6" name="Gruppieren 5">
+            <a:extLst>
+              <a:ext uri="{FF2B5EF4-FFF2-40B4-BE49-F238E27FC236}">
+                <a16:creationId xmlns:a16="http://schemas.microsoft.com/office/drawing/2014/main" id="{B371BAC0-5BA1-4B87-80E1-57B59BF56634}"/>
+              </a:ext>
+            </a:extLst>
+          </p:cNvPr>
+          <p:cNvGrpSpPr/>
+          <p:nvPr/>
+        </p:nvGrpSpPr>
+        <p:grpSpPr>
+          <a:xfrm>
+            <a:off x="3442209" y="1910725"/>
+            <a:ext cx="3818674" cy="3551532"/>
+            <a:chOff x="4415852" y="962915"/>
+            <a:chExt cx="3818674" cy="3551532"/>
+          </a:xfrm>
+        </p:grpSpPr>
+        <p:sp>
+          <p:nvSpPr>
+            <p:cNvPr id="7" name="Textfeld 6">
+              <a:extLst>
+                <a:ext uri="{FF2B5EF4-FFF2-40B4-BE49-F238E27FC236}">
+                  <a16:creationId xmlns:a16="http://schemas.microsoft.com/office/drawing/2014/main" id="{89CFABDD-2CAC-4D72-81AB-E2C988198D8A}"/>
+                </a:ext>
+              </a:extLst>
+            </p:cNvPr>
+            <p:cNvSpPr txBox="1"/>
+            <p:nvPr/>
+          </p:nvSpPr>
+          <p:spPr>
+            <a:xfrm>
+              <a:off x="4415852" y="3067897"/>
+              <a:ext cx="3818674" cy="1446550"/>
+            </a:xfrm>
+            <a:prstGeom prst="rect">
+              <a:avLst/>
+            </a:prstGeom>
+            <a:noFill/>
+          </p:spPr>
+          <p:txBody>
+            <a:bodyPr wrap="none" rtlCol="0">
+              <a:spAutoFit/>
+            </a:bodyPr>
+            <a:lstStyle/>
+            <a:p>
+              <a:r>
+                <a:rPr lang="de-DE" sz="8800" b="1" dirty="0">
+                  <a:solidFill>
+                    <a:schemeClr val="accent6">
+                      <a:lumMod val="50000"/>
+                    </a:schemeClr>
+                  </a:solidFill>
+                  <a:latin typeface="Corbel Light" panose="020B0303020204020204" pitchFamily="34" charset="0"/>
+                </a:rPr>
+                <a:t>SAP</a:t>
+              </a:r>
+              <a:r>
+                <a:rPr lang="de-DE" sz="8800" dirty="0">
+                  <a:solidFill>
+                    <a:schemeClr val="accent6">
+                      <a:lumMod val="50000"/>
+                    </a:schemeClr>
+                  </a:solidFill>
+                  <a:latin typeface="Corbel Light" panose="020B0303020204020204" pitchFamily="34" charset="0"/>
+                </a:rPr>
+                <a:t>lexa</a:t>
+              </a:r>
+              <a:endParaRPr lang="de-DE" sz="8800" baseline="30000" dirty="0">
+                <a:solidFill>
+                  <a:schemeClr val="accent6">
+                    <a:lumMod val="50000"/>
+                  </a:schemeClr>
+                </a:solidFill>
+                <a:latin typeface="Corbel Light" panose="020B0303020204020204" pitchFamily="34" charset="0"/>
+              </a:endParaRPr>
+            </a:p>
+          </p:txBody>
+        </p:sp>
+        <p:grpSp>
+          <p:nvGrpSpPr>
+            <p:cNvPr id="9" name="Gruppieren 8">
+              <a:extLst>
+                <a:ext uri="{FF2B5EF4-FFF2-40B4-BE49-F238E27FC236}">
+                  <a16:creationId xmlns:a16="http://schemas.microsoft.com/office/drawing/2014/main" id="{99CFC72A-8C0D-465A-9688-4BEA0E775A9A}"/>
+                </a:ext>
+              </a:extLst>
+            </p:cNvPr>
+            <p:cNvGrpSpPr>
+              <a:grpSpLocks noChangeAspect="1"/>
+            </p:cNvGrpSpPr>
+            <p:nvPr/>
+          </p:nvGrpSpPr>
+          <p:grpSpPr>
+            <a:xfrm>
+              <a:off x="5857122" y="962915"/>
+              <a:ext cx="1226421" cy="2404404"/>
+              <a:chOff x="504026" y="1423447"/>
+              <a:chExt cx="1955800" cy="3834353"/>
+            </a:xfrm>
+          </p:grpSpPr>
+          <p:sp>
+            <p:nvSpPr>
+              <p:cNvPr id="10" name="Sehne 9">
+                <a:extLst>
+                  <a:ext uri="{FF2B5EF4-FFF2-40B4-BE49-F238E27FC236}">
+                    <a16:creationId xmlns:a16="http://schemas.microsoft.com/office/drawing/2014/main" id="{5AAA0212-4A0B-45F3-8A0A-FD20C5C2A58A}"/>
+                  </a:ext>
+                </a:extLst>
+              </p:cNvPr>
+              <p:cNvSpPr/>
+              <p:nvPr/>
+            </p:nvSpPr>
+            <p:spPr>
+              <a:xfrm>
+                <a:off x="504026" y="3365500"/>
+                <a:ext cx="1955800" cy="1892300"/>
+              </a:xfrm>
+              <a:prstGeom prst="chord">
+                <a:avLst>
+                  <a:gd name="adj1" fmla="val 21513034"/>
+                  <a:gd name="adj2" fmla="val 10864402"/>
+                </a:avLst>
+              </a:prstGeom>
+              <a:noFill/>
+              <a:ln w="38100">
+                <a:solidFill>
+                  <a:srgbClr val="385723"/>
+                </a:solidFill>
+              </a:ln>
+              <a:effectLst>
+                <a:outerShdw blurRad="63500" sx="102000" sy="102000" algn="ctr" rotWithShape="0">
+                  <a:prstClr val="black">
+                    <a:alpha val="40000"/>
+                  </a:prstClr>
+                </a:outerShdw>
+              </a:effectLst>
+            </p:spPr>
+            <p:style>
+              <a:lnRef idx="2">
+                <a:schemeClr val="accent1">
+                  <a:shade val="50000"/>
+                </a:schemeClr>
+              </a:lnRef>
+              <a:fillRef idx="1">
+                <a:schemeClr val="accent1"/>
+              </a:fillRef>
+              <a:effectRef idx="0">
+                <a:schemeClr val="accent1"/>
+              </a:effectRef>
+              <a:fontRef idx="minor">
+                <a:schemeClr val="lt1"/>
+              </a:fontRef>
+            </p:style>
+            <p:txBody>
+              <a:bodyPr rtlCol="0" anchor="ctr"/>
+              <a:lstStyle/>
+              <a:p>
+                <a:pPr algn="ctr"/>
+                <a:endParaRPr lang="de-DE"/>
+              </a:p>
+            </p:txBody>
+          </p:sp>
+          <p:grpSp>
+            <p:nvGrpSpPr>
+              <p:cNvPr id="12" name="Gruppieren 11">
+                <a:extLst>
+                  <a:ext uri="{FF2B5EF4-FFF2-40B4-BE49-F238E27FC236}">
+                    <a16:creationId xmlns:a16="http://schemas.microsoft.com/office/drawing/2014/main" id="{4AA08DA2-498D-4B0A-B038-15AA160B895B}"/>
+                  </a:ext>
+                </a:extLst>
+              </p:cNvPr>
+              <p:cNvGrpSpPr/>
+              <p:nvPr/>
+            </p:nvGrpSpPr>
+            <p:grpSpPr>
+              <a:xfrm>
+                <a:off x="605626" y="1423447"/>
+                <a:ext cx="1752600" cy="3713730"/>
+                <a:chOff x="681826" y="1626647"/>
+                <a:chExt cx="1752600" cy="3713730"/>
+              </a:xfrm>
+            </p:grpSpPr>
+            <p:sp>
+              <p:nvSpPr>
+                <p:cNvPr id="14" name="Abgerundetes Rechteck 7">
+                  <a:extLst>
+                    <a:ext uri="{FF2B5EF4-FFF2-40B4-BE49-F238E27FC236}">
+                      <a16:creationId xmlns:a16="http://schemas.microsoft.com/office/drawing/2014/main" id="{3BA71D78-A350-4E7E-AF14-E25EC05B3B64}"/>
+                    </a:ext>
+                  </a:extLst>
+                </p:cNvPr>
+                <p:cNvSpPr/>
+                <p:nvPr/>
+              </p:nvSpPr>
+              <p:spPr>
+                <a:xfrm>
+                  <a:off x="681826" y="1626647"/>
+                  <a:ext cx="1752600" cy="3713730"/>
+                </a:xfrm>
+                <a:prstGeom prst="roundRect">
+                  <a:avLst>
+                    <a:gd name="adj" fmla="val 50000"/>
+                  </a:avLst>
+                </a:prstGeom>
+                <a:noFill/>
+                <a:ln w="57150">
+                  <a:solidFill>
+                    <a:srgbClr val="385723"/>
+                  </a:solidFill>
+                </a:ln>
+                <a:effectLst>
+                  <a:outerShdw blurRad="63500" sx="102000" sy="102000" algn="ctr" rotWithShape="0">
+                    <a:prstClr val="black">
+                      <a:alpha val="40000"/>
+                    </a:prstClr>
+                  </a:outerShdw>
+                </a:effectLst>
+              </p:spPr>
+              <p:style>
+                <a:lnRef idx="2">
+                  <a:schemeClr val="accent1">
+                    <a:shade val="50000"/>
+                  </a:schemeClr>
+                </a:lnRef>
+                <a:fillRef idx="1">
+                  <a:schemeClr val="accent1"/>
+                </a:fillRef>
+                <a:effectRef idx="0">
+                  <a:schemeClr val="accent1"/>
+                </a:effectRef>
+                <a:fontRef idx="minor">
+                  <a:schemeClr val="lt1"/>
+                </a:fontRef>
+              </p:style>
+              <p:txBody>
+                <a:bodyPr rtlCol="0" anchor="ctr"/>
+                <a:lstStyle/>
+                <a:p>
+                  <a:pPr algn="ctr"/>
+                  <a:endParaRPr lang="de-DE"/>
+                </a:p>
+              </p:txBody>
+            </p:sp>
+            <p:cxnSp>
+              <p:nvCxnSpPr>
+                <p:cNvPr id="15" name="Gerader Verbinder 14">
+                  <a:extLst>
+                    <a:ext uri="{FF2B5EF4-FFF2-40B4-BE49-F238E27FC236}">
+                      <a16:creationId xmlns:a16="http://schemas.microsoft.com/office/drawing/2014/main" id="{D4D2C3F8-E6E7-4CCB-AF64-779B6DCFB27A}"/>
+                    </a:ext>
+                  </a:extLst>
+                </p:cNvPr>
+                <p:cNvCxnSpPr/>
+                <p:nvPr/>
+              </p:nvCxnSpPr>
+              <p:spPr>
+                <a:xfrm>
+                  <a:off x="681826" y="2621662"/>
+                  <a:ext cx="1752600" cy="0"/>
+                </a:xfrm>
+                <a:prstGeom prst="line">
+                  <a:avLst/>
+                </a:prstGeom>
+                <a:ln w="38100">
+                  <a:solidFill>
+                    <a:srgbClr val="385723"/>
+                  </a:solidFill>
+                </a:ln>
+              </p:spPr>
+              <p:style>
+                <a:lnRef idx="1">
+                  <a:schemeClr val="accent1"/>
+                </a:lnRef>
+                <a:fillRef idx="0">
+                  <a:schemeClr val="accent1"/>
+                </a:fillRef>
+                <a:effectRef idx="0">
+                  <a:schemeClr val="accent1"/>
+                </a:effectRef>
+                <a:fontRef idx="minor">
+                  <a:schemeClr val="tx1"/>
+                </a:fontRef>
+              </p:style>
+            </p:cxnSp>
+            <p:cxnSp>
+              <p:nvCxnSpPr>
+                <p:cNvPr id="16" name="Gerader Verbinder 15">
+                  <a:extLst>
+                    <a:ext uri="{FF2B5EF4-FFF2-40B4-BE49-F238E27FC236}">
+                      <a16:creationId xmlns:a16="http://schemas.microsoft.com/office/drawing/2014/main" id="{9C00B2A1-F27C-4D62-8437-1A0A971BFC53}"/>
+                    </a:ext>
+                  </a:extLst>
+                </p:cNvPr>
+                <p:cNvCxnSpPr/>
+                <p:nvPr/>
+              </p:nvCxnSpPr>
+              <p:spPr>
+                <a:xfrm>
+                  <a:off x="681826" y="2926462"/>
+                  <a:ext cx="1752600" cy="0"/>
+                </a:xfrm>
+                <a:prstGeom prst="line">
+                  <a:avLst/>
+                </a:prstGeom>
+                <a:ln w="38100">
+                  <a:solidFill>
+                    <a:srgbClr val="385723"/>
+                  </a:solidFill>
+                </a:ln>
+              </p:spPr>
+              <p:style>
+                <a:lnRef idx="1">
+                  <a:schemeClr val="accent1"/>
+                </a:lnRef>
+                <a:fillRef idx="0">
+                  <a:schemeClr val="accent1"/>
+                </a:fillRef>
+                <a:effectRef idx="0">
+                  <a:schemeClr val="accent1"/>
+                </a:effectRef>
+                <a:fontRef idx="minor">
+                  <a:schemeClr val="tx1"/>
+                </a:fontRef>
+              </p:style>
+            </p:cxnSp>
+            <p:cxnSp>
+              <p:nvCxnSpPr>
+                <p:cNvPr id="17" name="Gerader Verbinder 16">
+                  <a:extLst>
+                    <a:ext uri="{FF2B5EF4-FFF2-40B4-BE49-F238E27FC236}">
+                      <a16:creationId xmlns:a16="http://schemas.microsoft.com/office/drawing/2014/main" id="{5DA1D4A8-F9C3-42B5-8151-FE254838DEED}"/>
+                    </a:ext>
+                  </a:extLst>
+                </p:cNvPr>
+                <p:cNvCxnSpPr/>
+                <p:nvPr/>
+              </p:nvCxnSpPr>
+              <p:spPr>
+                <a:xfrm>
+                  <a:off x="681826" y="3205862"/>
+                  <a:ext cx="1752600" cy="0"/>
+                </a:xfrm>
+                <a:prstGeom prst="line">
+                  <a:avLst/>
+                </a:prstGeom>
+                <a:ln w="38100">
+                  <a:solidFill>
+                    <a:srgbClr val="385723"/>
+                  </a:solidFill>
+                </a:ln>
+              </p:spPr>
+              <p:style>
+                <a:lnRef idx="1">
+                  <a:schemeClr val="accent1"/>
+                </a:lnRef>
+                <a:fillRef idx="0">
+                  <a:schemeClr val="accent1"/>
+                </a:fillRef>
+                <a:effectRef idx="0">
+                  <a:schemeClr val="accent1"/>
+                </a:effectRef>
+                <a:fontRef idx="minor">
+                  <a:schemeClr val="tx1"/>
+                </a:fontRef>
+              </p:style>
+            </p:cxnSp>
+            <p:sp>
+              <p:nvSpPr>
+                <p:cNvPr id="18" name="Rechteck 17">
+                  <a:extLst>
+                    <a:ext uri="{FF2B5EF4-FFF2-40B4-BE49-F238E27FC236}">
+                      <a16:creationId xmlns:a16="http://schemas.microsoft.com/office/drawing/2014/main" id="{27C12314-8079-48C2-8C56-87E04CEA4652}"/>
+                    </a:ext>
+                  </a:extLst>
+                </p:cNvPr>
+                <p:cNvSpPr/>
+                <p:nvPr/>
+              </p:nvSpPr>
+              <p:spPr>
+                <a:xfrm>
+                  <a:off x="1282699" y="2402351"/>
+                  <a:ext cx="533401" cy="1023004"/>
+                </a:xfrm>
+                <a:prstGeom prst="rect">
+                  <a:avLst/>
+                </a:prstGeom>
+                <a:solidFill>
+                  <a:schemeClr val="bg1"/>
+                </a:solidFill>
+                <a:ln>
+                  <a:solidFill>
+                    <a:schemeClr val="bg1"/>
+                  </a:solidFill>
+                </a:ln>
+              </p:spPr>
+              <p:style>
+                <a:lnRef idx="2">
+                  <a:schemeClr val="accent1">
+                    <a:shade val="50000"/>
+                  </a:schemeClr>
+                </a:lnRef>
+                <a:fillRef idx="1">
+                  <a:schemeClr val="accent1"/>
+                </a:fillRef>
+                <a:effectRef idx="0">
+                  <a:schemeClr val="accent1"/>
+                </a:effectRef>
+                <a:fontRef idx="minor">
+                  <a:schemeClr val="lt1"/>
+                </a:fontRef>
+              </p:style>
+              <p:txBody>
+                <a:bodyPr rtlCol="0" anchor="ctr"/>
+                <a:lstStyle/>
+                <a:p>
+                  <a:pPr algn="ctr"/>
+                  <a:endParaRPr lang="de-DE"/>
+                </a:p>
+              </p:txBody>
+            </p:sp>
+          </p:grpSp>
+          <p:sp>
+            <p:nvSpPr>
+              <p:cNvPr id="13" name="Rechteck 12">
+                <a:extLst>
+                  <a:ext uri="{FF2B5EF4-FFF2-40B4-BE49-F238E27FC236}">
+                    <a16:creationId xmlns:a16="http://schemas.microsoft.com/office/drawing/2014/main" id="{C3B64E96-2A7A-45B8-A245-5F1F92CF302C}"/>
+                  </a:ext>
+                </a:extLst>
+              </p:cNvPr>
+              <p:cNvSpPr/>
+              <p:nvPr/>
+            </p:nvSpPr>
+            <p:spPr>
+              <a:xfrm>
+                <a:off x="672216" y="4191626"/>
+                <a:ext cx="1610203" cy="172471"/>
+              </a:xfrm>
+              <a:prstGeom prst="rect">
+                <a:avLst/>
+              </a:prstGeom>
+              <a:solidFill>
+                <a:schemeClr val="bg1"/>
+              </a:solidFill>
+              <a:ln>
+                <a:solidFill>
+                  <a:schemeClr val="bg1"/>
+                </a:solidFill>
+              </a:ln>
+              <a:effectLst>
+                <a:softEdge rad="12700"/>
+              </a:effectLst>
+            </p:spPr>
+            <p:style>
+              <a:lnRef idx="2">
+                <a:schemeClr val="accent1">
+                  <a:shade val="50000"/>
+                </a:schemeClr>
+              </a:lnRef>
+              <a:fillRef idx="1">
+                <a:schemeClr val="accent1"/>
+              </a:fillRef>
+              <a:effectRef idx="0">
+                <a:schemeClr val="accent1"/>
+              </a:effectRef>
+              <a:fontRef idx="minor">
+                <a:schemeClr val="lt1"/>
+              </a:fontRef>
+            </p:style>
+            <p:txBody>
+              <a:bodyPr rtlCol="0" anchor="ctr"/>
+              <a:lstStyle/>
+              <a:p>
+                <a:pPr algn="ctr"/>
+                <a:endParaRPr lang="de-DE"/>
+              </a:p>
+            </p:txBody>
+          </p:sp>
+        </p:grpSp>
+      </p:grpSp>
+    </p:spTree>
+    <p:extLst>
+      <p:ext uri="{BB962C8B-B14F-4D97-AF65-F5344CB8AC3E}">
+        <p14:creationId xmlns:p14="http://schemas.microsoft.com/office/powerpoint/2010/main" val="978392592"/>
+      </p:ext>
+    </p:extLst>
+  </p:cSld>
+  <p:clrMapOvr>
+    <a:masterClrMapping/>
+  </p:clrMapOvr>
+  <mc:AlternateContent xmlns:mc="http://schemas.openxmlformats.org/markup-compatibility/2006" xmlns:p14="http://schemas.microsoft.com/office/powerpoint/2010/main">
+    <mc:Choice Requires="p14">
+      <p:transition spd="med" p14:dur="700">
+        <p:fade/>
+      </p:transition>
+    </mc:Choice>
+    <mc:Fallback xmlns="">
+      <p:transition spd="med">
+        <p:fade/>
+      </p:transition>
+    </mc:Fallback>
+  </mc:AlternateContent>
+</p:sld>
+</file>
+
+<file path=ppt/slides/slide11.xml><?xml version="1.0" encoding="utf-8"?>
+<p:sld xmlns:a="http://schemas.openxmlformats.org/drawingml/2006/main" xmlns:r="http://schemas.openxmlformats.org/officeDocument/2006/relationships" xmlns:p="http://schemas.openxmlformats.org/presentationml/2006/main">
+  <p:cSld>
+    <p:spTree>
+      <p:nvGrpSpPr>
+        <p:cNvPr id="1" name=""/>
+        <p:cNvGrpSpPr/>
+        <p:nvPr/>
+      </p:nvGrpSpPr>
+      <p:grpSpPr>
+        <a:xfrm>
+          <a:off x="0" y="0"/>
+          <a:ext cx="0" cy="0"/>
+          <a:chOff x="0" y="0"/>
+          <a:chExt cx="0" cy="0"/>
+        </a:xfrm>
+      </p:grpSpPr>
+      <p:pic>
+        <p:nvPicPr>
+          <p:cNvPr id="5" name="Grafik 4"/>
+          <p:cNvPicPr>
+            <a:picLocks noChangeAspect="1"/>
+          </p:cNvPicPr>
+          <p:nvPr/>
+        </p:nvPicPr>
+        <p:blipFill rotWithShape="1">
+          <a:blip r:embed="rId3" cstate="print">
+            <a:extLst>
+              <a:ext uri="{28A0092B-C50C-407E-A947-70E740481C1C}">
+                <a14:useLocalDpi xmlns:a14="http://schemas.microsoft.com/office/drawing/2010/main" val="0"/>
+              </a:ext>
+            </a:extLst>
+          </a:blip>
+          <a:srcRect l="11698" t="20395" r="11757" b="33313"/>
+          <a:stretch/>
+        </p:blipFill>
+        <p:spPr>
+          <a:xfrm>
+            <a:off x="10480851" y="231038"/>
+            <a:ext cx="1392702" cy="401920"/>
+          </a:xfrm>
+          <a:prstGeom prst="rect">
+            <a:avLst/>
+          </a:prstGeom>
+        </p:spPr>
+      </p:pic>
+      <p:graphicFrame>
+        <p:nvGraphicFramePr>
+          <p:cNvPr id="11" name="Diagramm 10"/>
+          <p:cNvGraphicFramePr/>
+          <p:nvPr>
+            <p:extLst/>
+          </p:nvPr>
+        </p:nvGraphicFramePr>
+        <p:xfrm>
+          <a:off x="500026" y="242702"/>
+          <a:ext cx="9703041" cy="324000"/>
+        </p:xfrm>
+        <a:graphic>
+          <a:graphicData uri="http://schemas.openxmlformats.org/drawingml/2006/diagram">
+            <dgm:relIds xmlns:dgm="http://schemas.openxmlformats.org/drawingml/2006/diagram" xmlns:r="http://schemas.openxmlformats.org/officeDocument/2006/relationships" r:dm="rId4" r:lo="rId5" r:qs="rId6" r:cs="rId7"/>
+          </a:graphicData>
+        </a:graphic>
+      </p:graphicFrame>
+      <p:sp>
+        <p:nvSpPr>
+          <p:cNvPr id="2" name="Rechteck 1">
+            <a:extLst>
+              <a:ext uri="{FF2B5EF4-FFF2-40B4-BE49-F238E27FC236}">
+                <a16:creationId xmlns:a16="http://schemas.microsoft.com/office/drawing/2014/main" id="{C2A7ECBF-C5DE-4CA9-B4CD-A91748CBCA72}"/>
+              </a:ext>
+            </a:extLst>
+          </p:cNvPr>
+          <p:cNvSpPr/>
+          <p:nvPr/>
+        </p:nvSpPr>
+        <p:spPr>
+          <a:xfrm>
+            <a:off x="448574" y="836268"/>
+            <a:ext cx="6096000" cy="584775"/>
+          </a:xfrm>
+          <a:prstGeom prst="rect">
+            <a:avLst/>
+          </a:prstGeom>
+        </p:spPr>
+        <p:txBody>
+          <a:bodyPr>
+            <a:spAutoFit/>
+          </a:bodyPr>
+          <a:lstStyle/>
+          <a:p>
+            <a:r>
+              <a:rPr lang="de-DE" sz="3200" b="1" dirty="0">
+                <a:solidFill>
+                  <a:srgbClr val="385723"/>
+                </a:solidFill>
+                <a:latin typeface="Corbel Light" panose="020B0303020204020204" pitchFamily="34" charset="0"/>
+              </a:rPr>
+              <a:t>Live-Demo bzw. Video-Tutorial</a:t>
+            </a:r>
+          </a:p>
+        </p:txBody>
+      </p:sp>
+      <p:sp>
+        <p:nvSpPr>
+          <p:cNvPr id="3" name="Textfeld 2">
+            <a:extLst>
+              <a:ext uri="{FF2B5EF4-FFF2-40B4-BE49-F238E27FC236}">
+                <a16:creationId xmlns:a16="http://schemas.microsoft.com/office/drawing/2014/main" id="{E8CB6BC8-2C03-4CD0-8603-25F596BC135B}"/>
+              </a:ext>
+            </a:extLst>
+          </p:cNvPr>
+          <p:cNvSpPr txBox="1"/>
+          <p:nvPr/>
+        </p:nvSpPr>
+        <p:spPr>
+          <a:xfrm>
+            <a:off x="3358844" y="2720197"/>
+            <a:ext cx="3985403" cy="369332"/>
+          </a:xfrm>
+          <a:prstGeom prst="rect">
+            <a:avLst/>
+          </a:prstGeom>
+          <a:noFill/>
+        </p:spPr>
+        <p:txBody>
+          <a:bodyPr wrap="square" rtlCol="0">
+            <a:spAutoFit/>
+          </a:bodyPr>
+          <a:lstStyle/>
+          <a:p>
+            <a:r>
+              <a:rPr lang="de-DE" dirty="0"/>
+              <a:t>BACKUP Video für Live Demo</a:t>
+            </a:r>
+          </a:p>
+        </p:txBody>
+      </p:sp>
+    </p:spTree>
+    <p:extLst>
+      <p:ext uri="{BB962C8B-B14F-4D97-AF65-F5344CB8AC3E}">
+        <p14:creationId xmlns:p14="http://schemas.microsoft.com/office/powerpoint/2010/main" val="2035160786"/>
+      </p:ext>
+    </p:extLst>
+  </p:cSld>
+  <p:clrMapOvr>
+    <a:masterClrMapping/>
+  </p:clrMapOvr>
+  <mc:AlternateContent xmlns:mc="http://schemas.openxmlformats.org/markup-compatibility/2006" xmlns:p14="http://schemas.microsoft.com/office/powerpoint/2010/main">
+    <mc:Choice Requires="p14">
+      <p:transition spd="med" p14:dur="700">
+        <p:fade/>
+      </p:transition>
+    </mc:Choice>
+    <mc:Fallback xmlns="">
+      <p:transition spd="med">
+        <p:fade/>
+      </p:transition>
+    </mc:Fallback>
+  </mc:AlternateContent>
+</p:sld>
+</file>
+
+<file path=ppt/slides/slide12.xml><?xml version="1.0" encoding="utf-8"?>
+<p:sld xmlns:a="http://schemas.openxmlformats.org/drawingml/2006/main" xmlns:r="http://schemas.openxmlformats.org/officeDocument/2006/relationships" xmlns:p="http://schemas.openxmlformats.org/presentationml/2006/main">
+  <p:cSld>
+    <p:spTree>
+      <p:nvGrpSpPr>
+        <p:cNvPr id="1" name=""/>
+        <p:cNvGrpSpPr/>
+        <p:nvPr/>
+      </p:nvGrpSpPr>
+      <p:grpSpPr>
+        <a:xfrm>
+          <a:off x="0" y="0"/>
+          <a:ext cx="0" cy="0"/>
+          <a:chOff x="0" y="0"/>
+          <a:chExt cx="0" cy="0"/>
+        </a:xfrm>
+      </p:grpSpPr>
+      <p:pic>
+        <p:nvPicPr>
+          <p:cNvPr id="5" name="Grafik 4"/>
+          <p:cNvPicPr>
+            <a:picLocks noChangeAspect="1"/>
+          </p:cNvPicPr>
+          <p:nvPr/>
+        </p:nvPicPr>
+        <p:blipFill rotWithShape="1">
+          <a:blip r:embed="rId3" cstate="print">
+            <a:extLst>
+              <a:ext uri="{28A0092B-C50C-407E-A947-70E740481C1C}">
+                <a14:useLocalDpi xmlns:a14="http://schemas.microsoft.com/office/drawing/2010/main" val="0"/>
+              </a:ext>
+            </a:extLst>
+          </a:blip>
+          <a:srcRect l="11698" t="20395" r="11757" b="33313"/>
+          <a:stretch/>
+        </p:blipFill>
+        <p:spPr>
+          <a:xfrm>
+            <a:off x="10480851" y="231038"/>
+            <a:ext cx="1392702" cy="401920"/>
+          </a:xfrm>
+          <a:prstGeom prst="rect">
+            <a:avLst/>
+          </a:prstGeom>
+        </p:spPr>
+      </p:pic>
+      <p:graphicFrame>
+        <p:nvGraphicFramePr>
+          <p:cNvPr id="11" name="Diagramm 10"/>
+          <p:cNvGraphicFramePr/>
+          <p:nvPr>
+            <p:extLst>
+              <p:ext uri="{D42A27DB-BD31-4B8C-83A1-F6EECF244321}">
+                <p14:modId xmlns:p14="http://schemas.microsoft.com/office/powerpoint/2010/main" val="1647862760"/>
+              </p:ext>
+            </p:extLst>
+          </p:nvPr>
+        </p:nvGraphicFramePr>
+        <p:xfrm>
+          <a:off x="500026" y="242702"/>
+          <a:ext cx="9703041" cy="324000"/>
+        </p:xfrm>
+        <a:graphic>
+          <a:graphicData uri="http://schemas.openxmlformats.org/drawingml/2006/diagram">
+            <dgm:relIds xmlns:dgm="http://schemas.openxmlformats.org/drawingml/2006/diagram" xmlns:r="http://schemas.openxmlformats.org/officeDocument/2006/relationships" r:dm="rId4" r:lo="rId5" r:qs="rId6" r:cs="rId7"/>
+          </a:graphicData>
+        </a:graphic>
+      </p:graphicFrame>
+      <p:sp>
+        <p:nvSpPr>
+          <p:cNvPr id="2" name="Rechteck 1">
+            <a:extLst>
+              <a:ext uri="{FF2B5EF4-FFF2-40B4-BE49-F238E27FC236}">
+                <a16:creationId xmlns:a16="http://schemas.microsoft.com/office/drawing/2014/main" id="{C2A7ECBF-C5DE-4CA9-B4CD-A91748CBCA72}"/>
+              </a:ext>
+            </a:extLst>
+          </p:cNvPr>
+          <p:cNvSpPr/>
+          <p:nvPr/>
+        </p:nvSpPr>
+        <p:spPr>
+          <a:xfrm>
+            <a:off x="448573" y="836268"/>
+            <a:ext cx="11007305" cy="1077218"/>
+          </a:xfrm>
+          <a:prstGeom prst="rect">
+            <a:avLst/>
+          </a:prstGeom>
+        </p:spPr>
+        <p:txBody>
+          <a:bodyPr wrap="square">
+            <a:spAutoFit/>
+          </a:bodyPr>
+          <a:lstStyle/>
+          <a:p>
+            <a:r>
+              <a:rPr lang="de-DE" sz="3200" b="1" dirty="0">
+                <a:solidFill>
+                  <a:srgbClr val="385723"/>
+                </a:solidFill>
+                <a:latin typeface="Corbel Light" panose="020B0303020204020204" pitchFamily="34" charset="0"/>
+              </a:rPr>
+              <a:t>Projektziele im Anschluss (Herr </a:t>
+            </a:r>
+            <a:r>
+              <a:rPr lang="de-DE" sz="3200" b="1" dirty="0" err="1">
+                <a:solidFill>
+                  <a:srgbClr val="385723"/>
+                </a:solidFill>
+                <a:latin typeface="Corbel Light" panose="020B0303020204020204" pitchFamily="34" charset="0"/>
+              </a:rPr>
+              <a:t>Stauß</a:t>
+            </a:r>
+            <a:r>
+              <a:rPr lang="de-DE" sz="3200" b="1" dirty="0">
+                <a:solidFill>
+                  <a:srgbClr val="385723"/>
+                </a:solidFill>
+                <a:latin typeface="Corbel Light" panose="020B0303020204020204" pitchFamily="34" charset="0"/>
+              </a:rPr>
+              <a:t> ? Grundsätzliche Optimierung und Erweiterung der Funktionen?)</a:t>
+            </a:r>
+            <a:endParaRPr lang="de-DE" sz="3200" b="1" baseline="-25000" dirty="0">
+              <a:solidFill>
+                <a:srgbClr val="385723"/>
+              </a:solidFill>
+              <a:latin typeface="Corbel Light" panose="020B0303020204020204" pitchFamily="34" charset="0"/>
+            </a:endParaRPr>
+          </a:p>
+        </p:txBody>
+      </p:sp>
+    </p:spTree>
+    <p:extLst>
+      <p:ext uri="{BB962C8B-B14F-4D97-AF65-F5344CB8AC3E}">
+        <p14:creationId xmlns:p14="http://schemas.microsoft.com/office/powerpoint/2010/main" val="3338334478"/>
+      </p:ext>
+    </p:extLst>
+  </p:cSld>
+  <p:clrMapOvr>
+    <a:masterClrMapping/>
+  </p:clrMapOvr>
+  <mc:AlternateContent xmlns:mc="http://schemas.openxmlformats.org/markup-compatibility/2006" xmlns:p14="http://schemas.microsoft.com/office/powerpoint/2010/main">
+    <mc:Choice Requires="p14">
+      <p:transition spd="med" p14:dur="700">
+        <p:fade/>
+      </p:transition>
+    </mc:Choice>
+    <mc:Fallback xmlns="">
+      <p:transition spd="med">
+        <p:fade/>
+      </p:transition>
+    </mc:Fallback>
+  </mc:AlternateContent>
+</p:sld>
+</file>
+
+<file path=ppt/slides/slide13.xml><?xml version="1.0" encoding="utf-8"?>
+<p:sld xmlns:a="http://schemas.openxmlformats.org/drawingml/2006/main" xmlns:r="http://schemas.openxmlformats.org/officeDocument/2006/relationships" xmlns:p="http://schemas.openxmlformats.org/presentationml/2006/main">
+  <p:cSld>
+    <p:spTree>
+      <p:nvGrpSpPr>
+        <p:cNvPr id="1" name=""/>
+        <p:cNvGrpSpPr/>
+        <p:nvPr/>
+      </p:nvGrpSpPr>
+      <p:grpSpPr>
+        <a:xfrm>
+          <a:off x="0" y="0"/>
+          <a:ext cx="0" cy="0"/>
+          <a:chOff x="0" y="0"/>
+          <a:chExt cx="0" cy="0"/>
+        </a:xfrm>
+      </p:grpSpPr>
+      <p:pic>
+        <p:nvPicPr>
+          <p:cNvPr id="4" name="Grafik 3"/>
+          <p:cNvPicPr>
+            <a:picLocks noChangeAspect="1"/>
+          </p:cNvPicPr>
+          <p:nvPr/>
+        </p:nvPicPr>
+        <p:blipFill rotWithShape="1">
+          <a:blip r:embed="rId2"/>
+          <a:srcRect l="671" t="16724" r="6642" b="27769"/>
+          <a:stretch/>
+        </p:blipFill>
+        <p:spPr>
+          <a:xfrm>
+            <a:off x="233979" y="1630681"/>
+            <a:ext cx="11776734" cy="4110478"/>
+          </a:xfrm>
+          <a:prstGeom prst="rect">
+            <a:avLst/>
+          </a:prstGeom>
+          <a:effectLst>
+            <a:outerShdw blurRad="63500" sx="101000" sy="101000" algn="ctr" rotWithShape="0">
+              <a:prstClr val="black">
+                <a:alpha val="25000"/>
+              </a:prstClr>
+            </a:outerShdw>
+          </a:effectLst>
+        </p:spPr>
+      </p:pic>
+      <p:sp>
+        <p:nvSpPr>
+          <p:cNvPr id="6" name="Textfeld 5"/>
+          <p:cNvSpPr txBox="1"/>
+          <p:nvPr/>
+        </p:nvSpPr>
+        <p:spPr>
+          <a:xfrm>
+            <a:off x="389936" y="632958"/>
+            <a:ext cx="5930663" cy="646331"/>
+          </a:xfrm>
+          <a:prstGeom prst="rect">
+            <a:avLst/>
+          </a:prstGeom>
+          <a:noFill/>
+        </p:spPr>
+        <p:txBody>
+          <a:bodyPr wrap="none" rtlCol="0">
+            <a:spAutoFit/>
+          </a:bodyPr>
+          <a:lstStyle/>
+          <a:p>
+            <a:r>
+              <a:rPr lang="de-DE" sz="3600" dirty="0">
+                <a:solidFill>
+                  <a:srgbClr val="385723"/>
+                </a:solidFill>
+                <a:latin typeface="Corbel Light" panose="020B0303020204020204" pitchFamily="34" charset="0"/>
+              </a:rPr>
+              <a:t>MIGO – Wareneingang buchen</a:t>
+            </a:r>
+            <a:endParaRPr lang="de-DE" sz="3600" baseline="-25000" dirty="0">
+              <a:solidFill>
+                <a:srgbClr val="385723"/>
+              </a:solidFill>
+              <a:latin typeface="Corbel Light" panose="020B0303020204020204" pitchFamily="34" charset="0"/>
+            </a:endParaRPr>
+          </a:p>
+        </p:txBody>
+      </p:sp>
+      <p:pic>
+        <p:nvPicPr>
+          <p:cNvPr id="7" name="Grafik 6"/>
+          <p:cNvPicPr>
+            <a:picLocks noChangeAspect="1"/>
+          </p:cNvPicPr>
+          <p:nvPr/>
+        </p:nvPicPr>
+        <p:blipFill rotWithShape="1">
+          <a:blip r:embed="rId3" cstate="print">
+            <a:extLst>
+              <a:ext uri="{28A0092B-C50C-407E-A947-70E740481C1C}">
+                <a14:useLocalDpi xmlns:a14="http://schemas.microsoft.com/office/drawing/2010/main" val="0"/>
+              </a:ext>
+            </a:extLst>
+          </a:blip>
+          <a:srcRect l="11698" t="20395" r="11757" b="33313"/>
+          <a:stretch/>
+        </p:blipFill>
+        <p:spPr>
+          <a:xfrm>
+            <a:off x="10480851" y="231038"/>
+            <a:ext cx="1392702" cy="401920"/>
+          </a:xfrm>
+          <a:prstGeom prst="rect">
+            <a:avLst/>
+          </a:prstGeom>
+        </p:spPr>
+      </p:pic>
+      <p:graphicFrame>
+        <p:nvGraphicFramePr>
+          <p:cNvPr id="8" name="Diagramm 7"/>
+          <p:cNvGraphicFramePr/>
+          <p:nvPr>
+            <p:extLst>
+              <p:ext uri="{D42A27DB-BD31-4B8C-83A1-F6EECF244321}">
+                <p14:modId xmlns:p14="http://schemas.microsoft.com/office/powerpoint/2010/main" val="2178379743"/>
+              </p:ext>
+            </p:extLst>
+          </p:nvPr>
+        </p:nvGraphicFramePr>
+        <p:xfrm>
+          <a:off x="500026" y="242702"/>
+          <a:ext cx="9703041" cy="324000"/>
+        </p:xfrm>
+        <a:graphic>
+          <a:graphicData uri="http://schemas.openxmlformats.org/drawingml/2006/diagram">
+            <dgm:relIds xmlns:dgm="http://schemas.openxmlformats.org/drawingml/2006/diagram" xmlns:r="http://schemas.openxmlformats.org/officeDocument/2006/relationships" r:dm="rId4" r:lo="rId5" r:qs="rId6" r:cs="rId7"/>
+          </a:graphicData>
+        </a:graphic>
+      </p:graphicFrame>
+    </p:spTree>
+    <p:extLst>
+      <p:ext uri="{BB962C8B-B14F-4D97-AF65-F5344CB8AC3E}">
+        <p14:creationId xmlns:p14="http://schemas.microsoft.com/office/powerpoint/2010/main" val="169311735"/>
+      </p:ext>
+    </p:extLst>
+  </p:cSld>
+  <p:clrMapOvr>
+    <a:masterClrMapping/>
+  </p:clrMapOvr>
+  <mc:AlternateContent xmlns:mc="http://schemas.openxmlformats.org/markup-compatibility/2006" xmlns:p14="http://schemas.microsoft.com/office/powerpoint/2010/main">
+    <mc:Choice Requires="p14">
+      <p:transition spd="med" p14:dur="700">
+        <p:fade/>
+      </p:transition>
+    </mc:Choice>
+    <mc:Fallback xmlns="">
+      <p:transition spd="med">
+        <p:fade/>
+      </p:transition>
+    </mc:Fallback>
+  </mc:AlternateContent>
+</p:sld>
+</file>
+
+<file path=ppt/slides/slide14.xml><?xml version="1.0" encoding="utf-8"?>
+<p:sld xmlns:a="http://schemas.openxmlformats.org/drawingml/2006/main" xmlns:r="http://schemas.openxmlformats.org/officeDocument/2006/relationships" xmlns:p="http://schemas.openxmlformats.org/presentationml/2006/main">
+  <p:cSld>
+    <p:spTree>
+      <p:nvGrpSpPr>
+        <p:cNvPr id="1" name=""/>
+        <p:cNvGrpSpPr/>
+        <p:nvPr/>
+      </p:nvGrpSpPr>
+      <p:grpSpPr>
+        <a:xfrm>
+          <a:off x="0" y="0"/>
+          <a:ext cx="0" cy="0"/>
+          <a:chOff x="0" y="0"/>
+          <a:chExt cx="0" cy="0"/>
+        </a:xfrm>
+      </p:grpSpPr>
+      <p:pic>
+        <p:nvPicPr>
+          <p:cNvPr id="5" name="Grafik 4"/>
+          <p:cNvPicPr>
+            <a:picLocks noChangeAspect="1"/>
+          </p:cNvPicPr>
+          <p:nvPr/>
+        </p:nvPicPr>
+        <p:blipFill rotWithShape="1">
+          <a:blip r:embed="rId2" cstate="print">
+            <a:extLst>
+              <a:ext uri="{28A0092B-C50C-407E-A947-70E740481C1C}">
+                <a14:useLocalDpi xmlns:a14="http://schemas.microsoft.com/office/drawing/2010/main" val="0"/>
+              </a:ext>
+            </a:extLst>
+          </a:blip>
+          <a:srcRect l="11698" t="20395" r="11757" b="33313"/>
+          <a:stretch/>
+        </p:blipFill>
+        <p:spPr>
+          <a:xfrm>
+            <a:off x="10480851" y="231038"/>
+            <a:ext cx="1392702" cy="401920"/>
+          </a:xfrm>
+          <a:prstGeom prst="rect">
+            <a:avLst/>
+          </a:prstGeom>
+        </p:spPr>
+      </p:pic>
+      <p:graphicFrame>
+        <p:nvGraphicFramePr>
+          <p:cNvPr id="4" name="Diagramm 3"/>
+          <p:cNvGraphicFramePr/>
+          <p:nvPr>
+            <p:extLst>
+              <p:ext uri="{D42A27DB-BD31-4B8C-83A1-F6EECF244321}">
+                <p14:modId xmlns:p14="http://schemas.microsoft.com/office/powerpoint/2010/main" val="1251809369"/>
+              </p:ext>
+            </p:extLst>
+          </p:nvPr>
+        </p:nvGraphicFramePr>
+        <p:xfrm>
+          <a:off x="500025" y="242702"/>
+          <a:ext cx="9703041" cy="324000"/>
+        </p:xfrm>
+        <a:graphic>
+          <a:graphicData uri="http://schemas.openxmlformats.org/drawingml/2006/diagram">
+            <dgm:relIds xmlns:dgm="http://schemas.openxmlformats.org/drawingml/2006/diagram" xmlns:r="http://schemas.openxmlformats.org/officeDocument/2006/relationships" r:dm="rId3" r:lo="rId4" r:qs="rId5" r:cs="rId6"/>
+          </a:graphicData>
+        </a:graphic>
+      </p:graphicFrame>
+      <p:sp>
+        <p:nvSpPr>
+          <p:cNvPr id="9" name="Textfeld 8"/>
+          <p:cNvSpPr txBox="1"/>
+          <p:nvPr/>
+        </p:nvSpPr>
+        <p:spPr>
+          <a:xfrm>
+            <a:off x="659259" y="684015"/>
+            <a:ext cx="4921540" cy="830997"/>
+          </a:xfrm>
+          <a:prstGeom prst="rect">
+            <a:avLst/>
+          </a:prstGeom>
+          <a:noFill/>
+        </p:spPr>
+        <p:txBody>
+          <a:bodyPr wrap="none" rtlCol="0">
+            <a:spAutoFit/>
+          </a:bodyPr>
+          <a:lstStyle/>
+          <a:p>
+            <a:r>
+              <a:rPr lang="de-DE" sz="2400" dirty="0">
+                <a:latin typeface="Corbel Light" panose="020B0303020204020204" pitchFamily="34" charset="0"/>
+              </a:rPr>
+              <a:t>Beispiel-Ansage</a:t>
+            </a:r>
+            <a:br>
+              <a:rPr lang="de-DE" sz="2400" dirty="0">
+                <a:latin typeface="Corbel Light" panose="020B0303020204020204" pitchFamily="34" charset="0"/>
+              </a:rPr>
+            </a:br>
+            <a:r>
+              <a:rPr lang="de-DE" sz="2400" dirty="0">
+                <a:latin typeface="Corbel Light" panose="020B0303020204020204" pitchFamily="34" charset="0"/>
+              </a:rPr>
+              <a:t>„</a:t>
+            </a:r>
+            <a:r>
+              <a:rPr lang="de-DE" sz="2400" b="1" dirty="0" err="1">
+                <a:latin typeface="Corbel Light" panose="020B0303020204020204" pitchFamily="34" charset="0"/>
+              </a:rPr>
+              <a:t>SAPlexa</a:t>
+            </a:r>
+            <a:r>
+              <a:rPr lang="de-DE" sz="2400" b="1" dirty="0">
+                <a:latin typeface="Corbel Light" panose="020B0303020204020204" pitchFamily="34" charset="0"/>
+              </a:rPr>
+              <a:t>, zeige mir die Bestellung 643.“</a:t>
+            </a:r>
+          </a:p>
+        </p:txBody>
+      </p:sp>
+      <p:pic>
+        <p:nvPicPr>
+          <p:cNvPr id="10" name="Grafik 9"/>
+          <p:cNvPicPr>
+            <a:picLocks noChangeAspect="1"/>
+          </p:cNvPicPr>
+          <p:nvPr/>
+        </p:nvPicPr>
+        <p:blipFill>
+          <a:blip r:embed="rId8">
+            <a:extLst>
+              <a:ext uri="{28A0092B-C50C-407E-A947-70E740481C1C}">
+                <a14:useLocalDpi xmlns:a14="http://schemas.microsoft.com/office/drawing/2010/main" val="0"/>
+              </a:ext>
+            </a:extLst>
+          </a:blip>
+          <a:stretch>
+            <a:fillRect/>
+          </a:stretch>
+        </p:blipFill>
+        <p:spPr>
+          <a:xfrm>
+            <a:off x="-228791" y="737177"/>
+            <a:ext cx="888050" cy="888050"/>
+          </a:xfrm>
+          <a:prstGeom prst="rect">
+            <a:avLst/>
+          </a:prstGeom>
+        </p:spPr>
+      </p:pic>
+      <p:pic>
+        <p:nvPicPr>
+          <p:cNvPr id="3" name="Grafik 2"/>
+          <p:cNvPicPr>
+            <a:picLocks noChangeAspect="1"/>
+          </p:cNvPicPr>
+          <p:nvPr/>
+        </p:nvPicPr>
+        <p:blipFill>
+          <a:blip r:embed="rId9"/>
+          <a:stretch>
+            <a:fillRect/>
+          </a:stretch>
+        </p:blipFill>
+        <p:spPr>
+          <a:xfrm>
+            <a:off x="1805965" y="1632325"/>
+            <a:ext cx="9525000" cy="5010150"/>
+          </a:xfrm>
+          <a:prstGeom prst="rect">
+            <a:avLst/>
+          </a:prstGeom>
+        </p:spPr>
+      </p:pic>
+    </p:spTree>
+    <p:extLst>
+      <p:ext uri="{BB962C8B-B14F-4D97-AF65-F5344CB8AC3E}">
+        <p14:creationId xmlns:p14="http://schemas.microsoft.com/office/powerpoint/2010/main" val="1374680937"/>
+      </p:ext>
+    </p:extLst>
+  </p:cSld>
+  <p:clrMapOvr>
+    <a:masterClrMapping/>
+  </p:clrMapOvr>
+  <mc:AlternateContent xmlns:mc="http://schemas.openxmlformats.org/markup-compatibility/2006" xmlns:p14="http://schemas.microsoft.com/office/powerpoint/2010/main">
+    <mc:Choice Requires="p14">
+      <p:transition spd="med" p14:dur="700">
+        <p:fade/>
+      </p:transition>
+    </mc:Choice>
+    <mc:Fallback xmlns="">
+      <p:transition spd="med">
+        <p:fade/>
+      </p:transition>
+    </mc:Fallback>
+  </mc:AlternateContent>
+</p:sld>
+</file>
+
+<file path=ppt/slides/slide2.xml><?xml version="1.0" encoding="utf-8"?>
 <p:sld xmlns:a="http://schemas.openxmlformats.org/drawingml/2006/main" xmlns:r="http://schemas.openxmlformats.org/officeDocument/2006/relationships" xmlns:p="http://schemas.openxmlformats.org/presentationml/2006/main">
   <p:cSld>
     <p:spTree>
@@ -32367,7 +37707,7 @@
         <p:spPr>
           <a:xfrm>
             <a:off x="795649" y="1541942"/>
-            <a:ext cx="11134074" cy="4708981"/>
+            <a:ext cx="10952935" cy="4708981"/>
           </a:xfrm>
           <a:prstGeom prst="rect">
             <a:avLst/>
@@ -32454,7 +37794,7 @@
                 </a:solidFill>
                 <a:latin typeface="Corbel Light" panose="020B0303020204020204" pitchFamily="34" charset="0"/>
               </a:rPr>
-              <a:t>Testlauf/Erprobung der Schlüsselbegriffe</a:t>
+              <a:t>Auswahl der Spracherkennungssoftware</a:t>
             </a:r>
           </a:p>
           <a:p>
@@ -32469,22 +37809,7 @@
                 </a:solidFill>
                 <a:latin typeface="Corbel Light" panose="020B0303020204020204" pitchFamily="34" charset="0"/>
               </a:rPr>
-              <a:t>Ergonomie der Sprachbedienung einhalten</a:t>
-            </a:r>
-          </a:p>
-          <a:p>
-            <a:pPr marL="1485900" lvl="2" indent="-571500">
-              <a:buFont typeface="Courier New" panose="02070309020205020404" pitchFamily="49" charset="0"/>
-              <a:buChar char="o"/>
-            </a:pPr>
-            <a:r>
-              <a:rPr lang="de-DE" sz="2000" dirty="0">
-                <a:solidFill>
-                  <a:srgbClr val="385723"/>
-                </a:solidFill>
-                <a:latin typeface="Corbel Light" panose="020B0303020204020204" pitchFamily="34" charset="0"/>
-              </a:rPr>
-              <a:t>Begründung: Warum nutzen wir kein Google? </a:t>
+              <a:t>Ergonomie/ Testlauf der Sprachbedienung einhalten</a:t>
             </a:r>
           </a:p>
           <a:p>
@@ -32562,7 +37887,7 @@
                 </a:solidFill>
                 <a:latin typeface="Corbel Light" panose="020B0303020204020204" pitchFamily="34" charset="0"/>
               </a:rPr>
-              <a:t>Relevante Daten bestimmen</a:t>
+              <a:t>Schnittstellenprogrammierung</a:t>
             </a:r>
           </a:p>
           <a:p>
@@ -32577,7 +37902,22 @@
                 </a:solidFill>
                 <a:latin typeface="Corbel Light" panose="020B0303020204020204" pitchFamily="34" charset="0"/>
               </a:rPr>
-              <a:t>Exkursion </a:t>
+              <a:t>SAP ABAP API Programmierung</a:t>
+            </a:r>
+          </a:p>
+          <a:p>
+            <a:pPr marL="1485900" lvl="2" indent="-571500">
+              <a:buFont typeface="Courier New" panose="02070309020205020404" pitchFamily="49" charset="0"/>
+              <a:buChar char="o"/>
+            </a:pPr>
+            <a:r>
+              <a:rPr lang="de-DE" sz="2000" dirty="0">
+                <a:solidFill>
+                  <a:srgbClr val="385723"/>
+                </a:solidFill>
+                <a:latin typeface="Corbel Light" panose="020B0303020204020204" pitchFamily="34" charset="0"/>
+              </a:rPr>
+              <a:t>Java Connector (</a:t>
             </a:r>
             <a:r>
               <a:rPr lang="de-DE" sz="2000" dirty="0" err="1">
@@ -32586,14 +37926,17 @@
                 </a:solidFill>
                 <a:latin typeface="Corbel Light" panose="020B0303020204020204" pitchFamily="34" charset="0"/>
               </a:rPr>
-              <a:t>GrozBeckert</a:t>
+              <a:t>JCo</a:t>
             </a:r>
-            <a:endParaRPr lang="de-DE" sz="2000" dirty="0">
-              <a:solidFill>
-                <a:srgbClr val="385723"/>
-              </a:solidFill>
-              <a:latin typeface="Corbel Light" panose="020B0303020204020204" pitchFamily="34" charset="0"/>
-            </a:endParaRPr>
+            <a:r>
+              <a:rPr lang="de-DE" sz="2000" dirty="0">
+                <a:solidFill>
+                  <a:srgbClr val="385723"/>
+                </a:solidFill>
+                <a:latin typeface="Corbel Light" panose="020B0303020204020204" pitchFamily="34" charset="0"/>
+              </a:rPr>
+              <a:t>)</a:t>
+            </a:r>
           </a:p>
           <a:p>
             <a:pPr marL="1485900" lvl="2" indent="-571500">
@@ -32611,7 +37954,7 @@
             </a:r>
           </a:p>
           <a:p>
-            <a:pPr marL="1028700" lvl="1" indent="-571500">
+            <a:pPr marL="571500" indent="-571500">
               <a:buFont typeface="Courier New" panose="02070309020205020404" pitchFamily="49" charset="0"/>
               <a:buChar char="o"/>
             </a:pPr>
@@ -32622,7 +37965,25 @@
                 </a:solidFill>
                 <a:latin typeface="Corbel Light" panose="020B0303020204020204" pitchFamily="34" charset="0"/>
               </a:rPr>
-              <a:t>SAP ABAP API Programmierung</a:t>
+              <a:t>Exkursion </a:t>
+            </a:r>
+            <a:r>
+              <a:rPr lang="de-DE" sz="2000" b="1" dirty="0" err="1">
+                <a:solidFill>
+                  <a:srgbClr val="385723"/>
+                </a:solidFill>
+                <a:latin typeface="Corbel Light" panose="020B0303020204020204" pitchFamily="34" charset="0"/>
+              </a:rPr>
+              <a:t>Groz</a:t>
+            </a:r>
+            <a:r>
+              <a:rPr lang="de-DE" sz="2000" b="1" dirty="0">
+                <a:solidFill>
+                  <a:srgbClr val="385723"/>
+                </a:solidFill>
+                <a:latin typeface="Corbel Light" panose="020B0303020204020204" pitchFamily="34" charset="0"/>
+              </a:rPr>
+              <a:t>-Beckert</a:t>
             </a:r>
           </a:p>
           <a:p>
@@ -32764,7 +38125,7 @@
 </p:sld>
 </file>
 
-<file path=ppt/slides/slide4.xml><?xml version="1.0" encoding="utf-8"?>
+<file path=ppt/slides/slide3.xml><?xml version="1.0" encoding="utf-8"?>
 <p:sld xmlns:a="http://schemas.openxmlformats.org/drawingml/2006/main" xmlns:r="http://schemas.openxmlformats.org/officeDocument/2006/relationships" xmlns:p="http://schemas.openxmlformats.org/presentationml/2006/main">
   <p:cSld>
     <p:spTree>
@@ -32849,36 +38210,6 @@
           </a:p>
         </p:txBody>
       </p:sp>
-      <p:pic>
-        <p:nvPicPr>
-          <p:cNvPr id="5" name="Grafik 4"/>
-          <p:cNvPicPr>
-            <a:picLocks noChangeAspect="1"/>
-          </p:cNvPicPr>
-          <p:nvPr/>
-        </p:nvPicPr>
-        <p:blipFill>
-          <a:blip r:embed="rId2" cstate="email">
-            <a:extLst>
-              <a:ext uri="{28A0092B-C50C-407E-A947-70E740481C1C}">
-                <a14:useLocalDpi xmlns:a14="http://schemas.microsoft.com/office/drawing/2010/main" val="0"/>
-              </a:ext>
-            </a:extLst>
-          </a:blip>
-          <a:stretch>
-            <a:fillRect/>
-          </a:stretch>
-        </p:blipFill>
-        <p:spPr>
-          <a:xfrm>
-            <a:off x="73541" y="33092"/>
-            <a:ext cx="1921264" cy="486000"/>
-          </a:xfrm>
-          <a:prstGeom prst="rect">
-            <a:avLst/>
-          </a:prstGeom>
-        </p:spPr>
-      </p:pic>
       <p:pic>
         <p:nvPicPr>
           <p:cNvPr id="7" name="Grafik 6"/>
@@ -33380,10 +38711,10 @@
         </p:nvGrpSpPr>
         <p:grpSpPr>
           <a:xfrm>
-            <a:off x="9915307" y="4763426"/>
-            <a:ext cx="1987371" cy="1428047"/>
+            <a:off x="9790898" y="4763426"/>
+            <a:ext cx="2401102" cy="1814414"/>
             <a:chOff x="9915307" y="4763426"/>
-            <a:chExt cx="1987371" cy="1428047"/>
+            <a:chExt cx="2061700" cy="1428047"/>
           </a:xfrm>
         </p:grpSpPr>
         <p:pic>
@@ -33453,7 +38784,7 @@
           </p:nvSpPr>
           <p:spPr>
             <a:xfrm rot="20820066">
-              <a:off x="9982438" y="4842427"/>
+              <a:off x="10056767" y="4814959"/>
               <a:ext cx="1920240" cy="307777"/>
             </a:xfrm>
             <a:prstGeom prst="rect">
@@ -33510,6 +38841,69 @@
           </a:fontRef>
         </p:style>
       </p:cxnSp>
+      <p:pic>
+        <p:nvPicPr>
+          <p:cNvPr id="23" name="Grafik 22">
+            <a:extLst>
+              <a:ext uri="{FF2B5EF4-FFF2-40B4-BE49-F238E27FC236}">
+                <a16:creationId xmlns:a16="http://schemas.microsoft.com/office/drawing/2014/main" id="{853C4A0F-6CA9-4A40-AFB4-84E720545148}"/>
+              </a:ext>
+            </a:extLst>
+          </p:cNvPr>
+          <p:cNvPicPr>
+            <a:picLocks noChangeAspect="1"/>
+          </p:cNvPicPr>
+          <p:nvPr/>
+        </p:nvPicPr>
+        <p:blipFill rotWithShape="1">
+          <a:blip r:embed="rId11" cstate="print">
+            <a:extLst>
+              <a:ext uri="{28A0092B-C50C-407E-A947-70E740481C1C}">
+                <a14:useLocalDpi xmlns:a14="http://schemas.microsoft.com/office/drawing/2010/main" val="0"/>
+              </a:ext>
+            </a:extLst>
+          </a:blip>
+          <a:srcRect l="11698" t="20395" r="11757" b="33313"/>
+          <a:stretch/>
+        </p:blipFill>
+        <p:spPr>
+          <a:xfrm>
+            <a:off x="10480851" y="231038"/>
+            <a:ext cx="1392702" cy="401920"/>
+          </a:xfrm>
+          <a:prstGeom prst="rect">
+            <a:avLst/>
+          </a:prstGeom>
+        </p:spPr>
+      </p:pic>
+      <p:graphicFrame>
+        <p:nvGraphicFramePr>
+          <p:cNvPr id="24" name="Diagramm 23">
+            <a:extLst>
+              <a:ext uri="{FF2B5EF4-FFF2-40B4-BE49-F238E27FC236}">
+                <a16:creationId xmlns:a16="http://schemas.microsoft.com/office/drawing/2014/main" id="{886C553F-8C8A-409B-B962-11A554CE49EA}"/>
+              </a:ext>
+            </a:extLst>
+          </p:cNvPr>
+          <p:cNvGraphicFramePr/>
+          <p:nvPr>
+            <p:extLst>
+              <p:ext uri="{D42A27DB-BD31-4B8C-83A1-F6EECF244321}">
+                <p14:modId xmlns:p14="http://schemas.microsoft.com/office/powerpoint/2010/main" val="3111646539"/>
+              </p:ext>
+            </p:extLst>
+          </p:nvPr>
+        </p:nvGraphicFramePr>
+        <p:xfrm>
+          <a:off x="500026" y="242702"/>
+          <a:ext cx="9703041" cy="324000"/>
+        </p:xfrm>
+        <a:graphic>
+          <a:graphicData uri="http://schemas.openxmlformats.org/drawingml/2006/diagram">
+            <dgm:relIds xmlns:dgm="http://schemas.openxmlformats.org/drawingml/2006/diagram" xmlns:r="http://schemas.openxmlformats.org/officeDocument/2006/relationships" r:dm="rId12" r:lo="rId13" r:qs="rId14" r:cs="rId15"/>
+          </a:graphicData>
+        </a:graphic>
+      </p:graphicFrame>
     </p:spTree>
     <p:extLst>
       <p:ext uri="{BB962C8B-B14F-4D97-AF65-F5344CB8AC3E}">
@@ -34166,175 +39560,7 @@
 </p:sld>
 </file>
 
-<file path=ppt/slides/slide5.xml><?xml version="1.0" encoding="utf-8"?>
-<p:sld xmlns:a="http://schemas.openxmlformats.org/drawingml/2006/main" xmlns:r="http://schemas.openxmlformats.org/officeDocument/2006/relationships" xmlns:p="http://schemas.openxmlformats.org/presentationml/2006/main">
-  <p:cSld>
-    <p:spTree>
-      <p:nvGrpSpPr>
-        <p:cNvPr id="1" name=""/>
-        <p:cNvGrpSpPr/>
-        <p:nvPr/>
-      </p:nvGrpSpPr>
-      <p:grpSpPr>
-        <a:xfrm>
-          <a:off x="0" y="0"/>
-          <a:ext cx="0" cy="0"/>
-          <a:chOff x="0" y="0"/>
-          <a:chExt cx="0" cy="0"/>
-        </a:xfrm>
-      </p:grpSpPr>
-      <p:pic>
-        <p:nvPicPr>
-          <p:cNvPr id="5" name="Grafik 4"/>
-          <p:cNvPicPr>
-            <a:picLocks noChangeAspect="1"/>
-          </p:cNvPicPr>
-          <p:nvPr/>
-        </p:nvPicPr>
-        <p:blipFill rotWithShape="1">
-          <a:blip r:embed="rId3" cstate="print">
-            <a:extLst>
-              <a:ext uri="{28A0092B-C50C-407E-A947-70E740481C1C}">
-                <a14:useLocalDpi xmlns:a14="http://schemas.microsoft.com/office/drawing/2010/main" val="0"/>
-              </a:ext>
-            </a:extLst>
-          </a:blip>
-          <a:srcRect l="11698" t="20395" r="11757" b="33313"/>
-          <a:stretch/>
-        </p:blipFill>
-        <p:spPr>
-          <a:xfrm>
-            <a:off x="10480851" y="231038"/>
-            <a:ext cx="1392702" cy="401920"/>
-          </a:xfrm>
-          <a:prstGeom prst="rect">
-            <a:avLst/>
-          </a:prstGeom>
-        </p:spPr>
-      </p:pic>
-      <p:graphicFrame>
-        <p:nvGraphicFramePr>
-          <p:cNvPr id="11" name="Diagramm 10"/>
-          <p:cNvGraphicFramePr/>
-          <p:nvPr>
-            <p:extLst>
-              <p:ext uri="{D42A27DB-BD31-4B8C-83A1-F6EECF244321}">
-                <p14:modId xmlns:p14="http://schemas.microsoft.com/office/powerpoint/2010/main" val="136145067"/>
-              </p:ext>
-            </p:extLst>
-          </p:nvPr>
-        </p:nvGraphicFramePr>
-        <p:xfrm>
-          <a:off x="500026" y="242702"/>
-          <a:ext cx="9703041" cy="324000"/>
-        </p:xfrm>
-        <a:graphic>
-          <a:graphicData uri="http://schemas.openxmlformats.org/drawingml/2006/diagram">
-            <dgm:relIds xmlns:dgm="http://schemas.openxmlformats.org/drawingml/2006/diagram" xmlns:r="http://schemas.openxmlformats.org/officeDocument/2006/relationships" r:dm="rId4" r:lo="rId5" r:qs="rId6" r:cs="rId7"/>
-          </a:graphicData>
-        </a:graphic>
-      </p:graphicFrame>
-      <p:sp>
-        <p:nvSpPr>
-          <p:cNvPr id="13" name="Textfeld 12"/>
-          <p:cNvSpPr txBox="1"/>
-          <p:nvPr/>
-        </p:nvSpPr>
-        <p:spPr>
-          <a:xfrm>
-            <a:off x="389936" y="632958"/>
-            <a:ext cx="7818487" cy="646331"/>
-          </a:xfrm>
-          <a:prstGeom prst="rect">
-            <a:avLst/>
-          </a:prstGeom>
-          <a:noFill/>
-        </p:spPr>
-        <p:txBody>
-          <a:bodyPr wrap="none" rtlCol="0">
-            <a:spAutoFit/>
-          </a:bodyPr>
-          <a:lstStyle/>
-          <a:p>
-            <a:r>
-              <a:rPr lang="de-DE" sz="3600" dirty="0">
-                <a:solidFill>
-                  <a:srgbClr val="385723"/>
-                </a:solidFill>
-                <a:latin typeface="Corbel Light" panose="020B0303020204020204" pitchFamily="34" charset="0"/>
-              </a:rPr>
-              <a:t>Teilprozess der Wareneinlagerung im SAP</a:t>
-            </a:r>
-            <a:endParaRPr lang="de-DE" sz="3600" baseline="-25000" dirty="0">
-              <a:solidFill>
-                <a:srgbClr val="385723"/>
-              </a:solidFill>
-              <a:latin typeface="Corbel Light" panose="020B0303020204020204" pitchFamily="34" charset="0"/>
-            </a:endParaRPr>
-          </a:p>
-        </p:txBody>
-      </p:sp>
-      <p:sp>
-        <p:nvSpPr>
-          <p:cNvPr id="2" name="Textfeld 1">
-            <a:extLst>
-              <a:ext uri="{FF2B5EF4-FFF2-40B4-BE49-F238E27FC236}">
-                <a16:creationId xmlns:a16="http://schemas.microsoft.com/office/drawing/2014/main" id="{253F16C1-41E9-41CE-A913-77024E3176FC}"/>
-              </a:ext>
-            </a:extLst>
-          </p:cNvPr>
-          <p:cNvSpPr txBox="1"/>
-          <p:nvPr/>
-        </p:nvSpPr>
-        <p:spPr>
-          <a:xfrm>
-            <a:off x="770626" y="2035834"/>
-            <a:ext cx="4940061" cy="369332"/>
-          </a:xfrm>
-          <a:prstGeom prst="rect">
-            <a:avLst/>
-          </a:prstGeom>
-          <a:noFill/>
-        </p:spPr>
-        <p:txBody>
-          <a:bodyPr wrap="square" rtlCol="0">
-            <a:spAutoFit/>
-          </a:bodyPr>
-          <a:lstStyle/>
-          <a:p>
-            <a:r>
-              <a:rPr lang="de-DE" dirty="0"/>
-              <a:t>Skizze von Stauss, Vorstellung des Projekts</a:t>
-            </a:r>
-          </a:p>
-        </p:txBody>
-      </p:sp>
-    </p:spTree>
-    <p:extLst>
-      <p:ext uri="{BB962C8B-B14F-4D97-AF65-F5344CB8AC3E}">
-        <p14:creationId xmlns:p14="http://schemas.microsoft.com/office/powerpoint/2010/main" val="2935950747"/>
-      </p:ext>
-    </p:extLst>
-  </p:cSld>
-  <p:clrMapOvr>
-    <a:masterClrMapping/>
-  </p:clrMapOvr>
-  <mc:AlternateContent xmlns:mc="http://schemas.openxmlformats.org/markup-compatibility/2006" xmlns:p14="http://schemas.microsoft.com/office/powerpoint/2010/main">
-    <mc:Choice Requires="p14">
-      <p:transition spd="med" p14:dur="700">
-        <p:fade/>
-      </p:transition>
-    </mc:Choice>
-    <mc:Fallback xmlns="">
-      <p:transition spd="med">
-        <p:fade/>
-      </p:transition>
-    </mc:Fallback>
-  </mc:AlternateContent>
-</p:sld>
-</file>
-
-<file path=ppt/slides/slide6.xml><?xml version="1.0" encoding="utf-8"?>
+<file path=ppt/slides/slide4.xml><?xml version="1.0" encoding="utf-8"?>
 <p:sld xmlns:a="http://schemas.openxmlformats.org/drawingml/2006/main" xmlns:r="http://schemas.openxmlformats.org/officeDocument/2006/relationships" xmlns:p="http://schemas.openxmlformats.org/presentationml/2006/main">
   <p:cSld>
     <p:spTree>
@@ -34578,7 +39804,7 @@
 </p:sld>
 </file>
 
-<file path=ppt/slides/slide7.xml><?xml version="1.0" encoding="utf-8"?>
+<file path=ppt/slides/slide5.xml><?xml version="1.0" encoding="utf-8"?>
 <p:sld xmlns:a="http://schemas.openxmlformats.org/drawingml/2006/main" xmlns:r="http://schemas.openxmlformats.org/officeDocument/2006/relationships" xmlns:p="http://schemas.openxmlformats.org/presentationml/2006/main">
   <p:cSld>
     <p:spTree>
@@ -34704,6 +39930,69 @@
           </a:p>
         </p:txBody>
       </p:sp>
+      <p:sp>
+        <p:nvSpPr>
+          <p:cNvPr id="3" name="Textfeld 2">
+            <a:extLst>
+              <a:ext uri="{FF2B5EF4-FFF2-40B4-BE49-F238E27FC236}">
+                <a16:creationId xmlns:a16="http://schemas.microsoft.com/office/drawing/2014/main" id="{3674ADF9-9F2C-458A-BFDC-3485D21F2927}"/>
+              </a:ext>
+            </a:extLst>
+          </p:cNvPr>
+          <p:cNvSpPr txBox="1"/>
+          <p:nvPr/>
+        </p:nvSpPr>
+        <p:spPr>
+          <a:xfrm>
+            <a:off x="500025" y="2162354"/>
+            <a:ext cx="9868925" cy="1569660"/>
+          </a:xfrm>
+          <a:prstGeom prst="rect">
+            <a:avLst/>
+          </a:prstGeom>
+          <a:noFill/>
+        </p:spPr>
+        <p:txBody>
+          <a:bodyPr wrap="square" rtlCol="0">
+            <a:spAutoFit/>
+          </a:bodyPr>
+          <a:lstStyle/>
+          <a:p>
+            <a:r>
+              <a:rPr lang="de-DE" sz="2400" dirty="0"/>
+              <a:t>Wahl der Sprachsteuerung: </a:t>
+            </a:r>
+          </a:p>
+          <a:p>
+            <a:pPr marL="800100" lvl="1" indent="-342900">
+              <a:buFont typeface="Arial" panose="020B0604020202020204" pitchFamily="34" charset="0"/>
+              <a:buChar char="•"/>
+            </a:pPr>
+            <a:r>
+              <a:rPr lang="de-DE" sz="2400" dirty="0"/>
+              <a:t>Gegenüberstellung der verfügbaren </a:t>
+            </a:r>
+            <a:r>
+              <a:rPr lang="de-DE" sz="2400" dirty="0" err="1"/>
+              <a:t>Sprachernkennungssoftware</a:t>
+            </a:r>
+            <a:endParaRPr lang="de-DE" sz="2400" dirty="0"/>
+          </a:p>
+          <a:p>
+            <a:pPr marL="800100" lvl="1" indent="-342900">
+              <a:buFont typeface="Arial" panose="020B0604020202020204" pitchFamily="34" charset="0"/>
+              <a:buChar char="•"/>
+            </a:pPr>
+            <a:r>
+              <a:rPr lang="de-DE" sz="2400" dirty="0"/>
+              <a:t>Auswahl nach Dokumentationsqualität, Verfügbarkeit, Fehlerquoten</a:t>
+            </a:r>
+          </a:p>
+          <a:p>
+            <a:endParaRPr lang="de-DE" sz="2400" dirty="0"/>
+          </a:p>
+        </p:txBody>
+      </p:sp>
     </p:spTree>
     <p:extLst>
       <p:ext uri="{BB962C8B-B14F-4D97-AF65-F5344CB8AC3E}">
@@ -34729,7 +40018,158 @@
 </p:sld>
 </file>
 
-<file path=ppt/slides/slide8.xml><?xml version="1.0" encoding="utf-8"?>
+<file path=ppt/slides/slide6.xml><?xml version="1.0" encoding="utf-8"?>
+<p:sld xmlns:a="http://schemas.openxmlformats.org/drawingml/2006/main" xmlns:r="http://schemas.openxmlformats.org/officeDocument/2006/relationships" xmlns:p="http://schemas.openxmlformats.org/presentationml/2006/main">
+  <p:cSld>
+    <p:spTree>
+      <p:nvGrpSpPr>
+        <p:cNvPr id="1" name=""/>
+        <p:cNvGrpSpPr/>
+        <p:nvPr/>
+      </p:nvGrpSpPr>
+      <p:grpSpPr>
+        <a:xfrm>
+          <a:off x="0" y="0"/>
+          <a:ext cx="0" cy="0"/>
+          <a:chOff x="0" y="0"/>
+          <a:chExt cx="0" cy="0"/>
+        </a:xfrm>
+      </p:grpSpPr>
+      <p:pic>
+        <p:nvPicPr>
+          <p:cNvPr id="5" name="Grafik 4"/>
+          <p:cNvPicPr>
+            <a:picLocks noChangeAspect="1"/>
+          </p:cNvPicPr>
+          <p:nvPr/>
+        </p:nvPicPr>
+        <p:blipFill rotWithShape="1">
+          <a:blip r:embed="rId3" cstate="print">
+            <a:extLst>
+              <a:ext uri="{28A0092B-C50C-407E-A947-70E740481C1C}">
+                <a14:useLocalDpi xmlns:a14="http://schemas.microsoft.com/office/drawing/2010/main" val="0"/>
+              </a:ext>
+            </a:extLst>
+          </a:blip>
+          <a:srcRect l="11698" t="20395" r="11757" b="33313"/>
+          <a:stretch/>
+        </p:blipFill>
+        <p:spPr>
+          <a:xfrm>
+            <a:off x="10480851" y="231038"/>
+            <a:ext cx="1392702" cy="401920"/>
+          </a:xfrm>
+          <a:prstGeom prst="rect">
+            <a:avLst/>
+          </a:prstGeom>
+        </p:spPr>
+      </p:pic>
+      <p:graphicFrame>
+        <p:nvGraphicFramePr>
+          <p:cNvPr id="11" name="Diagramm 10"/>
+          <p:cNvGraphicFramePr/>
+          <p:nvPr>
+            <p:extLst/>
+          </p:nvPr>
+        </p:nvGraphicFramePr>
+        <p:xfrm>
+          <a:off x="500026" y="242702"/>
+          <a:ext cx="9703041" cy="324000"/>
+        </p:xfrm>
+        <a:graphic>
+          <a:graphicData uri="http://schemas.openxmlformats.org/drawingml/2006/diagram">
+            <dgm:relIds xmlns:dgm="http://schemas.openxmlformats.org/drawingml/2006/diagram" xmlns:r="http://schemas.openxmlformats.org/officeDocument/2006/relationships" r:dm="rId4" r:lo="rId5" r:qs="rId6" r:cs="rId7"/>
+          </a:graphicData>
+        </a:graphic>
+      </p:graphicFrame>
+      <p:sp>
+        <p:nvSpPr>
+          <p:cNvPr id="2" name="Rechteck 1">
+            <a:extLst>
+              <a:ext uri="{FF2B5EF4-FFF2-40B4-BE49-F238E27FC236}">
+                <a16:creationId xmlns:a16="http://schemas.microsoft.com/office/drawing/2014/main" id="{65D96C98-6073-4BA0-B68C-A43178100907}"/>
+              </a:ext>
+            </a:extLst>
+          </p:cNvPr>
+          <p:cNvSpPr/>
+          <p:nvPr/>
+        </p:nvSpPr>
+        <p:spPr>
+          <a:xfrm>
+            <a:off x="293297" y="870773"/>
+            <a:ext cx="8494144" cy="754694"/>
+          </a:xfrm>
+          <a:prstGeom prst="rect">
+            <a:avLst/>
+          </a:prstGeom>
+        </p:spPr>
+        <p:txBody>
+          <a:bodyPr wrap="square">
+            <a:spAutoFit/>
+          </a:bodyPr>
+          <a:lstStyle/>
+          <a:p>
+            <a:pPr>
+              <a:lnSpc>
+                <a:spcPct val="150000"/>
+              </a:lnSpc>
+            </a:pPr>
+            <a:r>
+              <a:rPr lang="de-DE" sz="3200" b="1" dirty="0">
+                <a:solidFill>
+                  <a:srgbClr val="385723"/>
+                </a:solidFill>
+                <a:latin typeface="Corbel Light" panose="020B0303020204020204" pitchFamily="34" charset="0"/>
+              </a:rPr>
+              <a:t>Speech-</a:t>
+            </a:r>
+            <a:r>
+              <a:rPr lang="de-DE" sz="3200" b="1" dirty="0" err="1">
+                <a:solidFill>
+                  <a:srgbClr val="385723"/>
+                </a:solidFill>
+                <a:latin typeface="Corbel Light" panose="020B0303020204020204" pitchFamily="34" charset="0"/>
+              </a:rPr>
+              <a:t>To</a:t>
+            </a:r>
+            <a:r>
+              <a:rPr lang="de-DE" sz="3200" b="1" dirty="0">
+                <a:solidFill>
+                  <a:srgbClr val="385723"/>
+                </a:solidFill>
+                <a:latin typeface="Corbel Light" panose="020B0303020204020204" pitchFamily="34" charset="0"/>
+              </a:rPr>
+              <a:t>-Text Ergonomie</a:t>
+            </a:r>
+          </a:p>
+        </p:txBody>
+      </p:sp>
+    </p:spTree>
+    <p:extLst>
+      <p:ext uri="{BB962C8B-B14F-4D97-AF65-F5344CB8AC3E}">
+        <p14:creationId xmlns:p14="http://schemas.microsoft.com/office/powerpoint/2010/main" val="2676487783"/>
+      </p:ext>
+    </p:extLst>
+  </p:cSld>
+  <p:clrMapOvr>
+    <a:masterClrMapping/>
+  </p:clrMapOvr>
+  <mc:AlternateContent xmlns:mc="http://schemas.openxmlformats.org/markup-compatibility/2006" xmlns:p14="http://schemas.microsoft.com/office/powerpoint/2010/main">
+    <mc:Choice Requires="p14">
+      <p:transition spd="med" p14:dur="700">
+        <p:fade/>
+      </p:transition>
+    </mc:Choice>
+    <mc:Fallback xmlns="">
+      <p:transition spd="med">
+        <p:fade/>
+      </p:transition>
+    </mc:Fallback>
+  </mc:AlternateContent>
+</p:sld>
+</file>
+
+<file path=ppt/slides/slide7.xml><?xml version="1.0" encoding="utf-8"?>
 <p:sld xmlns:a="http://schemas.openxmlformats.org/drawingml/2006/main" xmlns:r="http://schemas.openxmlformats.org/officeDocument/2006/relationships" xmlns:p="http://schemas.openxmlformats.org/presentationml/2006/main">
   <p:cSld>
     <p:spTree>
@@ -34880,7 +40320,7 @@
 </p:sld>
 </file>
 
-<file path=ppt/slides/slide9.xml><?xml version="1.0" encoding="utf-8"?>
+<file path=ppt/slides/slide8.xml><?xml version="1.0" encoding="utf-8"?>
 <p:sld xmlns:a="http://schemas.openxmlformats.org/drawingml/2006/main" xmlns:r="http://schemas.openxmlformats.org/officeDocument/2006/relationships" xmlns:p="http://schemas.openxmlformats.org/presentationml/2006/main">
   <p:cSld>
     <p:spTree>
@@ -34992,6 +40432,139 @@
     <p:extLst>
       <p:ext uri="{BB962C8B-B14F-4D97-AF65-F5344CB8AC3E}">
         <p14:creationId xmlns:p14="http://schemas.microsoft.com/office/powerpoint/2010/main" val="4014255332"/>
+      </p:ext>
+    </p:extLst>
+  </p:cSld>
+  <p:clrMapOvr>
+    <a:masterClrMapping/>
+  </p:clrMapOvr>
+  <mc:AlternateContent xmlns:mc="http://schemas.openxmlformats.org/markup-compatibility/2006" xmlns:p14="http://schemas.microsoft.com/office/powerpoint/2010/main">
+    <mc:Choice Requires="p14">
+      <p:transition spd="med" p14:dur="700">
+        <p:fade/>
+      </p:transition>
+    </mc:Choice>
+    <mc:Fallback xmlns="">
+      <p:transition spd="med">
+        <p:fade/>
+      </p:transition>
+    </mc:Fallback>
+  </mc:AlternateContent>
+</p:sld>
+</file>
+
+<file path=ppt/slides/slide9.xml><?xml version="1.0" encoding="utf-8"?>
+<p:sld xmlns:a="http://schemas.openxmlformats.org/drawingml/2006/main" xmlns:r="http://schemas.openxmlformats.org/officeDocument/2006/relationships" xmlns:p="http://schemas.openxmlformats.org/presentationml/2006/main">
+  <p:cSld>
+    <p:spTree>
+      <p:nvGrpSpPr>
+        <p:cNvPr id="1" name=""/>
+        <p:cNvGrpSpPr/>
+        <p:nvPr/>
+      </p:nvGrpSpPr>
+      <p:grpSpPr>
+        <a:xfrm>
+          <a:off x="0" y="0"/>
+          <a:ext cx="0" cy="0"/>
+          <a:chOff x="0" y="0"/>
+          <a:chExt cx="0" cy="0"/>
+        </a:xfrm>
+      </p:grpSpPr>
+      <p:pic>
+        <p:nvPicPr>
+          <p:cNvPr id="5" name="Grafik 4"/>
+          <p:cNvPicPr>
+            <a:picLocks noChangeAspect="1"/>
+          </p:cNvPicPr>
+          <p:nvPr/>
+        </p:nvPicPr>
+        <p:blipFill rotWithShape="1">
+          <a:blip r:embed="rId3" cstate="print">
+            <a:extLst>
+              <a:ext uri="{28A0092B-C50C-407E-A947-70E740481C1C}">
+                <a14:useLocalDpi xmlns:a14="http://schemas.microsoft.com/office/drawing/2010/main" val="0"/>
+              </a:ext>
+            </a:extLst>
+          </a:blip>
+          <a:srcRect l="11698" t="20395" r="11757" b="33313"/>
+          <a:stretch/>
+        </p:blipFill>
+        <p:spPr>
+          <a:xfrm>
+            <a:off x="10480851" y="231038"/>
+            <a:ext cx="1392702" cy="401920"/>
+          </a:xfrm>
+          <a:prstGeom prst="rect">
+            <a:avLst/>
+          </a:prstGeom>
+        </p:spPr>
+      </p:pic>
+      <p:graphicFrame>
+        <p:nvGraphicFramePr>
+          <p:cNvPr id="11" name="Diagramm 10"/>
+          <p:cNvGraphicFramePr/>
+          <p:nvPr>
+            <p:extLst/>
+          </p:nvPr>
+        </p:nvGraphicFramePr>
+        <p:xfrm>
+          <a:off x="500026" y="242702"/>
+          <a:ext cx="9703041" cy="324000"/>
+        </p:xfrm>
+        <a:graphic>
+          <a:graphicData uri="http://schemas.openxmlformats.org/drawingml/2006/diagram">
+            <dgm:relIds xmlns:dgm="http://schemas.openxmlformats.org/drawingml/2006/diagram" xmlns:r="http://schemas.openxmlformats.org/officeDocument/2006/relationships" r:dm="rId4" r:lo="rId5" r:qs="rId6" r:cs="rId7"/>
+          </a:graphicData>
+        </a:graphic>
+      </p:graphicFrame>
+      <p:sp>
+        <p:nvSpPr>
+          <p:cNvPr id="2" name="Rechteck 1">
+            <a:extLst>
+              <a:ext uri="{FF2B5EF4-FFF2-40B4-BE49-F238E27FC236}">
+                <a16:creationId xmlns:a16="http://schemas.microsoft.com/office/drawing/2014/main" id="{C2A7ECBF-C5DE-4CA9-B4CD-A91748CBCA72}"/>
+              </a:ext>
+            </a:extLst>
+          </p:cNvPr>
+          <p:cNvSpPr/>
+          <p:nvPr/>
+        </p:nvSpPr>
+        <p:spPr>
+          <a:xfrm>
+            <a:off x="448574" y="836268"/>
+            <a:ext cx="6096000" cy="754694"/>
+          </a:xfrm>
+          <a:prstGeom prst="rect">
+            <a:avLst/>
+          </a:prstGeom>
+        </p:spPr>
+        <p:txBody>
+          <a:bodyPr>
+            <a:spAutoFit/>
+          </a:bodyPr>
+          <a:lstStyle/>
+          <a:p>
+            <a:pPr>
+              <a:lnSpc>
+                <a:spcPct val="150000"/>
+              </a:lnSpc>
+            </a:pPr>
+            <a:r>
+              <a:rPr lang="de-DE" sz="3200" b="1" dirty="0">
+                <a:solidFill>
+                  <a:srgbClr val="385723"/>
+                </a:solidFill>
+                <a:latin typeface="Corbel Light" panose="020B0303020204020204" pitchFamily="34" charset="0"/>
+              </a:rPr>
+              <a:t>SAP ABAP API Programmierung</a:t>
+            </a:r>
+          </a:p>
+        </p:txBody>
+      </p:sp>
+    </p:spTree>
+    <p:extLst>
+      <p:ext uri="{BB962C8B-B14F-4D97-AF65-F5344CB8AC3E}">
+        <p14:creationId xmlns:p14="http://schemas.microsoft.com/office/powerpoint/2010/main" val="2472505764"/>
       </p:ext>
     </p:extLst>
   </p:cSld>

--- a/CavallaroAngelo/Präsentation Wahlmodulvorstellung/SAPlexa Präsentation.pptx
+++ b/CavallaroAngelo/Präsentation Wahlmodulvorstellung/SAPlexa Präsentation.pptx
@@ -31366,7 +31366,7 @@
           <a:p>
             <a:fld id="{532509FE-4B88-49E5-9857-128C195EDC5C}" type="datetimeFigureOut">
               <a:rPr lang="de-DE" smtClean="0"/>
-              <a:t>07.01.2020</a:t>
+              <a:t>08.01.2020</a:t>
             </a:fld>
             <a:endParaRPr lang="de-DE"/>
           </a:p>
@@ -32792,7 +32792,7 @@
           <a:p>
             <a:fld id="{9B6D1F2D-D69C-4B43-B03F-747D7E40617B}" type="datetimeFigureOut">
               <a:rPr lang="de-DE" smtClean="0"/>
-              <a:t>07.01.2020</a:t>
+              <a:t>08.01.2020</a:t>
             </a:fld>
             <a:endParaRPr lang="de-DE" dirty="0"/>
           </a:p>
@@ -32972,7 +32972,7 @@
           <a:p>
             <a:fld id="{9B6D1F2D-D69C-4B43-B03F-747D7E40617B}" type="datetimeFigureOut">
               <a:rPr lang="de-DE" smtClean="0"/>
-              <a:t>07.01.2020</a:t>
+              <a:t>08.01.2020</a:t>
             </a:fld>
             <a:endParaRPr lang="de-DE" dirty="0"/>
           </a:p>
@@ -33162,7 +33162,7 @@
           <a:p>
             <a:fld id="{9B6D1F2D-D69C-4B43-B03F-747D7E40617B}" type="datetimeFigureOut">
               <a:rPr lang="de-DE" smtClean="0"/>
-              <a:t>07.01.2020</a:t>
+              <a:t>08.01.2020</a:t>
             </a:fld>
             <a:endParaRPr lang="de-DE" dirty="0"/>
           </a:p>
@@ -33342,7 +33342,7 @@
           <a:p>
             <a:fld id="{9B6D1F2D-D69C-4B43-B03F-747D7E40617B}" type="datetimeFigureOut">
               <a:rPr lang="de-DE" smtClean="0"/>
-              <a:t>07.01.2020</a:t>
+              <a:t>08.01.2020</a:t>
             </a:fld>
             <a:endParaRPr lang="de-DE" dirty="0"/>
           </a:p>
@@ -33599,7 +33599,7 @@
           <a:p>
             <a:fld id="{9B6D1F2D-D69C-4B43-B03F-747D7E40617B}" type="datetimeFigureOut">
               <a:rPr lang="de-DE" smtClean="0"/>
-              <a:t>07.01.2020</a:t>
+              <a:t>08.01.2020</a:t>
             </a:fld>
             <a:endParaRPr lang="de-DE" dirty="0"/>
           </a:p>
@@ -33840,7 +33840,7 @@
           <a:p>
             <a:fld id="{9B6D1F2D-D69C-4B43-B03F-747D7E40617B}" type="datetimeFigureOut">
               <a:rPr lang="de-DE" smtClean="0"/>
-              <a:t>07.01.2020</a:t>
+              <a:t>08.01.2020</a:t>
             </a:fld>
             <a:endParaRPr lang="de-DE" dirty="0"/>
           </a:p>
@@ -34216,7 +34216,7 @@
           <a:p>
             <a:fld id="{9B6D1F2D-D69C-4B43-B03F-747D7E40617B}" type="datetimeFigureOut">
               <a:rPr lang="de-DE" smtClean="0"/>
-              <a:t>07.01.2020</a:t>
+              <a:t>08.01.2020</a:t>
             </a:fld>
             <a:endParaRPr lang="de-DE" dirty="0"/>
           </a:p>
@@ -34345,7 +34345,7 @@
           <a:p>
             <a:fld id="{9B6D1F2D-D69C-4B43-B03F-747D7E40617B}" type="datetimeFigureOut">
               <a:rPr lang="de-DE" smtClean="0"/>
-              <a:t>07.01.2020</a:t>
+              <a:t>08.01.2020</a:t>
             </a:fld>
             <a:endParaRPr lang="de-DE" dirty="0"/>
           </a:p>
@@ -34452,7 +34452,7 @@
           <a:p>
             <a:fld id="{9B6D1F2D-D69C-4B43-B03F-747D7E40617B}" type="datetimeFigureOut">
               <a:rPr lang="de-DE" smtClean="0"/>
-              <a:t>07.01.2020</a:t>
+              <a:t>08.01.2020</a:t>
             </a:fld>
             <a:endParaRPr lang="de-DE" dirty="0"/>
           </a:p>
@@ -34739,7 +34739,7 @@
           <a:p>
             <a:fld id="{9B6D1F2D-D69C-4B43-B03F-747D7E40617B}" type="datetimeFigureOut">
               <a:rPr lang="de-DE" smtClean="0"/>
-              <a:t>07.01.2020</a:t>
+              <a:t>08.01.2020</a:t>
             </a:fld>
             <a:endParaRPr lang="de-DE" dirty="0"/>
           </a:p>
@@ -35003,7 +35003,7 @@
           <a:p>
             <a:fld id="{9B6D1F2D-D69C-4B43-B03F-747D7E40617B}" type="datetimeFigureOut">
               <a:rPr lang="de-DE" smtClean="0"/>
-              <a:t>07.01.2020</a:t>
+              <a:t>08.01.2020</a:t>
             </a:fld>
             <a:endParaRPr lang="de-DE" dirty="0"/>
           </a:p>
@@ -35226,7 +35226,7 @@
           <a:p>
             <a:fld id="{9B6D1F2D-D69C-4B43-B03F-747D7E40617B}" type="datetimeFigureOut">
               <a:rPr lang="de-DE" smtClean="0"/>
-              <a:t>07.01.2020</a:t>
+              <a:t>08.01.2020</a:t>
             </a:fld>
             <a:endParaRPr lang="de-DE" dirty="0"/>
           </a:p>
@@ -39944,8 +39944,8 @@
         </p:nvSpPr>
         <p:spPr>
           <a:xfrm>
-            <a:off x="500025" y="2162354"/>
-            <a:ext cx="9868925" cy="1569660"/>
+            <a:off x="417082" y="1929538"/>
+            <a:ext cx="9868925" cy="3359061"/>
           </a:xfrm>
           <a:prstGeom prst="rect">
             <a:avLst/>
@@ -39958,9 +39958,213 @@
           </a:bodyPr>
           <a:lstStyle/>
           <a:p>
+            <a:pPr>
+              <a:lnSpc>
+                <a:spcPct val="150000"/>
+              </a:lnSpc>
+            </a:pPr>
             <a:r>
-              <a:rPr lang="de-DE" sz="2400" dirty="0"/>
+              <a:rPr lang="de-DE" sz="2400" dirty="0">
+                <a:solidFill>
+                  <a:schemeClr val="accent6">
+                    <a:lumMod val="50000"/>
+                  </a:schemeClr>
+                </a:solidFill>
+              </a:rPr>
               <a:t>Wahl der Sprachsteuerung: </a:t>
+            </a:r>
+          </a:p>
+          <a:p>
+            <a:pPr marL="800100" lvl="1" indent="-342900">
+              <a:lnSpc>
+                <a:spcPct val="150000"/>
+              </a:lnSpc>
+              <a:buFont typeface="Arial" panose="020B0604020202020204" pitchFamily="34" charset="0"/>
+              <a:buChar char="•"/>
+            </a:pPr>
+            <a:r>
+              <a:rPr lang="de-DE" sz="2400" dirty="0">
+                <a:solidFill>
+                  <a:schemeClr val="accent6">
+                    <a:lumMod val="50000"/>
+                  </a:schemeClr>
+                </a:solidFill>
+              </a:rPr>
+              <a:t>Sichtung der Verfügbaren Spracherkennungssoftware</a:t>
+            </a:r>
+          </a:p>
+          <a:p>
+            <a:pPr marL="800100" lvl="1" indent="-342900">
+              <a:lnSpc>
+                <a:spcPct val="150000"/>
+              </a:lnSpc>
+              <a:buFont typeface="Arial" panose="020B0604020202020204" pitchFamily="34" charset="0"/>
+              <a:buChar char="•"/>
+            </a:pPr>
+            <a:r>
+              <a:rPr lang="de-DE" sz="2400" dirty="0">
+                <a:solidFill>
+                  <a:schemeClr val="accent6">
+                    <a:lumMod val="50000"/>
+                  </a:schemeClr>
+                </a:solidFill>
+              </a:rPr>
+              <a:t>Google Cloud Speech </a:t>
+            </a:r>
+            <a:r>
+              <a:rPr lang="de-DE" sz="2400" dirty="0" err="1">
+                <a:solidFill>
+                  <a:schemeClr val="accent6">
+                    <a:lumMod val="50000"/>
+                  </a:schemeClr>
+                </a:solidFill>
+              </a:rPr>
+              <a:t>to</a:t>
+            </a:r>
+            <a:r>
+              <a:rPr lang="de-DE" sz="2400" dirty="0">
+                <a:solidFill>
+                  <a:schemeClr val="accent6">
+                    <a:lumMod val="50000"/>
+                  </a:schemeClr>
+                </a:solidFill>
+              </a:rPr>
+              <a:t> Text vs. </a:t>
+            </a:r>
+            <a:r>
+              <a:rPr lang="de-DE" sz="2400" dirty="0" err="1">
+                <a:solidFill>
+                  <a:schemeClr val="accent6">
+                    <a:lumMod val="50000"/>
+                  </a:schemeClr>
+                </a:solidFill>
+              </a:rPr>
+              <a:t>CMUSphinx</a:t>
+            </a:r>
+            <a:endParaRPr lang="de-DE" sz="2400" dirty="0">
+              <a:solidFill>
+                <a:schemeClr val="accent6">
+                  <a:lumMod val="50000"/>
+                </a:schemeClr>
+              </a:solidFill>
+            </a:endParaRPr>
+          </a:p>
+          <a:p>
+            <a:pPr marL="800100" lvl="1" indent="-342900">
+              <a:lnSpc>
+                <a:spcPct val="150000"/>
+              </a:lnSpc>
+              <a:buFont typeface="Arial" panose="020B0604020202020204" pitchFamily="34" charset="0"/>
+              <a:buChar char="•"/>
+            </a:pPr>
+            <a:r>
+              <a:rPr lang="de-DE" sz="2400" dirty="0">
+                <a:solidFill>
+                  <a:schemeClr val="accent6">
+                    <a:lumMod val="50000"/>
+                  </a:schemeClr>
+                </a:solidFill>
+              </a:rPr>
+              <a:t>Entscheidung für </a:t>
+            </a:r>
+            <a:r>
+              <a:rPr lang="de-DE" sz="2400" dirty="0" err="1">
+                <a:solidFill>
+                  <a:schemeClr val="accent6">
+                    <a:lumMod val="50000"/>
+                  </a:schemeClr>
+                </a:solidFill>
+              </a:rPr>
+              <a:t>CMUSphinx</a:t>
+            </a:r>
+            <a:r>
+              <a:rPr lang="de-DE" sz="2400" dirty="0">
+                <a:solidFill>
+                  <a:schemeClr val="accent6">
+                    <a:lumMod val="50000"/>
+                  </a:schemeClr>
+                </a:solidFill>
+              </a:rPr>
+              <a:t> -&gt; Offline Verfügbar</a:t>
+            </a:r>
+          </a:p>
+          <a:p>
+            <a:pPr lvl="8">
+              <a:lnSpc>
+                <a:spcPct val="150000"/>
+              </a:lnSpc>
+            </a:pPr>
+            <a:r>
+              <a:rPr lang="de-DE" sz="2400" dirty="0">
+                <a:solidFill>
+                  <a:schemeClr val="accent6">
+                    <a:lumMod val="50000"/>
+                  </a:schemeClr>
+                </a:solidFill>
+              </a:rPr>
+              <a:t>            -&gt; Bereits Erfahrungen gemacht</a:t>
+            </a:r>
+          </a:p>
+          <a:p>
+            <a:pPr lvl="8">
+              <a:lnSpc>
+                <a:spcPct val="150000"/>
+              </a:lnSpc>
+            </a:pPr>
+            <a:r>
+              <a:rPr lang="de-DE" sz="2400" dirty="0">
+                <a:solidFill>
+                  <a:schemeClr val="accent6">
+                    <a:lumMod val="50000"/>
+                  </a:schemeClr>
+                </a:solidFill>
+              </a:rPr>
+              <a:t>            -&gt; Kostenlos und gut Dokumentiert</a:t>
+            </a:r>
+          </a:p>
+        </p:txBody>
+      </p:sp>
+      <p:sp>
+        <p:nvSpPr>
+          <p:cNvPr id="6" name="Textfeld 5">
+            <a:extLst>
+              <a:ext uri="{FF2B5EF4-FFF2-40B4-BE49-F238E27FC236}">
+                <a16:creationId xmlns:a16="http://schemas.microsoft.com/office/drawing/2014/main" id="{E6833731-128C-4631-AF0E-88B32F017F9E}"/>
+              </a:ext>
+            </a:extLst>
+          </p:cNvPr>
+          <p:cNvSpPr txBox="1"/>
+          <p:nvPr/>
+        </p:nvSpPr>
+        <p:spPr>
+          <a:xfrm>
+            <a:off x="164193" y="5987227"/>
+            <a:ext cx="10374701" cy="1107996"/>
+          </a:xfrm>
+          <a:prstGeom prst="rect">
+            <a:avLst/>
+          </a:prstGeom>
+          <a:noFill/>
+        </p:spPr>
+        <p:txBody>
+          <a:bodyPr wrap="square" rtlCol="0">
+            <a:spAutoFit/>
+          </a:bodyPr>
+          <a:lstStyle/>
+          <a:p>
+            <a:pPr marL="800100" lvl="1" indent="-342900">
+              <a:buFont typeface="Arial" panose="020B0604020202020204" pitchFamily="34" charset="0"/>
+              <a:buChar char="•"/>
+            </a:pPr>
+            <a:r>
+              <a:rPr lang="de-DE" sz="2400" dirty="0">
+                <a:solidFill>
+                  <a:schemeClr val="accent6">
+                    <a:lumMod val="50000"/>
+                  </a:schemeClr>
+                </a:solidFill>
+              </a:rPr>
+              <a:t>Gegenüberstellung der verfügbaren Spracherkennungssoftware</a:t>
             </a:r>
           </a:p>
           <a:p>
@@ -39969,27 +40173,18 @@
               <a:buChar char="•"/>
             </a:pPr>
             <a:r>
-              <a:rPr lang="de-DE" sz="2400" dirty="0"/>
-              <a:t>Gegenüberstellung der verfügbaren </a:t>
-            </a:r>
-            <a:r>
-              <a:rPr lang="de-DE" sz="2400" dirty="0" err="1"/>
-              <a:t>Sprachernkennungssoftware</a:t>
-            </a:r>
-            <a:endParaRPr lang="de-DE" sz="2400" dirty="0"/>
-          </a:p>
-          <a:p>
-            <a:pPr marL="800100" lvl="1" indent="-342900">
-              <a:buFont typeface="Arial" panose="020B0604020202020204" pitchFamily="34" charset="0"/>
-              <a:buChar char="•"/>
-            </a:pPr>
-            <a:r>
-              <a:rPr lang="de-DE" sz="2400" dirty="0"/>
+              <a:rPr lang="de-DE" sz="2400" dirty="0">
+                <a:solidFill>
+                  <a:schemeClr val="accent6">
+                    <a:lumMod val="50000"/>
+                  </a:schemeClr>
+                </a:solidFill>
+              </a:rPr>
               <a:t>Auswahl nach Dokumentationsqualität, Verfügbarkeit, Fehlerquoten</a:t>
             </a:r>
           </a:p>
           <a:p>
-            <a:endParaRPr lang="de-DE" sz="2400" dirty="0"/>
+            <a:endParaRPr lang="de-DE" dirty="0"/>
           </a:p>
         </p:txBody>
       </p:sp>
@@ -40144,6 +40339,448 @@
           </a:p>
         </p:txBody>
       </p:sp>
+      <p:sp>
+        <p:nvSpPr>
+          <p:cNvPr id="3" name="Textfeld 2">
+            <a:extLst>
+              <a:ext uri="{FF2B5EF4-FFF2-40B4-BE49-F238E27FC236}">
+                <a16:creationId xmlns:a16="http://schemas.microsoft.com/office/drawing/2014/main" id="{95ADD9DF-0F9F-4168-8274-902AA17E495E}"/>
+              </a:ext>
+            </a:extLst>
+          </p:cNvPr>
+          <p:cNvSpPr txBox="1"/>
+          <p:nvPr/>
+        </p:nvSpPr>
+        <p:spPr>
+          <a:xfrm>
+            <a:off x="675746" y="1951672"/>
+            <a:ext cx="7769830" cy="1754326"/>
+          </a:xfrm>
+          <a:prstGeom prst="rect">
+            <a:avLst/>
+          </a:prstGeom>
+          <a:noFill/>
+        </p:spPr>
+        <p:txBody>
+          <a:bodyPr wrap="square" rtlCol="0">
+            <a:spAutoFit/>
+          </a:bodyPr>
+          <a:lstStyle/>
+          <a:p>
+            <a:r>
+              <a:rPr lang="de-DE" dirty="0">
+                <a:solidFill>
+                  <a:schemeClr val="accent6">
+                    <a:lumMod val="50000"/>
+                  </a:schemeClr>
+                </a:solidFill>
+              </a:rPr>
+              <a:t>Key-Words um die Spracherkennung zu aktivieren: „</a:t>
+            </a:r>
+            <a:r>
+              <a:rPr lang="de-DE" b="1" dirty="0">
+                <a:solidFill>
+                  <a:schemeClr val="accent6">
+                    <a:lumMod val="50000"/>
+                  </a:schemeClr>
+                </a:solidFill>
+              </a:rPr>
+              <a:t>Start</a:t>
+            </a:r>
+            <a:r>
+              <a:rPr lang="de-DE" dirty="0">
+                <a:solidFill>
+                  <a:schemeClr val="accent6">
+                    <a:lumMod val="50000"/>
+                  </a:schemeClr>
+                </a:solidFill>
+              </a:rPr>
+              <a:t>“ und  „</a:t>
+            </a:r>
+            <a:r>
+              <a:rPr lang="de-DE" b="1" dirty="0" err="1">
+                <a:solidFill>
+                  <a:schemeClr val="accent6">
+                    <a:lumMod val="50000"/>
+                  </a:schemeClr>
+                </a:solidFill>
+              </a:rPr>
+              <a:t>Stop</a:t>
+            </a:r>
+            <a:r>
+              <a:rPr lang="de-DE" dirty="0">
+                <a:solidFill>
+                  <a:schemeClr val="accent6">
+                    <a:lumMod val="50000"/>
+                  </a:schemeClr>
+                </a:solidFill>
+              </a:rPr>
+              <a:t>“</a:t>
+            </a:r>
+          </a:p>
+          <a:p>
+            <a:r>
+              <a:rPr lang="de-DE" dirty="0">
+                <a:solidFill>
+                  <a:schemeClr val="accent6">
+                    <a:lumMod val="50000"/>
+                  </a:schemeClr>
+                </a:solidFill>
+              </a:rPr>
+              <a:t>	-&gt; Oft das Flasche Key-Word erkannt, da</a:t>
+            </a:r>
+          </a:p>
+          <a:p>
+            <a:endParaRPr lang="de-DE" dirty="0">
+              <a:solidFill>
+                <a:schemeClr val="accent6">
+                  <a:lumMod val="50000"/>
+                </a:schemeClr>
+              </a:solidFill>
+            </a:endParaRPr>
+          </a:p>
+          <a:p>
+            <a:r>
+              <a:rPr lang="de-DE" dirty="0">
+                <a:solidFill>
+                  <a:schemeClr val="accent6">
+                    <a:lumMod val="50000"/>
+                  </a:schemeClr>
+                </a:solidFill>
+              </a:rPr>
+              <a:t>Umbenennung notwendig um Fehlerquote zu verringern</a:t>
+            </a:r>
+          </a:p>
+          <a:p>
+            <a:r>
+              <a:rPr lang="de-DE" dirty="0">
+                <a:solidFill>
+                  <a:schemeClr val="accent6">
+                    <a:lumMod val="50000"/>
+                  </a:schemeClr>
+                </a:solidFill>
+              </a:rPr>
+              <a:t>	-&gt; „</a:t>
+            </a:r>
+            <a:r>
+              <a:rPr lang="de-DE" b="1" dirty="0">
+                <a:solidFill>
+                  <a:schemeClr val="accent6">
+                    <a:lumMod val="50000"/>
+                  </a:schemeClr>
+                </a:solidFill>
+              </a:rPr>
+              <a:t>HANA</a:t>
+            </a:r>
+            <a:r>
+              <a:rPr lang="de-DE" dirty="0">
+                <a:solidFill>
+                  <a:schemeClr val="accent6">
+                    <a:lumMod val="50000"/>
+                  </a:schemeClr>
+                </a:solidFill>
+              </a:rPr>
+              <a:t>“ und „</a:t>
+            </a:r>
+            <a:r>
+              <a:rPr lang="de-DE" b="1" dirty="0">
+                <a:solidFill>
+                  <a:schemeClr val="accent6">
+                    <a:lumMod val="50000"/>
+                  </a:schemeClr>
+                </a:solidFill>
+              </a:rPr>
+              <a:t>Okay</a:t>
+            </a:r>
+            <a:r>
+              <a:rPr lang="de-DE" dirty="0">
+                <a:solidFill>
+                  <a:schemeClr val="accent6">
+                    <a:lumMod val="50000"/>
+                  </a:schemeClr>
+                </a:solidFill>
+              </a:rPr>
+              <a:t>“</a:t>
+            </a:r>
+          </a:p>
+          <a:p>
+            <a:r>
+              <a:rPr lang="de-DE" dirty="0">
+                <a:solidFill>
+                  <a:schemeClr val="accent6">
+                    <a:lumMod val="50000"/>
+                  </a:schemeClr>
+                </a:solidFill>
+              </a:rPr>
+              <a:t>	-&gt; „S“ </a:t>
+            </a:r>
+            <a:r>
+              <a:rPr lang="de-DE" dirty="0" err="1">
+                <a:solidFill>
+                  <a:schemeClr val="accent6">
+                    <a:lumMod val="50000"/>
+                  </a:schemeClr>
+                </a:solidFill>
+              </a:rPr>
+              <a:t>betonung</a:t>
+            </a:r>
+            <a:r>
+              <a:rPr lang="de-DE" dirty="0">
+                <a:solidFill>
+                  <a:schemeClr val="accent6">
+                    <a:lumMod val="50000"/>
+                  </a:schemeClr>
+                </a:solidFill>
+              </a:rPr>
+              <a:t> fällt weg, dadurch genauere </a:t>
+            </a:r>
+            <a:r>
+              <a:rPr lang="de-DE" dirty="0" err="1">
+                <a:solidFill>
+                  <a:schemeClr val="accent6">
+                    <a:lumMod val="50000"/>
+                  </a:schemeClr>
+                </a:solidFill>
+              </a:rPr>
+              <a:t>differenzierung</a:t>
+            </a:r>
+            <a:endParaRPr lang="de-DE" dirty="0">
+              <a:solidFill>
+                <a:schemeClr val="accent6">
+                  <a:lumMod val="50000"/>
+                </a:schemeClr>
+              </a:solidFill>
+            </a:endParaRPr>
+          </a:p>
+        </p:txBody>
+      </p:sp>
+      <p:grpSp>
+        <p:nvGrpSpPr>
+          <p:cNvPr id="6" name="Gruppieren 5">
+            <a:extLst>
+              <a:ext uri="{FF2B5EF4-FFF2-40B4-BE49-F238E27FC236}">
+                <a16:creationId xmlns:a16="http://schemas.microsoft.com/office/drawing/2014/main" id="{A931DD61-F5F2-4091-B79F-DE44DF061F3C}"/>
+              </a:ext>
+            </a:extLst>
+          </p:cNvPr>
+          <p:cNvGrpSpPr/>
+          <p:nvPr/>
+        </p:nvGrpSpPr>
+        <p:grpSpPr>
+          <a:xfrm>
+            <a:off x="675746" y="3667136"/>
+            <a:ext cx="2497006" cy="2759932"/>
+            <a:chOff x="6514473" y="1821084"/>
+            <a:chExt cx="2497006" cy="2759932"/>
+          </a:xfrm>
+        </p:grpSpPr>
+        <p:pic>
+          <p:nvPicPr>
+            <p:cNvPr id="7" name="Grafik 6">
+              <a:extLst>
+                <a:ext uri="{FF2B5EF4-FFF2-40B4-BE49-F238E27FC236}">
+                  <a16:creationId xmlns:a16="http://schemas.microsoft.com/office/drawing/2014/main" id="{137907AB-271A-431F-9A16-2D48AC736EC6}"/>
+                </a:ext>
+              </a:extLst>
+            </p:cNvPr>
+            <p:cNvPicPr>
+              <a:picLocks noChangeAspect="1"/>
+            </p:cNvPicPr>
+            <p:nvPr/>
+          </p:nvPicPr>
+          <p:blipFill rotWithShape="1">
+            <a:blip r:embed="rId9">
+              <a:clrChange>
+                <a:clrFrom>
+                  <a:srgbClr val="FFFFFF"/>
+                </a:clrFrom>
+                <a:clrTo>
+                  <a:srgbClr val="FFFFFF">
+                    <a:alpha val="0"/>
+                  </a:srgbClr>
+                </a:clrTo>
+              </a:clrChange>
+              <a:duotone>
+                <a:prstClr val="black"/>
+                <a:schemeClr val="tx2">
+                  <a:tint val="45000"/>
+                  <a:satMod val="400000"/>
+                </a:schemeClr>
+              </a:duotone>
+              <a:extLst>
+                <a:ext uri="{BEBA8EAE-BF5A-486C-A8C5-ECC9F3942E4B}">
+                  <a14:imgProps xmlns:a14="http://schemas.microsoft.com/office/drawing/2010/main">
+                    <a14:imgLayer r:embed="rId10">
+                      <a14:imgEffect>
+                        <a14:artisticPhotocopy/>
+                      </a14:imgEffect>
+                      <a14:imgEffect>
+                        <a14:sharpenSoften amount="50000"/>
+                      </a14:imgEffect>
+                    </a14:imgLayer>
+                  </a14:imgProps>
+                </a:ext>
+                <a:ext uri="{28A0092B-C50C-407E-A947-70E740481C1C}">
+                  <a14:useLocalDpi xmlns:a14="http://schemas.microsoft.com/office/drawing/2010/main" val="0"/>
+                </a:ext>
+              </a:extLst>
+            </a:blip>
+            <a:srcRect r="4982"/>
+            <a:stretch/>
+          </p:blipFill>
+          <p:spPr>
+            <a:xfrm>
+              <a:off x="6514473" y="1821084"/>
+              <a:ext cx="2497006" cy="2759932"/>
+            </a:xfrm>
+            <a:prstGeom prst="rect">
+              <a:avLst/>
+            </a:prstGeom>
+          </p:spPr>
+        </p:pic>
+        <p:sp>
+          <p:nvSpPr>
+            <p:cNvPr id="8" name="Textfeld 7">
+              <a:extLst>
+                <a:ext uri="{FF2B5EF4-FFF2-40B4-BE49-F238E27FC236}">
+                  <a16:creationId xmlns:a16="http://schemas.microsoft.com/office/drawing/2014/main" id="{87C6538D-48A5-45EE-9736-796617EFBE9C}"/>
+                </a:ext>
+              </a:extLst>
+            </p:cNvPr>
+            <p:cNvSpPr txBox="1"/>
+            <p:nvPr/>
+          </p:nvSpPr>
+          <p:spPr>
+            <a:xfrm rot="20820066">
+              <a:off x="6915561" y="2137945"/>
+              <a:ext cx="1920240" cy="307777"/>
+            </a:xfrm>
+            <a:prstGeom prst="rect">
+              <a:avLst/>
+            </a:prstGeom>
+            <a:noFill/>
+          </p:spPr>
+          <p:txBody>
+            <a:bodyPr wrap="square" rtlCol="0">
+              <a:spAutoFit/>
+            </a:bodyPr>
+            <a:lstStyle/>
+            <a:p>
+              <a:r>
+                <a:rPr lang="de-DE" sz="1400" dirty="0"/>
+                <a:t>Start: 45…</a:t>
+              </a:r>
+            </a:p>
+          </p:txBody>
+        </p:sp>
+      </p:grpSp>
+      <p:sp>
+        <p:nvSpPr>
+          <p:cNvPr id="4" name="Pfeil: nach rechts 3">
+            <a:extLst>
+              <a:ext uri="{FF2B5EF4-FFF2-40B4-BE49-F238E27FC236}">
+                <a16:creationId xmlns:a16="http://schemas.microsoft.com/office/drawing/2014/main" id="{CC87B314-0583-4E2A-BA65-43521C9564AE}"/>
+              </a:ext>
+            </a:extLst>
+          </p:cNvPr>
+          <p:cNvSpPr/>
+          <p:nvPr/>
+        </p:nvSpPr>
+        <p:spPr>
+          <a:xfrm>
+            <a:off x="3364302" y="4871698"/>
+            <a:ext cx="1035170" cy="649208"/>
+          </a:xfrm>
+          <a:prstGeom prst="rightArrow">
+            <a:avLst/>
+          </a:prstGeom>
+        </p:spPr>
+        <p:style>
+          <a:lnRef idx="2">
+            <a:schemeClr val="accent1">
+              <a:shade val="50000"/>
+            </a:schemeClr>
+          </a:lnRef>
+          <a:fillRef idx="1">
+            <a:schemeClr val="accent1"/>
+          </a:fillRef>
+          <a:effectRef idx="0">
+            <a:schemeClr val="accent1"/>
+          </a:effectRef>
+          <a:fontRef idx="minor">
+            <a:schemeClr val="lt1"/>
+          </a:fontRef>
+        </p:style>
+        <p:txBody>
+          <a:bodyPr rtlCol="0" anchor="ctr"/>
+          <a:lstStyle/>
+          <a:p>
+            <a:pPr algn="ctr"/>
+            <a:endParaRPr lang="de-DE"/>
+          </a:p>
+        </p:txBody>
+      </p:sp>
+      <p:sp>
+        <p:nvSpPr>
+          <p:cNvPr id="13" name="Textfeld 12">
+            <a:extLst>
+              <a:ext uri="{FF2B5EF4-FFF2-40B4-BE49-F238E27FC236}">
+                <a16:creationId xmlns:a16="http://schemas.microsoft.com/office/drawing/2014/main" id="{F944F317-237C-426F-8708-0B8C1640A474}"/>
+              </a:ext>
+            </a:extLst>
+          </p:cNvPr>
+          <p:cNvSpPr txBox="1"/>
+          <p:nvPr/>
+        </p:nvSpPr>
+        <p:spPr>
+          <a:xfrm>
+            <a:off x="4690210" y="5011636"/>
+            <a:ext cx="3755366" cy="369332"/>
+          </a:xfrm>
+          <a:prstGeom prst="rect">
+            <a:avLst/>
+          </a:prstGeom>
+          <a:noFill/>
+        </p:spPr>
+        <p:txBody>
+          <a:bodyPr wrap="square" rtlCol="0">
+            <a:spAutoFit/>
+          </a:bodyPr>
+          <a:lstStyle/>
+          <a:p>
+            <a:r>
+              <a:rPr lang="de-DE" dirty="0">
+                <a:solidFill>
+                  <a:schemeClr val="accent6">
+                    <a:lumMod val="50000"/>
+                  </a:schemeClr>
+                </a:solidFill>
+              </a:rPr>
+              <a:t>Erkennung: „</a:t>
+            </a:r>
+            <a:r>
+              <a:rPr lang="de-DE" dirty="0" err="1">
+                <a:solidFill>
+                  <a:schemeClr val="accent6">
+                    <a:lumMod val="50000"/>
+                  </a:schemeClr>
+                </a:solidFill>
+              </a:rPr>
+              <a:t>Stop</a:t>
+            </a:r>
+            <a:r>
+              <a:rPr lang="de-DE" dirty="0">
+                <a:solidFill>
+                  <a:schemeClr val="accent6">
+                    <a:lumMod val="50000"/>
+                  </a:schemeClr>
+                </a:solidFill>
+              </a:rPr>
+              <a:t>“ -&gt; Keine Aufnahme</a:t>
+            </a:r>
+          </a:p>
+        </p:txBody>
+      </p:sp>
     </p:spTree>
     <p:extLst>
       <p:ext uri="{BB962C8B-B14F-4D97-AF65-F5344CB8AC3E}">
@@ -40166,6 +40803,89 @@
       </p:transition>
     </mc:Fallback>
   </mc:AlternateContent>
+  <p:timing>
+    <p:tnLst>
+      <p:par>
+        <p:cTn id="1" dur="indefinite" restart="never" nodeType="tmRoot">
+          <p:childTnLst>
+            <p:seq concurrent="1" nextAc="seek">
+              <p:cTn id="2" dur="indefinite" nodeType="mainSeq">
+                <p:childTnLst>
+                  <p:par>
+                    <p:cTn id="3" fill="hold">
+                      <p:stCondLst>
+                        <p:cond delay="indefinite"/>
+                      </p:stCondLst>
+                      <p:childTnLst>
+                        <p:par>
+                          <p:cTn id="4" fill="hold">
+                            <p:stCondLst>
+                              <p:cond delay="0"/>
+                            </p:stCondLst>
+                            <p:childTnLst>
+                              <p:par>
+                                <p:cTn id="5" presetID="10" presetClass="entr" presetSubtype="0" fill="hold" nodeType="clickEffect">
+                                  <p:stCondLst>
+                                    <p:cond delay="0"/>
+                                  </p:stCondLst>
+                                  <p:childTnLst>
+                                    <p:set>
+                                      <p:cBhvr>
+                                        <p:cTn id="6" dur="1" fill="hold">
+                                          <p:stCondLst>
+                                            <p:cond delay="0"/>
+                                          </p:stCondLst>
+                                        </p:cTn>
+                                        <p:tgtEl>
+                                          <p:spTgt spid="6"/>
+                                        </p:tgtEl>
+                                        <p:attrNameLst>
+                                          <p:attrName>style.visibility</p:attrName>
+                                        </p:attrNameLst>
+                                      </p:cBhvr>
+                                      <p:to>
+                                        <p:strVal val="visible"/>
+                                      </p:to>
+                                    </p:set>
+                                    <p:animEffect transition="in" filter="fade">
+                                      <p:cBhvr>
+                                        <p:cTn id="7" dur="500"/>
+                                        <p:tgtEl>
+                                          <p:spTgt spid="6"/>
+                                        </p:tgtEl>
+                                      </p:cBhvr>
+                                    </p:animEffect>
+                                  </p:childTnLst>
+                                </p:cTn>
+                              </p:par>
+                            </p:childTnLst>
+                          </p:cTn>
+                        </p:par>
+                      </p:childTnLst>
+                    </p:cTn>
+                  </p:par>
+                </p:childTnLst>
+              </p:cTn>
+              <p:prevCondLst>
+                <p:cond evt="onPrev" delay="0">
+                  <p:tgtEl>
+                    <p:sldTgt/>
+                  </p:tgtEl>
+                </p:cond>
+              </p:prevCondLst>
+              <p:nextCondLst>
+                <p:cond evt="onNext" delay="0">
+                  <p:tgtEl>
+                    <p:sldTgt/>
+                  </p:tgtEl>
+                </p:cond>
+              </p:nextCondLst>
+            </p:seq>
+          </p:childTnLst>
+        </p:cTn>
+      </p:par>
+    </p:tnLst>
+  </p:timing>
 </p:sld>
 </file>
 
@@ -40291,6 +41011,41 @@
                 <a:latin typeface="Corbel Light" panose="020B0303020204020204" pitchFamily="34" charset="0"/>
               </a:rPr>
               <a:t> User Interface</a:t>
+            </a:r>
+          </a:p>
+        </p:txBody>
+      </p:sp>
+      <p:sp>
+        <p:nvSpPr>
+          <p:cNvPr id="3" name="Textfeld 2">
+            <a:extLst>
+              <a:ext uri="{FF2B5EF4-FFF2-40B4-BE49-F238E27FC236}">
+                <a16:creationId xmlns:a16="http://schemas.microsoft.com/office/drawing/2014/main" id="{239D2F6A-D12F-4A46-BC36-E7AC2AD096E7}"/>
+              </a:ext>
+            </a:extLst>
+          </p:cNvPr>
+          <p:cNvSpPr txBox="1"/>
+          <p:nvPr/>
+        </p:nvSpPr>
+        <p:spPr>
+          <a:xfrm>
+            <a:off x="1477992" y="2490158"/>
+            <a:ext cx="2547668" cy="369332"/>
+          </a:xfrm>
+          <a:prstGeom prst="rect">
+            <a:avLst/>
+          </a:prstGeom>
+          <a:noFill/>
+        </p:spPr>
+        <p:txBody>
+          <a:bodyPr wrap="square" rtlCol="0">
+            <a:spAutoFit/>
+          </a:bodyPr>
+          <a:lstStyle/>
+          <a:p>
+            <a:r>
+              <a:rPr lang="de-DE" dirty="0"/>
+              <a:t>Screenshots einfügen</a:t>
             </a:r>
           </a:p>
         </p:txBody>

--- a/CavallaroAngelo/Präsentation Wahlmodulvorstellung/SAPlexa Präsentation.pptx
+++ b/CavallaroAngelo/Präsentation Wahlmodulvorstellung/SAPlexa Präsentation.pptx
@@ -5,7 +5,7 @@
     <p:sldMasterId id="2147483648" r:id="rId1"/>
   </p:sldMasterIdLst>
   <p:notesMasterIdLst>
-    <p:notesMasterId r:id="rId16"/>
+    <p:notesMasterId r:id="rId17"/>
   </p:notesMasterIdLst>
   <p:sldIdLst>
     <p:sldId id="256" r:id="rId2"/>
@@ -13,15 +13,16 @@
     <p:sldId id="259" r:id="rId4"/>
     <p:sldId id="269" r:id="rId5"/>
     <p:sldId id="270" r:id="rId6"/>
-    <p:sldId id="277" r:id="rId7"/>
-    <p:sldId id="271" r:id="rId8"/>
-    <p:sldId id="273" r:id="rId9"/>
-    <p:sldId id="272" r:id="rId10"/>
-    <p:sldId id="274" r:id="rId11"/>
-    <p:sldId id="276" r:id="rId12"/>
-    <p:sldId id="275" r:id="rId13"/>
-    <p:sldId id="267" r:id="rId14"/>
-    <p:sldId id="265" r:id="rId15"/>
+    <p:sldId id="278" r:id="rId7"/>
+    <p:sldId id="277" r:id="rId8"/>
+    <p:sldId id="271" r:id="rId9"/>
+    <p:sldId id="273" r:id="rId10"/>
+    <p:sldId id="272" r:id="rId11"/>
+    <p:sldId id="274" r:id="rId12"/>
+    <p:sldId id="276" r:id="rId13"/>
+    <p:sldId id="275" r:id="rId14"/>
+    <p:sldId id="267" r:id="rId15"/>
+    <p:sldId id="265" r:id="rId16"/>
   </p:sldIdLst>
   <p:sldSz cx="12192000" cy="6858000"/>
   <p:notesSz cx="6858000" cy="9144000"/>
@@ -3605,6 +3606,875 @@
 </file>
 
 <file path=ppt/diagrams/colors13.xml><?xml version="1.0" encoding="utf-8"?>
+<dgm:colorsDef xmlns:dgm="http://schemas.openxmlformats.org/drawingml/2006/diagram" xmlns:a="http://schemas.openxmlformats.org/drawingml/2006/main" uniqueId="urn:microsoft.com/office/officeart/2005/8/colors/accent6_4">
+  <dgm:title val=""/>
+  <dgm:desc val=""/>
+  <dgm:catLst>
+    <dgm:cat type="accent6" pri="11400"/>
+  </dgm:catLst>
+  <dgm:styleLbl name="node0">
+    <dgm:fillClrLst meth="cycle">
+      <a:schemeClr val="accent6">
+        <a:shade val="60000"/>
+      </a:schemeClr>
+    </dgm:fillClrLst>
+    <dgm:linClrLst meth="repeat">
+      <a:schemeClr val="lt1"/>
+    </dgm:linClrLst>
+    <dgm:effectClrLst/>
+    <dgm:txLinClrLst/>
+    <dgm:txFillClrLst/>
+    <dgm:txEffectClrLst/>
+  </dgm:styleLbl>
+  <dgm:styleLbl name="alignNode1">
+    <dgm:fillClrLst meth="cycle">
+      <a:schemeClr val="accent6">
+        <a:shade val="50000"/>
+      </a:schemeClr>
+      <a:schemeClr val="accent6">
+        <a:tint val="55000"/>
+      </a:schemeClr>
+    </dgm:fillClrLst>
+    <dgm:linClrLst meth="cycle">
+      <a:schemeClr val="accent6">
+        <a:shade val="50000"/>
+      </a:schemeClr>
+      <a:schemeClr val="accent6">
+        <a:tint val="55000"/>
+      </a:schemeClr>
+    </dgm:linClrLst>
+    <dgm:effectClrLst/>
+    <dgm:txLinClrLst/>
+    <dgm:txFillClrLst/>
+    <dgm:txEffectClrLst/>
+  </dgm:styleLbl>
+  <dgm:styleLbl name="node1">
+    <dgm:fillClrLst meth="cycle">
+      <a:schemeClr val="accent6">
+        <a:shade val="50000"/>
+      </a:schemeClr>
+      <a:schemeClr val="accent6">
+        <a:tint val="55000"/>
+      </a:schemeClr>
+    </dgm:fillClrLst>
+    <dgm:linClrLst meth="repeat">
+      <a:schemeClr val="lt1"/>
+    </dgm:linClrLst>
+    <dgm:effectClrLst/>
+    <dgm:txLinClrLst/>
+    <dgm:txFillClrLst/>
+    <dgm:txEffectClrLst/>
+  </dgm:styleLbl>
+  <dgm:styleLbl name="lnNode1">
+    <dgm:fillClrLst meth="cycle">
+      <a:schemeClr val="accent6">
+        <a:shade val="50000"/>
+      </a:schemeClr>
+      <a:schemeClr val="accent6">
+        <a:tint val="55000"/>
+      </a:schemeClr>
+    </dgm:fillClrLst>
+    <dgm:linClrLst meth="repeat">
+      <a:schemeClr val="lt1"/>
+    </dgm:linClrLst>
+    <dgm:effectClrLst/>
+    <dgm:txLinClrLst/>
+    <dgm:txFillClrLst/>
+    <dgm:txEffectClrLst/>
+  </dgm:styleLbl>
+  <dgm:styleLbl name="vennNode1">
+    <dgm:fillClrLst meth="cycle">
+      <a:schemeClr val="accent6">
+        <a:shade val="80000"/>
+        <a:alpha val="50000"/>
+      </a:schemeClr>
+      <a:schemeClr val="accent6">
+        <a:tint val="50000"/>
+        <a:alpha val="50000"/>
+      </a:schemeClr>
+    </dgm:fillClrLst>
+    <dgm:linClrLst meth="repeat">
+      <a:schemeClr val="lt1"/>
+    </dgm:linClrLst>
+    <dgm:effectClrLst/>
+    <dgm:txLinClrLst/>
+    <dgm:txFillClrLst/>
+    <dgm:txEffectClrLst/>
+  </dgm:styleLbl>
+  <dgm:styleLbl name="node2">
+    <dgm:fillClrLst>
+      <a:schemeClr val="accent6">
+        <a:shade val="80000"/>
+      </a:schemeClr>
+    </dgm:fillClrLst>
+    <dgm:linClrLst meth="repeat">
+      <a:schemeClr val="lt1"/>
+    </dgm:linClrLst>
+    <dgm:effectClrLst/>
+    <dgm:txLinClrLst/>
+    <dgm:txFillClrLst/>
+    <dgm:txEffectClrLst/>
+  </dgm:styleLbl>
+  <dgm:styleLbl name="node3">
+    <dgm:fillClrLst>
+      <a:schemeClr val="accent6">
+        <a:tint val="99000"/>
+      </a:schemeClr>
+    </dgm:fillClrLst>
+    <dgm:linClrLst meth="repeat">
+      <a:schemeClr val="lt1"/>
+    </dgm:linClrLst>
+    <dgm:effectClrLst/>
+    <dgm:txLinClrLst/>
+    <dgm:txFillClrLst/>
+    <dgm:txEffectClrLst/>
+  </dgm:styleLbl>
+  <dgm:styleLbl name="node4">
+    <dgm:fillClrLst>
+      <a:schemeClr val="accent6">
+        <a:tint val="70000"/>
+      </a:schemeClr>
+    </dgm:fillClrLst>
+    <dgm:linClrLst meth="repeat">
+      <a:schemeClr val="lt1"/>
+    </dgm:linClrLst>
+    <dgm:effectClrLst/>
+    <dgm:txLinClrLst/>
+    <dgm:txFillClrLst/>
+    <dgm:txEffectClrLst/>
+  </dgm:styleLbl>
+  <dgm:styleLbl name="fgImgPlace1">
+    <dgm:fillClrLst>
+      <a:schemeClr val="accent6">
+        <a:tint val="50000"/>
+      </a:schemeClr>
+      <a:schemeClr val="accent6">
+        <a:tint val="55000"/>
+      </a:schemeClr>
+    </dgm:fillClrLst>
+    <dgm:linClrLst meth="repeat">
+      <a:schemeClr val="lt1"/>
+    </dgm:linClrLst>
+    <dgm:effectClrLst/>
+    <dgm:txLinClrLst/>
+    <dgm:txFillClrLst meth="repeat">
+      <a:schemeClr val="lt1"/>
+    </dgm:txFillClrLst>
+    <dgm:txEffectClrLst/>
+  </dgm:styleLbl>
+  <dgm:styleLbl name="alignImgPlace1">
+    <dgm:fillClrLst>
+      <a:schemeClr val="accent6">
+        <a:tint val="50000"/>
+      </a:schemeClr>
+      <a:schemeClr val="accent6">
+        <a:tint val="55000"/>
+      </a:schemeClr>
+    </dgm:fillClrLst>
+    <dgm:linClrLst meth="repeat">
+      <a:schemeClr val="lt1"/>
+    </dgm:linClrLst>
+    <dgm:effectClrLst/>
+    <dgm:txLinClrLst/>
+    <dgm:txFillClrLst meth="repeat">
+      <a:schemeClr val="lt1"/>
+    </dgm:txFillClrLst>
+    <dgm:txEffectClrLst/>
+  </dgm:styleLbl>
+  <dgm:styleLbl name="bgImgPlace1">
+    <dgm:fillClrLst>
+      <a:schemeClr val="accent6">
+        <a:tint val="50000"/>
+      </a:schemeClr>
+      <a:schemeClr val="accent6">
+        <a:tint val="55000"/>
+      </a:schemeClr>
+    </dgm:fillClrLst>
+    <dgm:linClrLst meth="repeat">
+      <a:schemeClr val="lt1"/>
+    </dgm:linClrLst>
+    <dgm:effectClrLst/>
+    <dgm:txLinClrLst/>
+    <dgm:txFillClrLst meth="repeat">
+      <a:schemeClr val="lt1"/>
+    </dgm:txFillClrLst>
+    <dgm:txEffectClrLst/>
+  </dgm:styleLbl>
+  <dgm:styleLbl name="sibTrans2D1">
+    <dgm:fillClrLst meth="cycle">
+      <a:schemeClr val="accent6">
+        <a:shade val="90000"/>
+      </a:schemeClr>
+      <a:schemeClr val="accent6">
+        <a:tint val="50000"/>
+      </a:schemeClr>
+    </dgm:fillClrLst>
+    <dgm:linClrLst meth="cycle">
+      <a:schemeClr val="accent6">
+        <a:shade val="90000"/>
+      </a:schemeClr>
+      <a:schemeClr val="accent6">
+        <a:tint val="50000"/>
+      </a:schemeClr>
+    </dgm:linClrLst>
+    <dgm:effectClrLst/>
+    <dgm:txLinClrLst/>
+    <dgm:txFillClrLst/>
+    <dgm:txEffectClrLst/>
+  </dgm:styleLbl>
+  <dgm:styleLbl name="fgSibTrans2D1">
+    <dgm:fillClrLst meth="cycle">
+      <a:schemeClr val="accent6">
+        <a:shade val="90000"/>
+      </a:schemeClr>
+      <a:schemeClr val="accent6">
+        <a:tint val="50000"/>
+      </a:schemeClr>
+    </dgm:fillClrLst>
+    <dgm:linClrLst meth="cycle">
+      <a:schemeClr val="accent6">
+        <a:shade val="90000"/>
+      </a:schemeClr>
+      <a:schemeClr val="accent6">
+        <a:tint val="50000"/>
+      </a:schemeClr>
+    </dgm:linClrLst>
+    <dgm:effectClrLst/>
+    <dgm:txLinClrLst/>
+    <dgm:txFillClrLst/>
+    <dgm:txEffectClrLst/>
+  </dgm:styleLbl>
+  <dgm:styleLbl name="bgSibTrans2D1">
+    <dgm:fillClrLst meth="cycle">
+      <a:schemeClr val="accent6">
+        <a:shade val="90000"/>
+      </a:schemeClr>
+      <a:schemeClr val="accent6">
+        <a:tint val="50000"/>
+      </a:schemeClr>
+    </dgm:fillClrLst>
+    <dgm:linClrLst meth="cycle">
+      <a:schemeClr val="accent6">
+        <a:shade val="90000"/>
+      </a:schemeClr>
+      <a:schemeClr val="accent6">
+        <a:tint val="50000"/>
+      </a:schemeClr>
+    </dgm:linClrLst>
+    <dgm:effectClrLst/>
+    <dgm:txLinClrLst/>
+    <dgm:txFillClrLst/>
+    <dgm:txEffectClrLst/>
+  </dgm:styleLbl>
+  <dgm:styleLbl name="sibTrans1D1">
+    <dgm:fillClrLst meth="cycle">
+      <a:schemeClr val="accent6">
+        <a:shade val="90000"/>
+      </a:schemeClr>
+      <a:schemeClr val="accent6">
+        <a:tint val="50000"/>
+      </a:schemeClr>
+    </dgm:fillClrLst>
+    <dgm:linClrLst meth="cycle">
+      <a:schemeClr val="accent6">
+        <a:shade val="90000"/>
+      </a:schemeClr>
+      <a:schemeClr val="accent6">
+        <a:tint val="50000"/>
+      </a:schemeClr>
+    </dgm:linClrLst>
+    <dgm:effectClrLst/>
+    <dgm:txLinClrLst/>
+    <dgm:txFillClrLst meth="repeat">
+      <a:schemeClr val="tx1"/>
+    </dgm:txFillClrLst>
+    <dgm:txEffectClrLst/>
+  </dgm:styleLbl>
+  <dgm:styleLbl name="callout">
+    <dgm:fillClrLst meth="repeat">
+      <a:schemeClr val="accent6"/>
+    </dgm:fillClrLst>
+    <dgm:linClrLst meth="repeat">
+      <a:schemeClr val="accent6"/>
+    </dgm:linClrLst>
+    <dgm:effectClrLst/>
+    <dgm:txLinClrLst/>
+    <dgm:txFillClrLst meth="repeat">
+      <a:schemeClr val="tx1"/>
+    </dgm:txFillClrLst>
+    <dgm:txEffectClrLst/>
+  </dgm:styleLbl>
+  <dgm:styleLbl name="asst0">
+    <dgm:fillClrLst meth="repeat">
+      <a:schemeClr val="accent6">
+        <a:shade val="80000"/>
+      </a:schemeClr>
+    </dgm:fillClrLst>
+    <dgm:linClrLst meth="repeat">
+      <a:schemeClr val="lt1"/>
+    </dgm:linClrLst>
+    <dgm:effectClrLst/>
+    <dgm:txLinClrLst/>
+    <dgm:txFillClrLst/>
+    <dgm:txEffectClrLst/>
+  </dgm:styleLbl>
+  <dgm:styleLbl name="asst1">
+    <dgm:fillClrLst meth="repeat">
+      <a:schemeClr val="accent6">
+        <a:shade val="80000"/>
+      </a:schemeClr>
+    </dgm:fillClrLst>
+    <dgm:linClrLst meth="repeat">
+      <a:schemeClr val="lt1"/>
+    </dgm:linClrLst>
+    <dgm:effectClrLst/>
+    <dgm:txLinClrLst/>
+    <dgm:txFillClrLst/>
+    <dgm:txEffectClrLst/>
+  </dgm:styleLbl>
+  <dgm:styleLbl name="asst2">
+    <dgm:fillClrLst>
+      <a:schemeClr val="accent6">
+        <a:tint val="90000"/>
+      </a:schemeClr>
+    </dgm:fillClrLst>
+    <dgm:linClrLst meth="repeat">
+      <a:schemeClr val="lt1"/>
+    </dgm:linClrLst>
+    <dgm:effectClrLst/>
+    <dgm:txLinClrLst/>
+    <dgm:txFillClrLst/>
+    <dgm:txEffectClrLst/>
+  </dgm:styleLbl>
+  <dgm:styleLbl name="asst3">
+    <dgm:fillClrLst>
+      <a:schemeClr val="accent6">
+        <a:tint val="70000"/>
+      </a:schemeClr>
+    </dgm:fillClrLst>
+    <dgm:linClrLst meth="repeat">
+      <a:schemeClr val="lt1"/>
+    </dgm:linClrLst>
+    <dgm:effectClrLst/>
+    <dgm:txLinClrLst/>
+    <dgm:txFillClrLst/>
+    <dgm:txEffectClrLst/>
+  </dgm:styleLbl>
+  <dgm:styleLbl name="asst4">
+    <dgm:fillClrLst>
+      <a:schemeClr val="accent6">
+        <a:tint val="50000"/>
+      </a:schemeClr>
+    </dgm:fillClrLst>
+    <dgm:linClrLst meth="repeat">
+      <a:schemeClr val="lt1"/>
+    </dgm:linClrLst>
+    <dgm:effectClrLst/>
+    <dgm:txLinClrLst/>
+    <dgm:txFillClrLst/>
+    <dgm:txEffectClrLst/>
+  </dgm:styleLbl>
+  <dgm:styleLbl name="parChTrans2D1">
+    <dgm:fillClrLst meth="repeat">
+      <a:schemeClr val="accent6">
+        <a:tint val="60000"/>
+      </a:schemeClr>
+    </dgm:fillClrLst>
+    <dgm:linClrLst meth="repeat">
+      <a:schemeClr val="accent6">
+        <a:shade val="80000"/>
+      </a:schemeClr>
+    </dgm:linClrLst>
+    <dgm:effectClrLst/>
+    <dgm:txLinClrLst/>
+    <dgm:txFillClrLst/>
+    <dgm:txEffectClrLst/>
+  </dgm:styleLbl>
+  <dgm:styleLbl name="parChTrans2D2">
+    <dgm:fillClrLst meth="repeat">
+      <a:schemeClr val="accent6">
+        <a:tint val="90000"/>
+      </a:schemeClr>
+    </dgm:fillClrLst>
+    <dgm:linClrLst meth="repeat">
+      <a:schemeClr val="accent6">
+        <a:tint val="90000"/>
+      </a:schemeClr>
+    </dgm:linClrLst>
+    <dgm:effectClrLst/>
+    <dgm:txLinClrLst/>
+    <dgm:txFillClrLst/>
+    <dgm:txEffectClrLst/>
+  </dgm:styleLbl>
+  <dgm:styleLbl name="parChTrans2D3">
+    <dgm:fillClrLst meth="repeat">
+      <a:schemeClr val="accent6">
+        <a:tint val="70000"/>
+      </a:schemeClr>
+    </dgm:fillClrLst>
+    <dgm:linClrLst meth="repeat">
+      <a:schemeClr val="accent6">
+        <a:tint val="70000"/>
+      </a:schemeClr>
+    </dgm:linClrLst>
+    <dgm:effectClrLst/>
+    <dgm:txLinClrLst/>
+    <dgm:txFillClrLst/>
+    <dgm:txEffectClrLst/>
+  </dgm:styleLbl>
+  <dgm:styleLbl name="parChTrans2D4">
+    <dgm:fillClrLst meth="repeat">
+      <a:schemeClr val="accent6">
+        <a:tint val="50000"/>
+      </a:schemeClr>
+    </dgm:fillClrLst>
+    <dgm:linClrLst meth="repeat">
+      <a:schemeClr val="accent6">
+        <a:tint val="50000"/>
+      </a:schemeClr>
+    </dgm:linClrLst>
+    <dgm:effectClrLst/>
+    <dgm:txLinClrLst/>
+    <dgm:txFillClrLst meth="repeat">
+      <a:schemeClr val="dk1"/>
+    </dgm:txFillClrLst>
+    <dgm:txEffectClrLst/>
+  </dgm:styleLbl>
+  <dgm:styleLbl name="parChTrans1D1">
+    <dgm:fillClrLst meth="repeat">
+      <a:schemeClr val="accent6">
+        <a:shade val="80000"/>
+      </a:schemeClr>
+    </dgm:fillClrLst>
+    <dgm:linClrLst meth="repeat">
+      <a:schemeClr val="accent6">
+        <a:shade val="80000"/>
+      </a:schemeClr>
+    </dgm:linClrLst>
+    <dgm:effectClrLst/>
+    <dgm:txLinClrLst/>
+    <dgm:txFillClrLst meth="repeat">
+      <a:schemeClr val="tx1"/>
+    </dgm:txFillClrLst>
+    <dgm:txEffectClrLst/>
+  </dgm:styleLbl>
+  <dgm:styleLbl name="parChTrans1D2">
+    <dgm:fillClrLst meth="repeat">
+      <a:schemeClr val="accent6">
+        <a:tint val="90000"/>
+      </a:schemeClr>
+    </dgm:fillClrLst>
+    <dgm:linClrLst meth="repeat">
+      <a:schemeClr val="accent6">
+        <a:tint val="90000"/>
+      </a:schemeClr>
+    </dgm:linClrLst>
+    <dgm:effectClrLst/>
+    <dgm:txLinClrLst/>
+    <dgm:txFillClrLst meth="repeat">
+      <a:schemeClr val="tx1"/>
+    </dgm:txFillClrLst>
+    <dgm:txEffectClrLst/>
+  </dgm:styleLbl>
+  <dgm:styleLbl name="parChTrans1D3">
+    <dgm:fillClrLst meth="repeat">
+      <a:schemeClr val="accent6">
+        <a:tint val="70000"/>
+      </a:schemeClr>
+    </dgm:fillClrLst>
+    <dgm:linClrLst meth="repeat">
+      <a:schemeClr val="accent6">
+        <a:tint val="70000"/>
+      </a:schemeClr>
+    </dgm:linClrLst>
+    <dgm:effectClrLst/>
+    <dgm:txLinClrLst/>
+    <dgm:txFillClrLst meth="repeat">
+      <a:schemeClr val="tx1"/>
+    </dgm:txFillClrLst>
+    <dgm:txEffectClrLst/>
+  </dgm:styleLbl>
+  <dgm:styleLbl name="parChTrans1D4">
+    <dgm:fillClrLst meth="repeat">
+      <a:schemeClr val="accent6">
+        <a:tint val="50000"/>
+      </a:schemeClr>
+    </dgm:fillClrLst>
+    <dgm:linClrLst meth="repeat">
+      <a:schemeClr val="accent6">
+        <a:tint val="50000"/>
+      </a:schemeClr>
+    </dgm:linClrLst>
+    <dgm:effectClrLst/>
+    <dgm:txLinClrLst/>
+    <dgm:txFillClrLst meth="repeat">
+      <a:schemeClr val="tx1"/>
+    </dgm:txFillClrLst>
+    <dgm:txEffectClrLst/>
+  </dgm:styleLbl>
+  <dgm:styleLbl name="fgAcc1">
+    <dgm:fillClrLst meth="repeat">
+      <a:schemeClr val="lt1">
+        <a:alpha val="90000"/>
+      </a:schemeClr>
+    </dgm:fillClrLst>
+    <dgm:linClrLst meth="cycle">
+      <a:schemeClr val="accent6">
+        <a:shade val="50000"/>
+      </a:schemeClr>
+      <a:schemeClr val="accent6">
+        <a:tint val="55000"/>
+      </a:schemeClr>
+    </dgm:linClrLst>
+    <dgm:effectClrLst/>
+    <dgm:txLinClrLst/>
+    <dgm:txFillClrLst meth="repeat">
+      <a:schemeClr val="dk1"/>
+    </dgm:txFillClrLst>
+    <dgm:txEffectClrLst/>
+  </dgm:styleLbl>
+  <dgm:styleLbl name="conFgAcc1">
+    <dgm:fillClrLst meth="repeat">
+      <a:schemeClr val="lt1">
+        <a:alpha val="90000"/>
+      </a:schemeClr>
+    </dgm:fillClrLst>
+    <dgm:linClrLst meth="cycle">
+      <a:schemeClr val="accent6">
+        <a:shade val="50000"/>
+      </a:schemeClr>
+      <a:schemeClr val="accent6">
+        <a:tint val="55000"/>
+      </a:schemeClr>
+    </dgm:linClrLst>
+    <dgm:effectClrLst/>
+    <dgm:txLinClrLst/>
+    <dgm:txFillClrLst meth="repeat">
+      <a:schemeClr val="dk1"/>
+    </dgm:txFillClrLst>
+    <dgm:txEffectClrLst/>
+  </dgm:styleLbl>
+  <dgm:styleLbl name="alignAcc1">
+    <dgm:fillClrLst meth="repeat">
+      <a:schemeClr val="lt1">
+        <a:alpha val="90000"/>
+      </a:schemeClr>
+    </dgm:fillClrLst>
+    <dgm:linClrLst meth="cycle">
+      <a:schemeClr val="accent6">
+        <a:shade val="50000"/>
+      </a:schemeClr>
+      <a:schemeClr val="accent6">
+        <a:tint val="55000"/>
+      </a:schemeClr>
+    </dgm:linClrLst>
+    <dgm:effectClrLst/>
+    <dgm:txLinClrLst/>
+    <dgm:txFillClrLst meth="repeat">
+      <a:schemeClr val="dk1"/>
+    </dgm:txFillClrLst>
+    <dgm:txEffectClrLst/>
+  </dgm:styleLbl>
+  <dgm:styleLbl name="trAlignAcc1">
+    <dgm:fillClrLst meth="repeat">
+      <a:schemeClr val="lt1">
+        <a:alpha val="55000"/>
+      </a:schemeClr>
+    </dgm:fillClrLst>
+    <dgm:linClrLst meth="repeat">
+      <a:schemeClr val="accent6"/>
+    </dgm:linClrLst>
+    <dgm:effectClrLst/>
+    <dgm:txLinClrLst/>
+    <dgm:txFillClrLst meth="repeat">
+      <a:schemeClr val="dk1"/>
+    </dgm:txFillClrLst>
+    <dgm:txEffectClrLst/>
+  </dgm:styleLbl>
+  <dgm:styleLbl name="bgAcc1">
+    <dgm:fillClrLst meth="repeat">
+      <a:schemeClr val="lt1">
+        <a:alpha val="90000"/>
+      </a:schemeClr>
+    </dgm:fillClrLst>
+    <dgm:linClrLst meth="cycle">
+      <a:schemeClr val="accent6">
+        <a:shade val="50000"/>
+      </a:schemeClr>
+      <a:schemeClr val="accent6">
+        <a:tint val="55000"/>
+      </a:schemeClr>
+    </dgm:linClrLst>
+    <dgm:effectClrLst/>
+    <dgm:txLinClrLst/>
+    <dgm:txFillClrLst meth="repeat">
+      <a:schemeClr val="dk1"/>
+    </dgm:txFillClrLst>
+    <dgm:txEffectClrLst/>
+  </dgm:styleLbl>
+  <dgm:styleLbl name="solidFgAcc1">
+    <dgm:fillClrLst meth="repeat">
+      <a:schemeClr val="lt1"/>
+    </dgm:fillClrLst>
+    <dgm:linClrLst meth="cycle">
+      <a:schemeClr val="accent6">
+        <a:shade val="50000"/>
+      </a:schemeClr>
+      <a:schemeClr val="accent6">
+        <a:tint val="55000"/>
+      </a:schemeClr>
+    </dgm:linClrLst>
+    <dgm:effectClrLst/>
+    <dgm:txLinClrLst/>
+    <dgm:txFillClrLst meth="repeat">
+      <a:schemeClr val="dk1"/>
+    </dgm:txFillClrLst>
+    <dgm:txEffectClrLst/>
+  </dgm:styleLbl>
+  <dgm:styleLbl name="solidAlignAcc1">
+    <dgm:fillClrLst meth="repeat">
+      <a:schemeClr val="lt1"/>
+    </dgm:fillClrLst>
+    <dgm:linClrLst meth="repeat">
+      <a:schemeClr val="accent6"/>
+    </dgm:linClrLst>
+    <dgm:effectClrLst/>
+    <dgm:txLinClrLst/>
+    <dgm:txFillClrLst meth="repeat">
+      <a:schemeClr val="dk1"/>
+    </dgm:txFillClrLst>
+    <dgm:txEffectClrLst/>
+  </dgm:styleLbl>
+  <dgm:styleLbl name="solidBgAcc1">
+    <dgm:fillClrLst meth="repeat">
+      <a:schemeClr val="lt1"/>
+    </dgm:fillClrLst>
+    <dgm:linClrLst meth="repeat">
+      <a:schemeClr val="accent6"/>
+    </dgm:linClrLst>
+    <dgm:effectClrLst/>
+    <dgm:txLinClrLst/>
+    <dgm:txFillClrLst meth="repeat">
+      <a:schemeClr val="dk1"/>
+    </dgm:txFillClrLst>
+    <dgm:txEffectClrLst/>
+  </dgm:styleLbl>
+  <dgm:styleLbl name="fgAccFollowNode1">
+    <dgm:fillClrLst meth="repeat">
+      <a:schemeClr val="accent6">
+        <a:alpha val="90000"/>
+        <a:tint val="55000"/>
+      </a:schemeClr>
+    </dgm:fillClrLst>
+    <dgm:linClrLst meth="repeat">
+      <a:schemeClr val="accent6">
+        <a:alpha val="90000"/>
+        <a:tint val="55000"/>
+      </a:schemeClr>
+    </dgm:linClrLst>
+    <dgm:effectClrLst/>
+    <dgm:txLinClrLst/>
+    <dgm:txFillClrLst meth="repeat">
+      <a:schemeClr val="dk1"/>
+    </dgm:txFillClrLst>
+    <dgm:txEffectClrLst/>
+  </dgm:styleLbl>
+  <dgm:styleLbl name="alignAccFollowNode1">
+    <dgm:fillClrLst meth="repeat">
+      <a:schemeClr val="accent6">
+        <a:alpha val="90000"/>
+        <a:tint val="55000"/>
+      </a:schemeClr>
+    </dgm:fillClrLst>
+    <dgm:linClrLst meth="repeat">
+      <a:schemeClr val="accent6">
+        <a:alpha val="90000"/>
+        <a:tint val="55000"/>
+      </a:schemeClr>
+    </dgm:linClrLst>
+    <dgm:effectClrLst/>
+    <dgm:txLinClrLst/>
+    <dgm:txFillClrLst meth="repeat">
+      <a:schemeClr val="dk1"/>
+    </dgm:txFillClrLst>
+    <dgm:txEffectClrLst/>
+  </dgm:styleLbl>
+  <dgm:styleLbl name="bgAccFollowNode1">
+    <dgm:fillClrLst meth="repeat">
+      <a:schemeClr val="accent6">
+        <a:alpha val="90000"/>
+        <a:tint val="55000"/>
+      </a:schemeClr>
+    </dgm:fillClrLst>
+    <dgm:linClrLst meth="repeat">
+      <a:schemeClr val="lt1"/>
+    </dgm:linClrLst>
+    <dgm:effectClrLst/>
+    <dgm:txLinClrLst/>
+    <dgm:txFillClrLst meth="repeat">
+      <a:schemeClr val="dk1"/>
+    </dgm:txFillClrLst>
+    <dgm:txEffectClrLst/>
+  </dgm:styleLbl>
+  <dgm:styleLbl name="fgAcc0">
+    <dgm:fillClrLst meth="repeat">
+      <a:schemeClr val="lt1">
+        <a:alpha val="90000"/>
+      </a:schemeClr>
+    </dgm:fillClrLst>
+    <dgm:linClrLst meth="repeat">
+      <a:schemeClr val="accent6">
+        <a:shade val="80000"/>
+      </a:schemeClr>
+    </dgm:linClrLst>
+    <dgm:effectClrLst/>
+    <dgm:txLinClrLst/>
+    <dgm:txFillClrLst meth="repeat">
+      <a:schemeClr val="dk1"/>
+    </dgm:txFillClrLst>
+    <dgm:txEffectClrLst/>
+  </dgm:styleLbl>
+  <dgm:styleLbl name="fgAcc2">
+    <dgm:fillClrLst meth="repeat">
+      <a:schemeClr val="lt1">
+        <a:alpha val="90000"/>
+      </a:schemeClr>
+    </dgm:fillClrLst>
+    <dgm:linClrLst meth="repeat">
+      <a:schemeClr val="accent6">
+        <a:tint val="90000"/>
+      </a:schemeClr>
+    </dgm:linClrLst>
+    <dgm:effectClrLst/>
+    <dgm:txLinClrLst/>
+    <dgm:txFillClrLst meth="repeat">
+      <a:schemeClr val="dk1"/>
+    </dgm:txFillClrLst>
+    <dgm:txEffectClrLst/>
+  </dgm:styleLbl>
+  <dgm:styleLbl name="fgAcc3">
+    <dgm:fillClrLst meth="repeat">
+      <a:schemeClr val="lt1">
+        <a:alpha val="90000"/>
+      </a:schemeClr>
+    </dgm:fillClrLst>
+    <dgm:linClrLst meth="repeat">
+      <a:schemeClr val="accent6">
+        <a:tint val="70000"/>
+      </a:schemeClr>
+    </dgm:linClrLst>
+    <dgm:effectClrLst/>
+    <dgm:txLinClrLst/>
+    <dgm:txFillClrLst meth="repeat">
+      <a:schemeClr val="dk1"/>
+    </dgm:txFillClrLst>
+    <dgm:txEffectClrLst/>
+  </dgm:styleLbl>
+  <dgm:styleLbl name="fgAcc4">
+    <dgm:fillClrLst meth="repeat">
+      <a:schemeClr val="lt1">
+        <a:alpha val="90000"/>
+      </a:schemeClr>
+    </dgm:fillClrLst>
+    <dgm:linClrLst meth="repeat">
+      <a:schemeClr val="accent6">
+        <a:tint val="50000"/>
+      </a:schemeClr>
+    </dgm:linClrLst>
+    <dgm:effectClrLst/>
+    <dgm:txLinClrLst/>
+    <dgm:txFillClrLst meth="repeat">
+      <a:schemeClr val="dk1"/>
+    </dgm:txFillClrLst>
+    <dgm:txEffectClrLst/>
+  </dgm:styleLbl>
+  <dgm:styleLbl name="bgShp">
+    <dgm:fillClrLst meth="repeat">
+      <a:schemeClr val="accent6">
+        <a:tint val="55000"/>
+      </a:schemeClr>
+    </dgm:fillClrLst>
+    <dgm:linClrLst meth="repeat">
+      <a:schemeClr val="dk1"/>
+    </dgm:linClrLst>
+    <dgm:effectClrLst/>
+    <dgm:txLinClrLst/>
+    <dgm:txFillClrLst meth="repeat">
+      <a:schemeClr val="dk1"/>
+    </dgm:txFillClrLst>
+    <dgm:txEffectClrLst/>
+  </dgm:styleLbl>
+  <dgm:styleLbl name="dkBgShp">
+    <dgm:fillClrLst meth="repeat">
+      <a:schemeClr val="accent6">
+        <a:shade val="90000"/>
+      </a:schemeClr>
+    </dgm:fillClrLst>
+    <dgm:linClrLst meth="repeat">
+      <a:schemeClr val="dk1"/>
+    </dgm:linClrLst>
+    <dgm:effectClrLst/>
+    <dgm:txLinClrLst/>
+    <dgm:txFillClrLst meth="repeat">
+      <a:schemeClr val="lt1"/>
+    </dgm:txFillClrLst>
+    <dgm:txEffectClrLst/>
+  </dgm:styleLbl>
+  <dgm:styleLbl name="trBgShp">
+    <dgm:fillClrLst meth="repeat">
+      <a:schemeClr val="accent6">
+        <a:tint val="50000"/>
+        <a:alpha val="55000"/>
+      </a:schemeClr>
+    </dgm:fillClrLst>
+    <dgm:linClrLst meth="repeat">
+      <a:schemeClr val="accent6"/>
+    </dgm:linClrLst>
+    <dgm:effectClrLst/>
+    <dgm:txLinClrLst/>
+    <dgm:txFillClrLst meth="repeat">
+      <a:schemeClr val="lt1"/>
+    </dgm:txFillClrLst>
+    <dgm:txEffectClrLst/>
+  </dgm:styleLbl>
+  <dgm:styleLbl name="fgShp">
+    <dgm:fillClrLst meth="repeat">
+      <a:schemeClr val="accent6">
+        <a:tint val="55000"/>
+      </a:schemeClr>
+    </dgm:fillClrLst>
+    <dgm:linClrLst meth="repeat">
+      <a:schemeClr val="lt1"/>
+    </dgm:linClrLst>
+    <dgm:effectClrLst/>
+    <dgm:txLinClrLst/>
+    <dgm:txFillClrLst meth="repeat">
+      <a:schemeClr val="dk1"/>
+    </dgm:txFillClrLst>
+    <dgm:txEffectClrLst/>
+  </dgm:styleLbl>
+  <dgm:styleLbl name="revTx">
+    <dgm:fillClrLst meth="repeat">
+      <a:schemeClr val="lt1">
+        <a:alpha val="0"/>
+      </a:schemeClr>
+    </dgm:fillClrLst>
+    <dgm:linClrLst meth="repeat">
+      <a:schemeClr val="dk1">
+        <a:alpha val="0"/>
+      </a:schemeClr>
+    </dgm:linClrLst>
+    <dgm:effectClrLst/>
+    <dgm:txLinClrLst/>
+    <dgm:txFillClrLst meth="repeat">
+      <a:schemeClr val="tx1"/>
+    </dgm:txFillClrLst>
+    <dgm:txEffectClrLst/>
+  </dgm:styleLbl>
+</dgm:colorsDef>
+</file>
+
+<file path=ppt/diagrams/colors14.xml><?xml version="1.0" encoding="utf-8"?>
 <dgm:colorsDef xmlns:dgm="http://schemas.openxmlformats.org/drawingml/2006/diagram" xmlns:a="http://schemas.openxmlformats.org/drawingml/2006/main" uniqueId="urn:microsoft.com/office/officeart/2005/8/colors/accent6_4">
   <dgm:title val=""/>
   <dgm:desc val=""/>
@@ -11628,6 +12498,100 @@
               </a:solidFill>
               <a:latin typeface="Corbel Light" panose="020B0303020204020204" pitchFamily="34" charset="0"/>
             </a:rPr>
+            <a:t>Live-Demo bzw. Video-Tutorial</a:t>
+          </a:r>
+          <a:endParaRPr lang="de-DE" dirty="0">
+            <a:solidFill>
+              <a:schemeClr val="bg1"/>
+            </a:solidFill>
+            <a:latin typeface="Corbel Light" panose="020B0303020204020204" pitchFamily="34" charset="0"/>
+          </a:endParaRPr>
+        </a:p>
+      </dgm:t>
+    </dgm:pt>
+    <dgm:pt modelId="{4F5440BC-E4ED-41F4-BCBC-91A4379FE628}" type="parTrans" cxnId="{A9C04542-76A5-484F-BDC6-8684DE3831C0}">
+      <dgm:prSet/>
+      <dgm:spPr/>
+      <dgm:t>
+        <a:bodyPr/>
+        <a:lstStyle/>
+        <a:p>
+          <a:endParaRPr lang="de-DE"/>
+        </a:p>
+      </dgm:t>
+    </dgm:pt>
+    <dgm:pt modelId="{0F72E487-3666-4627-B648-0F027167834A}" type="sibTrans" cxnId="{A9C04542-76A5-484F-BDC6-8684DE3831C0}">
+      <dgm:prSet/>
+      <dgm:spPr/>
+      <dgm:t>
+        <a:bodyPr/>
+        <a:lstStyle/>
+        <a:p>
+          <a:endParaRPr lang="de-DE"/>
+        </a:p>
+      </dgm:t>
+    </dgm:pt>
+    <dgm:pt modelId="{B2AC34C9-27F4-4A43-B9E6-31AAF7FDE0CB}" type="pres">
+      <dgm:prSet presAssocID="{674503E8-1AC7-41ED-8605-5E819E9C237D}" presName="Name0" presStyleCnt="0">
+        <dgm:presLayoutVars>
+          <dgm:dir/>
+          <dgm:animLvl val="lvl"/>
+          <dgm:resizeHandles val="exact"/>
+        </dgm:presLayoutVars>
+      </dgm:prSet>
+      <dgm:spPr/>
+    </dgm:pt>
+    <dgm:pt modelId="{3EB30996-91B3-4239-BF37-88E3C555BC52}" type="pres">
+      <dgm:prSet presAssocID="{5033FB32-F740-4C19-B504-0647C1F53E48}" presName="parTxOnly" presStyleLbl="node1" presStyleIdx="0" presStyleCnt="1">
+        <dgm:presLayoutVars>
+          <dgm:chMax val="0"/>
+          <dgm:chPref val="0"/>
+          <dgm:bulletEnabled val="1"/>
+        </dgm:presLayoutVars>
+      </dgm:prSet>
+      <dgm:spPr/>
+    </dgm:pt>
+  </dgm:ptLst>
+  <dgm:cxnLst>
+    <dgm:cxn modelId="{6D139A0C-1C5F-462F-941A-E83A5038A582}" type="presOf" srcId="{5033FB32-F740-4C19-B504-0647C1F53E48}" destId="{3EB30996-91B3-4239-BF37-88E3C555BC52}" srcOrd="0" destOrd="0" presId="urn:microsoft.com/office/officeart/2005/8/layout/chevron1"/>
+    <dgm:cxn modelId="{A9C04542-76A5-484F-BDC6-8684DE3831C0}" srcId="{674503E8-1AC7-41ED-8605-5E819E9C237D}" destId="{5033FB32-F740-4C19-B504-0647C1F53E48}" srcOrd="0" destOrd="0" parTransId="{4F5440BC-E4ED-41F4-BCBC-91A4379FE628}" sibTransId="{0F72E487-3666-4627-B648-0F027167834A}"/>
+    <dgm:cxn modelId="{3EFB67F2-B4EB-4EFE-964A-8AF193349332}" type="presOf" srcId="{674503E8-1AC7-41ED-8605-5E819E9C237D}" destId="{B2AC34C9-27F4-4A43-B9E6-31AAF7FDE0CB}" srcOrd="0" destOrd="0" presId="urn:microsoft.com/office/officeart/2005/8/layout/chevron1"/>
+    <dgm:cxn modelId="{E75CA34E-81F5-42E1-938A-72E2F0999817}" type="presParOf" srcId="{B2AC34C9-27F4-4A43-B9E6-31AAF7FDE0CB}" destId="{3EB30996-91B3-4239-BF37-88E3C555BC52}" srcOrd="0" destOrd="0" presId="urn:microsoft.com/office/officeart/2005/8/layout/chevron1"/>
+  </dgm:cxnLst>
+  <dgm:bg/>
+  <dgm:whole/>
+  <dgm:extLst>
+    <a:ext uri="http://schemas.microsoft.com/office/drawing/2008/diagram">
+      <dsp:dataModelExt xmlns:dsp="http://schemas.microsoft.com/office/drawing/2008/diagram" relId="rId8" minVer="http://schemas.openxmlformats.org/drawingml/2006/diagram"/>
+    </a:ext>
+    <a:ext uri="{C62137D5-CB1D-491B-B009-E17868A290BF}">
+      <dgm14:recolorImg xmlns:dgm14="http://schemas.microsoft.com/office/drawing/2010/diagram" val="1"/>
+    </a:ext>
+  </dgm:extLst>
+</dgm:dataModel>
+</file>
+
+<file path=ppt/diagrams/data12.xml><?xml version="1.0" encoding="utf-8"?>
+<dgm:dataModel xmlns:dgm="http://schemas.openxmlformats.org/drawingml/2006/diagram" xmlns:a="http://schemas.openxmlformats.org/drawingml/2006/main">
+  <dgm:ptLst>
+    <dgm:pt modelId="{674503E8-1AC7-41ED-8605-5E819E9C237D}" type="doc">
+      <dgm:prSet loTypeId="urn:microsoft.com/office/officeart/2005/8/layout/chevron1" loCatId="process" qsTypeId="urn:microsoft.com/office/officeart/2005/8/quickstyle/simple2" qsCatId="simple" csTypeId="urn:microsoft.com/office/officeart/2005/8/colors/accent6_4" csCatId="accent6" phldr="1"/>
+      <dgm:spPr/>
+    </dgm:pt>
+    <dgm:pt modelId="{5033FB32-F740-4C19-B504-0647C1F53E48}">
+      <dgm:prSet phldrT="[Text]"/>
+      <dgm:spPr/>
+      <dgm:t>
+        <a:bodyPr/>
+        <a:lstStyle/>
+        <a:p>
+          <a:r>
+            <a:rPr lang="de-DE" b="1" dirty="0">
+              <a:solidFill>
+                <a:schemeClr val="bg1"/>
+              </a:solidFill>
+              <a:latin typeface="Corbel Light" panose="020B0303020204020204" pitchFamily="34" charset="0"/>
+            </a:rPr>
             <a:t>Projektziele im Anschluss (Herr </a:t>
           </a:r>
           <a:r>
@@ -11719,7 +12683,7 @@
 </dgm:dataModel>
 </file>
 
-<file path=ppt/diagrams/data12.xml><?xml version="1.0" encoding="utf-8"?>
+<file path=ppt/diagrams/data13.xml><?xml version="1.0" encoding="utf-8"?>
 <dgm:dataModel xmlns:dgm="http://schemas.openxmlformats.org/drawingml/2006/diagram" xmlns:a="http://schemas.openxmlformats.org/drawingml/2006/main">
   <dgm:ptLst>
     <dgm:pt modelId="{674503E8-1AC7-41ED-8605-5E819E9C237D}" type="doc">
@@ -11807,7 +12771,7 @@
 </dgm:dataModel>
 </file>
 
-<file path=ppt/diagrams/data13.xml><?xml version="1.0" encoding="utf-8"?>
+<file path=ppt/diagrams/data14.xml><?xml version="1.0" encoding="utf-8"?>
 <dgm:dataModel xmlns:dgm="http://schemas.openxmlformats.org/drawingml/2006/diagram" xmlns:a="http://schemas.openxmlformats.org/drawingml/2006/main">
   <dgm:ptLst>
     <dgm:pt modelId="{674503E8-1AC7-41ED-8605-5E819E9C237D}" type="doc">
@@ -12653,20 +13617,14 @@
         <a:lstStyle/>
         <a:p>
           <a:r>
-            <a:rPr lang="de-DE" b="1" dirty="0">
+            <a:rPr lang="de-DE" dirty="0">
               <a:solidFill>
                 <a:schemeClr val="bg1"/>
               </a:solidFill>
               <a:latin typeface="Corbel Light" panose="020B0303020204020204" pitchFamily="34" charset="0"/>
             </a:rPr>
-            <a:t>Live-Demo bzw. Video-Tutorial</a:t>
+            <a:t>Schwerpunkte der Implementierung</a:t>
           </a:r>
-          <a:endParaRPr lang="de-DE" dirty="0">
-            <a:solidFill>
-              <a:schemeClr val="bg1"/>
-            </a:solidFill>
-            <a:latin typeface="Corbel Light" panose="020B0303020204020204" pitchFamily="34" charset="0"/>
-          </a:endParaRPr>
         </a:p>
       </dgm:t>
     </dgm:pt>
@@ -12989,6 +13947,108 @@
         </a:fontRef>
       </dsp:style>
       <dsp:txBody>
+        <a:bodyPr spcFirstLastPara="0" vert="horz" wrap="square" lIns="76010" tIns="25337" rIns="25337" bIns="25337" numCol="1" spcCol="1270" anchor="ctr" anchorCtr="0">
+          <a:noAutofit/>
+        </a:bodyPr>
+        <a:lstStyle/>
+        <a:p>
+          <a:pPr marL="0" lvl="0" indent="0" algn="ctr" defTabSz="844550">
+            <a:lnSpc>
+              <a:spcPct val="90000"/>
+            </a:lnSpc>
+            <a:spcBef>
+              <a:spcPct val="0"/>
+            </a:spcBef>
+            <a:spcAft>
+              <a:spcPct val="35000"/>
+            </a:spcAft>
+            <a:buNone/>
+          </a:pPr>
+          <a:r>
+            <a:rPr lang="de-DE" sz="1900" b="1" kern="1200" dirty="0">
+              <a:solidFill>
+                <a:schemeClr val="bg1"/>
+              </a:solidFill>
+              <a:latin typeface="Corbel Light" panose="020B0303020204020204" pitchFamily="34" charset="0"/>
+            </a:rPr>
+            <a:t>Live-Demo bzw. Video-Tutorial</a:t>
+          </a:r>
+          <a:endParaRPr lang="de-DE" sz="1900" kern="1200" dirty="0">
+            <a:solidFill>
+              <a:schemeClr val="bg1"/>
+            </a:solidFill>
+            <a:latin typeface="Corbel Light" panose="020B0303020204020204" pitchFamily="34" charset="0"/>
+          </a:endParaRPr>
+        </a:p>
+      </dsp:txBody>
+      <dsp:txXfrm>
+        <a:off x="166737" y="0"/>
+        <a:ext cx="9369565" cy="324000"/>
+      </dsp:txXfrm>
+    </dsp:sp>
+  </dsp:spTree>
+</dsp:drawing>
+</file>
+
+<file path=ppt/diagrams/drawing12.xml><?xml version="1.0" encoding="utf-8"?>
+<dsp:drawing xmlns:dgm="http://schemas.openxmlformats.org/drawingml/2006/diagram" xmlns:dsp="http://schemas.microsoft.com/office/drawing/2008/diagram" xmlns:a="http://schemas.openxmlformats.org/drawingml/2006/main">
+  <dsp:spTree>
+    <dsp:nvGrpSpPr>
+      <dsp:cNvPr id="0" name=""/>
+      <dsp:cNvGrpSpPr/>
+    </dsp:nvGrpSpPr>
+    <dsp:grpSpPr/>
+    <dsp:sp modelId="{3EB30996-91B3-4239-BF37-88E3C555BC52}">
+      <dsp:nvSpPr>
+        <dsp:cNvPr id="0" name=""/>
+        <dsp:cNvSpPr/>
+      </dsp:nvSpPr>
+      <dsp:spPr>
+        <a:xfrm>
+          <a:off x="4737" y="0"/>
+          <a:ext cx="9693565" cy="324000"/>
+        </a:xfrm>
+        <a:prstGeom prst="chevron">
+          <a:avLst/>
+        </a:prstGeom>
+        <a:solidFill>
+          <a:schemeClr val="accent6">
+            <a:shade val="50000"/>
+            <a:hueOff val="0"/>
+            <a:satOff val="0"/>
+            <a:lumOff val="0"/>
+            <a:alphaOff val="0"/>
+          </a:schemeClr>
+        </a:solidFill>
+        <a:ln w="19050" cap="flat" cmpd="sng" algn="ctr">
+          <a:solidFill>
+            <a:schemeClr val="lt1">
+              <a:hueOff val="0"/>
+              <a:satOff val="0"/>
+              <a:lumOff val="0"/>
+              <a:alphaOff val="0"/>
+            </a:schemeClr>
+          </a:solidFill>
+          <a:prstDash val="solid"/>
+          <a:miter lim="800000"/>
+        </a:ln>
+        <a:effectLst/>
+      </dsp:spPr>
+      <dsp:style>
+        <a:lnRef idx="3">
+          <a:scrgbClr r="0" g="0" b="0"/>
+        </a:lnRef>
+        <a:fillRef idx="1">
+          <a:scrgbClr r="0" g="0" b="0"/>
+        </a:fillRef>
+        <a:effectRef idx="1">
+          <a:scrgbClr r="0" g="0" b="0"/>
+        </a:effectRef>
+        <a:fontRef idx="minor">
+          <a:schemeClr val="lt1"/>
+        </a:fontRef>
+      </dsp:style>
+      <dsp:txBody>
         <a:bodyPr spcFirstLastPara="0" vert="horz" wrap="square" lIns="72009" tIns="24003" rIns="24003" bIns="24003" numCol="1" spcCol="1270" anchor="ctr" anchorCtr="0">
           <a:noAutofit/>
         </a:bodyPr>
@@ -13050,7 +14110,7 @@
 </dsp:drawing>
 </file>
 
-<file path=ppt/diagrams/drawing12.xml><?xml version="1.0" encoding="utf-8"?>
+<file path=ppt/diagrams/drawing13.xml><?xml version="1.0" encoding="utf-8"?>
 <dsp:drawing xmlns:dgm="http://schemas.openxmlformats.org/drawingml/2006/diagram" xmlns:dsp="http://schemas.microsoft.com/office/drawing/2008/diagram" xmlns:a="http://schemas.openxmlformats.org/drawingml/2006/main">
   <dsp:spTree>
     <dsp:nvGrpSpPr>
@@ -13146,7 +14206,7 @@
 </dsp:drawing>
 </file>
 
-<file path=ppt/diagrams/drawing13.xml><?xml version="1.0" encoding="utf-8"?>
+<file path=ppt/diagrams/drawing14.xml><?xml version="1.0" encoding="utf-8"?>
 <dsp:drawing xmlns:dgm="http://schemas.openxmlformats.org/drawingml/2006/diagram" xmlns:dsp="http://schemas.microsoft.com/office/drawing/2008/diagram" xmlns:a="http://schemas.openxmlformats.org/drawingml/2006/main">
   <dsp:spTree>
     <dsp:nvGrpSpPr>
@@ -14138,20 +15198,14 @@
             <a:buNone/>
           </a:pPr>
           <a:r>
-            <a:rPr lang="de-DE" sz="1900" b="1" kern="1200" dirty="0">
+            <a:rPr lang="de-DE" sz="1900" kern="1200" dirty="0">
               <a:solidFill>
                 <a:schemeClr val="bg1"/>
               </a:solidFill>
               <a:latin typeface="Corbel Light" panose="020B0303020204020204" pitchFamily="34" charset="0"/>
             </a:rPr>
-            <a:t>Live-Demo bzw. Video-Tutorial</a:t>
+            <a:t>Schwerpunkte der Implementierung</a:t>
           </a:r>
-          <a:endParaRPr lang="de-DE" sz="1900" kern="1200" dirty="0">
-            <a:solidFill>
-              <a:schemeClr val="bg1"/>
-            </a:solidFill>
-            <a:latin typeface="Corbel Light" panose="020B0303020204020204" pitchFamily="34" charset="0"/>
-          </a:endParaRPr>
         </a:p>
       </dsp:txBody>
       <dsp:txXfrm>
@@ -15296,6 +16350,289 @@
 </file>
 
 <file path=ppt/diagrams/layout13.xml><?xml version="1.0" encoding="utf-8"?>
+<dgm:layoutDef xmlns:dgm="http://schemas.openxmlformats.org/drawingml/2006/diagram" xmlns:a="http://schemas.openxmlformats.org/drawingml/2006/main" uniqueId="urn:microsoft.com/office/officeart/2005/8/layout/chevron1">
+  <dgm:title val=""/>
+  <dgm:desc val=""/>
+  <dgm:catLst>
+    <dgm:cat type="process" pri="9000"/>
+  </dgm:catLst>
+  <dgm:sampData useDef="1">
+    <dgm:dataModel>
+      <dgm:ptLst/>
+      <dgm:bg/>
+      <dgm:whole/>
+    </dgm:dataModel>
+  </dgm:sampData>
+  <dgm:styleData>
+    <dgm:dataModel>
+      <dgm:ptLst>
+        <dgm:pt modelId="0" type="doc"/>
+        <dgm:pt modelId="1"/>
+        <dgm:pt modelId="2"/>
+      </dgm:ptLst>
+      <dgm:cxnLst>
+        <dgm:cxn modelId="3" srcId="0" destId="1" srcOrd="0" destOrd="0"/>
+        <dgm:cxn modelId="4" srcId="0" destId="2" srcOrd="1" destOrd="0"/>
+      </dgm:cxnLst>
+      <dgm:bg/>
+      <dgm:whole/>
+    </dgm:dataModel>
+  </dgm:styleData>
+  <dgm:clrData>
+    <dgm:dataModel>
+      <dgm:ptLst>
+        <dgm:pt modelId="0" type="doc"/>
+        <dgm:pt modelId="1"/>
+        <dgm:pt modelId="2"/>
+        <dgm:pt modelId="3"/>
+        <dgm:pt modelId="4"/>
+      </dgm:ptLst>
+      <dgm:cxnLst>
+        <dgm:cxn modelId="5" srcId="0" destId="1" srcOrd="0" destOrd="0"/>
+        <dgm:cxn modelId="6" srcId="0" destId="2" srcOrd="1" destOrd="0"/>
+        <dgm:cxn modelId="7" srcId="0" destId="3" srcOrd="2" destOrd="0"/>
+        <dgm:cxn modelId="8" srcId="0" destId="4" srcOrd="3" destOrd="0"/>
+      </dgm:cxnLst>
+      <dgm:bg/>
+      <dgm:whole/>
+    </dgm:dataModel>
+  </dgm:clrData>
+  <dgm:layoutNode name="Name0">
+    <dgm:varLst>
+      <dgm:dir/>
+      <dgm:animLvl val="lvl"/>
+      <dgm:resizeHandles val="exact"/>
+    </dgm:varLst>
+    <dgm:choose name="Name1">
+      <dgm:if name="Name2" func="var" arg="dir" op="equ" val="norm">
+        <dgm:alg type="lin"/>
+      </dgm:if>
+      <dgm:else name="Name3">
+        <dgm:alg type="lin">
+          <dgm:param type="linDir" val="fromR"/>
+        </dgm:alg>
+      </dgm:else>
+    </dgm:choose>
+    <dgm:shape xmlns:r="http://schemas.openxmlformats.org/officeDocument/2006/relationships" r:blip="">
+      <dgm:adjLst/>
+    </dgm:shape>
+    <dgm:presOf/>
+    <dgm:choose name="Name4">
+      <dgm:if name="Name5" axis="des" func="maxDepth" op="gte" val="2">
+        <dgm:constrLst>
+          <dgm:constr type="h" for="ch" forName="composite" refType="h"/>
+          <dgm:constr type="w" for="ch" forName="composite" refType="w"/>
+          <dgm:constr type="w" for="des" forName="parTx"/>
+          <dgm:constr type="h" for="des" forName="parTx" op="equ"/>
+          <dgm:constr type="w" for="des" forName="desTx"/>
+          <dgm:constr type="h" for="des" forName="desTx" op="equ"/>
+          <dgm:constr type="primFontSz" for="des" forName="parTx" val="65"/>
+          <dgm:constr type="secFontSz" for="des" forName="desTx" refType="primFontSz" refFor="des" refForName="parTx" op="equ"/>
+          <dgm:constr type="h" for="des" forName="parTx" refType="primFontSz" refFor="des" refForName="parTx" fact="1.5"/>
+          <dgm:constr type="h" for="des" forName="desTx" refType="primFontSz" refFor="des" refForName="parTx" fact="0.5"/>
+          <dgm:constr type="w" for="ch" forName="space" op="equ" val="-6"/>
+        </dgm:constrLst>
+        <dgm:ruleLst>
+          <dgm:rule type="w" for="ch" forName="composite" val="0" fact="NaN" max="NaN"/>
+          <dgm:rule type="primFontSz" for="des" forName="parTx" val="5" fact="NaN" max="NaN"/>
+        </dgm:ruleLst>
+        <dgm:forEach name="Name6" axis="ch" ptType="node">
+          <dgm:layoutNode name="composite">
+            <dgm:alg type="composite"/>
+            <dgm:shape xmlns:r="http://schemas.openxmlformats.org/officeDocument/2006/relationships" r:blip="">
+              <dgm:adjLst/>
+            </dgm:shape>
+            <dgm:presOf/>
+            <dgm:choose name="Name7">
+              <dgm:if name="Name8" func="var" arg="dir" op="equ" val="norm">
+                <dgm:constrLst>
+                  <dgm:constr type="l" for="ch" forName="parTx"/>
+                  <dgm:constr type="w" for="ch" forName="parTx" refType="w"/>
+                  <dgm:constr type="t" for="ch" forName="parTx"/>
+                  <dgm:constr type="l" for="ch" forName="desTx"/>
+                  <dgm:constr type="w" for="ch" forName="desTx" refType="w" refFor="ch" refForName="parTx" fact="0.8"/>
+                  <dgm:constr type="t" for="ch" forName="desTx" refType="h" refFor="ch" refForName="parTx" fact="1.125"/>
+                </dgm:constrLst>
+              </dgm:if>
+              <dgm:else name="Name9">
+                <dgm:constrLst>
+                  <dgm:constr type="l" for="ch" forName="parTx"/>
+                  <dgm:constr type="w" for="ch" forName="parTx" refType="w"/>
+                  <dgm:constr type="t" for="ch" forName="parTx"/>
+                  <dgm:constr type="l" for="ch" forName="desTx" refType="w" fact="0.2"/>
+                  <dgm:constr type="w" for="ch" forName="desTx" refType="w" refFor="ch" refForName="parTx" fact="0.8"/>
+                  <dgm:constr type="t" for="ch" forName="desTx" refType="h" refFor="ch" refForName="parTx" fact="1.125"/>
+                </dgm:constrLst>
+              </dgm:else>
+            </dgm:choose>
+            <dgm:ruleLst>
+              <dgm:rule type="h" val="INF" fact="NaN" max="NaN"/>
+            </dgm:ruleLst>
+            <dgm:layoutNode name="parTx">
+              <dgm:varLst>
+                <dgm:chMax val="0"/>
+                <dgm:chPref val="0"/>
+                <dgm:bulletEnabled val="1"/>
+              </dgm:varLst>
+              <dgm:alg type="tx"/>
+              <dgm:choose name="Name10">
+                <dgm:if name="Name11" func="var" arg="dir" op="equ" val="norm">
+                  <dgm:shape xmlns:r="http://schemas.openxmlformats.org/officeDocument/2006/relationships" type="chevron" r:blip="">
+                    <dgm:adjLst/>
+                  </dgm:shape>
+                </dgm:if>
+                <dgm:else name="Name12">
+                  <dgm:shape xmlns:r="http://schemas.openxmlformats.org/officeDocument/2006/relationships" rot="180" type="chevron" r:blip="">
+                    <dgm:adjLst/>
+                  </dgm:shape>
+                </dgm:else>
+              </dgm:choose>
+              <dgm:presOf axis="self" ptType="node"/>
+              <dgm:choose name="Name13">
+                <dgm:if name="Name14" func="var" arg="dir" op="equ" val="norm">
+                  <dgm:constrLst>
+                    <dgm:constr type="h" refType="w" op="lte" fact="0.4"/>
+                    <dgm:constr type="h"/>
+                    <dgm:constr type="tMarg" refType="primFontSz" fact="0.105"/>
+                    <dgm:constr type="bMarg" refType="primFontSz" fact="0.105"/>
+                    <dgm:constr type="lMarg" refType="primFontSz" fact="0.315"/>
+                    <dgm:constr type="rMarg" refType="primFontSz" fact="0.105"/>
+                  </dgm:constrLst>
+                </dgm:if>
+                <dgm:else name="Name15">
+                  <dgm:constrLst>
+                    <dgm:constr type="h" refType="w" op="lte" fact="0.4"/>
+                    <dgm:constr type="h"/>
+                    <dgm:constr type="tMarg" refType="primFontSz" fact="0.105"/>
+                    <dgm:constr type="bMarg" refType="primFontSz" fact="0.105"/>
+                    <dgm:constr type="lMarg" refType="primFontSz" fact="0.105"/>
+                    <dgm:constr type="rMarg" refType="primFontSz" fact="0.315"/>
+                  </dgm:constrLst>
+                </dgm:else>
+              </dgm:choose>
+              <dgm:ruleLst>
+                <dgm:rule type="h" val="INF" fact="NaN" max="NaN"/>
+              </dgm:ruleLst>
+            </dgm:layoutNode>
+            <dgm:layoutNode name="desTx" styleLbl="revTx">
+              <dgm:varLst>
+                <dgm:bulletEnabled val="1"/>
+              </dgm:varLst>
+              <dgm:alg type="tx">
+                <dgm:param type="stBulletLvl" val="1"/>
+              </dgm:alg>
+              <dgm:choose name="Name16">
+                <dgm:if name="Name17" axis="ch" ptType="node" func="cnt" op="gte" val="1">
+                  <dgm:shape xmlns:r="http://schemas.openxmlformats.org/officeDocument/2006/relationships" type="rect" r:blip="">
+                    <dgm:adjLst/>
+                  </dgm:shape>
+                </dgm:if>
+                <dgm:else name="Name18">
+                  <dgm:shape xmlns:r="http://schemas.openxmlformats.org/officeDocument/2006/relationships" type="rect" r:blip="" hideGeom="1">
+                    <dgm:adjLst/>
+                  </dgm:shape>
+                </dgm:else>
+              </dgm:choose>
+              <dgm:presOf axis="des" ptType="node"/>
+              <dgm:constrLst>
+                <dgm:constr type="secFontSz" val="65"/>
+                <dgm:constr type="primFontSz" refType="secFontSz"/>
+                <dgm:constr type="h"/>
+                <dgm:constr type="tMarg"/>
+                <dgm:constr type="bMarg"/>
+                <dgm:constr type="rMarg"/>
+                <dgm:constr type="lMarg"/>
+              </dgm:constrLst>
+              <dgm:ruleLst>
+                <dgm:rule type="h" val="INF" fact="NaN" max="NaN"/>
+              </dgm:ruleLst>
+            </dgm:layoutNode>
+          </dgm:layoutNode>
+          <dgm:forEach name="Name19" axis="followSib" ptType="sibTrans" cnt="1">
+            <dgm:layoutNode name="space">
+              <dgm:alg type="sp"/>
+              <dgm:shape xmlns:r="http://schemas.openxmlformats.org/officeDocument/2006/relationships" r:blip="">
+                <dgm:adjLst/>
+              </dgm:shape>
+              <dgm:presOf/>
+              <dgm:constrLst/>
+              <dgm:ruleLst/>
+            </dgm:layoutNode>
+          </dgm:forEach>
+        </dgm:forEach>
+      </dgm:if>
+      <dgm:else name="Name20">
+        <dgm:constrLst>
+          <dgm:constr type="w" for="ch" forName="parTxOnly" refType="w"/>
+          <dgm:constr type="h" for="des" forName="parTxOnly" op="equ"/>
+          <dgm:constr type="primFontSz" for="des" forName="parTxOnly" op="equ" val="65"/>
+          <dgm:constr type="w" for="ch" forName="parTxOnlySpace" refType="w" refFor="ch" refForName="parTxOnly" fact="-0.1"/>
+        </dgm:constrLst>
+        <dgm:ruleLst/>
+        <dgm:forEach name="Name21" axis="ch" ptType="node">
+          <dgm:layoutNode name="parTxOnly">
+            <dgm:varLst>
+              <dgm:chMax val="0"/>
+              <dgm:chPref val="0"/>
+              <dgm:bulletEnabled val="1"/>
+            </dgm:varLst>
+            <dgm:alg type="tx"/>
+            <dgm:choose name="Name22">
+              <dgm:if name="Name23" func="var" arg="dir" op="equ" val="norm">
+                <dgm:shape xmlns:r="http://schemas.openxmlformats.org/officeDocument/2006/relationships" type="chevron" r:blip="">
+                  <dgm:adjLst/>
+                </dgm:shape>
+              </dgm:if>
+              <dgm:else name="Name24">
+                <dgm:shape xmlns:r="http://schemas.openxmlformats.org/officeDocument/2006/relationships" rot="180" type="chevron" r:blip="">
+                  <dgm:adjLst/>
+                </dgm:shape>
+              </dgm:else>
+            </dgm:choose>
+            <dgm:presOf axis="self" ptType="node"/>
+            <dgm:choose name="Name25">
+              <dgm:if name="Name26" func="var" arg="dir" op="equ" val="norm">
+                <dgm:constrLst>
+                  <dgm:constr type="h" refType="w" op="equ" fact="0.4"/>
+                  <dgm:constr type="tMarg" refType="primFontSz" fact="0.105"/>
+                  <dgm:constr type="bMarg" refType="primFontSz" fact="0.105"/>
+                  <dgm:constr type="lMarg" refType="primFontSz" fact="0.315"/>
+                  <dgm:constr type="rMarg" refType="primFontSz" fact="0.105"/>
+                </dgm:constrLst>
+              </dgm:if>
+              <dgm:else name="Name27">
+                <dgm:constrLst>
+                  <dgm:constr type="h" refType="w" op="equ" fact="0.4"/>
+                  <dgm:constr type="tMarg" refType="primFontSz" fact="0.105"/>
+                  <dgm:constr type="bMarg" refType="primFontSz" fact="0.105"/>
+                  <dgm:constr type="lMarg" refType="primFontSz" fact="0.105"/>
+                  <dgm:constr type="rMarg" refType="primFontSz" fact="0.315"/>
+                </dgm:constrLst>
+              </dgm:else>
+            </dgm:choose>
+            <dgm:ruleLst>
+              <dgm:rule type="primFontSz" val="5" fact="NaN" max="NaN"/>
+            </dgm:ruleLst>
+          </dgm:layoutNode>
+          <dgm:forEach name="Name28" axis="followSib" ptType="sibTrans" cnt="1">
+            <dgm:layoutNode name="parTxOnlySpace">
+              <dgm:alg type="sp"/>
+              <dgm:shape xmlns:r="http://schemas.openxmlformats.org/officeDocument/2006/relationships" r:blip="">
+                <dgm:adjLst/>
+              </dgm:shape>
+              <dgm:presOf/>
+              <dgm:constrLst/>
+              <dgm:ruleLst/>
+            </dgm:layoutNode>
+          </dgm:forEach>
+        </dgm:forEach>
+      </dgm:else>
+    </dgm:choose>
+  </dgm:layoutNode>
+</dgm:layoutDef>
+</file>
+
+<file path=ppt/diagrams/layout14.xml><?xml version="1.0" encoding="utf-8"?>
 <dgm:layoutDef xmlns:dgm="http://schemas.openxmlformats.org/drawingml/2006/diagram" xmlns:a="http://schemas.openxmlformats.org/drawingml/2006/main" uniqueId="urn:microsoft.com/office/officeart/2005/8/layout/chevron1">
   <dgm:title val=""/>
   <dgm:desc val=""/>
@@ -23012,6 +24349,1040 @@
 </dgm:styleDef>
 </file>
 
+<file path=ppt/diagrams/quickStyle14.xml><?xml version="1.0" encoding="utf-8"?>
+<dgm:styleDef xmlns:dgm="http://schemas.openxmlformats.org/drawingml/2006/diagram" xmlns:a="http://schemas.openxmlformats.org/drawingml/2006/main" uniqueId="urn:microsoft.com/office/officeart/2005/8/quickstyle/simple2">
+  <dgm:title val=""/>
+  <dgm:desc val=""/>
+  <dgm:catLst>
+    <dgm:cat type="simple" pri="10200"/>
+  </dgm:catLst>
+  <dgm:scene3d>
+    <a:camera prst="orthographicFront"/>
+    <a:lightRig rig="threePt" dir="t"/>
+  </dgm:scene3d>
+  <dgm:styleLbl name="node0">
+    <dgm:scene3d>
+      <a:camera prst="orthographicFront"/>
+      <a:lightRig rig="threePt" dir="t"/>
+    </dgm:scene3d>
+    <dgm:sp3d/>
+    <dgm:txPr/>
+    <dgm:style>
+      <a:lnRef idx="3">
+        <a:scrgbClr r="0" g="0" b="0"/>
+      </a:lnRef>
+      <a:fillRef idx="1">
+        <a:scrgbClr r="0" g="0" b="0"/>
+      </a:fillRef>
+      <a:effectRef idx="1">
+        <a:scrgbClr r="0" g="0" b="0"/>
+      </a:effectRef>
+      <a:fontRef idx="minor">
+        <a:schemeClr val="lt1"/>
+      </a:fontRef>
+    </dgm:style>
+  </dgm:styleLbl>
+  <dgm:styleLbl name="lnNode1">
+    <dgm:scene3d>
+      <a:camera prst="orthographicFront"/>
+      <a:lightRig rig="threePt" dir="t"/>
+    </dgm:scene3d>
+    <dgm:sp3d/>
+    <dgm:txPr/>
+    <dgm:style>
+      <a:lnRef idx="3">
+        <a:scrgbClr r="0" g="0" b="0"/>
+      </a:lnRef>
+      <a:fillRef idx="1">
+        <a:scrgbClr r="0" g="0" b="0"/>
+      </a:fillRef>
+      <a:effectRef idx="1">
+        <a:scrgbClr r="0" g="0" b="0"/>
+      </a:effectRef>
+      <a:fontRef idx="minor">
+        <a:schemeClr val="lt1"/>
+      </a:fontRef>
+    </dgm:style>
+  </dgm:styleLbl>
+  <dgm:styleLbl name="vennNode1">
+    <dgm:scene3d>
+      <a:camera prst="orthographicFront"/>
+      <a:lightRig rig="threePt" dir="t"/>
+    </dgm:scene3d>
+    <dgm:sp3d/>
+    <dgm:txPr/>
+    <dgm:style>
+      <a:lnRef idx="3">
+        <a:scrgbClr r="0" g="0" b="0"/>
+      </a:lnRef>
+      <a:fillRef idx="1">
+        <a:scrgbClr r="0" g="0" b="0"/>
+      </a:fillRef>
+      <a:effectRef idx="0">
+        <a:scrgbClr r="0" g="0" b="0"/>
+      </a:effectRef>
+      <a:fontRef idx="minor">
+        <a:schemeClr val="tx1"/>
+      </a:fontRef>
+    </dgm:style>
+  </dgm:styleLbl>
+  <dgm:styleLbl name="alignNode1">
+    <dgm:scene3d>
+      <a:camera prst="orthographicFront"/>
+      <a:lightRig rig="threePt" dir="t"/>
+    </dgm:scene3d>
+    <dgm:sp3d/>
+    <dgm:txPr/>
+    <dgm:style>
+      <a:lnRef idx="2">
+        <a:scrgbClr r="0" g="0" b="0"/>
+      </a:lnRef>
+      <a:fillRef idx="1">
+        <a:scrgbClr r="0" g="0" b="0"/>
+      </a:fillRef>
+      <a:effectRef idx="1">
+        <a:scrgbClr r="0" g="0" b="0"/>
+      </a:effectRef>
+      <a:fontRef idx="minor">
+        <a:schemeClr val="lt1"/>
+      </a:fontRef>
+    </dgm:style>
+  </dgm:styleLbl>
+  <dgm:styleLbl name="node1">
+    <dgm:scene3d>
+      <a:camera prst="orthographicFront"/>
+      <a:lightRig rig="threePt" dir="t"/>
+    </dgm:scene3d>
+    <dgm:sp3d/>
+    <dgm:txPr/>
+    <dgm:style>
+      <a:lnRef idx="3">
+        <a:scrgbClr r="0" g="0" b="0"/>
+      </a:lnRef>
+      <a:fillRef idx="1">
+        <a:scrgbClr r="0" g="0" b="0"/>
+      </a:fillRef>
+      <a:effectRef idx="1">
+        <a:scrgbClr r="0" g="0" b="0"/>
+      </a:effectRef>
+      <a:fontRef idx="minor">
+        <a:schemeClr val="lt1"/>
+      </a:fontRef>
+    </dgm:style>
+  </dgm:styleLbl>
+  <dgm:styleLbl name="node2">
+    <dgm:scene3d>
+      <a:camera prst="orthographicFront"/>
+      <a:lightRig rig="threePt" dir="t"/>
+    </dgm:scene3d>
+    <dgm:sp3d/>
+    <dgm:txPr/>
+    <dgm:style>
+      <a:lnRef idx="3">
+        <a:scrgbClr r="0" g="0" b="0"/>
+      </a:lnRef>
+      <a:fillRef idx="1">
+        <a:scrgbClr r="0" g="0" b="0"/>
+      </a:fillRef>
+      <a:effectRef idx="1">
+        <a:scrgbClr r="0" g="0" b="0"/>
+      </a:effectRef>
+      <a:fontRef idx="minor">
+        <a:schemeClr val="lt1"/>
+      </a:fontRef>
+    </dgm:style>
+  </dgm:styleLbl>
+  <dgm:styleLbl name="node3">
+    <dgm:scene3d>
+      <a:camera prst="orthographicFront"/>
+      <a:lightRig rig="threePt" dir="t"/>
+    </dgm:scene3d>
+    <dgm:sp3d/>
+    <dgm:txPr/>
+    <dgm:style>
+      <a:lnRef idx="3">
+        <a:scrgbClr r="0" g="0" b="0"/>
+      </a:lnRef>
+      <a:fillRef idx="1">
+        <a:scrgbClr r="0" g="0" b="0"/>
+      </a:fillRef>
+      <a:effectRef idx="1">
+        <a:scrgbClr r="0" g="0" b="0"/>
+      </a:effectRef>
+      <a:fontRef idx="minor">
+        <a:schemeClr val="lt1"/>
+      </a:fontRef>
+    </dgm:style>
+  </dgm:styleLbl>
+  <dgm:styleLbl name="node4">
+    <dgm:scene3d>
+      <a:camera prst="orthographicFront"/>
+      <a:lightRig rig="threePt" dir="t"/>
+    </dgm:scene3d>
+    <dgm:sp3d/>
+    <dgm:txPr/>
+    <dgm:style>
+      <a:lnRef idx="3">
+        <a:scrgbClr r="0" g="0" b="0"/>
+      </a:lnRef>
+      <a:fillRef idx="1">
+        <a:scrgbClr r="0" g="0" b="0"/>
+      </a:fillRef>
+      <a:effectRef idx="1">
+        <a:scrgbClr r="0" g="0" b="0"/>
+      </a:effectRef>
+      <a:fontRef idx="minor">
+        <a:schemeClr val="lt1"/>
+      </a:fontRef>
+    </dgm:style>
+  </dgm:styleLbl>
+  <dgm:styleLbl name="fgImgPlace1">
+    <dgm:scene3d>
+      <a:camera prst="orthographicFront"/>
+      <a:lightRig rig="threePt" dir="t"/>
+    </dgm:scene3d>
+    <dgm:sp3d/>
+    <dgm:txPr/>
+    <dgm:style>
+      <a:lnRef idx="3">
+        <a:scrgbClr r="0" g="0" b="0"/>
+      </a:lnRef>
+      <a:fillRef idx="1">
+        <a:scrgbClr r="0" g="0" b="0"/>
+      </a:fillRef>
+      <a:effectRef idx="1">
+        <a:scrgbClr r="0" g="0" b="0"/>
+      </a:effectRef>
+      <a:fontRef idx="minor"/>
+    </dgm:style>
+  </dgm:styleLbl>
+  <dgm:styleLbl name="alignImgPlace1">
+    <dgm:scene3d>
+      <a:camera prst="orthographicFront"/>
+      <a:lightRig rig="threePt" dir="t"/>
+    </dgm:scene3d>
+    <dgm:sp3d/>
+    <dgm:txPr/>
+    <dgm:style>
+      <a:lnRef idx="3">
+        <a:scrgbClr r="0" g="0" b="0"/>
+      </a:lnRef>
+      <a:fillRef idx="1">
+        <a:scrgbClr r="0" g="0" b="0"/>
+      </a:fillRef>
+      <a:effectRef idx="1">
+        <a:scrgbClr r="0" g="0" b="0"/>
+      </a:effectRef>
+      <a:fontRef idx="minor"/>
+    </dgm:style>
+  </dgm:styleLbl>
+  <dgm:styleLbl name="bgImgPlace1">
+    <dgm:scene3d>
+      <a:camera prst="orthographicFront"/>
+      <a:lightRig rig="threePt" dir="t"/>
+    </dgm:scene3d>
+    <dgm:sp3d/>
+    <dgm:txPr/>
+    <dgm:style>
+      <a:lnRef idx="3">
+        <a:scrgbClr r="0" g="0" b="0"/>
+      </a:lnRef>
+      <a:fillRef idx="1">
+        <a:scrgbClr r="0" g="0" b="0"/>
+      </a:fillRef>
+      <a:effectRef idx="1">
+        <a:scrgbClr r="0" g="0" b="0"/>
+      </a:effectRef>
+      <a:fontRef idx="minor"/>
+    </dgm:style>
+  </dgm:styleLbl>
+  <dgm:styleLbl name="sibTrans2D1">
+    <dgm:scene3d>
+      <a:camera prst="orthographicFront"/>
+      <a:lightRig rig="threePt" dir="t"/>
+    </dgm:scene3d>
+    <dgm:sp3d/>
+    <dgm:txPr/>
+    <dgm:style>
+      <a:lnRef idx="0">
+        <a:scrgbClr r="0" g="0" b="0"/>
+      </a:lnRef>
+      <a:fillRef idx="1">
+        <a:scrgbClr r="0" g="0" b="0"/>
+      </a:fillRef>
+      <a:effectRef idx="1">
+        <a:scrgbClr r="0" g="0" b="0"/>
+      </a:effectRef>
+      <a:fontRef idx="minor">
+        <a:schemeClr val="lt1"/>
+      </a:fontRef>
+    </dgm:style>
+  </dgm:styleLbl>
+  <dgm:styleLbl name="fgSibTrans2D1">
+    <dgm:scene3d>
+      <a:camera prst="orthographicFront"/>
+      <a:lightRig rig="threePt" dir="t"/>
+    </dgm:scene3d>
+    <dgm:sp3d/>
+    <dgm:txPr/>
+    <dgm:style>
+      <a:lnRef idx="0">
+        <a:scrgbClr r="0" g="0" b="0"/>
+      </a:lnRef>
+      <a:fillRef idx="1">
+        <a:scrgbClr r="0" g="0" b="0"/>
+      </a:fillRef>
+      <a:effectRef idx="1">
+        <a:scrgbClr r="0" g="0" b="0"/>
+      </a:effectRef>
+      <a:fontRef idx="minor">
+        <a:schemeClr val="lt1"/>
+      </a:fontRef>
+    </dgm:style>
+  </dgm:styleLbl>
+  <dgm:styleLbl name="bgSibTrans2D1">
+    <dgm:scene3d>
+      <a:camera prst="orthographicFront"/>
+      <a:lightRig rig="threePt" dir="t"/>
+    </dgm:scene3d>
+    <dgm:sp3d/>
+    <dgm:txPr/>
+    <dgm:style>
+      <a:lnRef idx="0">
+        <a:scrgbClr r="0" g="0" b="0"/>
+      </a:lnRef>
+      <a:fillRef idx="1">
+        <a:scrgbClr r="0" g="0" b="0"/>
+      </a:fillRef>
+      <a:effectRef idx="1">
+        <a:scrgbClr r="0" g="0" b="0"/>
+      </a:effectRef>
+      <a:fontRef idx="minor">
+        <a:schemeClr val="lt1"/>
+      </a:fontRef>
+    </dgm:style>
+  </dgm:styleLbl>
+  <dgm:styleLbl name="sibTrans1D1">
+    <dgm:scene3d>
+      <a:camera prst="orthographicFront"/>
+      <a:lightRig rig="threePt" dir="t"/>
+    </dgm:scene3d>
+    <dgm:sp3d/>
+    <dgm:txPr/>
+    <dgm:style>
+      <a:lnRef idx="1">
+        <a:scrgbClr r="0" g="0" b="0"/>
+      </a:lnRef>
+      <a:fillRef idx="0">
+        <a:scrgbClr r="0" g="0" b="0"/>
+      </a:fillRef>
+      <a:effectRef idx="0">
+        <a:scrgbClr r="0" g="0" b="0"/>
+      </a:effectRef>
+      <a:fontRef idx="minor"/>
+    </dgm:style>
+  </dgm:styleLbl>
+  <dgm:styleLbl name="callout">
+    <dgm:scene3d>
+      <a:camera prst="orthographicFront"/>
+      <a:lightRig rig="threePt" dir="t"/>
+    </dgm:scene3d>
+    <dgm:sp3d/>
+    <dgm:txPr/>
+    <dgm:style>
+      <a:lnRef idx="2">
+        <a:scrgbClr r="0" g="0" b="0"/>
+      </a:lnRef>
+      <a:fillRef idx="1">
+        <a:scrgbClr r="0" g="0" b="0"/>
+      </a:fillRef>
+      <a:effectRef idx="1">
+        <a:scrgbClr r="0" g="0" b="0"/>
+      </a:effectRef>
+      <a:fontRef idx="minor"/>
+    </dgm:style>
+  </dgm:styleLbl>
+  <dgm:styleLbl name="asst0">
+    <dgm:scene3d>
+      <a:camera prst="orthographicFront"/>
+      <a:lightRig rig="threePt" dir="t"/>
+    </dgm:scene3d>
+    <dgm:sp3d/>
+    <dgm:txPr/>
+    <dgm:style>
+      <a:lnRef idx="3">
+        <a:scrgbClr r="0" g="0" b="0"/>
+      </a:lnRef>
+      <a:fillRef idx="1">
+        <a:scrgbClr r="0" g="0" b="0"/>
+      </a:fillRef>
+      <a:effectRef idx="1">
+        <a:scrgbClr r="0" g="0" b="0"/>
+      </a:effectRef>
+      <a:fontRef idx="minor">
+        <a:schemeClr val="lt1"/>
+      </a:fontRef>
+    </dgm:style>
+  </dgm:styleLbl>
+  <dgm:styleLbl name="asst1">
+    <dgm:scene3d>
+      <a:camera prst="orthographicFront"/>
+      <a:lightRig rig="threePt" dir="t"/>
+    </dgm:scene3d>
+    <dgm:sp3d/>
+    <dgm:txPr/>
+    <dgm:style>
+      <a:lnRef idx="3">
+        <a:scrgbClr r="0" g="0" b="0"/>
+      </a:lnRef>
+      <a:fillRef idx="1">
+        <a:scrgbClr r="0" g="0" b="0"/>
+      </a:fillRef>
+      <a:effectRef idx="1">
+        <a:scrgbClr r="0" g="0" b="0"/>
+      </a:effectRef>
+      <a:fontRef idx="minor">
+        <a:schemeClr val="lt1"/>
+      </a:fontRef>
+    </dgm:style>
+  </dgm:styleLbl>
+  <dgm:styleLbl name="asst2">
+    <dgm:scene3d>
+      <a:camera prst="orthographicFront"/>
+      <a:lightRig rig="threePt" dir="t"/>
+    </dgm:scene3d>
+    <dgm:sp3d/>
+    <dgm:txPr/>
+    <dgm:style>
+      <a:lnRef idx="3">
+        <a:scrgbClr r="0" g="0" b="0"/>
+      </a:lnRef>
+      <a:fillRef idx="1">
+        <a:scrgbClr r="0" g="0" b="0"/>
+      </a:fillRef>
+      <a:effectRef idx="1">
+        <a:scrgbClr r="0" g="0" b="0"/>
+      </a:effectRef>
+      <a:fontRef idx="minor">
+        <a:schemeClr val="lt1"/>
+      </a:fontRef>
+    </dgm:style>
+  </dgm:styleLbl>
+  <dgm:styleLbl name="asst3">
+    <dgm:scene3d>
+      <a:camera prst="orthographicFront"/>
+      <a:lightRig rig="threePt" dir="t"/>
+    </dgm:scene3d>
+    <dgm:sp3d/>
+    <dgm:txPr/>
+    <dgm:style>
+      <a:lnRef idx="3">
+        <a:scrgbClr r="0" g="0" b="0"/>
+      </a:lnRef>
+      <a:fillRef idx="1">
+        <a:scrgbClr r="0" g="0" b="0"/>
+      </a:fillRef>
+      <a:effectRef idx="1">
+        <a:scrgbClr r="0" g="0" b="0"/>
+      </a:effectRef>
+      <a:fontRef idx="minor">
+        <a:schemeClr val="lt1"/>
+      </a:fontRef>
+    </dgm:style>
+  </dgm:styleLbl>
+  <dgm:styleLbl name="asst4">
+    <dgm:scene3d>
+      <a:camera prst="orthographicFront"/>
+      <a:lightRig rig="threePt" dir="t"/>
+    </dgm:scene3d>
+    <dgm:sp3d/>
+    <dgm:txPr/>
+    <dgm:style>
+      <a:lnRef idx="3">
+        <a:scrgbClr r="0" g="0" b="0"/>
+      </a:lnRef>
+      <a:fillRef idx="1">
+        <a:scrgbClr r="0" g="0" b="0"/>
+      </a:fillRef>
+      <a:effectRef idx="1">
+        <a:scrgbClr r="0" g="0" b="0"/>
+      </a:effectRef>
+      <a:fontRef idx="minor">
+        <a:schemeClr val="lt1"/>
+      </a:fontRef>
+    </dgm:style>
+  </dgm:styleLbl>
+  <dgm:styleLbl name="parChTrans2D1">
+    <dgm:scene3d>
+      <a:camera prst="orthographicFront"/>
+      <a:lightRig rig="threePt" dir="t"/>
+    </dgm:scene3d>
+    <dgm:sp3d/>
+    <dgm:txPr/>
+    <dgm:style>
+      <a:lnRef idx="3">
+        <a:scrgbClr r="0" g="0" b="0"/>
+      </a:lnRef>
+      <a:fillRef idx="1">
+        <a:scrgbClr r="0" g="0" b="0"/>
+      </a:fillRef>
+      <a:effectRef idx="1">
+        <a:scrgbClr r="0" g="0" b="0"/>
+      </a:effectRef>
+      <a:fontRef idx="minor">
+        <a:schemeClr val="lt1"/>
+      </a:fontRef>
+    </dgm:style>
+  </dgm:styleLbl>
+  <dgm:styleLbl name="parChTrans2D2">
+    <dgm:scene3d>
+      <a:camera prst="orthographicFront"/>
+      <a:lightRig rig="threePt" dir="t"/>
+    </dgm:scene3d>
+    <dgm:sp3d/>
+    <dgm:txPr/>
+    <dgm:style>
+      <a:lnRef idx="3">
+        <a:scrgbClr r="0" g="0" b="0"/>
+      </a:lnRef>
+      <a:fillRef idx="1">
+        <a:scrgbClr r="0" g="0" b="0"/>
+      </a:fillRef>
+      <a:effectRef idx="1">
+        <a:scrgbClr r="0" g="0" b="0"/>
+      </a:effectRef>
+      <a:fontRef idx="minor">
+        <a:schemeClr val="lt1"/>
+      </a:fontRef>
+    </dgm:style>
+  </dgm:styleLbl>
+  <dgm:styleLbl name="parChTrans2D3">
+    <dgm:scene3d>
+      <a:camera prst="orthographicFront"/>
+      <a:lightRig rig="threePt" dir="t"/>
+    </dgm:scene3d>
+    <dgm:sp3d/>
+    <dgm:txPr/>
+    <dgm:style>
+      <a:lnRef idx="3">
+        <a:scrgbClr r="0" g="0" b="0"/>
+      </a:lnRef>
+      <a:fillRef idx="1">
+        <a:scrgbClr r="0" g="0" b="0"/>
+      </a:fillRef>
+      <a:effectRef idx="1">
+        <a:scrgbClr r="0" g="0" b="0"/>
+      </a:effectRef>
+      <a:fontRef idx="minor">
+        <a:schemeClr val="lt1"/>
+      </a:fontRef>
+    </dgm:style>
+  </dgm:styleLbl>
+  <dgm:styleLbl name="parChTrans2D4">
+    <dgm:scene3d>
+      <a:camera prst="orthographicFront"/>
+      <a:lightRig rig="threePt" dir="t"/>
+    </dgm:scene3d>
+    <dgm:sp3d/>
+    <dgm:txPr/>
+    <dgm:style>
+      <a:lnRef idx="3">
+        <a:scrgbClr r="0" g="0" b="0"/>
+      </a:lnRef>
+      <a:fillRef idx="1">
+        <a:scrgbClr r="0" g="0" b="0"/>
+      </a:fillRef>
+      <a:effectRef idx="1">
+        <a:scrgbClr r="0" g="0" b="0"/>
+      </a:effectRef>
+      <a:fontRef idx="minor">
+        <a:schemeClr val="lt1"/>
+      </a:fontRef>
+    </dgm:style>
+  </dgm:styleLbl>
+  <dgm:styleLbl name="parChTrans1D1">
+    <dgm:scene3d>
+      <a:camera prst="orthographicFront"/>
+      <a:lightRig rig="threePt" dir="t"/>
+    </dgm:scene3d>
+    <dgm:sp3d/>
+    <dgm:txPr/>
+    <dgm:style>
+      <a:lnRef idx="2">
+        <a:scrgbClr r="0" g="0" b="0"/>
+      </a:lnRef>
+      <a:fillRef idx="0">
+        <a:scrgbClr r="0" g="0" b="0"/>
+      </a:fillRef>
+      <a:effectRef idx="0">
+        <a:scrgbClr r="0" g="0" b="0"/>
+      </a:effectRef>
+      <a:fontRef idx="minor"/>
+    </dgm:style>
+  </dgm:styleLbl>
+  <dgm:styleLbl name="parChTrans1D2">
+    <dgm:scene3d>
+      <a:camera prst="orthographicFront"/>
+      <a:lightRig rig="threePt" dir="t"/>
+    </dgm:scene3d>
+    <dgm:sp3d/>
+    <dgm:txPr/>
+    <dgm:style>
+      <a:lnRef idx="2">
+        <a:scrgbClr r="0" g="0" b="0"/>
+      </a:lnRef>
+      <a:fillRef idx="0">
+        <a:scrgbClr r="0" g="0" b="0"/>
+      </a:fillRef>
+      <a:effectRef idx="0">
+        <a:scrgbClr r="0" g="0" b="0"/>
+      </a:effectRef>
+      <a:fontRef idx="minor"/>
+    </dgm:style>
+  </dgm:styleLbl>
+  <dgm:styleLbl name="parChTrans1D3">
+    <dgm:scene3d>
+      <a:camera prst="orthographicFront"/>
+      <a:lightRig rig="threePt" dir="t"/>
+    </dgm:scene3d>
+    <dgm:sp3d/>
+    <dgm:txPr/>
+    <dgm:style>
+      <a:lnRef idx="2">
+        <a:scrgbClr r="0" g="0" b="0"/>
+      </a:lnRef>
+      <a:fillRef idx="0">
+        <a:scrgbClr r="0" g="0" b="0"/>
+      </a:fillRef>
+      <a:effectRef idx="0">
+        <a:scrgbClr r="0" g="0" b="0"/>
+      </a:effectRef>
+      <a:fontRef idx="minor"/>
+    </dgm:style>
+  </dgm:styleLbl>
+  <dgm:styleLbl name="parChTrans1D4">
+    <dgm:scene3d>
+      <a:camera prst="orthographicFront"/>
+      <a:lightRig rig="threePt" dir="t"/>
+    </dgm:scene3d>
+    <dgm:sp3d/>
+    <dgm:txPr/>
+    <dgm:style>
+      <a:lnRef idx="2">
+        <a:scrgbClr r="0" g="0" b="0"/>
+      </a:lnRef>
+      <a:fillRef idx="0">
+        <a:scrgbClr r="0" g="0" b="0"/>
+      </a:fillRef>
+      <a:effectRef idx="0">
+        <a:scrgbClr r="0" g="0" b="0"/>
+      </a:effectRef>
+      <a:fontRef idx="minor"/>
+    </dgm:style>
+  </dgm:styleLbl>
+  <dgm:styleLbl name="fgAcc1">
+    <dgm:scene3d>
+      <a:camera prst="orthographicFront"/>
+      <a:lightRig rig="threePt" dir="t"/>
+    </dgm:scene3d>
+    <dgm:sp3d/>
+    <dgm:txPr/>
+    <dgm:style>
+      <a:lnRef idx="2">
+        <a:scrgbClr r="0" g="0" b="0"/>
+      </a:lnRef>
+      <a:fillRef idx="1">
+        <a:scrgbClr r="0" g="0" b="0"/>
+      </a:fillRef>
+      <a:effectRef idx="0">
+        <a:scrgbClr r="0" g="0" b="0"/>
+      </a:effectRef>
+      <a:fontRef idx="minor"/>
+    </dgm:style>
+  </dgm:styleLbl>
+  <dgm:styleLbl name="conFgAcc1">
+    <dgm:scene3d>
+      <a:camera prst="orthographicFront"/>
+      <a:lightRig rig="threePt" dir="t"/>
+    </dgm:scene3d>
+    <dgm:sp3d/>
+    <dgm:txPr/>
+    <dgm:style>
+      <a:lnRef idx="2">
+        <a:scrgbClr r="0" g="0" b="0"/>
+      </a:lnRef>
+      <a:fillRef idx="1">
+        <a:scrgbClr r="0" g="0" b="0"/>
+      </a:fillRef>
+      <a:effectRef idx="0">
+        <a:scrgbClr r="0" g="0" b="0"/>
+      </a:effectRef>
+      <a:fontRef idx="minor"/>
+    </dgm:style>
+  </dgm:styleLbl>
+  <dgm:styleLbl name="alignAcc1">
+    <dgm:scene3d>
+      <a:camera prst="orthographicFront"/>
+      <a:lightRig rig="threePt" dir="t"/>
+    </dgm:scene3d>
+    <dgm:sp3d/>
+    <dgm:txPr/>
+    <dgm:style>
+      <a:lnRef idx="2">
+        <a:scrgbClr r="0" g="0" b="0"/>
+      </a:lnRef>
+      <a:fillRef idx="1">
+        <a:scrgbClr r="0" g="0" b="0"/>
+      </a:fillRef>
+      <a:effectRef idx="0">
+        <a:scrgbClr r="0" g="0" b="0"/>
+      </a:effectRef>
+      <a:fontRef idx="minor"/>
+    </dgm:style>
+  </dgm:styleLbl>
+  <dgm:styleLbl name="trAlignAcc1">
+    <dgm:scene3d>
+      <a:camera prst="orthographicFront"/>
+      <a:lightRig rig="threePt" dir="t"/>
+    </dgm:scene3d>
+    <dgm:sp3d/>
+    <dgm:txPr/>
+    <dgm:style>
+      <a:lnRef idx="1">
+        <a:scrgbClr r="0" g="0" b="0"/>
+      </a:lnRef>
+      <a:fillRef idx="1">
+        <a:scrgbClr r="0" g="0" b="0"/>
+      </a:fillRef>
+      <a:effectRef idx="0">
+        <a:scrgbClr r="0" g="0" b="0"/>
+      </a:effectRef>
+      <a:fontRef idx="minor"/>
+    </dgm:style>
+  </dgm:styleLbl>
+  <dgm:styleLbl name="bgAcc1">
+    <dgm:scene3d>
+      <a:camera prst="orthographicFront"/>
+      <a:lightRig rig="threePt" dir="t"/>
+    </dgm:scene3d>
+    <dgm:sp3d/>
+    <dgm:txPr/>
+    <dgm:style>
+      <a:lnRef idx="2">
+        <a:scrgbClr r="0" g="0" b="0"/>
+      </a:lnRef>
+      <a:fillRef idx="1">
+        <a:scrgbClr r="0" g="0" b="0"/>
+      </a:fillRef>
+      <a:effectRef idx="0">
+        <a:scrgbClr r="0" g="0" b="0"/>
+      </a:effectRef>
+      <a:fontRef idx="minor"/>
+    </dgm:style>
+  </dgm:styleLbl>
+  <dgm:styleLbl name="solidFgAcc1">
+    <dgm:scene3d>
+      <a:camera prst="orthographicFront"/>
+      <a:lightRig rig="threePt" dir="t"/>
+    </dgm:scene3d>
+    <dgm:sp3d/>
+    <dgm:txPr/>
+    <dgm:style>
+      <a:lnRef idx="2">
+        <a:scrgbClr r="0" g="0" b="0"/>
+      </a:lnRef>
+      <a:fillRef idx="1">
+        <a:scrgbClr r="0" g="0" b="0"/>
+      </a:fillRef>
+      <a:effectRef idx="0">
+        <a:scrgbClr r="0" g="0" b="0"/>
+      </a:effectRef>
+      <a:fontRef idx="minor"/>
+    </dgm:style>
+  </dgm:styleLbl>
+  <dgm:styleLbl name="solidAlignAcc1">
+    <dgm:scene3d>
+      <a:camera prst="orthographicFront"/>
+      <a:lightRig rig="threePt" dir="t"/>
+    </dgm:scene3d>
+    <dgm:sp3d/>
+    <dgm:txPr/>
+    <dgm:style>
+      <a:lnRef idx="2">
+        <a:scrgbClr r="0" g="0" b="0"/>
+      </a:lnRef>
+      <a:fillRef idx="1">
+        <a:scrgbClr r="0" g="0" b="0"/>
+      </a:fillRef>
+      <a:effectRef idx="0">
+        <a:scrgbClr r="0" g="0" b="0"/>
+      </a:effectRef>
+      <a:fontRef idx="minor"/>
+    </dgm:style>
+  </dgm:styleLbl>
+  <dgm:styleLbl name="solidBgAcc1">
+    <dgm:scene3d>
+      <a:camera prst="orthographicFront"/>
+      <a:lightRig rig="threePt" dir="t"/>
+    </dgm:scene3d>
+    <dgm:sp3d/>
+    <dgm:txPr/>
+    <dgm:style>
+      <a:lnRef idx="2">
+        <a:scrgbClr r="0" g="0" b="0"/>
+      </a:lnRef>
+      <a:fillRef idx="1">
+        <a:scrgbClr r="0" g="0" b="0"/>
+      </a:fillRef>
+      <a:effectRef idx="0">
+        <a:scrgbClr r="0" g="0" b="0"/>
+      </a:effectRef>
+      <a:fontRef idx="minor"/>
+    </dgm:style>
+  </dgm:styleLbl>
+  <dgm:styleLbl name="fgAccFollowNode1">
+    <dgm:scene3d>
+      <a:camera prst="orthographicFront"/>
+      <a:lightRig rig="threePt" dir="t"/>
+    </dgm:scene3d>
+    <dgm:sp3d/>
+    <dgm:txPr/>
+    <dgm:style>
+      <a:lnRef idx="2">
+        <a:scrgbClr r="0" g="0" b="0"/>
+      </a:lnRef>
+      <a:fillRef idx="1">
+        <a:scrgbClr r="0" g="0" b="0"/>
+      </a:fillRef>
+      <a:effectRef idx="0">
+        <a:scrgbClr r="0" g="0" b="0"/>
+      </a:effectRef>
+      <a:fontRef idx="minor"/>
+    </dgm:style>
+  </dgm:styleLbl>
+  <dgm:styleLbl name="alignAccFollowNode1">
+    <dgm:scene3d>
+      <a:camera prst="orthographicFront"/>
+      <a:lightRig rig="threePt" dir="t"/>
+    </dgm:scene3d>
+    <dgm:sp3d/>
+    <dgm:txPr/>
+    <dgm:style>
+      <a:lnRef idx="2">
+        <a:scrgbClr r="0" g="0" b="0"/>
+      </a:lnRef>
+      <a:fillRef idx="1">
+        <a:scrgbClr r="0" g="0" b="0"/>
+      </a:fillRef>
+      <a:effectRef idx="0">
+        <a:scrgbClr r="0" g="0" b="0"/>
+      </a:effectRef>
+      <a:fontRef idx="minor"/>
+    </dgm:style>
+  </dgm:styleLbl>
+  <dgm:styleLbl name="bgAccFollowNode1">
+    <dgm:scene3d>
+      <a:camera prst="orthographicFront"/>
+      <a:lightRig rig="threePt" dir="t"/>
+    </dgm:scene3d>
+    <dgm:sp3d/>
+    <dgm:txPr/>
+    <dgm:style>
+      <a:lnRef idx="2">
+        <a:scrgbClr r="0" g="0" b="0"/>
+      </a:lnRef>
+      <a:fillRef idx="1">
+        <a:scrgbClr r="0" g="0" b="0"/>
+      </a:fillRef>
+      <a:effectRef idx="0">
+        <a:scrgbClr r="0" g="0" b="0"/>
+      </a:effectRef>
+      <a:fontRef idx="minor"/>
+    </dgm:style>
+  </dgm:styleLbl>
+  <dgm:styleLbl name="fgAcc0">
+    <dgm:scene3d>
+      <a:camera prst="orthographicFront"/>
+      <a:lightRig rig="threePt" dir="t"/>
+    </dgm:scene3d>
+    <dgm:sp3d/>
+    <dgm:txPr/>
+    <dgm:style>
+      <a:lnRef idx="2">
+        <a:scrgbClr r="0" g="0" b="0"/>
+      </a:lnRef>
+      <a:fillRef idx="1">
+        <a:scrgbClr r="0" g="0" b="0"/>
+      </a:fillRef>
+      <a:effectRef idx="0">
+        <a:scrgbClr r="0" g="0" b="0"/>
+      </a:effectRef>
+      <a:fontRef idx="minor"/>
+    </dgm:style>
+  </dgm:styleLbl>
+  <dgm:styleLbl name="fgAcc2">
+    <dgm:scene3d>
+      <a:camera prst="orthographicFront"/>
+      <a:lightRig rig="threePt" dir="t"/>
+    </dgm:scene3d>
+    <dgm:sp3d/>
+    <dgm:txPr/>
+    <dgm:style>
+      <a:lnRef idx="2">
+        <a:scrgbClr r="0" g="0" b="0"/>
+      </a:lnRef>
+      <a:fillRef idx="1">
+        <a:scrgbClr r="0" g="0" b="0"/>
+      </a:fillRef>
+      <a:effectRef idx="0">
+        <a:scrgbClr r="0" g="0" b="0"/>
+      </a:effectRef>
+      <a:fontRef idx="minor"/>
+    </dgm:style>
+  </dgm:styleLbl>
+  <dgm:styleLbl name="fgAcc3">
+    <dgm:scene3d>
+      <a:camera prst="orthographicFront"/>
+      <a:lightRig rig="threePt" dir="t"/>
+    </dgm:scene3d>
+    <dgm:sp3d/>
+    <dgm:txPr/>
+    <dgm:style>
+      <a:lnRef idx="2">
+        <a:scrgbClr r="0" g="0" b="0"/>
+      </a:lnRef>
+      <a:fillRef idx="1">
+        <a:scrgbClr r="0" g="0" b="0"/>
+      </a:fillRef>
+      <a:effectRef idx="0">
+        <a:scrgbClr r="0" g="0" b="0"/>
+      </a:effectRef>
+      <a:fontRef idx="minor"/>
+    </dgm:style>
+  </dgm:styleLbl>
+  <dgm:styleLbl name="fgAcc4">
+    <dgm:scene3d>
+      <a:camera prst="orthographicFront"/>
+      <a:lightRig rig="threePt" dir="t"/>
+    </dgm:scene3d>
+    <dgm:sp3d/>
+    <dgm:txPr/>
+    <dgm:style>
+      <a:lnRef idx="2">
+        <a:scrgbClr r="0" g="0" b="0"/>
+      </a:lnRef>
+      <a:fillRef idx="1">
+        <a:scrgbClr r="0" g="0" b="0"/>
+      </a:fillRef>
+      <a:effectRef idx="0">
+        <a:scrgbClr r="0" g="0" b="0"/>
+      </a:effectRef>
+      <a:fontRef idx="minor"/>
+    </dgm:style>
+  </dgm:styleLbl>
+  <dgm:styleLbl name="bgShp">
+    <dgm:scene3d>
+      <a:camera prst="orthographicFront"/>
+      <a:lightRig rig="threePt" dir="t"/>
+    </dgm:scene3d>
+    <dgm:sp3d/>
+    <dgm:txPr/>
+    <dgm:style>
+      <a:lnRef idx="0">
+        <a:scrgbClr r="0" g="0" b="0"/>
+      </a:lnRef>
+      <a:fillRef idx="1">
+        <a:scrgbClr r="0" g="0" b="0"/>
+      </a:fillRef>
+      <a:effectRef idx="0">
+        <a:scrgbClr r="0" g="0" b="0"/>
+      </a:effectRef>
+      <a:fontRef idx="minor"/>
+    </dgm:style>
+  </dgm:styleLbl>
+  <dgm:styleLbl name="dkBgShp">
+    <dgm:scene3d>
+      <a:camera prst="orthographicFront"/>
+      <a:lightRig rig="threePt" dir="t"/>
+    </dgm:scene3d>
+    <dgm:sp3d/>
+    <dgm:txPr/>
+    <dgm:style>
+      <a:lnRef idx="0">
+        <a:scrgbClr r="0" g="0" b="0"/>
+      </a:lnRef>
+      <a:fillRef idx="1">
+        <a:scrgbClr r="0" g="0" b="0"/>
+      </a:fillRef>
+      <a:effectRef idx="0">
+        <a:scrgbClr r="0" g="0" b="0"/>
+      </a:effectRef>
+      <a:fontRef idx="minor"/>
+    </dgm:style>
+  </dgm:styleLbl>
+  <dgm:styleLbl name="trBgShp">
+    <dgm:scene3d>
+      <a:camera prst="orthographicFront"/>
+      <a:lightRig rig="threePt" dir="t"/>
+    </dgm:scene3d>
+    <dgm:sp3d/>
+    <dgm:txPr/>
+    <dgm:style>
+      <a:lnRef idx="0">
+        <a:scrgbClr r="0" g="0" b="0"/>
+      </a:lnRef>
+      <a:fillRef idx="1">
+        <a:scrgbClr r="0" g="0" b="0"/>
+      </a:fillRef>
+      <a:effectRef idx="0">
+        <a:scrgbClr r="0" g="0" b="0"/>
+      </a:effectRef>
+      <a:fontRef idx="minor"/>
+    </dgm:style>
+  </dgm:styleLbl>
+  <dgm:styleLbl name="fgShp">
+    <dgm:scene3d>
+      <a:camera prst="orthographicFront"/>
+      <a:lightRig rig="threePt" dir="t"/>
+    </dgm:scene3d>
+    <dgm:sp3d/>
+    <dgm:txPr/>
+    <dgm:style>
+      <a:lnRef idx="3">
+        <a:scrgbClr r="0" g="0" b="0"/>
+      </a:lnRef>
+      <a:fillRef idx="1">
+        <a:scrgbClr r="0" g="0" b="0"/>
+      </a:fillRef>
+      <a:effectRef idx="1">
+        <a:scrgbClr r="0" g="0" b="0"/>
+      </a:effectRef>
+      <a:fontRef idx="minor"/>
+    </dgm:style>
+  </dgm:styleLbl>
+  <dgm:styleLbl name="revTx">
+    <dgm:scene3d>
+      <a:camera prst="orthographicFront"/>
+      <a:lightRig rig="threePt" dir="t"/>
+    </dgm:scene3d>
+    <dgm:sp3d/>
+    <dgm:txPr/>
+    <dgm:style>
+      <a:lnRef idx="0">
+        <a:scrgbClr r="0" g="0" b="0"/>
+      </a:lnRef>
+      <a:fillRef idx="0">
+        <a:scrgbClr r="0" g="0" b="0"/>
+      </a:fillRef>
+      <a:effectRef idx="0">
+        <a:scrgbClr r="0" g="0" b="0"/>
+      </a:effectRef>
+      <a:fontRef idx="minor"/>
+    </dgm:style>
+  </dgm:styleLbl>
+</dgm:styleDef>
+</file>
+
 <file path=ppt/diagrams/quickStyle2.xml><?xml version="1.0" encoding="utf-8"?>
 <dgm:styleDef xmlns:dgm="http://schemas.openxmlformats.org/drawingml/2006/diagram" xmlns:a="http://schemas.openxmlformats.org/drawingml/2006/main" uniqueId="urn:microsoft.com/office/officeart/2005/8/quickstyle/simple2">
   <dgm:title val=""/>
@@ -31794,7 +34165,7 @@
     </p:spTree>
     <p:extLst>
       <p:ext uri="{BB962C8B-B14F-4D97-AF65-F5344CB8AC3E}">
-        <p14:creationId xmlns:p14="http://schemas.microsoft.com/office/powerpoint/2010/main" val="3763017894"/>
+        <p14:creationId xmlns:p14="http://schemas.microsoft.com/office/powerpoint/2010/main" val="1939463753"/>
       </p:ext>
     </p:extLst>
   </p:cSld>
@@ -31878,7 +34249,7 @@
     </p:spTree>
     <p:extLst>
       <p:ext uri="{BB962C8B-B14F-4D97-AF65-F5344CB8AC3E}">
-        <p14:creationId xmlns:p14="http://schemas.microsoft.com/office/powerpoint/2010/main" val="4071012174"/>
+        <p14:creationId xmlns:p14="http://schemas.microsoft.com/office/powerpoint/2010/main" val="3763017894"/>
       </p:ext>
     </p:extLst>
   </p:cSld>
@@ -31954,6 +34325,90 @@
             <a:fld id="{9CCF391E-5C5D-4EA1-8A2D-1AD87DAE70A5}" type="slidenum">
               <a:rPr lang="de-DE" smtClean="0"/>
               <a:t>12</a:t>
+            </a:fld>
+            <a:endParaRPr lang="de-DE"/>
+          </a:p>
+        </p:txBody>
+      </p:sp>
+    </p:spTree>
+    <p:extLst>
+      <p:ext uri="{BB962C8B-B14F-4D97-AF65-F5344CB8AC3E}">
+        <p14:creationId xmlns:p14="http://schemas.microsoft.com/office/powerpoint/2010/main" val="4071012174"/>
+      </p:ext>
+    </p:extLst>
+  </p:cSld>
+  <p:clrMapOvr>
+    <a:masterClrMapping/>
+  </p:clrMapOvr>
+</p:notes>
+</file>
+
+<file path=ppt/notesSlides/notesSlide13.xml><?xml version="1.0" encoding="utf-8"?>
+<p:notes xmlns:a="http://schemas.openxmlformats.org/drawingml/2006/main" xmlns:r="http://schemas.openxmlformats.org/officeDocument/2006/relationships" xmlns:p="http://schemas.openxmlformats.org/presentationml/2006/main">
+  <p:cSld>
+    <p:spTree>
+      <p:nvGrpSpPr>
+        <p:cNvPr id="1" name=""/>
+        <p:cNvGrpSpPr/>
+        <p:nvPr/>
+      </p:nvGrpSpPr>
+      <p:grpSpPr>
+        <a:xfrm>
+          <a:off x="0" y="0"/>
+          <a:ext cx="0" cy="0"/>
+          <a:chOff x="0" y="0"/>
+          <a:chExt cx="0" cy="0"/>
+        </a:xfrm>
+      </p:grpSpPr>
+      <p:sp>
+        <p:nvSpPr>
+          <p:cNvPr id="2" name="Folienbildplatzhalter 1"/>
+          <p:cNvSpPr>
+            <a:spLocks noGrp="1" noRot="1" noChangeAspect="1"/>
+          </p:cNvSpPr>
+          <p:nvPr>
+            <p:ph type="sldImg"/>
+          </p:nvPr>
+        </p:nvSpPr>
+        <p:spPr/>
+      </p:sp>
+      <p:sp>
+        <p:nvSpPr>
+          <p:cNvPr id="3" name="Notizenplatzhalter 2"/>
+          <p:cNvSpPr>
+            <a:spLocks noGrp="1"/>
+          </p:cNvSpPr>
+          <p:nvPr>
+            <p:ph type="body" idx="1"/>
+          </p:nvPr>
+        </p:nvSpPr>
+        <p:spPr/>
+        <p:txBody>
+          <a:bodyPr/>
+          <a:lstStyle/>
+          <a:p>
+            <a:endParaRPr lang="de-DE" dirty="0"/>
+          </a:p>
+        </p:txBody>
+      </p:sp>
+      <p:sp>
+        <p:nvSpPr>
+          <p:cNvPr id="4" name="Foliennummernplatzhalter 3"/>
+          <p:cNvSpPr>
+            <a:spLocks noGrp="1"/>
+          </p:cNvSpPr>
+          <p:nvPr>
+            <p:ph type="sldNum" sz="quarter" idx="10"/>
+          </p:nvPr>
+        </p:nvSpPr>
+        <p:spPr/>
+        <p:txBody>
+          <a:bodyPr/>
+          <a:lstStyle/>
+          <a:p>
+            <a:fld id="{9CCF391E-5C5D-4EA1-8A2D-1AD87DAE70A5}" type="slidenum">
+              <a:rPr lang="de-DE" smtClean="0"/>
+              <a:t>13</a:t>
             </a:fld>
             <a:endParaRPr lang="de-DE"/>
           </a:p>
@@ -32401,7 +34856,7 @@
     </p:spTree>
     <p:extLst>
       <p:ext uri="{BB962C8B-B14F-4D97-AF65-F5344CB8AC3E}">
-        <p14:creationId xmlns:p14="http://schemas.microsoft.com/office/powerpoint/2010/main" val="1630585595"/>
+        <p14:creationId xmlns:p14="http://schemas.microsoft.com/office/powerpoint/2010/main" val="4208092413"/>
       </p:ext>
     </p:extLst>
   </p:cSld>
@@ -32485,7 +34940,7 @@
     </p:spTree>
     <p:extLst>
       <p:ext uri="{BB962C8B-B14F-4D97-AF65-F5344CB8AC3E}">
-        <p14:creationId xmlns:p14="http://schemas.microsoft.com/office/powerpoint/2010/main" val="4236658229"/>
+        <p14:creationId xmlns:p14="http://schemas.microsoft.com/office/powerpoint/2010/main" val="1630585595"/>
       </p:ext>
     </p:extLst>
   </p:cSld>
@@ -32569,7 +35024,7 @@
     </p:spTree>
     <p:extLst>
       <p:ext uri="{BB962C8B-B14F-4D97-AF65-F5344CB8AC3E}">
-        <p14:creationId xmlns:p14="http://schemas.microsoft.com/office/powerpoint/2010/main" val="1635911333"/>
+        <p14:creationId xmlns:p14="http://schemas.microsoft.com/office/powerpoint/2010/main" val="4236658229"/>
       </p:ext>
     </p:extLst>
   </p:cSld>
@@ -32653,7 +35108,7 @@
     </p:spTree>
     <p:extLst>
       <p:ext uri="{BB962C8B-B14F-4D97-AF65-F5344CB8AC3E}">
-        <p14:creationId xmlns:p14="http://schemas.microsoft.com/office/powerpoint/2010/main" val="1939463753"/>
+        <p14:creationId xmlns:p14="http://schemas.microsoft.com/office/powerpoint/2010/main" val="1635911333"/>
       </p:ext>
     </p:extLst>
   </p:cSld>
@@ -36285,6 +38740,139 @@
           <p:cNvPr id="11" name="Diagramm 10"/>
           <p:cNvGraphicFramePr/>
           <p:nvPr>
+            <p:extLst/>
+          </p:nvPr>
+        </p:nvGraphicFramePr>
+        <p:xfrm>
+          <a:off x="500026" y="242702"/>
+          <a:ext cx="9703041" cy="324000"/>
+        </p:xfrm>
+        <a:graphic>
+          <a:graphicData uri="http://schemas.openxmlformats.org/drawingml/2006/diagram">
+            <dgm:relIds xmlns:dgm="http://schemas.openxmlformats.org/drawingml/2006/diagram" xmlns:r="http://schemas.openxmlformats.org/officeDocument/2006/relationships" r:dm="rId4" r:lo="rId5" r:qs="rId6" r:cs="rId7"/>
+          </a:graphicData>
+        </a:graphic>
+      </p:graphicFrame>
+      <p:sp>
+        <p:nvSpPr>
+          <p:cNvPr id="2" name="Rechteck 1">
+            <a:extLst>
+              <a:ext uri="{FF2B5EF4-FFF2-40B4-BE49-F238E27FC236}">
+                <a16:creationId xmlns:a16="http://schemas.microsoft.com/office/drawing/2014/main" id="{C2A7ECBF-C5DE-4CA9-B4CD-A91748CBCA72}"/>
+              </a:ext>
+            </a:extLst>
+          </p:cNvPr>
+          <p:cNvSpPr/>
+          <p:nvPr/>
+        </p:nvSpPr>
+        <p:spPr>
+          <a:xfrm>
+            <a:off x="448574" y="836268"/>
+            <a:ext cx="6096000" cy="754694"/>
+          </a:xfrm>
+          <a:prstGeom prst="rect">
+            <a:avLst/>
+          </a:prstGeom>
+        </p:spPr>
+        <p:txBody>
+          <a:bodyPr>
+            <a:spAutoFit/>
+          </a:bodyPr>
+          <a:lstStyle/>
+          <a:p>
+            <a:pPr>
+              <a:lnSpc>
+                <a:spcPct val="150000"/>
+              </a:lnSpc>
+            </a:pPr>
+            <a:r>
+              <a:rPr lang="de-DE" sz="3200" b="1" dirty="0">
+                <a:solidFill>
+                  <a:srgbClr val="385723"/>
+                </a:solidFill>
+                <a:latin typeface="Corbel Light" panose="020B0303020204020204" pitchFamily="34" charset="0"/>
+              </a:rPr>
+              <a:t>SAP ABAP API Programmierung</a:t>
+            </a:r>
+          </a:p>
+        </p:txBody>
+      </p:sp>
+    </p:spTree>
+    <p:extLst>
+      <p:ext uri="{BB962C8B-B14F-4D97-AF65-F5344CB8AC3E}">
+        <p14:creationId xmlns:p14="http://schemas.microsoft.com/office/powerpoint/2010/main" val="2472505764"/>
+      </p:ext>
+    </p:extLst>
+  </p:cSld>
+  <p:clrMapOvr>
+    <a:masterClrMapping/>
+  </p:clrMapOvr>
+  <mc:AlternateContent xmlns:mc="http://schemas.openxmlformats.org/markup-compatibility/2006" xmlns:p14="http://schemas.microsoft.com/office/powerpoint/2010/main">
+    <mc:Choice Requires="p14">
+      <p:transition spd="med" p14:dur="700">
+        <p:fade/>
+      </p:transition>
+    </mc:Choice>
+    <mc:Fallback xmlns="">
+      <p:transition spd="med">
+        <p:fade/>
+      </p:transition>
+    </mc:Fallback>
+  </mc:AlternateContent>
+</p:sld>
+</file>
+
+<file path=ppt/slides/slide11.xml><?xml version="1.0" encoding="utf-8"?>
+<p:sld xmlns:a="http://schemas.openxmlformats.org/drawingml/2006/main" xmlns:r="http://schemas.openxmlformats.org/officeDocument/2006/relationships" xmlns:p="http://schemas.openxmlformats.org/presentationml/2006/main">
+  <p:cSld>
+    <p:spTree>
+      <p:nvGrpSpPr>
+        <p:cNvPr id="1" name=""/>
+        <p:cNvGrpSpPr/>
+        <p:nvPr/>
+      </p:nvGrpSpPr>
+      <p:grpSpPr>
+        <a:xfrm>
+          <a:off x="0" y="0"/>
+          <a:ext cx="0" cy="0"/>
+          <a:chOff x="0" y="0"/>
+          <a:chExt cx="0" cy="0"/>
+        </a:xfrm>
+      </p:grpSpPr>
+      <p:pic>
+        <p:nvPicPr>
+          <p:cNvPr id="5" name="Grafik 4"/>
+          <p:cNvPicPr>
+            <a:picLocks noChangeAspect="1"/>
+          </p:cNvPicPr>
+          <p:nvPr/>
+        </p:nvPicPr>
+        <p:blipFill rotWithShape="1">
+          <a:blip r:embed="rId3" cstate="print">
+            <a:extLst>
+              <a:ext uri="{28A0092B-C50C-407E-A947-70E740481C1C}">
+                <a14:useLocalDpi xmlns:a14="http://schemas.microsoft.com/office/drawing/2010/main" val="0"/>
+              </a:ext>
+            </a:extLst>
+          </a:blip>
+          <a:srcRect l="11698" t="20395" r="11757" b="33313"/>
+          <a:stretch/>
+        </p:blipFill>
+        <p:spPr>
+          <a:xfrm>
+            <a:off x="10480851" y="231038"/>
+            <a:ext cx="1392702" cy="401920"/>
+          </a:xfrm>
+          <a:prstGeom prst="rect">
+            <a:avLst/>
+          </a:prstGeom>
+        </p:spPr>
+      </p:pic>
+      <p:graphicFrame>
+        <p:nvGraphicFramePr>
+          <p:cNvPr id="11" name="Diagramm 10"/>
+          <p:cNvGraphicFramePr/>
+          <p:nvPr>
             <p:extLst>
               <p:ext uri="{D42A27DB-BD31-4B8C-83A1-F6EECF244321}">
                 <p14:modId xmlns:p14="http://schemas.microsoft.com/office/powerpoint/2010/main" val="3255996249"/>
@@ -36849,7 +39437,7 @@
 </p:sld>
 </file>
 
-<file path=ppt/slides/slide11.xml><?xml version="1.0" encoding="utf-8"?>
+<file path=ppt/slides/slide12.xml><?xml version="1.0" encoding="utf-8"?>
 <p:sld xmlns:a="http://schemas.openxmlformats.org/drawingml/2006/main" xmlns:r="http://schemas.openxmlformats.org/officeDocument/2006/relationships" xmlns:p="http://schemas.openxmlformats.org/presentationml/2006/main">
   <p:cSld>
     <p:spTree>
@@ -37012,7 +39600,7 @@
 </p:sld>
 </file>
 
-<file path=ppt/slides/slide12.xml><?xml version="1.0" encoding="utf-8"?>
+<file path=ppt/slides/slide13.xml><?xml version="1.0" encoding="utf-8"?>
 <p:sld xmlns:a="http://schemas.openxmlformats.org/drawingml/2006/main" xmlns:r="http://schemas.openxmlformats.org/officeDocument/2006/relationships" xmlns:p="http://schemas.openxmlformats.org/presentationml/2006/main">
   <p:cSld>
     <p:spTree>
@@ -37095,7 +39683,7 @@
         <p:spPr>
           <a:xfrm>
             <a:off x="448573" y="836268"/>
-            <a:ext cx="11007305" cy="1077218"/>
+            <a:ext cx="11007305" cy="584775"/>
           </a:xfrm>
           <a:prstGeom prst="rect">
             <a:avLst/>
@@ -37108,31 +39696,13 @@
           <a:lstStyle/>
           <a:p>
             <a:r>
-              <a:rPr lang="de-DE" sz="3200" b="1" dirty="0">
-                <a:solidFill>
-                  <a:srgbClr val="385723"/>
-                </a:solidFill>
-                <a:latin typeface="Corbel Light" panose="020B0303020204020204" pitchFamily="34" charset="0"/>
-              </a:rPr>
-              <a:t>Projektziele im Anschluss (Herr </a:t>
-            </a:r>
-            <a:r>
               <a:rPr lang="de-DE" sz="3200" b="1" dirty="0" err="1">
                 <a:solidFill>
                   <a:srgbClr val="385723"/>
                 </a:solidFill>
                 <a:latin typeface="Corbel Light" panose="020B0303020204020204" pitchFamily="34" charset="0"/>
               </a:rPr>
-              <a:t>Stauß</a:t>
-            </a:r>
-            <a:r>
-              <a:rPr lang="de-DE" sz="3200" b="1" dirty="0">
-                <a:solidFill>
-                  <a:srgbClr val="385723"/>
-                </a:solidFill>
-                <a:latin typeface="Corbel Light" panose="020B0303020204020204" pitchFamily="34" charset="0"/>
-              </a:rPr>
-              <a:t> ? Grundsätzliche Optimierung und Erweiterung der Funktionen?)</a:t>
+              <a:t>Projekausblick</a:t>
             </a:r>
             <a:endParaRPr lang="de-DE" sz="3200" b="1" baseline="-25000" dirty="0">
               <a:solidFill>
@@ -37168,7 +39738,7 @@
 </p:sld>
 </file>
 
-<file path=ppt/slides/slide13.xml><?xml version="1.0" encoding="utf-8"?>
+<file path=ppt/slides/slide14.xml><?xml version="1.0" encoding="utf-8"?>
 <p:sld xmlns:a="http://schemas.openxmlformats.org/drawingml/2006/main" xmlns:r="http://schemas.openxmlformats.org/officeDocument/2006/relationships" xmlns:p="http://schemas.openxmlformats.org/presentationml/2006/main">
   <p:cSld>
     <p:spTree>
@@ -37331,7 +39901,7 @@
 </p:sld>
 </file>
 
-<file path=ppt/slides/slide14.xml><?xml version="1.0" encoding="utf-8"?>
+<file path=ppt/slides/slide15.xml><?xml version="1.0" encoding="utf-8"?>
 <p:sld xmlns:a="http://schemas.openxmlformats.org/drawingml/2006/main" xmlns:r="http://schemas.openxmlformats.org/officeDocument/2006/relationships" xmlns:p="http://schemas.openxmlformats.org/presentationml/2006/main">
   <p:cSld>
     <p:spTree>
@@ -37707,7 +40277,7 @@
         <p:spPr>
           <a:xfrm>
             <a:off x="795649" y="1541942"/>
-            <a:ext cx="10952935" cy="4708981"/>
+            <a:ext cx="7212872" cy="4708981"/>
           </a:xfrm>
           <a:prstGeom prst="rect">
             <a:avLst/>
@@ -38013,25 +40583,7 @@
                 </a:solidFill>
                 <a:latin typeface="Corbel Light" panose="020B0303020204020204" pitchFamily="34" charset="0"/>
               </a:rPr>
-              <a:t>Projektziele im Anschluss (Herr </a:t>
-            </a:r>
-            <a:r>
-              <a:rPr lang="de-DE" sz="2000" b="1" dirty="0" err="1">
-                <a:solidFill>
-                  <a:srgbClr val="385723"/>
-                </a:solidFill>
-                <a:latin typeface="Corbel Light" panose="020B0303020204020204" pitchFamily="34" charset="0"/>
-              </a:rPr>
-              <a:t>Stauß</a:t>
-            </a:r>
-            <a:r>
-              <a:rPr lang="de-DE" sz="2000" b="1" dirty="0">
-                <a:solidFill>
-                  <a:srgbClr val="385723"/>
-                </a:solidFill>
-                <a:latin typeface="Corbel Light" panose="020B0303020204020204" pitchFamily="34" charset="0"/>
-              </a:rPr>
-              <a:t> ? Grundsätzliche Optimierung und Erweiterung der Funktionen?)</a:t>
+              <a:t>Projektausblick</a:t>
             </a:r>
             <a:endParaRPr lang="de-DE" sz="2000" b="1" baseline="-25000" dirty="0">
               <a:solidFill>
@@ -40124,70 +42676,6 @@
           </a:p>
         </p:txBody>
       </p:sp>
-      <p:sp>
-        <p:nvSpPr>
-          <p:cNvPr id="6" name="Textfeld 5">
-            <a:extLst>
-              <a:ext uri="{FF2B5EF4-FFF2-40B4-BE49-F238E27FC236}">
-                <a16:creationId xmlns:a16="http://schemas.microsoft.com/office/drawing/2014/main" id="{E6833731-128C-4631-AF0E-88B32F017F9E}"/>
-              </a:ext>
-            </a:extLst>
-          </p:cNvPr>
-          <p:cNvSpPr txBox="1"/>
-          <p:nvPr/>
-        </p:nvSpPr>
-        <p:spPr>
-          <a:xfrm>
-            <a:off x="164193" y="5987227"/>
-            <a:ext cx="10374701" cy="1107996"/>
-          </a:xfrm>
-          <a:prstGeom prst="rect">
-            <a:avLst/>
-          </a:prstGeom>
-          <a:noFill/>
-        </p:spPr>
-        <p:txBody>
-          <a:bodyPr wrap="square" rtlCol="0">
-            <a:spAutoFit/>
-          </a:bodyPr>
-          <a:lstStyle/>
-          <a:p>
-            <a:pPr marL="800100" lvl="1" indent="-342900">
-              <a:buFont typeface="Arial" panose="020B0604020202020204" pitchFamily="34" charset="0"/>
-              <a:buChar char="•"/>
-            </a:pPr>
-            <a:r>
-              <a:rPr lang="de-DE" sz="2400" dirty="0">
-                <a:solidFill>
-                  <a:schemeClr val="accent6">
-                    <a:lumMod val="50000"/>
-                  </a:schemeClr>
-                </a:solidFill>
-              </a:rPr>
-              <a:t>Gegenüberstellung der verfügbaren Spracherkennungssoftware</a:t>
-            </a:r>
-          </a:p>
-          <a:p>
-            <a:pPr marL="800100" lvl="1" indent="-342900">
-              <a:buFont typeface="Arial" panose="020B0604020202020204" pitchFamily="34" charset="0"/>
-              <a:buChar char="•"/>
-            </a:pPr>
-            <a:r>
-              <a:rPr lang="de-DE" sz="2400" dirty="0">
-                <a:solidFill>
-                  <a:schemeClr val="accent6">
-                    <a:lumMod val="50000"/>
-                  </a:schemeClr>
-                </a:solidFill>
-              </a:rPr>
-              <a:t>Auswahl nach Dokumentationsqualität, Verfügbarkeit, Fehlerquoten</a:t>
-            </a:r>
-          </a:p>
-          <a:p>
-            <a:endParaRPr lang="de-DE" dirty="0"/>
-          </a:p>
-        </p:txBody>
-      </p:sp>
     </p:spTree>
     <p:extLst>
       <p:ext uri="{BB962C8B-B14F-4D97-AF65-F5344CB8AC3E}">
@@ -40214,6 +42702,393 @@
 </file>
 
 <file path=ppt/slides/slide6.xml><?xml version="1.0" encoding="utf-8"?>
+<p:sld xmlns:a="http://schemas.openxmlformats.org/drawingml/2006/main" xmlns:r="http://schemas.openxmlformats.org/officeDocument/2006/relationships" xmlns:p="http://schemas.openxmlformats.org/presentationml/2006/main">
+  <p:cSld>
+    <p:spTree>
+      <p:nvGrpSpPr>
+        <p:cNvPr id="1" name=""/>
+        <p:cNvGrpSpPr/>
+        <p:nvPr/>
+      </p:nvGrpSpPr>
+      <p:grpSpPr>
+        <a:xfrm>
+          <a:off x="0" y="0"/>
+          <a:ext cx="0" cy="0"/>
+          <a:chOff x="0" y="0"/>
+          <a:chExt cx="0" cy="0"/>
+        </a:xfrm>
+      </p:grpSpPr>
+      <p:pic>
+        <p:nvPicPr>
+          <p:cNvPr id="5" name="Grafik 4"/>
+          <p:cNvPicPr>
+            <a:picLocks noChangeAspect="1"/>
+          </p:cNvPicPr>
+          <p:nvPr/>
+        </p:nvPicPr>
+        <p:blipFill rotWithShape="1">
+          <a:blip r:embed="rId3" cstate="print">
+            <a:extLst>
+              <a:ext uri="{28A0092B-C50C-407E-A947-70E740481C1C}">
+                <a14:useLocalDpi xmlns:a14="http://schemas.microsoft.com/office/drawing/2010/main" val="0"/>
+              </a:ext>
+            </a:extLst>
+          </a:blip>
+          <a:srcRect l="11698" t="20395" r="11757" b="33313"/>
+          <a:stretch/>
+        </p:blipFill>
+        <p:spPr>
+          <a:xfrm>
+            <a:off x="10480851" y="231038"/>
+            <a:ext cx="1392702" cy="401920"/>
+          </a:xfrm>
+          <a:prstGeom prst="rect">
+            <a:avLst/>
+          </a:prstGeom>
+        </p:spPr>
+      </p:pic>
+      <p:graphicFrame>
+        <p:nvGraphicFramePr>
+          <p:cNvPr id="11" name="Diagramm 10"/>
+          <p:cNvGraphicFramePr/>
+          <p:nvPr>
+            <p:extLst/>
+          </p:nvPr>
+        </p:nvGraphicFramePr>
+        <p:xfrm>
+          <a:off x="500026" y="242702"/>
+          <a:ext cx="9703041" cy="324000"/>
+        </p:xfrm>
+        <a:graphic>
+          <a:graphicData uri="http://schemas.openxmlformats.org/drawingml/2006/diagram">
+            <dgm:relIds xmlns:dgm="http://schemas.openxmlformats.org/drawingml/2006/diagram" xmlns:r="http://schemas.openxmlformats.org/officeDocument/2006/relationships" r:dm="rId4" r:lo="rId5" r:qs="rId6" r:cs="rId7"/>
+          </a:graphicData>
+        </a:graphic>
+      </p:graphicFrame>
+      <p:sp>
+        <p:nvSpPr>
+          <p:cNvPr id="2" name="Rechteck 1">
+            <a:extLst>
+              <a:ext uri="{FF2B5EF4-FFF2-40B4-BE49-F238E27FC236}">
+                <a16:creationId xmlns:a16="http://schemas.microsoft.com/office/drawing/2014/main" id="{65D96C98-6073-4BA0-B68C-A43178100907}"/>
+              </a:ext>
+            </a:extLst>
+          </p:cNvPr>
+          <p:cNvSpPr/>
+          <p:nvPr/>
+        </p:nvSpPr>
+        <p:spPr>
+          <a:xfrm>
+            <a:off x="293297" y="870773"/>
+            <a:ext cx="8494144" cy="754694"/>
+          </a:xfrm>
+          <a:prstGeom prst="rect">
+            <a:avLst/>
+          </a:prstGeom>
+        </p:spPr>
+        <p:txBody>
+          <a:bodyPr wrap="square">
+            <a:spAutoFit/>
+          </a:bodyPr>
+          <a:lstStyle/>
+          <a:p>
+            <a:pPr>
+              <a:lnSpc>
+                <a:spcPct val="150000"/>
+              </a:lnSpc>
+            </a:pPr>
+            <a:r>
+              <a:rPr lang="de-DE" sz="3200" b="1" dirty="0">
+                <a:solidFill>
+                  <a:srgbClr val="385723"/>
+                </a:solidFill>
+                <a:latin typeface="Corbel Light" panose="020B0303020204020204" pitchFamily="34" charset="0"/>
+              </a:rPr>
+              <a:t>Speech-</a:t>
+            </a:r>
+            <a:r>
+              <a:rPr lang="de-DE" sz="3200" b="1" dirty="0" err="1">
+                <a:solidFill>
+                  <a:srgbClr val="385723"/>
+                </a:solidFill>
+                <a:latin typeface="Corbel Light" panose="020B0303020204020204" pitchFamily="34" charset="0"/>
+              </a:rPr>
+              <a:t>To</a:t>
+            </a:r>
+            <a:r>
+              <a:rPr lang="de-DE" sz="3200" b="1" dirty="0">
+                <a:solidFill>
+                  <a:srgbClr val="385723"/>
+                </a:solidFill>
+                <a:latin typeface="Corbel Light" panose="020B0303020204020204" pitchFamily="34" charset="0"/>
+              </a:rPr>
+              <a:t>-Text Recherche und Implementierung</a:t>
+            </a:r>
+          </a:p>
+        </p:txBody>
+      </p:sp>
+      <p:sp>
+        <p:nvSpPr>
+          <p:cNvPr id="6" name="Textfeld 5">
+            <a:extLst>
+              <a:ext uri="{FF2B5EF4-FFF2-40B4-BE49-F238E27FC236}">
+                <a16:creationId xmlns:a16="http://schemas.microsoft.com/office/drawing/2014/main" id="{404E8E6C-5CD6-4E63-8B95-F1D938E98CD4}"/>
+              </a:ext>
+            </a:extLst>
+          </p:cNvPr>
+          <p:cNvSpPr txBox="1"/>
+          <p:nvPr/>
+        </p:nvSpPr>
+        <p:spPr>
+          <a:xfrm>
+            <a:off x="1247955" y="2449902"/>
+            <a:ext cx="3105509" cy="923330"/>
+          </a:xfrm>
+          <a:prstGeom prst="rect">
+            <a:avLst/>
+          </a:prstGeom>
+          <a:noFill/>
+          <a:ln>
+            <a:solidFill>
+              <a:schemeClr val="accent6">
+                <a:lumMod val="50000"/>
+              </a:schemeClr>
+            </a:solidFill>
+          </a:ln>
+        </p:spPr>
+        <p:txBody>
+          <a:bodyPr wrap="square" rtlCol="0">
+            <a:spAutoFit/>
+          </a:bodyPr>
+          <a:lstStyle/>
+          <a:p>
+            <a:r>
+              <a:rPr lang="de-DE" dirty="0"/>
+              <a:t>+ Gut Dokumentiert</a:t>
+            </a:r>
+          </a:p>
+          <a:p>
+            <a:r>
+              <a:rPr lang="de-DE" dirty="0"/>
+              <a:t>+ Geringe Fehlerquote</a:t>
+            </a:r>
+          </a:p>
+          <a:p>
+            <a:r>
+              <a:rPr lang="de-DE" dirty="0"/>
+              <a:t>- Kostenpflichtig</a:t>
+            </a:r>
+          </a:p>
+        </p:txBody>
+      </p:sp>
+      <p:sp>
+        <p:nvSpPr>
+          <p:cNvPr id="8" name="Textfeld 7">
+            <a:extLst>
+              <a:ext uri="{FF2B5EF4-FFF2-40B4-BE49-F238E27FC236}">
+                <a16:creationId xmlns:a16="http://schemas.microsoft.com/office/drawing/2014/main" id="{2FFB9C55-6CCC-407C-8D2A-AB4BE7A25E99}"/>
+              </a:ext>
+            </a:extLst>
+          </p:cNvPr>
+          <p:cNvSpPr txBox="1"/>
+          <p:nvPr/>
+        </p:nvSpPr>
+        <p:spPr>
+          <a:xfrm>
+            <a:off x="6012612" y="2449900"/>
+            <a:ext cx="3516701" cy="923330"/>
+          </a:xfrm>
+          <a:prstGeom prst="rect">
+            <a:avLst/>
+          </a:prstGeom>
+          <a:noFill/>
+          <a:ln>
+            <a:solidFill>
+              <a:schemeClr val="accent6">
+                <a:lumMod val="50000"/>
+              </a:schemeClr>
+            </a:solidFill>
+          </a:ln>
+        </p:spPr>
+        <p:txBody>
+          <a:bodyPr wrap="square" rtlCol="0">
+            <a:spAutoFit/>
+          </a:bodyPr>
+          <a:lstStyle/>
+          <a:p>
+            <a:r>
+              <a:rPr lang="de-DE" dirty="0"/>
+              <a:t>+ Gut Dokumentiert</a:t>
+            </a:r>
+          </a:p>
+          <a:p>
+            <a:r>
+              <a:rPr lang="de-DE" dirty="0"/>
+              <a:t>+ Bereits Erfahrungen gemacht</a:t>
+            </a:r>
+          </a:p>
+          <a:p>
+            <a:r>
+              <a:rPr lang="de-DE" dirty="0"/>
+              <a:t>+ Kostenlos</a:t>
+            </a:r>
+          </a:p>
+        </p:txBody>
+      </p:sp>
+      <p:sp>
+        <p:nvSpPr>
+          <p:cNvPr id="7" name="Textfeld 6">
+            <a:extLst>
+              <a:ext uri="{FF2B5EF4-FFF2-40B4-BE49-F238E27FC236}">
+                <a16:creationId xmlns:a16="http://schemas.microsoft.com/office/drawing/2014/main" id="{649DF31A-0610-421B-830C-643B80B7A95E}"/>
+              </a:ext>
+            </a:extLst>
+          </p:cNvPr>
+          <p:cNvSpPr txBox="1"/>
+          <p:nvPr/>
+        </p:nvSpPr>
+        <p:spPr>
+          <a:xfrm>
+            <a:off x="1247955" y="2081842"/>
+            <a:ext cx="885645" cy="368060"/>
+          </a:xfrm>
+          <a:prstGeom prst="rect">
+            <a:avLst/>
+          </a:prstGeom>
+          <a:noFill/>
+          <a:ln>
+            <a:solidFill>
+              <a:schemeClr val="accent6">
+                <a:lumMod val="50000"/>
+              </a:schemeClr>
+            </a:solidFill>
+          </a:ln>
+        </p:spPr>
+        <p:txBody>
+          <a:bodyPr wrap="square" rtlCol="0">
+            <a:spAutoFit/>
+          </a:bodyPr>
+          <a:lstStyle/>
+          <a:p>
+            <a:r>
+              <a:rPr lang="de-DE" dirty="0"/>
+              <a:t>Google</a:t>
+            </a:r>
+          </a:p>
+        </p:txBody>
+      </p:sp>
+      <p:sp>
+        <p:nvSpPr>
+          <p:cNvPr id="10" name="Textfeld 9">
+            <a:extLst>
+              <a:ext uri="{FF2B5EF4-FFF2-40B4-BE49-F238E27FC236}">
+                <a16:creationId xmlns:a16="http://schemas.microsoft.com/office/drawing/2014/main" id="{A2C2C4B2-CD26-47D0-A58C-F92BC28330C9}"/>
+              </a:ext>
+            </a:extLst>
+          </p:cNvPr>
+          <p:cNvSpPr txBox="1"/>
+          <p:nvPr/>
+        </p:nvSpPr>
+        <p:spPr>
+          <a:xfrm>
+            <a:off x="6012612" y="2081842"/>
+            <a:ext cx="1360097" cy="369332"/>
+          </a:xfrm>
+          <a:prstGeom prst="rect">
+            <a:avLst/>
+          </a:prstGeom>
+          <a:noFill/>
+          <a:ln>
+            <a:solidFill>
+              <a:schemeClr val="accent6">
+                <a:lumMod val="50000"/>
+              </a:schemeClr>
+            </a:solidFill>
+          </a:ln>
+        </p:spPr>
+        <p:txBody>
+          <a:bodyPr wrap="square" rtlCol="0">
+            <a:spAutoFit/>
+          </a:bodyPr>
+          <a:lstStyle/>
+          <a:p>
+            <a:r>
+              <a:rPr lang="de-DE" dirty="0" err="1"/>
+              <a:t>CMUSphinx</a:t>
+            </a:r>
+            <a:endParaRPr lang="de-DE" dirty="0"/>
+          </a:p>
+        </p:txBody>
+      </p:sp>
+      <p:sp>
+        <p:nvSpPr>
+          <p:cNvPr id="9" name="Textfeld 8">
+            <a:extLst>
+              <a:ext uri="{FF2B5EF4-FFF2-40B4-BE49-F238E27FC236}">
+                <a16:creationId xmlns:a16="http://schemas.microsoft.com/office/drawing/2014/main" id="{5C0C8348-47EC-468B-BCC5-F868C7975170}"/>
+              </a:ext>
+            </a:extLst>
+          </p:cNvPr>
+          <p:cNvSpPr txBox="1"/>
+          <p:nvPr/>
+        </p:nvSpPr>
+        <p:spPr>
+          <a:xfrm>
+            <a:off x="1748287" y="4002657"/>
+            <a:ext cx="5923471" cy="646331"/>
+          </a:xfrm>
+          <a:prstGeom prst="rect">
+            <a:avLst/>
+          </a:prstGeom>
+          <a:noFill/>
+        </p:spPr>
+        <p:txBody>
+          <a:bodyPr wrap="square" rtlCol="0">
+            <a:spAutoFit/>
+          </a:bodyPr>
+          <a:lstStyle/>
+          <a:p>
+            <a:r>
+              <a:rPr lang="de-DE" dirty="0"/>
+              <a:t>Beide sind sehr </a:t>
+            </a:r>
+            <a:r>
+              <a:rPr lang="de-DE" dirty="0" err="1"/>
+              <a:t>änhlich</a:t>
+            </a:r>
+            <a:endParaRPr lang="de-DE"/>
+          </a:p>
+          <a:p>
+            <a:endParaRPr lang="de-DE" dirty="0"/>
+          </a:p>
+        </p:txBody>
+      </p:sp>
+    </p:spTree>
+    <p:extLst>
+      <p:ext uri="{BB962C8B-B14F-4D97-AF65-F5344CB8AC3E}">
+        <p14:creationId xmlns:p14="http://schemas.microsoft.com/office/powerpoint/2010/main" val="1630457610"/>
+      </p:ext>
+    </p:extLst>
+  </p:cSld>
+  <p:clrMapOvr>
+    <a:masterClrMapping/>
+  </p:clrMapOvr>
+  <mc:AlternateContent xmlns:mc="http://schemas.openxmlformats.org/markup-compatibility/2006" xmlns:p14="http://schemas.microsoft.com/office/powerpoint/2010/main">
+    <mc:Choice Requires="p14">
+      <p:transition spd="med" p14:dur="700">
+        <p:fade/>
+      </p:transition>
+    </mc:Choice>
+    <mc:Fallback xmlns="">
+      <p:transition spd="med">
+        <p:fade/>
+      </p:transition>
+    </mc:Fallback>
+  </mc:AlternateContent>
+</p:sld>
+</file>
+
+<file path=ppt/slides/slide7.xml><?xml version="1.0" encoding="utf-8"?>
 <p:sld xmlns:a="http://schemas.openxmlformats.org/drawingml/2006/main" xmlns:r="http://schemas.openxmlformats.org/officeDocument/2006/relationships" xmlns:p="http://schemas.openxmlformats.org/presentationml/2006/main">
   <p:cSld>
     <p:spTree>
@@ -40889,7 +43764,7 @@
 </p:sld>
 </file>
 
-<file path=ppt/slides/slide7.xml><?xml version="1.0" encoding="utf-8"?>
+<file path=ppt/slides/slide8.xml><?xml version="1.0" encoding="utf-8"?>
 <p:sld xmlns:a="http://schemas.openxmlformats.org/drawingml/2006/main" xmlns:r="http://schemas.openxmlformats.org/officeDocument/2006/relationships" xmlns:p="http://schemas.openxmlformats.org/presentationml/2006/main">
   <p:cSld>
     <p:spTree>
@@ -41075,7 +43950,7 @@
 </p:sld>
 </file>
 
-<file path=ppt/slides/slide8.xml><?xml version="1.0" encoding="utf-8"?>
+<file path=ppt/slides/slide9.xml><?xml version="1.0" encoding="utf-8"?>
 <p:sld xmlns:a="http://schemas.openxmlformats.org/drawingml/2006/main" xmlns:r="http://schemas.openxmlformats.org/officeDocument/2006/relationships" xmlns:p="http://schemas.openxmlformats.org/presentationml/2006/main">
   <p:cSld>
     <p:spTree>
@@ -41187,139 +44062,6 @@
     <p:extLst>
       <p:ext uri="{BB962C8B-B14F-4D97-AF65-F5344CB8AC3E}">
         <p14:creationId xmlns:p14="http://schemas.microsoft.com/office/powerpoint/2010/main" val="4014255332"/>
-      </p:ext>
-    </p:extLst>
-  </p:cSld>
-  <p:clrMapOvr>
-    <a:masterClrMapping/>
-  </p:clrMapOvr>
-  <mc:AlternateContent xmlns:mc="http://schemas.openxmlformats.org/markup-compatibility/2006" xmlns:p14="http://schemas.microsoft.com/office/powerpoint/2010/main">
-    <mc:Choice Requires="p14">
-      <p:transition spd="med" p14:dur="700">
-        <p:fade/>
-      </p:transition>
-    </mc:Choice>
-    <mc:Fallback xmlns="">
-      <p:transition spd="med">
-        <p:fade/>
-      </p:transition>
-    </mc:Fallback>
-  </mc:AlternateContent>
-</p:sld>
-</file>
-
-<file path=ppt/slides/slide9.xml><?xml version="1.0" encoding="utf-8"?>
-<p:sld xmlns:a="http://schemas.openxmlformats.org/drawingml/2006/main" xmlns:r="http://schemas.openxmlformats.org/officeDocument/2006/relationships" xmlns:p="http://schemas.openxmlformats.org/presentationml/2006/main">
-  <p:cSld>
-    <p:spTree>
-      <p:nvGrpSpPr>
-        <p:cNvPr id="1" name=""/>
-        <p:cNvGrpSpPr/>
-        <p:nvPr/>
-      </p:nvGrpSpPr>
-      <p:grpSpPr>
-        <a:xfrm>
-          <a:off x="0" y="0"/>
-          <a:ext cx="0" cy="0"/>
-          <a:chOff x="0" y="0"/>
-          <a:chExt cx="0" cy="0"/>
-        </a:xfrm>
-      </p:grpSpPr>
-      <p:pic>
-        <p:nvPicPr>
-          <p:cNvPr id="5" name="Grafik 4"/>
-          <p:cNvPicPr>
-            <a:picLocks noChangeAspect="1"/>
-          </p:cNvPicPr>
-          <p:nvPr/>
-        </p:nvPicPr>
-        <p:blipFill rotWithShape="1">
-          <a:blip r:embed="rId3" cstate="print">
-            <a:extLst>
-              <a:ext uri="{28A0092B-C50C-407E-A947-70E740481C1C}">
-                <a14:useLocalDpi xmlns:a14="http://schemas.microsoft.com/office/drawing/2010/main" val="0"/>
-              </a:ext>
-            </a:extLst>
-          </a:blip>
-          <a:srcRect l="11698" t="20395" r="11757" b="33313"/>
-          <a:stretch/>
-        </p:blipFill>
-        <p:spPr>
-          <a:xfrm>
-            <a:off x="10480851" y="231038"/>
-            <a:ext cx="1392702" cy="401920"/>
-          </a:xfrm>
-          <a:prstGeom prst="rect">
-            <a:avLst/>
-          </a:prstGeom>
-        </p:spPr>
-      </p:pic>
-      <p:graphicFrame>
-        <p:nvGraphicFramePr>
-          <p:cNvPr id="11" name="Diagramm 10"/>
-          <p:cNvGraphicFramePr/>
-          <p:nvPr>
-            <p:extLst/>
-          </p:nvPr>
-        </p:nvGraphicFramePr>
-        <p:xfrm>
-          <a:off x="500026" y="242702"/>
-          <a:ext cx="9703041" cy="324000"/>
-        </p:xfrm>
-        <a:graphic>
-          <a:graphicData uri="http://schemas.openxmlformats.org/drawingml/2006/diagram">
-            <dgm:relIds xmlns:dgm="http://schemas.openxmlformats.org/drawingml/2006/diagram" xmlns:r="http://schemas.openxmlformats.org/officeDocument/2006/relationships" r:dm="rId4" r:lo="rId5" r:qs="rId6" r:cs="rId7"/>
-          </a:graphicData>
-        </a:graphic>
-      </p:graphicFrame>
-      <p:sp>
-        <p:nvSpPr>
-          <p:cNvPr id="2" name="Rechteck 1">
-            <a:extLst>
-              <a:ext uri="{FF2B5EF4-FFF2-40B4-BE49-F238E27FC236}">
-                <a16:creationId xmlns:a16="http://schemas.microsoft.com/office/drawing/2014/main" id="{C2A7ECBF-C5DE-4CA9-B4CD-A91748CBCA72}"/>
-              </a:ext>
-            </a:extLst>
-          </p:cNvPr>
-          <p:cNvSpPr/>
-          <p:nvPr/>
-        </p:nvSpPr>
-        <p:spPr>
-          <a:xfrm>
-            <a:off x="448574" y="836268"/>
-            <a:ext cx="6096000" cy="754694"/>
-          </a:xfrm>
-          <a:prstGeom prst="rect">
-            <a:avLst/>
-          </a:prstGeom>
-        </p:spPr>
-        <p:txBody>
-          <a:bodyPr>
-            <a:spAutoFit/>
-          </a:bodyPr>
-          <a:lstStyle/>
-          <a:p>
-            <a:pPr>
-              <a:lnSpc>
-                <a:spcPct val="150000"/>
-              </a:lnSpc>
-            </a:pPr>
-            <a:r>
-              <a:rPr lang="de-DE" sz="3200" b="1" dirty="0">
-                <a:solidFill>
-                  <a:srgbClr val="385723"/>
-                </a:solidFill>
-                <a:latin typeface="Corbel Light" panose="020B0303020204020204" pitchFamily="34" charset="0"/>
-              </a:rPr>
-              <a:t>SAP ABAP API Programmierung</a:t>
-            </a:r>
-          </a:p>
-        </p:txBody>
-      </p:sp>
-    </p:spTree>
-    <p:extLst>
-      <p:ext uri="{BB962C8B-B14F-4D97-AF65-F5344CB8AC3E}">
-        <p14:creationId xmlns:p14="http://schemas.microsoft.com/office/powerpoint/2010/main" val="2472505764"/>
       </p:ext>
     </p:extLst>
   </p:cSld>

--- a/CavallaroAngelo/Präsentation Wahlmodulvorstellung/SAPlexa Präsentation.pptx
+++ b/CavallaroAngelo/Präsentation Wahlmodulvorstellung/SAPlexa Präsentation.pptx
@@ -127,6 +127,265 @@
     </p:ext>
   </p:extLst>
 </p:presentation>
+</file>
+
+<file path=ppt/revisionInfo.xml><?xml version="1.0" encoding="utf-8"?>
+<p1510:revInfo xmlns:a="http://schemas.openxmlformats.org/drawingml/2006/main" xmlns:r="http://schemas.openxmlformats.org/officeDocument/2006/relationships" xmlns:p1510="http://schemas.microsoft.com/office/powerpoint/2015/10/main">
+  <p1510:revLst>
+    <p1510:client id="{2386DF6B-46B7-46D8-BB85-D9554EB72FA7}" v="27" dt="2020-01-09T10:12:57.997"/>
+  </p1510:revLst>
+</p1510:revInfo>
+</file>
+
+<file path=ppt/changesInfos/changesInfo1.xml><?xml version="1.0" encoding="utf-8"?>
+<pc:chgInfo xmlns:a="http://schemas.openxmlformats.org/drawingml/2006/main" xmlns:r="http://schemas.openxmlformats.org/officeDocument/2006/relationships" xmlns:ac="http://schemas.microsoft.com/office/drawing/2013/main/command" xmlns:pc="http://schemas.microsoft.com/office/powerpoint/2013/main/command">
+  <pc:docChgLst>
+    <pc:chgData name="Daniel Kinzelmann" userId="565694bb6f7eb92d" providerId="LiveId" clId="{2386DF6B-46B7-46D8-BB85-D9554EB72FA7}"/>
+    <pc:docChg chg="undo custSel modSld modMainMaster">
+      <pc:chgData name="Daniel Kinzelmann" userId="565694bb6f7eb92d" providerId="LiveId" clId="{2386DF6B-46B7-46D8-BB85-D9554EB72FA7}" dt="2020-01-09T10:13:42.876" v="525" actId="14100"/>
+      <pc:docMkLst>
+        <pc:docMk/>
+      </pc:docMkLst>
+      <pc:sldChg chg="addSp delSp modSp">
+        <pc:chgData name="Daniel Kinzelmann" userId="565694bb6f7eb92d" providerId="LiveId" clId="{2386DF6B-46B7-46D8-BB85-D9554EB72FA7}" dt="2020-01-09T10:13:42.876" v="525" actId="14100"/>
+        <pc:sldMkLst>
+          <pc:docMk/>
+          <pc:sldMk cId="2676487783" sldId="277"/>
+        </pc:sldMkLst>
+        <pc:spChg chg="mod">
+          <ac:chgData name="Daniel Kinzelmann" userId="565694bb6f7eb92d" providerId="LiveId" clId="{2386DF6B-46B7-46D8-BB85-D9554EB72FA7}" dt="2020-01-09T10:07:25.064" v="440" actId="313"/>
+          <ac:spMkLst>
+            <pc:docMk/>
+            <pc:sldMk cId="2676487783" sldId="277"/>
+            <ac:spMk id="3" creationId="{95ADD9DF-0F9F-4168-8274-902AA17E495E}"/>
+          </ac:spMkLst>
+        </pc:spChg>
+        <pc:spChg chg="add mod">
+          <ac:chgData name="Daniel Kinzelmann" userId="565694bb6f7eb92d" providerId="LiveId" clId="{2386DF6B-46B7-46D8-BB85-D9554EB72FA7}" dt="2020-01-09T10:13:11.408" v="521" actId="1076"/>
+          <ac:spMkLst>
+            <pc:docMk/>
+            <pc:sldMk cId="2676487783" sldId="277"/>
+            <ac:spMk id="12" creationId="{D8A530CB-406F-472B-8C1D-5B247EF7BB7F}"/>
+          </ac:spMkLst>
+        </pc:spChg>
+        <pc:spChg chg="add del mod">
+          <ac:chgData name="Daniel Kinzelmann" userId="565694bb6f7eb92d" providerId="LiveId" clId="{2386DF6B-46B7-46D8-BB85-D9554EB72FA7}" dt="2020-01-09T10:13:02.865" v="518" actId="478"/>
+          <ac:spMkLst>
+            <pc:docMk/>
+            <pc:sldMk cId="2676487783" sldId="277"/>
+            <ac:spMk id="14" creationId="{0E90834A-95E7-4E70-AAD3-EF15D81F01FF}"/>
+          </ac:spMkLst>
+        </pc:spChg>
+        <pc:graphicFrameChg chg="add mod modGraphic">
+          <ac:chgData name="Daniel Kinzelmann" userId="565694bb6f7eb92d" providerId="LiveId" clId="{2386DF6B-46B7-46D8-BB85-D9554EB72FA7}" dt="2020-01-09T10:13:42.876" v="525" actId="14100"/>
+          <ac:graphicFrameMkLst>
+            <pc:docMk/>
+            <pc:sldMk cId="2676487783" sldId="277"/>
+            <ac:graphicFrameMk id="9" creationId="{372ACC14-58FC-4955-8374-31F4DDC72980}"/>
+          </ac:graphicFrameMkLst>
+        </pc:graphicFrameChg>
+      </pc:sldChg>
+      <pc:sldChg chg="addSp delSp modSp">
+        <pc:chgData name="Daniel Kinzelmann" userId="565694bb6f7eb92d" providerId="LiveId" clId="{2386DF6B-46B7-46D8-BB85-D9554EB72FA7}" dt="2020-01-09T10:11:22.528" v="508" actId="108"/>
+        <pc:sldMkLst>
+          <pc:docMk/>
+          <pc:sldMk cId="1630457610" sldId="278"/>
+        </pc:sldMkLst>
+        <pc:spChg chg="del mod">
+          <ac:chgData name="Daniel Kinzelmann" userId="565694bb6f7eb92d" providerId="LiveId" clId="{2386DF6B-46B7-46D8-BB85-D9554EB72FA7}" dt="2020-01-09T09:58:24.519" v="342" actId="478"/>
+          <ac:spMkLst>
+            <pc:docMk/>
+            <pc:sldMk cId="1630457610" sldId="278"/>
+            <ac:spMk id="6" creationId="{404E8E6C-5CD6-4E63-8B95-F1D938E98CD4}"/>
+          </ac:spMkLst>
+        </pc:spChg>
+        <pc:spChg chg="del">
+          <ac:chgData name="Daniel Kinzelmann" userId="565694bb6f7eb92d" providerId="LiveId" clId="{2386DF6B-46B7-46D8-BB85-D9554EB72FA7}" dt="2020-01-09T09:48:01.596" v="0" actId="478"/>
+          <ac:spMkLst>
+            <pc:docMk/>
+            <pc:sldMk cId="1630457610" sldId="278"/>
+            <ac:spMk id="7" creationId="{649DF31A-0610-421B-830C-643B80B7A95E}"/>
+          </ac:spMkLst>
+        </pc:spChg>
+        <pc:spChg chg="del mod">
+          <ac:chgData name="Daniel Kinzelmann" userId="565694bb6f7eb92d" providerId="LiveId" clId="{2386DF6B-46B7-46D8-BB85-D9554EB72FA7}" dt="2020-01-09T09:58:22.213" v="341" actId="478"/>
+          <ac:spMkLst>
+            <pc:docMk/>
+            <pc:sldMk cId="1630457610" sldId="278"/>
+            <ac:spMk id="8" creationId="{2FFB9C55-6CCC-407C-8D2A-AB4BE7A25E99}"/>
+          </ac:spMkLst>
+        </pc:spChg>
+        <pc:spChg chg="del mod">
+          <ac:chgData name="Daniel Kinzelmann" userId="565694bb6f7eb92d" providerId="LiveId" clId="{2386DF6B-46B7-46D8-BB85-D9554EB72FA7}" dt="2020-01-09T09:58:27.942" v="343" actId="478"/>
+          <ac:spMkLst>
+            <pc:docMk/>
+            <pc:sldMk cId="1630457610" sldId="278"/>
+            <ac:spMk id="9" creationId="{5C0C8348-47EC-468B-BCC5-F868C7975170}"/>
+          </ac:spMkLst>
+        </pc:spChg>
+        <pc:spChg chg="del">
+          <ac:chgData name="Daniel Kinzelmann" userId="565694bb6f7eb92d" providerId="LiveId" clId="{2386DF6B-46B7-46D8-BB85-D9554EB72FA7}" dt="2020-01-09T09:48:03.200" v="1" actId="478"/>
+          <ac:spMkLst>
+            <pc:docMk/>
+            <pc:sldMk cId="1630457610" sldId="278"/>
+            <ac:spMk id="10" creationId="{A2C2C4B2-CD26-47D0-A58C-F92BC28330C9}"/>
+          </ac:spMkLst>
+        </pc:spChg>
+        <pc:graphicFrameChg chg="add mod modGraphic">
+          <ac:chgData name="Daniel Kinzelmann" userId="565694bb6f7eb92d" providerId="LiveId" clId="{2386DF6B-46B7-46D8-BB85-D9554EB72FA7}" dt="2020-01-09T10:11:22.528" v="508" actId="108"/>
+          <ac:graphicFrameMkLst>
+            <pc:docMk/>
+            <pc:sldMk cId="1630457610" sldId="278"/>
+            <ac:graphicFrameMk id="3" creationId="{44F05050-D2BE-4EE2-B006-DC79DF3600B7}"/>
+          </ac:graphicFrameMkLst>
+        </pc:graphicFrameChg>
+        <pc:graphicFrameChg chg="mod">
+          <ac:chgData name="Daniel Kinzelmann" userId="565694bb6f7eb92d" providerId="LiveId" clId="{2386DF6B-46B7-46D8-BB85-D9554EB72FA7}" dt="2020-01-09T10:05:39.239" v="434"/>
+          <ac:graphicFrameMkLst>
+            <pc:docMk/>
+            <pc:sldMk cId="1630457610" sldId="278"/>
+            <ac:graphicFrameMk id="11" creationId="{00000000-0000-0000-0000-000000000000}"/>
+          </ac:graphicFrameMkLst>
+        </pc:graphicFrameChg>
+        <pc:picChg chg="add del">
+          <ac:chgData name="Daniel Kinzelmann" userId="565694bb6f7eb92d" providerId="LiveId" clId="{2386DF6B-46B7-46D8-BB85-D9554EB72FA7}" dt="2020-01-09T10:01:06.405" v="345" actId="478"/>
+          <ac:picMkLst>
+            <pc:docMk/>
+            <pc:sldMk cId="1630457610" sldId="278"/>
+            <ac:picMk id="4" creationId="{C4AFCC40-25AF-422D-A6A0-DE4F0B04AB26}"/>
+          </ac:picMkLst>
+        </pc:picChg>
+        <pc:picChg chg="add mod">
+          <ac:chgData name="Daniel Kinzelmann" userId="565694bb6f7eb92d" providerId="LiveId" clId="{2386DF6B-46B7-46D8-BB85-D9554EB72FA7}" dt="2020-01-09T10:03:05.117" v="364" actId="1076"/>
+          <ac:picMkLst>
+            <pc:docMk/>
+            <pc:sldMk cId="1630457610" sldId="278"/>
+            <ac:picMk id="13" creationId="{862E1207-4E39-468C-A435-074D321DAE6E}"/>
+          </ac:picMkLst>
+        </pc:picChg>
+        <pc:picChg chg="add mod">
+          <ac:chgData name="Daniel Kinzelmann" userId="565694bb6f7eb92d" providerId="LiveId" clId="{2386DF6B-46B7-46D8-BB85-D9554EB72FA7}" dt="2020-01-09T10:03:11.490" v="367" actId="1076"/>
+          <ac:picMkLst>
+            <pc:docMk/>
+            <pc:sldMk cId="1630457610" sldId="278"/>
+            <ac:picMk id="15" creationId="{84C46948-F690-4BDD-92A3-4EAD23FA8534}"/>
+          </ac:picMkLst>
+        </pc:picChg>
+        <pc:picChg chg="add mod">
+          <ac:chgData name="Daniel Kinzelmann" userId="565694bb6f7eb92d" providerId="LiveId" clId="{2386DF6B-46B7-46D8-BB85-D9554EB72FA7}" dt="2020-01-09T10:03:09.718" v="366" actId="1076"/>
+          <ac:picMkLst>
+            <pc:docMk/>
+            <pc:sldMk cId="1630457610" sldId="278"/>
+            <ac:picMk id="17" creationId="{E43C5207-A209-42A5-94B5-1D1E347AC92A}"/>
+          </ac:picMkLst>
+        </pc:picChg>
+        <pc:picChg chg="add mod">
+          <ac:chgData name="Daniel Kinzelmann" userId="565694bb6f7eb92d" providerId="LiveId" clId="{2386DF6B-46B7-46D8-BB85-D9554EB72FA7}" dt="2020-01-09T10:03:07.152" v="365" actId="1076"/>
+          <ac:picMkLst>
+            <pc:docMk/>
+            <pc:sldMk cId="1630457610" sldId="278"/>
+            <ac:picMk id="18" creationId="{C84D9500-21F4-4C95-9BCB-3E1E74A1AB75}"/>
+          </ac:picMkLst>
+        </pc:picChg>
+      </pc:sldChg>
+      <pc:sldMasterChg chg="modTransition modSldLayout">
+        <pc:chgData name="Daniel Kinzelmann" userId="565694bb6f7eb92d" providerId="LiveId" clId="{2386DF6B-46B7-46D8-BB85-D9554EB72FA7}" dt="2020-01-09T09:55:37.280" v="224"/>
+        <pc:sldMasterMkLst>
+          <pc:docMk/>
+          <pc:sldMasterMk cId="4043923982" sldId="2147483660"/>
+        </pc:sldMasterMkLst>
+        <pc:sldLayoutChg chg="modTransition">
+          <pc:chgData name="Daniel Kinzelmann" userId="565694bb6f7eb92d" providerId="LiveId" clId="{2386DF6B-46B7-46D8-BB85-D9554EB72FA7}" dt="2020-01-09T09:55:37.280" v="224"/>
+          <pc:sldLayoutMkLst>
+            <pc:docMk/>
+            <pc:sldMasterMk cId="4043923982" sldId="2147483660"/>
+            <pc:sldLayoutMk cId="3355569204" sldId="2147483661"/>
+          </pc:sldLayoutMkLst>
+        </pc:sldLayoutChg>
+        <pc:sldLayoutChg chg="modTransition">
+          <pc:chgData name="Daniel Kinzelmann" userId="565694bb6f7eb92d" providerId="LiveId" clId="{2386DF6B-46B7-46D8-BB85-D9554EB72FA7}" dt="2020-01-09T09:55:37.280" v="224"/>
+          <pc:sldLayoutMkLst>
+            <pc:docMk/>
+            <pc:sldMasterMk cId="4043923982" sldId="2147483660"/>
+            <pc:sldLayoutMk cId="2628275891" sldId="2147483662"/>
+          </pc:sldLayoutMkLst>
+        </pc:sldLayoutChg>
+        <pc:sldLayoutChg chg="modTransition">
+          <pc:chgData name="Daniel Kinzelmann" userId="565694bb6f7eb92d" providerId="LiveId" clId="{2386DF6B-46B7-46D8-BB85-D9554EB72FA7}" dt="2020-01-09T09:55:37.280" v="224"/>
+          <pc:sldLayoutMkLst>
+            <pc:docMk/>
+            <pc:sldMasterMk cId="4043923982" sldId="2147483660"/>
+            <pc:sldLayoutMk cId="3813644378" sldId="2147483663"/>
+          </pc:sldLayoutMkLst>
+        </pc:sldLayoutChg>
+        <pc:sldLayoutChg chg="modTransition">
+          <pc:chgData name="Daniel Kinzelmann" userId="565694bb6f7eb92d" providerId="LiveId" clId="{2386DF6B-46B7-46D8-BB85-D9554EB72FA7}" dt="2020-01-09T09:55:37.280" v="224"/>
+          <pc:sldLayoutMkLst>
+            <pc:docMk/>
+            <pc:sldMasterMk cId="4043923982" sldId="2147483660"/>
+            <pc:sldLayoutMk cId="96999627" sldId="2147483664"/>
+          </pc:sldLayoutMkLst>
+        </pc:sldLayoutChg>
+        <pc:sldLayoutChg chg="modTransition">
+          <pc:chgData name="Daniel Kinzelmann" userId="565694bb6f7eb92d" providerId="LiveId" clId="{2386DF6B-46B7-46D8-BB85-D9554EB72FA7}" dt="2020-01-09T09:55:37.280" v="224"/>
+          <pc:sldLayoutMkLst>
+            <pc:docMk/>
+            <pc:sldMasterMk cId="4043923982" sldId="2147483660"/>
+            <pc:sldLayoutMk cId="2163253523" sldId="2147483665"/>
+          </pc:sldLayoutMkLst>
+        </pc:sldLayoutChg>
+        <pc:sldLayoutChg chg="modTransition">
+          <pc:chgData name="Daniel Kinzelmann" userId="565694bb6f7eb92d" providerId="LiveId" clId="{2386DF6B-46B7-46D8-BB85-D9554EB72FA7}" dt="2020-01-09T09:55:37.280" v="224"/>
+          <pc:sldLayoutMkLst>
+            <pc:docMk/>
+            <pc:sldMasterMk cId="4043923982" sldId="2147483660"/>
+            <pc:sldLayoutMk cId="2485169892" sldId="2147483666"/>
+          </pc:sldLayoutMkLst>
+        </pc:sldLayoutChg>
+        <pc:sldLayoutChg chg="modTransition">
+          <pc:chgData name="Daniel Kinzelmann" userId="565694bb6f7eb92d" providerId="LiveId" clId="{2386DF6B-46B7-46D8-BB85-D9554EB72FA7}" dt="2020-01-09T09:55:37.280" v="224"/>
+          <pc:sldLayoutMkLst>
+            <pc:docMk/>
+            <pc:sldMasterMk cId="4043923982" sldId="2147483660"/>
+            <pc:sldLayoutMk cId="822438252" sldId="2147483667"/>
+          </pc:sldLayoutMkLst>
+        </pc:sldLayoutChg>
+        <pc:sldLayoutChg chg="modTransition">
+          <pc:chgData name="Daniel Kinzelmann" userId="565694bb6f7eb92d" providerId="LiveId" clId="{2386DF6B-46B7-46D8-BB85-D9554EB72FA7}" dt="2020-01-09T09:55:37.280" v="224"/>
+          <pc:sldLayoutMkLst>
+            <pc:docMk/>
+            <pc:sldMasterMk cId="4043923982" sldId="2147483660"/>
+            <pc:sldLayoutMk cId="2412495353" sldId="2147483668"/>
+          </pc:sldLayoutMkLst>
+        </pc:sldLayoutChg>
+        <pc:sldLayoutChg chg="modTransition">
+          <pc:chgData name="Daniel Kinzelmann" userId="565694bb6f7eb92d" providerId="LiveId" clId="{2386DF6B-46B7-46D8-BB85-D9554EB72FA7}" dt="2020-01-09T09:55:37.280" v="224"/>
+          <pc:sldLayoutMkLst>
+            <pc:docMk/>
+            <pc:sldMasterMk cId="4043923982" sldId="2147483660"/>
+            <pc:sldLayoutMk cId="323676684" sldId="2147483669"/>
+          </pc:sldLayoutMkLst>
+        </pc:sldLayoutChg>
+        <pc:sldLayoutChg chg="modTransition">
+          <pc:chgData name="Daniel Kinzelmann" userId="565694bb6f7eb92d" providerId="LiveId" clId="{2386DF6B-46B7-46D8-BB85-D9554EB72FA7}" dt="2020-01-09T09:55:37.280" v="224"/>
+          <pc:sldLayoutMkLst>
+            <pc:docMk/>
+            <pc:sldMasterMk cId="4043923982" sldId="2147483660"/>
+            <pc:sldLayoutMk cId="3587368179" sldId="2147483670"/>
+          </pc:sldLayoutMkLst>
+        </pc:sldLayoutChg>
+        <pc:sldLayoutChg chg="modTransition">
+          <pc:chgData name="Daniel Kinzelmann" userId="565694bb6f7eb92d" providerId="LiveId" clId="{2386DF6B-46B7-46D8-BB85-D9554EB72FA7}" dt="2020-01-09T09:55:37.280" v="224"/>
+          <pc:sldLayoutMkLst>
+            <pc:docMk/>
+            <pc:sldMasterMk cId="4043923982" sldId="2147483660"/>
+            <pc:sldLayoutMk cId="3306867901" sldId="2147483671"/>
+          </pc:sldLayoutMkLst>
+        </pc:sldLayoutChg>
+      </pc:sldMasterChg>
+    </pc:docChg>
+  </pc:docChgLst>
+</pc:chgInfo>
 </file>
 
 <file path=ppt/diagrams/colors1.xml><?xml version="1.0" encoding="utf-8"?>
@@ -13259,7 +13518,11 @@
     </dgm:pt>
     <dgm:pt modelId="{5033FB32-F740-4C19-B504-0647C1F53E48}">
       <dgm:prSet phldrT="[Text]"/>
-      <dgm:spPr/>
+      <dgm:spPr>
+        <a:solidFill>
+          <a:srgbClr val="507E32"/>
+        </a:solidFill>
+      </dgm:spPr>
       <dgm:t>
         <a:bodyPr/>
         <a:lstStyle/>
@@ -14759,13 +15022,7 @@
           <a:avLst/>
         </a:prstGeom>
         <a:solidFill>
-          <a:schemeClr val="accent6">
-            <a:shade val="50000"/>
-            <a:hueOff val="0"/>
-            <a:satOff val="0"/>
-            <a:lumOff val="0"/>
-            <a:alphaOff val="0"/>
-          </a:schemeClr>
+          <a:srgbClr val="507E32"/>
         </a:solidFill>
         <a:ln w="19050" cap="flat" cmpd="sng" algn="ctr">
           <a:solidFill>
@@ -33737,7 +33994,7 @@
           <a:p>
             <a:fld id="{532509FE-4B88-49E5-9857-128C195EDC5C}" type="datetimeFigureOut">
               <a:rPr lang="de-DE" smtClean="0"/>
-              <a:t>08.01.2020</a:t>
+              <a:t>09.01.2020</a:t>
             </a:fld>
             <a:endParaRPr lang="de-DE"/>
           </a:p>
@@ -34074,7 +34331,7 @@
               <a:rPr lang="de-DE" smtClean="0"/>
               <a:t>1</a:t>
             </a:fld>
-            <a:endParaRPr lang="de-DE"/>
+            <a:endParaRPr lang="de-DE" dirty="0"/>
           </a:p>
         </p:txBody>
       </p:sp>
@@ -35247,7 +35504,7 @@
           <a:p>
             <a:fld id="{9B6D1F2D-D69C-4B43-B03F-747D7E40617B}" type="datetimeFigureOut">
               <a:rPr lang="de-DE" smtClean="0"/>
-              <a:t>08.01.2020</a:t>
+              <a:t>09.01.2020</a:t>
             </a:fld>
             <a:endParaRPr lang="de-DE" dirty="0"/>
           </a:p>
@@ -35427,7 +35684,7 @@
           <a:p>
             <a:fld id="{9B6D1F2D-D69C-4B43-B03F-747D7E40617B}" type="datetimeFigureOut">
               <a:rPr lang="de-DE" smtClean="0"/>
-              <a:t>08.01.2020</a:t>
+              <a:t>09.01.2020</a:t>
             </a:fld>
             <a:endParaRPr lang="de-DE" dirty="0"/>
           </a:p>
@@ -35617,7 +35874,7 @@
           <a:p>
             <a:fld id="{9B6D1F2D-D69C-4B43-B03F-747D7E40617B}" type="datetimeFigureOut">
               <a:rPr lang="de-DE" smtClean="0"/>
-              <a:t>08.01.2020</a:t>
+              <a:t>09.01.2020</a:t>
             </a:fld>
             <a:endParaRPr lang="de-DE" dirty="0"/>
           </a:p>
@@ -35797,7 +36054,7 @@
           <a:p>
             <a:fld id="{9B6D1F2D-D69C-4B43-B03F-747D7E40617B}" type="datetimeFigureOut">
               <a:rPr lang="de-DE" smtClean="0"/>
-              <a:t>08.01.2020</a:t>
+              <a:t>09.01.2020</a:t>
             </a:fld>
             <a:endParaRPr lang="de-DE" dirty="0"/>
           </a:p>
@@ -36054,7 +36311,7 @@
           <a:p>
             <a:fld id="{9B6D1F2D-D69C-4B43-B03F-747D7E40617B}" type="datetimeFigureOut">
               <a:rPr lang="de-DE" smtClean="0"/>
-              <a:t>08.01.2020</a:t>
+              <a:t>09.01.2020</a:t>
             </a:fld>
             <a:endParaRPr lang="de-DE" dirty="0"/>
           </a:p>
@@ -36295,7 +36552,7 @@
           <a:p>
             <a:fld id="{9B6D1F2D-D69C-4B43-B03F-747D7E40617B}" type="datetimeFigureOut">
               <a:rPr lang="de-DE" smtClean="0"/>
-              <a:t>08.01.2020</a:t>
+              <a:t>09.01.2020</a:t>
             </a:fld>
             <a:endParaRPr lang="de-DE" dirty="0"/>
           </a:p>
@@ -36671,7 +36928,7 @@
           <a:p>
             <a:fld id="{9B6D1F2D-D69C-4B43-B03F-747D7E40617B}" type="datetimeFigureOut">
               <a:rPr lang="de-DE" smtClean="0"/>
-              <a:t>08.01.2020</a:t>
+              <a:t>09.01.2020</a:t>
             </a:fld>
             <a:endParaRPr lang="de-DE" dirty="0"/>
           </a:p>
@@ -36800,7 +37057,7 @@
           <a:p>
             <a:fld id="{9B6D1F2D-D69C-4B43-B03F-747D7E40617B}" type="datetimeFigureOut">
               <a:rPr lang="de-DE" smtClean="0"/>
-              <a:t>08.01.2020</a:t>
+              <a:t>09.01.2020</a:t>
             </a:fld>
             <a:endParaRPr lang="de-DE" dirty="0"/>
           </a:p>
@@ -36907,7 +37164,7 @@
           <a:p>
             <a:fld id="{9B6D1F2D-D69C-4B43-B03F-747D7E40617B}" type="datetimeFigureOut">
               <a:rPr lang="de-DE" smtClean="0"/>
-              <a:t>08.01.2020</a:t>
+              <a:t>09.01.2020</a:t>
             </a:fld>
             <a:endParaRPr lang="de-DE" dirty="0"/>
           </a:p>
@@ -37194,7 +37451,7 @@
           <a:p>
             <a:fld id="{9B6D1F2D-D69C-4B43-B03F-747D7E40617B}" type="datetimeFigureOut">
               <a:rPr lang="de-DE" smtClean="0"/>
-              <a:t>08.01.2020</a:t>
+              <a:t>09.01.2020</a:t>
             </a:fld>
             <a:endParaRPr lang="de-DE" dirty="0"/>
           </a:p>
@@ -37458,7 +37715,7 @@
           <a:p>
             <a:fld id="{9B6D1F2D-D69C-4B43-B03F-747D7E40617B}" type="datetimeFigureOut">
               <a:rPr lang="de-DE" smtClean="0"/>
-              <a:t>08.01.2020</a:t>
+              <a:t>09.01.2020</a:t>
             </a:fld>
             <a:endParaRPr lang="de-DE" dirty="0"/>
           </a:p>
@@ -37681,7 +37938,7 @@
           <a:p>
             <a:fld id="{9B6D1F2D-D69C-4B43-B03F-747D7E40617B}" type="datetimeFigureOut">
               <a:rPr lang="de-DE" smtClean="0"/>
-              <a:t>08.01.2020</a:t>
+              <a:t>09.01.2020</a:t>
             </a:fld>
             <a:endParaRPr lang="de-DE" dirty="0"/>
           </a:p>
@@ -38284,7 +38541,7 @@
               <a:lstStyle/>
               <a:p>
                 <a:pPr algn="ctr"/>
-                <a:endParaRPr lang="de-DE"/>
+                <a:endParaRPr lang="de-DE" dirty="0"/>
               </a:p>
             </p:txBody>
           </p:sp>
@@ -38353,7 +38610,7 @@
                 <a:lstStyle/>
                 <a:p>
                   <a:pPr algn="ctr"/>
-                  <a:endParaRPr lang="de-DE"/>
+                  <a:endParaRPr lang="de-DE" dirty="0"/>
                 </a:p>
               </p:txBody>
             </p:sp>
@@ -38506,7 +38763,7 @@
                 <a:lstStyle/>
                 <a:p>
                   <a:pPr algn="ctr"/>
-                  <a:endParaRPr lang="de-DE"/>
+                  <a:endParaRPr lang="de-DE" dirty="0"/>
                 </a:p>
               </p:txBody>
             </p:sp>
@@ -38558,7 +38815,7 @@
               <a:lstStyle/>
               <a:p>
                 <a:pPr algn="ctr"/>
-                <a:endParaRPr lang="de-DE"/>
+                <a:endParaRPr lang="de-DE" dirty="0"/>
               </a:p>
             </p:txBody>
           </p:sp>
@@ -38635,25 +38892,7 @@
                 </a:solidFill>
                 <a:latin typeface="Corbel Light" panose="020B0303020204020204" pitchFamily="34" charset="0"/>
               </a:rPr>
-              <a:t>Adrian Gröne,  Angelo Cavallaro,  Daniel </a:t>
-            </a:r>
-            <a:r>
-              <a:rPr lang="de-DE" sz="2000" dirty="0" err="1">
-                <a:solidFill>
-                  <a:srgbClr val="385723"/>
-                </a:solidFill>
-                <a:latin typeface="Corbel Light" panose="020B0303020204020204" pitchFamily="34" charset="0"/>
-              </a:rPr>
-              <a:t>Kinzelmann</a:t>
-            </a:r>
-            <a:r>
-              <a:rPr lang="de-DE" sz="2000" dirty="0">
-                <a:solidFill>
-                  <a:srgbClr val="385723"/>
-                </a:solidFill>
-                <a:latin typeface="Corbel Light" panose="020B0303020204020204" pitchFamily="34" charset="0"/>
-              </a:rPr>
-              <a:t>,  Eduard Bresemler,  Hüseyin Kasarca </a:t>
+              <a:t>Adrian Gröne,  Angelo Cavallaro,  Daniel Kinzelmann,  Eduard Bresemler,  Hüseyin Kasarca </a:t>
             </a:r>
             <a:endParaRPr lang="de-DE" sz="2000" baseline="-25000" dirty="0">
               <a:solidFill>
@@ -42752,7 +42991,11 @@
           <p:cNvPr id="11" name="Diagramm 10"/>
           <p:cNvGraphicFramePr/>
           <p:nvPr>
-            <p:extLst/>
+            <p:extLst>
+              <p:ext uri="{D42A27DB-BD31-4B8C-83A1-F6EECF244321}">
+                <p14:modId xmlns:p14="http://schemas.microsoft.com/office/powerpoint/2010/main" val="3652949369"/>
+              </p:ext>
+            </p:extLst>
           </p:nvPr>
         </p:nvGraphicFramePr>
         <p:xfrm>
@@ -42827,242 +43070,564 @@
           </a:p>
         </p:txBody>
       </p:sp>
-      <p:sp>
-        <p:nvSpPr>
-          <p:cNvPr id="6" name="Textfeld 5">
+      <p:graphicFrame>
+        <p:nvGraphicFramePr>
+          <p:cNvPr id="3" name="Tabelle 2">
             <a:extLst>
               <a:ext uri="{FF2B5EF4-FFF2-40B4-BE49-F238E27FC236}">
-                <a16:creationId xmlns:a16="http://schemas.microsoft.com/office/drawing/2014/main" id="{404E8E6C-5CD6-4E63-8B95-F1D938E98CD4}"/>
+                <a16:creationId xmlns:a16="http://schemas.microsoft.com/office/drawing/2014/main" id="{44F05050-D2BE-4EE2-B006-DC79DF3600B7}"/>
               </a:ext>
             </a:extLst>
           </p:cNvPr>
-          <p:cNvSpPr txBox="1"/>
+          <p:cNvGraphicFramePr>
+            <a:graphicFrameLocks noGrp="1"/>
+          </p:cNvGraphicFramePr>
+          <p:nvPr>
+            <p:extLst>
+              <p:ext uri="{D42A27DB-BD31-4B8C-83A1-F6EECF244321}">
+                <p14:modId xmlns:p14="http://schemas.microsoft.com/office/powerpoint/2010/main" val="3477315680"/>
+              </p:ext>
+            </p:extLst>
+          </p:nvPr>
+        </p:nvGraphicFramePr>
+        <p:xfrm>
+          <a:off x="1083324" y="1929537"/>
+          <a:ext cx="9703041" cy="4058549"/>
+        </p:xfrm>
+        <a:graphic>
+          <a:graphicData uri="http://schemas.openxmlformats.org/drawingml/2006/table">
+            <a:tbl>
+              <a:tblPr firstRow="1" bandRow="1">
+                <a:tableStyleId>{93296810-A885-4BE3-A3E7-6D5BEEA58F35}</a:tableStyleId>
+              </a:tblPr>
+              <a:tblGrid>
+                <a:gridCol w="2425760">
+                  <a:extLst>
+                    <a:ext uri="{9D8B030D-6E8A-4147-A177-3AD203B41FA5}">
+                      <a16:colId xmlns:a16="http://schemas.microsoft.com/office/drawing/2014/main" val="3228370622"/>
+                    </a:ext>
+                  </a:extLst>
+                </a:gridCol>
+                <a:gridCol w="2425760">
+                  <a:extLst>
+                    <a:ext uri="{9D8B030D-6E8A-4147-A177-3AD203B41FA5}">
+                      <a16:colId xmlns:a16="http://schemas.microsoft.com/office/drawing/2014/main" val="1887970219"/>
+                    </a:ext>
+                  </a:extLst>
+                </a:gridCol>
+                <a:gridCol w="2777045">
+                  <a:extLst>
+                    <a:ext uri="{9D8B030D-6E8A-4147-A177-3AD203B41FA5}">
+                      <a16:colId xmlns:a16="http://schemas.microsoft.com/office/drawing/2014/main" val="228323014"/>
+                    </a:ext>
+                  </a:extLst>
+                </a:gridCol>
+                <a:gridCol w="2074476">
+                  <a:extLst>
+                    <a:ext uri="{9D8B030D-6E8A-4147-A177-3AD203B41FA5}">
+                      <a16:colId xmlns:a16="http://schemas.microsoft.com/office/drawing/2014/main" val="1927800248"/>
+                    </a:ext>
+                  </a:extLst>
+                </a:gridCol>
+              </a:tblGrid>
+              <a:tr h="411981">
+                <a:tc gridSpan="2">
+                  <a:txBody>
+                    <a:bodyPr/>
+                    <a:lstStyle/>
+                    <a:p>
+                      <a:r>
+                        <a:rPr lang="de-DE" dirty="0">
+                          <a:solidFill>
+                            <a:schemeClr val="bg1"/>
+                          </a:solidFill>
+                        </a:rPr>
+                        <a:t>Google</a:t>
+                      </a:r>
+                    </a:p>
+                  </a:txBody>
+                  <a:tcPr>
+                    <a:solidFill>
+                      <a:srgbClr val="507E32"/>
+                    </a:solidFill>
+                  </a:tcPr>
+                </a:tc>
+                <a:tc hMerge="1">
+                  <a:txBody>
+                    <a:bodyPr/>
+                    <a:lstStyle/>
+                    <a:p>
+                      <a:endParaRPr lang="de-DE"/>
+                    </a:p>
+                  </a:txBody>
+                  <a:tcPr/>
+                </a:tc>
+                <a:tc gridSpan="2">
+                  <a:txBody>
+                    <a:bodyPr/>
+                    <a:lstStyle/>
+                    <a:p>
+                      <a:r>
+                        <a:rPr lang="de-DE" dirty="0">
+                          <a:solidFill>
+                            <a:schemeClr val="bg1"/>
+                          </a:solidFill>
+                        </a:rPr>
+                        <a:t>CMU Sphinx</a:t>
+                      </a:r>
+                    </a:p>
+                  </a:txBody>
+                  <a:tcPr>
+                    <a:solidFill>
+                      <a:srgbClr val="507E32"/>
+                    </a:solidFill>
+                  </a:tcPr>
+                </a:tc>
+                <a:tc hMerge="1">
+                  <a:txBody>
+                    <a:bodyPr/>
+                    <a:lstStyle/>
+                    <a:p>
+                      <a:endParaRPr lang="de-DE"/>
+                    </a:p>
+                  </a:txBody>
+                  <a:tcPr/>
+                </a:tc>
+                <a:extLst>
+                  <a:ext uri="{0D108BD9-81ED-4DB2-BD59-A6C34878D82A}">
+                    <a16:rowId xmlns:a16="http://schemas.microsoft.com/office/drawing/2014/main" val="3828955725"/>
+                  </a:ext>
+                </a:extLst>
+              </a:tr>
+              <a:tr h="668078">
+                <a:tc>
+                  <a:txBody>
+                    <a:bodyPr/>
+                    <a:lstStyle/>
+                    <a:p>
+                      <a:endParaRPr lang="de-DE" dirty="0"/>
+                    </a:p>
+                  </a:txBody>
+                  <a:tcPr/>
+                </a:tc>
+                <a:tc>
+                  <a:txBody>
+                    <a:bodyPr/>
+                    <a:lstStyle/>
+                    <a:p>
+                      <a:endParaRPr lang="de-DE" dirty="0"/>
+                    </a:p>
+                  </a:txBody>
+                  <a:tcPr/>
+                </a:tc>
+                <a:tc>
+                  <a:txBody>
+                    <a:bodyPr/>
+                    <a:lstStyle/>
+                    <a:p>
+                      <a:endParaRPr lang="de-DE" dirty="0"/>
+                    </a:p>
+                  </a:txBody>
+                  <a:tcPr/>
+                </a:tc>
+                <a:tc>
+                  <a:txBody>
+                    <a:bodyPr/>
+                    <a:lstStyle/>
+                    <a:p>
+                      <a:endParaRPr lang="de-DE" dirty="0"/>
+                    </a:p>
+                  </a:txBody>
+                  <a:tcPr/>
+                </a:tc>
+                <a:extLst>
+                  <a:ext uri="{0D108BD9-81ED-4DB2-BD59-A6C34878D82A}">
+                    <a16:rowId xmlns:a16="http://schemas.microsoft.com/office/drawing/2014/main" val="1778110528"/>
+                  </a:ext>
+                </a:extLst>
+              </a:tr>
+              <a:tr h="1143527">
+                <a:tc>
+                  <a:txBody>
+                    <a:bodyPr/>
+                    <a:lstStyle/>
+                    <a:p>
+                      <a:pPr marL="0" marR="0" lvl="0" indent="0" algn="l" defTabSz="914400" rtl="0" eaLnBrk="1" fontAlgn="auto" latinLnBrk="0" hangingPunct="1">
+                        <a:lnSpc>
+                          <a:spcPct val="100000"/>
+                        </a:lnSpc>
+                        <a:spcBef>
+                          <a:spcPts val="0"/>
+                        </a:spcBef>
+                        <a:spcAft>
+                          <a:spcPts val="0"/>
+                        </a:spcAft>
+                        <a:buClrTx/>
+                        <a:buSzTx/>
+                        <a:buFontTx/>
+                        <a:buNone/>
+                        <a:tabLst/>
+                        <a:defRPr/>
+                      </a:pPr>
+                      <a:r>
+                        <a:rPr lang="de-DE" dirty="0"/>
+                        <a:t>Gut Dokumentiert</a:t>
+                      </a:r>
+                    </a:p>
+                    <a:p>
+                      <a:endParaRPr lang="de-DE" dirty="0"/>
+                    </a:p>
+                  </a:txBody>
+                  <a:tcPr/>
+                </a:tc>
+                <a:tc>
+                  <a:txBody>
+                    <a:bodyPr/>
+                    <a:lstStyle/>
+                    <a:p>
+                      <a:pPr marL="0" marR="0" lvl="0" indent="0" algn="l" defTabSz="914400" rtl="0" eaLnBrk="1" fontAlgn="auto" latinLnBrk="0" hangingPunct="1">
+                        <a:lnSpc>
+                          <a:spcPct val="100000"/>
+                        </a:lnSpc>
+                        <a:spcBef>
+                          <a:spcPts val="0"/>
+                        </a:spcBef>
+                        <a:spcAft>
+                          <a:spcPts val="0"/>
+                        </a:spcAft>
+                        <a:buClrTx/>
+                        <a:buSzTx/>
+                        <a:buFontTx/>
+                        <a:buNone/>
+                        <a:tabLst/>
+                        <a:defRPr/>
+                      </a:pPr>
+                      <a:r>
+                        <a:rPr lang="de-DE" dirty="0"/>
+                        <a:t>Kostenpflichtig/API-Key nötig</a:t>
+                      </a:r>
+                    </a:p>
+                    <a:p>
+                      <a:endParaRPr lang="de-DE" dirty="0"/>
+                    </a:p>
+                    <a:p>
+                      <a:endParaRPr lang="de-DE" dirty="0"/>
+                    </a:p>
+                  </a:txBody>
+                  <a:tcPr/>
+                </a:tc>
+                <a:tc>
+                  <a:txBody>
+                    <a:bodyPr/>
+                    <a:lstStyle/>
+                    <a:p>
+                      <a:pPr marL="0" marR="0" lvl="0" indent="0" algn="l" defTabSz="914400" rtl="0" eaLnBrk="1" fontAlgn="auto" latinLnBrk="0" hangingPunct="1">
+                        <a:lnSpc>
+                          <a:spcPct val="100000"/>
+                        </a:lnSpc>
+                        <a:spcBef>
+                          <a:spcPts val="0"/>
+                        </a:spcBef>
+                        <a:spcAft>
+                          <a:spcPts val="0"/>
+                        </a:spcAft>
+                        <a:buClrTx/>
+                        <a:buSzTx/>
+                        <a:buFontTx/>
+                        <a:buNone/>
+                        <a:tabLst/>
+                        <a:defRPr/>
+                      </a:pPr>
+                      <a:r>
+                        <a:rPr lang="de-DE" dirty="0"/>
+                        <a:t>Gut Dokumentiert</a:t>
+                      </a:r>
+                    </a:p>
+                  </a:txBody>
+                  <a:tcPr/>
+                </a:tc>
+                <a:tc>
+                  <a:txBody>
+                    <a:bodyPr/>
+                    <a:lstStyle/>
+                    <a:p>
+                      <a:r>
+                        <a:rPr lang="de-DE" dirty="0"/>
+                        <a:t>Muss für beste Qualität maßgeblich angepasst werden</a:t>
+                      </a:r>
+                    </a:p>
+                  </a:txBody>
+                  <a:tcPr/>
+                </a:tc>
+                <a:extLst>
+                  <a:ext uri="{0D108BD9-81ED-4DB2-BD59-A6C34878D82A}">
+                    <a16:rowId xmlns:a16="http://schemas.microsoft.com/office/drawing/2014/main" val="2452630448"/>
+                  </a:ext>
+                </a:extLst>
+              </a:tr>
+              <a:tr h="894885">
+                <a:tc>
+                  <a:txBody>
+                    <a:bodyPr/>
+                    <a:lstStyle/>
+                    <a:p>
+                      <a:r>
+                        <a:rPr lang="de-DE" dirty="0"/>
+                        <a:t>Geringste Fehlerquote</a:t>
+                      </a:r>
+                    </a:p>
+                  </a:txBody>
+                  <a:tcPr/>
+                </a:tc>
+                <a:tc>
+                  <a:txBody>
+                    <a:bodyPr/>
+                    <a:lstStyle/>
+                    <a:p>
+                      <a:endParaRPr lang="de-DE" dirty="0"/>
+                    </a:p>
+                  </a:txBody>
+                  <a:tcPr/>
+                </a:tc>
+                <a:tc>
+                  <a:txBody>
+                    <a:bodyPr/>
+                    <a:lstStyle/>
+                    <a:p>
+                      <a:r>
+                        <a:rPr lang="de-DE" dirty="0"/>
+                        <a:t>Kostenlos/Ohne API-Key nutzbar</a:t>
+                      </a:r>
+                    </a:p>
+                  </a:txBody>
+                  <a:tcPr/>
+                </a:tc>
+                <a:tc>
+                  <a:txBody>
+                    <a:bodyPr/>
+                    <a:lstStyle/>
+                    <a:p>
+                      <a:endParaRPr lang="de-DE" dirty="0"/>
+                    </a:p>
+                  </a:txBody>
+                  <a:tcPr/>
+                </a:tc>
+                <a:extLst>
+                  <a:ext uri="{0D108BD9-81ED-4DB2-BD59-A6C34878D82A}">
+                    <a16:rowId xmlns:a16="http://schemas.microsoft.com/office/drawing/2014/main" val="2577803054"/>
+                  </a:ext>
+                </a:extLst>
+              </a:tr>
+              <a:tr h="894885">
+                <a:tc>
+                  <a:txBody>
+                    <a:bodyPr/>
+                    <a:lstStyle/>
+                    <a:p>
+                      <a:endParaRPr lang="de-DE" dirty="0"/>
+                    </a:p>
+                  </a:txBody>
+                  <a:tcPr/>
+                </a:tc>
+                <a:tc>
+                  <a:txBody>
+                    <a:bodyPr/>
+                    <a:lstStyle/>
+                    <a:p>
+                      <a:endParaRPr lang="de-DE" dirty="0"/>
+                    </a:p>
+                  </a:txBody>
+                  <a:tcPr/>
+                </a:tc>
+                <a:tc>
+                  <a:txBody>
+                    <a:bodyPr/>
+                    <a:lstStyle/>
+                    <a:p>
+                      <a:r>
+                        <a:rPr lang="de-DE" dirty="0"/>
+                        <a:t>Bereits Erfahrungen</a:t>
+                      </a:r>
+                    </a:p>
+                  </a:txBody>
+                  <a:tcPr/>
+                </a:tc>
+                <a:tc>
+                  <a:txBody>
+                    <a:bodyPr/>
+                    <a:lstStyle/>
+                    <a:p>
+                      <a:endParaRPr lang="de-DE" dirty="0"/>
+                    </a:p>
+                  </a:txBody>
+                  <a:tcPr/>
+                </a:tc>
+                <a:extLst>
+                  <a:ext uri="{0D108BD9-81ED-4DB2-BD59-A6C34878D82A}">
+                    <a16:rowId xmlns:a16="http://schemas.microsoft.com/office/drawing/2014/main" val="442323690"/>
+                  </a:ext>
+                </a:extLst>
+              </a:tr>
+            </a:tbl>
+          </a:graphicData>
+        </a:graphic>
+      </p:graphicFrame>
+      <p:pic>
+        <p:nvPicPr>
+          <p:cNvPr id="13" name="Grafik 12">
+            <a:extLst>
+              <a:ext uri="{FF2B5EF4-FFF2-40B4-BE49-F238E27FC236}">
+                <a16:creationId xmlns:a16="http://schemas.microsoft.com/office/drawing/2014/main" id="{862E1207-4E39-468C-A435-074D321DAE6E}"/>
+              </a:ext>
+            </a:extLst>
+          </p:cNvPr>
+          <p:cNvPicPr>
+            <a:picLocks noChangeAspect="1"/>
+          </p:cNvPicPr>
           <p:nvPr/>
-        </p:nvSpPr>
+        </p:nvPicPr>
+        <p:blipFill>
+          <a:blip r:embed="rId9">
+            <a:extLst>
+              <a:ext uri="{28A0092B-C50C-407E-A947-70E740481C1C}">
+                <a14:useLocalDpi xmlns:a14="http://schemas.microsoft.com/office/drawing/2010/main" val="0"/>
+              </a:ext>
+              <a:ext uri="{96DAC541-7B7A-43D3-8B79-37D633B846F1}">
+                <asvg:svgBlip xmlns:asvg="http://schemas.microsoft.com/office/drawing/2016/SVG/main" r:embed="rId10"/>
+              </a:ext>
+            </a:extLst>
+          </a:blip>
+          <a:stretch>
+            <a:fillRect/>
+          </a:stretch>
+        </p:blipFill>
         <p:spPr>
           <a:xfrm>
-            <a:off x="1247955" y="2449902"/>
-            <a:ext cx="3105509" cy="923330"/>
+            <a:off x="7061641" y="2445796"/>
+            <a:ext cx="476250" cy="476250"/>
           </a:xfrm>
           <a:prstGeom prst="rect">
             <a:avLst/>
           </a:prstGeom>
-          <a:noFill/>
-          <a:ln>
-            <a:solidFill>
-              <a:schemeClr val="accent6">
-                <a:lumMod val="50000"/>
-              </a:schemeClr>
-            </a:solidFill>
-          </a:ln>
         </p:spPr>
-        <p:txBody>
-          <a:bodyPr wrap="square" rtlCol="0">
-            <a:spAutoFit/>
-          </a:bodyPr>
-          <a:lstStyle/>
-          <a:p>
-            <a:r>
-              <a:rPr lang="de-DE" dirty="0"/>
-              <a:t>+ Gut Dokumentiert</a:t>
-            </a:r>
-          </a:p>
-          <a:p>
-            <a:r>
-              <a:rPr lang="de-DE" dirty="0"/>
-              <a:t>+ Geringe Fehlerquote</a:t>
-            </a:r>
-          </a:p>
-          <a:p>
-            <a:r>
-              <a:rPr lang="de-DE" dirty="0"/>
-              <a:t>- Kostenpflichtig</a:t>
-            </a:r>
-          </a:p>
-        </p:txBody>
-      </p:sp>
-      <p:sp>
-        <p:nvSpPr>
-          <p:cNvPr id="8" name="Textfeld 7">
+      </p:pic>
+      <p:pic>
+        <p:nvPicPr>
+          <p:cNvPr id="15" name="Grafik 14">
             <a:extLst>
               <a:ext uri="{FF2B5EF4-FFF2-40B4-BE49-F238E27FC236}">
-                <a16:creationId xmlns:a16="http://schemas.microsoft.com/office/drawing/2014/main" id="{2FFB9C55-6CCC-407C-8D2A-AB4BE7A25E99}"/>
+                <a16:creationId xmlns:a16="http://schemas.microsoft.com/office/drawing/2014/main" id="{84C46948-F690-4BDD-92A3-4EAD23FA8534}"/>
               </a:ext>
             </a:extLst>
           </p:cNvPr>
-          <p:cNvSpPr txBox="1"/>
+          <p:cNvPicPr>
+            <a:picLocks noChangeAspect="1"/>
+          </p:cNvPicPr>
           <p:nvPr/>
-        </p:nvSpPr>
+        </p:nvPicPr>
+        <p:blipFill>
+          <a:blip r:embed="rId9">
+            <a:extLst>
+              <a:ext uri="{28A0092B-C50C-407E-A947-70E740481C1C}">
+                <a14:useLocalDpi xmlns:a14="http://schemas.microsoft.com/office/drawing/2010/main" val="0"/>
+              </a:ext>
+              <a:ext uri="{96DAC541-7B7A-43D3-8B79-37D633B846F1}">
+                <asvg:svgBlip xmlns:asvg="http://schemas.microsoft.com/office/drawing/2016/SVG/main" r:embed="rId10"/>
+              </a:ext>
+            </a:extLst>
+          </a:blip>
+          <a:stretch>
+            <a:fillRect/>
+          </a:stretch>
+        </p:blipFill>
         <p:spPr>
           <a:xfrm>
-            <a:off x="6012612" y="2449900"/>
-            <a:ext cx="3516701" cy="923330"/>
+            <a:off x="1990081" y="2413102"/>
+            <a:ext cx="476250" cy="476250"/>
           </a:xfrm>
           <a:prstGeom prst="rect">
             <a:avLst/>
           </a:prstGeom>
-          <a:noFill/>
-          <a:ln>
-            <a:solidFill>
-              <a:schemeClr val="accent6">
-                <a:lumMod val="50000"/>
-              </a:schemeClr>
-            </a:solidFill>
-          </a:ln>
         </p:spPr>
-        <p:txBody>
-          <a:bodyPr wrap="square" rtlCol="0">
-            <a:spAutoFit/>
-          </a:bodyPr>
-          <a:lstStyle/>
-          <a:p>
-            <a:r>
-              <a:rPr lang="de-DE" dirty="0"/>
-              <a:t>+ Gut Dokumentiert</a:t>
-            </a:r>
-          </a:p>
-          <a:p>
-            <a:r>
-              <a:rPr lang="de-DE" dirty="0"/>
-              <a:t>+ Bereits Erfahrungen gemacht</a:t>
-            </a:r>
-          </a:p>
-          <a:p>
-            <a:r>
-              <a:rPr lang="de-DE" dirty="0"/>
-              <a:t>+ Kostenlos</a:t>
-            </a:r>
-          </a:p>
-        </p:txBody>
-      </p:sp>
-      <p:sp>
-        <p:nvSpPr>
-          <p:cNvPr id="7" name="Textfeld 6">
+      </p:pic>
+      <p:pic>
+        <p:nvPicPr>
+          <p:cNvPr id="17" name="Grafik 16">
             <a:extLst>
               <a:ext uri="{FF2B5EF4-FFF2-40B4-BE49-F238E27FC236}">
-                <a16:creationId xmlns:a16="http://schemas.microsoft.com/office/drawing/2014/main" id="{649DF31A-0610-421B-830C-643B80B7A95E}"/>
+                <a16:creationId xmlns:a16="http://schemas.microsoft.com/office/drawing/2014/main" id="{E43C5207-A209-42A5-94B5-1D1E347AC92A}"/>
               </a:ext>
             </a:extLst>
           </p:cNvPr>
-          <p:cNvSpPr txBox="1"/>
+          <p:cNvPicPr>
+            <a:picLocks noChangeAspect="1"/>
+          </p:cNvPicPr>
           <p:nvPr/>
-        </p:nvSpPr>
+        </p:nvPicPr>
+        <p:blipFill>
+          <a:blip r:embed="rId11">
+            <a:extLst>
+              <a:ext uri="{28A0092B-C50C-407E-A947-70E740481C1C}">
+                <a14:useLocalDpi xmlns:a14="http://schemas.microsoft.com/office/drawing/2010/main" val="0"/>
+              </a:ext>
+              <a:ext uri="{96DAC541-7B7A-43D3-8B79-37D633B846F1}">
+                <asvg:svgBlip xmlns:asvg="http://schemas.microsoft.com/office/drawing/2016/SVG/main" r:embed="rId12"/>
+              </a:ext>
+            </a:extLst>
+          </a:blip>
+          <a:stretch>
+            <a:fillRect/>
+          </a:stretch>
+        </p:blipFill>
         <p:spPr>
           <a:xfrm>
-            <a:off x="1247955" y="2081842"/>
-            <a:ext cx="885645" cy="368060"/>
+            <a:off x="4540369" y="2413102"/>
+            <a:ext cx="476250" cy="476250"/>
           </a:xfrm>
           <a:prstGeom prst="rect">
             <a:avLst/>
           </a:prstGeom>
-          <a:noFill/>
-          <a:ln>
-            <a:solidFill>
-              <a:schemeClr val="accent6">
-                <a:lumMod val="50000"/>
-              </a:schemeClr>
-            </a:solidFill>
-          </a:ln>
         </p:spPr>
-        <p:txBody>
-          <a:bodyPr wrap="square" rtlCol="0">
-            <a:spAutoFit/>
-          </a:bodyPr>
-          <a:lstStyle/>
-          <a:p>
-            <a:r>
-              <a:rPr lang="de-DE" dirty="0"/>
-              <a:t>Google</a:t>
-            </a:r>
-          </a:p>
-        </p:txBody>
-      </p:sp>
-      <p:sp>
-        <p:nvSpPr>
-          <p:cNvPr id="10" name="Textfeld 9">
+      </p:pic>
+      <p:pic>
+        <p:nvPicPr>
+          <p:cNvPr id="18" name="Grafik 17">
             <a:extLst>
               <a:ext uri="{FF2B5EF4-FFF2-40B4-BE49-F238E27FC236}">
-                <a16:creationId xmlns:a16="http://schemas.microsoft.com/office/drawing/2014/main" id="{A2C2C4B2-CD26-47D0-A58C-F92BC28330C9}"/>
+                <a16:creationId xmlns:a16="http://schemas.microsoft.com/office/drawing/2014/main" id="{C84D9500-21F4-4C95-9BCB-3E1E74A1AB75}"/>
               </a:ext>
             </a:extLst>
           </p:cNvPr>
-          <p:cNvSpPr txBox="1"/>
+          <p:cNvPicPr>
+            <a:picLocks noChangeAspect="1"/>
+          </p:cNvPicPr>
           <p:nvPr/>
-        </p:nvSpPr>
+        </p:nvPicPr>
+        <p:blipFill>
+          <a:blip r:embed="rId11">
+            <a:extLst>
+              <a:ext uri="{28A0092B-C50C-407E-A947-70E740481C1C}">
+                <a14:useLocalDpi xmlns:a14="http://schemas.microsoft.com/office/drawing/2010/main" val="0"/>
+              </a:ext>
+              <a:ext uri="{96DAC541-7B7A-43D3-8B79-37D633B846F1}">
+                <asvg:svgBlip xmlns:asvg="http://schemas.microsoft.com/office/drawing/2016/SVG/main" r:embed="rId12"/>
+              </a:ext>
+            </a:extLst>
+          </a:blip>
+          <a:stretch>
+            <a:fillRect/>
+          </a:stretch>
+        </p:blipFill>
         <p:spPr>
           <a:xfrm>
-            <a:off x="6012612" y="2081842"/>
-            <a:ext cx="1360097" cy="369332"/>
+            <a:off x="9596496" y="2445796"/>
+            <a:ext cx="476250" cy="476250"/>
           </a:xfrm>
           <a:prstGeom prst="rect">
             <a:avLst/>
           </a:prstGeom>
-          <a:noFill/>
-          <a:ln>
-            <a:solidFill>
-              <a:schemeClr val="accent6">
-                <a:lumMod val="50000"/>
-              </a:schemeClr>
-            </a:solidFill>
-          </a:ln>
         </p:spPr>
-        <p:txBody>
-          <a:bodyPr wrap="square" rtlCol="0">
-            <a:spAutoFit/>
-          </a:bodyPr>
-          <a:lstStyle/>
-          <a:p>
-            <a:r>
-              <a:rPr lang="de-DE" dirty="0" err="1"/>
-              <a:t>CMUSphinx</a:t>
-            </a:r>
-            <a:endParaRPr lang="de-DE" dirty="0"/>
-          </a:p>
-        </p:txBody>
-      </p:sp>
-      <p:sp>
-        <p:nvSpPr>
-          <p:cNvPr id="9" name="Textfeld 8">
-            <a:extLst>
-              <a:ext uri="{FF2B5EF4-FFF2-40B4-BE49-F238E27FC236}">
-                <a16:creationId xmlns:a16="http://schemas.microsoft.com/office/drawing/2014/main" id="{5C0C8348-47EC-468B-BCC5-F868C7975170}"/>
-              </a:ext>
-            </a:extLst>
-          </p:cNvPr>
-          <p:cNvSpPr txBox="1"/>
-          <p:nvPr/>
-        </p:nvSpPr>
-        <p:spPr>
-          <a:xfrm>
-            <a:off x="1748287" y="4002657"/>
-            <a:ext cx="5923471" cy="646331"/>
-          </a:xfrm>
-          <a:prstGeom prst="rect">
-            <a:avLst/>
-          </a:prstGeom>
-          <a:noFill/>
-        </p:spPr>
-        <p:txBody>
-          <a:bodyPr wrap="square" rtlCol="0">
-            <a:spAutoFit/>
-          </a:bodyPr>
-          <a:lstStyle/>
-          <a:p>
-            <a:r>
-              <a:rPr lang="de-DE" dirty="0"/>
-              <a:t>Beide sind sehr </a:t>
-            </a:r>
-            <a:r>
-              <a:rPr lang="de-DE" dirty="0" err="1"/>
-              <a:t>änhlich</a:t>
-            </a:r>
-            <a:endParaRPr lang="de-DE"/>
-          </a:p>
-          <a:p>
-            <a:endParaRPr lang="de-DE" dirty="0"/>
-          </a:p>
-        </p:txBody>
-      </p:sp>
+      </p:pic>
     </p:spTree>
     <p:extLst>
       <p:ext uri="{BB962C8B-B14F-4D97-AF65-F5344CB8AC3E}">
@@ -43387,45 +43952,8 @@
                   </a:schemeClr>
                 </a:solidFill>
               </a:rPr>
-              <a:t>	-&gt; „S“ </a:t>
+              <a:t>	-&gt; „S“ Betonung fällt weg, dadurch genauere Differenzierung</a:t>
             </a:r>
-            <a:r>
-              <a:rPr lang="de-DE" dirty="0" err="1">
-                <a:solidFill>
-                  <a:schemeClr val="accent6">
-                    <a:lumMod val="50000"/>
-                  </a:schemeClr>
-                </a:solidFill>
-              </a:rPr>
-              <a:t>betonung</a:t>
-            </a:r>
-            <a:r>
-              <a:rPr lang="de-DE" dirty="0">
-                <a:solidFill>
-                  <a:schemeClr val="accent6">
-                    <a:lumMod val="50000"/>
-                  </a:schemeClr>
-                </a:solidFill>
-              </a:rPr>
-              <a:t> fällt weg, dadurch genauere </a:t>
-            </a:r>
-            <a:r>
-              <a:rPr lang="de-DE" dirty="0" err="1">
-                <a:solidFill>
-                  <a:schemeClr val="accent6">
-                    <a:lumMod val="50000"/>
-                  </a:schemeClr>
-                </a:solidFill>
-              </a:rPr>
-              <a:t>differenzierung</a:t>
-            </a:r>
-            <a:endParaRPr lang="de-DE" dirty="0">
-              <a:solidFill>
-                <a:schemeClr val="accent6">
-                  <a:lumMod val="50000"/>
-                </a:schemeClr>
-              </a:solidFill>
-            </a:endParaRPr>
           </a:p>
         </p:txBody>
       </p:sp>
@@ -43653,6 +44181,291 @@
               </a:rPr>
               <a:t>“ -&gt; Keine Aufnahme</a:t>
             </a:r>
+          </a:p>
+        </p:txBody>
+      </p:sp>
+      <p:graphicFrame>
+        <p:nvGraphicFramePr>
+          <p:cNvPr id="9" name="Tabelle 8">
+            <a:extLst>
+              <a:ext uri="{FF2B5EF4-FFF2-40B4-BE49-F238E27FC236}">
+                <a16:creationId xmlns:a16="http://schemas.microsoft.com/office/drawing/2014/main" id="{372ACC14-58FC-4955-8374-31F4DDC72980}"/>
+              </a:ext>
+            </a:extLst>
+          </p:cNvPr>
+          <p:cNvGraphicFramePr>
+            <a:graphicFrameLocks noGrp="1"/>
+          </p:cNvGraphicFramePr>
+          <p:nvPr>
+            <p:extLst>
+              <p:ext uri="{D42A27DB-BD31-4B8C-83A1-F6EECF244321}">
+                <p14:modId xmlns:p14="http://schemas.microsoft.com/office/powerpoint/2010/main" val="1795270520"/>
+              </p:ext>
+            </p:extLst>
+          </p:nvPr>
+        </p:nvGraphicFramePr>
+        <p:xfrm>
+          <a:off x="7687781" y="2176042"/>
+          <a:ext cx="3755367" cy="2327752"/>
+        </p:xfrm>
+        <a:graphic>
+          <a:graphicData uri="http://schemas.openxmlformats.org/drawingml/2006/table">
+            <a:tbl>
+              <a:tblPr firstRow="1" bandRow="1">
+                <a:tableStyleId>{93296810-A885-4BE3-A3E7-6D5BEEA58F35}</a:tableStyleId>
+              </a:tblPr>
+              <a:tblGrid>
+                <a:gridCol w="1251789">
+                  <a:extLst>
+                    <a:ext uri="{9D8B030D-6E8A-4147-A177-3AD203B41FA5}">
+                      <a16:colId xmlns:a16="http://schemas.microsoft.com/office/drawing/2014/main" val="4282336287"/>
+                    </a:ext>
+                  </a:extLst>
+                </a:gridCol>
+                <a:gridCol w="1251789">
+                  <a:extLst>
+                    <a:ext uri="{9D8B030D-6E8A-4147-A177-3AD203B41FA5}">
+                      <a16:colId xmlns:a16="http://schemas.microsoft.com/office/drawing/2014/main" val="1020248074"/>
+                    </a:ext>
+                  </a:extLst>
+                </a:gridCol>
+                <a:gridCol w="1251789">
+                  <a:extLst>
+                    <a:ext uri="{9D8B030D-6E8A-4147-A177-3AD203B41FA5}">
+                      <a16:colId xmlns:a16="http://schemas.microsoft.com/office/drawing/2014/main" val="4241186633"/>
+                    </a:ext>
+                  </a:extLst>
+                </a:gridCol>
+              </a:tblGrid>
+              <a:tr h="1285262">
+                <a:tc>
+                  <a:txBody>
+                    <a:bodyPr/>
+                    <a:lstStyle/>
+                    <a:p>
+                      <a:r>
+                        <a:rPr lang="de-DE" dirty="0"/>
+                        <a:t>Schlecht </a:t>
+                      </a:r>
+                      <a:r>
+                        <a:rPr lang="de-DE" sz="1800" kern="1200" dirty="0"/>
+                        <a:t>Ergonomie</a:t>
+                      </a:r>
+                      <a:endParaRPr lang="de-DE" sz="1800" b="1" kern="1200" dirty="0">
+                        <a:solidFill>
+                          <a:schemeClr val="bg1"/>
+                        </a:solidFill>
+                        <a:latin typeface="+mn-lt"/>
+                        <a:ea typeface="+mn-ea"/>
+                        <a:cs typeface="+mn-cs"/>
+                      </a:endParaRPr>
+                    </a:p>
+                  </a:txBody>
+                  <a:tcPr>
+                    <a:solidFill>
+                      <a:srgbClr val="507E32"/>
+                    </a:solidFill>
+                  </a:tcPr>
+                </a:tc>
+                <a:tc>
+                  <a:txBody>
+                    <a:bodyPr/>
+                    <a:lstStyle/>
+                    <a:p>
+                      <a:endParaRPr lang="de-DE" dirty="0"/>
+                    </a:p>
+                  </a:txBody>
+                  <a:tcPr>
+                    <a:solidFill>
+                      <a:srgbClr val="507E32"/>
+                    </a:solidFill>
+                  </a:tcPr>
+                </a:tc>
+                <a:tc>
+                  <a:txBody>
+                    <a:bodyPr/>
+                    <a:lstStyle/>
+                    <a:p>
+                      <a:pPr marL="0" marR="0" lvl="0" indent="0" algn="l" defTabSz="914400" rtl="0" eaLnBrk="1" fontAlgn="auto" latinLnBrk="0" hangingPunct="1">
+                        <a:lnSpc>
+                          <a:spcPct val="100000"/>
+                        </a:lnSpc>
+                        <a:spcBef>
+                          <a:spcPts val="0"/>
+                        </a:spcBef>
+                        <a:spcAft>
+                          <a:spcPts val="0"/>
+                        </a:spcAft>
+                        <a:buClrTx/>
+                        <a:buSzTx/>
+                        <a:buFontTx/>
+                        <a:buNone/>
+                        <a:tabLst/>
+                        <a:defRPr/>
+                      </a:pPr>
+                      <a:r>
+                        <a:rPr lang="de-DE" dirty="0"/>
+                        <a:t>Gute Ergonomie</a:t>
+                      </a:r>
+                    </a:p>
+                    <a:p>
+                      <a:endParaRPr lang="de-DE" dirty="0"/>
+                    </a:p>
+                  </a:txBody>
+                  <a:tcPr>
+                    <a:solidFill>
+                      <a:srgbClr val="507E32"/>
+                    </a:solidFill>
+                  </a:tcPr>
+                </a:tc>
+                <a:extLst>
+                  <a:ext uri="{0D108BD9-81ED-4DB2-BD59-A6C34878D82A}">
+                    <a16:rowId xmlns:a16="http://schemas.microsoft.com/office/drawing/2014/main" val="126635387"/>
+                  </a:ext>
+                </a:extLst>
+              </a:tr>
+              <a:tr h="521245">
+                <a:tc>
+                  <a:txBody>
+                    <a:bodyPr/>
+                    <a:lstStyle/>
+                    <a:p>
+                      <a:r>
+                        <a:rPr lang="de-DE" b="1" dirty="0"/>
+                        <a:t>Start</a:t>
+                      </a:r>
+                    </a:p>
+                  </a:txBody>
+                  <a:tcPr/>
+                </a:tc>
+                <a:tc>
+                  <a:txBody>
+                    <a:bodyPr/>
+                    <a:lstStyle/>
+                    <a:p>
+                      <a:endParaRPr lang="de-DE" dirty="0"/>
+                    </a:p>
+                  </a:txBody>
+                  <a:tcPr/>
+                </a:tc>
+                <a:tc>
+                  <a:txBody>
+                    <a:bodyPr/>
+                    <a:lstStyle/>
+                    <a:p>
+                      <a:r>
+                        <a:rPr lang="de-DE" b="1" dirty="0"/>
+                        <a:t>Hana</a:t>
+                      </a:r>
+                    </a:p>
+                  </a:txBody>
+                  <a:tcPr/>
+                </a:tc>
+                <a:extLst>
+                  <a:ext uri="{0D108BD9-81ED-4DB2-BD59-A6C34878D82A}">
+                    <a16:rowId xmlns:a16="http://schemas.microsoft.com/office/drawing/2014/main" val="1887008074"/>
+                  </a:ext>
+                </a:extLst>
+              </a:tr>
+              <a:tr h="521245">
+                <a:tc>
+                  <a:txBody>
+                    <a:bodyPr/>
+                    <a:lstStyle/>
+                    <a:p>
+                      <a:r>
+                        <a:rPr lang="de-DE" b="1" dirty="0" err="1"/>
+                        <a:t>Stop</a:t>
+                      </a:r>
+                      <a:endParaRPr lang="de-DE" b="1" dirty="0"/>
+                    </a:p>
+                  </a:txBody>
+                  <a:tcPr/>
+                </a:tc>
+                <a:tc>
+                  <a:txBody>
+                    <a:bodyPr/>
+                    <a:lstStyle/>
+                    <a:p>
+                      <a:endParaRPr lang="de-DE" dirty="0"/>
+                    </a:p>
+                  </a:txBody>
+                  <a:tcPr/>
+                </a:tc>
+                <a:tc>
+                  <a:txBody>
+                    <a:bodyPr/>
+                    <a:lstStyle/>
+                    <a:p>
+                      <a:r>
+                        <a:rPr lang="de-DE" b="1" dirty="0"/>
+                        <a:t>Okay</a:t>
+                      </a:r>
+                    </a:p>
+                  </a:txBody>
+                  <a:tcPr/>
+                </a:tc>
+                <a:extLst>
+                  <a:ext uri="{0D108BD9-81ED-4DB2-BD59-A6C34878D82A}">
+                    <a16:rowId xmlns:a16="http://schemas.microsoft.com/office/drawing/2014/main" val="1768701079"/>
+                  </a:ext>
+                </a:extLst>
+              </a:tr>
+            </a:tbl>
+          </a:graphicData>
+        </a:graphic>
+      </p:graphicFrame>
+      <p:sp>
+        <p:nvSpPr>
+          <p:cNvPr id="12" name="Pfeil: nach rechts 11">
+            <a:extLst>
+              <a:ext uri="{FF2B5EF4-FFF2-40B4-BE49-F238E27FC236}">
+                <a16:creationId xmlns:a16="http://schemas.microsoft.com/office/drawing/2014/main" id="{D8A530CB-406F-472B-8C1D-5B247EF7BB7F}"/>
+              </a:ext>
+            </a:extLst>
+          </p:cNvPr>
+          <p:cNvSpPr/>
+          <p:nvPr/>
+        </p:nvSpPr>
+        <p:spPr>
+          <a:xfrm>
+            <a:off x="9047879" y="3667136"/>
+            <a:ext cx="1035170" cy="614019"/>
+          </a:xfrm>
+          <a:prstGeom prst="rightArrow">
+            <a:avLst/>
+          </a:prstGeom>
+          <a:solidFill>
+            <a:srgbClr val="507E32"/>
+          </a:solidFill>
+          <a:ln>
+            <a:solidFill>
+              <a:schemeClr val="bg1"/>
+            </a:solidFill>
+          </a:ln>
+        </p:spPr>
+        <p:style>
+          <a:lnRef idx="2">
+            <a:schemeClr val="accent1">
+              <a:shade val="50000"/>
+            </a:schemeClr>
+          </a:lnRef>
+          <a:fillRef idx="1">
+            <a:schemeClr val="accent1"/>
+          </a:fillRef>
+          <a:effectRef idx="0">
+            <a:schemeClr val="accent1"/>
+          </a:effectRef>
+          <a:fontRef idx="minor">
+            <a:schemeClr val="lt1"/>
+          </a:fontRef>
+        </p:style>
+        <p:txBody>
+          <a:bodyPr rtlCol="0" anchor="ctr"/>
+          <a:lstStyle/>
+          <a:p>
+            <a:pPr algn="ctr"/>
+            <a:endParaRPr lang="de-DE"/>
           </a:p>
         </p:txBody>
       </p:sp>

--- a/CavallaroAngelo/Präsentation Wahlmodulvorstellung/SAPlexa Präsentation.pptx
+++ b/CavallaroAngelo/Präsentation Wahlmodulvorstellung/SAPlexa Präsentation.pptx
@@ -5,7 +5,7 @@
     <p:sldMasterId id="2147483648" r:id="rId1"/>
   </p:sldMasterIdLst>
   <p:notesMasterIdLst>
-    <p:notesMasterId r:id="rId17"/>
+    <p:notesMasterId r:id="rId19"/>
   </p:notesMasterIdLst>
   <p:sldIdLst>
     <p:sldId id="256" r:id="rId2"/>
@@ -15,14 +15,16 @@
     <p:sldId id="270" r:id="rId6"/>
     <p:sldId id="278" r:id="rId7"/>
     <p:sldId id="277" r:id="rId8"/>
-    <p:sldId id="271" r:id="rId9"/>
-    <p:sldId id="273" r:id="rId10"/>
-    <p:sldId id="272" r:id="rId11"/>
-    <p:sldId id="274" r:id="rId12"/>
-    <p:sldId id="276" r:id="rId13"/>
-    <p:sldId id="275" r:id="rId14"/>
-    <p:sldId id="267" r:id="rId15"/>
-    <p:sldId id="265" r:id="rId16"/>
+    <p:sldId id="279" r:id="rId9"/>
+    <p:sldId id="281" r:id="rId10"/>
+    <p:sldId id="271" r:id="rId11"/>
+    <p:sldId id="273" r:id="rId12"/>
+    <p:sldId id="272" r:id="rId13"/>
+    <p:sldId id="274" r:id="rId14"/>
+    <p:sldId id="276" r:id="rId15"/>
+    <p:sldId id="275" r:id="rId16"/>
+    <p:sldId id="267" r:id="rId17"/>
+    <p:sldId id="265" r:id="rId18"/>
   </p:sldIdLst>
   <p:sldSz cx="12192000" cy="6858000"/>
   <p:notesSz cx="6858000" cy="9144000"/>
@@ -5602,6 +5604,1744 @@
 </dgm:colorsDef>
 </file>
 
+<file path=ppt/diagrams/colors15.xml><?xml version="1.0" encoding="utf-8"?>
+<dgm:colorsDef xmlns:dgm="http://schemas.openxmlformats.org/drawingml/2006/diagram" xmlns:a="http://schemas.openxmlformats.org/drawingml/2006/main" uniqueId="urn:microsoft.com/office/officeart/2005/8/colors/accent6_4">
+  <dgm:title val=""/>
+  <dgm:desc val=""/>
+  <dgm:catLst>
+    <dgm:cat type="accent6" pri="11400"/>
+  </dgm:catLst>
+  <dgm:styleLbl name="node0">
+    <dgm:fillClrLst meth="cycle">
+      <a:schemeClr val="accent6">
+        <a:shade val="60000"/>
+      </a:schemeClr>
+    </dgm:fillClrLst>
+    <dgm:linClrLst meth="repeat">
+      <a:schemeClr val="lt1"/>
+    </dgm:linClrLst>
+    <dgm:effectClrLst/>
+    <dgm:txLinClrLst/>
+    <dgm:txFillClrLst/>
+    <dgm:txEffectClrLst/>
+  </dgm:styleLbl>
+  <dgm:styleLbl name="alignNode1">
+    <dgm:fillClrLst meth="cycle">
+      <a:schemeClr val="accent6">
+        <a:shade val="50000"/>
+      </a:schemeClr>
+      <a:schemeClr val="accent6">
+        <a:tint val="55000"/>
+      </a:schemeClr>
+    </dgm:fillClrLst>
+    <dgm:linClrLst meth="cycle">
+      <a:schemeClr val="accent6">
+        <a:shade val="50000"/>
+      </a:schemeClr>
+      <a:schemeClr val="accent6">
+        <a:tint val="55000"/>
+      </a:schemeClr>
+    </dgm:linClrLst>
+    <dgm:effectClrLst/>
+    <dgm:txLinClrLst/>
+    <dgm:txFillClrLst/>
+    <dgm:txEffectClrLst/>
+  </dgm:styleLbl>
+  <dgm:styleLbl name="node1">
+    <dgm:fillClrLst meth="cycle">
+      <a:schemeClr val="accent6">
+        <a:shade val="50000"/>
+      </a:schemeClr>
+      <a:schemeClr val="accent6">
+        <a:tint val="55000"/>
+      </a:schemeClr>
+    </dgm:fillClrLst>
+    <dgm:linClrLst meth="repeat">
+      <a:schemeClr val="lt1"/>
+    </dgm:linClrLst>
+    <dgm:effectClrLst/>
+    <dgm:txLinClrLst/>
+    <dgm:txFillClrLst/>
+    <dgm:txEffectClrLst/>
+  </dgm:styleLbl>
+  <dgm:styleLbl name="lnNode1">
+    <dgm:fillClrLst meth="cycle">
+      <a:schemeClr val="accent6">
+        <a:shade val="50000"/>
+      </a:schemeClr>
+      <a:schemeClr val="accent6">
+        <a:tint val="55000"/>
+      </a:schemeClr>
+    </dgm:fillClrLst>
+    <dgm:linClrLst meth="repeat">
+      <a:schemeClr val="lt1"/>
+    </dgm:linClrLst>
+    <dgm:effectClrLst/>
+    <dgm:txLinClrLst/>
+    <dgm:txFillClrLst/>
+    <dgm:txEffectClrLst/>
+  </dgm:styleLbl>
+  <dgm:styleLbl name="vennNode1">
+    <dgm:fillClrLst meth="cycle">
+      <a:schemeClr val="accent6">
+        <a:shade val="80000"/>
+        <a:alpha val="50000"/>
+      </a:schemeClr>
+      <a:schemeClr val="accent6">
+        <a:tint val="50000"/>
+        <a:alpha val="50000"/>
+      </a:schemeClr>
+    </dgm:fillClrLst>
+    <dgm:linClrLst meth="repeat">
+      <a:schemeClr val="lt1"/>
+    </dgm:linClrLst>
+    <dgm:effectClrLst/>
+    <dgm:txLinClrLst/>
+    <dgm:txFillClrLst/>
+    <dgm:txEffectClrLst/>
+  </dgm:styleLbl>
+  <dgm:styleLbl name="node2">
+    <dgm:fillClrLst>
+      <a:schemeClr val="accent6">
+        <a:shade val="80000"/>
+      </a:schemeClr>
+    </dgm:fillClrLst>
+    <dgm:linClrLst meth="repeat">
+      <a:schemeClr val="lt1"/>
+    </dgm:linClrLst>
+    <dgm:effectClrLst/>
+    <dgm:txLinClrLst/>
+    <dgm:txFillClrLst/>
+    <dgm:txEffectClrLst/>
+  </dgm:styleLbl>
+  <dgm:styleLbl name="node3">
+    <dgm:fillClrLst>
+      <a:schemeClr val="accent6">
+        <a:tint val="99000"/>
+      </a:schemeClr>
+    </dgm:fillClrLst>
+    <dgm:linClrLst meth="repeat">
+      <a:schemeClr val="lt1"/>
+    </dgm:linClrLst>
+    <dgm:effectClrLst/>
+    <dgm:txLinClrLst/>
+    <dgm:txFillClrLst/>
+    <dgm:txEffectClrLst/>
+  </dgm:styleLbl>
+  <dgm:styleLbl name="node4">
+    <dgm:fillClrLst>
+      <a:schemeClr val="accent6">
+        <a:tint val="70000"/>
+      </a:schemeClr>
+    </dgm:fillClrLst>
+    <dgm:linClrLst meth="repeat">
+      <a:schemeClr val="lt1"/>
+    </dgm:linClrLst>
+    <dgm:effectClrLst/>
+    <dgm:txLinClrLst/>
+    <dgm:txFillClrLst/>
+    <dgm:txEffectClrLst/>
+  </dgm:styleLbl>
+  <dgm:styleLbl name="fgImgPlace1">
+    <dgm:fillClrLst>
+      <a:schemeClr val="accent6">
+        <a:tint val="50000"/>
+      </a:schemeClr>
+      <a:schemeClr val="accent6">
+        <a:tint val="55000"/>
+      </a:schemeClr>
+    </dgm:fillClrLst>
+    <dgm:linClrLst meth="repeat">
+      <a:schemeClr val="lt1"/>
+    </dgm:linClrLst>
+    <dgm:effectClrLst/>
+    <dgm:txLinClrLst/>
+    <dgm:txFillClrLst meth="repeat">
+      <a:schemeClr val="lt1"/>
+    </dgm:txFillClrLst>
+    <dgm:txEffectClrLst/>
+  </dgm:styleLbl>
+  <dgm:styleLbl name="alignImgPlace1">
+    <dgm:fillClrLst>
+      <a:schemeClr val="accent6">
+        <a:tint val="50000"/>
+      </a:schemeClr>
+      <a:schemeClr val="accent6">
+        <a:tint val="55000"/>
+      </a:schemeClr>
+    </dgm:fillClrLst>
+    <dgm:linClrLst meth="repeat">
+      <a:schemeClr val="lt1"/>
+    </dgm:linClrLst>
+    <dgm:effectClrLst/>
+    <dgm:txLinClrLst/>
+    <dgm:txFillClrLst meth="repeat">
+      <a:schemeClr val="lt1"/>
+    </dgm:txFillClrLst>
+    <dgm:txEffectClrLst/>
+  </dgm:styleLbl>
+  <dgm:styleLbl name="bgImgPlace1">
+    <dgm:fillClrLst>
+      <a:schemeClr val="accent6">
+        <a:tint val="50000"/>
+      </a:schemeClr>
+      <a:schemeClr val="accent6">
+        <a:tint val="55000"/>
+      </a:schemeClr>
+    </dgm:fillClrLst>
+    <dgm:linClrLst meth="repeat">
+      <a:schemeClr val="lt1"/>
+    </dgm:linClrLst>
+    <dgm:effectClrLst/>
+    <dgm:txLinClrLst/>
+    <dgm:txFillClrLst meth="repeat">
+      <a:schemeClr val="lt1"/>
+    </dgm:txFillClrLst>
+    <dgm:txEffectClrLst/>
+  </dgm:styleLbl>
+  <dgm:styleLbl name="sibTrans2D1">
+    <dgm:fillClrLst meth="cycle">
+      <a:schemeClr val="accent6">
+        <a:shade val="90000"/>
+      </a:schemeClr>
+      <a:schemeClr val="accent6">
+        <a:tint val="50000"/>
+      </a:schemeClr>
+    </dgm:fillClrLst>
+    <dgm:linClrLst meth="cycle">
+      <a:schemeClr val="accent6">
+        <a:shade val="90000"/>
+      </a:schemeClr>
+      <a:schemeClr val="accent6">
+        <a:tint val="50000"/>
+      </a:schemeClr>
+    </dgm:linClrLst>
+    <dgm:effectClrLst/>
+    <dgm:txLinClrLst/>
+    <dgm:txFillClrLst/>
+    <dgm:txEffectClrLst/>
+  </dgm:styleLbl>
+  <dgm:styleLbl name="fgSibTrans2D1">
+    <dgm:fillClrLst meth="cycle">
+      <a:schemeClr val="accent6">
+        <a:shade val="90000"/>
+      </a:schemeClr>
+      <a:schemeClr val="accent6">
+        <a:tint val="50000"/>
+      </a:schemeClr>
+    </dgm:fillClrLst>
+    <dgm:linClrLst meth="cycle">
+      <a:schemeClr val="accent6">
+        <a:shade val="90000"/>
+      </a:schemeClr>
+      <a:schemeClr val="accent6">
+        <a:tint val="50000"/>
+      </a:schemeClr>
+    </dgm:linClrLst>
+    <dgm:effectClrLst/>
+    <dgm:txLinClrLst/>
+    <dgm:txFillClrLst/>
+    <dgm:txEffectClrLst/>
+  </dgm:styleLbl>
+  <dgm:styleLbl name="bgSibTrans2D1">
+    <dgm:fillClrLst meth="cycle">
+      <a:schemeClr val="accent6">
+        <a:shade val="90000"/>
+      </a:schemeClr>
+      <a:schemeClr val="accent6">
+        <a:tint val="50000"/>
+      </a:schemeClr>
+    </dgm:fillClrLst>
+    <dgm:linClrLst meth="cycle">
+      <a:schemeClr val="accent6">
+        <a:shade val="90000"/>
+      </a:schemeClr>
+      <a:schemeClr val="accent6">
+        <a:tint val="50000"/>
+      </a:schemeClr>
+    </dgm:linClrLst>
+    <dgm:effectClrLst/>
+    <dgm:txLinClrLst/>
+    <dgm:txFillClrLst/>
+    <dgm:txEffectClrLst/>
+  </dgm:styleLbl>
+  <dgm:styleLbl name="sibTrans1D1">
+    <dgm:fillClrLst meth="cycle">
+      <a:schemeClr val="accent6">
+        <a:shade val="90000"/>
+      </a:schemeClr>
+      <a:schemeClr val="accent6">
+        <a:tint val="50000"/>
+      </a:schemeClr>
+    </dgm:fillClrLst>
+    <dgm:linClrLst meth="cycle">
+      <a:schemeClr val="accent6">
+        <a:shade val="90000"/>
+      </a:schemeClr>
+      <a:schemeClr val="accent6">
+        <a:tint val="50000"/>
+      </a:schemeClr>
+    </dgm:linClrLst>
+    <dgm:effectClrLst/>
+    <dgm:txLinClrLst/>
+    <dgm:txFillClrLst meth="repeat">
+      <a:schemeClr val="tx1"/>
+    </dgm:txFillClrLst>
+    <dgm:txEffectClrLst/>
+  </dgm:styleLbl>
+  <dgm:styleLbl name="callout">
+    <dgm:fillClrLst meth="repeat">
+      <a:schemeClr val="accent6"/>
+    </dgm:fillClrLst>
+    <dgm:linClrLst meth="repeat">
+      <a:schemeClr val="accent6"/>
+    </dgm:linClrLst>
+    <dgm:effectClrLst/>
+    <dgm:txLinClrLst/>
+    <dgm:txFillClrLst meth="repeat">
+      <a:schemeClr val="tx1"/>
+    </dgm:txFillClrLst>
+    <dgm:txEffectClrLst/>
+  </dgm:styleLbl>
+  <dgm:styleLbl name="asst0">
+    <dgm:fillClrLst meth="repeat">
+      <a:schemeClr val="accent6">
+        <a:shade val="80000"/>
+      </a:schemeClr>
+    </dgm:fillClrLst>
+    <dgm:linClrLst meth="repeat">
+      <a:schemeClr val="lt1"/>
+    </dgm:linClrLst>
+    <dgm:effectClrLst/>
+    <dgm:txLinClrLst/>
+    <dgm:txFillClrLst/>
+    <dgm:txEffectClrLst/>
+  </dgm:styleLbl>
+  <dgm:styleLbl name="asst1">
+    <dgm:fillClrLst meth="repeat">
+      <a:schemeClr val="accent6">
+        <a:shade val="80000"/>
+      </a:schemeClr>
+    </dgm:fillClrLst>
+    <dgm:linClrLst meth="repeat">
+      <a:schemeClr val="lt1"/>
+    </dgm:linClrLst>
+    <dgm:effectClrLst/>
+    <dgm:txLinClrLst/>
+    <dgm:txFillClrLst/>
+    <dgm:txEffectClrLst/>
+  </dgm:styleLbl>
+  <dgm:styleLbl name="asst2">
+    <dgm:fillClrLst>
+      <a:schemeClr val="accent6">
+        <a:tint val="90000"/>
+      </a:schemeClr>
+    </dgm:fillClrLst>
+    <dgm:linClrLst meth="repeat">
+      <a:schemeClr val="lt1"/>
+    </dgm:linClrLst>
+    <dgm:effectClrLst/>
+    <dgm:txLinClrLst/>
+    <dgm:txFillClrLst/>
+    <dgm:txEffectClrLst/>
+  </dgm:styleLbl>
+  <dgm:styleLbl name="asst3">
+    <dgm:fillClrLst>
+      <a:schemeClr val="accent6">
+        <a:tint val="70000"/>
+      </a:schemeClr>
+    </dgm:fillClrLst>
+    <dgm:linClrLst meth="repeat">
+      <a:schemeClr val="lt1"/>
+    </dgm:linClrLst>
+    <dgm:effectClrLst/>
+    <dgm:txLinClrLst/>
+    <dgm:txFillClrLst/>
+    <dgm:txEffectClrLst/>
+  </dgm:styleLbl>
+  <dgm:styleLbl name="asst4">
+    <dgm:fillClrLst>
+      <a:schemeClr val="accent6">
+        <a:tint val="50000"/>
+      </a:schemeClr>
+    </dgm:fillClrLst>
+    <dgm:linClrLst meth="repeat">
+      <a:schemeClr val="lt1"/>
+    </dgm:linClrLst>
+    <dgm:effectClrLst/>
+    <dgm:txLinClrLst/>
+    <dgm:txFillClrLst/>
+    <dgm:txEffectClrLst/>
+  </dgm:styleLbl>
+  <dgm:styleLbl name="parChTrans2D1">
+    <dgm:fillClrLst meth="repeat">
+      <a:schemeClr val="accent6">
+        <a:tint val="60000"/>
+      </a:schemeClr>
+    </dgm:fillClrLst>
+    <dgm:linClrLst meth="repeat">
+      <a:schemeClr val="accent6">
+        <a:shade val="80000"/>
+      </a:schemeClr>
+    </dgm:linClrLst>
+    <dgm:effectClrLst/>
+    <dgm:txLinClrLst/>
+    <dgm:txFillClrLst/>
+    <dgm:txEffectClrLst/>
+  </dgm:styleLbl>
+  <dgm:styleLbl name="parChTrans2D2">
+    <dgm:fillClrLst meth="repeat">
+      <a:schemeClr val="accent6">
+        <a:tint val="90000"/>
+      </a:schemeClr>
+    </dgm:fillClrLst>
+    <dgm:linClrLst meth="repeat">
+      <a:schemeClr val="accent6">
+        <a:tint val="90000"/>
+      </a:schemeClr>
+    </dgm:linClrLst>
+    <dgm:effectClrLst/>
+    <dgm:txLinClrLst/>
+    <dgm:txFillClrLst/>
+    <dgm:txEffectClrLst/>
+  </dgm:styleLbl>
+  <dgm:styleLbl name="parChTrans2D3">
+    <dgm:fillClrLst meth="repeat">
+      <a:schemeClr val="accent6">
+        <a:tint val="70000"/>
+      </a:schemeClr>
+    </dgm:fillClrLst>
+    <dgm:linClrLst meth="repeat">
+      <a:schemeClr val="accent6">
+        <a:tint val="70000"/>
+      </a:schemeClr>
+    </dgm:linClrLst>
+    <dgm:effectClrLst/>
+    <dgm:txLinClrLst/>
+    <dgm:txFillClrLst/>
+    <dgm:txEffectClrLst/>
+  </dgm:styleLbl>
+  <dgm:styleLbl name="parChTrans2D4">
+    <dgm:fillClrLst meth="repeat">
+      <a:schemeClr val="accent6">
+        <a:tint val="50000"/>
+      </a:schemeClr>
+    </dgm:fillClrLst>
+    <dgm:linClrLst meth="repeat">
+      <a:schemeClr val="accent6">
+        <a:tint val="50000"/>
+      </a:schemeClr>
+    </dgm:linClrLst>
+    <dgm:effectClrLst/>
+    <dgm:txLinClrLst/>
+    <dgm:txFillClrLst meth="repeat">
+      <a:schemeClr val="dk1"/>
+    </dgm:txFillClrLst>
+    <dgm:txEffectClrLst/>
+  </dgm:styleLbl>
+  <dgm:styleLbl name="parChTrans1D1">
+    <dgm:fillClrLst meth="repeat">
+      <a:schemeClr val="accent6">
+        <a:shade val="80000"/>
+      </a:schemeClr>
+    </dgm:fillClrLst>
+    <dgm:linClrLst meth="repeat">
+      <a:schemeClr val="accent6">
+        <a:shade val="80000"/>
+      </a:schemeClr>
+    </dgm:linClrLst>
+    <dgm:effectClrLst/>
+    <dgm:txLinClrLst/>
+    <dgm:txFillClrLst meth="repeat">
+      <a:schemeClr val="tx1"/>
+    </dgm:txFillClrLst>
+    <dgm:txEffectClrLst/>
+  </dgm:styleLbl>
+  <dgm:styleLbl name="parChTrans1D2">
+    <dgm:fillClrLst meth="repeat">
+      <a:schemeClr val="accent6">
+        <a:tint val="90000"/>
+      </a:schemeClr>
+    </dgm:fillClrLst>
+    <dgm:linClrLst meth="repeat">
+      <a:schemeClr val="accent6">
+        <a:tint val="90000"/>
+      </a:schemeClr>
+    </dgm:linClrLst>
+    <dgm:effectClrLst/>
+    <dgm:txLinClrLst/>
+    <dgm:txFillClrLst meth="repeat">
+      <a:schemeClr val="tx1"/>
+    </dgm:txFillClrLst>
+    <dgm:txEffectClrLst/>
+  </dgm:styleLbl>
+  <dgm:styleLbl name="parChTrans1D3">
+    <dgm:fillClrLst meth="repeat">
+      <a:schemeClr val="accent6">
+        <a:tint val="70000"/>
+      </a:schemeClr>
+    </dgm:fillClrLst>
+    <dgm:linClrLst meth="repeat">
+      <a:schemeClr val="accent6">
+        <a:tint val="70000"/>
+      </a:schemeClr>
+    </dgm:linClrLst>
+    <dgm:effectClrLst/>
+    <dgm:txLinClrLst/>
+    <dgm:txFillClrLst meth="repeat">
+      <a:schemeClr val="tx1"/>
+    </dgm:txFillClrLst>
+    <dgm:txEffectClrLst/>
+  </dgm:styleLbl>
+  <dgm:styleLbl name="parChTrans1D4">
+    <dgm:fillClrLst meth="repeat">
+      <a:schemeClr val="accent6">
+        <a:tint val="50000"/>
+      </a:schemeClr>
+    </dgm:fillClrLst>
+    <dgm:linClrLst meth="repeat">
+      <a:schemeClr val="accent6">
+        <a:tint val="50000"/>
+      </a:schemeClr>
+    </dgm:linClrLst>
+    <dgm:effectClrLst/>
+    <dgm:txLinClrLst/>
+    <dgm:txFillClrLst meth="repeat">
+      <a:schemeClr val="tx1"/>
+    </dgm:txFillClrLst>
+    <dgm:txEffectClrLst/>
+  </dgm:styleLbl>
+  <dgm:styleLbl name="fgAcc1">
+    <dgm:fillClrLst meth="repeat">
+      <a:schemeClr val="lt1">
+        <a:alpha val="90000"/>
+      </a:schemeClr>
+    </dgm:fillClrLst>
+    <dgm:linClrLst meth="cycle">
+      <a:schemeClr val="accent6">
+        <a:shade val="50000"/>
+      </a:schemeClr>
+      <a:schemeClr val="accent6">
+        <a:tint val="55000"/>
+      </a:schemeClr>
+    </dgm:linClrLst>
+    <dgm:effectClrLst/>
+    <dgm:txLinClrLst/>
+    <dgm:txFillClrLst meth="repeat">
+      <a:schemeClr val="dk1"/>
+    </dgm:txFillClrLst>
+    <dgm:txEffectClrLst/>
+  </dgm:styleLbl>
+  <dgm:styleLbl name="conFgAcc1">
+    <dgm:fillClrLst meth="repeat">
+      <a:schemeClr val="lt1">
+        <a:alpha val="90000"/>
+      </a:schemeClr>
+    </dgm:fillClrLst>
+    <dgm:linClrLst meth="cycle">
+      <a:schemeClr val="accent6">
+        <a:shade val="50000"/>
+      </a:schemeClr>
+      <a:schemeClr val="accent6">
+        <a:tint val="55000"/>
+      </a:schemeClr>
+    </dgm:linClrLst>
+    <dgm:effectClrLst/>
+    <dgm:txLinClrLst/>
+    <dgm:txFillClrLst meth="repeat">
+      <a:schemeClr val="dk1"/>
+    </dgm:txFillClrLst>
+    <dgm:txEffectClrLst/>
+  </dgm:styleLbl>
+  <dgm:styleLbl name="alignAcc1">
+    <dgm:fillClrLst meth="repeat">
+      <a:schemeClr val="lt1">
+        <a:alpha val="90000"/>
+      </a:schemeClr>
+    </dgm:fillClrLst>
+    <dgm:linClrLst meth="cycle">
+      <a:schemeClr val="accent6">
+        <a:shade val="50000"/>
+      </a:schemeClr>
+      <a:schemeClr val="accent6">
+        <a:tint val="55000"/>
+      </a:schemeClr>
+    </dgm:linClrLst>
+    <dgm:effectClrLst/>
+    <dgm:txLinClrLst/>
+    <dgm:txFillClrLst meth="repeat">
+      <a:schemeClr val="dk1"/>
+    </dgm:txFillClrLst>
+    <dgm:txEffectClrLst/>
+  </dgm:styleLbl>
+  <dgm:styleLbl name="trAlignAcc1">
+    <dgm:fillClrLst meth="repeat">
+      <a:schemeClr val="lt1">
+        <a:alpha val="55000"/>
+      </a:schemeClr>
+    </dgm:fillClrLst>
+    <dgm:linClrLst meth="repeat">
+      <a:schemeClr val="accent6"/>
+    </dgm:linClrLst>
+    <dgm:effectClrLst/>
+    <dgm:txLinClrLst/>
+    <dgm:txFillClrLst meth="repeat">
+      <a:schemeClr val="dk1"/>
+    </dgm:txFillClrLst>
+    <dgm:txEffectClrLst/>
+  </dgm:styleLbl>
+  <dgm:styleLbl name="bgAcc1">
+    <dgm:fillClrLst meth="repeat">
+      <a:schemeClr val="lt1">
+        <a:alpha val="90000"/>
+      </a:schemeClr>
+    </dgm:fillClrLst>
+    <dgm:linClrLst meth="cycle">
+      <a:schemeClr val="accent6">
+        <a:shade val="50000"/>
+      </a:schemeClr>
+      <a:schemeClr val="accent6">
+        <a:tint val="55000"/>
+      </a:schemeClr>
+    </dgm:linClrLst>
+    <dgm:effectClrLst/>
+    <dgm:txLinClrLst/>
+    <dgm:txFillClrLst meth="repeat">
+      <a:schemeClr val="dk1"/>
+    </dgm:txFillClrLst>
+    <dgm:txEffectClrLst/>
+  </dgm:styleLbl>
+  <dgm:styleLbl name="solidFgAcc1">
+    <dgm:fillClrLst meth="repeat">
+      <a:schemeClr val="lt1"/>
+    </dgm:fillClrLst>
+    <dgm:linClrLst meth="cycle">
+      <a:schemeClr val="accent6">
+        <a:shade val="50000"/>
+      </a:schemeClr>
+      <a:schemeClr val="accent6">
+        <a:tint val="55000"/>
+      </a:schemeClr>
+    </dgm:linClrLst>
+    <dgm:effectClrLst/>
+    <dgm:txLinClrLst/>
+    <dgm:txFillClrLst meth="repeat">
+      <a:schemeClr val="dk1"/>
+    </dgm:txFillClrLst>
+    <dgm:txEffectClrLst/>
+  </dgm:styleLbl>
+  <dgm:styleLbl name="solidAlignAcc1">
+    <dgm:fillClrLst meth="repeat">
+      <a:schemeClr val="lt1"/>
+    </dgm:fillClrLst>
+    <dgm:linClrLst meth="repeat">
+      <a:schemeClr val="accent6"/>
+    </dgm:linClrLst>
+    <dgm:effectClrLst/>
+    <dgm:txLinClrLst/>
+    <dgm:txFillClrLst meth="repeat">
+      <a:schemeClr val="dk1"/>
+    </dgm:txFillClrLst>
+    <dgm:txEffectClrLst/>
+  </dgm:styleLbl>
+  <dgm:styleLbl name="solidBgAcc1">
+    <dgm:fillClrLst meth="repeat">
+      <a:schemeClr val="lt1"/>
+    </dgm:fillClrLst>
+    <dgm:linClrLst meth="repeat">
+      <a:schemeClr val="accent6"/>
+    </dgm:linClrLst>
+    <dgm:effectClrLst/>
+    <dgm:txLinClrLst/>
+    <dgm:txFillClrLst meth="repeat">
+      <a:schemeClr val="dk1"/>
+    </dgm:txFillClrLst>
+    <dgm:txEffectClrLst/>
+  </dgm:styleLbl>
+  <dgm:styleLbl name="fgAccFollowNode1">
+    <dgm:fillClrLst meth="repeat">
+      <a:schemeClr val="accent6">
+        <a:alpha val="90000"/>
+        <a:tint val="55000"/>
+      </a:schemeClr>
+    </dgm:fillClrLst>
+    <dgm:linClrLst meth="repeat">
+      <a:schemeClr val="accent6">
+        <a:alpha val="90000"/>
+        <a:tint val="55000"/>
+      </a:schemeClr>
+    </dgm:linClrLst>
+    <dgm:effectClrLst/>
+    <dgm:txLinClrLst/>
+    <dgm:txFillClrLst meth="repeat">
+      <a:schemeClr val="dk1"/>
+    </dgm:txFillClrLst>
+    <dgm:txEffectClrLst/>
+  </dgm:styleLbl>
+  <dgm:styleLbl name="alignAccFollowNode1">
+    <dgm:fillClrLst meth="repeat">
+      <a:schemeClr val="accent6">
+        <a:alpha val="90000"/>
+        <a:tint val="55000"/>
+      </a:schemeClr>
+    </dgm:fillClrLst>
+    <dgm:linClrLst meth="repeat">
+      <a:schemeClr val="accent6">
+        <a:alpha val="90000"/>
+        <a:tint val="55000"/>
+      </a:schemeClr>
+    </dgm:linClrLst>
+    <dgm:effectClrLst/>
+    <dgm:txLinClrLst/>
+    <dgm:txFillClrLst meth="repeat">
+      <a:schemeClr val="dk1"/>
+    </dgm:txFillClrLst>
+    <dgm:txEffectClrLst/>
+  </dgm:styleLbl>
+  <dgm:styleLbl name="bgAccFollowNode1">
+    <dgm:fillClrLst meth="repeat">
+      <a:schemeClr val="accent6">
+        <a:alpha val="90000"/>
+        <a:tint val="55000"/>
+      </a:schemeClr>
+    </dgm:fillClrLst>
+    <dgm:linClrLst meth="repeat">
+      <a:schemeClr val="lt1"/>
+    </dgm:linClrLst>
+    <dgm:effectClrLst/>
+    <dgm:txLinClrLst/>
+    <dgm:txFillClrLst meth="repeat">
+      <a:schemeClr val="dk1"/>
+    </dgm:txFillClrLst>
+    <dgm:txEffectClrLst/>
+  </dgm:styleLbl>
+  <dgm:styleLbl name="fgAcc0">
+    <dgm:fillClrLst meth="repeat">
+      <a:schemeClr val="lt1">
+        <a:alpha val="90000"/>
+      </a:schemeClr>
+    </dgm:fillClrLst>
+    <dgm:linClrLst meth="repeat">
+      <a:schemeClr val="accent6">
+        <a:shade val="80000"/>
+      </a:schemeClr>
+    </dgm:linClrLst>
+    <dgm:effectClrLst/>
+    <dgm:txLinClrLst/>
+    <dgm:txFillClrLst meth="repeat">
+      <a:schemeClr val="dk1"/>
+    </dgm:txFillClrLst>
+    <dgm:txEffectClrLst/>
+  </dgm:styleLbl>
+  <dgm:styleLbl name="fgAcc2">
+    <dgm:fillClrLst meth="repeat">
+      <a:schemeClr val="lt1">
+        <a:alpha val="90000"/>
+      </a:schemeClr>
+    </dgm:fillClrLst>
+    <dgm:linClrLst meth="repeat">
+      <a:schemeClr val="accent6">
+        <a:tint val="90000"/>
+      </a:schemeClr>
+    </dgm:linClrLst>
+    <dgm:effectClrLst/>
+    <dgm:txLinClrLst/>
+    <dgm:txFillClrLst meth="repeat">
+      <a:schemeClr val="dk1"/>
+    </dgm:txFillClrLst>
+    <dgm:txEffectClrLst/>
+  </dgm:styleLbl>
+  <dgm:styleLbl name="fgAcc3">
+    <dgm:fillClrLst meth="repeat">
+      <a:schemeClr val="lt1">
+        <a:alpha val="90000"/>
+      </a:schemeClr>
+    </dgm:fillClrLst>
+    <dgm:linClrLst meth="repeat">
+      <a:schemeClr val="accent6">
+        <a:tint val="70000"/>
+      </a:schemeClr>
+    </dgm:linClrLst>
+    <dgm:effectClrLst/>
+    <dgm:txLinClrLst/>
+    <dgm:txFillClrLst meth="repeat">
+      <a:schemeClr val="dk1"/>
+    </dgm:txFillClrLst>
+    <dgm:txEffectClrLst/>
+  </dgm:styleLbl>
+  <dgm:styleLbl name="fgAcc4">
+    <dgm:fillClrLst meth="repeat">
+      <a:schemeClr val="lt1">
+        <a:alpha val="90000"/>
+      </a:schemeClr>
+    </dgm:fillClrLst>
+    <dgm:linClrLst meth="repeat">
+      <a:schemeClr val="accent6">
+        <a:tint val="50000"/>
+      </a:schemeClr>
+    </dgm:linClrLst>
+    <dgm:effectClrLst/>
+    <dgm:txLinClrLst/>
+    <dgm:txFillClrLst meth="repeat">
+      <a:schemeClr val="dk1"/>
+    </dgm:txFillClrLst>
+    <dgm:txEffectClrLst/>
+  </dgm:styleLbl>
+  <dgm:styleLbl name="bgShp">
+    <dgm:fillClrLst meth="repeat">
+      <a:schemeClr val="accent6">
+        <a:tint val="55000"/>
+      </a:schemeClr>
+    </dgm:fillClrLst>
+    <dgm:linClrLst meth="repeat">
+      <a:schemeClr val="dk1"/>
+    </dgm:linClrLst>
+    <dgm:effectClrLst/>
+    <dgm:txLinClrLst/>
+    <dgm:txFillClrLst meth="repeat">
+      <a:schemeClr val="dk1"/>
+    </dgm:txFillClrLst>
+    <dgm:txEffectClrLst/>
+  </dgm:styleLbl>
+  <dgm:styleLbl name="dkBgShp">
+    <dgm:fillClrLst meth="repeat">
+      <a:schemeClr val="accent6">
+        <a:shade val="90000"/>
+      </a:schemeClr>
+    </dgm:fillClrLst>
+    <dgm:linClrLst meth="repeat">
+      <a:schemeClr val="dk1"/>
+    </dgm:linClrLst>
+    <dgm:effectClrLst/>
+    <dgm:txLinClrLst/>
+    <dgm:txFillClrLst meth="repeat">
+      <a:schemeClr val="lt1"/>
+    </dgm:txFillClrLst>
+    <dgm:txEffectClrLst/>
+  </dgm:styleLbl>
+  <dgm:styleLbl name="trBgShp">
+    <dgm:fillClrLst meth="repeat">
+      <a:schemeClr val="accent6">
+        <a:tint val="50000"/>
+        <a:alpha val="55000"/>
+      </a:schemeClr>
+    </dgm:fillClrLst>
+    <dgm:linClrLst meth="repeat">
+      <a:schemeClr val="accent6"/>
+    </dgm:linClrLst>
+    <dgm:effectClrLst/>
+    <dgm:txLinClrLst/>
+    <dgm:txFillClrLst meth="repeat">
+      <a:schemeClr val="lt1"/>
+    </dgm:txFillClrLst>
+    <dgm:txEffectClrLst/>
+  </dgm:styleLbl>
+  <dgm:styleLbl name="fgShp">
+    <dgm:fillClrLst meth="repeat">
+      <a:schemeClr val="accent6">
+        <a:tint val="55000"/>
+      </a:schemeClr>
+    </dgm:fillClrLst>
+    <dgm:linClrLst meth="repeat">
+      <a:schemeClr val="lt1"/>
+    </dgm:linClrLst>
+    <dgm:effectClrLst/>
+    <dgm:txLinClrLst/>
+    <dgm:txFillClrLst meth="repeat">
+      <a:schemeClr val="dk1"/>
+    </dgm:txFillClrLst>
+    <dgm:txEffectClrLst/>
+  </dgm:styleLbl>
+  <dgm:styleLbl name="revTx">
+    <dgm:fillClrLst meth="repeat">
+      <a:schemeClr val="lt1">
+        <a:alpha val="0"/>
+      </a:schemeClr>
+    </dgm:fillClrLst>
+    <dgm:linClrLst meth="repeat">
+      <a:schemeClr val="dk1">
+        <a:alpha val="0"/>
+      </a:schemeClr>
+    </dgm:linClrLst>
+    <dgm:effectClrLst/>
+    <dgm:txLinClrLst/>
+    <dgm:txFillClrLst meth="repeat">
+      <a:schemeClr val="tx1"/>
+    </dgm:txFillClrLst>
+    <dgm:txEffectClrLst/>
+  </dgm:styleLbl>
+</dgm:colorsDef>
+</file>
+
+<file path=ppt/diagrams/colors16.xml><?xml version="1.0" encoding="utf-8"?>
+<dgm:colorsDef xmlns:dgm="http://schemas.openxmlformats.org/drawingml/2006/diagram" xmlns:a="http://schemas.openxmlformats.org/drawingml/2006/main" uniqueId="urn:microsoft.com/office/officeart/2005/8/colors/accent6_4">
+  <dgm:title val=""/>
+  <dgm:desc val=""/>
+  <dgm:catLst>
+    <dgm:cat type="accent6" pri="11400"/>
+  </dgm:catLst>
+  <dgm:styleLbl name="node0">
+    <dgm:fillClrLst meth="cycle">
+      <a:schemeClr val="accent6">
+        <a:shade val="60000"/>
+      </a:schemeClr>
+    </dgm:fillClrLst>
+    <dgm:linClrLst meth="repeat">
+      <a:schemeClr val="lt1"/>
+    </dgm:linClrLst>
+    <dgm:effectClrLst/>
+    <dgm:txLinClrLst/>
+    <dgm:txFillClrLst/>
+    <dgm:txEffectClrLst/>
+  </dgm:styleLbl>
+  <dgm:styleLbl name="alignNode1">
+    <dgm:fillClrLst meth="cycle">
+      <a:schemeClr val="accent6">
+        <a:shade val="50000"/>
+      </a:schemeClr>
+      <a:schemeClr val="accent6">
+        <a:tint val="55000"/>
+      </a:schemeClr>
+    </dgm:fillClrLst>
+    <dgm:linClrLst meth="cycle">
+      <a:schemeClr val="accent6">
+        <a:shade val="50000"/>
+      </a:schemeClr>
+      <a:schemeClr val="accent6">
+        <a:tint val="55000"/>
+      </a:schemeClr>
+    </dgm:linClrLst>
+    <dgm:effectClrLst/>
+    <dgm:txLinClrLst/>
+    <dgm:txFillClrLst/>
+    <dgm:txEffectClrLst/>
+  </dgm:styleLbl>
+  <dgm:styleLbl name="node1">
+    <dgm:fillClrLst meth="cycle">
+      <a:schemeClr val="accent6">
+        <a:shade val="50000"/>
+      </a:schemeClr>
+      <a:schemeClr val="accent6">
+        <a:tint val="55000"/>
+      </a:schemeClr>
+    </dgm:fillClrLst>
+    <dgm:linClrLst meth="repeat">
+      <a:schemeClr val="lt1"/>
+    </dgm:linClrLst>
+    <dgm:effectClrLst/>
+    <dgm:txLinClrLst/>
+    <dgm:txFillClrLst/>
+    <dgm:txEffectClrLst/>
+  </dgm:styleLbl>
+  <dgm:styleLbl name="lnNode1">
+    <dgm:fillClrLst meth="cycle">
+      <a:schemeClr val="accent6">
+        <a:shade val="50000"/>
+      </a:schemeClr>
+      <a:schemeClr val="accent6">
+        <a:tint val="55000"/>
+      </a:schemeClr>
+    </dgm:fillClrLst>
+    <dgm:linClrLst meth="repeat">
+      <a:schemeClr val="lt1"/>
+    </dgm:linClrLst>
+    <dgm:effectClrLst/>
+    <dgm:txLinClrLst/>
+    <dgm:txFillClrLst/>
+    <dgm:txEffectClrLst/>
+  </dgm:styleLbl>
+  <dgm:styleLbl name="vennNode1">
+    <dgm:fillClrLst meth="cycle">
+      <a:schemeClr val="accent6">
+        <a:shade val="80000"/>
+        <a:alpha val="50000"/>
+      </a:schemeClr>
+      <a:schemeClr val="accent6">
+        <a:tint val="50000"/>
+        <a:alpha val="50000"/>
+      </a:schemeClr>
+    </dgm:fillClrLst>
+    <dgm:linClrLst meth="repeat">
+      <a:schemeClr val="lt1"/>
+    </dgm:linClrLst>
+    <dgm:effectClrLst/>
+    <dgm:txLinClrLst/>
+    <dgm:txFillClrLst/>
+    <dgm:txEffectClrLst/>
+  </dgm:styleLbl>
+  <dgm:styleLbl name="node2">
+    <dgm:fillClrLst>
+      <a:schemeClr val="accent6">
+        <a:shade val="80000"/>
+      </a:schemeClr>
+    </dgm:fillClrLst>
+    <dgm:linClrLst meth="repeat">
+      <a:schemeClr val="lt1"/>
+    </dgm:linClrLst>
+    <dgm:effectClrLst/>
+    <dgm:txLinClrLst/>
+    <dgm:txFillClrLst/>
+    <dgm:txEffectClrLst/>
+  </dgm:styleLbl>
+  <dgm:styleLbl name="node3">
+    <dgm:fillClrLst>
+      <a:schemeClr val="accent6">
+        <a:tint val="99000"/>
+      </a:schemeClr>
+    </dgm:fillClrLst>
+    <dgm:linClrLst meth="repeat">
+      <a:schemeClr val="lt1"/>
+    </dgm:linClrLst>
+    <dgm:effectClrLst/>
+    <dgm:txLinClrLst/>
+    <dgm:txFillClrLst/>
+    <dgm:txEffectClrLst/>
+  </dgm:styleLbl>
+  <dgm:styleLbl name="node4">
+    <dgm:fillClrLst>
+      <a:schemeClr val="accent6">
+        <a:tint val="70000"/>
+      </a:schemeClr>
+    </dgm:fillClrLst>
+    <dgm:linClrLst meth="repeat">
+      <a:schemeClr val="lt1"/>
+    </dgm:linClrLst>
+    <dgm:effectClrLst/>
+    <dgm:txLinClrLst/>
+    <dgm:txFillClrLst/>
+    <dgm:txEffectClrLst/>
+  </dgm:styleLbl>
+  <dgm:styleLbl name="fgImgPlace1">
+    <dgm:fillClrLst>
+      <a:schemeClr val="accent6">
+        <a:tint val="50000"/>
+      </a:schemeClr>
+      <a:schemeClr val="accent6">
+        <a:tint val="55000"/>
+      </a:schemeClr>
+    </dgm:fillClrLst>
+    <dgm:linClrLst meth="repeat">
+      <a:schemeClr val="lt1"/>
+    </dgm:linClrLst>
+    <dgm:effectClrLst/>
+    <dgm:txLinClrLst/>
+    <dgm:txFillClrLst meth="repeat">
+      <a:schemeClr val="lt1"/>
+    </dgm:txFillClrLst>
+    <dgm:txEffectClrLst/>
+  </dgm:styleLbl>
+  <dgm:styleLbl name="alignImgPlace1">
+    <dgm:fillClrLst>
+      <a:schemeClr val="accent6">
+        <a:tint val="50000"/>
+      </a:schemeClr>
+      <a:schemeClr val="accent6">
+        <a:tint val="55000"/>
+      </a:schemeClr>
+    </dgm:fillClrLst>
+    <dgm:linClrLst meth="repeat">
+      <a:schemeClr val="lt1"/>
+    </dgm:linClrLst>
+    <dgm:effectClrLst/>
+    <dgm:txLinClrLst/>
+    <dgm:txFillClrLst meth="repeat">
+      <a:schemeClr val="lt1"/>
+    </dgm:txFillClrLst>
+    <dgm:txEffectClrLst/>
+  </dgm:styleLbl>
+  <dgm:styleLbl name="bgImgPlace1">
+    <dgm:fillClrLst>
+      <a:schemeClr val="accent6">
+        <a:tint val="50000"/>
+      </a:schemeClr>
+      <a:schemeClr val="accent6">
+        <a:tint val="55000"/>
+      </a:schemeClr>
+    </dgm:fillClrLst>
+    <dgm:linClrLst meth="repeat">
+      <a:schemeClr val="lt1"/>
+    </dgm:linClrLst>
+    <dgm:effectClrLst/>
+    <dgm:txLinClrLst/>
+    <dgm:txFillClrLst meth="repeat">
+      <a:schemeClr val="lt1"/>
+    </dgm:txFillClrLst>
+    <dgm:txEffectClrLst/>
+  </dgm:styleLbl>
+  <dgm:styleLbl name="sibTrans2D1">
+    <dgm:fillClrLst meth="cycle">
+      <a:schemeClr val="accent6">
+        <a:shade val="90000"/>
+      </a:schemeClr>
+      <a:schemeClr val="accent6">
+        <a:tint val="50000"/>
+      </a:schemeClr>
+    </dgm:fillClrLst>
+    <dgm:linClrLst meth="cycle">
+      <a:schemeClr val="accent6">
+        <a:shade val="90000"/>
+      </a:schemeClr>
+      <a:schemeClr val="accent6">
+        <a:tint val="50000"/>
+      </a:schemeClr>
+    </dgm:linClrLst>
+    <dgm:effectClrLst/>
+    <dgm:txLinClrLst/>
+    <dgm:txFillClrLst/>
+    <dgm:txEffectClrLst/>
+  </dgm:styleLbl>
+  <dgm:styleLbl name="fgSibTrans2D1">
+    <dgm:fillClrLst meth="cycle">
+      <a:schemeClr val="accent6">
+        <a:shade val="90000"/>
+      </a:schemeClr>
+      <a:schemeClr val="accent6">
+        <a:tint val="50000"/>
+      </a:schemeClr>
+    </dgm:fillClrLst>
+    <dgm:linClrLst meth="cycle">
+      <a:schemeClr val="accent6">
+        <a:shade val="90000"/>
+      </a:schemeClr>
+      <a:schemeClr val="accent6">
+        <a:tint val="50000"/>
+      </a:schemeClr>
+    </dgm:linClrLst>
+    <dgm:effectClrLst/>
+    <dgm:txLinClrLst/>
+    <dgm:txFillClrLst/>
+    <dgm:txEffectClrLst/>
+  </dgm:styleLbl>
+  <dgm:styleLbl name="bgSibTrans2D1">
+    <dgm:fillClrLst meth="cycle">
+      <a:schemeClr val="accent6">
+        <a:shade val="90000"/>
+      </a:schemeClr>
+      <a:schemeClr val="accent6">
+        <a:tint val="50000"/>
+      </a:schemeClr>
+    </dgm:fillClrLst>
+    <dgm:linClrLst meth="cycle">
+      <a:schemeClr val="accent6">
+        <a:shade val="90000"/>
+      </a:schemeClr>
+      <a:schemeClr val="accent6">
+        <a:tint val="50000"/>
+      </a:schemeClr>
+    </dgm:linClrLst>
+    <dgm:effectClrLst/>
+    <dgm:txLinClrLst/>
+    <dgm:txFillClrLst/>
+    <dgm:txEffectClrLst/>
+  </dgm:styleLbl>
+  <dgm:styleLbl name="sibTrans1D1">
+    <dgm:fillClrLst meth="cycle">
+      <a:schemeClr val="accent6">
+        <a:shade val="90000"/>
+      </a:schemeClr>
+      <a:schemeClr val="accent6">
+        <a:tint val="50000"/>
+      </a:schemeClr>
+    </dgm:fillClrLst>
+    <dgm:linClrLst meth="cycle">
+      <a:schemeClr val="accent6">
+        <a:shade val="90000"/>
+      </a:schemeClr>
+      <a:schemeClr val="accent6">
+        <a:tint val="50000"/>
+      </a:schemeClr>
+    </dgm:linClrLst>
+    <dgm:effectClrLst/>
+    <dgm:txLinClrLst/>
+    <dgm:txFillClrLst meth="repeat">
+      <a:schemeClr val="tx1"/>
+    </dgm:txFillClrLst>
+    <dgm:txEffectClrLst/>
+  </dgm:styleLbl>
+  <dgm:styleLbl name="callout">
+    <dgm:fillClrLst meth="repeat">
+      <a:schemeClr val="accent6"/>
+    </dgm:fillClrLst>
+    <dgm:linClrLst meth="repeat">
+      <a:schemeClr val="accent6"/>
+    </dgm:linClrLst>
+    <dgm:effectClrLst/>
+    <dgm:txLinClrLst/>
+    <dgm:txFillClrLst meth="repeat">
+      <a:schemeClr val="tx1"/>
+    </dgm:txFillClrLst>
+    <dgm:txEffectClrLst/>
+  </dgm:styleLbl>
+  <dgm:styleLbl name="asst0">
+    <dgm:fillClrLst meth="repeat">
+      <a:schemeClr val="accent6">
+        <a:shade val="80000"/>
+      </a:schemeClr>
+    </dgm:fillClrLst>
+    <dgm:linClrLst meth="repeat">
+      <a:schemeClr val="lt1"/>
+    </dgm:linClrLst>
+    <dgm:effectClrLst/>
+    <dgm:txLinClrLst/>
+    <dgm:txFillClrLst/>
+    <dgm:txEffectClrLst/>
+  </dgm:styleLbl>
+  <dgm:styleLbl name="asst1">
+    <dgm:fillClrLst meth="repeat">
+      <a:schemeClr val="accent6">
+        <a:shade val="80000"/>
+      </a:schemeClr>
+    </dgm:fillClrLst>
+    <dgm:linClrLst meth="repeat">
+      <a:schemeClr val="lt1"/>
+    </dgm:linClrLst>
+    <dgm:effectClrLst/>
+    <dgm:txLinClrLst/>
+    <dgm:txFillClrLst/>
+    <dgm:txEffectClrLst/>
+  </dgm:styleLbl>
+  <dgm:styleLbl name="asst2">
+    <dgm:fillClrLst>
+      <a:schemeClr val="accent6">
+        <a:tint val="90000"/>
+      </a:schemeClr>
+    </dgm:fillClrLst>
+    <dgm:linClrLst meth="repeat">
+      <a:schemeClr val="lt1"/>
+    </dgm:linClrLst>
+    <dgm:effectClrLst/>
+    <dgm:txLinClrLst/>
+    <dgm:txFillClrLst/>
+    <dgm:txEffectClrLst/>
+  </dgm:styleLbl>
+  <dgm:styleLbl name="asst3">
+    <dgm:fillClrLst>
+      <a:schemeClr val="accent6">
+        <a:tint val="70000"/>
+      </a:schemeClr>
+    </dgm:fillClrLst>
+    <dgm:linClrLst meth="repeat">
+      <a:schemeClr val="lt1"/>
+    </dgm:linClrLst>
+    <dgm:effectClrLst/>
+    <dgm:txLinClrLst/>
+    <dgm:txFillClrLst/>
+    <dgm:txEffectClrLst/>
+  </dgm:styleLbl>
+  <dgm:styleLbl name="asst4">
+    <dgm:fillClrLst>
+      <a:schemeClr val="accent6">
+        <a:tint val="50000"/>
+      </a:schemeClr>
+    </dgm:fillClrLst>
+    <dgm:linClrLst meth="repeat">
+      <a:schemeClr val="lt1"/>
+    </dgm:linClrLst>
+    <dgm:effectClrLst/>
+    <dgm:txLinClrLst/>
+    <dgm:txFillClrLst/>
+    <dgm:txEffectClrLst/>
+  </dgm:styleLbl>
+  <dgm:styleLbl name="parChTrans2D1">
+    <dgm:fillClrLst meth="repeat">
+      <a:schemeClr val="accent6">
+        <a:tint val="60000"/>
+      </a:schemeClr>
+    </dgm:fillClrLst>
+    <dgm:linClrLst meth="repeat">
+      <a:schemeClr val="accent6">
+        <a:shade val="80000"/>
+      </a:schemeClr>
+    </dgm:linClrLst>
+    <dgm:effectClrLst/>
+    <dgm:txLinClrLst/>
+    <dgm:txFillClrLst/>
+    <dgm:txEffectClrLst/>
+  </dgm:styleLbl>
+  <dgm:styleLbl name="parChTrans2D2">
+    <dgm:fillClrLst meth="repeat">
+      <a:schemeClr val="accent6">
+        <a:tint val="90000"/>
+      </a:schemeClr>
+    </dgm:fillClrLst>
+    <dgm:linClrLst meth="repeat">
+      <a:schemeClr val="accent6">
+        <a:tint val="90000"/>
+      </a:schemeClr>
+    </dgm:linClrLst>
+    <dgm:effectClrLst/>
+    <dgm:txLinClrLst/>
+    <dgm:txFillClrLst/>
+    <dgm:txEffectClrLst/>
+  </dgm:styleLbl>
+  <dgm:styleLbl name="parChTrans2D3">
+    <dgm:fillClrLst meth="repeat">
+      <a:schemeClr val="accent6">
+        <a:tint val="70000"/>
+      </a:schemeClr>
+    </dgm:fillClrLst>
+    <dgm:linClrLst meth="repeat">
+      <a:schemeClr val="accent6">
+        <a:tint val="70000"/>
+      </a:schemeClr>
+    </dgm:linClrLst>
+    <dgm:effectClrLst/>
+    <dgm:txLinClrLst/>
+    <dgm:txFillClrLst/>
+    <dgm:txEffectClrLst/>
+  </dgm:styleLbl>
+  <dgm:styleLbl name="parChTrans2D4">
+    <dgm:fillClrLst meth="repeat">
+      <a:schemeClr val="accent6">
+        <a:tint val="50000"/>
+      </a:schemeClr>
+    </dgm:fillClrLst>
+    <dgm:linClrLst meth="repeat">
+      <a:schemeClr val="accent6">
+        <a:tint val="50000"/>
+      </a:schemeClr>
+    </dgm:linClrLst>
+    <dgm:effectClrLst/>
+    <dgm:txLinClrLst/>
+    <dgm:txFillClrLst meth="repeat">
+      <a:schemeClr val="dk1"/>
+    </dgm:txFillClrLst>
+    <dgm:txEffectClrLst/>
+  </dgm:styleLbl>
+  <dgm:styleLbl name="parChTrans1D1">
+    <dgm:fillClrLst meth="repeat">
+      <a:schemeClr val="accent6">
+        <a:shade val="80000"/>
+      </a:schemeClr>
+    </dgm:fillClrLst>
+    <dgm:linClrLst meth="repeat">
+      <a:schemeClr val="accent6">
+        <a:shade val="80000"/>
+      </a:schemeClr>
+    </dgm:linClrLst>
+    <dgm:effectClrLst/>
+    <dgm:txLinClrLst/>
+    <dgm:txFillClrLst meth="repeat">
+      <a:schemeClr val="tx1"/>
+    </dgm:txFillClrLst>
+    <dgm:txEffectClrLst/>
+  </dgm:styleLbl>
+  <dgm:styleLbl name="parChTrans1D2">
+    <dgm:fillClrLst meth="repeat">
+      <a:schemeClr val="accent6">
+        <a:tint val="90000"/>
+      </a:schemeClr>
+    </dgm:fillClrLst>
+    <dgm:linClrLst meth="repeat">
+      <a:schemeClr val="accent6">
+        <a:tint val="90000"/>
+      </a:schemeClr>
+    </dgm:linClrLst>
+    <dgm:effectClrLst/>
+    <dgm:txLinClrLst/>
+    <dgm:txFillClrLst meth="repeat">
+      <a:schemeClr val="tx1"/>
+    </dgm:txFillClrLst>
+    <dgm:txEffectClrLst/>
+  </dgm:styleLbl>
+  <dgm:styleLbl name="parChTrans1D3">
+    <dgm:fillClrLst meth="repeat">
+      <a:schemeClr val="accent6">
+        <a:tint val="70000"/>
+      </a:schemeClr>
+    </dgm:fillClrLst>
+    <dgm:linClrLst meth="repeat">
+      <a:schemeClr val="accent6">
+        <a:tint val="70000"/>
+      </a:schemeClr>
+    </dgm:linClrLst>
+    <dgm:effectClrLst/>
+    <dgm:txLinClrLst/>
+    <dgm:txFillClrLst meth="repeat">
+      <a:schemeClr val="tx1"/>
+    </dgm:txFillClrLst>
+    <dgm:txEffectClrLst/>
+  </dgm:styleLbl>
+  <dgm:styleLbl name="parChTrans1D4">
+    <dgm:fillClrLst meth="repeat">
+      <a:schemeClr val="accent6">
+        <a:tint val="50000"/>
+      </a:schemeClr>
+    </dgm:fillClrLst>
+    <dgm:linClrLst meth="repeat">
+      <a:schemeClr val="accent6">
+        <a:tint val="50000"/>
+      </a:schemeClr>
+    </dgm:linClrLst>
+    <dgm:effectClrLst/>
+    <dgm:txLinClrLst/>
+    <dgm:txFillClrLst meth="repeat">
+      <a:schemeClr val="tx1"/>
+    </dgm:txFillClrLst>
+    <dgm:txEffectClrLst/>
+  </dgm:styleLbl>
+  <dgm:styleLbl name="fgAcc1">
+    <dgm:fillClrLst meth="repeat">
+      <a:schemeClr val="lt1">
+        <a:alpha val="90000"/>
+      </a:schemeClr>
+    </dgm:fillClrLst>
+    <dgm:linClrLst meth="cycle">
+      <a:schemeClr val="accent6">
+        <a:shade val="50000"/>
+      </a:schemeClr>
+      <a:schemeClr val="accent6">
+        <a:tint val="55000"/>
+      </a:schemeClr>
+    </dgm:linClrLst>
+    <dgm:effectClrLst/>
+    <dgm:txLinClrLst/>
+    <dgm:txFillClrLst meth="repeat">
+      <a:schemeClr val="dk1"/>
+    </dgm:txFillClrLst>
+    <dgm:txEffectClrLst/>
+  </dgm:styleLbl>
+  <dgm:styleLbl name="conFgAcc1">
+    <dgm:fillClrLst meth="repeat">
+      <a:schemeClr val="lt1">
+        <a:alpha val="90000"/>
+      </a:schemeClr>
+    </dgm:fillClrLst>
+    <dgm:linClrLst meth="cycle">
+      <a:schemeClr val="accent6">
+        <a:shade val="50000"/>
+      </a:schemeClr>
+      <a:schemeClr val="accent6">
+        <a:tint val="55000"/>
+      </a:schemeClr>
+    </dgm:linClrLst>
+    <dgm:effectClrLst/>
+    <dgm:txLinClrLst/>
+    <dgm:txFillClrLst meth="repeat">
+      <a:schemeClr val="dk1"/>
+    </dgm:txFillClrLst>
+    <dgm:txEffectClrLst/>
+  </dgm:styleLbl>
+  <dgm:styleLbl name="alignAcc1">
+    <dgm:fillClrLst meth="repeat">
+      <a:schemeClr val="lt1">
+        <a:alpha val="90000"/>
+      </a:schemeClr>
+    </dgm:fillClrLst>
+    <dgm:linClrLst meth="cycle">
+      <a:schemeClr val="accent6">
+        <a:shade val="50000"/>
+      </a:schemeClr>
+      <a:schemeClr val="accent6">
+        <a:tint val="55000"/>
+      </a:schemeClr>
+    </dgm:linClrLst>
+    <dgm:effectClrLst/>
+    <dgm:txLinClrLst/>
+    <dgm:txFillClrLst meth="repeat">
+      <a:schemeClr val="dk1"/>
+    </dgm:txFillClrLst>
+    <dgm:txEffectClrLst/>
+  </dgm:styleLbl>
+  <dgm:styleLbl name="trAlignAcc1">
+    <dgm:fillClrLst meth="repeat">
+      <a:schemeClr val="lt1">
+        <a:alpha val="55000"/>
+      </a:schemeClr>
+    </dgm:fillClrLst>
+    <dgm:linClrLst meth="repeat">
+      <a:schemeClr val="accent6"/>
+    </dgm:linClrLst>
+    <dgm:effectClrLst/>
+    <dgm:txLinClrLst/>
+    <dgm:txFillClrLst meth="repeat">
+      <a:schemeClr val="dk1"/>
+    </dgm:txFillClrLst>
+    <dgm:txEffectClrLst/>
+  </dgm:styleLbl>
+  <dgm:styleLbl name="bgAcc1">
+    <dgm:fillClrLst meth="repeat">
+      <a:schemeClr val="lt1">
+        <a:alpha val="90000"/>
+      </a:schemeClr>
+    </dgm:fillClrLst>
+    <dgm:linClrLst meth="cycle">
+      <a:schemeClr val="accent6">
+        <a:shade val="50000"/>
+      </a:schemeClr>
+      <a:schemeClr val="accent6">
+        <a:tint val="55000"/>
+      </a:schemeClr>
+    </dgm:linClrLst>
+    <dgm:effectClrLst/>
+    <dgm:txLinClrLst/>
+    <dgm:txFillClrLst meth="repeat">
+      <a:schemeClr val="dk1"/>
+    </dgm:txFillClrLst>
+    <dgm:txEffectClrLst/>
+  </dgm:styleLbl>
+  <dgm:styleLbl name="solidFgAcc1">
+    <dgm:fillClrLst meth="repeat">
+      <a:schemeClr val="lt1"/>
+    </dgm:fillClrLst>
+    <dgm:linClrLst meth="cycle">
+      <a:schemeClr val="accent6">
+        <a:shade val="50000"/>
+      </a:schemeClr>
+      <a:schemeClr val="accent6">
+        <a:tint val="55000"/>
+      </a:schemeClr>
+    </dgm:linClrLst>
+    <dgm:effectClrLst/>
+    <dgm:txLinClrLst/>
+    <dgm:txFillClrLst meth="repeat">
+      <a:schemeClr val="dk1"/>
+    </dgm:txFillClrLst>
+    <dgm:txEffectClrLst/>
+  </dgm:styleLbl>
+  <dgm:styleLbl name="solidAlignAcc1">
+    <dgm:fillClrLst meth="repeat">
+      <a:schemeClr val="lt1"/>
+    </dgm:fillClrLst>
+    <dgm:linClrLst meth="repeat">
+      <a:schemeClr val="accent6"/>
+    </dgm:linClrLst>
+    <dgm:effectClrLst/>
+    <dgm:txLinClrLst/>
+    <dgm:txFillClrLst meth="repeat">
+      <a:schemeClr val="dk1"/>
+    </dgm:txFillClrLst>
+    <dgm:txEffectClrLst/>
+  </dgm:styleLbl>
+  <dgm:styleLbl name="solidBgAcc1">
+    <dgm:fillClrLst meth="repeat">
+      <a:schemeClr val="lt1"/>
+    </dgm:fillClrLst>
+    <dgm:linClrLst meth="repeat">
+      <a:schemeClr val="accent6"/>
+    </dgm:linClrLst>
+    <dgm:effectClrLst/>
+    <dgm:txLinClrLst/>
+    <dgm:txFillClrLst meth="repeat">
+      <a:schemeClr val="dk1"/>
+    </dgm:txFillClrLst>
+    <dgm:txEffectClrLst/>
+  </dgm:styleLbl>
+  <dgm:styleLbl name="fgAccFollowNode1">
+    <dgm:fillClrLst meth="repeat">
+      <a:schemeClr val="accent6">
+        <a:alpha val="90000"/>
+        <a:tint val="55000"/>
+      </a:schemeClr>
+    </dgm:fillClrLst>
+    <dgm:linClrLst meth="repeat">
+      <a:schemeClr val="accent6">
+        <a:alpha val="90000"/>
+        <a:tint val="55000"/>
+      </a:schemeClr>
+    </dgm:linClrLst>
+    <dgm:effectClrLst/>
+    <dgm:txLinClrLst/>
+    <dgm:txFillClrLst meth="repeat">
+      <a:schemeClr val="dk1"/>
+    </dgm:txFillClrLst>
+    <dgm:txEffectClrLst/>
+  </dgm:styleLbl>
+  <dgm:styleLbl name="alignAccFollowNode1">
+    <dgm:fillClrLst meth="repeat">
+      <a:schemeClr val="accent6">
+        <a:alpha val="90000"/>
+        <a:tint val="55000"/>
+      </a:schemeClr>
+    </dgm:fillClrLst>
+    <dgm:linClrLst meth="repeat">
+      <a:schemeClr val="accent6">
+        <a:alpha val="90000"/>
+        <a:tint val="55000"/>
+      </a:schemeClr>
+    </dgm:linClrLst>
+    <dgm:effectClrLst/>
+    <dgm:txLinClrLst/>
+    <dgm:txFillClrLst meth="repeat">
+      <a:schemeClr val="dk1"/>
+    </dgm:txFillClrLst>
+    <dgm:txEffectClrLst/>
+  </dgm:styleLbl>
+  <dgm:styleLbl name="bgAccFollowNode1">
+    <dgm:fillClrLst meth="repeat">
+      <a:schemeClr val="accent6">
+        <a:alpha val="90000"/>
+        <a:tint val="55000"/>
+      </a:schemeClr>
+    </dgm:fillClrLst>
+    <dgm:linClrLst meth="repeat">
+      <a:schemeClr val="lt1"/>
+    </dgm:linClrLst>
+    <dgm:effectClrLst/>
+    <dgm:txLinClrLst/>
+    <dgm:txFillClrLst meth="repeat">
+      <a:schemeClr val="dk1"/>
+    </dgm:txFillClrLst>
+    <dgm:txEffectClrLst/>
+  </dgm:styleLbl>
+  <dgm:styleLbl name="fgAcc0">
+    <dgm:fillClrLst meth="repeat">
+      <a:schemeClr val="lt1">
+        <a:alpha val="90000"/>
+      </a:schemeClr>
+    </dgm:fillClrLst>
+    <dgm:linClrLst meth="repeat">
+      <a:schemeClr val="accent6">
+        <a:shade val="80000"/>
+      </a:schemeClr>
+    </dgm:linClrLst>
+    <dgm:effectClrLst/>
+    <dgm:txLinClrLst/>
+    <dgm:txFillClrLst meth="repeat">
+      <a:schemeClr val="dk1"/>
+    </dgm:txFillClrLst>
+    <dgm:txEffectClrLst/>
+  </dgm:styleLbl>
+  <dgm:styleLbl name="fgAcc2">
+    <dgm:fillClrLst meth="repeat">
+      <a:schemeClr val="lt1">
+        <a:alpha val="90000"/>
+      </a:schemeClr>
+    </dgm:fillClrLst>
+    <dgm:linClrLst meth="repeat">
+      <a:schemeClr val="accent6">
+        <a:tint val="90000"/>
+      </a:schemeClr>
+    </dgm:linClrLst>
+    <dgm:effectClrLst/>
+    <dgm:txLinClrLst/>
+    <dgm:txFillClrLst meth="repeat">
+      <a:schemeClr val="dk1"/>
+    </dgm:txFillClrLst>
+    <dgm:txEffectClrLst/>
+  </dgm:styleLbl>
+  <dgm:styleLbl name="fgAcc3">
+    <dgm:fillClrLst meth="repeat">
+      <a:schemeClr val="lt1">
+        <a:alpha val="90000"/>
+      </a:schemeClr>
+    </dgm:fillClrLst>
+    <dgm:linClrLst meth="repeat">
+      <a:schemeClr val="accent6">
+        <a:tint val="70000"/>
+      </a:schemeClr>
+    </dgm:linClrLst>
+    <dgm:effectClrLst/>
+    <dgm:txLinClrLst/>
+    <dgm:txFillClrLst meth="repeat">
+      <a:schemeClr val="dk1"/>
+    </dgm:txFillClrLst>
+    <dgm:txEffectClrLst/>
+  </dgm:styleLbl>
+  <dgm:styleLbl name="fgAcc4">
+    <dgm:fillClrLst meth="repeat">
+      <a:schemeClr val="lt1">
+        <a:alpha val="90000"/>
+      </a:schemeClr>
+    </dgm:fillClrLst>
+    <dgm:linClrLst meth="repeat">
+      <a:schemeClr val="accent6">
+        <a:tint val="50000"/>
+      </a:schemeClr>
+    </dgm:linClrLst>
+    <dgm:effectClrLst/>
+    <dgm:txLinClrLst/>
+    <dgm:txFillClrLst meth="repeat">
+      <a:schemeClr val="dk1"/>
+    </dgm:txFillClrLst>
+    <dgm:txEffectClrLst/>
+  </dgm:styleLbl>
+  <dgm:styleLbl name="bgShp">
+    <dgm:fillClrLst meth="repeat">
+      <a:schemeClr val="accent6">
+        <a:tint val="55000"/>
+      </a:schemeClr>
+    </dgm:fillClrLst>
+    <dgm:linClrLst meth="repeat">
+      <a:schemeClr val="dk1"/>
+    </dgm:linClrLst>
+    <dgm:effectClrLst/>
+    <dgm:txLinClrLst/>
+    <dgm:txFillClrLst meth="repeat">
+      <a:schemeClr val="dk1"/>
+    </dgm:txFillClrLst>
+    <dgm:txEffectClrLst/>
+  </dgm:styleLbl>
+  <dgm:styleLbl name="dkBgShp">
+    <dgm:fillClrLst meth="repeat">
+      <a:schemeClr val="accent6">
+        <a:shade val="90000"/>
+      </a:schemeClr>
+    </dgm:fillClrLst>
+    <dgm:linClrLst meth="repeat">
+      <a:schemeClr val="dk1"/>
+    </dgm:linClrLst>
+    <dgm:effectClrLst/>
+    <dgm:txLinClrLst/>
+    <dgm:txFillClrLst meth="repeat">
+      <a:schemeClr val="lt1"/>
+    </dgm:txFillClrLst>
+    <dgm:txEffectClrLst/>
+  </dgm:styleLbl>
+  <dgm:styleLbl name="trBgShp">
+    <dgm:fillClrLst meth="repeat">
+      <a:schemeClr val="accent6">
+        <a:tint val="50000"/>
+        <a:alpha val="55000"/>
+      </a:schemeClr>
+    </dgm:fillClrLst>
+    <dgm:linClrLst meth="repeat">
+      <a:schemeClr val="accent6"/>
+    </dgm:linClrLst>
+    <dgm:effectClrLst/>
+    <dgm:txLinClrLst/>
+    <dgm:txFillClrLst meth="repeat">
+      <a:schemeClr val="lt1"/>
+    </dgm:txFillClrLst>
+    <dgm:txEffectClrLst/>
+  </dgm:styleLbl>
+  <dgm:styleLbl name="fgShp">
+    <dgm:fillClrLst meth="repeat">
+      <a:schemeClr val="accent6">
+        <a:tint val="55000"/>
+      </a:schemeClr>
+    </dgm:fillClrLst>
+    <dgm:linClrLst meth="repeat">
+      <a:schemeClr val="lt1"/>
+    </dgm:linClrLst>
+    <dgm:effectClrLst/>
+    <dgm:txLinClrLst/>
+    <dgm:txFillClrLst meth="repeat">
+      <a:schemeClr val="dk1"/>
+    </dgm:txFillClrLst>
+    <dgm:txEffectClrLst/>
+  </dgm:styleLbl>
+  <dgm:styleLbl name="revTx">
+    <dgm:fillClrLst meth="repeat">
+      <a:schemeClr val="lt1">
+        <a:alpha val="0"/>
+      </a:schemeClr>
+    </dgm:fillClrLst>
+    <dgm:linClrLst meth="repeat">
+      <a:schemeClr val="dk1">
+        <a:alpha val="0"/>
+      </a:schemeClr>
+    </dgm:linClrLst>
+    <dgm:effectClrLst/>
+    <dgm:txLinClrLst/>
+    <dgm:txFillClrLst meth="repeat">
+      <a:schemeClr val="tx1"/>
+    </dgm:txFillClrLst>
+    <dgm:txEffectClrLst/>
+  </dgm:styleLbl>
+</dgm:colorsDef>
+</file>
+
 <file path=ppt/diagrams/colors2.xml><?xml version="1.0" encoding="utf-8"?>
 <dgm:colorsDef xmlns:dgm="http://schemas.openxmlformats.org/drawingml/2006/diagram" xmlns:a="http://schemas.openxmlformats.org/drawingml/2006/main" uniqueId="urn:microsoft.com/office/officeart/2005/8/colors/accent6_4">
   <dgm:title val=""/>
@@ -12657,20 +14397,14 @@
         <a:lstStyle/>
         <a:p>
           <a:r>
-            <a:rPr lang="de-DE" b="1" dirty="0">
+            <a:rPr lang="de-DE" dirty="0">
               <a:solidFill>
                 <a:schemeClr val="bg1"/>
               </a:solidFill>
               <a:latin typeface="Corbel Light" panose="020B0303020204020204" pitchFamily="34" charset="0"/>
             </a:rPr>
-            <a:t>Live-Demo bzw. Video-Tutorial</a:t>
+            <a:t>Schwerpunkte der Implementierung</a:t>
           </a:r>
-          <a:endParaRPr lang="de-DE" dirty="0">
-            <a:solidFill>
-              <a:schemeClr val="bg1"/>
-            </a:solidFill>
-            <a:latin typeface="Corbel Light" panose="020B0303020204020204" pitchFamily="34" charset="0"/>
-          </a:endParaRPr>
         </a:p>
       </dgm:t>
     </dgm:pt>
@@ -12737,6 +14471,94 @@
 </file>
 
 <file path=ppt/diagrams/data11.xml><?xml version="1.0" encoding="utf-8"?>
+<dgm:dataModel xmlns:dgm="http://schemas.openxmlformats.org/drawingml/2006/diagram" xmlns:a="http://schemas.openxmlformats.org/drawingml/2006/main">
+  <dgm:ptLst>
+    <dgm:pt modelId="{674503E8-1AC7-41ED-8605-5E819E9C237D}" type="doc">
+      <dgm:prSet loTypeId="urn:microsoft.com/office/officeart/2005/8/layout/chevron1" loCatId="process" qsTypeId="urn:microsoft.com/office/officeart/2005/8/quickstyle/simple2" qsCatId="simple" csTypeId="urn:microsoft.com/office/officeart/2005/8/colors/accent6_4" csCatId="accent6" phldr="1"/>
+      <dgm:spPr/>
+    </dgm:pt>
+    <dgm:pt modelId="{5033FB32-F740-4C19-B504-0647C1F53E48}">
+      <dgm:prSet phldrT="[Text]"/>
+      <dgm:spPr/>
+      <dgm:t>
+        <a:bodyPr/>
+        <a:lstStyle/>
+        <a:p>
+          <a:r>
+            <a:rPr lang="de-DE" dirty="0">
+              <a:solidFill>
+                <a:schemeClr val="bg1"/>
+              </a:solidFill>
+              <a:latin typeface="Corbel Light" panose="020B0303020204020204" pitchFamily="34" charset="0"/>
+            </a:rPr>
+            <a:t>Schwerpunkte der Implementierung</a:t>
+          </a:r>
+        </a:p>
+      </dgm:t>
+    </dgm:pt>
+    <dgm:pt modelId="{4F5440BC-E4ED-41F4-BCBC-91A4379FE628}" type="parTrans" cxnId="{A9C04542-76A5-484F-BDC6-8684DE3831C0}">
+      <dgm:prSet/>
+      <dgm:spPr/>
+      <dgm:t>
+        <a:bodyPr/>
+        <a:lstStyle/>
+        <a:p>
+          <a:endParaRPr lang="de-DE"/>
+        </a:p>
+      </dgm:t>
+    </dgm:pt>
+    <dgm:pt modelId="{0F72E487-3666-4627-B648-0F027167834A}" type="sibTrans" cxnId="{A9C04542-76A5-484F-BDC6-8684DE3831C0}">
+      <dgm:prSet/>
+      <dgm:spPr/>
+      <dgm:t>
+        <a:bodyPr/>
+        <a:lstStyle/>
+        <a:p>
+          <a:endParaRPr lang="de-DE"/>
+        </a:p>
+      </dgm:t>
+    </dgm:pt>
+    <dgm:pt modelId="{B2AC34C9-27F4-4A43-B9E6-31AAF7FDE0CB}" type="pres">
+      <dgm:prSet presAssocID="{674503E8-1AC7-41ED-8605-5E819E9C237D}" presName="Name0" presStyleCnt="0">
+        <dgm:presLayoutVars>
+          <dgm:dir/>
+          <dgm:animLvl val="lvl"/>
+          <dgm:resizeHandles val="exact"/>
+        </dgm:presLayoutVars>
+      </dgm:prSet>
+      <dgm:spPr/>
+    </dgm:pt>
+    <dgm:pt modelId="{3EB30996-91B3-4239-BF37-88E3C555BC52}" type="pres">
+      <dgm:prSet presAssocID="{5033FB32-F740-4C19-B504-0647C1F53E48}" presName="parTxOnly" presStyleLbl="node1" presStyleIdx="0" presStyleCnt="1">
+        <dgm:presLayoutVars>
+          <dgm:chMax val="0"/>
+          <dgm:chPref val="0"/>
+          <dgm:bulletEnabled val="1"/>
+        </dgm:presLayoutVars>
+      </dgm:prSet>
+      <dgm:spPr/>
+    </dgm:pt>
+  </dgm:ptLst>
+  <dgm:cxnLst>
+    <dgm:cxn modelId="{6D139A0C-1C5F-462F-941A-E83A5038A582}" type="presOf" srcId="{5033FB32-F740-4C19-B504-0647C1F53E48}" destId="{3EB30996-91B3-4239-BF37-88E3C555BC52}" srcOrd="0" destOrd="0" presId="urn:microsoft.com/office/officeart/2005/8/layout/chevron1"/>
+    <dgm:cxn modelId="{A9C04542-76A5-484F-BDC6-8684DE3831C0}" srcId="{674503E8-1AC7-41ED-8605-5E819E9C237D}" destId="{5033FB32-F740-4C19-B504-0647C1F53E48}" srcOrd="0" destOrd="0" parTransId="{4F5440BC-E4ED-41F4-BCBC-91A4379FE628}" sibTransId="{0F72E487-3666-4627-B648-0F027167834A}"/>
+    <dgm:cxn modelId="{3EFB67F2-B4EB-4EFE-964A-8AF193349332}" type="presOf" srcId="{674503E8-1AC7-41ED-8605-5E819E9C237D}" destId="{B2AC34C9-27F4-4A43-B9E6-31AAF7FDE0CB}" srcOrd="0" destOrd="0" presId="urn:microsoft.com/office/officeart/2005/8/layout/chevron1"/>
+    <dgm:cxn modelId="{E75CA34E-81F5-42E1-938A-72E2F0999817}" type="presParOf" srcId="{B2AC34C9-27F4-4A43-B9E6-31AAF7FDE0CB}" destId="{3EB30996-91B3-4239-BF37-88E3C555BC52}" srcOrd="0" destOrd="0" presId="urn:microsoft.com/office/officeart/2005/8/layout/chevron1"/>
+  </dgm:cxnLst>
+  <dgm:bg/>
+  <dgm:whole/>
+  <dgm:extLst>
+    <a:ext uri="http://schemas.microsoft.com/office/drawing/2008/diagram">
+      <dsp:dataModelExt xmlns:dsp="http://schemas.microsoft.com/office/drawing/2008/diagram" relId="rId8" minVer="http://schemas.openxmlformats.org/drawingml/2006/diagram"/>
+    </a:ext>
+    <a:ext uri="{C62137D5-CB1D-491B-B009-E17868A290BF}">
+      <dgm14:recolorImg xmlns:dgm14="http://schemas.microsoft.com/office/drawing/2010/diagram" val="1"/>
+    </a:ext>
+  </dgm:extLst>
+</dgm:dataModel>
+</file>
+
+<file path=ppt/diagrams/data12.xml><?xml version="1.0" encoding="utf-8"?>
 <dgm:dataModel xmlns:dgm="http://schemas.openxmlformats.org/drawingml/2006/diagram" xmlns:a="http://schemas.openxmlformats.org/drawingml/2006/main">
   <dgm:ptLst>
     <dgm:pt modelId="{674503E8-1AC7-41ED-8605-5E819E9C237D}" type="doc">
@@ -12830,7 +14652,101 @@
 </dgm:dataModel>
 </file>
 
-<file path=ppt/diagrams/data12.xml><?xml version="1.0" encoding="utf-8"?>
+<file path=ppt/diagrams/data13.xml><?xml version="1.0" encoding="utf-8"?>
+<dgm:dataModel xmlns:dgm="http://schemas.openxmlformats.org/drawingml/2006/diagram" xmlns:a="http://schemas.openxmlformats.org/drawingml/2006/main">
+  <dgm:ptLst>
+    <dgm:pt modelId="{674503E8-1AC7-41ED-8605-5E819E9C237D}" type="doc">
+      <dgm:prSet loTypeId="urn:microsoft.com/office/officeart/2005/8/layout/chevron1" loCatId="process" qsTypeId="urn:microsoft.com/office/officeart/2005/8/quickstyle/simple2" qsCatId="simple" csTypeId="urn:microsoft.com/office/officeart/2005/8/colors/accent6_4" csCatId="accent6" phldr="1"/>
+      <dgm:spPr/>
+    </dgm:pt>
+    <dgm:pt modelId="{5033FB32-F740-4C19-B504-0647C1F53E48}">
+      <dgm:prSet phldrT="[Text]"/>
+      <dgm:spPr/>
+      <dgm:t>
+        <a:bodyPr/>
+        <a:lstStyle/>
+        <a:p>
+          <a:r>
+            <a:rPr lang="de-DE" b="1" dirty="0">
+              <a:solidFill>
+                <a:schemeClr val="bg1"/>
+              </a:solidFill>
+              <a:latin typeface="Corbel Light" panose="020B0303020204020204" pitchFamily="34" charset="0"/>
+            </a:rPr>
+            <a:t>Live-Demo bzw. Video-Tutorial</a:t>
+          </a:r>
+          <a:endParaRPr lang="de-DE" dirty="0">
+            <a:solidFill>
+              <a:schemeClr val="bg1"/>
+            </a:solidFill>
+            <a:latin typeface="Corbel Light" panose="020B0303020204020204" pitchFamily="34" charset="0"/>
+          </a:endParaRPr>
+        </a:p>
+      </dgm:t>
+    </dgm:pt>
+    <dgm:pt modelId="{4F5440BC-E4ED-41F4-BCBC-91A4379FE628}" type="parTrans" cxnId="{A9C04542-76A5-484F-BDC6-8684DE3831C0}">
+      <dgm:prSet/>
+      <dgm:spPr/>
+      <dgm:t>
+        <a:bodyPr/>
+        <a:lstStyle/>
+        <a:p>
+          <a:endParaRPr lang="de-DE"/>
+        </a:p>
+      </dgm:t>
+    </dgm:pt>
+    <dgm:pt modelId="{0F72E487-3666-4627-B648-0F027167834A}" type="sibTrans" cxnId="{A9C04542-76A5-484F-BDC6-8684DE3831C0}">
+      <dgm:prSet/>
+      <dgm:spPr/>
+      <dgm:t>
+        <a:bodyPr/>
+        <a:lstStyle/>
+        <a:p>
+          <a:endParaRPr lang="de-DE"/>
+        </a:p>
+      </dgm:t>
+    </dgm:pt>
+    <dgm:pt modelId="{B2AC34C9-27F4-4A43-B9E6-31AAF7FDE0CB}" type="pres">
+      <dgm:prSet presAssocID="{674503E8-1AC7-41ED-8605-5E819E9C237D}" presName="Name0" presStyleCnt="0">
+        <dgm:presLayoutVars>
+          <dgm:dir/>
+          <dgm:animLvl val="lvl"/>
+          <dgm:resizeHandles val="exact"/>
+        </dgm:presLayoutVars>
+      </dgm:prSet>
+      <dgm:spPr/>
+    </dgm:pt>
+    <dgm:pt modelId="{3EB30996-91B3-4239-BF37-88E3C555BC52}" type="pres">
+      <dgm:prSet presAssocID="{5033FB32-F740-4C19-B504-0647C1F53E48}" presName="parTxOnly" presStyleLbl="node1" presStyleIdx="0" presStyleCnt="1">
+        <dgm:presLayoutVars>
+          <dgm:chMax val="0"/>
+          <dgm:chPref val="0"/>
+          <dgm:bulletEnabled val="1"/>
+        </dgm:presLayoutVars>
+      </dgm:prSet>
+      <dgm:spPr/>
+    </dgm:pt>
+  </dgm:ptLst>
+  <dgm:cxnLst>
+    <dgm:cxn modelId="{6D139A0C-1C5F-462F-941A-E83A5038A582}" type="presOf" srcId="{5033FB32-F740-4C19-B504-0647C1F53E48}" destId="{3EB30996-91B3-4239-BF37-88E3C555BC52}" srcOrd="0" destOrd="0" presId="urn:microsoft.com/office/officeart/2005/8/layout/chevron1"/>
+    <dgm:cxn modelId="{A9C04542-76A5-484F-BDC6-8684DE3831C0}" srcId="{674503E8-1AC7-41ED-8605-5E819E9C237D}" destId="{5033FB32-F740-4C19-B504-0647C1F53E48}" srcOrd="0" destOrd="0" parTransId="{4F5440BC-E4ED-41F4-BCBC-91A4379FE628}" sibTransId="{0F72E487-3666-4627-B648-0F027167834A}"/>
+    <dgm:cxn modelId="{3EFB67F2-B4EB-4EFE-964A-8AF193349332}" type="presOf" srcId="{674503E8-1AC7-41ED-8605-5E819E9C237D}" destId="{B2AC34C9-27F4-4A43-B9E6-31AAF7FDE0CB}" srcOrd="0" destOrd="0" presId="urn:microsoft.com/office/officeart/2005/8/layout/chevron1"/>
+    <dgm:cxn modelId="{E75CA34E-81F5-42E1-938A-72E2F0999817}" type="presParOf" srcId="{B2AC34C9-27F4-4A43-B9E6-31AAF7FDE0CB}" destId="{3EB30996-91B3-4239-BF37-88E3C555BC52}" srcOrd="0" destOrd="0" presId="urn:microsoft.com/office/officeart/2005/8/layout/chevron1"/>
+  </dgm:cxnLst>
+  <dgm:bg/>
+  <dgm:whole/>
+  <dgm:extLst>
+    <a:ext uri="http://schemas.microsoft.com/office/drawing/2008/diagram">
+      <dsp:dataModelExt xmlns:dsp="http://schemas.microsoft.com/office/drawing/2008/diagram" relId="rId8" minVer="http://schemas.openxmlformats.org/drawingml/2006/diagram"/>
+    </a:ext>
+    <a:ext uri="{C62137D5-CB1D-491B-B009-E17868A290BF}">
+      <dgm14:recolorImg xmlns:dgm14="http://schemas.microsoft.com/office/drawing/2010/diagram" val="1"/>
+    </a:ext>
+  </dgm:extLst>
+</dgm:dataModel>
+</file>
+
+<file path=ppt/diagrams/data14.xml><?xml version="1.0" encoding="utf-8"?>
 <dgm:dataModel xmlns:dgm="http://schemas.openxmlformats.org/drawingml/2006/diagram" xmlns:a="http://schemas.openxmlformats.org/drawingml/2006/main">
   <dgm:ptLst>
     <dgm:pt modelId="{674503E8-1AC7-41ED-8605-5E819E9C237D}" type="doc">
@@ -12942,7 +14858,7 @@
 </dgm:dataModel>
 </file>
 
-<file path=ppt/diagrams/data13.xml><?xml version="1.0" encoding="utf-8"?>
+<file path=ppt/diagrams/data15.xml><?xml version="1.0" encoding="utf-8"?>
 <dgm:dataModel xmlns:dgm="http://schemas.openxmlformats.org/drawingml/2006/diagram" xmlns:a="http://schemas.openxmlformats.org/drawingml/2006/main">
   <dgm:ptLst>
     <dgm:pt modelId="{674503E8-1AC7-41ED-8605-5E819E9C237D}" type="doc">
@@ -13030,7 +14946,7 @@
 </dgm:dataModel>
 </file>
 
-<file path=ppt/diagrams/data14.xml><?xml version="1.0" encoding="utf-8"?>
+<file path=ppt/diagrams/data16.xml><?xml version="1.0" encoding="utf-8"?>
 <dgm:dataModel xmlns:dgm="http://schemas.openxmlformats.org/drawingml/2006/diagram" xmlns:a="http://schemas.openxmlformats.org/drawingml/2006/main">
   <dgm:ptLst>
     <dgm:pt modelId="{674503E8-1AC7-41ED-8605-5E819E9C237D}" type="doc">
@@ -14126,20 +16042,14 @@
             <a:buNone/>
           </a:pPr>
           <a:r>
-            <a:rPr lang="de-DE" sz="1900" b="1" kern="1200" dirty="0">
+            <a:rPr lang="de-DE" sz="1900" kern="1200" dirty="0">
               <a:solidFill>
                 <a:schemeClr val="bg1"/>
               </a:solidFill>
               <a:latin typeface="Corbel Light" panose="020B0303020204020204" pitchFamily="34" charset="0"/>
             </a:rPr>
-            <a:t>Live-Demo bzw. Video-Tutorial</a:t>
+            <a:t>Schwerpunkte der Implementierung</a:t>
           </a:r>
-          <a:endParaRPr lang="de-DE" sz="1900" kern="1200" dirty="0">
-            <a:solidFill>
-              <a:schemeClr val="bg1"/>
-            </a:solidFill>
-            <a:latin typeface="Corbel Light" panose="020B0303020204020204" pitchFamily="34" charset="0"/>
-          </a:endParaRPr>
         </a:p>
       </dsp:txBody>
       <dsp:txXfrm>
@@ -14152,6 +16062,102 @@
 </file>
 
 <file path=ppt/diagrams/drawing11.xml><?xml version="1.0" encoding="utf-8"?>
+<dsp:drawing xmlns:dgm="http://schemas.openxmlformats.org/drawingml/2006/diagram" xmlns:dsp="http://schemas.microsoft.com/office/drawing/2008/diagram" xmlns:a="http://schemas.openxmlformats.org/drawingml/2006/main">
+  <dsp:spTree>
+    <dsp:nvGrpSpPr>
+      <dsp:cNvPr id="0" name=""/>
+      <dsp:cNvGrpSpPr/>
+    </dsp:nvGrpSpPr>
+    <dsp:grpSpPr/>
+    <dsp:sp modelId="{3EB30996-91B3-4239-BF37-88E3C555BC52}">
+      <dsp:nvSpPr>
+        <dsp:cNvPr id="0" name=""/>
+        <dsp:cNvSpPr/>
+      </dsp:nvSpPr>
+      <dsp:spPr>
+        <a:xfrm>
+          <a:off x="4737" y="0"/>
+          <a:ext cx="9693565" cy="324000"/>
+        </a:xfrm>
+        <a:prstGeom prst="chevron">
+          <a:avLst/>
+        </a:prstGeom>
+        <a:solidFill>
+          <a:schemeClr val="accent6">
+            <a:shade val="50000"/>
+            <a:hueOff val="0"/>
+            <a:satOff val="0"/>
+            <a:lumOff val="0"/>
+            <a:alphaOff val="0"/>
+          </a:schemeClr>
+        </a:solidFill>
+        <a:ln w="19050" cap="flat" cmpd="sng" algn="ctr">
+          <a:solidFill>
+            <a:schemeClr val="lt1">
+              <a:hueOff val="0"/>
+              <a:satOff val="0"/>
+              <a:lumOff val="0"/>
+              <a:alphaOff val="0"/>
+            </a:schemeClr>
+          </a:solidFill>
+          <a:prstDash val="solid"/>
+          <a:miter lim="800000"/>
+        </a:ln>
+        <a:effectLst/>
+      </dsp:spPr>
+      <dsp:style>
+        <a:lnRef idx="3">
+          <a:scrgbClr r="0" g="0" b="0"/>
+        </a:lnRef>
+        <a:fillRef idx="1">
+          <a:scrgbClr r="0" g="0" b="0"/>
+        </a:fillRef>
+        <a:effectRef idx="1">
+          <a:scrgbClr r="0" g="0" b="0"/>
+        </a:effectRef>
+        <a:fontRef idx="minor">
+          <a:schemeClr val="lt1"/>
+        </a:fontRef>
+      </dsp:style>
+      <dsp:txBody>
+        <a:bodyPr spcFirstLastPara="0" vert="horz" wrap="square" lIns="76010" tIns="25337" rIns="25337" bIns="25337" numCol="1" spcCol="1270" anchor="ctr" anchorCtr="0">
+          <a:noAutofit/>
+        </a:bodyPr>
+        <a:lstStyle/>
+        <a:p>
+          <a:pPr marL="0" lvl="0" indent="0" algn="ctr" defTabSz="844550">
+            <a:lnSpc>
+              <a:spcPct val="90000"/>
+            </a:lnSpc>
+            <a:spcBef>
+              <a:spcPct val="0"/>
+            </a:spcBef>
+            <a:spcAft>
+              <a:spcPct val="35000"/>
+            </a:spcAft>
+            <a:buNone/>
+          </a:pPr>
+          <a:r>
+            <a:rPr lang="de-DE" sz="1900" kern="1200" dirty="0">
+              <a:solidFill>
+                <a:schemeClr val="bg1"/>
+              </a:solidFill>
+              <a:latin typeface="Corbel Light" panose="020B0303020204020204" pitchFamily="34" charset="0"/>
+            </a:rPr>
+            <a:t>Schwerpunkte der Implementierung</a:t>
+          </a:r>
+        </a:p>
+      </dsp:txBody>
+      <dsp:txXfrm>
+        <a:off x="166737" y="0"/>
+        <a:ext cx="9369565" cy="324000"/>
+      </dsp:txXfrm>
+    </dsp:sp>
+  </dsp:spTree>
+</dsp:drawing>
+</file>
+
+<file path=ppt/diagrams/drawing12.xml><?xml version="1.0" encoding="utf-8"?>
 <dsp:drawing xmlns:dgm="http://schemas.openxmlformats.org/drawingml/2006/diagram" xmlns:dsp="http://schemas.microsoft.com/office/drawing/2008/diagram" xmlns:a="http://schemas.openxmlformats.org/drawingml/2006/main">
   <dsp:spTree>
     <dsp:nvGrpSpPr>
@@ -14253,7 +16259,109 @@
 </dsp:drawing>
 </file>
 
-<file path=ppt/diagrams/drawing12.xml><?xml version="1.0" encoding="utf-8"?>
+<file path=ppt/diagrams/drawing13.xml><?xml version="1.0" encoding="utf-8"?>
+<dsp:drawing xmlns:dgm="http://schemas.openxmlformats.org/drawingml/2006/diagram" xmlns:dsp="http://schemas.microsoft.com/office/drawing/2008/diagram" xmlns:a="http://schemas.openxmlformats.org/drawingml/2006/main">
+  <dsp:spTree>
+    <dsp:nvGrpSpPr>
+      <dsp:cNvPr id="0" name=""/>
+      <dsp:cNvGrpSpPr/>
+    </dsp:nvGrpSpPr>
+    <dsp:grpSpPr/>
+    <dsp:sp modelId="{3EB30996-91B3-4239-BF37-88E3C555BC52}">
+      <dsp:nvSpPr>
+        <dsp:cNvPr id="0" name=""/>
+        <dsp:cNvSpPr/>
+      </dsp:nvSpPr>
+      <dsp:spPr>
+        <a:xfrm>
+          <a:off x="4737" y="0"/>
+          <a:ext cx="9693565" cy="324000"/>
+        </a:xfrm>
+        <a:prstGeom prst="chevron">
+          <a:avLst/>
+        </a:prstGeom>
+        <a:solidFill>
+          <a:schemeClr val="accent6">
+            <a:shade val="50000"/>
+            <a:hueOff val="0"/>
+            <a:satOff val="0"/>
+            <a:lumOff val="0"/>
+            <a:alphaOff val="0"/>
+          </a:schemeClr>
+        </a:solidFill>
+        <a:ln w="19050" cap="flat" cmpd="sng" algn="ctr">
+          <a:solidFill>
+            <a:schemeClr val="lt1">
+              <a:hueOff val="0"/>
+              <a:satOff val="0"/>
+              <a:lumOff val="0"/>
+              <a:alphaOff val="0"/>
+            </a:schemeClr>
+          </a:solidFill>
+          <a:prstDash val="solid"/>
+          <a:miter lim="800000"/>
+        </a:ln>
+        <a:effectLst/>
+      </dsp:spPr>
+      <dsp:style>
+        <a:lnRef idx="3">
+          <a:scrgbClr r="0" g="0" b="0"/>
+        </a:lnRef>
+        <a:fillRef idx="1">
+          <a:scrgbClr r="0" g="0" b="0"/>
+        </a:fillRef>
+        <a:effectRef idx="1">
+          <a:scrgbClr r="0" g="0" b="0"/>
+        </a:effectRef>
+        <a:fontRef idx="minor">
+          <a:schemeClr val="lt1"/>
+        </a:fontRef>
+      </dsp:style>
+      <dsp:txBody>
+        <a:bodyPr spcFirstLastPara="0" vert="horz" wrap="square" lIns="76010" tIns="25337" rIns="25337" bIns="25337" numCol="1" spcCol="1270" anchor="ctr" anchorCtr="0">
+          <a:noAutofit/>
+        </a:bodyPr>
+        <a:lstStyle/>
+        <a:p>
+          <a:pPr marL="0" lvl="0" indent="0" algn="ctr" defTabSz="844550">
+            <a:lnSpc>
+              <a:spcPct val="90000"/>
+            </a:lnSpc>
+            <a:spcBef>
+              <a:spcPct val="0"/>
+            </a:spcBef>
+            <a:spcAft>
+              <a:spcPct val="35000"/>
+            </a:spcAft>
+            <a:buNone/>
+          </a:pPr>
+          <a:r>
+            <a:rPr lang="de-DE" sz="1900" b="1" kern="1200" dirty="0">
+              <a:solidFill>
+                <a:schemeClr val="bg1"/>
+              </a:solidFill>
+              <a:latin typeface="Corbel Light" panose="020B0303020204020204" pitchFamily="34" charset="0"/>
+            </a:rPr>
+            <a:t>Live-Demo bzw. Video-Tutorial</a:t>
+          </a:r>
+          <a:endParaRPr lang="de-DE" sz="1900" kern="1200" dirty="0">
+            <a:solidFill>
+              <a:schemeClr val="bg1"/>
+            </a:solidFill>
+            <a:latin typeface="Corbel Light" panose="020B0303020204020204" pitchFamily="34" charset="0"/>
+          </a:endParaRPr>
+        </a:p>
+      </dsp:txBody>
+      <dsp:txXfrm>
+        <a:off x="166737" y="0"/>
+        <a:ext cx="9369565" cy="324000"/>
+      </dsp:txXfrm>
+    </dsp:sp>
+  </dsp:spTree>
+</dsp:drawing>
+</file>
+
+<file path=ppt/diagrams/drawing14.xml><?xml version="1.0" encoding="utf-8"?>
 <dsp:drawing xmlns:dgm="http://schemas.openxmlformats.org/drawingml/2006/diagram" xmlns:dsp="http://schemas.microsoft.com/office/drawing/2008/diagram" xmlns:a="http://schemas.openxmlformats.org/drawingml/2006/main">
   <dsp:spTree>
     <dsp:nvGrpSpPr>
@@ -14373,7 +16481,7 @@
 </dsp:drawing>
 </file>
 
-<file path=ppt/diagrams/drawing13.xml><?xml version="1.0" encoding="utf-8"?>
+<file path=ppt/diagrams/drawing15.xml><?xml version="1.0" encoding="utf-8"?>
 <dsp:drawing xmlns:dgm="http://schemas.openxmlformats.org/drawingml/2006/diagram" xmlns:dsp="http://schemas.microsoft.com/office/drawing/2008/diagram" xmlns:a="http://schemas.openxmlformats.org/drawingml/2006/main">
   <dsp:spTree>
     <dsp:nvGrpSpPr>
@@ -14469,7 +16577,7 @@
 </dsp:drawing>
 </file>
 
-<file path=ppt/diagrams/drawing14.xml><?xml version="1.0" encoding="utf-8"?>
+<file path=ppt/diagrams/drawing16.xml><?xml version="1.0" encoding="utf-8"?>
 <dsp:drawing xmlns:dgm="http://schemas.openxmlformats.org/drawingml/2006/diagram" xmlns:dsp="http://schemas.microsoft.com/office/drawing/2008/diagram" xmlns:a="http://schemas.openxmlformats.org/drawingml/2006/main">
   <dsp:spTree>
     <dsp:nvGrpSpPr>
@@ -17172,6 +19280,572 @@
 </dgm:layoutDef>
 </file>
 
+<file path=ppt/diagrams/layout15.xml><?xml version="1.0" encoding="utf-8"?>
+<dgm:layoutDef xmlns:dgm="http://schemas.openxmlformats.org/drawingml/2006/diagram" xmlns:a="http://schemas.openxmlformats.org/drawingml/2006/main" uniqueId="urn:microsoft.com/office/officeart/2005/8/layout/chevron1">
+  <dgm:title val=""/>
+  <dgm:desc val=""/>
+  <dgm:catLst>
+    <dgm:cat type="process" pri="9000"/>
+  </dgm:catLst>
+  <dgm:sampData useDef="1">
+    <dgm:dataModel>
+      <dgm:ptLst/>
+      <dgm:bg/>
+      <dgm:whole/>
+    </dgm:dataModel>
+  </dgm:sampData>
+  <dgm:styleData>
+    <dgm:dataModel>
+      <dgm:ptLst>
+        <dgm:pt modelId="0" type="doc"/>
+        <dgm:pt modelId="1"/>
+        <dgm:pt modelId="2"/>
+      </dgm:ptLst>
+      <dgm:cxnLst>
+        <dgm:cxn modelId="3" srcId="0" destId="1" srcOrd="0" destOrd="0"/>
+        <dgm:cxn modelId="4" srcId="0" destId="2" srcOrd="1" destOrd="0"/>
+      </dgm:cxnLst>
+      <dgm:bg/>
+      <dgm:whole/>
+    </dgm:dataModel>
+  </dgm:styleData>
+  <dgm:clrData>
+    <dgm:dataModel>
+      <dgm:ptLst>
+        <dgm:pt modelId="0" type="doc"/>
+        <dgm:pt modelId="1"/>
+        <dgm:pt modelId="2"/>
+        <dgm:pt modelId="3"/>
+        <dgm:pt modelId="4"/>
+      </dgm:ptLst>
+      <dgm:cxnLst>
+        <dgm:cxn modelId="5" srcId="0" destId="1" srcOrd="0" destOrd="0"/>
+        <dgm:cxn modelId="6" srcId="0" destId="2" srcOrd="1" destOrd="0"/>
+        <dgm:cxn modelId="7" srcId="0" destId="3" srcOrd="2" destOrd="0"/>
+        <dgm:cxn modelId="8" srcId="0" destId="4" srcOrd="3" destOrd="0"/>
+      </dgm:cxnLst>
+      <dgm:bg/>
+      <dgm:whole/>
+    </dgm:dataModel>
+  </dgm:clrData>
+  <dgm:layoutNode name="Name0">
+    <dgm:varLst>
+      <dgm:dir/>
+      <dgm:animLvl val="lvl"/>
+      <dgm:resizeHandles val="exact"/>
+    </dgm:varLst>
+    <dgm:choose name="Name1">
+      <dgm:if name="Name2" func="var" arg="dir" op="equ" val="norm">
+        <dgm:alg type="lin"/>
+      </dgm:if>
+      <dgm:else name="Name3">
+        <dgm:alg type="lin">
+          <dgm:param type="linDir" val="fromR"/>
+        </dgm:alg>
+      </dgm:else>
+    </dgm:choose>
+    <dgm:shape xmlns:r="http://schemas.openxmlformats.org/officeDocument/2006/relationships" r:blip="">
+      <dgm:adjLst/>
+    </dgm:shape>
+    <dgm:presOf/>
+    <dgm:choose name="Name4">
+      <dgm:if name="Name5" axis="des" func="maxDepth" op="gte" val="2">
+        <dgm:constrLst>
+          <dgm:constr type="h" for="ch" forName="composite" refType="h"/>
+          <dgm:constr type="w" for="ch" forName="composite" refType="w"/>
+          <dgm:constr type="w" for="des" forName="parTx"/>
+          <dgm:constr type="h" for="des" forName="parTx" op="equ"/>
+          <dgm:constr type="w" for="des" forName="desTx"/>
+          <dgm:constr type="h" for="des" forName="desTx" op="equ"/>
+          <dgm:constr type="primFontSz" for="des" forName="parTx" val="65"/>
+          <dgm:constr type="secFontSz" for="des" forName="desTx" refType="primFontSz" refFor="des" refForName="parTx" op="equ"/>
+          <dgm:constr type="h" for="des" forName="parTx" refType="primFontSz" refFor="des" refForName="parTx" fact="1.5"/>
+          <dgm:constr type="h" for="des" forName="desTx" refType="primFontSz" refFor="des" refForName="parTx" fact="0.5"/>
+          <dgm:constr type="w" for="ch" forName="space" op="equ" val="-6"/>
+        </dgm:constrLst>
+        <dgm:ruleLst>
+          <dgm:rule type="w" for="ch" forName="composite" val="0" fact="NaN" max="NaN"/>
+          <dgm:rule type="primFontSz" for="des" forName="parTx" val="5" fact="NaN" max="NaN"/>
+        </dgm:ruleLst>
+        <dgm:forEach name="Name6" axis="ch" ptType="node">
+          <dgm:layoutNode name="composite">
+            <dgm:alg type="composite"/>
+            <dgm:shape xmlns:r="http://schemas.openxmlformats.org/officeDocument/2006/relationships" r:blip="">
+              <dgm:adjLst/>
+            </dgm:shape>
+            <dgm:presOf/>
+            <dgm:choose name="Name7">
+              <dgm:if name="Name8" func="var" arg="dir" op="equ" val="norm">
+                <dgm:constrLst>
+                  <dgm:constr type="l" for="ch" forName="parTx"/>
+                  <dgm:constr type="w" for="ch" forName="parTx" refType="w"/>
+                  <dgm:constr type="t" for="ch" forName="parTx"/>
+                  <dgm:constr type="l" for="ch" forName="desTx"/>
+                  <dgm:constr type="w" for="ch" forName="desTx" refType="w" refFor="ch" refForName="parTx" fact="0.8"/>
+                  <dgm:constr type="t" for="ch" forName="desTx" refType="h" refFor="ch" refForName="parTx" fact="1.125"/>
+                </dgm:constrLst>
+              </dgm:if>
+              <dgm:else name="Name9">
+                <dgm:constrLst>
+                  <dgm:constr type="l" for="ch" forName="parTx"/>
+                  <dgm:constr type="w" for="ch" forName="parTx" refType="w"/>
+                  <dgm:constr type="t" for="ch" forName="parTx"/>
+                  <dgm:constr type="l" for="ch" forName="desTx" refType="w" fact="0.2"/>
+                  <dgm:constr type="w" for="ch" forName="desTx" refType="w" refFor="ch" refForName="parTx" fact="0.8"/>
+                  <dgm:constr type="t" for="ch" forName="desTx" refType="h" refFor="ch" refForName="parTx" fact="1.125"/>
+                </dgm:constrLst>
+              </dgm:else>
+            </dgm:choose>
+            <dgm:ruleLst>
+              <dgm:rule type="h" val="INF" fact="NaN" max="NaN"/>
+            </dgm:ruleLst>
+            <dgm:layoutNode name="parTx">
+              <dgm:varLst>
+                <dgm:chMax val="0"/>
+                <dgm:chPref val="0"/>
+                <dgm:bulletEnabled val="1"/>
+              </dgm:varLst>
+              <dgm:alg type="tx"/>
+              <dgm:choose name="Name10">
+                <dgm:if name="Name11" func="var" arg="dir" op="equ" val="norm">
+                  <dgm:shape xmlns:r="http://schemas.openxmlformats.org/officeDocument/2006/relationships" type="chevron" r:blip="">
+                    <dgm:adjLst/>
+                  </dgm:shape>
+                </dgm:if>
+                <dgm:else name="Name12">
+                  <dgm:shape xmlns:r="http://schemas.openxmlformats.org/officeDocument/2006/relationships" rot="180" type="chevron" r:blip="">
+                    <dgm:adjLst/>
+                  </dgm:shape>
+                </dgm:else>
+              </dgm:choose>
+              <dgm:presOf axis="self" ptType="node"/>
+              <dgm:choose name="Name13">
+                <dgm:if name="Name14" func="var" arg="dir" op="equ" val="norm">
+                  <dgm:constrLst>
+                    <dgm:constr type="h" refType="w" op="lte" fact="0.4"/>
+                    <dgm:constr type="h"/>
+                    <dgm:constr type="tMarg" refType="primFontSz" fact="0.105"/>
+                    <dgm:constr type="bMarg" refType="primFontSz" fact="0.105"/>
+                    <dgm:constr type="lMarg" refType="primFontSz" fact="0.315"/>
+                    <dgm:constr type="rMarg" refType="primFontSz" fact="0.105"/>
+                  </dgm:constrLst>
+                </dgm:if>
+                <dgm:else name="Name15">
+                  <dgm:constrLst>
+                    <dgm:constr type="h" refType="w" op="lte" fact="0.4"/>
+                    <dgm:constr type="h"/>
+                    <dgm:constr type="tMarg" refType="primFontSz" fact="0.105"/>
+                    <dgm:constr type="bMarg" refType="primFontSz" fact="0.105"/>
+                    <dgm:constr type="lMarg" refType="primFontSz" fact="0.105"/>
+                    <dgm:constr type="rMarg" refType="primFontSz" fact="0.315"/>
+                  </dgm:constrLst>
+                </dgm:else>
+              </dgm:choose>
+              <dgm:ruleLst>
+                <dgm:rule type="h" val="INF" fact="NaN" max="NaN"/>
+              </dgm:ruleLst>
+            </dgm:layoutNode>
+            <dgm:layoutNode name="desTx" styleLbl="revTx">
+              <dgm:varLst>
+                <dgm:bulletEnabled val="1"/>
+              </dgm:varLst>
+              <dgm:alg type="tx">
+                <dgm:param type="stBulletLvl" val="1"/>
+              </dgm:alg>
+              <dgm:choose name="Name16">
+                <dgm:if name="Name17" axis="ch" ptType="node" func="cnt" op="gte" val="1">
+                  <dgm:shape xmlns:r="http://schemas.openxmlformats.org/officeDocument/2006/relationships" type="rect" r:blip="">
+                    <dgm:adjLst/>
+                  </dgm:shape>
+                </dgm:if>
+                <dgm:else name="Name18">
+                  <dgm:shape xmlns:r="http://schemas.openxmlformats.org/officeDocument/2006/relationships" type="rect" r:blip="" hideGeom="1">
+                    <dgm:adjLst/>
+                  </dgm:shape>
+                </dgm:else>
+              </dgm:choose>
+              <dgm:presOf axis="des" ptType="node"/>
+              <dgm:constrLst>
+                <dgm:constr type="secFontSz" val="65"/>
+                <dgm:constr type="primFontSz" refType="secFontSz"/>
+                <dgm:constr type="h"/>
+                <dgm:constr type="tMarg"/>
+                <dgm:constr type="bMarg"/>
+                <dgm:constr type="rMarg"/>
+                <dgm:constr type="lMarg"/>
+              </dgm:constrLst>
+              <dgm:ruleLst>
+                <dgm:rule type="h" val="INF" fact="NaN" max="NaN"/>
+              </dgm:ruleLst>
+            </dgm:layoutNode>
+          </dgm:layoutNode>
+          <dgm:forEach name="Name19" axis="followSib" ptType="sibTrans" cnt="1">
+            <dgm:layoutNode name="space">
+              <dgm:alg type="sp"/>
+              <dgm:shape xmlns:r="http://schemas.openxmlformats.org/officeDocument/2006/relationships" r:blip="">
+                <dgm:adjLst/>
+              </dgm:shape>
+              <dgm:presOf/>
+              <dgm:constrLst/>
+              <dgm:ruleLst/>
+            </dgm:layoutNode>
+          </dgm:forEach>
+        </dgm:forEach>
+      </dgm:if>
+      <dgm:else name="Name20">
+        <dgm:constrLst>
+          <dgm:constr type="w" for="ch" forName="parTxOnly" refType="w"/>
+          <dgm:constr type="h" for="des" forName="parTxOnly" op="equ"/>
+          <dgm:constr type="primFontSz" for="des" forName="parTxOnly" op="equ" val="65"/>
+          <dgm:constr type="w" for="ch" forName="parTxOnlySpace" refType="w" refFor="ch" refForName="parTxOnly" fact="-0.1"/>
+        </dgm:constrLst>
+        <dgm:ruleLst/>
+        <dgm:forEach name="Name21" axis="ch" ptType="node">
+          <dgm:layoutNode name="parTxOnly">
+            <dgm:varLst>
+              <dgm:chMax val="0"/>
+              <dgm:chPref val="0"/>
+              <dgm:bulletEnabled val="1"/>
+            </dgm:varLst>
+            <dgm:alg type="tx"/>
+            <dgm:choose name="Name22">
+              <dgm:if name="Name23" func="var" arg="dir" op="equ" val="norm">
+                <dgm:shape xmlns:r="http://schemas.openxmlformats.org/officeDocument/2006/relationships" type="chevron" r:blip="">
+                  <dgm:adjLst/>
+                </dgm:shape>
+              </dgm:if>
+              <dgm:else name="Name24">
+                <dgm:shape xmlns:r="http://schemas.openxmlformats.org/officeDocument/2006/relationships" rot="180" type="chevron" r:blip="">
+                  <dgm:adjLst/>
+                </dgm:shape>
+              </dgm:else>
+            </dgm:choose>
+            <dgm:presOf axis="self" ptType="node"/>
+            <dgm:choose name="Name25">
+              <dgm:if name="Name26" func="var" arg="dir" op="equ" val="norm">
+                <dgm:constrLst>
+                  <dgm:constr type="h" refType="w" op="equ" fact="0.4"/>
+                  <dgm:constr type="tMarg" refType="primFontSz" fact="0.105"/>
+                  <dgm:constr type="bMarg" refType="primFontSz" fact="0.105"/>
+                  <dgm:constr type="lMarg" refType="primFontSz" fact="0.315"/>
+                  <dgm:constr type="rMarg" refType="primFontSz" fact="0.105"/>
+                </dgm:constrLst>
+              </dgm:if>
+              <dgm:else name="Name27">
+                <dgm:constrLst>
+                  <dgm:constr type="h" refType="w" op="equ" fact="0.4"/>
+                  <dgm:constr type="tMarg" refType="primFontSz" fact="0.105"/>
+                  <dgm:constr type="bMarg" refType="primFontSz" fact="0.105"/>
+                  <dgm:constr type="lMarg" refType="primFontSz" fact="0.105"/>
+                  <dgm:constr type="rMarg" refType="primFontSz" fact="0.315"/>
+                </dgm:constrLst>
+              </dgm:else>
+            </dgm:choose>
+            <dgm:ruleLst>
+              <dgm:rule type="primFontSz" val="5" fact="NaN" max="NaN"/>
+            </dgm:ruleLst>
+          </dgm:layoutNode>
+          <dgm:forEach name="Name28" axis="followSib" ptType="sibTrans" cnt="1">
+            <dgm:layoutNode name="parTxOnlySpace">
+              <dgm:alg type="sp"/>
+              <dgm:shape xmlns:r="http://schemas.openxmlformats.org/officeDocument/2006/relationships" r:blip="">
+                <dgm:adjLst/>
+              </dgm:shape>
+              <dgm:presOf/>
+              <dgm:constrLst/>
+              <dgm:ruleLst/>
+            </dgm:layoutNode>
+          </dgm:forEach>
+        </dgm:forEach>
+      </dgm:else>
+    </dgm:choose>
+  </dgm:layoutNode>
+</dgm:layoutDef>
+</file>
+
+<file path=ppt/diagrams/layout16.xml><?xml version="1.0" encoding="utf-8"?>
+<dgm:layoutDef xmlns:dgm="http://schemas.openxmlformats.org/drawingml/2006/diagram" xmlns:a="http://schemas.openxmlformats.org/drawingml/2006/main" uniqueId="urn:microsoft.com/office/officeart/2005/8/layout/chevron1">
+  <dgm:title val=""/>
+  <dgm:desc val=""/>
+  <dgm:catLst>
+    <dgm:cat type="process" pri="9000"/>
+  </dgm:catLst>
+  <dgm:sampData useDef="1">
+    <dgm:dataModel>
+      <dgm:ptLst/>
+      <dgm:bg/>
+      <dgm:whole/>
+    </dgm:dataModel>
+  </dgm:sampData>
+  <dgm:styleData>
+    <dgm:dataModel>
+      <dgm:ptLst>
+        <dgm:pt modelId="0" type="doc"/>
+        <dgm:pt modelId="1"/>
+        <dgm:pt modelId="2"/>
+      </dgm:ptLst>
+      <dgm:cxnLst>
+        <dgm:cxn modelId="3" srcId="0" destId="1" srcOrd="0" destOrd="0"/>
+        <dgm:cxn modelId="4" srcId="0" destId="2" srcOrd="1" destOrd="0"/>
+      </dgm:cxnLst>
+      <dgm:bg/>
+      <dgm:whole/>
+    </dgm:dataModel>
+  </dgm:styleData>
+  <dgm:clrData>
+    <dgm:dataModel>
+      <dgm:ptLst>
+        <dgm:pt modelId="0" type="doc"/>
+        <dgm:pt modelId="1"/>
+        <dgm:pt modelId="2"/>
+        <dgm:pt modelId="3"/>
+        <dgm:pt modelId="4"/>
+      </dgm:ptLst>
+      <dgm:cxnLst>
+        <dgm:cxn modelId="5" srcId="0" destId="1" srcOrd="0" destOrd="0"/>
+        <dgm:cxn modelId="6" srcId="0" destId="2" srcOrd="1" destOrd="0"/>
+        <dgm:cxn modelId="7" srcId="0" destId="3" srcOrd="2" destOrd="0"/>
+        <dgm:cxn modelId="8" srcId="0" destId="4" srcOrd="3" destOrd="0"/>
+      </dgm:cxnLst>
+      <dgm:bg/>
+      <dgm:whole/>
+    </dgm:dataModel>
+  </dgm:clrData>
+  <dgm:layoutNode name="Name0">
+    <dgm:varLst>
+      <dgm:dir/>
+      <dgm:animLvl val="lvl"/>
+      <dgm:resizeHandles val="exact"/>
+    </dgm:varLst>
+    <dgm:choose name="Name1">
+      <dgm:if name="Name2" func="var" arg="dir" op="equ" val="norm">
+        <dgm:alg type="lin"/>
+      </dgm:if>
+      <dgm:else name="Name3">
+        <dgm:alg type="lin">
+          <dgm:param type="linDir" val="fromR"/>
+        </dgm:alg>
+      </dgm:else>
+    </dgm:choose>
+    <dgm:shape xmlns:r="http://schemas.openxmlformats.org/officeDocument/2006/relationships" r:blip="">
+      <dgm:adjLst/>
+    </dgm:shape>
+    <dgm:presOf/>
+    <dgm:choose name="Name4">
+      <dgm:if name="Name5" axis="des" func="maxDepth" op="gte" val="2">
+        <dgm:constrLst>
+          <dgm:constr type="h" for="ch" forName="composite" refType="h"/>
+          <dgm:constr type="w" for="ch" forName="composite" refType="w"/>
+          <dgm:constr type="w" for="des" forName="parTx"/>
+          <dgm:constr type="h" for="des" forName="parTx" op="equ"/>
+          <dgm:constr type="w" for="des" forName="desTx"/>
+          <dgm:constr type="h" for="des" forName="desTx" op="equ"/>
+          <dgm:constr type="primFontSz" for="des" forName="parTx" val="65"/>
+          <dgm:constr type="secFontSz" for="des" forName="desTx" refType="primFontSz" refFor="des" refForName="parTx" op="equ"/>
+          <dgm:constr type="h" for="des" forName="parTx" refType="primFontSz" refFor="des" refForName="parTx" fact="1.5"/>
+          <dgm:constr type="h" for="des" forName="desTx" refType="primFontSz" refFor="des" refForName="parTx" fact="0.5"/>
+          <dgm:constr type="w" for="ch" forName="space" op="equ" val="-6"/>
+        </dgm:constrLst>
+        <dgm:ruleLst>
+          <dgm:rule type="w" for="ch" forName="composite" val="0" fact="NaN" max="NaN"/>
+          <dgm:rule type="primFontSz" for="des" forName="parTx" val="5" fact="NaN" max="NaN"/>
+        </dgm:ruleLst>
+        <dgm:forEach name="Name6" axis="ch" ptType="node">
+          <dgm:layoutNode name="composite">
+            <dgm:alg type="composite"/>
+            <dgm:shape xmlns:r="http://schemas.openxmlformats.org/officeDocument/2006/relationships" r:blip="">
+              <dgm:adjLst/>
+            </dgm:shape>
+            <dgm:presOf/>
+            <dgm:choose name="Name7">
+              <dgm:if name="Name8" func="var" arg="dir" op="equ" val="norm">
+                <dgm:constrLst>
+                  <dgm:constr type="l" for="ch" forName="parTx"/>
+                  <dgm:constr type="w" for="ch" forName="parTx" refType="w"/>
+                  <dgm:constr type="t" for="ch" forName="parTx"/>
+                  <dgm:constr type="l" for="ch" forName="desTx"/>
+                  <dgm:constr type="w" for="ch" forName="desTx" refType="w" refFor="ch" refForName="parTx" fact="0.8"/>
+                  <dgm:constr type="t" for="ch" forName="desTx" refType="h" refFor="ch" refForName="parTx" fact="1.125"/>
+                </dgm:constrLst>
+              </dgm:if>
+              <dgm:else name="Name9">
+                <dgm:constrLst>
+                  <dgm:constr type="l" for="ch" forName="parTx"/>
+                  <dgm:constr type="w" for="ch" forName="parTx" refType="w"/>
+                  <dgm:constr type="t" for="ch" forName="parTx"/>
+                  <dgm:constr type="l" for="ch" forName="desTx" refType="w" fact="0.2"/>
+                  <dgm:constr type="w" for="ch" forName="desTx" refType="w" refFor="ch" refForName="parTx" fact="0.8"/>
+                  <dgm:constr type="t" for="ch" forName="desTx" refType="h" refFor="ch" refForName="parTx" fact="1.125"/>
+                </dgm:constrLst>
+              </dgm:else>
+            </dgm:choose>
+            <dgm:ruleLst>
+              <dgm:rule type="h" val="INF" fact="NaN" max="NaN"/>
+            </dgm:ruleLst>
+            <dgm:layoutNode name="parTx">
+              <dgm:varLst>
+                <dgm:chMax val="0"/>
+                <dgm:chPref val="0"/>
+                <dgm:bulletEnabled val="1"/>
+              </dgm:varLst>
+              <dgm:alg type="tx"/>
+              <dgm:choose name="Name10">
+                <dgm:if name="Name11" func="var" arg="dir" op="equ" val="norm">
+                  <dgm:shape xmlns:r="http://schemas.openxmlformats.org/officeDocument/2006/relationships" type="chevron" r:blip="">
+                    <dgm:adjLst/>
+                  </dgm:shape>
+                </dgm:if>
+                <dgm:else name="Name12">
+                  <dgm:shape xmlns:r="http://schemas.openxmlformats.org/officeDocument/2006/relationships" rot="180" type="chevron" r:blip="">
+                    <dgm:adjLst/>
+                  </dgm:shape>
+                </dgm:else>
+              </dgm:choose>
+              <dgm:presOf axis="self" ptType="node"/>
+              <dgm:choose name="Name13">
+                <dgm:if name="Name14" func="var" arg="dir" op="equ" val="norm">
+                  <dgm:constrLst>
+                    <dgm:constr type="h" refType="w" op="lte" fact="0.4"/>
+                    <dgm:constr type="h"/>
+                    <dgm:constr type="tMarg" refType="primFontSz" fact="0.105"/>
+                    <dgm:constr type="bMarg" refType="primFontSz" fact="0.105"/>
+                    <dgm:constr type="lMarg" refType="primFontSz" fact="0.315"/>
+                    <dgm:constr type="rMarg" refType="primFontSz" fact="0.105"/>
+                  </dgm:constrLst>
+                </dgm:if>
+                <dgm:else name="Name15">
+                  <dgm:constrLst>
+                    <dgm:constr type="h" refType="w" op="lte" fact="0.4"/>
+                    <dgm:constr type="h"/>
+                    <dgm:constr type="tMarg" refType="primFontSz" fact="0.105"/>
+                    <dgm:constr type="bMarg" refType="primFontSz" fact="0.105"/>
+                    <dgm:constr type="lMarg" refType="primFontSz" fact="0.105"/>
+                    <dgm:constr type="rMarg" refType="primFontSz" fact="0.315"/>
+                  </dgm:constrLst>
+                </dgm:else>
+              </dgm:choose>
+              <dgm:ruleLst>
+                <dgm:rule type="h" val="INF" fact="NaN" max="NaN"/>
+              </dgm:ruleLst>
+            </dgm:layoutNode>
+            <dgm:layoutNode name="desTx" styleLbl="revTx">
+              <dgm:varLst>
+                <dgm:bulletEnabled val="1"/>
+              </dgm:varLst>
+              <dgm:alg type="tx">
+                <dgm:param type="stBulletLvl" val="1"/>
+              </dgm:alg>
+              <dgm:choose name="Name16">
+                <dgm:if name="Name17" axis="ch" ptType="node" func="cnt" op="gte" val="1">
+                  <dgm:shape xmlns:r="http://schemas.openxmlformats.org/officeDocument/2006/relationships" type="rect" r:blip="">
+                    <dgm:adjLst/>
+                  </dgm:shape>
+                </dgm:if>
+                <dgm:else name="Name18">
+                  <dgm:shape xmlns:r="http://schemas.openxmlformats.org/officeDocument/2006/relationships" type="rect" r:blip="" hideGeom="1">
+                    <dgm:adjLst/>
+                  </dgm:shape>
+                </dgm:else>
+              </dgm:choose>
+              <dgm:presOf axis="des" ptType="node"/>
+              <dgm:constrLst>
+                <dgm:constr type="secFontSz" val="65"/>
+                <dgm:constr type="primFontSz" refType="secFontSz"/>
+                <dgm:constr type="h"/>
+                <dgm:constr type="tMarg"/>
+                <dgm:constr type="bMarg"/>
+                <dgm:constr type="rMarg"/>
+                <dgm:constr type="lMarg"/>
+              </dgm:constrLst>
+              <dgm:ruleLst>
+                <dgm:rule type="h" val="INF" fact="NaN" max="NaN"/>
+              </dgm:ruleLst>
+            </dgm:layoutNode>
+          </dgm:layoutNode>
+          <dgm:forEach name="Name19" axis="followSib" ptType="sibTrans" cnt="1">
+            <dgm:layoutNode name="space">
+              <dgm:alg type="sp"/>
+              <dgm:shape xmlns:r="http://schemas.openxmlformats.org/officeDocument/2006/relationships" r:blip="">
+                <dgm:adjLst/>
+              </dgm:shape>
+              <dgm:presOf/>
+              <dgm:constrLst/>
+              <dgm:ruleLst/>
+            </dgm:layoutNode>
+          </dgm:forEach>
+        </dgm:forEach>
+      </dgm:if>
+      <dgm:else name="Name20">
+        <dgm:constrLst>
+          <dgm:constr type="w" for="ch" forName="parTxOnly" refType="w"/>
+          <dgm:constr type="h" for="des" forName="parTxOnly" op="equ"/>
+          <dgm:constr type="primFontSz" for="des" forName="parTxOnly" op="equ" val="65"/>
+          <dgm:constr type="w" for="ch" forName="parTxOnlySpace" refType="w" refFor="ch" refForName="parTxOnly" fact="-0.1"/>
+        </dgm:constrLst>
+        <dgm:ruleLst/>
+        <dgm:forEach name="Name21" axis="ch" ptType="node">
+          <dgm:layoutNode name="parTxOnly">
+            <dgm:varLst>
+              <dgm:chMax val="0"/>
+              <dgm:chPref val="0"/>
+              <dgm:bulletEnabled val="1"/>
+            </dgm:varLst>
+            <dgm:alg type="tx"/>
+            <dgm:choose name="Name22">
+              <dgm:if name="Name23" func="var" arg="dir" op="equ" val="norm">
+                <dgm:shape xmlns:r="http://schemas.openxmlformats.org/officeDocument/2006/relationships" type="chevron" r:blip="">
+                  <dgm:adjLst/>
+                </dgm:shape>
+              </dgm:if>
+              <dgm:else name="Name24">
+                <dgm:shape xmlns:r="http://schemas.openxmlformats.org/officeDocument/2006/relationships" rot="180" type="chevron" r:blip="">
+                  <dgm:adjLst/>
+                </dgm:shape>
+              </dgm:else>
+            </dgm:choose>
+            <dgm:presOf axis="self" ptType="node"/>
+            <dgm:choose name="Name25">
+              <dgm:if name="Name26" func="var" arg="dir" op="equ" val="norm">
+                <dgm:constrLst>
+                  <dgm:constr type="h" refType="w" op="equ" fact="0.4"/>
+                  <dgm:constr type="tMarg" refType="primFontSz" fact="0.105"/>
+                  <dgm:constr type="bMarg" refType="primFontSz" fact="0.105"/>
+                  <dgm:constr type="lMarg" refType="primFontSz" fact="0.315"/>
+                  <dgm:constr type="rMarg" refType="primFontSz" fact="0.105"/>
+                </dgm:constrLst>
+              </dgm:if>
+              <dgm:else name="Name27">
+                <dgm:constrLst>
+                  <dgm:constr type="h" refType="w" op="equ" fact="0.4"/>
+                  <dgm:constr type="tMarg" refType="primFontSz" fact="0.105"/>
+                  <dgm:constr type="bMarg" refType="primFontSz" fact="0.105"/>
+                  <dgm:constr type="lMarg" refType="primFontSz" fact="0.105"/>
+                  <dgm:constr type="rMarg" refType="primFontSz" fact="0.315"/>
+                </dgm:constrLst>
+              </dgm:else>
+            </dgm:choose>
+            <dgm:ruleLst>
+              <dgm:rule type="primFontSz" val="5" fact="NaN" max="NaN"/>
+            </dgm:ruleLst>
+          </dgm:layoutNode>
+          <dgm:forEach name="Name28" axis="followSib" ptType="sibTrans" cnt="1">
+            <dgm:layoutNode name="parTxOnlySpace">
+              <dgm:alg type="sp"/>
+              <dgm:shape xmlns:r="http://schemas.openxmlformats.org/officeDocument/2006/relationships" r:blip="">
+                <dgm:adjLst/>
+              </dgm:shape>
+              <dgm:presOf/>
+              <dgm:constrLst/>
+              <dgm:ruleLst/>
+            </dgm:layoutNode>
+          </dgm:forEach>
+        </dgm:forEach>
+      </dgm:else>
+    </dgm:choose>
+  </dgm:layoutNode>
+</dgm:layoutDef>
+</file>
+
 <file path=ppt/diagrams/layout2.xml><?xml version="1.0" encoding="utf-8"?>
 <dgm:layoutDef xmlns:dgm="http://schemas.openxmlformats.org/drawingml/2006/diagram" xmlns:a="http://schemas.openxmlformats.org/drawingml/2006/main" uniqueId="urn:microsoft.com/office/officeart/2005/8/layout/chevron1">
   <dgm:title val=""/>
@@ -25640,6 +28314,2074 @@
 </dgm:styleDef>
 </file>
 
+<file path=ppt/diagrams/quickStyle15.xml><?xml version="1.0" encoding="utf-8"?>
+<dgm:styleDef xmlns:dgm="http://schemas.openxmlformats.org/drawingml/2006/diagram" xmlns:a="http://schemas.openxmlformats.org/drawingml/2006/main" uniqueId="urn:microsoft.com/office/officeart/2005/8/quickstyle/simple2">
+  <dgm:title val=""/>
+  <dgm:desc val=""/>
+  <dgm:catLst>
+    <dgm:cat type="simple" pri="10200"/>
+  </dgm:catLst>
+  <dgm:scene3d>
+    <a:camera prst="orthographicFront"/>
+    <a:lightRig rig="threePt" dir="t"/>
+  </dgm:scene3d>
+  <dgm:styleLbl name="node0">
+    <dgm:scene3d>
+      <a:camera prst="orthographicFront"/>
+      <a:lightRig rig="threePt" dir="t"/>
+    </dgm:scene3d>
+    <dgm:sp3d/>
+    <dgm:txPr/>
+    <dgm:style>
+      <a:lnRef idx="3">
+        <a:scrgbClr r="0" g="0" b="0"/>
+      </a:lnRef>
+      <a:fillRef idx="1">
+        <a:scrgbClr r="0" g="0" b="0"/>
+      </a:fillRef>
+      <a:effectRef idx="1">
+        <a:scrgbClr r="0" g="0" b="0"/>
+      </a:effectRef>
+      <a:fontRef idx="minor">
+        <a:schemeClr val="lt1"/>
+      </a:fontRef>
+    </dgm:style>
+  </dgm:styleLbl>
+  <dgm:styleLbl name="lnNode1">
+    <dgm:scene3d>
+      <a:camera prst="orthographicFront"/>
+      <a:lightRig rig="threePt" dir="t"/>
+    </dgm:scene3d>
+    <dgm:sp3d/>
+    <dgm:txPr/>
+    <dgm:style>
+      <a:lnRef idx="3">
+        <a:scrgbClr r="0" g="0" b="0"/>
+      </a:lnRef>
+      <a:fillRef idx="1">
+        <a:scrgbClr r="0" g="0" b="0"/>
+      </a:fillRef>
+      <a:effectRef idx="1">
+        <a:scrgbClr r="0" g="0" b="0"/>
+      </a:effectRef>
+      <a:fontRef idx="minor">
+        <a:schemeClr val="lt1"/>
+      </a:fontRef>
+    </dgm:style>
+  </dgm:styleLbl>
+  <dgm:styleLbl name="vennNode1">
+    <dgm:scene3d>
+      <a:camera prst="orthographicFront"/>
+      <a:lightRig rig="threePt" dir="t"/>
+    </dgm:scene3d>
+    <dgm:sp3d/>
+    <dgm:txPr/>
+    <dgm:style>
+      <a:lnRef idx="3">
+        <a:scrgbClr r="0" g="0" b="0"/>
+      </a:lnRef>
+      <a:fillRef idx="1">
+        <a:scrgbClr r="0" g="0" b="0"/>
+      </a:fillRef>
+      <a:effectRef idx="0">
+        <a:scrgbClr r="0" g="0" b="0"/>
+      </a:effectRef>
+      <a:fontRef idx="minor">
+        <a:schemeClr val="tx1"/>
+      </a:fontRef>
+    </dgm:style>
+  </dgm:styleLbl>
+  <dgm:styleLbl name="alignNode1">
+    <dgm:scene3d>
+      <a:camera prst="orthographicFront"/>
+      <a:lightRig rig="threePt" dir="t"/>
+    </dgm:scene3d>
+    <dgm:sp3d/>
+    <dgm:txPr/>
+    <dgm:style>
+      <a:lnRef idx="2">
+        <a:scrgbClr r="0" g="0" b="0"/>
+      </a:lnRef>
+      <a:fillRef idx="1">
+        <a:scrgbClr r="0" g="0" b="0"/>
+      </a:fillRef>
+      <a:effectRef idx="1">
+        <a:scrgbClr r="0" g="0" b="0"/>
+      </a:effectRef>
+      <a:fontRef idx="minor">
+        <a:schemeClr val="lt1"/>
+      </a:fontRef>
+    </dgm:style>
+  </dgm:styleLbl>
+  <dgm:styleLbl name="node1">
+    <dgm:scene3d>
+      <a:camera prst="orthographicFront"/>
+      <a:lightRig rig="threePt" dir="t"/>
+    </dgm:scene3d>
+    <dgm:sp3d/>
+    <dgm:txPr/>
+    <dgm:style>
+      <a:lnRef idx="3">
+        <a:scrgbClr r="0" g="0" b="0"/>
+      </a:lnRef>
+      <a:fillRef idx="1">
+        <a:scrgbClr r="0" g="0" b="0"/>
+      </a:fillRef>
+      <a:effectRef idx="1">
+        <a:scrgbClr r="0" g="0" b="0"/>
+      </a:effectRef>
+      <a:fontRef idx="minor">
+        <a:schemeClr val="lt1"/>
+      </a:fontRef>
+    </dgm:style>
+  </dgm:styleLbl>
+  <dgm:styleLbl name="node2">
+    <dgm:scene3d>
+      <a:camera prst="orthographicFront"/>
+      <a:lightRig rig="threePt" dir="t"/>
+    </dgm:scene3d>
+    <dgm:sp3d/>
+    <dgm:txPr/>
+    <dgm:style>
+      <a:lnRef idx="3">
+        <a:scrgbClr r="0" g="0" b="0"/>
+      </a:lnRef>
+      <a:fillRef idx="1">
+        <a:scrgbClr r="0" g="0" b="0"/>
+      </a:fillRef>
+      <a:effectRef idx="1">
+        <a:scrgbClr r="0" g="0" b="0"/>
+      </a:effectRef>
+      <a:fontRef idx="minor">
+        <a:schemeClr val="lt1"/>
+      </a:fontRef>
+    </dgm:style>
+  </dgm:styleLbl>
+  <dgm:styleLbl name="node3">
+    <dgm:scene3d>
+      <a:camera prst="orthographicFront"/>
+      <a:lightRig rig="threePt" dir="t"/>
+    </dgm:scene3d>
+    <dgm:sp3d/>
+    <dgm:txPr/>
+    <dgm:style>
+      <a:lnRef idx="3">
+        <a:scrgbClr r="0" g="0" b="0"/>
+      </a:lnRef>
+      <a:fillRef idx="1">
+        <a:scrgbClr r="0" g="0" b="0"/>
+      </a:fillRef>
+      <a:effectRef idx="1">
+        <a:scrgbClr r="0" g="0" b="0"/>
+      </a:effectRef>
+      <a:fontRef idx="minor">
+        <a:schemeClr val="lt1"/>
+      </a:fontRef>
+    </dgm:style>
+  </dgm:styleLbl>
+  <dgm:styleLbl name="node4">
+    <dgm:scene3d>
+      <a:camera prst="orthographicFront"/>
+      <a:lightRig rig="threePt" dir="t"/>
+    </dgm:scene3d>
+    <dgm:sp3d/>
+    <dgm:txPr/>
+    <dgm:style>
+      <a:lnRef idx="3">
+        <a:scrgbClr r="0" g="0" b="0"/>
+      </a:lnRef>
+      <a:fillRef idx="1">
+        <a:scrgbClr r="0" g="0" b="0"/>
+      </a:fillRef>
+      <a:effectRef idx="1">
+        <a:scrgbClr r="0" g="0" b="0"/>
+      </a:effectRef>
+      <a:fontRef idx="minor">
+        <a:schemeClr val="lt1"/>
+      </a:fontRef>
+    </dgm:style>
+  </dgm:styleLbl>
+  <dgm:styleLbl name="fgImgPlace1">
+    <dgm:scene3d>
+      <a:camera prst="orthographicFront"/>
+      <a:lightRig rig="threePt" dir="t"/>
+    </dgm:scene3d>
+    <dgm:sp3d/>
+    <dgm:txPr/>
+    <dgm:style>
+      <a:lnRef idx="3">
+        <a:scrgbClr r="0" g="0" b="0"/>
+      </a:lnRef>
+      <a:fillRef idx="1">
+        <a:scrgbClr r="0" g="0" b="0"/>
+      </a:fillRef>
+      <a:effectRef idx="1">
+        <a:scrgbClr r="0" g="0" b="0"/>
+      </a:effectRef>
+      <a:fontRef idx="minor"/>
+    </dgm:style>
+  </dgm:styleLbl>
+  <dgm:styleLbl name="alignImgPlace1">
+    <dgm:scene3d>
+      <a:camera prst="orthographicFront"/>
+      <a:lightRig rig="threePt" dir="t"/>
+    </dgm:scene3d>
+    <dgm:sp3d/>
+    <dgm:txPr/>
+    <dgm:style>
+      <a:lnRef idx="3">
+        <a:scrgbClr r="0" g="0" b="0"/>
+      </a:lnRef>
+      <a:fillRef idx="1">
+        <a:scrgbClr r="0" g="0" b="0"/>
+      </a:fillRef>
+      <a:effectRef idx="1">
+        <a:scrgbClr r="0" g="0" b="0"/>
+      </a:effectRef>
+      <a:fontRef idx="minor"/>
+    </dgm:style>
+  </dgm:styleLbl>
+  <dgm:styleLbl name="bgImgPlace1">
+    <dgm:scene3d>
+      <a:camera prst="orthographicFront"/>
+      <a:lightRig rig="threePt" dir="t"/>
+    </dgm:scene3d>
+    <dgm:sp3d/>
+    <dgm:txPr/>
+    <dgm:style>
+      <a:lnRef idx="3">
+        <a:scrgbClr r="0" g="0" b="0"/>
+      </a:lnRef>
+      <a:fillRef idx="1">
+        <a:scrgbClr r="0" g="0" b="0"/>
+      </a:fillRef>
+      <a:effectRef idx="1">
+        <a:scrgbClr r="0" g="0" b="0"/>
+      </a:effectRef>
+      <a:fontRef idx="minor"/>
+    </dgm:style>
+  </dgm:styleLbl>
+  <dgm:styleLbl name="sibTrans2D1">
+    <dgm:scene3d>
+      <a:camera prst="orthographicFront"/>
+      <a:lightRig rig="threePt" dir="t"/>
+    </dgm:scene3d>
+    <dgm:sp3d/>
+    <dgm:txPr/>
+    <dgm:style>
+      <a:lnRef idx="0">
+        <a:scrgbClr r="0" g="0" b="0"/>
+      </a:lnRef>
+      <a:fillRef idx="1">
+        <a:scrgbClr r="0" g="0" b="0"/>
+      </a:fillRef>
+      <a:effectRef idx="1">
+        <a:scrgbClr r="0" g="0" b="0"/>
+      </a:effectRef>
+      <a:fontRef idx="minor">
+        <a:schemeClr val="lt1"/>
+      </a:fontRef>
+    </dgm:style>
+  </dgm:styleLbl>
+  <dgm:styleLbl name="fgSibTrans2D1">
+    <dgm:scene3d>
+      <a:camera prst="orthographicFront"/>
+      <a:lightRig rig="threePt" dir="t"/>
+    </dgm:scene3d>
+    <dgm:sp3d/>
+    <dgm:txPr/>
+    <dgm:style>
+      <a:lnRef idx="0">
+        <a:scrgbClr r="0" g="0" b="0"/>
+      </a:lnRef>
+      <a:fillRef idx="1">
+        <a:scrgbClr r="0" g="0" b="0"/>
+      </a:fillRef>
+      <a:effectRef idx="1">
+        <a:scrgbClr r="0" g="0" b="0"/>
+      </a:effectRef>
+      <a:fontRef idx="minor">
+        <a:schemeClr val="lt1"/>
+      </a:fontRef>
+    </dgm:style>
+  </dgm:styleLbl>
+  <dgm:styleLbl name="bgSibTrans2D1">
+    <dgm:scene3d>
+      <a:camera prst="orthographicFront"/>
+      <a:lightRig rig="threePt" dir="t"/>
+    </dgm:scene3d>
+    <dgm:sp3d/>
+    <dgm:txPr/>
+    <dgm:style>
+      <a:lnRef idx="0">
+        <a:scrgbClr r="0" g="0" b="0"/>
+      </a:lnRef>
+      <a:fillRef idx="1">
+        <a:scrgbClr r="0" g="0" b="0"/>
+      </a:fillRef>
+      <a:effectRef idx="1">
+        <a:scrgbClr r="0" g="0" b="0"/>
+      </a:effectRef>
+      <a:fontRef idx="minor">
+        <a:schemeClr val="lt1"/>
+      </a:fontRef>
+    </dgm:style>
+  </dgm:styleLbl>
+  <dgm:styleLbl name="sibTrans1D1">
+    <dgm:scene3d>
+      <a:camera prst="orthographicFront"/>
+      <a:lightRig rig="threePt" dir="t"/>
+    </dgm:scene3d>
+    <dgm:sp3d/>
+    <dgm:txPr/>
+    <dgm:style>
+      <a:lnRef idx="1">
+        <a:scrgbClr r="0" g="0" b="0"/>
+      </a:lnRef>
+      <a:fillRef idx="0">
+        <a:scrgbClr r="0" g="0" b="0"/>
+      </a:fillRef>
+      <a:effectRef idx="0">
+        <a:scrgbClr r="0" g="0" b="0"/>
+      </a:effectRef>
+      <a:fontRef idx="minor"/>
+    </dgm:style>
+  </dgm:styleLbl>
+  <dgm:styleLbl name="callout">
+    <dgm:scene3d>
+      <a:camera prst="orthographicFront"/>
+      <a:lightRig rig="threePt" dir="t"/>
+    </dgm:scene3d>
+    <dgm:sp3d/>
+    <dgm:txPr/>
+    <dgm:style>
+      <a:lnRef idx="2">
+        <a:scrgbClr r="0" g="0" b="0"/>
+      </a:lnRef>
+      <a:fillRef idx="1">
+        <a:scrgbClr r="0" g="0" b="0"/>
+      </a:fillRef>
+      <a:effectRef idx="1">
+        <a:scrgbClr r="0" g="0" b="0"/>
+      </a:effectRef>
+      <a:fontRef idx="minor"/>
+    </dgm:style>
+  </dgm:styleLbl>
+  <dgm:styleLbl name="asst0">
+    <dgm:scene3d>
+      <a:camera prst="orthographicFront"/>
+      <a:lightRig rig="threePt" dir="t"/>
+    </dgm:scene3d>
+    <dgm:sp3d/>
+    <dgm:txPr/>
+    <dgm:style>
+      <a:lnRef idx="3">
+        <a:scrgbClr r="0" g="0" b="0"/>
+      </a:lnRef>
+      <a:fillRef idx="1">
+        <a:scrgbClr r="0" g="0" b="0"/>
+      </a:fillRef>
+      <a:effectRef idx="1">
+        <a:scrgbClr r="0" g="0" b="0"/>
+      </a:effectRef>
+      <a:fontRef idx="minor">
+        <a:schemeClr val="lt1"/>
+      </a:fontRef>
+    </dgm:style>
+  </dgm:styleLbl>
+  <dgm:styleLbl name="asst1">
+    <dgm:scene3d>
+      <a:camera prst="orthographicFront"/>
+      <a:lightRig rig="threePt" dir="t"/>
+    </dgm:scene3d>
+    <dgm:sp3d/>
+    <dgm:txPr/>
+    <dgm:style>
+      <a:lnRef idx="3">
+        <a:scrgbClr r="0" g="0" b="0"/>
+      </a:lnRef>
+      <a:fillRef idx="1">
+        <a:scrgbClr r="0" g="0" b="0"/>
+      </a:fillRef>
+      <a:effectRef idx="1">
+        <a:scrgbClr r="0" g="0" b="0"/>
+      </a:effectRef>
+      <a:fontRef idx="minor">
+        <a:schemeClr val="lt1"/>
+      </a:fontRef>
+    </dgm:style>
+  </dgm:styleLbl>
+  <dgm:styleLbl name="asst2">
+    <dgm:scene3d>
+      <a:camera prst="orthographicFront"/>
+      <a:lightRig rig="threePt" dir="t"/>
+    </dgm:scene3d>
+    <dgm:sp3d/>
+    <dgm:txPr/>
+    <dgm:style>
+      <a:lnRef idx="3">
+        <a:scrgbClr r="0" g="0" b="0"/>
+      </a:lnRef>
+      <a:fillRef idx="1">
+        <a:scrgbClr r="0" g="0" b="0"/>
+      </a:fillRef>
+      <a:effectRef idx="1">
+        <a:scrgbClr r="0" g="0" b="0"/>
+      </a:effectRef>
+      <a:fontRef idx="minor">
+        <a:schemeClr val="lt1"/>
+      </a:fontRef>
+    </dgm:style>
+  </dgm:styleLbl>
+  <dgm:styleLbl name="asst3">
+    <dgm:scene3d>
+      <a:camera prst="orthographicFront"/>
+      <a:lightRig rig="threePt" dir="t"/>
+    </dgm:scene3d>
+    <dgm:sp3d/>
+    <dgm:txPr/>
+    <dgm:style>
+      <a:lnRef idx="3">
+        <a:scrgbClr r="0" g="0" b="0"/>
+      </a:lnRef>
+      <a:fillRef idx="1">
+        <a:scrgbClr r="0" g="0" b="0"/>
+      </a:fillRef>
+      <a:effectRef idx="1">
+        <a:scrgbClr r="0" g="0" b="0"/>
+      </a:effectRef>
+      <a:fontRef idx="minor">
+        <a:schemeClr val="lt1"/>
+      </a:fontRef>
+    </dgm:style>
+  </dgm:styleLbl>
+  <dgm:styleLbl name="asst4">
+    <dgm:scene3d>
+      <a:camera prst="orthographicFront"/>
+      <a:lightRig rig="threePt" dir="t"/>
+    </dgm:scene3d>
+    <dgm:sp3d/>
+    <dgm:txPr/>
+    <dgm:style>
+      <a:lnRef idx="3">
+        <a:scrgbClr r="0" g="0" b="0"/>
+      </a:lnRef>
+      <a:fillRef idx="1">
+        <a:scrgbClr r="0" g="0" b="0"/>
+      </a:fillRef>
+      <a:effectRef idx="1">
+        <a:scrgbClr r="0" g="0" b="0"/>
+      </a:effectRef>
+      <a:fontRef idx="minor">
+        <a:schemeClr val="lt1"/>
+      </a:fontRef>
+    </dgm:style>
+  </dgm:styleLbl>
+  <dgm:styleLbl name="parChTrans2D1">
+    <dgm:scene3d>
+      <a:camera prst="orthographicFront"/>
+      <a:lightRig rig="threePt" dir="t"/>
+    </dgm:scene3d>
+    <dgm:sp3d/>
+    <dgm:txPr/>
+    <dgm:style>
+      <a:lnRef idx="3">
+        <a:scrgbClr r="0" g="0" b="0"/>
+      </a:lnRef>
+      <a:fillRef idx="1">
+        <a:scrgbClr r="0" g="0" b="0"/>
+      </a:fillRef>
+      <a:effectRef idx="1">
+        <a:scrgbClr r="0" g="0" b="0"/>
+      </a:effectRef>
+      <a:fontRef idx="minor">
+        <a:schemeClr val="lt1"/>
+      </a:fontRef>
+    </dgm:style>
+  </dgm:styleLbl>
+  <dgm:styleLbl name="parChTrans2D2">
+    <dgm:scene3d>
+      <a:camera prst="orthographicFront"/>
+      <a:lightRig rig="threePt" dir="t"/>
+    </dgm:scene3d>
+    <dgm:sp3d/>
+    <dgm:txPr/>
+    <dgm:style>
+      <a:lnRef idx="3">
+        <a:scrgbClr r="0" g="0" b="0"/>
+      </a:lnRef>
+      <a:fillRef idx="1">
+        <a:scrgbClr r="0" g="0" b="0"/>
+      </a:fillRef>
+      <a:effectRef idx="1">
+        <a:scrgbClr r="0" g="0" b="0"/>
+      </a:effectRef>
+      <a:fontRef idx="minor">
+        <a:schemeClr val="lt1"/>
+      </a:fontRef>
+    </dgm:style>
+  </dgm:styleLbl>
+  <dgm:styleLbl name="parChTrans2D3">
+    <dgm:scene3d>
+      <a:camera prst="orthographicFront"/>
+      <a:lightRig rig="threePt" dir="t"/>
+    </dgm:scene3d>
+    <dgm:sp3d/>
+    <dgm:txPr/>
+    <dgm:style>
+      <a:lnRef idx="3">
+        <a:scrgbClr r="0" g="0" b="0"/>
+      </a:lnRef>
+      <a:fillRef idx="1">
+        <a:scrgbClr r="0" g="0" b="0"/>
+      </a:fillRef>
+      <a:effectRef idx="1">
+        <a:scrgbClr r="0" g="0" b="0"/>
+      </a:effectRef>
+      <a:fontRef idx="minor">
+        <a:schemeClr val="lt1"/>
+      </a:fontRef>
+    </dgm:style>
+  </dgm:styleLbl>
+  <dgm:styleLbl name="parChTrans2D4">
+    <dgm:scene3d>
+      <a:camera prst="orthographicFront"/>
+      <a:lightRig rig="threePt" dir="t"/>
+    </dgm:scene3d>
+    <dgm:sp3d/>
+    <dgm:txPr/>
+    <dgm:style>
+      <a:lnRef idx="3">
+        <a:scrgbClr r="0" g="0" b="0"/>
+      </a:lnRef>
+      <a:fillRef idx="1">
+        <a:scrgbClr r="0" g="0" b="0"/>
+      </a:fillRef>
+      <a:effectRef idx="1">
+        <a:scrgbClr r="0" g="0" b="0"/>
+      </a:effectRef>
+      <a:fontRef idx="minor">
+        <a:schemeClr val="lt1"/>
+      </a:fontRef>
+    </dgm:style>
+  </dgm:styleLbl>
+  <dgm:styleLbl name="parChTrans1D1">
+    <dgm:scene3d>
+      <a:camera prst="orthographicFront"/>
+      <a:lightRig rig="threePt" dir="t"/>
+    </dgm:scene3d>
+    <dgm:sp3d/>
+    <dgm:txPr/>
+    <dgm:style>
+      <a:lnRef idx="2">
+        <a:scrgbClr r="0" g="0" b="0"/>
+      </a:lnRef>
+      <a:fillRef idx="0">
+        <a:scrgbClr r="0" g="0" b="0"/>
+      </a:fillRef>
+      <a:effectRef idx="0">
+        <a:scrgbClr r="0" g="0" b="0"/>
+      </a:effectRef>
+      <a:fontRef idx="minor"/>
+    </dgm:style>
+  </dgm:styleLbl>
+  <dgm:styleLbl name="parChTrans1D2">
+    <dgm:scene3d>
+      <a:camera prst="orthographicFront"/>
+      <a:lightRig rig="threePt" dir="t"/>
+    </dgm:scene3d>
+    <dgm:sp3d/>
+    <dgm:txPr/>
+    <dgm:style>
+      <a:lnRef idx="2">
+        <a:scrgbClr r="0" g="0" b="0"/>
+      </a:lnRef>
+      <a:fillRef idx="0">
+        <a:scrgbClr r="0" g="0" b="0"/>
+      </a:fillRef>
+      <a:effectRef idx="0">
+        <a:scrgbClr r="0" g="0" b="0"/>
+      </a:effectRef>
+      <a:fontRef idx="minor"/>
+    </dgm:style>
+  </dgm:styleLbl>
+  <dgm:styleLbl name="parChTrans1D3">
+    <dgm:scene3d>
+      <a:camera prst="orthographicFront"/>
+      <a:lightRig rig="threePt" dir="t"/>
+    </dgm:scene3d>
+    <dgm:sp3d/>
+    <dgm:txPr/>
+    <dgm:style>
+      <a:lnRef idx="2">
+        <a:scrgbClr r="0" g="0" b="0"/>
+      </a:lnRef>
+      <a:fillRef idx="0">
+        <a:scrgbClr r="0" g="0" b="0"/>
+      </a:fillRef>
+      <a:effectRef idx="0">
+        <a:scrgbClr r="0" g="0" b="0"/>
+      </a:effectRef>
+      <a:fontRef idx="minor"/>
+    </dgm:style>
+  </dgm:styleLbl>
+  <dgm:styleLbl name="parChTrans1D4">
+    <dgm:scene3d>
+      <a:camera prst="orthographicFront"/>
+      <a:lightRig rig="threePt" dir="t"/>
+    </dgm:scene3d>
+    <dgm:sp3d/>
+    <dgm:txPr/>
+    <dgm:style>
+      <a:lnRef idx="2">
+        <a:scrgbClr r="0" g="0" b="0"/>
+      </a:lnRef>
+      <a:fillRef idx="0">
+        <a:scrgbClr r="0" g="0" b="0"/>
+      </a:fillRef>
+      <a:effectRef idx="0">
+        <a:scrgbClr r="0" g="0" b="0"/>
+      </a:effectRef>
+      <a:fontRef idx="minor"/>
+    </dgm:style>
+  </dgm:styleLbl>
+  <dgm:styleLbl name="fgAcc1">
+    <dgm:scene3d>
+      <a:camera prst="orthographicFront"/>
+      <a:lightRig rig="threePt" dir="t"/>
+    </dgm:scene3d>
+    <dgm:sp3d/>
+    <dgm:txPr/>
+    <dgm:style>
+      <a:lnRef idx="2">
+        <a:scrgbClr r="0" g="0" b="0"/>
+      </a:lnRef>
+      <a:fillRef idx="1">
+        <a:scrgbClr r="0" g="0" b="0"/>
+      </a:fillRef>
+      <a:effectRef idx="0">
+        <a:scrgbClr r="0" g="0" b="0"/>
+      </a:effectRef>
+      <a:fontRef idx="minor"/>
+    </dgm:style>
+  </dgm:styleLbl>
+  <dgm:styleLbl name="conFgAcc1">
+    <dgm:scene3d>
+      <a:camera prst="orthographicFront"/>
+      <a:lightRig rig="threePt" dir="t"/>
+    </dgm:scene3d>
+    <dgm:sp3d/>
+    <dgm:txPr/>
+    <dgm:style>
+      <a:lnRef idx="2">
+        <a:scrgbClr r="0" g="0" b="0"/>
+      </a:lnRef>
+      <a:fillRef idx="1">
+        <a:scrgbClr r="0" g="0" b="0"/>
+      </a:fillRef>
+      <a:effectRef idx="0">
+        <a:scrgbClr r="0" g="0" b="0"/>
+      </a:effectRef>
+      <a:fontRef idx="minor"/>
+    </dgm:style>
+  </dgm:styleLbl>
+  <dgm:styleLbl name="alignAcc1">
+    <dgm:scene3d>
+      <a:camera prst="orthographicFront"/>
+      <a:lightRig rig="threePt" dir="t"/>
+    </dgm:scene3d>
+    <dgm:sp3d/>
+    <dgm:txPr/>
+    <dgm:style>
+      <a:lnRef idx="2">
+        <a:scrgbClr r="0" g="0" b="0"/>
+      </a:lnRef>
+      <a:fillRef idx="1">
+        <a:scrgbClr r="0" g="0" b="0"/>
+      </a:fillRef>
+      <a:effectRef idx="0">
+        <a:scrgbClr r="0" g="0" b="0"/>
+      </a:effectRef>
+      <a:fontRef idx="minor"/>
+    </dgm:style>
+  </dgm:styleLbl>
+  <dgm:styleLbl name="trAlignAcc1">
+    <dgm:scene3d>
+      <a:camera prst="orthographicFront"/>
+      <a:lightRig rig="threePt" dir="t"/>
+    </dgm:scene3d>
+    <dgm:sp3d/>
+    <dgm:txPr/>
+    <dgm:style>
+      <a:lnRef idx="1">
+        <a:scrgbClr r="0" g="0" b="0"/>
+      </a:lnRef>
+      <a:fillRef idx="1">
+        <a:scrgbClr r="0" g="0" b="0"/>
+      </a:fillRef>
+      <a:effectRef idx="0">
+        <a:scrgbClr r="0" g="0" b="0"/>
+      </a:effectRef>
+      <a:fontRef idx="minor"/>
+    </dgm:style>
+  </dgm:styleLbl>
+  <dgm:styleLbl name="bgAcc1">
+    <dgm:scene3d>
+      <a:camera prst="orthographicFront"/>
+      <a:lightRig rig="threePt" dir="t"/>
+    </dgm:scene3d>
+    <dgm:sp3d/>
+    <dgm:txPr/>
+    <dgm:style>
+      <a:lnRef idx="2">
+        <a:scrgbClr r="0" g="0" b="0"/>
+      </a:lnRef>
+      <a:fillRef idx="1">
+        <a:scrgbClr r="0" g="0" b="0"/>
+      </a:fillRef>
+      <a:effectRef idx="0">
+        <a:scrgbClr r="0" g="0" b="0"/>
+      </a:effectRef>
+      <a:fontRef idx="minor"/>
+    </dgm:style>
+  </dgm:styleLbl>
+  <dgm:styleLbl name="solidFgAcc1">
+    <dgm:scene3d>
+      <a:camera prst="orthographicFront"/>
+      <a:lightRig rig="threePt" dir="t"/>
+    </dgm:scene3d>
+    <dgm:sp3d/>
+    <dgm:txPr/>
+    <dgm:style>
+      <a:lnRef idx="2">
+        <a:scrgbClr r="0" g="0" b="0"/>
+      </a:lnRef>
+      <a:fillRef idx="1">
+        <a:scrgbClr r="0" g="0" b="0"/>
+      </a:fillRef>
+      <a:effectRef idx="0">
+        <a:scrgbClr r="0" g="0" b="0"/>
+      </a:effectRef>
+      <a:fontRef idx="minor"/>
+    </dgm:style>
+  </dgm:styleLbl>
+  <dgm:styleLbl name="solidAlignAcc1">
+    <dgm:scene3d>
+      <a:camera prst="orthographicFront"/>
+      <a:lightRig rig="threePt" dir="t"/>
+    </dgm:scene3d>
+    <dgm:sp3d/>
+    <dgm:txPr/>
+    <dgm:style>
+      <a:lnRef idx="2">
+        <a:scrgbClr r="0" g="0" b="0"/>
+      </a:lnRef>
+      <a:fillRef idx="1">
+        <a:scrgbClr r="0" g="0" b="0"/>
+      </a:fillRef>
+      <a:effectRef idx="0">
+        <a:scrgbClr r="0" g="0" b="0"/>
+      </a:effectRef>
+      <a:fontRef idx="minor"/>
+    </dgm:style>
+  </dgm:styleLbl>
+  <dgm:styleLbl name="solidBgAcc1">
+    <dgm:scene3d>
+      <a:camera prst="orthographicFront"/>
+      <a:lightRig rig="threePt" dir="t"/>
+    </dgm:scene3d>
+    <dgm:sp3d/>
+    <dgm:txPr/>
+    <dgm:style>
+      <a:lnRef idx="2">
+        <a:scrgbClr r="0" g="0" b="0"/>
+      </a:lnRef>
+      <a:fillRef idx="1">
+        <a:scrgbClr r="0" g="0" b="0"/>
+      </a:fillRef>
+      <a:effectRef idx="0">
+        <a:scrgbClr r="0" g="0" b="0"/>
+      </a:effectRef>
+      <a:fontRef idx="minor"/>
+    </dgm:style>
+  </dgm:styleLbl>
+  <dgm:styleLbl name="fgAccFollowNode1">
+    <dgm:scene3d>
+      <a:camera prst="orthographicFront"/>
+      <a:lightRig rig="threePt" dir="t"/>
+    </dgm:scene3d>
+    <dgm:sp3d/>
+    <dgm:txPr/>
+    <dgm:style>
+      <a:lnRef idx="2">
+        <a:scrgbClr r="0" g="0" b="0"/>
+      </a:lnRef>
+      <a:fillRef idx="1">
+        <a:scrgbClr r="0" g="0" b="0"/>
+      </a:fillRef>
+      <a:effectRef idx="0">
+        <a:scrgbClr r="0" g="0" b="0"/>
+      </a:effectRef>
+      <a:fontRef idx="minor"/>
+    </dgm:style>
+  </dgm:styleLbl>
+  <dgm:styleLbl name="alignAccFollowNode1">
+    <dgm:scene3d>
+      <a:camera prst="orthographicFront"/>
+      <a:lightRig rig="threePt" dir="t"/>
+    </dgm:scene3d>
+    <dgm:sp3d/>
+    <dgm:txPr/>
+    <dgm:style>
+      <a:lnRef idx="2">
+        <a:scrgbClr r="0" g="0" b="0"/>
+      </a:lnRef>
+      <a:fillRef idx="1">
+        <a:scrgbClr r="0" g="0" b="0"/>
+      </a:fillRef>
+      <a:effectRef idx="0">
+        <a:scrgbClr r="0" g="0" b="0"/>
+      </a:effectRef>
+      <a:fontRef idx="minor"/>
+    </dgm:style>
+  </dgm:styleLbl>
+  <dgm:styleLbl name="bgAccFollowNode1">
+    <dgm:scene3d>
+      <a:camera prst="orthographicFront"/>
+      <a:lightRig rig="threePt" dir="t"/>
+    </dgm:scene3d>
+    <dgm:sp3d/>
+    <dgm:txPr/>
+    <dgm:style>
+      <a:lnRef idx="2">
+        <a:scrgbClr r="0" g="0" b="0"/>
+      </a:lnRef>
+      <a:fillRef idx="1">
+        <a:scrgbClr r="0" g="0" b="0"/>
+      </a:fillRef>
+      <a:effectRef idx="0">
+        <a:scrgbClr r="0" g="0" b="0"/>
+      </a:effectRef>
+      <a:fontRef idx="minor"/>
+    </dgm:style>
+  </dgm:styleLbl>
+  <dgm:styleLbl name="fgAcc0">
+    <dgm:scene3d>
+      <a:camera prst="orthographicFront"/>
+      <a:lightRig rig="threePt" dir="t"/>
+    </dgm:scene3d>
+    <dgm:sp3d/>
+    <dgm:txPr/>
+    <dgm:style>
+      <a:lnRef idx="2">
+        <a:scrgbClr r="0" g="0" b="0"/>
+      </a:lnRef>
+      <a:fillRef idx="1">
+        <a:scrgbClr r="0" g="0" b="0"/>
+      </a:fillRef>
+      <a:effectRef idx="0">
+        <a:scrgbClr r="0" g="0" b="0"/>
+      </a:effectRef>
+      <a:fontRef idx="minor"/>
+    </dgm:style>
+  </dgm:styleLbl>
+  <dgm:styleLbl name="fgAcc2">
+    <dgm:scene3d>
+      <a:camera prst="orthographicFront"/>
+      <a:lightRig rig="threePt" dir="t"/>
+    </dgm:scene3d>
+    <dgm:sp3d/>
+    <dgm:txPr/>
+    <dgm:style>
+      <a:lnRef idx="2">
+        <a:scrgbClr r="0" g="0" b="0"/>
+      </a:lnRef>
+      <a:fillRef idx="1">
+        <a:scrgbClr r="0" g="0" b="0"/>
+      </a:fillRef>
+      <a:effectRef idx="0">
+        <a:scrgbClr r="0" g="0" b="0"/>
+      </a:effectRef>
+      <a:fontRef idx="minor"/>
+    </dgm:style>
+  </dgm:styleLbl>
+  <dgm:styleLbl name="fgAcc3">
+    <dgm:scene3d>
+      <a:camera prst="orthographicFront"/>
+      <a:lightRig rig="threePt" dir="t"/>
+    </dgm:scene3d>
+    <dgm:sp3d/>
+    <dgm:txPr/>
+    <dgm:style>
+      <a:lnRef idx="2">
+        <a:scrgbClr r="0" g="0" b="0"/>
+      </a:lnRef>
+      <a:fillRef idx="1">
+        <a:scrgbClr r="0" g="0" b="0"/>
+      </a:fillRef>
+      <a:effectRef idx="0">
+        <a:scrgbClr r="0" g="0" b="0"/>
+      </a:effectRef>
+      <a:fontRef idx="minor"/>
+    </dgm:style>
+  </dgm:styleLbl>
+  <dgm:styleLbl name="fgAcc4">
+    <dgm:scene3d>
+      <a:camera prst="orthographicFront"/>
+      <a:lightRig rig="threePt" dir="t"/>
+    </dgm:scene3d>
+    <dgm:sp3d/>
+    <dgm:txPr/>
+    <dgm:style>
+      <a:lnRef idx="2">
+        <a:scrgbClr r="0" g="0" b="0"/>
+      </a:lnRef>
+      <a:fillRef idx="1">
+        <a:scrgbClr r="0" g="0" b="0"/>
+      </a:fillRef>
+      <a:effectRef idx="0">
+        <a:scrgbClr r="0" g="0" b="0"/>
+      </a:effectRef>
+      <a:fontRef idx="minor"/>
+    </dgm:style>
+  </dgm:styleLbl>
+  <dgm:styleLbl name="bgShp">
+    <dgm:scene3d>
+      <a:camera prst="orthographicFront"/>
+      <a:lightRig rig="threePt" dir="t"/>
+    </dgm:scene3d>
+    <dgm:sp3d/>
+    <dgm:txPr/>
+    <dgm:style>
+      <a:lnRef idx="0">
+        <a:scrgbClr r="0" g="0" b="0"/>
+      </a:lnRef>
+      <a:fillRef idx="1">
+        <a:scrgbClr r="0" g="0" b="0"/>
+      </a:fillRef>
+      <a:effectRef idx="0">
+        <a:scrgbClr r="0" g="0" b="0"/>
+      </a:effectRef>
+      <a:fontRef idx="minor"/>
+    </dgm:style>
+  </dgm:styleLbl>
+  <dgm:styleLbl name="dkBgShp">
+    <dgm:scene3d>
+      <a:camera prst="orthographicFront"/>
+      <a:lightRig rig="threePt" dir="t"/>
+    </dgm:scene3d>
+    <dgm:sp3d/>
+    <dgm:txPr/>
+    <dgm:style>
+      <a:lnRef idx="0">
+        <a:scrgbClr r="0" g="0" b="0"/>
+      </a:lnRef>
+      <a:fillRef idx="1">
+        <a:scrgbClr r="0" g="0" b="0"/>
+      </a:fillRef>
+      <a:effectRef idx="0">
+        <a:scrgbClr r="0" g="0" b="0"/>
+      </a:effectRef>
+      <a:fontRef idx="minor"/>
+    </dgm:style>
+  </dgm:styleLbl>
+  <dgm:styleLbl name="trBgShp">
+    <dgm:scene3d>
+      <a:camera prst="orthographicFront"/>
+      <a:lightRig rig="threePt" dir="t"/>
+    </dgm:scene3d>
+    <dgm:sp3d/>
+    <dgm:txPr/>
+    <dgm:style>
+      <a:lnRef idx="0">
+        <a:scrgbClr r="0" g="0" b="0"/>
+      </a:lnRef>
+      <a:fillRef idx="1">
+        <a:scrgbClr r="0" g="0" b="0"/>
+      </a:fillRef>
+      <a:effectRef idx="0">
+        <a:scrgbClr r="0" g="0" b="0"/>
+      </a:effectRef>
+      <a:fontRef idx="minor"/>
+    </dgm:style>
+  </dgm:styleLbl>
+  <dgm:styleLbl name="fgShp">
+    <dgm:scene3d>
+      <a:camera prst="orthographicFront"/>
+      <a:lightRig rig="threePt" dir="t"/>
+    </dgm:scene3d>
+    <dgm:sp3d/>
+    <dgm:txPr/>
+    <dgm:style>
+      <a:lnRef idx="3">
+        <a:scrgbClr r="0" g="0" b="0"/>
+      </a:lnRef>
+      <a:fillRef idx="1">
+        <a:scrgbClr r="0" g="0" b="0"/>
+      </a:fillRef>
+      <a:effectRef idx="1">
+        <a:scrgbClr r="0" g="0" b="0"/>
+      </a:effectRef>
+      <a:fontRef idx="minor"/>
+    </dgm:style>
+  </dgm:styleLbl>
+  <dgm:styleLbl name="revTx">
+    <dgm:scene3d>
+      <a:camera prst="orthographicFront"/>
+      <a:lightRig rig="threePt" dir="t"/>
+    </dgm:scene3d>
+    <dgm:sp3d/>
+    <dgm:txPr/>
+    <dgm:style>
+      <a:lnRef idx="0">
+        <a:scrgbClr r="0" g="0" b="0"/>
+      </a:lnRef>
+      <a:fillRef idx="0">
+        <a:scrgbClr r="0" g="0" b="0"/>
+      </a:fillRef>
+      <a:effectRef idx="0">
+        <a:scrgbClr r="0" g="0" b="0"/>
+      </a:effectRef>
+      <a:fontRef idx="minor"/>
+    </dgm:style>
+  </dgm:styleLbl>
+</dgm:styleDef>
+</file>
+
+<file path=ppt/diagrams/quickStyle16.xml><?xml version="1.0" encoding="utf-8"?>
+<dgm:styleDef xmlns:dgm="http://schemas.openxmlformats.org/drawingml/2006/diagram" xmlns:a="http://schemas.openxmlformats.org/drawingml/2006/main" uniqueId="urn:microsoft.com/office/officeart/2005/8/quickstyle/simple2">
+  <dgm:title val=""/>
+  <dgm:desc val=""/>
+  <dgm:catLst>
+    <dgm:cat type="simple" pri="10200"/>
+  </dgm:catLst>
+  <dgm:scene3d>
+    <a:camera prst="orthographicFront"/>
+    <a:lightRig rig="threePt" dir="t"/>
+  </dgm:scene3d>
+  <dgm:styleLbl name="node0">
+    <dgm:scene3d>
+      <a:camera prst="orthographicFront"/>
+      <a:lightRig rig="threePt" dir="t"/>
+    </dgm:scene3d>
+    <dgm:sp3d/>
+    <dgm:txPr/>
+    <dgm:style>
+      <a:lnRef idx="3">
+        <a:scrgbClr r="0" g="0" b="0"/>
+      </a:lnRef>
+      <a:fillRef idx="1">
+        <a:scrgbClr r="0" g="0" b="0"/>
+      </a:fillRef>
+      <a:effectRef idx="1">
+        <a:scrgbClr r="0" g="0" b="0"/>
+      </a:effectRef>
+      <a:fontRef idx="minor">
+        <a:schemeClr val="lt1"/>
+      </a:fontRef>
+    </dgm:style>
+  </dgm:styleLbl>
+  <dgm:styleLbl name="lnNode1">
+    <dgm:scene3d>
+      <a:camera prst="orthographicFront"/>
+      <a:lightRig rig="threePt" dir="t"/>
+    </dgm:scene3d>
+    <dgm:sp3d/>
+    <dgm:txPr/>
+    <dgm:style>
+      <a:lnRef idx="3">
+        <a:scrgbClr r="0" g="0" b="0"/>
+      </a:lnRef>
+      <a:fillRef idx="1">
+        <a:scrgbClr r="0" g="0" b="0"/>
+      </a:fillRef>
+      <a:effectRef idx="1">
+        <a:scrgbClr r="0" g="0" b="0"/>
+      </a:effectRef>
+      <a:fontRef idx="minor">
+        <a:schemeClr val="lt1"/>
+      </a:fontRef>
+    </dgm:style>
+  </dgm:styleLbl>
+  <dgm:styleLbl name="vennNode1">
+    <dgm:scene3d>
+      <a:camera prst="orthographicFront"/>
+      <a:lightRig rig="threePt" dir="t"/>
+    </dgm:scene3d>
+    <dgm:sp3d/>
+    <dgm:txPr/>
+    <dgm:style>
+      <a:lnRef idx="3">
+        <a:scrgbClr r="0" g="0" b="0"/>
+      </a:lnRef>
+      <a:fillRef idx="1">
+        <a:scrgbClr r="0" g="0" b="0"/>
+      </a:fillRef>
+      <a:effectRef idx="0">
+        <a:scrgbClr r="0" g="0" b="0"/>
+      </a:effectRef>
+      <a:fontRef idx="minor">
+        <a:schemeClr val="tx1"/>
+      </a:fontRef>
+    </dgm:style>
+  </dgm:styleLbl>
+  <dgm:styleLbl name="alignNode1">
+    <dgm:scene3d>
+      <a:camera prst="orthographicFront"/>
+      <a:lightRig rig="threePt" dir="t"/>
+    </dgm:scene3d>
+    <dgm:sp3d/>
+    <dgm:txPr/>
+    <dgm:style>
+      <a:lnRef idx="2">
+        <a:scrgbClr r="0" g="0" b="0"/>
+      </a:lnRef>
+      <a:fillRef idx="1">
+        <a:scrgbClr r="0" g="0" b="0"/>
+      </a:fillRef>
+      <a:effectRef idx="1">
+        <a:scrgbClr r="0" g="0" b="0"/>
+      </a:effectRef>
+      <a:fontRef idx="minor">
+        <a:schemeClr val="lt1"/>
+      </a:fontRef>
+    </dgm:style>
+  </dgm:styleLbl>
+  <dgm:styleLbl name="node1">
+    <dgm:scene3d>
+      <a:camera prst="orthographicFront"/>
+      <a:lightRig rig="threePt" dir="t"/>
+    </dgm:scene3d>
+    <dgm:sp3d/>
+    <dgm:txPr/>
+    <dgm:style>
+      <a:lnRef idx="3">
+        <a:scrgbClr r="0" g="0" b="0"/>
+      </a:lnRef>
+      <a:fillRef idx="1">
+        <a:scrgbClr r="0" g="0" b="0"/>
+      </a:fillRef>
+      <a:effectRef idx="1">
+        <a:scrgbClr r="0" g="0" b="0"/>
+      </a:effectRef>
+      <a:fontRef idx="minor">
+        <a:schemeClr val="lt1"/>
+      </a:fontRef>
+    </dgm:style>
+  </dgm:styleLbl>
+  <dgm:styleLbl name="node2">
+    <dgm:scene3d>
+      <a:camera prst="orthographicFront"/>
+      <a:lightRig rig="threePt" dir="t"/>
+    </dgm:scene3d>
+    <dgm:sp3d/>
+    <dgm:txPr/>
+    <dgm:style>
+      <a:lnRef idx="3">
+        <a:scrgbClr r="0" g="0" b="0"/>
+      </a:lnRef>
+      <a:fillRef idx="1">
+        <a:scrgbClr r="0" g="0" b="0"/>
+      </a:fillRef>
+      <a:effectRef idx="1">
+        <a:scrgbClr r="0" g="0" b="0"/>
+      </a:effectRef>
+      <a:fontRef idx="minor">
+        <a:schemeClr val="lt1"/>
+      </a:fontRef>
+    </dgm:style>
+  </dgm:styleLbl>
+  <dgm:styleLbl name="node3">
+    <dgm:scene3d>
+      <a:camera prst="orthographicFront"/>
+      <a:lightRig rig="threePt" dir="t"/>
+    </dgm:scene3d>
+    <dgm:sp3d/>
+    <dgm:txPr/>
+    <dgm:style>
+      <a:lnRef idx="3">
+        <a:scrgbClr r="0" g="0" b="0"/>
+      </a:lnRef>
+      <a:fillRef idx="1">
+        <a:scrgbClr r="0" g="0" b="0"/>
+      </a:fillRef>
+      <a:effectRef idx="1">
+        <a:scrgbClr r="0" g="0" b="0"/>
+      </a:effectRef>
+      <a:fontRef idx="minor">
+        <a:schemeClr val="lt1"/>
+      </a:fontRef>
+    </dgm:style>
+  </dgm:styleLbl>
+  <dgm:styleLbl name="node4">
+    <dgm:scene3d>
+      <a:camera prst="orthographicFront"/>
+      <a:lightRig rig="threePt" dir="t"/>
+    </dgm:scene3d>
+    <dgm:sp3d/>
+    <dgm:txPr/>
+    <dgm:style>
+      <a:lnRef idx="3">
+        <a:scrgbClr r="0" g="0" b="0"/>
+      </a:lnRef>
+      <a:fillRef idx="1">
+        <a:scrgbClr r="0" g="0" b="0"/>
+      </a:fillRef>
+      <a:effectRef idx="1">
+        <a:scrgbClr r="0" g="0" b="0"/>
+      </a:effectRef>
+      <a:fontRef idx="minor">
+        <a:schemeClr val="lt1"/>
+      </a:fontRef>
+    </dgm:style>
+  </dgm:styleLbl>
+  <dgm:styleLbl name="fgImgPlace1">
+    <dgm:scene3d>
+      <a:camera prst="orthographicFront"/>
+      <a:lightRig rig="threePt" dir="t"/>
+    </dgm:scene3d>
+    <dgm:sp3d/>
+    <dgm:txPr/>
+    <dgm:style>
+      <a:lnRef idx="3">
+        <a:scrgbClr r="0" g="0" b="0"/>
+      </a:lnRef>
+      <a:fillRef idx="1">
+        <a:scrgbClr r="0" g="0" b="0"/>
+      </a:fillRef>
+      <a:effectRef idx="1">
+        <a:scrgbClr r="0" g="0" b="0"/>
+      </a:effectRef>
+      <a:fontRef idx="minor"/>
+    </dgm:style>
+  </dgm:styleLbl>
+  <dgm:styleLbl name="alignImgPlace1">
+    <dgm:scene3d>
+      <a:camera prst="orthographicFront"/>
+      <a:lightRig rig="threePt" dir="t"/>
+    </dgm:scene3d>
+    <dgm:sp3d/>
+    <dgm:txPr/>
+    <dgm:style>
+      <a:lnRef idx="3">
+        <a:scrgbClr r="0" g="0" b="0"/>
+      </a:lnRef>
+      <a:fillRef idx="1">
+        <a:scrgbClr r="0" g="0" b="0"/>
+      </a:fillRef>
+      <a:effectRef idx="1">
+        <a:scrgbClr r="0" g="0" b="0"/>
+      </a:effectRef>
+      <a:fontRef idx="minor"/>
+    </dgm:style>
+  </dgm:styleLbl>
+  <dgm:styleLbl name="bgImgPlace1">
+    <dgm:scene3d>
+      <a:camera prst="orthographicFront"/>
+      <a:lightRig rig="threePt" dir="t"/>
+    </dgm:scene3d>
+    <dgm:sp3d/>
+    <dgm:txPr/>
+    <dgm:style>
+      <a:lnRef idx="3">
+        <a:scrgbClr r="0" g="0" b="0"/>
+      </a:lnRef>
+      <a:fillRef idx="1">
+        <a:scrgbClr r="0" g="0" b="0"/>
+      </a:fillRef>
+      <a:effectRef idx="1">
+        <a:scrgbClr r="0" g="0" b="0"/>
+      </a:effectRef>
+      <a:fontRef idx="minor"/>
+    </dgm:style>
+  </dgm:styleLbl>
+  <dgm:styleLbl name="sibTrans2D1">
+    <dgm:scene3d>
+      <a:camera prst="orthographicFront"/>
+      <a:lightRig rig="threePt" dir="t"/>
+    </dgm:scene3d>
+    <dgm:sp3d/>
+    <dgm:txPr/>
+    <dgm:style>
+      <a:lnRef idx="0">
+        <a:scrgbClr r="0" g="0" b="0"/>
+      </a:lnRef>
+      <a:fillRef idx="1">
+        <a:scrgbClr r="0" g="0" b="0"/>
+      </a:fillRef>
+      <a:effectRef idx="1">
+        <a:scrgbClr r="0" g="0" b="0"/>
+      </a:effectRef>
+      <a:fontRef idx="minor">
+        <a:schemeClr val="lt1"/>
+      </a:fontRef>
+    </dgm:style>
+  </dgm:styleLbl>
+  <dgm:styleLbl name="fgSibTrans2D1">
+    <dgm:scene3d>
+      <a:camera prst="orthographicFront"/>
+      <a:lightRig rig="threePt" dir="t"/>
+    </dgm:scene3d>
+    <dgm:sp3d/>
+    <dgm:txPr/>
+    <dgm:style>
+      <a:lnRef idx="0">
+        <a:scrgbClr r="0" g="0" b="0"/>
+      </a:lnRef>
+      <a:fillRef idx="1">
+        <a:scrgbClr r="0" g="0" b="0"/>
+      </a:fillRef>
+      <a:effectRef idx="1">
+        <a:scrgbClr r="0" g="0" b="0"/>
+      </a:effectRef>
+      <a:fontRef idx="minor">
+        <a:schemeClr val="lt1"/>
+      </a:fontRef>
+    </dgm:style>
+  </dgm:styleLbl>
+  <dgm:styleLbl name="bgSibTrans2D1">
+    <dgm:scene3d>
+      <a:camera prst="orthographicFront"/>
+      <a:lightRig rig="threePt" dir="t"/>
+    </dgm:scene3d>
+    <dgm:sp3d/>
+    <dgm:txPr/>
+    <dgm:style>
+      <a:lnRef idx="0">
+        <a:scrgbClr r="0" g="0" b="0"/>
+      </a:lnRef>
+      <a:fillRef idx="1">
+        <a:scrgbClr r="0" g="0" b="0"/>
+      </a:fillRef>
+      <a:effectRef idx="1">
+        <a:scrgbClr r="0" g="0" b="0"/>
+      </a:effectRef>
+      <a:fontRef idx="minor">
+        <a:schemeClr val="lt1"/>
+      </a:fontRef>
+    </dgm:style>
+  </dgm:styleLbl>
+  <dgm:styleLbl name="sibTrans1D1">
+    <dgm:scene3d>
+      <a:camera prst="orthographicFront"/>
+      <a:lightRig rig="threePt" dir="t"/>
+    </dgm:scene3d>
+    <dgm:sp3d/>
+    <dgm:txPr/>
+    <dgm:style>
+      <a:lnRef idx="1">
+        <a:scrgbClr r="0" g="0" b="0"/>
+      </a:lnRef>
+      <a:fillRef idx="0">
+        <a:scrgbClr r="0" g="0" b="0"/>
+      </a:fillRef>
+      <a:effectRef idx="0">
+        <a:scrgbClr r="0" g="0" b="0"/>
+      </a:effectRef>
+      <a:fontRef idx="minor"/>
+    </dgm:style>
+  </dgm:styleLbl>
+  <dgm:styleLbl name="callout">
+    <dgm:scene3d>
+      <a:camera prst="orthographicFront"/>
+      <a:lightRig rig="threePt" dir="t"/>
+    </dgm:scene3d>
+    <dgm:sp3d/>
+    <dgm:txPr/>
+    <dgm:style>
+      <a:lnRef idx="2">
+        <a:scrgbClr r="0" g="0" b="0"/>
+      </a:lnRef>
+      <a:fillRef idx="1">
+        <a:scrgbClr r="0" g="0" b="0"/>
+      </a:fillRef>
+      <a:effectRef idx="1">
+        <a:scrgbClr r="0" g="0" b="0"/>
+      </a:effectRef>
+      <a:fontRef idx="minor"/>
+    </dgm:style>
+  </dgm:styleLbl>
+  <dgm:styleLbl name="asst0">
+    <dgm:scene3d>
+      <a:camera prst="orthographicFront"/>
+      <a:lightRig rig="threePt" dir="t"/>
+    </dgm:scene3d>
+    <dgm:sp3d/>
+    <dgm:txPr/>
+    <dgm:style>
+      <a:lnRef idx="3">
+        <a:scrgbClr r="0" g="0" b="0"/>
+      </a:lnRef>
+      <a:fillRef idx="1">
+        <a:scrgbClr r="0" g="0" b="0"/>
+      </a:fillRef>
+      <a:effectRef idx="1">
+        <a:scrgbClr r="0" g="0" b="0"/>
+      </a:effectRef>
+      <a:fontRef idx="minor">
+        <a:schemeClr val="lt1"/>
+      </a:fontRef>
+    </dgm:style>
+  </dgm:styleLbl>
+  <dgm:styleLbl name="asst1">
+    <dgm:scene3d>
+      <a:camera prst="orthographicFront"/>
+      <a:lightRig rig="threePt" dir="t"/>
+    </dgm:scene3d>
+    <dgm:sp3d/>
+    <dgm:txPr/>
+    <dgm:style>
+      <a:lnRef idx="3">
+        <a:scrgbClr r="0" g="0" b="0"/>
+      </a:lnRef>
+      <a:fillRef idx="1">
+        <a:scrgbClr r="0" g="0" b="0"/>
+      </a:fillRef>
+      <a:effectRef idx="1">
+        <a:scrgbClr r="0" g="0" b="0"/>
+      </a:effectRef>
+      <a:fontRef idx="minor">
+        <a:schemeClr val="lt1"/>
+      </a:fontRef>
+    </dgm:style>
+  </dgm:styleLbl>
+  <dgm:styleLbl name="asst2">
+    <dgm:scene3d>
+      <a:camera prst="orthographicFront"/>
+      <a:lightRig rig="threePt" dir="t"/>
+    </dgm:scene3d>
+    <dgm:sp3d/>
+    <dgm:txPr/>
+    <dgm:style>
+      <a:lnRef idx="3">
+        <a:scrgbClr r="0" g="0" b="0"/>
+      </a:lnRef>
+      <a:fillRef idx="1">
+        <a:scrgbClr r="0" g="0" b="0"/>
+      </a:fillRef>
+      <a:effectRef idx="1">
+        <a:scrgbClr r="0" g="0" b="0"/>
+      </a:effectRef>
+      <a:fontRef idx="minor">
+        <a:schemeClr val="lt1"/>
+      </a:fontRef>
+    </dgm:style>
+  </dgm:styleLbl>
+  <dgm:styleLbl name="asst3">
+    <dgm:scene3d>
+      <a:camera prst="orthographicFront"/>
+      <a:lightRig rig="threePt" dir="t"/>
+    </dgm:scene3d>
+    <dgm:sp3d/>
+    <dgm:txPr/>
+    <dgm:style>
+      <a:lnRef idx="3">
+        <a:scrgbClr r="0" g="0" b="0"/>
+      </a:lnRef>
+      <a:fillRef idx="1">
+        <a:scrgbClr r="0" g="0" b="0"/>
+      </a:fillRef>
+      <a:effectRef idx="1">
+        <a:scrgbClr r="0" g="0" b="0"/>
+      </a:effectRef>
+      <a:fontRef idx="minor">
+        <a:schemeClr val="lt1"/>
+      </a:fontRef>
+    </dgm:style>
+  </dgm:styleLbl>
+  <dgm:styleLbl name="asst4">
+    <dgm:scene3d>
+      <a:camera prst="orthographicFront"/>
+      <a:lightRig rig="threePt" dir="t"/>
+    </dgm:scene3d>
+    <dgm:sp3d/>
+    <dgm:txPr/>
+    <dgm:style>
+      <a:lnRef idx="3">
+        <a:scrgbClr r="0" g="0" b="0"/>
+      </a:lnRef>
+      <a:fillRef idx="1">
+        <a:scrgbClr r="0" g="0" b="0"/>
+      </a:fillRef>
+      <a:effectRef idx="1">
+        <a:scrgbClr r="0" g="0" b="0"/>
+      </a:effectRef>
+      <a:fontRef idx="minor">
+        <a:schemeClr val="lt1"/>
+      </a:fontRef>
+    </dgm:style>
+  </dgm:styleLbl>
+  <dgm:styleLbl name="parChTrans2D1">
+    <dgm:scene3d>
+      <a:camera prst="orthographicFront"/>
+      <a:lightRig rig="threePt" dir="t"/>
+    </dgm:scene3d>
+    <dgm:sp3d/>
+    <dgm:txPr/>
+    <dgm:style>
+      <a:lnRef idx="3">
+        <a:scrgbClr r="0" g="0" b="0"/>
+      </a:lnRef>
+      <a:fillRef idx="1">
+        <a:scrgbClr r="0" g="0" b="0"/>
+      </a:fillRef>
+      <a:effectRef idx="1">
+        <a:scrgbClr r="0" g="0" b="0"/>
+      </a:effectRef>
+      <a:fontRef idx="minor">
+        <a:schemeClr val="lt1"/>
+      </a:fontRef>
+    </dgm:style>
+  </dgm:styleLbl>
+  <dgm:styleLbl name="parChTrans2D2">
+    <dgm:scene3d>
+      <a:camera prst="orthographicFront"/>
+      <a:lightRig rig="threePt" dir="t"/>
+    </dgm:scene3d>
+    <dgm:sp3d/>
+    <dgm:txPr/>
+    <dgm:style>
+      <a:lnRef idx="3">
+        <a:scrgbClr r="0" g="0" b="0"/>
+      </a:lnRef>
+      <a:fillRef idx="1">
+        <a:scrgbClr r="0" g="0" b="0"/>
+      </a:fillRef>
+      <a:effectRef idx="1">
+        <a:scrgbClr r="0" g="0" b="0"/>
+      </a:effectRef>
+      <a:fontRef idx="minor">
+        <a:schemeClr val="lt1"/>
+      </a:fontRef>
+    </dgm:style>
+  </dgm:styleLbl>
+  <dgm:styleLbl name="parChTrans2D3">
+    <dgm:scene3d>
+      <a:camera prst="orthographicFront"/>
+      <a:lightRig rig="threePt" dir="t"/>
+    </dgm:scene3d>
+    <dgm:sp3d/>
+    <dgm:txPr/>
+    <dgm:style>
+      <a:lnRef idx="3">
+        <a:scrgbClr r="0" g="0" b="0"/>
+      </a:lnRef>
+      <a:fillRef idx="1">
+        <a:scrgbClr r="0" g="0" b="0"/>
+      </a:fillRef>
+      <a:effectRef idx="1">
+        <a:scrgbClr r="0" g="0" b="0"/>
+      </a:effectRef>
+      <a:fontRef idx="minor">
+        <a:schemeClr val="lt1"/>
+      </a:fontRef>
+    </dgm:style>
+  </dgm:styleLbl>
+  <dgm:styleLbl name="parChTrans2D4">
+    <dgm:scene3d>
+      <a:camera prst="orthographicFront"/>
+      <a:lightRig rig="threePt" dir="t"/>
+    </dgm:scene3d>
+    <dgm:sp3d/>
+    <dgm:txPr/>
+    <dgm:style>
+      <a:lnRef idx="3">
+        <a:scrgbClr r="0" g="0" b="0"/>
+      </a:lnRef>
+      <a:fillRef idx="1">
+        <a:scrgbClr r="0" g="0" b="0"/>
+      </a:fillRef>
+      <a:effectRef idx="1">
+        <a:scrgbClr r="0" g="0" b="0"/>
+      </a:effectRef>
+      <a:fontRef idx="minor">
+        <a:schemeClr val="lt1"/>
+      </a:fontRef>
+    </dgm:style>
+  </dgm:styleLbl>
+  <dgm:styleLbl name="parChTrans1D1">
+    <dgm:scene3d>
+      <a:camera prst="orthographicFront"/>
+      <a:lightRig rig="threePt" dir="t"/>
+    </dgm:scene3d>
+    <dgm:sp3d/>
+    <dgm:txPr/>
+    <dgm:style>
+      <a:lnRef idx="2">
+        <a:scrgbClr r="0" g="0" b="0"/>
+      </a:lnRef>
+      <a:fillRef idx="0">
+        <a:scrgbClr r="0" g="0" b="0"/>
+      </a:fillRef>
+      <a:effectRef idx="0">
+        <a:scrgbClr r="0" g="0" b="0"/>
+      </a:effectRef>
+      <a:fontRef idx="minor"/>
+    </dgm:style>
+  </dgm:styleLbl>
+  <dgm:styleLbl name="parChTrans1D2">
+    <dgm:scene3d>
+      <a:camera prst="orthographicFront"/>
+      <a:lightRig rig="threePt" dir="t"/>
+    </dgm:scene3d>
+    <dgm:sp3d/>
+    <dgm:txPr/>
+    <dgm:style>
+      <a:lnRef idx="2">
+        <a:scrgbClr r="0" g="0" b="0"/>
+      </a:lnRef>
+      <a:fillRef idx="0">
+        <a:scrgbClr r="0" g="0" b="0"/>
+      </a:fillRef>
+      <a:effectRef idx="0">
+        <a:scrgbClr r="0" g="0" b="0"/>
+      </a:effectRef>
+      <a:fontRef idx="minor"/>
+    </dgm:style>
+  </dgm:styleLbl>
+  <dgm:styleLbl name="parChTrans1D3">
+    <dgm:scene3d>
+      <a:camera prst="orthographicFront"/>
+      <a:lightRig rig="threePt" dir="t"/>
+    </dgm:scene3d>
+    <dgm:sp3d/>
+    <dgm:txPr/>
+    <dgm:style>
+      <a:lnRef idx="2">
+        <a:scrgbClr r="0" g="0" b="0"/>
+      </a:lnRef>
+      <a:fillRef idx="0">
+        <a:scrgbClr r="0" g="0" b="0"/>
+      </a:fillRef>
+      <a:effectRef idx="0">
+        <a:scrgbClr r="0" g="0" b="0"/>
+      </a:effectRef>
+      <a:fontRef idx="minor"/>
+    </dgm:style>
+  </dgm:styleLbl>
+  <dgm:styleLbl name="parChTrans1D4">
+    <dgm:scene3d>
+      <a:camera prst="orthographicFront"/>
+      <a:lightRig rig="threePt" dir="t"/>
+    </dgm:scene3d>
+    <dgm:sp3d/>
+    <dgm:txPr/>
+    <dgm:style>
+      <a:lnRef idx="2">
+        <a:scrgbClr r="0" g="0" b="0"/>
+      </a:lnRef>
+      <a:fillRef idx="0">
+        <a:scrgbClr r="0" g="0" b="0"/>
+      </a:fillRef>
+      <a:effectRef idx="0">
+        <a:scrgbClr r="0" g="0" b="0"/>
+      </a:effectRef>
+      <a:fontRef idx="minor"/>
+    </dgm:style>
+  </dgm:styleLbl>
+  <dgm:styleLbl name="fgAcc1">
+    <dgm:scene3d>
+      <a:camera prst="orthographicFront"/>
+      <a:lightRig rig="threePt" dir="t"/>
+    </dgm:scene3d>
+    <dgm:sp3d/>
+    <dgm:txPr/>
+    <dgm:style>
+      <a:lnRef idx="2">
+        <a:scrgbClr r="0" g="0" b="0"/>
+      </a:lnRef>
+      <a:fillRef idx="1">
+        <a:scrgbClr r="0" g="0" b="0"/>
+      </a:fillRef>
+      <a:effectRef idx="0">
+        <a:scrgbClr r="0" g="0" b="0"/>
+      </a:effectRef>
+      <a:fontRef idx="minor"/>
+    </dgm:style>
+  </dgm:styleLbl>
+  <dgm:styleLbl name="conFgAcc1">
+    <dgm:scene3d>
+      <a:camera prst="orthographicFront"/>
+      <a:lightRig rig="threePt" dir="t"/>
+    </dgm:scene3d>
+    <dgm:sp3d/>
+    <dgm:txPr/>
+    <dgm:style>
+      <a:lnRef idx="2">
+        <a:scrgbClr r="0" g="0" b="0"/>
+      </a:lnRef>
+      <a:fillRef idx="1">
+        <a:scrgbClr r="0" g="0" b="0"/>
+      </a:fillRef>
+      <a:effectRef idx="0">
+        <a:scrgbClr r="0" g="0" b="0"/>
+      </a:effectRef>
+      <a:fontRef idx="minor"/>
+    </dgm:style>
+  </dgm:styleLbl>
+  <dgm:styleLbl name="alignAcc1">
+    <dgm:scene3d>
+      <a:camera prst="orthographicFront"/>
+      <a:lightRig rig="threePt" dir="t"/>
+    </dgm:scene3d>
+    <dgm:sp3d/>
+    <dgm:txPr/>
+    <dgm:style>
+      <a:lnRef idx="2">
+        <a:scrgbClr r="0" g="0" b="0"/>
+      </a:lnRef>
+      <a:fillRef idx="1">
+        <a:scrgbClr r="0" g="0" b="0"/>
+      </a:fillRef>
+      <a:effectRef idx="0">
+        <a:scrgbClr r="0" g="0" b="0"/>
+      </a:effectRef>
+      <a:fontRef idx="minor"/>
+    </dgm:style>
+  </dgm:styleLbl>
+  <dgm:styleLbl name="trAlignAcc1">
+    <dgm:scene3d>
+      <a:camera prst="orthographicFront"/>
+      <a:lightRig rig="threePt" dir="t"/>
+    </dgm:scene3d>
+    <dgm:sp3d/>
+    <dgm:txPr/>
+    <dgm:style>
+      <a:lnRef idx="1">
+        <a:scrgbClr r="0" g="0" b="0"/>
+      </a:lnRef>
+      <a:fillRef idx="1">
+        <a:scrgbClr r="0" g="0" b="0"/>
+      </a:fillRef>
+      <a:effectRef idx="0">
+        <a:scrgbClr r="0" g="0" b="0"/>
+      </a:effectRef>
+      <a:fontRef idx="minor"/>
+    </dgm:style>
+  </dgm:styleLbl>
+  <dgm:styleLbl name="bgAcc1">
+    <dgm:scene3d>
+      <a:camera prst="orthographicFront"/>
+      <a:lightRig rig="threePt" dir="t"/>
+    </dgm:scene3d>
+    <dgm:sp3d/>
+    <dgm:txPr/>
+    <dgm:style>
+      <a:lnRef idx="2">
+        <a:scrgbClr r="0" g="0" b="0"/>
+      </a:lnRef>
+      <a:fillRef idx="1">
+        <a:scrgbClr r="0" g="0" b="0"/>
+      </a:fillRef>
+      <a:effectRef idx="0">
+        <a:scrgbClr r="0" g="0" b="0"/>
+      </a:effectRef>
+      <a:fontRef idx="minor"/>
+    </dgm:style>
+  </dgm:styleLbl>
+  <dgm:styleLbl name="solidFgAcc1">
+    <dgm:scene3d>
+      <a:camera prst="orthographicFront"/>
+      <a:lightRig rig="threePt" dir="t"/>
+    </dgm:scene3d>
+    <dgm:sp3d/>
+    <dgm:txPr/>
+    <dgm:style>
+      <a:lnRef idx="2">
+        <a:scrgbClr r="0" g="0" b="0"/>
+      </a:lnRef>
+      <a:fillRef idx="1">
+        <a:scrgbClr r="0" g="0" b="0"/>
+      </a:fillRef>
+      <a:effectRef idx="0">
+        <a:scrgbClr r="0" g="0" b="0"/>
+      </a:effectRef>
+      <a:fontRef idx="minor"/>
+    </dgm:style>
+  </dgm:styleLbl>
+  <dgm:styleLbl name="solidAlignAcc1">
+    <dgm:scene3d>
+      <a:camera prst="orthographicFront"/>
+      <a:lightRig rig="threePt" dir="t"/>
+    </dgm:scene3d>
+    <dgm:sp3d/>
+    <dgm:txPr/>
+    <dgm:style>
+      <a:lnRef idx="2">
+        <a:scrgbClr r="0" g="0" b="0"/>
+      </a:lnRef>
+      <a:fillRef idx="1">
+        <a:scrgbClr r="0" g="0" b="0"/>
+      </a:fillRef>
+      <a:effectRef idx="0">
+        <a:scrgbClr r="0" g="0" b="0"/>
+      </a:effectRef>
+      <a:fontRef idx="minor"/>
+    </dgm:style>
+  </dgm:styleLbl>
+  <dgm:styleLbl name="solidBgAcc1">
+    <dgm:scene3d>
+      <a:camera prst="orthographicFront"/>
+      <a:lightRig rig="threePt" dir="t"/>
+    </dgm:scene3d>
+    <dgm:sp3d/>
+    <dgm:txPr/>
+    <dgm:style>
+      <a:lnRef idx="2">
+        <a:scrgbClr r="0" g="0" b="0"/>
+      </a:lnRef>
+      <a:fillRef idx="1">
+        <a:scrgbClr r="0" g="0" b="0"/>
+      </a:fillRef>
+      <a:effectRef idx="0">
+        <a:scrgbClr r="0" g="0" b="0"/>
+      </a:effectRef>
+      <a:fontRef idx="minor"/>
+    </dgm:style>
+  </dgm:styleLbl>
+  <dgm:styleLbl name="fgAccFollowNode1">
+    <dgm:scene3d>
+      <a:camera prst="orthographicFront"/>
+      <a:lightRig rig="threePt" dir="t"/>
+    </dgm:scene3d>
+    <dgm:sp3d/>
+    <dgm:txPr/>
+    <dgm:style>
+      <a:lnRef idx="2">
+        <a:scrgbClr r="0" g="0" b="0"/>
+      </a:lnRef>
+      <a:fillRef idx="1">
+        <a:scrgbClr r="0" g="0" b="0"/>
+      </a:fillRef>
+      <a:effectRef idx="0">
+        <a:scrgbClr r="0" g="0" b="0"/>
+      </a:effectRef>
+      <a:fontRef idx="minor"/>
+    </dgm:style>
+  </dgm:styleLbl>
+  <dgm:styleLbl name="alignAccFollowNode1">
+    <dgm:scene3d>
+      <a:camera prst="orthographicFront"/>
+      <a:lightRig rig="threePt" dir="t"/>
+    </dgm:scene3d>
+    <dgm:sp3d/>
+    <dgm:txPr/>
+    <dgm:style>
+      <a:lnRef idx="2">
+        <a:scrgbClr r="0" g="0" b="0"/>
+      </a:lnRef>
+      <a:fillRef idx="1">
+        <a:scrgbClr r="0" g="0" b="0"/>
+      </a:fillRef>
+      <a:effectRef idx="0">
+        <a:scrgbClr r="0" g="0" b="0"/>
+      </a:effectRef>
+      <a:fontRef idx="minor"/>
+    </dgm:style>
+  </dgm:styleLbl>
+  <dgm:styleLbl name="bgAccFollowNode1">
+    <dgm:scene3d>
+      <a:camera prst="orthographicFront"/>
+      <a:lightRig rig="threePt" dir="t"/>
+    </dgm:scene3d>
+    <dgm:sp3d/>
+    <dgm:txPr/>
+    <dgm:style>
+      <a:lnRef idx="2">
+        <a:scrgbClr r="0" g="0" b="0"/>
+      </a:lnRef>
+      <a:fillRef idx="1">
+        <a:scrgbClr r="0" g="0" b="0"/>
+      </a:fillRef>
+      <a:effectRef idx="0">
+        <a:scrgbClr r="0" g="0" b="0"/>
+      </a:effectRef>
+      <a:fontRef idx="minor"/>
+    </dgm:style>
+  </dgm:styleLbl>
+  <dgm:styleLbl name="fgAcc0">
+    <dgm:scene3d>
+      <a:camera prst="orthographicFront"/>
+      <a:lightRig rig="threePt" dir="t"/>
+    </dgm:scene3d>
+    <dgm:sp3d/>
+    <dgm:txPr/>
+    <dgm:style>
+      <a:lnRef idx="2">
+        <a:scrgbClr r="0" g="0" b="0"/>
+      </a:lnRef>
+      <a:fillRef idx="1">
+        <a:scrgbClr r="0" g="0" b="0"/>
+      </a:fillRef>
+      <a:effectRef idx="0">
+        <a:scrgbClr r="0" g="0" b="0"/>
+      </a:effectRef>
+      <a:fontRef idx="minor"/>
+    </dgm:style>
+  </dgm:styleLbl>
+  <dgm:styleLbl name="fgAcc2">
+    <dgm:scene3d>
+      <a:camera prst="orthographicFront"/>
+      <a:lightRig rig="threePt" dir="t"/>
+    </dgm:scene3d>
+    <dgm:sp3d/>
+    <dgm:txPr/>
+    <dgm:style>
+      <a:lnRef idx="2">
+        <a:scrgbClr r="0" g="0" b="0"/>
+      </a:lnRef>
+      <a:fillRef idx="1">
+        <a:scrgbClr r="0" g="0" b="0"/>
+      </a:fillRef>
+      <a:effectRef idx="0">
+        <a:scrgbClr r="0" g="0" b="0"/>
+      </a:effectRef>
+      <a:fontRef idx="minor"/>
+    </dgm:style>
+  </dgm:styleLbl>
+  <dgm:styleLbl name="fgAcc3">
+    <dgm:scene3d>
+      <a:camera prst="orthographicFront"/>
+      <a:lightRig rig="threePt" dir="t"/>
+    </dgm:scene3d>
+    <dgm:sp3d/>
+    <dgm:txPr/>
+    <dgm:style>
+      <a:lnRef idx="2">
+        <a:scrgbClr r="0" g="0" b="0"/>
+      </a:lnRef>
+      <a:fillRef idx="1">
+        <a:scrgbClr r="0" g="0" b="0"/>
+      </a:fillRef>
+      <a:effectRef idx="0">
+        <a:scrgbClr r="0" g="0" b="0"/>
+      </a:effectRef>
+      <a:fontRef idx="minor"/>
+    </dgm:style>
+  </dgm:styleLbl>
+  <dgm:styleLbl name="fgAcc4">
+    <dgm:scene3d>
+      <a:camera prst="orthographicFront"/>
+      <a:lightRig rig="threePt" dir="t"/>
+    </dgm:scene3d>
+    <dgm:sp3d/>
+    <dgm:txPr/>
+    <dgm:style>
+      <a:lnRef idx="2">
+        <a:scrgbClr r="0" g="0" b="0"/>
+      </a:lnRef>
+      <a:fillRef idx="1">
+        <a:scrgbClr r="0" g="0" b="0"/>
+      </a:fillRef>
+      <a:effectRef idx="0">
+        <a:scrgbClr r="0" g="0" b="0"/>
+      </a:effectRef>
+      <a:fontRef idx="minor"/>
+    </dgm:style>
+  </dgm:styleLbl>
+  <dgm:styleLbl name="bgShp">
+    <dgm:scene3d>
+      <a:camera prst="orthographicFront"/>
+      <a:lightRig rig="threePt" dir="t"/>
+    </dgm:scene3d>
+    <dgm:sp3d/>
+    <dgm:txPr/>
+    <dgm:style>
+      <a:lnRef idx="0">
+        <a:scrgbClr r="0" g="0" b="0"/>
+      </a:lnRef>
+      <a:fillRef idx="1">
+        <a:scrgbClr r="0" g="0" b="0"/>
+      </a:fillRef>
+      <a:effectRef idx="0">
+        <a:scrgbClr r="0" g="0" b="0"/>
+      </a:effectRef>
+      <a:fontRef idx="minor"/>
+    </dgm:style>
+  </dgm:styleLbl>
+  <dgm:styleLbl name="dkBgShp">
+    <dgm:scene3d>
+      <a:camera prst="orthographicFront"/>
+      <a:lightRig rig="threePt" dir="t"/>
+    </dgm:scene3d>
+    <dgm:sp3d/>
+    <dgm:txPr/>
+    <dgm:style>
+      <a:lnRef idx="0">
+        <a:scrgbClr r="0" g="0" b="0"/>
+      </a:lnRef>
+      <a:fillRef idx="1">
+        <a:scrgbClr r="0" g="0" b="0"/>
+      </a:fillRef>
+      <a:effectRef idx="0">
+        <a:scrgbClr r="0" g="0" b="0"/>
+      </a:effectRef>
+      <a:fontRef idx="minor"/>
+    </dgm:style>
+  </dgm:styleLbl>
+  <dgm:styleLbl name="trBgShp">
+    <dgm:scene3d>
+      <a:camera prst="orthographicFront"/>
+      <a:lightRig rig="threePt" dir="t"/>
+    </dgm:scene3d>
+    <dgm:sp3d/>
+    <dgm:txPr/>
+    <dgm:style>
+      <a:lnRef idx="0">
+        <a:scrgbClr r="0" g="0" b="0"/>
+      </a:lnRef>
+      <a:fillRef idx="1">
+        <a:scrgbClr r="0" g="0" b="0"/>
+      </a:fillRef>
+      <a:effectRef idx="0">
+        <a:scrgbClr r="0" g="0" b="0"/>
+      </a:effectRef>
+      <a:fontRef idx="minor"/>
+    </dgm:style>
+  </dgm:styleLbl>
+  <dgm:styleLbl name="fgShp">
+    <dgm:scene3d>
+      <a:camera prst="orthographicFront"/>
+      <a:lightRig rig="threePt" dir="t"/>
+    </dgm:scene3d>
+    <dgm:sp3d/>
+    <dgm:txPr/>
+    <dgm:style>
+      <a:lnRef idx="3">
+        <a:scrgbClr r="0" g="0" b="0"/>
+      </a:lnRef>
+      <a:fillRef idx="1">
+        <a:scrgbClr r="0" g="0" b="0"/>
+      </a:fillRef>
+      <a:effectRef idx="1">
+        <a:scrgbClr r="0" g="0" b="0"/>
+      </a:effectRef>
+      <a:fontRef idx="minor"/>
+    </dgm:style>
+  </dgm:styleLbl>
+  <dgm:styleLbl name="revTx">
+    <dgm:scene3d>
+      <a:camera prst="orthographicFront"/>
+      <a:lightRig rig="threePt" dir="t"/>
+    </dgm:scene3d>
+    <dgm:sp3d/>
+    <dgm:txPr/>
+    <dgm:style>
+      <a:lnRef idx="0">
+        <a:scrgbClr r="0" g="0" b="0"/>
+      </a:lnRef>
+      <a:fillRef idx="0">
+        <a:scrgbClr r="0" g="0" b="0"/>
+      </a:fillRef>
+      <a:effectRef idx="0">
+        <a:scrgbClr r="0" g="0" b="0"/>
+      </a:effectRef>
+      <a:fontRef idx="minor"/>
+    </dgm:style>
+  </dgm:styleLbl>
+</dgm:styleDef>
+</file>
+
 <file path=ppt/diagrams/quickStyle2.xml><?xml version="1.0" encoding="utf-8"?>
 <dgm:styleDef xmlns:dgm="http://schemas.openxmlformats.org/drawingml/2006/diagram" xmlns:a="http://schemas.openxmlformats.org/drawingml/2006/main" uniqueId="urn:microsoft.com/office/officeart/2005/8/quickstyle/simple2">
   <dgm:title val=""/>
@@ -34422,7 +39164,7 @@
     </p:spTree>
     <p:extLst>
       <p:ext uri="{BB962C8B-B14F-4D97-AF65-F5344CB8AC3E}">
-        <p14:creationId xmlns:p14="http://schemas.microsoft.com/office/powerpoint/2010/main" val="1939463753"/>
+        <p14:creationId xmlns:p14="http://schemas.microsoft.com/office/powerpoint/2010/main" val="4236658229"/>
       </p:ext>
     </p:extLst>
   </p:cSld>
@@ -34506,7 +39248,7 @@
     </p:spTree>
     <p:extLst>
       <p:ext uri="{BB962C8B-B14F-4D97-AF65-F5344CB8AC3E}">
-        <p14:creationId xmlns:p14="http://schemas.microsoft.com/office/powerpoint/2010/main" val="3763017894"/>
+        <p14:creationId xmlns:p14="http://schemas.microsoft.com/office/powerpoint/2010/main" val="1635911333"/>
       </p:ext>
     </p:extLst>
   </p:cSld>
@@ -34590,7 +39332,7 @@
     </p:spTree>
     <p:extLst>
       <p:ext uri="{BB962C8B-B14F-4D97-AF65-F5344CB8AC3E}">
-        <p14:creationId xmlns:p14="http://schemas.microsoft.com/office/powerpoint/2010/main" val="4071012174"/>
+        <p14:creationId xmlns:p14="http://schemas.microsoft.com/office/powerpoint/2010/main" val="1939463753"/>
       </p:ext>
     </p:extLst>
   </p:cSld>
@@ -34666,6 +39408,174 @@
             <a:fld id="{9CCF391E-5C5D-4EA1-8A2D-1AD87DAE70A5}" type="slidenum">
               <a:rPr lang="de-DE" smtClean="0"/>
               <a:t>13</a:t>
+            </a:fld>
+            <a:endParaRPr lang="de-DE"/>
+          </a:p>
+        </p:txBody>
+      </p:sp>
+    </p:spTree>
+    <p:extLst>
+      <p:ext uri="{BB962C8B-B14F-4D97-AF65-F5344CB8AC3E}">
+        <p14:creationId xmlns:p14="http://schemas.microsoft.com/office/powerpoint/2010/main" val="3763017894"/>
+      </p:ext>
+    </p:extLst>
+  </p:cSld>
+  <p:clrMapOvr>
+    <a:masterClrMapping/>
+  </p:clrMapOvr>
+</p:notes>
+</file>
+
+<file path=ppt/notesSlides/notesSlide14.xml><?xml version="1.0" encoding="utf-8"?>
+<p:notes xmlns:a="http://schemas.openxmlformats.org/drawingml/2006/main" xmlns:r="http://schemas.openxmlformats.org/officeDocument/2006/relationships" xmlns:p="http://schemas.openxmlformats.org/presentationml/2006/main">
+  <p:cSld>
+    <p:spTree>
+      <p:nvGrpSpPr>
+        <p:cNvPr id="1" name=""/>
+        <p:cNvGrpSpPr/>
+        <p:nvPr/>
+      </p:nvGrpSpPr>
+      <p:grpSpPr>
+        <a:xfrm>
+          <a:off x="0" y="0"/>
+          <a:ext cx="0" cy="0"/>
+          <a:chOff x="0" y="0"/>
+          <a:chExt cx="0" cy="0"/>
+        </a:xfrm>
+      </p:grpSpPr>
+      <p:sp>
+        <p:nvSpPr>
+          <p:cNvPr id="2" name="Folienbildplatzhalter 1"/>
+          <p:cNvSpPr>
+            <a:spLocks noGrp="1" noRot="1" noChangeAspect="1"/>
+          </p:cNvSpPr>
+          <p:nvPr>
+            <p:ph type="sldImg"/>
+          </p:nvPr>
+        </p:nvSpPr>
+        <p:spPr/>
+      </p:sp>
+      <p:sp>
+        <p:nvSpPr>
+          <p:cNvPr id="3" name="Notizenplatzhalter 2"/>
+          <p:cNvSpPr>
+            <a:spLocks noGrp="1"/>
+          </p:cNvSpPr>
+          <p:nvPr>
+            <p:ph type="body" idx="1"/>
+          </p:nvPr>
+        </p:nvSpPr>
+        <p:spPr/>
+        <p:txBody>
+          <a:bodyPr/>
+          <a:lstStyle/>
+          <a:p>
+            <a:endParaRPr lang="de-DE" dirty="0"/>
+          </a:p>
+        </p:txBody>
+      </p:sp>
+      <p:sp>
+        <p:nvSpPr>
+          <p:cNvPr id="4" name="Foliennummernplatzhalter 3"/>
+          <p:cNvSpPr>
+            <a:spLocks noGrp="1"/>
+          </p:cNvSpPr>
+          <p:nvPr>
+            <p:ph type="sldNum" sz="quarter" idx="10"/>
+          </p:nvPr>
+        </p:nvSpPr>
+        <p:spPr/>
+        <p:txBody>
+          <a:bodyPr/>
+          <a:lstStyle/>
+          <a:p>
+            <a:fld id="{9CCF391E-5C5D-4EA1-8A2D-1AD87DAE70A5}" type="slidenum">
+              <a:rPr lang="de-DE" smtClean="0"/>
+              <a:t>14</a:t>
+            </a:fld>
+            <a:endParaRPr lang="de-DE"/>
+          </a:p>
+        </p:txBody>
+      </p:sp>
+    </p:spTree>
+    <p:extLst>
+      <p:ext uri="{BB962C8B-B14F-4D97-AF65-F5344CB8AC3E}">
+        <p14:creationId xmlns:p14="http://schemas.microsoft.com/office/powerpoint/2010/main" val="4071012174"/>
+      </p:ext>
+    </p:extLst>
+  </p:cSld>
+  <p:clrMapOvr>
+    <a:masterClrMapping/>
+  </p:clrMapOvr>
+</p:notes>
+</file>
+
+<file path=ppt/notesSlides/notesSlide15.xml><?xml version="1.0" encoding="utf-8"?>
+<p:notes xmlns:a="http://schemas.openxmlformats.org/drawingml/2006/main" xmlns:r="http://schemas.openxmlformats.org/officeDocument/2006/relationships" xmlns:p="http://schemas.openxmlformats.org/presentationml/2006/main">
+  <p:cSld>
+    <p:spTree>
+      <p:nvGrpSpPr>
+        <p:cNvPr id="1" name=""/>
+        <p:cNvGrpSpPr/>
+        <p:nvPr/>
+      </p:nvGrpSpPr>
+      <p:grpSpPr>
+        <a:xfrm>
+          <a:off x="0" y="0"/>
+          <a:ext cx="0" cy="0"/>
+          <a:chOff x="0" y="0"/>
+          <a:chExt cx="0" cy="0"/>
+        </a:xfrm>
+      </p:grpSpPr>
+      <p:sp>
+        <p:nvSpPr>
+          <p:cNvPr id="2" name="Folienbildplatzhalter 1"/>
+          <p:cNvSpPr>
+            <a:spLocks noGrp="1" noRot="1" noChangeAspect="1"/>
+          </p:cNvSpPr>
+          <p:nvPr>
+            <p:ph type="sldImg"/>
+          </p:nvPr>
+        </p:nvSpPr>
+        <p:spPr/>
+      </p:sp>
+      <p:sp>
+        <p:nvSpPr>
+          <p:cNvPr id="3" name="Notizenplatzhalter 2"/>
+          <p:cNvSpPr>
+            <a:spLocks noGrp="1"/>
+          </p:cNvSpPr>
+          <p:nvPr>
+            <p:ph type="body" idx="1"/>
+          </p:nvPr>
+        </p:nvSpPr>
+        <p:spPr/>
+        <p:txBody>
+          <a:bodyPr/>
+          <a:lstStyle/>
+          <a:p>
+            <a:endParaRPr lang="de-DE" dirty="0"/>
+          </a:p>
+        </p:txBody>
+      </p:sp>
+      <p:sp>
+        <p:nvSpPr>
+          <p:cNvPr id="4" name="Foliennummernplatzhalter 3"/>
+          <p:cNvSpPr>
+            <a:spLocks noGrp="1"/>
+          </p:cNvSpPr>
+          <p:nvPr>
+            <p:ph type="sldNum" sz="quarter" idx="10"/>
+          </p:nvPr>
+        </p:nvSpPr>
+        <p:spPr/>
+        <p:txBody>
+          <a:bodyPr/>
+          <a:lstStyle/>
+          <a:p>
+            <a:fld id="{9CCF391E-5C5D-4EA1-8A2D-1AD87DAE70A5}" type="slidenum">
+              <a:rPr lang="de-DE" smtClean="0"/>
+              <a:t>15</a:t>
             </a:fld>
             <a:endParaRPr lang="de-DE"/>
           </a:p>
@@ -35281,7 +40191,7 @@
     </p:spTree>
     <p:extLst>
       <p:ext uri="{BB962C8B-B14F-4D97-AF65-F5344CB8AC3E}">
-        <p14:creationId xmlns:p14="http://schemas.microsoft.com/office/powerpoint/2010/main" val="4236658229"/>
+        <p14:creationId xmlns:p14="http://schemas.microsoft.com/office/powerpoint/2010/main" val="1352689730"/>
       </p:ext>
     </p:extLst>
   </p:cSld>
@@ -35365,7 +40275,7 @@
     </p:spTree>
     <p:extLst>
       <p:ext uri="{BB962C8B-B14F-4D97-AF65-F5344CB8AC3E}">
-        <p14:creationId xmlns:p14="http://schemas.microsoft.com/office/powerpoint/2010/main" val="1635911333"/>
+        <p14:creationId xmlns:p14="http://schemas.microsoft.com/office/powerpoint/2010/main" val="2696556399"/>
       </p:ext>
     </p:extLst>
   </p:cSld>
@@ -38997,6 +43907,325 @@
           <p:cNvPr id="2" name="Rechteck 1">
             <a:extLst>
               <a:ext uri="{FF2B5EF4-FFF2-40B4-BE49-F238E27FC236}">
+                <a16:creationId xmlns:a16="http://schemas.microsoft.com/office/drawing/2014/main" id="{1B3CBAB0-80D1-4F6A-918A-20FAF88A0F7B}"/>
+              </a:ext>
+            </a:extLst>
+          </p:cNvPr>
+          <p:cNvSpPr/>
+          <p:nvPr/>
+        </p:nvSpPr>
+        <p:spPr>
+          <a:xfrm>
+            <a:off x="500026" y="849042"/>
+            <a:ext cx="4939109" cy="754694"/>
+          </a:xfrm>
+          <a:prstGeom prst="rect">
+            <a:avLst/>
+          </a:prstGeom>
+        </p:spPr>
+        <p:txBody>
+          <a:bodyPr wrap="none">
+            <a:spAutoFit/>
+          </a:bodyPr>
+          <a:lstStyle/>
+          <a:p>
+            <a:pPr>
+              <a:lnSpc>
+                <a:spcPct val="150000"/>
+              </a:lnSpc>
+            </a:pPr>
+            <a:r>
+              <a:rPr lang="de-DE" sz="3200" b="1" dirty="0">
+                <a:solidFill>
+                  <a:srgbClr val="385723"/>
+                </a:solidFill>
+                <a:latin typeface="Corbel Light" panose="020B0303020204020204" pitchFamily="34" charset="0"/>
+              </a:rPr>
+              <a:t>JAVA </a:t>
+            </a:r>
+            <a:r>
+              <a:rPr lang="de-DE" sz="3200" b="1" dirty="0" err="1">
+                <a:solidFill>
+                  <a:srgbClr val="385723"/>
+                </a:solidFill>
+                <a:latin typeface="Corbel Light" panose="020B0303020204020204" pitchFamily="34" charset="0"/>
+              </a:rPr>
+              <a:t>Graphical</a:t>
+            </a:r>
+            <a:r>
+              <a:rPr lang="de-DE" sz="3200" b="1" dirty="0">
+                <a:solidFill>
+                  <a:srgbClr val="385723"/>
+                </a:solidFill>
+                <a:latin typeface="Corbel Light" panose="020B0303020204020204" pitchFamily="34" charset="0"/>
+              </a:rPr>
+              <a:t> User Interface</a:t>
+            </a:r>
+          </a:p>
+        </p:txBody>
+      </p:sp>
+      <p:sp>
+        <p:nvSpPr>
+          <p:cNvPr id="3" name="Textfeld 2">
+            <a:extLst>
+              <a:ext uri="{FF2B5EF4-FFF2-40B4-BE49-F238E27FC236}">
+                <a16:creationId xmlns:a16="http://schemas.microsoft.com/office/drawing/2014/main" id="{239D2F6A-D12F-4A46-BC36-E7AC2AD096E7}"/>
+              </a:ext>
+            </a:extLst>
+          </p:cNvPr>
+          <p:cNvSpPr txBox="1"/>
+          <p:nvPr/>
+        </p:nvSpPr>
+        <p:spPr>
+          <a:xfrm>
+            <a:off x="1477992" y="2490158"/>
+            <a:ext cx="2547668" cy="369332"/>
+          </a:xfrm>
+          <a:prstGeom prst="rect">
+            <a:avLst/>
+          </a:prstGeom>
+          <a:noFill/>
+        </p:spPr>
+        <p:txBody>
+          <a:bodyPr wrap="square" rtlCol="0">
+            <a:spAutoFit/>
+          </a:bodyPr>
+          <a:lstStyle/>
+          <a:p>
+            <a:r>
+              <a:rPr lang="de-DE" dirty="0"/>
+              <a:t>Screenshots einfügen</a:t>
+            </a:r>
+          </a:p>
+        </p:txBody>
+      </p:sp>
+    </p:spTree>
+    <p:extLst>
+      <p:ext uri="{BB962C8B-B14F-4D97-AF65-F5344CB8AC3E}">
+        <p14:creationId xmlns:p14="http://schemas.microsoft.com/office/powerpoint/2010/main" val="3899959399"/>
+      </p:ext>
+    </p:extLst>
+  </p:cSld>
+  <p:clrMapOvr>
+    <a:masterClrMapping/>
+  </p:clrMapOvr>
+  <mc:AlternateContent xmlns:mc="http://schemas.openxmlformats.org/markup-compatibility/2006" xmlns:p14="http://schemas.microsoft.com/office/powerpoint/2010/main">
+    <mc:Choice Requires="p14">
+      <p:transition spd="med" p14:dur="700">
+        <p:fade/>
+      </p:transition>
+    </mc:Choice>
+    <mc:Fallback xmlns="">
+      <p:transition spd="med">
+        <p:fade/>
+      </p:transition>
+    </mc:Fallback>
+  </mc:AlternateContent>
+</p:sld>
+</file>
+
+<file path=ppt/slides/slide11.xml><?xml version="1.0" encoding="utf-8"?>
+<p:sld xmlns:a="http://schemas.openxmlformats.org/drawingml/2006/main" xmlns:r="http://schemas.openxmlformats.org/officeDocument/2006/relationships" xmlns:p="http://schemas.openxmlformats.org/presentationml/2006/main">
+  <p:cSld>
+    <p:spTree>
+      <p:nvGrpSpPr>
+        <p:cNvPr id="1" name=""/>
+        <p:cNvGrpSpPr/>
+        <p:nvPr/>
+      </p:nvGrpSpPr>
+      <p:grpSpPr>
+        <a:xfrm>
+          <a:off x="0" y="0"/>
+          <a:ext cx="0" cy="0"/>
+          <a:chOff x="0" y="0"/>
+          <a:chExt cx="0" cy="0"/>
+        </a:xfrm>
+      </p:grpSpPr>
+      <p:pic>
+        <p:nvPicPr>
+          <p:cNvPr id="5" name="Grafik 4"/>
+          <p:cNvPicPr>
+            <a:picLocks noChangeAspect="1"/>
+          </p:cNvPicPr>
+          <p:nvPr/>
+        </p:nvPicPr>
+        <p:blipFill rotWithShape="1">
+          <a:blip r:embed="rId3" cstate="print">
+            <a:extLst>
+              <a:ext uri="{28A0092B-C50C-407E-A947-70E740481C1C}">
+                <a14:useLocalDpi xmlns:a14="http://schemas.microsoft.com/office/drawing/2010/main" val="0"/>
+              </a:ext>
+            </a:extLst>
+          </a:blip>
+          <a:srcRect l="11698" t="20395" r="11757" b="33313"/>
+          <a:stretch/>
+        </p:blipFill>
+        <p:spPr>
+          <a:xfrm>
+            <a:off x="10480851" y="231038"/>
+            <a:ext cx="1392702" cy="401920"/>
+          </a:xfrm>
+          <a:prstGeom prst="rect">
+            <a:avLst/>
+          </a:prstGeom>
+        </p:spPr>
+      </p:pic>
+      <p:graphicFrame>
+        <p:nvGraphicFramePr>
+          <p:cNvPr id="11" name="Diagramm 10"/>
+          <p:cNvGraphicFramePr/>
+          <p:nvPr>
+            <p:extLst/>
+          </p:nvPr>
+        </p:nvGraphicFramePr>
+        <p:xfrm>
+          <a:off x="500026" y="242702"/>
+          <a:ext cx="9703041" cy="324000"/>
+        </p:xfrm>
+        <a:graphic>
+          <a:graphicData uri="http://schemas.openxmlformats.org/drawingml/2006/diagram">
+            <dgm:relIds xmlns:dgm="http://schemas.openxmlformats.org/drawingml/2006/diagram" xmlns:r="http://schemas.openxmlformats.org/officeDocument/2006/relationships" r:dm="rId4" r:lo="rId5" r:qs="rId6" r:cs="rId7"/>
+          </a:graphicData>
+        </a:graphic>
+      </p:graphicFrame>
+      <p:sp>
+        <p:nvSpPr>
+          <p:cNvPr id="2" name="Rechteck 1">
+            <a:extLst>
+              <a:ext uri="{FF2B5EF4-FFF2-40B4-BE49-F238E27FC236}">
+                <a16:creationId xmlns:a16="http://schemas.microsoft.com/office/drawing/2014/main" id="{E45327E7-D322-46DF-B43E-470DCAEEAF50}"/>
+              </a:ext>
+            </a:extLst>
+          </p:cNvPr>
+          <p:cNvSpPr/>
+          <p:nvPr/>
+        </p:nvSpPr>
+        <p:spPr>
+          <a:xfrm>
+            <a:off x="614736" y="958310"/>
+            <a:ext cx="4736810" cy="754694"/>
+          </a:xfrm>
+          <a:prstGeom prst="rect">
+            <a:avLst/>
+          </a:prstGeom>
+        </p:spPr>
+        <p:txBody>
+          <a:bodyPr wrap="none">
+            <a:spAutoFit/>
+          </a:bodyPr>
+          <a:lstStyle/>
+          <a:p>
+            <a:pPr>
+              <a:lnSpc>
+                <a:spcPct val="150000"/>
+              </a:lnSpc>
+            </a:pPr>
+            <a:r>
+              <a:rPr lang="de-DE" sz="3200" b="1" dirty="0">
+                <a:solidFill>
+                  <a:srgbClr val="385723"/>
+                </a:solidFill>
+                <a:latin typeface="Corbel Light" panose="020B0303020204020204" pitchFamily="34" charset="0"/>
+              </a:rPr>
+              <a:t>Relevante Daten bestimmen</a:t>
+            </a:r>
+          </a:p>
+        </p:txBody>
+      </p:sp>
+    </p:spTree>
+    <p:extLst>
+      <p:ext uri="{BB962C8B-B14F-4D97-AF65-F5344CB8AC3E}">
+        <p14:creationId xmlns:p14="http://schemas.microsoft.com/office/powerpoint/2010/main" val="4014255332"/>
+      </p:ext>
+    </p:extLst>
+  </p:cSld>
+  <p:clrMapOvr>
+    <a:masterClrMapping/>
+  </p:clrMapOvr>
+  <mc:AlternateContent xmlns:mc="http://schemas.openxmlformats.org/markup-compatibility/2006" xmlns:p14="http://schemas.microsoft.com/office/powerpoint/2010/main">
+    <mc:Choice Requires="p14">
+      <p:transition spd="med" p14:dur="700">
+        <p:fade/>
+      </p:transition>
+    </mc:Choice>
+    <mc:Fallback xmlns="">
+      <p:transition spd="med">
+        <p:fade/>
+      </p:transition>
+    </mc:Fallback>
+  </mc:AlternateContent>
+</p:sld>
+</file>
+
+<file path=ppt/slides/slide12.xml><?xml version="1.0" encoding="utf-8"?>
+<p:sld xmlns:a="http://schemas.openxmlformats.org/drawingml/2006/main" xmlns:r="http://schemas.openxmlformats.org/officeDocument/2006/relationships" xmlns:p="http://schemas.openxmlformats.org/presentationml/2006/main">
+  <p:cSld>
+    <p:spTree>
+      <p:nvGrpSpPr>
+        <p:cNvPr id="1" name=""/>
+        <p:cNvGrpSpPr/>
+        <p:nvPr/>
+      </p:nvGrpSpPr>
+      <p:grpSpPr>
+        <a:xfrm>
+          <a:off x="0" y="0"/>
+          <a:ext cx="0" cy="0"/>
+          <a:chOff x="0" y="0"/>
+          <a:chExt cx="0" cy="0"/>
+        </a:xfrm>
+      </p:grpSpPr>
+      <p:pic>
+        <p:nvPicPr>
+          <p:cNvPr id="5" name="Grafik 4"/>
+          <p:cNvPicPr>
+            <a:picLocks noChangeAspect="1"/>
+          </p:cNvPicPr>
+          <p:nvPr/>
+        </p:nvPicPr>
+        <p:blipFill rotWithShape="1">
+          <a:blip r:embed="rId3" cstate="print">
+            <a:extLst>
+              <a:ext uri="{28A0092B-C50C-407E-A947-70E740481C1C}">
+                <a14:useLocalDpi xmlns:a14="http://schemas.microsoft.com/office/drawing/2010/main" val="0"/>
+              </a:ext>
+            </a:extLst>
+          </a:blip>
+          <a:srcRect l="11698" t="20395" r="11757" b="33313"/>
+          <a:stretch/>
+        </p:blipFill>
+        <p:spPr>
+          <a:xfrm>
+            <a:off x="10480851" y="231038"/>
+            <a:ext cx="1392702" cy="401920"/>
+          </a:xfrm>
+          <a:prstGeom prst="rect">
+            <a:avLst/>
+          </a:prstGeom>
+        </p:spPr>
+      </p:pic>
+      <p:graphicFrame>
+        <p:nvGraphicFramePr>
+          <p:cNvPr id="11" name="Diagramm 10"/>
+          <p:cNvGraphicFramePr/>
+          <p:nvPr>
+            <p:extLst/>
+          </p:nvPr>
+        </p:nvGraphicFramePr>
+        <p:xfrm>
+          <a:off x="500026" y="242702"/>
+          <a:ext cx="9703041" cy="324000"/>
+        </p:xfrm>
+        <a:graphic>
+          <a:graphicData uri="http://schemas.openxmlformats.org/drawingml/2006/diagram">
+            <dgm:relIds xmlns:dgm="http://schemas.openxmlformats.org/drawingml/2006/diagram" xmlns:r="http://schemas.openxmlformats.org/officeDocument/2006/relationships" r:dm="rId4" r:lo="rId5" r:qs="rId6" r:cs="rId7"/>
+          </a:graphicData>
+        </a:graphic>
+      </p:graphicFrame>
+      <p:sp>
+        <p:nvSpPr>
+          <p:cNvPr id="2" name="Rechteck 1">
+            <a:extLst>
+              <a:ext uri="{FF2B5EF4-FFF2-40B4-BE49-F238E27FC236}">
                 <a16:creationId xmlns:a16="http://schemas.microsoft.com/office/drawing/2014/main" id="{C2A7ECBF-C5DE-4CA9-B4CD-A91748CBCA72}"/>
               </a:ext>
             </a:extLst>
@@ -39061,7 +44290,7 @@
 </p:sld>
 </file>
 
-<file path=ppt/slides/slide11.xml><?xml version="1.0" encoding="utf-8"?>
+<file path=ppt/slides/slide13.xml><?xml version="1.0" encoding="utf-8"?>
 <p:sld xmlns:a="http://schemas.openxmlformats.org/drawingml/2006/main" xmlns:r="http://schemas.openxmlformats.org/officeDocument/2006/relationships" xmlns:p="http://schemas.openxmlformats.org/presentationml/2006/main">
   <p:cSld>
     <p:spTree>
@@ -39676,7 +44905,7 @@
 </p:sld>
 </file>
 
-<file path=ppt/slides/slide12.xml><?xml version="1.0" encoding="utf-8"?>
+<file path=ppt/slides/slide14.xml><?xml version="1.0" encoding="utf-8"?>
 <p:sld xmlns:a="http://schemas.openxmlformats.org/drawingml/2006/main" xmlns:r="http://schemas.openxmlformats.org/officeDocument/2006/relationships" xmlns:p="http://schemas.openxmlformats.org/presentationml/2006/main">
   <p:cSld>
     <p:spTree>
@@ -39839,7 +45068,7 @@
 </p:sld>
 </file>
 
-<file path=ppt/slides/slide13.xml><?xml version="1.0" encoding="utf-8"?>
+<file path=ppt/slides/slide15.xml><?xml version="1.0" encoding="utf-8"?>
 <p:sld xmlns:a="http://schemas.openxmlformats.org/drawingml/2006/main" xmlns:r="http://schemas.openxmlformats.org/officeDocument/2006/relationships" xmlns:p="http://schemas.openxmlformats.org/presentationml/2006/main">
   <p:cSld>
     <p:spTree>
@@ -39977,7 +45206,7 @@
 </p:sld>
 </file>
 
-<file path=ppt/slides/slide14.xml><?xml version="1.0" encoding="utf-8"?>
+<file path=ppt/slides/slide16.xml><?xml version="1.0" encoding="utf-8"?>
 <p:sld xmlns:a="http://schemas.openxmlformats.org/drawingml/2006/main" xmlns:r="http://schemas.openxmlformats.org/officeDocument/2006/relationships" xmlns:p="http://schemas.openxmlformats.org/presentationml/2006/main">
   <p:cSld>
     <p:spTree>
@@ -40140,7 +45369,7 @@
 </p:sld>
 </file>
 
-<file path=ppt/slides/slide15.xml><?xml version="1.0" encoding="utf-8"?>
+<file path=ppt/slides/slide17.xml><?xml version="1.0" encoding="utf-8"?>
 <p:sld xmlns:a="http://schemas.openxmlformats.org/drawingml/2006/main" xmlns:r="http://schemas.openxmlformats.org/officeDocument/2006/relationships" xmlns:p="http://schemas.openxmlformats.org/presentationml/2006/main">
   <p:cSld>
     <p:spTree>
@@ -43565,7 +48794,7 @@
           <p:nvPr/>
         </p:nvPicPr>
         <p:blipFill>
-          <a:blip r:embed="rId11">
+          <a:blip r:embed="rId11" cstate="print">
             <a:extLst>
               <a:ext uri="{28A0092B-C50C-407E-A947-70E740481C1C}">
                 <a14:useLocalDpi xmlns:a14="http://schemas.microsoft.com/office/drawing/2010/main" val="0"/>
@@ -43604,7 +48833,7 @@
           <p:nvPr/>
         </p:nvPicPr>
         <p:blipFill>
-          <a:blip r:embed="rId11">
+          <a:blip r:embed="rId11" cstate="print">
             <a:extLst>
               <a:ext uri="{28A0092B-C50C-407E-A947-70E740481C1C}">
                 <a14:useLocalDpi xmlns:a14="http://schemas.microsoft.com/office/drawing/2010/main" val="0"/>
@@ -44646,7 +49875,7 @@
           <p:cNvPr id="2" name="Rechteck 1">
             <a:extLst>
               <a:ext uri="{FF2B5EF4-FFF2-40B4-BE49-F238E27FC236}">
-                <a16:creationId xmlns:a16="http://schemas.microsoft.com/office/drawing/2014/main" id="{1B3CBAB0-80D1-4F6A-918A-20FAF88A0F7B}"/>
+                <a16:creationId xmlns:a16="http://schemas.microsoft.com/office/drawing/2014/main" id="{65D96C98-6073-4BA0-B68C-A43178100907}"/>
               </a:ext>
             </a:extLst>
           </p:cNvPr>
@@ -44655,15 +49884,15 @@
         </p:nvSpPr>
         <p:spPr>
           <a:xfrm>
-            <a:off x="500026" y="849042"/>
-            <a:ext cx="4939109" cy="754694"/>
+            <a:off x="293297" y="870773"/>
+            <a:ext cx="8494144" cy="754694"/>
           </a:xfrm>
           <a:prstGeom prst="rect">
             <a:avLst/>
           </a:prstGeom>
         </p:spPr>
         <p:txBody>
-          <a:bodyPr wrap="none">
+          <a:bodyPr wrap="square">
             <a:spAutoFit/>
           </a:bodyPr>
           <a:lstStyle/>
@@ -44680,7 +49909,7 @@
                 </a:solidFill>
                 <a:latin typeface="Corbel Light" panose="020B0303020204020204" pitchFamily="34" charset="0"/>
               </a:rPr>
-              <a:t>JAVA </a:t>
+              <a:t>Speech-</a:t>
             </a:r>
             <a:r>
               <a:rPr lang="de-DE" sz="3200" b="1" dirty="0" err="1">
@@ -44689,7 +49918,7 @@
                 </a:solidFill>
                 <a:latin typeface="Corbel Light" panose="020B0303020204020204" pitchFamily="34" charset="0"/>
               </a:rPr>
-              <a:t>Graphical</a:t>
+              <a:t>To</a:t>
             </a:r>
             <a:r>
               <a:rPr lang="de-DE" sz="3200" b="1" dirty="0">
@@ -44698,17 +49927,272 @@
                 </a:solidFill>
                 <a:latin typeface="Corbel Light" panose="020B0303020204020204" pitchFamily="34" charset="0"/>
               </a:rPr>
-              <a:t> User Interface</a:t>
+              <a:t>-Text Ergonomie</a:t>
             </a:r>
+          </a:p>
+        </p:txBody>
+      </p:sp>
+      <p:graphicFrame>
+        <p:nvGraphicFramePr>
+          <p:cNvPr id="10" name="Tabelle 9">
+            <a:extLst>
+              <a:ext uri="{FF2B5EF4-FFF2-40B4-BE49-F238E27FC236}">
+                <a16:creationId xmlns:a16="http://schemas.microsoft.com/office/drawing/2014/main" id="{B0ADF1F0-B058-4986-B467-7160923FAD80}"/>
+              </a:ext>
+            </a:extLst>
+          </p:cNvPr>
+          <p:cNvGraphicFramePr>
+            <a:graphicFrameLocks noGrp="1"/>
+          </p:cNvGraphicFramePr>
+          <p:nvPr>
+            <p:extLst>
+              <p:ext uri="{D42A27DB-BD31-4B8C-83A1-F6EECF244321}">
+                <p14:modId xmlns:p14="http://schemas.microsoft.com/office/powerpoint/2010/main" val="194073584"/>
+              </p:ext>
+            </p:extLst>
+          </p:nvPr>
+        </p:nvGraphicFramePr>
+        <p:xfrm>
+          <a:off x="1534499" y="1789772"/>
+          <a:ext cx="5778304" cy="4013509"/>
+        </p:xfrm>
+        <a:graphic>
+          <a:graphicData uri="http://schemas.openxmlformats.org/drawingml/2006/table">
+            <a:tbl>
+              <a:tblPr firstRow="1" bandRow="1">
+                <a:tableStyleId>{93296810-A885-4BE3-A3E7-6D5BEEA58F35}</a:tableStyleId>
+              </a:tblPr>
+              <a:tblGrid>
+                <a:gridCol w="2889152">
+                  <a:extLst>
+                    <a:ext uri="{9D8B030D-6E8A-4147-A177-3AD203B41FA5}">
+                      <a16:colId xmlns:a16="http://schemas.microsoft.com/office/drawing/2014/main" val="1993746199"/>
+                    </a:ext>
+                  </a:extLst>
+                </a:gridCol>
+                <a:gridCol w="2889152">
+                  <a:extLst>
+                    <a:ext uri="{9D8B030D-6E8A-4147-A177-3AD203B41FA5}">
+                      <a16:colId xmlns:a16="http://schemas.microsoft.com/office/drawing/2014/main" val="1749910419"/>
+                    </a:ext>
+                  </a:extLst>
+                </a:gridCol>
+              </a:tblGrid>
+              <a:tr h="449199">
+                <a:tc>
+                  <a:txBody>
+                    <a:bodyPr/>
+                    <a:lstStyle/>
+                    <a:p>
+                      <a:r>
+                        <a:rPr lang="de-DE" dirty="0"/>
+                        <a:t>START</a:t>
+                      </a:r>
+                    </a:p>
+                  </a:txBody>
+                  <a:tcPr>
+                    <a:solidFill>
+                      <a:srgbClr val="507E32"/>
+                    </a:solidFill>
+                  </a:tcPr>
+                </a:tc>
+                <a:tc>
+                  <a:txBody>
+                    <a:bodyPr/>
+                    <a:lstStyle/>
+                    <a:p>
+                      <a:r>
+                        <a:rPr lang="de-DE" dirty="0"/>
+                        <a:t>STOP</a:t>
+                      </a:r>
+                    </a:p>
+                  </a:txBody>
+                  <a:tcPr>
+                    <a:solidFill>
+                      <a:srgbClr val="507E32"/>
+                    </a:solidFill>
+                  </a:tcPr>
+                </a:tc>
+                <a:extLst>
+                  <a:ext uri="{0D108BD9-81ED-4DB2-BD59-A6C34878D82A}">
+                    <a16:rowId xmlns:a16="http://schemas.microsoft.com/office/drawing/2014/main" val="1917902261"/>
+                  </a:ext>
+                </a:extLst>
+              </a:tr>
+              <a:tr h="1782155">
+                <a:tc>
+                  <a:txBody>
+                    <a:bodyPr/>
+                    <a:lstStyle/>
+                    <a:p>
+                      <a:endParaRPr lang="de-DE" dirty="0"/>
+                    </a:p>
+                  </a:txBody>
+                  <a:tcPr/>
+                </a:tc>
+                <a:tc>
+                  <a:txBody>
+                    <a:bodyPr/>
+                    <a:lstStyle/>
+                    <a:p>
+                      <a:endParaRPr lang="de-DE" dirty="0"/>
+                    </a:p>
+                  </a:txBody>
+                  <a:tcPr/>
+                </a:tc>
+                <a:extLst>
+                  <a:ext uri="{0D108BD9-81ED-4DB2-BD59-A6C34878D82A}">
+                    <a16:rowId xmlns:a16="http://schemas.microsoft.com/office/drawing/2014/main" val="3890564091"/>
+                  </a:ext>
+                </a:extLst>
+              </a:tr>
+              <a:tr h="1782155">
+                <a:tc>
+                  <a:txBody>
+                    <a:bodyPr/>
+                    <a:lstStyle/>
+                    <a:p>
+                      <a:endParaRPr lang="de-DE" dirty="0"/>
+                    </a:p>
+                  </a:txBody>
+                  <a:tcPr/>
+                </a:tc>
+                <a:tc>
+                  <a:txBody>
+                    <a:bodyPr/>
+                    <a:lstStyle/>
+                    <a:p>
+                      <a:endParaRPr lang="de-DE" dirty="0"/>
+                    </a:p>
+                  </a:txBody>
+                  <a:tcPr/>
+                </a:tc>
+                <a:extLst>
+                  <a:ext uri="{0D108BD9-81ED-4DB2-BD59-A6C34878D82A}">
+                    <a16:rowId xmlns:a16="http://schemas.microsoft.com/office/drawing/2014/main" val="4289659749"/>
+                  </a:ext>
+                </a:extLst>
+              </a:tr>
+            </a:tbl>
+          </a:graphicData>
+        </a:graphic>
+      </p:graphicFrame>
+      <p:pic>
+        <p:nvPicPr>
+          <p:cNvPr id="14" name="Grafik 13">
+            <a:extLst>
+              <a:ext uri="{FF2B5EF4-FFF2-40B4-BE49-F238E27FC236}">
+                <a16:creationId xmlns:a16="http://schemas.microsoft.com/office/drawing/2014/main" id="{3D163ADB-B9F3-4299-8833-BB68A74C52B1}"/>
+              </a:ext>
+            </a:extLst>
+          </p:cNvPr>
+          <p:cNvPicPr>
+            <a:picLocks noChangeAspect="1"/>
+          </p:cNvPicPr>
+          <p:nvPr/>
+        </p:nvPicPr>
+        <p:blipFill rotWithShape="1">
+          <a:blip r:embed="rId9"/>
+          <a:srcRect l="13593" t="440" r="55147" b="1944"/>
+          <a:stretch/>
+        </p:blipFill>
+        <p:spPr>
+          <a:xfrm>
+            <a:off x="1688747" y="2589488"/>
+            <a:ext cx="2675836" cy="1198332"/>
+          </a:xfrm>
+          <a:prstGeom prst="rect">
+            <a:avLst/>
+          </a:prstGeom>
+        </p:spPr>
+      </p:pic>
+      <p:pic>
+        <p:nvPicPr>
+          <p:cNvPr id="15" name="Grafik 14">
+            <a:extLst>
+              <a:ext uri="{FF2B5EF4-FFF2-40B4-BE49-F238E27FC236}">
+                <a16:creationId xmlns:a16="http://schemas.microsoft.com/office/drawing/2014/main" id="{A49EFC8C-D789-4DE7-B2DB-4C8DD4FA87AE}"/>
+              </a:ext>
+            </a:extLst>
+          </p:cNvPr>
+          <p:cNvPicPr>
+            <a:picLocks noChangeAspect="1"/>
+          </p:cNvPicPr>
+          <p:nvPr/>
+        </p:nvPicPr>
+        <p:blipFill rotWithShape="1">
+          <a:blip r:embed="rId9"/>
+          <a:srcRect l="44754" t="440" r="23986" b="1944"/>
+          <a:stretch/>
+        </p:blipFill>
+        <p:spPr>
+          <a:xfrm>
+            <a:off x="4518831" y="2589488"/>
+            <a:ext cx="2675835" cy="1198332"/>
+          </a:xfrm>
+          <a:prstGeom prst="rect">
+            <a:avLst/>
+          </a:prstGeom>
+        </p:spPr>
+      </p:pic>
+      <p:sp>
+        <p:nvSpPr>
+          <p:cNvPr id="19" name="Pfeil: nach rechts 18">
+            <a:extLst>
+              <a:ext uri="{FF2B5EF4-FFF2-40B4-BE49-F238E27FC236}">
+                <a16:creationId xmlns:a16="http://schemas.microsoft.com/office/drawing/2014/main" id="{4C976DA6-2031-4D0E-9B2E-372182BAE3B4}"/>
+              </a:ext>
+            </a:extLst>
+          </p:cNvPr>
+          <p:cNvSpPr/>
+          <p:nvPr/>
+        </p:nvSpPr>
+        <p:spPr>
+          <a:xfrm>
+            <a:off x="7805535" y="3889284"/>
+            <a:ext cx="719460" cy="387927"/>
+          </a:xfrm>
+          <a:prstGeom prst="rightArrow">
+            <a:avLst/>
+          </a:prstGeom>
+          <a:solidFill>
+            <a:srgbClr val="507E32"/>
+          </a:solidFill>
+          <a:ln>
+            <a:noFill/>
+          </a:ln>
+        </p:spPr>
+        <p:style>
+          <a:lnRef idx="2">
+            <a:schemeClr val="accent1">
+              <a:shade val="50000"/>
+            </a:schemeClr>
+          </a:lnRef>
+          <a:fillRef idx="1">
+            <a:schemeClr val="accent1"/>
+          </a:fillRef>
+          <a:effectRef idx="0">
+            <a:schemeClr val="accent1"/>
+          </a:effectRef>
+          <a:fontRef idx="minor">
+            <a:schemeClr val="lt1"/>
+          </a:fontRef>
+        </p:style>
+        <p:txBody>
+          <a:bodyPr rtlCol="0" anchor="ctr"/>
+          <a:lstStyle/>
+          <a:p>
+            <a:pPr algn="ctr"/>
+            <a:endParaRPr lang="de-DE"/>
           </a:p>
         </p:txBody>
       </p:sp>
       <p:sp>
         <p:nvSpPr>
-          <p:cNvPr id="3" name="Textfeld 2">
+          <p:cNvPr id="21" name="Textfeld 20">
             <a:extLst>
               <a:ext uri="{FF2B5EF4-FFF2-40B4-BE49-F238E27FC236}">
-                <a16:creationId xmlns:a16="http://schemas.microsoft.com/office/drawing/2014/main" id="{239D2F6A-D12F-4A46-BC36-E7AC2AD096E7}"/>
+                <a16:creationId xmlns:a16="http://schemas.microsoft.com/office/drawing/2014/main" id="{B8A4337D-222F-419B-959C-112352968DD0}"/>
               </a:ext>
             </a:extLst>
           </p:cNvPr>
@@ -44717,8 +50201,8 @@
         </p:nvSpPr>
         <p:spPr>
           <a:xfrm>
-            <a:off x="1477992" y="2490158"/>
-            <a:ext cx="2547668" cy="369332"/>
+            <a:off x="9017728" y="3582663"/>
+            <a:ext cx="2540000" cy="923330"/>
           </a:xfrm>
           <a:prstGeom prst="rect">
             <a:avLst/>
@@ -44733,15 +50217,75 @@
           <a:p>
             <a:r>
               <a:rPr lang="de-DE" dirty="0"/>
-              <a:t>Screenshots einfügen</a:t>
+              <a:t>Sehr Ähnlich in Verteilung der Energiedichte</a:t>
             </a:r>
           </a:p>
         </p:txBody>
       </p:sp>
+      <p:pic>
+        <p:nvPicPr>
+          <p:cNvPr id="25" name="Grafik 24">
+            <a:extLst>
+              <a:ext uri="{FF2B5EF4-FFF2-40B4-BE49-F238E27FC236}">
+                <a16:creationId xmlns:a16="http://schemas.microsoft.com/office/drawing/2014/main" id="{7083AE38-E707-44F3-8E80-9A2A7CE5C322}"/>
+              </a:ext>
+            </a:extLst>
+          </p:cNvPr>
+          <p:cNvPicPr>
+            <a:picLocks noChangeAspect="1"/>
+          </p:cNvPicPr>
+          <p:nvPr/>
+        </p:nvPicPr>
+        <p:blipFill>
+          <a:blip r:embed="rId10"/>
+          <a:stretch>
+            <a:fillRect/>
+          </a:stretch>
+        </p:blipFill>
+        <p:spPr>
+          <a:xfrm>
+            <a:off x="1688215" y="4315317"/>
+            <a:ext cx="2675835" cy="1314633"/>
+          </a:xfrm>
+          <a:prstGeom prst="rect">
+            <a:avLst/>
+          </a:prstGeom>
+        </p:spPr>
+      </p:pic>
+      <p:pic>
+        <p:nvPicPr>
+          <p:cNvPr id="26" name="Grafik 25">
+            <a:extLst>
+              <a:ext uri="{FF2B5EF4-FFF2-40B4-BE49-F238E27FC236}">
+                <a16:creationId xmlns:a16="http://schemas.microsoft.com/office/drawing/2014/main" id="{8676C319-A8E9-481A-8822-B8A1FB456A63}"/>
+              </a:ext>
+            </a:extLst>
+          </p:cNvPr>
+          <p:cNvPicPr>
+            <a:picLocks noChangeAspect="1"/>
+          </p:cNvPicPr>
+          <p:nvPr/>
+        </p:nvPicPr>
+        <p:blipFill>
+          <a:blip r:embed="rId11"/>
+          <a:stretch>
+            <a:fillRect/>
+          </a:stretch>
+        </p:blipFill>
+        <p:spPr>
+          <a:xfrm>
+            <a:off x="4517766" y="4315317"/>
+            <a:ext cx="2675835" cy="1352739"/>
+          </a:xfrm>
+          <a:prstGeom prst="rect">
+            <a:avLst/>
+          </a:prstGeom>
+        </p:spPr>
+      </p:pic>
     </p:spTree>
     <p:extLst>
       <p:ext uri="{BB962C8B-B14F-4D97-AF65-F5344CB8AC3E}">
-        <p14:creationId xmlns:p14="http://schemas.microsoft.com/office/powerpoint/2010/main" val="3899959399"/>
+        <p14:creationId xmlns:p14="http://schemas.microsoft.com/office/powerpoint/2010/main" val="3474878317"/>
       </p:ext>
     </p:extLst>
   </p:cSld>
@@ -44832,7 +50376,7 @@
           <p:cNvPr id="2" name="Rechteck 1">
             <a:extLst>
               <a:ext uri="{FF2B5EF4-FFF2-40B4-BE49-F238E27FC236}">
-                <a16:creationId xmlns:a16="http://schemas.microsoft.com/office/drawing/2014/main" id="{E45327E7-D322-46DF-B43E-470DCAEEAF50}"/>
+                <a16:creationId xmlns:a16="http://schemas.microsoft.com/office/drawing/2014/main" id="{65D96C98-6073-4BA0-B68C-A43178100907}"/>
               </a:ext>
             </a:extLst>
           </p:cNvPr>
@@ -44841,15 +50385,15 @@
         </p:nvSpPr>
         <p:spPr>
           <a:xfrm>
-            <a:off x="614736" y="958310"/>
-            <a:ext cx="4736810" cy="754694"/>
+            <a:off x="293297" y="870773"/>
+            <a:ext cx="8494144" cy="754694"/>
           </a:xfrm>
           <a:prstGeom prst="rect">
             <a:avLst/>
           </a:prstGeom>
         </p:spPr>
         <p:txBody>
-          <a:bodyPr wrap="none">
+          <a:bodyPr wrap="square">
             <a:spAutoFit/>
           </a:bodyPr>
           <a:lstStyle/>
@@ -44866,15 +50410,385 @@
                 </a:solidFill>
                 <a:latin typeface="Corbel Light" panose="020B0303020204020204" pitchFamily="34" charset="0"/>
               </a:rPr>
-              <a:t>Relevante Daten bestimmen</a:t>
+              <a:t>Speech-</a:t>
             </a:r>
+            <a:r>
+              <a:rPr lang="de-DE" sz="3200" b="1" dirty="0" err="1">
+                <a:solidFill>
+                  <a:srgbClr val="385723"/>
+                </a:solidFill>
+                <a:latin typeface="Corbel Light" panose="020B0303020204020204" pitchFamily="34" charset="0"/>
+              </a:rPr>
+              <a:t>To</a:t>
+            </a:r>
+            <a:r>
+              <a:rPr lang="de-DE" sz="3200" b="1" dirty="0">
+                <a:solidFill>
+                  <a:srgbClr val="385723"/>
+                </a:solidFill>
+                <a:latin typeface="Corbel Light" panose="020B0303020204020204" pitchFamily="34" charset="0"/>
+              </a:rPr>
+              <a:t>-Text Ergonomie</a:t>
+            </a:r>
+          </a:p>
+        </p:txBody>
+      </p:sp>
+      <p:graphicFrame>
+        <p:nvGraphicFramePr>
+          <p:cNvPr id="10" name="Tabelle 9">
+            <a:extLst>
+              <a:ext uri="{FF2B5EF4-FFF2-40B4-BE49-F238E27FC236}">
+                <a16:creationId xmlns:a16="http://schemas.microsoft.com/office/drawing/2014/main" id="{B0ADF1F0-B058-4986-B467-7160923FAD80}"/>
+              </a:ext>
+            </a:extLst>
+          </p:cNvPr>
+          <p:cNvGraphicFramePr>
+            <a:graphicFrameLocks noGrp="1"/>
+          </p:cNvGraphicFramePr>
+          <p:nvPr>
+            <p:extLst>
+              <p:ext uri="{D42A27DB-BD31-4B8C-83A1-F6EECF244321}">
+                <p14:modId xmlns:p14="http://schemas.microsoft.com/office/powerpoint/2010/main" val="1962581605"/>
+              </p:ext>
+            </p:extLst>
+          </p:nvPr>
+        </p:nvGraphicFramePr>
+        <p:xfrm>
+          <a:off x="1534499" y="1789772"/>
+          <a:ext cx="5778304" cy="4013509"/>
+        </p:xfrm>
+        <a:graphic>
+          <a:graphicData uri="http://schemas.openxmlformats.org/drawingml/2006/table">
+            <a:tbl>
+              <a:tblPr firstRow="1" bandRow="1">
+                <a:tableStyleId>{93296810-A885-4BE3-A3E7-6D5BEEA58F35}</a:tableStyleId>
+              </a:tblPr>
+              <a:tblGrid>
+                <a:gridCol w="2889152">
+                  <a:extLst>
+                    <a:ext uri="{9D8B030D-6E8A-4147-A177-3AD203B41FA5}">
+                      <a16:colId xmlns:a16="http://schemas.microsoft.com/office/drawing/2014/main" val="1993746199"/>
+                    </a:ext>
+                  </a:extLst>
+                </a:gridCol>
+                <a:gridCol w="2889152">
+                  <a:extLst>
+                    <a:ext uri="{9D8B030D-6E8A-4147-A177-3AD203B41FA5}">
+                      <a16:colId xmlns:a16="http://schemas.microsoft.com/office/drawing/2014/main" val="1749910419"/>
+                    </a:ext>
+                  </a:extLst>
+                </a:gridCol>
+              </a:tblGrid>
+              <a:tr h="449199">
+                <a:tc>
+                  <a:txBody>
+                    <a:bodyPr/>
+                    <a:lstStyle/>
+                    <a:p>
+                      <a:r>
+                        <a:rPr lang="de-DE" dirty="0"/>
+                        <a:t>HANA</a:t>
+                      </a:r>
+                    </a:p>
+                  </a:txBody>
+                  <a:tcPr>
+                    <a:solidFill>
+                      <a:srgbClr val="507E32"/>
+                    </a:solidFill>
+                  </a:tcPr>
+                </a:tc>
+                <a:tc>
+                  <a:txBody>
+                    <a:bodyPr/>
+                    <a:lstStyle/>
+                    <a:p>
+                      <a:r>
+                        <a:rPr lang="de-DE" dirty="0"/>
+                        <a:t>OKAY</a:t>
+                      </a:r>
+                    </a:p>
+                  </a:txBody>
+                  <a:tcPr>
+                    <a:solidFill>
+                      <a:srgbClr val="507E32"/>
+                    </a:solidFill>
+                  </a:tcPr>
+                </a:tc>
+                <a:extLst>
+                  <a:ext uri="{0D108BD9-81ED-4DB2-BD59-A6C34878D82A}">
+                    <a16:rowId xmlns:a16="http://schemas.microsoft.com/office/drawing/2014/main" val="1917902261"/>
+                  </a:ext>
+                </a:extLst>
+              </a:tr>
+              <a:tr h="1782155">
+                <a:tc>
+                  <a:txBody>
+                    <a:bodyPr/>
+                    <a:lstStyle/>
+                    <a:p>
+                      <a:endParaRPr lang="de-DE" dirty="0"/>
+                    </a:p>
+                  </a:txBody>
+                  <a:tcPr/>
+                </a:tc>
+                <a:tc>
+                  <a:txBody>
+                    <a:bodyPr/>
+                    <a:lstStyle/>
+                    <a:p>
+                      <a:endParaRPr lang="de-DE" dirty="0"/>
+                    </a:p>
+                  </a:txBody>
+                  <a:tcPr/>
+                </a:tc>
+                <a:extLst>
+                  <a:ext uri="{0D108BD9-81ED-4DB2-BD59-A6C34878D82A}">
+                    <a16:rowId xmlns:a16="http://schemas.microsoft.com/office/drawing/2014/main" val="3890564091"/>
+                  </a:ext>
+                </a:extLst>
+              </a:tr>
+              <a:tr h="1782155">
+                <a:tc>
+                  <a:txBody>
+                    <a:bodyPr/>
+                    <a:lstStyle/>
+                    <a:p>
+                      <a:endParaRPr lang="de-DE" dirty="0"/>
+                    </a:p>
+                  </a:txBody>
+                  <a:tcPr/>
+                </a:tc>
+                <a:tc>
+                  <a:txBody>
+                    <a:bodyPr/>
+                    <a:lstStyle/>
+                    <a:p>
+                      <a:endParaRPr lang="de-DE" dirty="0"/>
+                    </a:p>
+                  </a:txBody>
+                  <a:tcPr/>
+                </a:tc>
+                <a:extLst>
+                  <a:ext uri="{0D108BD9-81ED-4DB2-BD59-A6C34878D82A}">
+                    <a16:rowId xmlns:a16="http://schemas.microsoft.com/office/drawing/2014/main" val="4289659749"/>
+                  </a:ext>
+                </a:extLst>
+              </a:tr>
+            </a:tbl>
+          </a:graphicData>
+        </a:graphic>
+      </p:graphicFrame>
+      <p:sp>
+        <p:nvSpPr>
+          <p:cNvPr id="21" name="Textfeld 20">
+            <a:extLst>
+              <a:ext uri="{FF2B5EF4-FFF2-40B4-BE49-F238E27FC236}">
+                <a16:creationId xmlns:a16="http://schemas.microsoft.com/office/drawing/2014/main" id="{B8A4337D-222F-419B-959C-112352968DD0}"/>
+              </a:ext>
+            </a:extLst>
+          </p:cNvPr>
+          <p:cNvSpPr txBox="1"/>
+          <p:nvPr/>
+        </p:nvSpPr>
+        <p:spPr>
+          <a:xfrm>
+            <a:off x="8933067" y="3344583"/>
+            <a:ext cx="2540000" cy="1477328"/>
+          </a:xfrm>
+          <a:prstGeom prst="rect">
+            <a:avLst/>
+          </a:prstGeom>
+          <a:noFill/>
+        </p:spPr>
+        <p:txBody>
+          <a:bodyPr wrap="square" rtlCol="0">
+            <a:spAutoFit/>
+          </a:bodyPr>
+          <a:lstStyle/>
+          <a:p>
+            <a:r>
+              <a:rPr lang="de-DE" dirty="0"/>
+              <a:t>Weist mehrere unterschiede auf, dadurch leichter von Spracherkennung unterscheidbar</a:t>
+            </a:r>
+          </a:p>
+        </p:txBody>
+      </p:sp>
+      <p:pic>
+        <p:nvPicPr>
+          <p:cNvPr id="12" name="Grafik 11">
+            <a:extLst>
+              <a:ext uri="{FF2B5EF4-FFF2-40B4-BE49-F238E27FC236}">
+                <a16:creationId xmlns:a16="http://schemas.microsoft.com/office/drawing/2014/main" id="{D4D7F76A-DCAD-4012-8EDE-33B7503B22EC}"/>
+              </a:ext>
+            </a:extLst>
+          </p:cNvPr>
+          <p:cNvPicPr>
+            <a:picLocks noChangeAspect="1"/>
+          </p:cNvPicPr>
+          <p:nvPr/>
+        </p:nvPicPr>
+        <p:blipFill>
+          <a:blip r:embed="rId9"/>
+          <a:stretch>
+            <a:fillRect/>
+          </a:stretch>
+        </p:blipFill>
+        <p:spPr>
+          <a:xfrm>
+            <a:off x="1684656" y="2446373"/>
+            <a:ext cx="2647754" cy="1362265"/>
+          </a:xfrm>
+          <a:prstGeom prst="rect">
+            <a:avLst/>
+          </a:prstGeom>
+        </p:spPr>
+      </p:pic>
+      <p:pic>
+        <p:nvPicPr>
+          <p:cNvPr id="13" name="Grafik 12">
+            <a:extLst>
+              <a:ext uri="{FF2B5EF4-FFF2-40B4-BE49-F238E27FC236}">
+                <a16:creationId xmlns:a16="http://schemas.microsoft.com/office/drawing/2014/main" id="{9BEC2C11-4A48-4952-A23C-388794887460}"/>
+              </a:ext>
+            </a:extLst>
+          </p:cNvPr>
+          <p:cNvPicPr>
+            <a:picLocks noChangeAspect="1"/>
+          </p:cNvPicPr>
+          <p:nvPr/>
+        </p:nvPicPr>
+        <p:blipFill>
+          <a:blip r:embed="rId10"/>
+          <a:stretch>
+            <a:fillRect/>
+          </a:stretch>
+        </p:blipFill>
+        <p:spPr>
+          <a:xfrm>
+            <a:off x="4570909" y="2446373"/>
+            <a:ext cx="2611642" cy="1343212"/>
+          </a:xfrm>
+          <a:prstGeom prst="rect">
+            <a:avLst/>
+          </a:prstGeom>
+        </p:spPr>
+      </p:pic>
+      <p:pic>
+        <p:nvPicPr>
+          <p:cNvPr id="3" name="Grafik 2">
+            <a:extLst>
+              <a:ext uri="{FF2B5EF4-FFF2-40B4-BE49-F238E27FC236}">
+                <a16:creationId xmlns:a16="http://schemas.microsoft.com/office/drawing/2014/main" id="{0613144F-CF33-4549-BC92-4461DEEEA51D}"/>
+              </a:ext>
+            </a:extLst>
+          </p:cNvPr>
+          <p:cNvPicPr>
+            <a:picLocks noChangeAspect="1"/>
+          </p:cNvPicPr>
+          <p:nvPr/>
+        </p:nvPicPr>
+        <p:blipFill>
+          <a:blip r:embed="rId11"/>
+          <a:stretch>
+            <a:fillRect/>
+          </a:stretch>
+        </p:blipFill>
+        <p:spPr>
+          <a:xfrm>
+            <a:off x="1684656" y="4277211"/>
+            <a:ext cx="2647754" cy="1362265"/>
+          </a:xfrm>
+          <a:prstGeom prst="rect">
+            <a:avLst/>
+          </a:prstGeom>
+        </p:spPr>
+      </p:pic>
+      <p:pic>
+        <p:nvPicPr>
+          <p:cNvPr id="4" name="Grafik 3">
+            <a:extLst>
+              <a:ext uri="{FF2B5EF4-FFF2-40B4-BE49-F238E27FC236}">
+                <a16:creationId xmlns:a16="http://schemas.microsoft.com/office/drawing/2014/main" id="{2A8BC222-CF98-4F04-9A5A-F35F5E3CBD1D}"/>
+              </a:ext>
+            </a:extLst>
+          </p:cNvPr>
+          <p:cNvPicPr>
+            <a:picLocks noChangeAspect="1"/>
+          </p:cNvPicPr>
+          <p:nvPr/>
+        </p:nvPicPr>
+        <p:blipFill>
+          <a:blip r:embed="rId12"/>
+          <a:stretch>
+            <a:fillRect/>
+          </a:stretch>
+        </p:blipFill>
+        <p:spPr>
+          <a:xfrm>
+            <a:off x="4570910" y="4277211"/>
+            <a:ext cx="2611641" cy="1333686"/>
+          </a:xfrm>
+          <a:prstGeom prst="rect">
+            <a:avLst/>
+          </a:prstGeom>
+        </p:spPr>
+      </p:pic>
+      <p:sp>
+        <p:nvSpPr>
+          <p:cNvPr id="16" name="Pfeil: nach rechts 15">
+            <a:extLst>
+              <a:ext uri="{FF2B5EF4-FFF2-40B4-BE49-F238E27FC236}">
+                <a16:creationId xmlns:a16="http://schemas.microsoft.com/office/drawing/2014/main" id="{2C29C858-1563-49A0-81DD-B192A77DD781}"/>
+              </a:ext>
+            </a:extLst>
+          </p:cNvPr>
+          <p:cNvSpPr/>
+          <p:nvPr/>
+        </p:nvSpPr>
+        <p:spPr>
+          <a:xfrm>
+            <a:off x="7805535" y="3889284"/>
+            <a:ext cx="719460" cy="387927"/>
+          </a:xfrm>
+          <a:prstGeom prst="rightArrow">
+            <a:avLst/>
+          </a:prstGeom>
+          <a:solidFill>
+            <a:srgbClr val="507E32"/>
+          </a:solidFill>
+          <a:ln>
+            <a:noFill/>
+          </a:ln>
+        </p:spPr>
+        <p:style>
+          <a:lnRef idx="2">
+            <a:schemeClr val="accent1">
+              <a:shade val="50000"/>
+            </a:schemeClr>
+          </a:lnRef>
+          <a:fillRef idx="1">
+            <a:schemeClr val="accent1"/>
+          </a:fillRef>
+          <a:effectRef idx="0">
+            <a:schemeClr val="accent1"/>
+          </a:effectRef>
+          <a:fontRef idx="minor">
+            <a:schemeClr val="lt1"/>
+          </a:fontRef>
+        </p:style>
+        <p:txBody>
+          <a:bodyPr rtlCol="0" anchor="ctr"/>
+          <a:lstStyle/>
+          <a:p>
+            <a:pPr algn="ctr"/>
+            <a:endParaRPr lang="de-DE"/>
           </a:p>
         </p:txBody>
       </p:sp>
     </p:spTree>
     <p:extLst>
       <p:ext uri="{BB962C8B-B14F-4D97-AF65-F5344CB8AC3E}">
-        <p14:creationId xmlns:p14="http://schemas.microsoft.com/office/powerpoint/2010/main" val="4014255332"/>
+        <p14:creationId xmlns:p14="http://schemas.microsoft.com/office/powerpoint/2010/main" val="2545160058"/>
       </p:ext>
     </p:extLst>
   </p:cSld>

--- a/CavallaroAngelo/Präsentation Wahlmodulvorstellung/SAPlexa Präsentation.pptx
+++ b/CavallaroAngelo/Präsentation Wahlmodulvorstellung/SAPlexa Präsentation.pptx
@@ -14361,12 +14361,19 @@
         </dgm:presLayoutVars>
       </dgm:prSet>
       <dgm:spPr/>
+      <dgm:t>
+        <a:bodyPr/>
+        <a:lstStyle/>
+        <a:p>
+          <a:endParaRPr lang="de-DE"/>
+        </a:p>
+      </dgm:t>
     </dgm:pt>
   </dgm:ptLst>
   <dgm:cxnLst>
+    <dgm:cxn modelId="{3EFB67F2-B4EB-4EFE-964A-8AF193349332}" type="presOf" srcId="{674503E8-1AC7-41ED-8605-5E819E9C237D}" destId="{B2AC34C9-27F4-4A43-B9E6-31AAF7FDE0CB}" srcOrd="0" destOrd="0" presId="urn:microsoft.com/office/officeart/2005/8/layout/chevron1"/>
     <dgm:cxn modelId="{6D139A0C-1C5F-462F-941A-E83A5038A582}" type="presOf" srcId="{5033FB32-F740-4C19-B504-0647C1F53E48}" destId="{3EB30996-91B3-4239-BF37-88E3C555BC52}" srcOrd="0" destOrd="0" presId="urn:microsoft.com/office/officeart/2005/8/layout/chevron1"/>
     <dgm:cxn modelId="{A9C04542-76A5-484F-BDC6-8684DE3831C0}" srcId="{674503E8-1AC7-41ED-8605-5E819E9C237D}" destId="{5033FB32-F740-4C19-B504-0647C1F53E48}" srcOrd="0" destOrd="0" parTransId="{4F5440BC-E4ED-41F4-BCBC-91A4379FE628}" sibTransId="{0F72E487-3666-4627-B648-0F027167834A}"/>
-    <dgm:cxn modelId="{3EFB67F2-B4EB-4EFE-964A-8AF193349332}" type="presOf" srcId="{674503E8-1AC7-41ED-8605-5E819E9C237D}" destId="{B2AC34C9-27F4-4A43-B9E6-31AAF7FDE0CB}" srcOrd="0" destOrd="0" presId="urn:microsoft.com/office/officeart/2005/8/layout/chevron1"/>
     <dgm:cxn modelId="{E75CA34E-81F5-42E1-938A-72E2F0999817}" type="presParOf" srcId="{B2AC34C9-27F4-4A43-B9E6-31AAF7FDE0CB}" destId="{3EB30996-91B3-4239-BF37-88E3C555BC52}" srcOrd="0" destOrd="0" presId="urn:microsoft.com/office/officeart/2005/8/layout/chevron1"/>
   </dgm:cxnLst>
   <dgm:bg/>
@@ -14449,12 +14456,19 @@
         </dgm:presLayoutVars>
       </dgm:prSet>
       <dgm:spPr/>
+      <dgm:t>
+        <a:bodyPr/>
+        <a:lstStyle/>
+        <a:p>
+          <a:endParaRPr lang="de-DE"/>
+        </a:p>
+      </dgm:t>
     </dgm:pt>
   </dgm:ptLst>
   <dgm:cxnLst>
+    <dgm:cxn modelId="{3EFB67F2-B4EB-4EFE-964A-8AF193349332}" type="presOf" srcId="{674503E8-1AC7-41ED-8605-5E819E9C237D}" destId="{B2AC34C9-27F4-4A43-B9E6-31AAF7FDE0CB}" srcOrd="0" destOrd="0" presId="urn:microsoft.com/office/officeart/2005/8/layout/chevron1"/>
     <dgm:cxn modelId="{6D139A0C-1C5F-462F-941A-E83A5038A582}" type="presOf" srcId="{5033FB32-F740-4C19-B504-0647C1F53E48}" destId="{3EB30996-91B3-4239-BF37-88E3C555BC52}" srcOrd="0" destOrd="0" presId="urn:microsoft.com/office/officeart/2005/8/layout/chevron1"/>
     <dgm:cxn modelId="{A9C04542-76A5-484F-BDC6-8684DE3831C0}" srcId="{674503E8-1AC7-41ED-8605-5E819E9C237D}" destId="{5033FB32-F740-4C19-B504-0647C1F53E48}" srcOrd="0" destOrd="0" parTransId="{4F5440BC-E4ED-41F4-BCBC-91A4379FE628}" sibTransId="{0F72E487-3666-4627-B648-0F027167834A}"/>
-    <dgm:cxn modelId="{3EFB67F2-B4EB-4EFE-964A-8AF193349332}" type="presOf" srcId="{674503E8-1AC7-41ED-8605-5E819E9C237D}" destId="{B2AC34C9-27F4-4A43-B9E6-31AAF7FDE0CB}" srcOrd="0" destOrd="0" presId="urn:microsoft.com/office/officeart/2005/8/layout/chevron1"/>
     <dgm:cxn modelId="{E75CA34E-81F5-42E1-938A-72E2F0999817}" type="presParOf" srcId="{B2AC34C9-27F4-4A43-B9E6-31AAF7FDE0CB}" destId="{3EB30996-91B3-4239-BF37-88E3C555BC52}" srcOrd="0" destOrd="0" presId="urn:microsoft.com/office/officeart/2005/8/layout/chevron1"/>
   </dgm:cxnLst>
   <dgm:bg/>
@@ -14537,12 +14551,19 @@
         </dgm:presLayoutVars>
       </dgm:prSet>
       <dgm:spPr/>
+      <dgm:t>
+        <a:bodyPr/>
+        <a:lstStyle/>
+        <a:p>
+          <a:endParaRPr lang="de-DE"/>
+        </a:p>
+      </dgm:t>
     </dgm:pt>
   </dgm:ptLst>
   <dgm:cxnLst>
+    <dgm:cxn modelId="{3EFB67F2-B4EB-4EFE-964A-8AF193349332}" type="presOf" srcId="{674503E8-1AC7-41ED-8605-5E819E9C237D}" destId="{B2AC34C9-27F4-4A43-B9E6-31AAF7FDE0CB}" srcOrd="0" destOrd="0" presId="urn:microsoft.com/office/officeart/2005/8/layout/chevron1"/>
     <dgm:cxn modelId="{6D139A0C-1C5F-462F-941A-E83A5038A582}" type="presOf" srcId="{5033FB32-F740-4C19-B504-0647C1F53E48}" destId="{3EB30996-91B3-4239-BF37-88E3C555BC52}" srcOrd="0" destOrd="0" presId="urn:microsoft.com/office/officeart/2005/8/layout/chevron1"/>
     <dgm:cxn modelId="{A9C04542-76A5-484F-BDC6-8684DE3831C0}" srcId="{674503E8-1AC7-41ED-8605-5E819E9C237D}" destId="{5033FB32-F740-4C19-B504-0647C1F53E48}" srcOrd="0" destOrd="0" parTransId="{4F5440BC-E4ED-41F4-BCBC-91A4379FE628}" sibTransId="{0F72E487-3666-4627-B648-0F027167834A}"/>
-    <dgm:cxn modelId="{3EFB67F2-B4EB-4EFE-964A-8AF193349332}" type="presOf" srcId="{674503E8-1AC7-41ED-8605-5E819E9C237D}" destId="{B2AC34C9-27F4-4A43-B9E6-31AAF7FDE0CB}" srcOrd="0" destOrd="0" presId="urn:microsoft.com/office/officeart/2005/8/layout/chevron1"/>
     <dgm:cxn modelId="{E75CA34E-81F5-42E1-938A-72E2F0999817}" type="presParOf" srcId="{B2AC34C9-27F4-4A43-B9E6-31AAF7FDE0CB}" destId="{3EB30996-91B3-4239-BF37-88E3C555BC52}" srcOrd="0" destOrd="0" presId="urn:microsoft.com/office/officeart/2005/8/layout/chevron1"/>
   </dgm:cxnLst>
   <dgm:bg/>
@@ -14631,12 +14652,19 @@
         </dgm:presLayoutVars>
       </dgm:prSet>
       <dgm:spPr/>
+      <dgm:t>
+        <a:bodyPr/>
+        <a:lstStyle/>
+        <a:p>
+          <a:endParaRPr lang="de-DE"/>
+        </a:p>
+      </dgm:t>
     </dgm:pt>
   </dgm:ptLst>
   <dgm:cxnLst>
+    <dgm:cxn modelId="{3EFB67F2-B4EB-4EFE-964A-8AF193349332}" type="presOf" srcId="{674503E8-1AC7-41ED-8605-5E819E9C237D}" destId="{B2AC34C9-27F4-4A43-B9E6-31AAF7FDE0CB}" srcOrd="0" destOrd="0" presId="urn:microsoft.com/office/officeart/2005/8/layout/chevron1"/>
     <dgm:cxn modelId="{6D139A0C-1C5F-462F-941A-E83A5038A582}" type="presOf" srcId="{5033FB32-F740-4C19-B504-0647C1F53E48}" destId="{3EB30996-91B3-4239-BF37-88E3C555BC52}" srcOrd="0" destOrd="0" presId="urn:microsoft.com/office/officeart/2005/8/layout/chevron1"/>
     <dgm:cxn modelId="{A9C04542-76A5-484F-BDC6-8684DE3831C0}" srcId="{674503E8-1AC7-41ED-8605-5E819E9C237D}" destId="{5033FB32-F740-4C19-B504-0647C1F53E48}" srcOrd="0" destOrd="0" parTransId="{4F5440BC-E4ED-41F4-BCBC-91A4379FE628}" sibTransId="{0F72E487-3666-4627-B648-0F027167834A}"/>
-    <dgm:cxn modelId="{3EFB67F2-B4EB-4EFE-964A-8AF193349332}" type="presOf" srcId="{674503E8-1AC7-41ED-8605-5E819E9C237D}" destId="{B2AC34C9-27F4-4A43-B9E6-31AAF7FDE0CB}" srcOrd="0" destOrd="0" presId="urn:microsoft.com/office/officeart/2005/8/layout/chevron1"/>
     <dgm:cxn modelId="{E75CA34E-81F5-42E1-938A-72E2F0999817}" type="presParOf" srcId="{B2AC34C9-27F4-4A43-B9E6-31AAF7FDE0CB}" destId="{3EB30996-91B3-4239-BF37-88E3C555BC52}" srcOrd="0" destOrd="0" presId="urn:microsoft.com/office/officeart/2005/8/layout/chevron1"/>
   </dgm:cxnLst>
   <dgm:bg/>
@@ -14725,12 +14753,19 @@
         </dgm:presLayoutVars>
       </dgm:prSet>
       <dgm:spPr/>
+      <dgm:t>
+        <a:bodyPr/>
+        <a:lstStyle/>
+        <a:p>
+          <a:endParaRPr lang="de-DE"/>
+        </a:p>
+      </dgm:t>
     </dgm:pt>
   </dgm:ptLst>
   <dgm:cxnLst>
+    <dgm:cxn modelId="{3EFB67F2-B4EB-4EFE-964A-8AF193349332}" type="presOf" srcId="{674503E8-1AC7-41ED-8605-5E819E9C237D}" destId="{B2AC34C9-27F4-4A43-B9E6-31AAF7FDE0CB}" srcOrd="0" destOrd="0" presId="urn:microsoft.com/office/officeart/2005/8/layout/chevron1"/>
     <dgm:cxn modelId="{6D139A0C-1C5F-462F-941A-E83A5038A582}" type="presOf" srcId="{5033FB32-F740-4C19-B504-0647C1F53E48}" destId="{3EB30996-91B3-4239-BF37-88E3C555BC52}" srcOrd="0" destOrd="0" presId="urn:microsoft.com/office/officeart/2005/8/layout/chevron1"/>
     <dgm:cxn modelId="{A9C04542-76A5-484F-BDC6-8684DE3831C0}" srcId="{674503E8-1AC7-41ED-8605-5E819E9C237D}" destId="{5033FB32-F740-4C19-B504-0647C1F53E48}" srcOrd="0" destOrd="0" parTransId="{4F5440BC-E4ED-41F4-BCBC-91A4379FE628}" sibTransId="{0F72E487-3666-4627-B648-0F027167834A}"/>
-    <dgm:cxn modelId="{3EFB67F2-B4EB-4EFE-964A-8AF193349332}" type="presOf" srcId="{674503E8-1AC7-41ED-8605-5E819E9C237D}" destId="{B2AC34C9-27F4-4A43-B9E6-31AAF7FDE0CB}" srcOrd="0" destOrd="0" presId="urn:microsoft.com/office/officeart/2005/8/layout/chevron1"/>
     <dgm:cxn modelId="{E75CA34E-81F5-42E1-938A-72E2F0999817}" type="presParOf" srcId="{B2AC34C9-27F4-4A43-B9E6-31AAF7FDE0CB}" destId="{3EB30996-91B3-4239-BF37-88E3C555BC52}" srcOrd="0" destOrd="0" presId="urn:microsoft.com/office/officeart/2005/8/layout/chevron1"/>
   </dgm:cxnLst>
   <dgm:bg/>
@@ -14767,25 +14802,7 @@
               </a:solidFill>
               <a:latin typeface="Corbel Light" panose="020B0303020204020204" pitchFamily="34" charset="0"/>
             </a:rPr>
-            <a:t>Projektziele im Anschluss (Herr </a:t>
-          </a:r>
-          <a:r>
-            <a:rPr lang="de-DE" b="1" dirty="0" err="1">
-              <a:solidFill>
-                <a:schemeClr val="bg1"/>
-              </a:solidFill>
-              <a:latin typeface="Corbel Light" panose="020B0303020204020204" pitchFamily="34" charset="0"/>
-            </a:rPr>
-            <a:t>Stauß</a:t>
-          </a:r>
-          <a:r>
-            <a:rPr lang="de-DE" b="1" dirty="0">
-              <a:solidFill>
-                <a:schemeClr val="bg1"/>
-              </a:solidFill>
-              <a:latin typeface="Corbel Light" panose="020B0303020204020204" pitchFamily="34" charset="0"/>
-            </a:rPr>
-            <a:t> ? Grundsätzliche Optimierung und Erweiterung der Funktionen?)</a:t>
+            <a:t>Projektziele im Anschluss </a:t>
           </a:r>
           <a:endParaRPr lang="de-DE" dirty="0">
             <a:solidFill>
@@ -14837,12 +14854,19 @@
         </dgm:presLayoutVars>
       </dgm:prSet>
       <dgm:spPr/>
+      <dgm:t>
+        <a:bodyPr/>
+        <a:lstStyle/>
+        <a:p>
+          <a:endParaRPr lang="de-DE"/>
+        </a:p>
+      </dgm:t>
     </dgm:pt>
   </dgm:ptLst>
   <dgm:cxnLst>
+    <dgm:cxn modelId="{3EFB67F2-B4EB-4EFE-964A-8AF193349332}" type="presOf" srcId="{674503E8-1AC7-41ED-8605-5E819E9C237D}" destId="{B2AC34C9-27F4-4A43-B9E6-31AAF7FDE0CB}" srcOrd="0" destOrd="0" presId="urn:microsoft.com/office/officeart/2005/8/layout/chevron1"/>
     <dgm:cxn modelId="{6D139A0C-1C5F-462F-941A-E83A5038A582}" type="presOf" srcId="{5033FB32-F740-4C19-B504-0647C1F53E48}" destId="{3EB30996-91B3-4239-BF37-88E3C555BC52}" srcOrd="0" destOrd="0" presId="urn:microsoft.com/office/officeart/2005/8/layout/chevron1"/>
     <dgm:cxn modelId="{A9C04542-76A5-484F-BDC6-8684DE3831C0}" srcId="{674503E8-1AC7-41ED-8605-5E819E9C237D}" destId="{5033FB32-F740-4C19-B504-0647C1F53E48}" srcOrd="0" destOrd="0" parTransId="{4F5440BC-E4ED-41F4-BCBC-91A4379FE628}" sibTransId="{0F72E487-3666-4627-B648-0F027167834A}"/>
-    <dgm:cxn modelId="{3EFB67F2-B4EB-4EFE-964A-8AF193349332}" type="presOf" srcId="{674503E8-1AC7-41ED-8605-5E819E9C237D}" destId="{B2AC34C9-27F4-4A43-B9E6-31AAF7FDE0CB}" srcOrd="0" destOrd="0" presId="urn:microsoft.com/office/officeart/2005/8/layout/chevron1"/>
     <dgm:cxn modelId="{E75CA34E-81F5-42E1-938A-72E2F0999817}" type="presParOf" srcId="{B2AC34C9-27F4-4A43-B9E6-31AAF7FDE0CB}" destId="{3EB30996-91B3-4239-BF37-88E3C555BC52}" srcOrd="0" destOrd="0" presId="urn:microsoft.com/office/officeart/2005/8/layout/chevron1"/>
   </dgm:cxnLst>
   <dgm:bg/>
@@ -14925,12 +14949,19 @@
         </dgm:presLayoutVars>
       </dgm:prSet>
       <dgm:spPr/>
+      <dgm:t>
+        <a:bodyPr/>
+        <a:lstStyle/>
+        <a:p>
+          <a:endParaRPr lang="de-DE"/>
+        </a:p>
+      </dgm:t>
     </dgm:pt>
   </dgm:ptLst>
   <dgm:cxnLst>
+    <dgm:cxn modelId="{3EFB67F2-B4EB-4EFE-964A-8AF193349332}" type="presOf" srcId="{674503E8-1AC7-41ED-8605-5E819E9C237D}" destId="{B2AC34C9-27F4-4A43-B9E6-31AAF7FDE0CB}" srcOrd="0" destOrd="0" presId="urn:microsoft.com/office/officeart/2005/8/layout/chevron1"/>
     <dgm:cxn modelId="{6D139A0C-1C5F-462F-941A-E83A5038A582}" type="presOf" srcId="{5033FB32-F740-4C19-B504-0647C1F53E48}" destId="{3EB30996-91B3-4239-BF37-88E3C555BC52}" srcOrd="0" destOrd="0" presId="urn:microsoft.com/office/officeart/2005/8/layout/chevron1"/>
     <dgm:cxn modelId="{A9C04542-76A5-484F-BDC6-8684DE3831C0}" srcId="{674503E8-1AC7-41ED-8605-5E819E9C237D}" destId="{5033FB32-F740-4C19-B504-0647C1F53E48}" srcOrd="0" destOrd="0" parTransId="{4F5440BC-E4ED-41F4-BCBC-91A4379FE628}" sibTransId="{0F72E487-3666-4627-B648-0F027167834A}"/>
-    <dgm:cxn modelId="{3EFB67F2-B4EB-4EFE-964A-8AF193349332}" type="presOf" srcId="{674503E8-1AC7-41ED-8605-5E819E9C237D}" destId="{B2AC34C9-27F4-4A43-B9E6-31AAF7FDE0CB}" srcOrd="0" destOrd="0" presId="urn:microsoft.com/office/officeart/2005/8/layout/chevron1"/>
     <dgm:cxn modelId="{E75CA34E-81F5-42E1-938A-72E2F0999817}" type="presParOf" srcId="{B2AC34C9-27F4-4A43-B9E6-31AAF7FDE0CB}" destId="{3EB30996-91B3-4239-BF37-88E3C555BC52}" srcOrd="0" destOrd="0" presId="urn:microsoft.com/office/officeart/2005/8/layout/chevron1"/>
   </dgm:cxnLst>
   <dgm:bg/>
@@ -15104,6 +15135,13 @@
         </dgm:presLayoutVars>
       </dgm:prSet>
       <dgm:spPr/>
+      <dgm:t>
+        <a:bodyPr/>
+        <a:lstStyle/>
+        <a:p>
+          <a:endParaRPr lang="de-DE"/>
+        </a:p>
+      </dgm:t>
     </dgm:pt>
     <dgm:pt modelId="{8C94DBA9-AC61-43A0-BD9A-8B89F7FE18BC}" type="pres">
       <dgm:prSet presAssocID="{11E12EE7-6730-4471-8135-5209E8DB6EEE}" presName="parTxOnlySpace" presStyleCnt="0"/>
@@ -15118,6 +15156,13 @@
         </dgm:presLayoutVars>
       </dgm:prSet>
       <dgm:spPr/>
+      <dgm:t>
+        <a:bodyPr/>
+        <a:lstStyle/>
+        <a:p>
+          <a:endParaRPr lang="de-DE"/>
+        </a:p>
+      </dgm:t>
     </dgm:pt>
     <dgm:pt modelId="{66C2C2CF-A4CD-4218-90F8-1E204CF6D502}" type="pres">
       <dgm:prSet presAssocID="{DA3F5A7D-7DD3-4F6D-867A-DD06B956183E}" presName="parTxOnlySpace" presStyleCnt="0"/>
@@ -15132,16 +15177,23 @@
         </dgm:presLayoutVars>
       </dgm:prSet>
       <dgm:spPr/>
+      <dgm:t>
+        <a:bodyPr/>
+        <a:lstStyle/>
+        <a:p>
+          <a:endParaRPr lang="de-DE"/>
+        </a:p>
+      </dgm:t>
     </dgm:pt>
   </dgm:ptLst>
   <dgm:cxnLst>
+    <dgm:cxn modelId="{3EFB67F2-B4EB-4EFE-964A-8AF193349332}" type="presOf" srcId="{674503E8-1AC7-41ED-8605-5E819E9C237D}" destId="{B2AC34C9-27F4-4A43-B9E6-31AAF7FDE0CB}" srcOrd="0" destOrd="0" presId="urn:microsoft.com/office/officeart/2005/8/layout/chevron1"/>
+    <dgm:cxn modelId="{0A7350FC-3963-4F8E-860C-9F0A1E5E519E}" type="presOf" srcId="{EC76E6DD-0554-49EF-BD35-E47BE10C7A6B}" destId="{29D39E56-9421-44FD-B56B-DDEAA3FF2152}" srcOrd="0" destOrd="0" presId="urn:microsoft.com/office/officeart/2005/8/layout/chevron1"/>
+    <dgm:cxn modelId="{21A9541E-3C79-4A99-B32C-6B5FE4871710}" srcId="{674503E8-1AC7-41ED-8605-5E819E9C237D}" destId="{EC76E6DD-0554-49EF-BD35-E47BE10C7A6B}" srcOrd="1" destOrd="0" parTransId="{7840B6A2-70E1-4A43-844C-B138A10E3F5A}" sibTransId="{DA3F5A7D-7DD3-4F6D-867A-DD06B956183E}"/>
+    <dgm:cxn modelId="{3E3E4B77-64CD-44F5-902E-79CE4A4334E6}" type="presOf" srcId="{80340891-3FEB-4D7E-A9A9-98BB5EB92937}" destId="{B4E1D9FA-813E-45A4-99A8-BCE162C67903}" srcOrd="0" destOrd="0" presId="urn:microsoft.com/office/officeart/2005/8/layout/chevron1"/>
+    <dgm:cxn modelId="{C45999F3-394D-4DC7-AC9A-99CBCAFC203E}" srcId="{674503E8-1AC7-41ED-8605-5E819E9C237D}" destId="{80340891-3FEB-4D7E-A9A9-98BB5EB92937}" srcOrd="0" destOrd="0" parTransId="{C40D1F21-41AD-455F-85BE-CF33C75A8440}" sibTransId="{11E12EE7-6730-4471-8135-5209E8DB6EEE}"/>
     <dgm:cxn modelId="{6D139A0C-1C5F-462F-941A-E83A5038A582}" type="presOf" srcId="{5033FB32-F740-4C19-B504-0647C1F53E48}" destId="{3EB30996-91B3-4239-BF37-88E3C555BC52}" srcOrd="0" destOrd="0" presId="urn:microsoft.com/office/officeart/2005/8/layout/chevron1"/>
-    <dgm:cxn modelId="{21A9541E-3C79-4A99-B32C-6B5FE4871710}" srcId="{674503E8-1AC7-41ED-8605-5E819E9C237D}" destId="{EC76E6DD-0554-49EF-BD35-E47BE10C7A6B}" srcOrd="1" destOrd="0" parTransId="{7840B6A2-70E1-4A43-844C-B138A10E3F5A}" sibTransId="{DA3F5A7D-7DD3-4F6D-867A-DD06B956183E}"/>
     <dgm:cxn modelId="{A9C04542-76A5-484F-BDC6-8684DE3831C0}" srcId="{674503E8-1AC7-41ED-8605-5E819E9C237D}" destId="{5033FB32-F740-4C19-B504-0647C1F53E48}" srcOrd="2" destOrd="0" parTransId="{4F5440BC-E4ED-41F4-BCBC-91A4379FE628}" sibTransId="{0F72E487-3666-4627-B648-0F027167834A}"/>
-    <dgm:cxn modelId="{3E3E4B77-64CD-44F5-902E-79CE4A4334E6}" type="presOf" srcId="{80340891-3FEB-4D7E-A9A9-98BB5EB92937}" destId="{B4E1D9FA-813E-45A4-99A8-BCE162C67903}" srcOrd="0" destOrd="0" presId="urn:microsoft.com/office/officeart/2005/8/layout/chevron1"/>
-    <dgm:cxn modelId="{3EFB67F2-B4EB-4EFE-964A-8AF193349332}" type="presOf" srcId="{674503E8-1AC7-41ED-8605-5E819E9C237D}" destId="{B2AC34C9-27F4-4A43-B9E6-31AAF7FDE0CB}" srcOrd="0" destOrd="0" presId="urn:microsoft.com/office/officeart/2005/8/layout/chevron1"/>
-    <dgm:cxn modelId="{C45999F3-394D-4DC7-AC9A-99CBCAFC203E}" srcId="{674503E8-1AC7-41ED-8605-5E819E9C237D}" destId="{80340891-3FEB-4D7E-A9A9-98BB5EB92937}" srcOrd="0" destOrd="0" parTransId="{C40D1F21-41AD-455F-85BE-CF33C75A8440}" sibTransId="{11E12EE7-6730-4471-8135-5209E8DB6EEE}"/>
-    <dgm:cxn modelId="{0A7350FC-3963-4F8E-860C-9F0A1E5E519E}" type="presOf" srcId="{EC76E6DD-0554-49EF-BD35-E47BE10C7A6B}" destId="{29D39E56-9421-44FD-B56B-DDEAA3FF2152}" srcOrd="0" destOrd="0" presId="urn:microsoft.com/office/officeart/2005/8/layout/chevron1"/>
     <dgm:cxn modelId="{9C0FDC5B-9016-49D7-909C-B88B403677D1}" type="presParOf" srcId="{B2AC34C9-27F4-4A43-B9E6-31AAF7FDE0CB}" destId="{B4E1D9FA-813E-45A4-99A8-BCE162C67903}" srcOrd="0" destOrd="0" presId="urn:microsoft.com/office/officeart/2005/8/layout/chevron1"/>
     <dgm:cxn modelId="{4F5E368B-7B6E-40E1-8C57-93AC4766E368}" type="presParOf" srcId="{B2AC34C9-27F4-4A43-B9E6-31AAF7FDE0CB}" destId="{8C94DBA9-AC61-43A0-BD9A-8B89F7FE18BC}" srcOrd="1" destOrd="0" presId="urn:microsoft.com/office/officeart/2005/8/layout/chevron1"/>
     <dgm:cxn modelId="{034BB568-D4AD-47E2-A2FB-EEAED7CCDE53}" type="presParOf" srcId="{B2AC34C9-27F4-4A43-B9E6-31AAF7FDE0CB}" destId="{29D39E56-9421-44FD-B56B-DDEAA3FF2152}" srcOrd="2" destOrd="0" presId="urn:microsoft.com/office/officeart/2005/8/layout/chevron1"/>
@@ -15228,12 +15280,19 @@
         </dgm:presLayoutVars>
       </dgm:prSet>
       <dgm:spPr/>
+      <dgm:t>
+        <a:bodyPr/>
+        <a:lstStyle/>
+        <a:p>
+          <a:endParaRPr lang="de-DE"/>
+        </a:p>
+      </dgm:t>
     </dgm:pt>
   </dgm:ptLst>
   <dgm:cxnLst>
+    <dgm:cxn modelId="{3EFB67F2-B4EB-4EFE-964A-8AF193349332}" type="presOf" srcId="{674503E8-1AC7-41ED-8605-5E819E9C237D}" destId="{B2AC34C9-27F4-4A43-B9E6-31AAF7FDE0CB}" srcOrd="0" destOrd="0" presId="urn:microsoft.com/office/officeart/2005/8/layout/chevron1"/>
     <dgm:cxn modelId="{6D139A0C-1C5F-462F-941A-E83A5038A582}" type="presOf" srcId="{5033FB32-F740-4C19-B504-0647C1F53E48}" destId="{3EB30996-91B3-4239-BF37-88E3C555BC52}" srcOrd="0" destOrd="0" presId="urn:microsoft.com/office/officeart/2005/8/layout/chevron1"/>
     <dgm:cxn modelId="{A9C04542-76A5-484F-BDC6-8684DE3831C0}" srcId="{674503E8-1AC7-41ED-8605-5E819E9C237D}" destId="{5033FB32-F740-4C19-B504-0647C1F53E48}" srcOrd="0" destOrd="0" parTransId="{4F5440BC-E4ED-41F4-BCBC-91A4379FE628}" sibTransId="{0F72E487-3666-4627-B648-0F027167834A}"/>
-    <dgm:cxn modelId="{3EFB67F2-B4EB-4EFE-964A-8AF193349332}" type="presOf" srcId="{674503E8-1AC7-41ED-8605-5E819E9C237D}" destId="{B2AC34C9-27F4-4A43-B9E6-31AAF7FDE0CB}" srcOrd="0" destOrd="0" presId="urn:microsoft.com/office/officeart/2005/8/layout/chevron1"/>
     <dgm:cxn modelId="{E75CA34E-81F5-42E1-938A-72E2F0999817}" type="presParOf" srcId="{B2AC34C9-27F4-4A43-B9E6-31AAF7FDE0CB}" destId="{3EB30996-91B3-4239-BF37-88E3C555BC52}" srcOrd="0" destOrd="0" presId="urn:microsoft.com/office/officeart/2005/8/layout/chevron1"/>
   </dgm:cxnLst>
   <dgm:bg/>
@@ -15316,12 +15375,19 @@
         </dgm:presLayoutVars>
       </dgm:prSet>
       <dgm:spPr/>
+      <dgm:t>
+        <a:bodyPr/>
+        <a:lstStyle/>
+        <a:p>
+          <a:endParaRPr lang="de-DE"/>
+        </a:p>
+      </dgm:t>
     </dgm:pt>
   </dgm:ptLst>
   <dgm:cxnLst>
+    <dgm:cxn modelId="{3EFB67F2-B4EB-4EFE-964A-8AF193349332}" type="presOf" srcId="{674503E8-1AC7-41ED-8605-5E819E9C237D}" destId="{B2AC34C9-27F4-4A43-B9E6-31AAF7FDE0CB}" srcOrd="0" destOrd="0" presId="urn:microsoft.com/office/officeart/2005/8/layout/chevron1"/>
     <dgm:cxn modelId="{6D139A0C-1C5F-462F-941A-E83A5038A582}" type="presOf" srcId="{5033FB32-F740-4C19-B504-0647C1F53E48}" destId="{3EB30996-91B3-4239-BF37-88E3C555BC52}" srcOrd="0" destOrd="0" presId="urn:microsoft.com/office/officeart/2005/8/layout/chevron1"/>
     <dgm:cxn modelId="{A9C04542-76A5-484F-BDC6-8684DE3831C0}" srcId="{674503E8-1AC7-41ED-8605-5E819E9C237D}" destId="{5033FB32-F740-4C19-B504-0647C1F53E48}" srcOrd="0" destOrd="0" parTransId="{4F5440BC-E4ED-41F4-BCBC-91A4379FE628}" sibTransId="{0F72E487-3666-4627-B648-0F027167834A}"/>
-    <dgm:cxn modelId="{3EFB67F2-B4EB-4EFE-964A-8AF193349332}" type="presOf" srcId="{674503E8-1AC7-41ED-8605-5E819E9C237D}" destId="{B2AC34C9-27F4-4A43-B9E6-31AAF7FDE0CB}" srcOrd="0" destOrd="0" presId="urn:microsoft.com/office/officeart/2005/8/layout/chevron1"/>
     <dgm:cxn modelId="{E75CA34E-81F5-42E1-938A-72E2F0999817}" type="presParOf" srcId="{B2AC34C9-27F4-4A43-B9E6-31AAF7FDE0CB}" destId="{3EB30996-91B3-4239-BF37-88E3C555BC52}" srcOrd="0" destOrd="0" presId="urn:microsoft.com/office/officeart/2005/8/layout/chevron1"/>
   </dgm:cxnLst>
   <dgm:bg/>
@@ -15404,12 +15470,19 @@
         </dgm:presLayoutVars>
       </dgm:prSet>
       <dgm:spPr/>
+      <dgm:t>
+        <a:bodyPr/>
+        <a:lstStyle/>
+        <a:p>
+          <a:endParaRPr lang="de-DE"/>
+        </a:p>
+      </dgm:t>
     </dgm:pt>
   </dgm:ptLst>
   <dgm:cxnLst>
+    <dgm:cxn modelId="{3EFB67F2-B4EB-4EFE-964A-8AF193349332}" type="presOf" srcId="{674503E8-1AC7-41ED-8605-5E819E9C237D}" destId="{B2AC34C9-27F4-4A43-B9E6-31AAF7FDE0CB}" srcOrd="0" destOrd="0" presId="urn:microsoft.com/office/officeart/2005/8/layout/chevron1"/>
     <dgm:cxn modelId="{6D139A0C-1C5F-462F-941A-E83A5038A582}" type="presOf" srcId="{5033FB32-F740-4C19-B504-0647C1F53E48}" destId="{3EB30996-91B3-4239-BF37-88E3C555BC52}" srcOrd="0" destOrd="0" presId="urn:microsoft.com/office/officeart/2005/8/layout/chevron1"/>
     <dgm:cxn modelId="{A9C04542-76A5-484F-BDC6-8684DE3831C0}" srcId="{674503E8-1AC7-41ED-8605-5E819E9C237D}" destId="{5033FB32-F740-4C19-B504-0647C1F53E48}" srcOrd="0" destOrd="0" parTransId="{4F5440BC-E4ED-41F4-BCBC-91A4379FE628}" sibTransId="{0F72E487-3666-4627-B648-0F027167834A}"/>
-    <dgm:cxn modelId="{3EFB67F2-B4EB-4EFE-964A-8AF193349332}" type="presOf" srcId="{674503E8-1AC7-41ED-8605-5E819E9C237D}" destId="{B2AC34C9-27F4-4A43-B9E6-31AAF7FDE0CB}" srcOrd="0" destOrd="0" presId="urn:microsoft.com/office/officeart/2005/8/layout/chevron1"/>
     <dgm:cxn modelId="{E75CA34E-81F5-42E1-938A-72E2F0999817}" type="presParOf" srcId="{B2AC34C9-27F4-4A43-B9E6-31AAF7FDE0CB}" destId="{3EB30996-91B3-4239-BF37-88E3C555BC52}" srcOrd="0" destOrd="0" presId="urn:microsoft.com/office/officeart/2005/8/layout/chevron1"/>
   </dgm:cxnLst>
   <dgm:bg/>
@@ -15496,12 +15569,19 @@
         </dgm:presLayoutVars>
       </dgm:prSet>
       <dgm:spPr/>
+      <dgm:t>
+        <a:bodyPr/>
+        <a:lstStyle/>
+        <a:p>
+          <a:endParaRPr lang="de-DE"/>
+        </a:p>
+      </dgm:t>
     </dgm:pt>
   </dgm:ptLst>
   <dgm:cxnLst>
+    <dgm:cxn modelId="{3EFB67F2-B4EB-4EFE-964A-8AF193349332}" type="presOf" srcId="{674503E8-1AC7-41ED-8605-5E819E9C237D}" destId="{B2AC34C9-27F4-4A43-B9E6-31AAF7FDE0CB}" srcOrd="0" destOrd="0" presId="urn:microsoft.com/office/officeart/2005/8/layout/chevron1"/>
     <dgm:cxn modelId="{6D139A0C-1C5F-462F-941A-E83A5038A582}" type="presOf" srcId="{5033FB32-F740-4C19-B504-0647C1F53E48}" destId="{3EB30996-91B3-4239-BF37-88E3C555BC52}" srcOrd="0" destOrd="0" presId="urn:microsoft.com/office/officeart/2005/8/layout/chevron1"/>
     <dgm:cxn modelId="{A9C04542-76A5-484F-BDC6-8684DE3831C0}" srcId="{674503E8-1AC7-41ED-8605-5E819E9C237D}" destId="{5033FB32-F740-4C19-B504-0647C1F53E48}" srcOrd="0" destOrd="0" parTransId="{4F5440BC-E4ED-41F4-BCBC-91A4379FE628}" sibTransId="{0F72E487-3666-4627-B648-0F027167834A}"/>
-    <dgm:cxn modelId="{3EFB67F2-B4EB-4EFE-964A-8AF193349332}" type="presOf" srcId="{674503E8-1AC7-41ED-8605-5E819E9C237D}" destId="{B2AC34C9-27F4-4A43-B9E6-31AAF7FDE0CB}" srcOrd="0" destOrd="0" presId="urn:microsoft.com/office/officeart/2005/8/layout/chevron1"/>
     <dgm:cxn modelId="{E75CA34E-81F5-42E1-938A-72E2F0999817}" type="presParOf" srcId="{B2AC34C9-27F4-4A43-B9E6-31AAF7FDE0CB}" destId="{3EB30996-91B3-4239-BF37-88E3C555BC52}" srcOrd="0" destOrd="0" presId="urn:microsoft.com/office/officeart/2005/8/layout/chevron1"/>
   </dgm:cxnLst>
   <dgm:bg/>
@@ -15584,12 +15664,19 @@
         </dgm:presLayoutVars>
       </dgm:prSet>
       <dgm:spPr/>
+      <dgm:t>
+        <a:bodyPr/>
+        <a:lstStyle/>
+        <a:p>
+          <a:endParaRPr lang="de-DE"/>
+        </a:p>
+      </dgm:t>
     </dgm:pt>
   </dgm:ptLst>
   <dgm:cxnLst>
+    <dgm:cxn modelId="{3EFB67F2-B4EB-4EFE-964A-8AF193349332}" type="presOf" srcId="{674503E8-1AC7-41ED-8605-5E819E9C237D}" destId="{B2AC34C9-27F4-4A43-B9E6-31AAF7FDE0CB}" srcOrd="0" destOrd="0" presId="urn:microsoft.com/office/officeart/2005/8/layout/chevron1"/>
     <dgm:cxn modelId="{6D139A0C-1C5F-462F-941A-E83A5038A582}" type="presOf" srcId="{5033FB32-F740-4C19-B504-0647C1F53E48}" destId="{3EB30996-91B3-4239-BF37-88E3C555BC52}" srcOrd="0" destOrd="0" presId="urn:microsoft.com/office/officeart/2005/8/layout/chevron1"/>
     <dgm:cxn modelId="{A9C04542-76A5-484F-BDC6-8684DE3831C0}" srcId="{674503E8-1AC7-41ED-8605-5E819E9C237D}" destId="{5033FB32-F740-4C19-B504-0647C1F53E48}" srcOrd="0" destOrd="0" parTransId="{4F5440BC-E4ED-41F4-BCBC-91A4379FE628}" sibTransId="{0F72E487-3666-4627-B648-0F027167834A}"/>
-    <dgm:cxn modelId="{3EFB67F2-B4EB-4EFE-964A-8AF193349332}" type="presOf" srcId="{674503E8-1AC7-41ED-8605-5E819E9C237D}" destId="{B2AC34C9-27F4-4A43-B9E6-31AAF7FDE0CB}" srcOrd="0" destOrd="0" presId="urn:microsoft.com/office/officeart/2005/8/layout/chevron1"/>
     <dgm:cxn modelId="{E75CA34E-81F5-42E1-938A-72E2F0999817}" type="presParOf" srcId="{B2AC34C9-27F4-4A43-B9E6-31AAF7FDE0CB}" destId="{3EB30996-91B3-4239-BF37-88E3C555BC52}" srcOrd="0" destOrd="0" presId="urn:microsoft.com/office/officeart/2005/8/layout/chevron1"/>
   </dgm:cxnLst>
   <dgm:bg/>
@@ -15672,12 +15759,19 @@
         </dgm:presLayoutVars>
       </dgm:prSet>
       <dgm:spPr/>
+      <dgm:t>
+        <a:bodyPr/>
+        <a:lstStyle/>
+        <a:p>
+          <a:endParaRPr lang="de-DE"/>
+        </a:p>
+      </dgm:t>
     </dgm:pt>
   </dgm:ptLst>
   <dgm:cxnLst>
+    <dgm:cxn modelId="{3EFB67F2-B4EB-4EFE-964A-8AF193349332}" type="presOf" srcId="{674503E8-1AC7-41ED-8605-5E819E9C237D}" destId="{B2AC34C9-27F4-4A43-B9E6-31AAF7FDE0CB}" srcOrd="0" destOrd="0" presId="urn:microsoft.com/office/officeart/2005/8/layout/chevron1"/>
     <dgm:cxn modelId="{6D139A0C-1C5F-462F-941A-E83A5038A582}" type="presOf" srcId="{5033FB32-F740-4C19-B504-0647C1F53E48}" destId="{3EB30996-91B3-4239-BF37-88E3C555BC52}" srcOrd="0" destOrd="0" presId="urn:microsoft.com/office/officeart/2005/8/layout/chevron1"/>
     <dgm:cxn modelId="{A9C04542-76A5-484F-BDC6-8684DE3831C0}" srcId="{674503E8-1AC7-41ED-8605-5E819E9C237D}" destId="{5033FB32-F740-4C19-B504-0647C1F53E48}" srcOrd="0" destOrd="0" parTransId="{4F5440BC-E4ED-41F4-BCBC-91A4379FE628}" sibTransId="{0F72E487-3666-4627-B648-0F027167834A}"/>
-    <dgm:cxn modelId="{3EFB67F2-B4EB-4EFE-964A-8AF193349332}" type="presOf" srcId="{674503E8-1AC7-41ED-8605-5E819E9C237D}" destId="{B2AC34C9-27F4-4A43-B9E6-31AAF7FDE0CB}" srcOrd="0" destOrd="0" presId="urn:microsoft.com/office/officeart/2005/8/layout/chevron1"/>
     <dgm:cxn modelId="{E75CA34E-81F5-42E1-938A-72E2F0999817}" type="presParOf" srcId="{B2AC34C9-27F4-4A43-B9E6-31AAF7FDE0CB}" destId="{3EB30996-91B3-4239-BF37-88E3C555BC52}" srcOrd="0" destOrd="0" presId="urn:microsoft.com/office/officeart/2005/8/layout/chevron1"/>
   </dgm:cxnLst>
   <dgm:bg/>
@@ -15760,12 +15854,19 @@
         </dgm:presLayoutVars>
       </dgm:prSet>
       <dgm:spPr/>
+      <dgm:t>
+        <a:bodyPr/>
+        <a:lstStyle/>
+        <a:p>
+          <a:endParaRPr lang="de-DE"/>
+        </a:p>
+      </dgm:t>
     </dgm:pt>
   </dgm:ptLst>
   <dgm:cxnLst>
+    <dgm:cxn modelId="{3EFB67F2-B4EB-4EFE-964A-8AF193349332}" type="presOf" srcId="{674503E8-1AC7-41ED-8605-5E819E9C237D}" destId="{B2AC34C9-27F4-4A43-B9E6-31AAF7FDE0CB}" srcOrd="0" destOrd="0" presId="urn:microsoft.com/office/officeart/2005/8/layout/chevron1"/>
     <dgm:cxn modelId="{6D139A0C-1C5F-462F-941A-E83A5038A582}" type="presOf" srcId="{5033FB32-F740-4C19-B504-0647C1F53E48}" destId="{3EB30996-91B3-4239-BF37-88E3C555BC52}" srcOrd="0" destOrd="0" presId="urn:microsoft.com/office/officeart/2005/8/layout/chevron1"/>
     <dgm:cxn modelId="{A9C04542-76A5-484F-BDC6-8684DE3831C0}" srcId="{674503E8-1AC7-41ED-8605-5E819E9C237D}" destId="{5033FB32-F740-4C19-B504-0647C1F53E48}" srcOrd="0" destOrd="0" parTransId="{4F5440BC-E4ED-41F4-BCBC-91A4379FE628}" sibTransId="{0F72E487-3666-4627-B648-0F027167834A}"/>
-    <dgm:cxn modelId="{3EFB67F2-B4EB-4EFE-964A-8AF193349332}" type="presOf" srcId="{674503E8-1AC7-41ED-8605-5E819E9C237D}" destId="{B2AC34C9-27F4-4A43-B9E6-31AAF7FDE0CB}" srcOrd="0" destOrd="0" presId="urn:microsoft.com/office/officeart/2005/8/layout/chevron1"/>
     <dgm:cxn modelId="{E75CA34E-81F5-42E1-938A-72E2F0999817}" type="presParOf" srcId="{B2AC34C9-27F4-4A43-B9E6-31AAF7FDE0CB}" destId="{3EB30996-91B3-4239-BF37-88E3C555BC52}" srcOrd="0" destOrd="0" presId="urn:microsoft.com/office/officeart/2005/8/layout/chevron1"/>
   </dgm:cxnLst>
   <dgm:bg/>
@@ -15848,12 +15949,19 @@
         </dgm:presLayoutVars>
       </dgm:prSet>
       <dgm:spPr/>
+      <dgm:t>
+        <a:bodyPr/>
+        <a:lstStyle/>
+        <a:p>
+          <a:endParaRPr lang="de-DE"/>
+        </a:p>
+      </dgm:t>
     </dgm:pt>
   </dgm:ptLst>
   <dgm:cxnLst>
+    <dgm:cxn modelId="{3EFB67F2-B4EB-4EFE-964A-8AF193349332}" type="presOf" srcId="{674503E8-1AC7-41ED-8605-5E819E9C237D}" destId="{B2AC34C9-27F4-4A43-B9E6-31AAF7FDE0CB}" srcOrd="0" destOrd="0" presId="urn:microsoft.com/office/officeart/2005/8/layout/chevron1"/>
     <dgm:cxn modelId="{6D139A0C-1C5F-462F-941A-E83A5038A582}" type="presOf" srcId="{5033FB32-F740-4C19-B504-0647C1F53E48}" destId="{3EB30996-91B3-4239-BF37-88E3C555BC52}" srcOrd="0" destOrd="0" presId="urn:microsoft.com/office/officeart/2005/8/layout/chevron1"/>
     <dgm:cxn modelId="{A9C04542-76A5-484F-BDC6-8684DE3831C0}" srcId="{674503E8-1AC7-41ED-8605-5E819E9C237D}" destId="{5033FB32-F740-4C19-B504-0647C1F53E48}" srcOrd="0" destOrd="0" parTransId="{4F5440BC-E4ED-41F4-BCBC-91A4379FE628}" sibTransId="{0F72E487-3666-4627-B648-0F027167834A}"/>
-    <dgm:cxn modelId="{3EFB67F2-B4EB-4EFE-964A-8AF193349332}" type="presOf" srcId="{674503E8-1AC7-41ED-8605-5E819E9C237D}" destId="{B2AC34C9-27F4-4A43-B9E6-31AAF7FDE0CB}" srcOrd="0" destOrd="0" presId="urn:microsoft.com/office/officeart/2005/8/layout/chevron1"/>
     <dgm:cxn modelId="{E75CA34E-81F5-42E1-938A-72E2F0999817}" type="presParOf" srcId="{B2AC34C9-27F4-4A43-B9E6-31AAF7FDE0CB}" destId="{3EB30996-91B3-4239-BF37-88E3C555BC52}" srcOrd="0" destOrd="0" presId="urn:microsoft.com/office/officeart/2005/8/layout/chevron1"/>
   </dgm:cxnLst>
   <dgm:bg/>
@@ -15933,7 +16041,7 @@
         </a:bodyPr>
         <a:lstStyle/>
         <a:p>
-          <a:pPr marL="0" lvl="0" indent="0" algn="ctr" defTabSz="844550">
+          <a:pPr lvl="0" algn="ctr" defTabSz="844550">
             <a:lnSpc>
               <a:spcPct val="90000"/>
             </a:lnSpc>
@@ -15943,7 +16051,6 @@
             <a:spcAft>
               <a:spcPct val="35000"/>
             </a:spcAft>
-            <a:buNone/>
           </a:pPr>
           <a:r>
             <a:rPr lang="de-DE" sz="1900" kern="1200" dirty="0">
@@ -16029,7 +16136,7 @@
         </a:bodyPr>
         <a:lstStyle/>
         <a:p>
-          <a:pPr marL="0" lvl="0" indent="0" algn="ctr" defTabSz="844550">
+          <a:pPr lvl="0" algn="ctr" defTabSz="844550">
             <a:lnSpc>
               <a:spcPct val="90000"/>
             </a:lnSpc>
@@ -16039,7 +16146,6 @@
             <a:spcAft>
               <a:spcPct val="35000"/>
             </a:spcAft>
-            <a:buNone/>
           </a:pPr>
           <a:r>
             <a:rPr lang="de-DE" sz="1900" kern="1200" dirty="0">
@@ -16125,7 +16231,7 @@
         </a:bodyPr>
         <a:lstStyle/>
         <a:p>
-          <a:pPr marL="0" lvl="0" indent="0" algn="ctr" defTabSz="844550">
+          <a:pPr lvl="0" algn="ctr" defTabSz="844550">
             <a:lnSpc>
               <a:spcPct val="90000"/>
             </a:lnSpc>
@@ -16135,7 +16241,6 @@
             <a:spcAft>
               <a:spcPct val="35000"/>
             </a:spcAft>
-            <a:buNone/>
           </a:pPr>
           <a:r>
             <a:rPr lang="de-DE" sz="1900" kern="1200" dirty="0">
@@ -16221,7 +16326,7 @@
         </a:bodyPr>
         <a:lstStyle/>
         <a:p>
-          <a:pPr marL="0" lvl="0" indent="0" algn="ctr" defTabSz="844550">
+          <a:pPr lvl="0" algn="ctr" defTabSz="844550">
             <a:lnSpc>
               <a:spcPct val="90000"/>
             </a:lnSpc>
@@ -16231,7 +16336,6 @@
             <a:spcAft>
               <a:spcPct val="35000"/>
             </a:spcAft>
-            <a:buNone/>
           </a:pPr>
           <a:r>
             <a:rPr lang="de-DE" sz="1900" b="1" kern="1200" dirty="0">
@@ -16323,7 +16427,7 @@
         </a:bodyPr>
         <a:lstStyle/>
         <a:p>
-          <a:pPr marL="0" lvl="0" indent="0" algn="ctr" defTabSz="844550">
+          <a:pPr lvl="0" algn="ctr" defTabSz="844550">
             <a:lnSpc>
               <a:spcPct val="90000"/>
             </a:lnSpc>
@@ -16333,7 +16437,6 @@
             <a:spcAft>
               <a:spcPct val="35000"/>
             </a:spcAft>
-            <a:buNone/>
           </a:pPr>
           <a:r>
             <a:rPr lang="de-DE" sz="1900" b="1" kern="1200" dirty="0">
@@ -16420,12 +16523,12 @@
         </a:fontRef>
       </dsp:style>
       <dsp:txBody>
-        <a:bodyPr spcFirstLastPara="0" vert="horz" wrap="square" lIns="72009" tIns="24003" rIns="24003" bIns="24003" numCol="1" spcCol="1270" anchor="ctr" anchorCtr="0">
+        <a:bodyPr spcFirstLastPara="0" vert="horz" wrap="square" lIns="76010" tIns="25337" rIns="25337" bIns="25337" numCol="1" spcCol="1270" anchor="ctr" anchorCtr="0">
           <a:noAutofit/>
         </a:bodyPr>
         <a:lstStyle/>
         <a:p>
-          <a:pPr marL="0" lvl="0" indent="0" algn="ctr" defTabSz="800100">
+          <a:pPr lvl="0" algn="ctr" defTabSz="844550">
             <a:lnSpc>
               <a:spcPct val="90000"/>
             </a:lnSpc>
@@ -16435,36 +16538,17 @@
             <a:spcAft>
               <a:spcPct val="35000"/>
             </a:spcAft>
-            <a:buNone/>
           </a:pPr>
           <a:r>
-            <a:rPr lang="de-DE" sz="1800" b="1" kern="1200" dirty="0">
+            <a:rPr lang="de-DE" sz="1900" b="1" kern="1200" dirty="0">
               <a:solidFill>
                 <a:schemeClr val="bg1"/>
               </a:solidFill>
               <a:latin typeface="Corbel Light" panose="020B0303020204020204" pitchFamily="34" charset="0"/>
             </a:rPr>
-            <a:t>Projektziele im Anschluss (Herr </a:t>
+            <a:t>Projektziele im Anschluss </a:t>
           </a:r>
-          <a:r>
-            <a:rPr lang="de-DE" sz="1800" b="1" kern="1200" dirty="0" err="1">
-              <a:solidFill>
-                <a:schemeClr val="bg1"/>
-              </a:solidFill>
-              <a:latin typeface="Corbel Light" panose="020B0303020204020204" pitchFamily="34" charset="0"/>
-            </a:rPr>
-            <a:t>Stauß</a:t>
-          </a:r>
-          <a:r>
-            <a:rPr lang="de-DE" sz="1800" b="1" kern="1200" dirty="0">
-              <a:solidFill>
-                <a:schemeClr val="bg1"/>
-              </a:solidFill>
-              <a:latin typeface="Corbel Light" panose="020B0303020204020204" pitchFamily="34" charset="0"/>
-            </a:rPr>
-            <a:t> ? Grundsätzliche Optimierung und Erweiterung der Funktionen?)</a:t>
-          </a:r>
-          <a:endParaRPr lang="de-DE" sz="1800" kern="1200" dirty="0">
+          <a:endParaRPr lang="de-DE" sz="1900" kern="1200" dirty="0">
             <a:solidFill>
               <a:schemeClr val="bg1"/>
             </a:solidFill>
@@ -16545,7 +16629,7 @@
         </a:bodyPr>
         <a:lstStyle/>
         <a:p>
-          <a:pPr marL="0" lvl="0" indent="0" algn="ctr" defTabSz="844550">
+          <a:pPr lvl="0" algn="ctr" defTabSz="844550">
             <a:lnSpc>
               <a:spcPct val="90000"/>
             </a:lnSpc>
@@ -16555,7 +16639,6 @@
             <a:spcAft>
               <a:spcPct val="35000"/>
             </a:spcAft>
-            <a:buNone/>
           </a:pPr>
           <a:r>
             <a:rPr lang="de-DE" sz="1900" kern="1200" dirty="0">
@@ -16635,7 +16718,7 @@
         </a:bodyPr>
         <a:lstStyle/>
         <a:p>
-          <a:pPr marL="0" lvl="0" indent="0" algn="ctr" defTabSz="844550">
+          <a:pPr lvl="0" algn="ctr" defTabSz="844550">
             <a:lnSpc>
               <a:spcPct val="90000"/>
             </a:lnSpc>
@@ -16645,7 +16728,6 @@
             <a:spcAft>
               <a:spcPct val="35000"/>
             </a:spcAft>
-            <a:buNone/>
           </a:pPr>
           <a:r>
             <a:rPr lang="de-DE" sz="1900" kern="1200" dirty="0">
@@ -16712,7 +16794,7 @@
         </a:bodyPr>
         <a:lstStyle/>
         <a:p>
-          <a:pPr marL="0" lvl="0" indent="0" algn="ctr" defTabSz="844550">
+          <a:pPr lvl="0" algn="ctr" defTabSz="844550">
             <a:lnSpc>
               <a:spcPct val="90000"/>
             </a:lnSpc>
@@ -16722,7 +16804,6 @@
             <a:spcAft>
               <a:spcPct val="35000"/>
             </a:spcAft>
-            <a:buNone/>
           </a:pPr>
           <a:r>
             <a:rPr lang="de-DE" sz="1900" kern="1200" dirty="0">
@@ -16789,7 +16870,7 @@
         </a:bodyPr>
         <a:lstStyle/>
         <a:p>
-          <a:pPr marL="0" lvl="0" indent="0" algn="ctr" defTabSz="844550">
+          <a:pPr lvl="0" algn="ctr" defTabSz="844550">
             <a:lnSpc>
               <a:spcPct val="90000"/>
             </a:lnSpc>
@@ -16799,7 +16880,6 @@
             <a:spcAft>
               <a:spcPct val="35000"/>
             </a:spcAft>
-            <a:buNone/>
           </a:pPr>
           <a:r>
             <a:rPr lang="de-DE" sz="1900" kern="1200" dirty="0">
@@ -16884,7 +16964,7 @@
         </a:bodyPr>
         <a:lstStyle/>
         <a:p>
-          <a:pPr marL="0" lvl="0" indent="0" algn="ctr" defTabSz="844550">
+          <a:pPr lvl="0" algn="ctr" defTabSz="844550">
             <a:lnSpc>
               <a:spcPct val="90000"/>
             </a:lnSpc>
@@ -16894,7 +16974,6 @@
             <a:spcAft>
               <a:spcPct val="35000"/>
             </a:spcAft>
-            <a:buNone/>
           </a:pPr>
           <a:r>
             <a:rPr lang="de-DE" sz="1900" kern="1200" dirty="0">
@@ -16980,7 +17059,7 @@
         </a:bodyPr>
         <a:lstStyle/>
         <a:p>
-          <a:pPr marL="0" lvl="0" indent="0" algn="ctr" defTabSz="844550">
+          <a:pPr lvl="0" algn="ctr" defTabSz="844550">
             <a:lnSpc>
               <a:spcPct val="90000"/>
             </a:lnSpc>
@@ -16990,7 +17069,6 @@
             <a:spcAft>
               <a:spcPct val="35000"/>
             </a:spcAft>
-            <a:buNone/>
           </a:pPr>
           <a:r>
             <a:rPr lang="de-DE" sz="1900" kern="1200" dirty="0">
@@ -17076,7 +17154,7 @@
         </a:bodyPr>
         <a:lstStyle/>
         <a:p>
-          <a:pPr marL="0" lvl="0" indent="0" algn="ctr" defTabSz="844550">
+          <a:pPr lvl="0" algn="ctr" defTabSz="844550">
             <a:lnSpc>
               <a:spcPct val="90000"/>
             </a:lnSpc>
@@ -17086,7 +17164,6 @@
             <a:spcAft>
               <a:spcPct val="35000"/>
             </a:spcAft>
-            <a:buNone/>
           </a:pPr>
           <a:r>
             <a:rPr lang="de-DE" sz="1900" kern="1200" dirty="0">
@@ -17166,7 +17243,7 @@
         </a:bodyPr>
         <a:lstStyle/>
         <a:p>
-          <a:pPr marL="0" lvl="0" indent="0" algn="ctr" defTabSz="844550">
+          <a:pPr lvl="0" algn="ctr" defTabSz="844550">
             <a:lnSpc>
               <a:spcPct val="90000"/>
             </a:lnSpc>
@@ -17176,7 +17253,6 @@
             <a:spcAft>
               <a:spcPct val="35000"/>
             </a:spcAft>
-            <a:buNone/>
           </a:pPr>
           <a:r>
             <a:rPr lang="de-DE" sz="1900" kern="1200" dirty="0">
@@ -17262,7 +17338,7 @@
         </a:bodyPr>
         <a:lstStyle/>
         <a:p>
-          <a:pPr marL="0" lvl="0" indent="0" algn="ctr" defTabSz="844550">
+          <a:pPr lvl="0" algn="ctr" defTabSz="844550">
             <a:lnSpc>
               <a:spcPct val="90000"/>
             </a:lnSpc>
@@ -17272,7 +17348,6 @@
             <a:spcAft>
               <a:spcPct val="35000"/>
             </a:spcAft>
-            <a:buNone/>
           </a:pPr>
           <a:r>
             <a:rPr lang="de-DE" sz="1900" kern="1200" dirty="0">
@@ -17358,7 +17433,7 @@
         </a:bodyPr>
         <a:lstStyle/>
         <a:p>
-          <a:pPr marL="0" lvl="0" indent="0" algn="ctr" defTabSz="844550">
+          <a:pPr lvl="0" algn="ctr" defTabSz="844550">
             <a:lnSpc>
               <a:spcPct val="90000"/>
             </a:lnSpc>
@@ -17368,7 +17443,6 @@
             <a:spcAft>
               <a:spcPct val="35000"/>
             </a:spcAft>
-            <a:buNone/>
           </a:pPr>
           <a:r>
             <a:rPr lang="de-DE" sz="1900" kern="1200" dirty="0">
@@ -17454,7 +17528,7 @@
         </a:bodyPr>
         <a:lstStyle/>
         <a:p>
-          <a:pPr marL="0" lvl="0" indent="0" algn="ctr" defTabSz="844550">
+          <a:pPr lvl="0" algn="ctr" defTabSz="844550">
             <a:lnSpc>
               <a:spcPct val="90000"/>
             </a:lnSpc>
@@ -17464,7 +17538,6 @@
             <a:spcAft>
               <a:spcPct val="35000"/>
             </a:spcAft>
-            <a:buNone/>
           </a:pPr>
           <a:r>
             <a:rPr lang="de-DE" sz="1900" kern="1200" dirty="0">
@@ -17550,7 +17623,7 @@
         </a:bodyPr>
         <a:lstStyle/>
         <a:p>
-          <a:pPr marL="0" lvl="0" indent="0" algn="ctr" defTabSz="844550">
+          <a:pPr lvl="0" algn="ctr" defTabSz="844550">
             <a:lnSpc>
               <a:spcPct val="90000"/>
             </a:lnSpc>
@@ -17560,7 +17633,6 @@
             <a:spcAft>
               <a:spcPct val="35000"/>
             </a:spcAft>
-            <a:buNone/>
           </a:pPr>
           <a:r>
             <a:rPr lang="de-DE" sz="1900" kern="1200" dirty="0">
@@ -38736,7 +38808,7 @@
           <a:p>
             <a:fld id="{532509FE-4B88-49E5-9857-128C195EDC5C}" type="datetimeFigureOut">
               <a:rPr lang="de-DE" smtClean="0"/>
-              <a:t>09.01.2020</a:t>
+              <a:t>11.01.2020</a:t>
             </a:fld>
             <a:endParaRPr lang="de-DE"/>
           </a:p>
@@ -40414,7 +40486,7 @@
           <a:p>
             <a:fld id="{9B6D1F2D-D69C-4B43-B03F-747D7E40617B}" type="datetimeFigureOut">
               <a:rPr lang="de-DE" smtClean="0"/>
-              <a:t>09.01.2020</a:t>
+              <a:t>11.01.2020</a:t>
             </a:fld>
             <a:endParaRPr lang="de-DE" dirty="0"/>
           </a:p>
@@ -40594,7 +40666,7 @@
           <a:p>
             <a:fld id="{9B6D1F2D-D69C-4B43-B03F-747D7E40617B}" type="datetimeFigureOut">
               <a:rPr lang="de-DE" smtClean="0"/>
-              <a:t>09.01.2020</a:t>
+              <a:t>11.01.2020</a:t>
             </a:fld>
             <a:endParaRPr lang="de-DE" dirty="0"/>
           </a:p>
@@ -40784,7 +40856,7 @@
           <a:p>
             <a:fld id="{9B6D1F2D-D69C-4B43-B03F-747D7E40617B}" type="datetimeFigureOut">
               <a:rPr lang="de-DE" smtClean="0"/>
-              <a:t>09.01.2020</a:t>
+              <a:t>11.01.2020</a:t>
             </a:fld>
             <a:endParaRPr lang="de-DE" dirty="0"/>
           </a:p>
@@ -40964,7 +41036,7 @@
           <a:p>
             <a:fld id="{9B6D1F2D-D69C-4B43-B03F-747D7E40617B}" type="datetimeFigureOut">
               <a:rPr lang="de-DE" smtClean="0"/>
-              <a:t>09.01.2020</a:t>
+              <a:t>11.01.2020</a:t>
             </a:fld>
             <a:endParaRPr lang="de-DE" dirty="0"/>
           </a:p>
@@ -41221,7 +41293,7 @@
           <a:p>
             <a:fld id="{9B6D1F2D-D69C-4B43-B03F-747D7E40617B}" type="datetimeFigureOut">
               <a:rPr lang="de-DE" smtClean="0"/>
-              <a:t>09.01.2020</a:t>
+              <a:t>11.01.2020</a:t>
             </a:fld>
             <a:endParaRPr lang="de-DE" dirty="0"/>
           </a:p>
@@ -41462,7 +41534,7 @@
           <a:p>
             <a:fld id="{9B6D1F2D-D69C-4B43-B03F-747D7E40617B}" type="datetimeFigureOut">
               <a:rPr lang="de-DE" smtClean="0"/>
-              <a:t>09.01.2020</a:t>
+              <a:t>11.01.2020</a:t>
             </a:fld>
             <a:endParaRPr lang="de-DE" dirty="0"/>
           </a:p>
@@ -41838,7 +41910,7 @@
           <a:p>
             <a:fld id="{9B6D1F2D-D69C-4B43-B03F-747D7E40617B}" type="datetimeFigureOut">
               <a:rPr lang="de-DE" smtClean="0"/>
-              <a:t>09.01.2020</a:t>
+              <a:t>11.01.2020</a:t>
             </a:fld>
             <a:endParaRPr lang="de-DE" dirty="0"/>
           </a:p>
@@ -41967,7 +42039,7 @@
           <a:p>
             <a:fld id="{9B6D1F2D-D69C-4B43-B03F-747D7E40617B}" type="datetimeFigureOut">
               <a:rPr lang="de-DE" smtClean="0"/>
-              <a:t>09.01.2020</a:t>
+              <a:t>11.01.2020</a:t>
             </a:fld>
             <a:endParaRPr lang="de-DE" dirty="0"/>
           </a:p>
@@ -42074,7 +42146,7 @@
           <a:p>
             <a:fld id="{9B6D1F2D-D69C-4B43-B03F-747D7E40617B}" type="datetimeFigureOut">
               <a:rPr lang="de-DE" smtClean="0"/>
-              <a:t>09.01.2020</a:t>
+              <a:t>11.01.2020</a:t>
             </a:fld>
             <a:endParaRPr lang="de-DE" dirty="0"/>
           </a:p>
@@ -42361,7 +42433,7 @@
           <a:p>
             <a:fld id="{9B6D1F2D-D69C-4B43-B03F-747D7E40617B}" type="datetimeFigureOut">
               <a:rPr lang="de-DE" smtClean="0"/>
-              <a:t>09.01.2020</a:t>
+              <a:t>11.01.2020</a:t>
             </a:fld>
             <a:endParaRPr lang="de-DE" dirty="0"/>
           </a:p>
@@ -42625,7 +42697,7 @@
           <a:p>
             <a:fld id="{9B6D1F2D-D69C-4B43-B03F-747D7E40617B}" type="datetimeFigureOut">
               <a:rPr lang="de-DE" smtClean="0"/>
-              <a:t>09.01.2020</a:t>
+              <a:t>11.01.2020</a:t>
             </a:fld>
             <a:endParaRPr lang="de-DE" dirty="0"/>
           </a:p>
@@ -42848,7 +42920,7 @@
           <a:p>
             <a:fld id="{9B6D1F2D-D69C-4B43-B03F-747D7E40617B}" type="datetimeFigureOut">
               <a:rPr lang="de-DE" smtClean="0"/>
-              <a:t>09.01.2020</a:t>
+              <a:t>11.01.2020</a:t>
             </a:fld>
             <a:endParaRPr lang="de-DE" dirty="0"/>
           </a:p>
@@ -45121,7 +45193,7 @@
           <p:nvPr>
             <p:extLst>
               <p:ext uri="{D42A27DB-BD31-4B8C-83A1-F6EECF244321}">
-                <p14:modId xmlns:p14="http://schemas.microsoft.com/office/powerpoint/2010/main" val="1647862760"/>
+                <p14:modId xmlns:p14="http://schemas.microsoft.com/office/powerpoint/2010/main" val="3324503408"/>
               </p:ext>
             </p:extLst>
           </p:nvPr>
@@ -45164,13 +45236,13 @@
           <a:lstStyle/>
           <a:p>
             <a:r>
-              <a:rPr lang="de-DE" sz="3200" b="1" dirty="0" err="1">
+              <a:rPr lang="de-DE" sz="3200" b="1" dirty="0" smtClean="0">
                 <a:solidFill>
                   <a:srgbClr val="385723"/>
                 </a:solidFill>
                 <a:latin typeface="Corbel Light" panose="020B0303020204020204" pitchFamily="34" charset="0"/>
               </a:rPr>
-              <a:t>Projekausblick</a:t>
+              <a:t>Projektausblick</a:t>
             </a:r>
             <a:endParaRPr lang="de-DE" sz="3200" b="1" baseline="-25000" dirty="0">
               <a:solidFill>
@@ -48716,13 +48788,13 @@
           <p:nvPr/>
         </p:nvPicPr>
         <p:blipFill>
-          <a:blip r:embed="rId9">
+          <a:blip r:embed="rId9" cstate="print">
             <a:extLst>
               <a:ext uri="{28A0092B-C50C-407E-A947-70E740481C1C}">
                 <a14:useLocalDpi xmlns:a14="http://schemas.microsoft.com/office/drawing/2010/main" val="0"/>
               </a:ext>
               <a:ext uri="{96DAC541-7B7A-43D3-8B79-37D633B846F1}">
-                <asvg:svgBlip xmlns:asvg="http://schemas.microsoft.com/office/drawing/2016/SVG/main" r:embed="rId10"/>
+                <asvg:svgBlip xmlns:asvg="http://schemas.microsoft.com/office/drawing/2016/SVG/main" xmlns="" r:embed="rId10"/>
               </a:ext>
             </a:extLst>
           </a:blip>
@@ -48755,13 +48827,13 @@
           <p:nvPr/>
         </p:nvPicPr>
         <p:blipFill>
-          <a:blip r:embed="rId9">
+          <a:blip r:embed="rId9" cstate="print">
             <a:extLst>
               <a:ext uri="{28A0092B-C50C-407E-A947-70E740481C1C}">
                 <a14:useLocalDpi xmlns:a14="http://schemas.microsoft.com/office/drawing/2010/main" val="0"/>
               </a:ext>
               <a:ext uri="{96DAC541-7B7A-43D3-8B79-37D633B846F1}">
-                <asvg:svgBlip xmlns:asvg="http://schemas.microsoft.com/office/drawing/2016/SVG/main" r:embed="rId10"/>
+                <asvg:svgBlip xmlns:asvg="http://schemas.microsoft.com/office/drawing/2016/SVG/main" xmlns="" r:embed="rId10"/>
               </a:ext>
             </a:extLst>
           </a:blip>
@@ -48800,7 +48872,7 @@
                 <a14:useLocalDpi xmlns:a14="http://schemas.microsoft.com/office/drawing/2010/main" val="0"/>
               </a:ext>
               <a:ext uri="{96DAC541-7B7A-43D3-8B79-37D633B846F1}">
-                <asvg:svgBlip xmlns:asvg="http://schemas.microsoft.com/office/drawing/2016/SVG/main" r:embed="rId12"/>
+                <asvg:svgBlip xmlns:asvg="http://schemas.microsoft.com/office/drawing/2016/SVG/main" xmlns="" r:embed="rId12"/>
               </a:ext>
             </a:extLst>
           </a:blip>
@@ -48839,7 +48911,7 @@
                 <a14:useLocalDpi xmlns:a14="http://schemas.microsoft.com/office/drawing/2010/main" val="0"/>
               </a:ext>
               <a:ext uri="{96DAC541-7B7A-43D3-8B79-37D633B846F1}">
-                <asvg:svgBlip xmlns:asvg="http://schemas.microsoft.com/office/drawing/2016/SVG/main" r:embed="rId12"/>
+                <asvg:svgBlip xmlns:asvg="http://schemas.microsoft.com/office/drawing/2016/SVG/main" xmlns="" r:embed="rId12"/>
               </a:ext>
             </a:extLst>
           </a:blip>

--- a/CavallaroAngelo/Präsentation Wahlmodulvorstellung/SAPlexa Präsentation.pptx
+++ b/CavallaroAngelo/Präsentation Wahlmodulvorstellung/SAPlexa Präsentation.pptx
@@ -12,19 +12,19 @@
     <p:sldId id="266" r:id="rId3"/>
     <p:sldId id="259" r:id="rId4"/>
     <p:sldId id="269" r:id="rId5"/>
-    <p:sldId id="270" r:id="rId6"/>
-    <p:sldId id="278" r:id="rId7"/>
-    <p:sldId id="277" r:id="rId8"/>
-    <p:sldId id="279" r:id="rId9"/>
-    <p:sldId id="281" r:id="rId10"/>
-    <p:sldId id="271" r:id="rId11"/>
-    <p:sldId id="273" r:id="rId12"/>
-    <p:sldId id="272" r:id="rId13"/>
-    <p:sldId id="274" r:id="rId14"/>
-    <p:sldId id="276" r:id="rId15"/>
-    <p:sldId id="275" r:id="rId16"/>
-    <p:sldId id="267" r:id="rId17"/>
-    <p:sldId id="265" r:id="rId18"/>
+    <p:sldId id="278" r:id="rId6"/>
+    <p:sldId id="277" r:id="rId7"/>
+    <p:sldId id="279" r:id="rId8"/>
+    <p:sldId id="281" r:id="rId9"/>
+    <p:sldId id="271" r:id="rId10"/>
+    <p:sldId id="272" r:id="rId11"/>
+    <p:sldId id="282" r:id="rId12"/>
+    <p:sldId id="283" r:id="rId13"/>
+    <p:sldId id="284" r:id="rId14"/>
+    <p:sldId id="274" r:id="rId15"/>
+    <p:sldId id="276" r:id="rId16"/>
+    <p:sldId id="275" r:id="rId17"/>
+    <p:sldId id="267" r:id="rId18"/>
   </p:sldIdLst>
   <p:sldSz cx="12192000" cy="6858000"/>
   <p:notesSz cx="6858000" cy="9144000"/>
@@ -14594,13 +14594,13 @@
         <a:lstStyle/>
         <a:p>
           <a:r>
-            <a:rPr lang="de-DE" b="1" dirty="0">
+            <a:rPr lang="de-DE" dirty="0" smtClean="0">
               <a:solidFill>
                 <a:schemeClr val="bg1"/>
               </a:solidFill>
               <a:latin typeface="Corbel Light" panose="020B0303020204020204" pitchFamily="34" charset="0"/>
             </a:rPr>
-            <a:t>Live-Demo bzw. Video-Tutorial</a:t>
+            <a:t>Exkursion</a:t>
           </a:r>
           <a:endParaRPr lang="de-DE" dirty="0">
             <a:solidFill>
@@ -14681,6 +14681,101 @@
 </file>
 
 <file path=ppt/diagrams/data13.xml><?xml version="1.0" encoding="utf-8"?>
+<dgm:dataModel xmlns:dgm="http://schemas.openxmlformats.org/drawingml/2006/diagram" xmlns:a="http://schemas.openxmlformats.org/drawingml/2006/main">
+  <dgm:ptLst>
+    <dgm:pt modelId="{674503E8-1AC7-41ED-8605-5E819E9C237D}" type="doc">
+      <dgm:prSet loTypeId="urn:microsoft.com/office/officeart/2005/8/layout/chevron1" loCatId="process" qsTypeId="urn:microsoft.com/office/officeart/2005/8/quickstyle/simple2" qsCatId="simple" csTypeId="urn:microsoft.com/office/officeart/2005/8/colors/accent6_4" csCatId="accent6" phldr="1"/>
+      <dgm:spPr/>
+    </dgm:pt>
+    <dgm:pt modelId="{5033FB32-F740-4C19-B504-0647C1F53E48}">
+      <dgm:prSet phldrT="[Text]"/>
+      <dgm:spPr/>
+      <dgm:t>
+        <a:bodyPr/>
+        <a:lstStyle/>
+        <a:p>
+          <a:r>
+            <a:rPr lang="de-DE" b="0" dirty="0">
+              <a:solidFill>
+                <a:schemeClr val="bg1"/>
+              </a:solidFill>
+              <a:latin typeface="Corbel Light" panose="020B0303020204020204" pitchFamily="34" charset="0"/>
+            </a:rPr>
+            <a:t>Live-Demo bzw. Video-Tutorial</a:t>
+          </a:r>
+        </a:p>
+      </dgm:t>
+    </dgm:pt>
+    <dgm:pt modelId="{4F5440BC-E4ED-41F4-BCBC-91A4379FE628}" type="parTrans" cxnId="{A9C04542-76A5-484F-BDC6-8684DE3831C0}">
+      <dgm:prSet/>
+      <dgm:spPr/>
+      <dgm:t>
+        <a:bodyPr/>
+        <a:lstStyle/>
+        <a:p>
+          <a:endParaRPr lang="de-DE"/>
+        </a:p>
+      </dgm:t>
+    </dgm:pt>
+    <dgm:pt modelId="{0F72E487-3666-4627-B648-0F027167834A}" type="sibTrans" cxnId="{A9C04542-76A5-484F-BDC6-8684DE3831C0}">
+      <dgm:prSet/>
+      <dgm:spPr/>
+      <dgm:t>
+        <a:bodyPr/>
+        <a:lstStyle/>
+        <a:p>
+          <a:endParaRPr lang="de-DE"/>
+        </a:p>
+      </dgm:t>
+    </dgm:pt>
+    <dgm:pt modelId="{B2AC34C9-27F4-4A43-B9E6-31AAF7FDE0CB}" type="pres">
+      <dgm:prSet presAssocID="{674503E8-1AC7-41ED-8605-5E819E9C237D}" presName="Name0" presStyleCnt="0">
+        <dgm:presLayoutVars>
+          <dgm:dir/>
+          <dgm:animLvl val="lvl"/>
+          <dgm:resizeHandles val="exact"/>
+        </dgm:presLayoutVars>
+      </dgm:prSet>
+      <dgm:spPr/>
+    </dgm:pt>
+    <dgm:pt modelId="{3EB30996-91B3-4239-BF37-88E3C555BC52}" type="pres">
+      <dgm:prSet presAssocID="{5033FB32-F740-4C19-B504-0647C1F53E48}" presName="parTxOnly" presStyleLbl="node1" presStyleIdx="0" presStyleCnt="1">
+        <dgm:presLayoutVars>
+          <dgm:chMax val="0"/>
+          <dgm:chPref val="0"/>
+          <dgm:bulletEnabled val="1"/>
+        </dgm:presLayoutVars>
+      </dgm:prSet>
+      <dgm:spPr/>
+      <dgm:t>
+        <a:bodyPr/>
+        <a:lstStyle/>
+        <a:p>
+          <a:endParaRPr lang="de-DE"/>
+        </a:p>
+      </dgm:t>
+    </dgm:pt>
+  </dgm:ptLst>
+  <dgm:cxnLst>
+    <dgm:cxn modelId="{3EFB67F2-B4EB-4EFE-964A-8AF193349332}" type="presOf" srcId="{674503E8-1AC7-41ED-8605-5E819E9C237D}" destId="{B2AC34C9-27F4-4A43-B9E6-31AAF7FDE0CB}" srcOrd="0" destOrd="0" presId="urn:microsoft.com/office/officeart/2005/8/layout/chevron1"/>
+    <dgm:cxn modelId="{6D139A0C-1C5F-462F-941A-E83A5038A582}" type="presOf" srcId="{5033FB32-F740-4C19-B504-0647C1F53E48}" destId="{3EB30996-91B3-4239-BF37-88E3C555BC52}" srcOrd="0" destOrd="0" presId="urn:microsoft.com/office/officeart/2005/8/layout/chevron1"/>
+    <dgm:cxn modelId="{A9C04542-76A5-484F-BDC6-8684DE3831C0}" srcId="{674503E8-1AC7-41ED-8605-5E819E9C237D}" destId="{5033FB32-F740-4C19-B504-0647C1F53E48}" srcOrd="0" destOrd="0" parTransId="{4F5440BC-E4ED-41F4-BCBC-91A4379FE628}" sibTransId="{0F72E487-3666-4627-B648-0F027167834A}"/>
+    <dgm:cxn modelId="{E75CA34E-81F5-42E1-938A-72E2F0999817}" type="presParOf" srcId="{B2AC34C9-27F4-4A43-B9E6-31AAF7FDE0CB}" destId="{3EB30996-91B3-4239-BF37-88E3C555BC52}" srcOrd="0" destOrd="0" presId="urn:microsoft.com/office/officeart/2005/8/layout/chevron1"/>
+  </dgm:cxnLst>
+  <dgm:bg/>
+  <dgm:whole/>
+  <dgm:extLst>
+    <a:ext uri="http://schemas.microsoft.com/office/drawing/2008/diagram">
+      <dsp:dataModelExt xmlns:dsp="http://schemas.microsoft.com/office/drawing/2008/diagram" relId="rId8" minVer="http://schemas.openxmlformats.org/drawingml/2006/diagram"/>
+    </a:ext>
+    <a:ext uri="{C62137D5-CB1D-491B-B009-E17868A290BF}">
+      <dgm14:recolorImg xmlns:dgm14="http://schemas.microsoft.com/office/drawing/2010/diagram" val="1"/>
+    </a:ext>
+  </dgm:extLst>
+</dgm:dataModel>
+</file>
+
+<file path=ppt/diagrams/data14.xml><?xml version="1.0" encoding="utf-8"?>
 <dgm:dataModel xmlns:dgm="http://schemas.openxmlformats.org/drawingml/2006/diagram" xmlns:a="http://schemas.openxmlformats.org/drawingml/2006/main">
   <dgm:ptLst>
     <dgm:pt modelId="{674503E8-1AC7-41ED-8605-5E819E9C237D}" type="doc">
@@ -14781,7 +14876,7 @@
 </dgm:dataModel>
 </file>
 
-<file path=ppt/diagrams/data14.xml><?xml version="1.0" encoding="utf-8"?>
+<file path=ppt/diagrams/data15.xml><?xml version="1.0" encoding="utf-8"?>
 <dgm:dataModel xmlns:dgm="http://schemas.openxmlformats.org/drawingml/2006/diagram" xmlns:a="http://schemas.openxmlformats.org/drawingml/2006/main">
   <dgm:ptLst>
     <dgm:pt modelId="{674503E8-1AC7-41ED-8605-5E819E9C237D}" type="doc">
@@ -14882,7 +14977,7 @@
 </dgm:dataModel>
 </file>
 
-<file path=ppt/diagrams/data15.xml><?xml version="1.0" encoding="utf-8"?>
+<file path=ppt/diagrams/data16.xml><?xml version="1.0" encoding="utf-8"?>
 <dgm:dataModel xmlns:dgm="http://schemas.openxmlformats.org/drawingml/2006/diagram" xmlns:a="http://schemas.openxmlformats.org/drawingml/2006/main">
   <dgm:ptLst>
     <dgm:pt modelId="{674503E8-1AC7-41ED-8605-5E819E9C237D}" type="doc">
@@ -14896,15 +14991,12 @@
         <a:bodyPr/>
         <a:lstStyle/>
         <a:p>
-          <a:r>
-            <a:rPr lang="de-DE" dirty="0">
-              <a:solidFill>
-                <a:schemeClr val="bg1"/>
-              </a:solidFill>
-              <a:latin typeface="Corbel Light" panose="020B0303020204020204" pitchFamily="34" charset="0"/>
-            </a:rPr>
-            <a:t>AGENDA</a:t>
-          </a:r>
+          <a:endParaRPr lang="de-DE" dirty="0">
+            <a:solidFill>
+              <a:schemeClr val="bg1"/>
+            </a:solidFill>
+            <a:latin typeface="Corbel Light" panose="020B0303020204020204" pitchFamily="34" charset="0"/>
+          </a:endParaRPr>
         </a:p>
       </dgm:t>
     </dgm:pt>
@@ -14969,242 +15061,6 @@
   <dgm:extLst>
     <a:ext uri="http://schemas.microsoft.com/office/drawing/2008/diagram">
       <dsp:dataModelExt xmlns:dsp="http://schemas.microsoft.com/office/drawing/2008/diagram" relId="rId8" minVer="http://schemas.openxmlformats.org/drawingml/2006/diagram"/>
-    </a:ext>
-    <a:ext uri="{C62137D5-CB1D-491B-B009-E17868A290BF}">
-      <dgm14:recolorImg xmlns:dgm14="http://schemas.microsoft.com/office/drawing/2010/diagram" val="1"/>
-    </a:ext>
-  </dgm:extLst>
-</dgm:dataModel>
-</file>
-
-<file path=ppt/diagrams/data16.xml><?xml version="1.0" encoding="utf-8"?>
-<dgm:dataModel xmlns:dgm="http://schemas.openxmlformats.org/drawingml/2006/diagram" xmlns:a="http://schemas.openxmlformats.org/drawingml/2006/main">
-  <dgm:ptLst>
-    <dgm:pt modelId="{674503E8-1AC7-41ED-8605-5E819E9C237D}" type="doc">
-      <dgm:prSet loTypeId="urn:microsoft.com/office/officeart/2005/8/layout/chevron1" loCatId="process" qsTypeId="urn:microsoft.com/office/officeart/2005/8/quickstyle/simple2" qsCatId="simple" csTypeId="urn:microsoft.com/office/officeart/2005/8/colors/accent6_4" csCatId="accent6" phldr="1"/>
-      <dgm:spPr/>
-    </dgm:pt>
-    <dgm:pt modelId="{80340891-3FEB-4D7E-A9A9-98BB5EB92937}">
-      <dgm:prSet phldrT="[Text]"/>
-      <dgm:spPr>
-        <a:solidFill>
-          <a:srgbClr val="99C184"/>
-        </a:solidFill>
-      </dgm:spPr>
-      <dgm:t>
-        <a:bodyPr/>
-        <a:lstStyle/>
-        <a:p>
-          <a:r>
-            <a:rPr lang="de-DE" dirty="0">
-              <a:solidFill>
-                <a:srgbClr val="385723"/>
-              </a:solidFill>
-            </a:rPr>
-            <a:t>Motivation</a:t>
-          </a:r>
-        </a:p>
-      </dgm:t>
-    </dgm:pt>
-    <dgm:pt modelId="{C40D1F21-41AD-455F-85BE-CF33C75A8440}" type="parTrans" cxnId="{C45999F3-394D-4DC7-AC9A-99CBCAFC203E}">
-      <dgm:prSet/>
-      <dgm:spPr/>
-      <dgm:t>
-        <a:bodyPr/>
-        <a:lstStyle/>
-        <a:p>
-          <a:endParaRPr lang="de-DE"/>
-        </a:p>
-      </dgm:t>
-    </dgm:pt>
-    <dgm:pt modelId="{11E12EE7-6730-4471-8135-5209E8DB6EEE}" type="sibTrans" cxnId="{C45999F3-394D-4DC7-AC9A-99CBCAFC203E}">
-      <dgm:prSet/>
-      <dgm:spPr/>
-      <dgm:t>
-        <a:bodyPr/>
-        <a:lstStyle/>
-        <a:p>
-          <a:endParaRPr lang="de-DE"/>
-        </a:p>
-      </dgm:t>
-    </dgm:pt>
-    <dgm:pt modelId="{EC76E6DD-0554-49EF-BD35-E47BE10C7A6B}">
-      <dgm:prSet phldrT="[Text]"/>
-      <dgm:spPr>
-        <a:solidFill>
-          <a:srgbClr val="99C184"/>
-        </a:solidFill>
-      </dgm:spPr>
-      <dgm:t>
-        <a:bodyPr/>
-        <a:lstStyle/>
-        <a:p>
-          <a:r>
-            <a:rPr lang="de-DE" dirty="0">
-              <a:solidFill>
-                <a:srgbClr val="385723"/>
-              </a:solidFill>
-            </a:rPr>
-            <a:t>Technische Struktur</a:t>
-          </a:r>
-        </a:p>
-      </dgm:t>
-    </dgm:pt>
-    <dgm:pt modelId="{7840B6A2-70E1-4A43-844C-B138A10E3F5A}" type="parTrans" cxnId="{21A9541E-3C79-4A99-B32C-6B5FE4871710}">
-      <dgm:prSet/>
-      <dgm:spPr/>
-      <dgm:t>
-        <a:bodyPr/>
-        <a:lstStyle/>
-        <a:p>
-          <a:endParaRPr lang="de-DE"/>
-        </a:p>
-      </dgm:t>
-    </dgm:pt>
-    <dgm:pt modelId="{DA3F5A7D-7DD3-4F6D-867A-DD06B956183E}" type="sibTrans" cxnId="{21A9541E-3C79-4A99-B32C-6B5FE4871710}">
-      <dgm:prSet/>
-      <dgm:spPr/>
-      <dgm:t>
-        <a:bodyPr/>
-        <a:lstStyle/>
-        <a:p>
-          <a:endParaRPr lang="de-DE"/>
-        </a:p>
-      </dgm:t>
-    </dgm:pt>
-    <dgm:pt modelId="{5033FB32-F740-4C19-B504-0647C1F53E48}">
-      <dgm:prSet phldrT="[Text]"/>
-      <dgm:spPr>
-        <a:solidFill>
-          <a:srgbClr val="507E32"/>
-        </a:solidFill>
-      </dgm:spPr>
-      <dgm:t>
-        <a:bodyPr/>
-        <a:lstStyle/>
-        <a:p>
-          <a:r>
-            <a:rPr lang="de-DE" dirty="0">
-              <a:solidFill>
-                <a:schemeClr val="bg1"/>
-              </a:solidFill>
-            </a:rPr>
-            <a:t>Anwendungsoberfläche</a:t>
-          </a:r>
-        </a:p>
-      </dgm:t>
-    </dgm:pt>
-    <dgm:pt modelId="{4F5440BC-E4ED-41F4-BCBC-91A4379FE628}" type="parTrans" cxnId="{A9C04542-76A5-484F-BDC6-8684DE3831C0}">
-      <dgm:prSet/>
-      <dgm:spPr/>
-      <dgm:t>
-        <a:bodyPr/>
-        <a:lstStyle/>
-        <a:p>
-          <a:endParaRPr lang="de-DE"/>
-        </a:p>
-      </dgm:t>
-    </dgm:pt>
-    <dgm:pt modelId="{0F72E487-3666-4627-B648-0F027167834A}" type="sibTrans" cxnId="{A9C04542-76A5-484F-BDC6-8684DE3831C0}">
-      <dgm:prSet/>
-      <dgm:spPr/>
-      <dgm:t>
-        <a:bodyPr/>
-        <a:lstStyle/>
-        <a:p>
-          <a:endParaRPr lang="de-DE"/>
-        </a:p>
-      </dgm:t>
-    </dgm:pt>
-    <dgm:pt modelId="{B2AC34C9-27F4-4A43-B9E6-31AAF7FDE0CB}" type="pres">
-      <dgm:prSet presAssocID="{674503E8-1AC7-41ED-8605-5E819E9C237D}" presName="Name0" presStyleCnt="0">
-        <dgm:presLayoutVars>
-          <dgm:dir/>
-          <dgm:animLvl val="lvl"/>
-          <dgm:resizeHandles val="exact"/>
-        </dgm:presLayoutVars>
-      </dgm:prSet>
-      <dgm:spPr/>
-    </dgm:pt>
-    <dgm:pt modelId="{B4E1D9FA-813E-45A4-99A8-BCE162C67903}" type="pres">
-      <dgm:prSet presAssocID="{80340891-3FEB-4D7E-A9A9-98BB5EB92937}" presName="parTxOnly" presStyleLbl="node1" presStyleIdx="0" presStyleCnt="3" custLinFactNeighborX="-821" custLinFactNeighborY="87709">
-        <dgm:presLayoutVars>
-          <dgm:chMax val="0"/>
-          <dgm:chPref val="0"/>
-          <dgm:bulletEnabled val="1"/>
-        </dgm:presLayoutVars>
-      </dgm:prSet>
-      <dgm:spPr/>
-      <dgm:t>
-        <a:bodyPr/>
-        <a:lstStyle/>
-        <a:p>
-          <a:endParaRPr lang="de-DE"/>
-        </a:p>
-      </dgm:t>
-    </dgm:pt>
-    <dgm:pt modelId="{8C94DBA9-AC61-43A0-BD9A-8B89F7FE18BC}" type="pres">
-      <dgm:prSet presAssocID="{11E12EE7-6730-4471-8135-5209E8DB6EEE}" presName="parTxOnlySpace" presStyleCnt="0"/>
-      <dgm:spPr/>
-    </dgm:pt>
-    <dgm:pt modelId="{29D39E56-9421-44FD-B56B-DDEAA3FF2152}" type="pres">
-      <dgm:prSet presAssocID="{EC76E6DD-0554-49EF-BD35-E47BE10C7A6B}" presName="parTxOnly" presStyleLbl="node1" presStyleIdx="1" presStyleCnt="3">
-        <dgm:presLayoutVars>
-          <dgm:chMax val="0"/>
-          <dgm:chPref val="0"/>
-          <dgm:bulletEnabled val="1"/>
-        </dgm:presLayoutVars>
-      </dgm:prSet>
-      <dgm:spPr/>
-      <dgm:t>
-        <a:bodyPr/>
-        <a:lstStyle/>
-        <a:p>
-          <a:endParaRPr lang="de-DE"/>
-        </a:p>
-      </dgm:t>
-    </dgm:pt>
-    <dgm:pt modelId="{66C2C2CF-A4CD-4218-90F8-1E204CF6D502}" type="pres">
-      <dgm:prSet presAssocID="{DA3F5A7D-7DD3-4F6D-867A-DD06B956183E}" presName="parTxOnlySpace" presStyleCnt="0"/>
-      <dgm:spPr/>
-    </dgm:pt>
-    <dgm:pt modelId="{3EB30996-91B3-4239-BF37-88E3C555BC52}" type="pres">
-      <dgm:prSet presAssocID="{5033FB32-F740-4C19-B504-0647C1F53E48}" presName="parTxOnly" presStyleLbl="node1" presStyleIdx="2" presStyleCnt="3">
-        <dgm:presLayoutVars>
-          <dgm:chMax val="0"/>
-          <dgm:chPref val="0"/>
-          <dgm:bulletEnabled val="1"/>
-        </dgm:presLayoutVars>
-      </dgm:prSet>
-      <dgm:spPr/>
-      <dgm:t>
-        <a:bodyPr/>
-        <a:lstStyle/>
-        <a:p>
-          <a:endParaRPr lang="de-DE"/>
-        </a:p>
-      </dgm:t>
-    </dgm:pt>
-  </dgm:ptLst>
-  <dgm:cxnLst>
-    <dgm:cxn modelId="{3EFB67F2-B4EB-4EFE-964A-8AF193349332}" type="presOf" srcId="{674503E8-1AC7-41ED-8605-5E819E9C237D}" destId="{B2AC34C9-27F4-4A43-B9E6-31AAF7FDE0CB}" srcOrd="0" destOrd="0" presId="urn:microsoft.com/office/officeart/2005/8/layout/chevron1"/>
-    <dgm:cxn modelId="{0A7350FC-3963-4F8E-860C-9F0A1E5E519E}" type="presOf" srcId="{EC76E6DD-0554-49EF-BD35-E47BE10C7A6B}" destId="{29D39E56-9421-44FD-B56B-DDEAA3FF2152}" srcOrd="0" destOrd="0" presId="urn:microsoft.com/office/officeart/2005/8/layout/chevron1"/>
-    <dgm:cxn modelId="{21A9541E-3C79-4A99-B32C-6B5FE4871710}" srcId="{674503E8-1AC7-41ED-8605-5E819E9C237D}" destId="{EC76E6DD-0554-49EF-BD35-E47BE10C7A6B}" srcOrd="1" destOrd="0" parTransId="{7840B6A2-70E1-4A43-844C-B138A10E3F5A}" sibTransId="{DA3F5A7D-7DD3-4F6D-867A-DD06B956183E}"/>
-    <dgm:cxn modelId="{3E3E4B77-64CD-44F5-902E-79CE4A4334E6}" type="presOf" srcId="{80340891-3FEB-4D7E-A9A9-98BB5EB92937}" destId="{B4E1D9FA-813E-45A4-99A8-BCE162C67903}" srcOrd="0" destOrd="0" presId="urn:microsoft.com/office/officeart/2005/8/layout/chevron1"/>
-    <dgm:cxn modelId="{C45999F3-394D-4DC7-AC9A-99CBCAFC203E}" srcId="{674503E8-1AC7-41ED-8605-5E819E9C237D}" destId="{80340891-3FEB-4D7E-A9A9-98BB5EB92937}" srcOrd="0" destOrd="0" parTransId="{C40D1F21-41AD-455F-85BE-CF33C75A8440}" sibTransId="{11E12EE7-6730-4471-8135-5209E8DB6EEE}"/>
-    <dgm:cxn modelId="{6D139A0C-1C5F-462F-941A-E83A5038A582}" type="presOf" srcId="{5033FB32-F740-4C19-B504-0647C1F53E48}" destId="{3EB30996-91B3-4239-BF37-88E3C555BC52}" srcOrd="0" destOrd="0" presId="urn:microsoft.com/office/officeart/2005/8/layout/chevron1"/>
-    <dgm:cxn modelId="{A9C04542-76A5-484F-BDC6-8684DE3831C0}" srcId="{674503E8-1AC7-41ED-8605-5E819E9C237D}" destId="{5033FB32-F740-4C19-B504-0647C1F53E48}" srcOrd="2" destOrd="0" parTransId="{4F5440BC-E4ED-41F4-BCBC-91A4379FE628}" sibTransId="{0F72E487-3666-4627-B648-0F027167834A}"/>
-    <dgm:cxn modelId="{9C0FDC5B-9016-49D7-909C-B88B403677D1}" type="presParOf" srcId="{B2AC34C9-27F4-4A43-B9E6-31AAF7FDE0CB}" destId="{B4E1D9FA-813E-45A4-99A8-BCE162C67903}" srcOrd="0" destOrd="0" presId="urn:microsoft.com/office/officeart/2005/8/layout/chevron1"/>
-    <dgm:cxn modelId="{4F5E368B-7B6E-40E1-8C57-93AC4766E368}" type="presParOf" srcId="{B2AC34C9-27F4-4A43-B9E6-31AAF7FDE0CB}" destId="{8C94DBA9-AC61-43A0-BD9A-8B89F7FE18BC}" srcOrd="1" destOrd="0" presId="urn:microsoft.com/office/officeart/2005/8/layout/chevron1"/>
-    <dgm:cxn modelId="{034BB568-D4AD-47E2-A2FB-EEAED7CCDE53}" type="presParOf" srcId="{B2AC34C9-27F4-4A43-B9E6-31AAF7FDE0CB}" destId="{29D39E56-9421-44FD-B56B-DDEAA3FF2152}" srcOrd="2" destOrd="0" presId="urn:microsoft.com/office/officeart/2005/8/layout/chevron1"/>
-    <dgm:cxn modelId="{4F097D3E-CD80-4688-9549-C95D6766D571}" type="presParOf" srcId="{B2AC34C9-27F4-4A43-B9E6-31AAF7FDE0CB}" destId="{66C2C2CF-A4CD-4218-90F8-1E204CF6D502}" srcOrd="3" destOrd="0" presId="urn:microsoft.com/office/officeart/2005/8/layout/chevron1"/>
-    <dgm:cxn modelId="{E75CA34E-81F5-42E1-938A-72E2F0999817}" type="presParOf" srcId="{B2AC34C9-27F4-4A43-B9E6-31AAF7FDE0CB}" destId="{3EB30996-91B3-4239-BF37-88E3C555BC52}" srcOrd="4" destOrd="0" presId="urn:microsoft.com/office/officeart/2005/8/layout/chevron1"/>
-  </dgm:cxnLst>
-  <dgm:bg/>
-  <dgm:whole/>
-  <dgm:extLst>
-    <a:ext uri="http://schemas.microsoft.com/office/drawing/2008/diagram">
-      <dsp:dataModelExt xmlns:dsp="http://schemas.microsoft.com/office/drawing/2008/diagram" relId="rId7" minVer="http://schemas.openxmlformats.org/drawingml/2006/diagram"/>
     </a:ext>
     <a:ext uri="{C62137D5-CB1D-491B-B009-E17868A290BF}">
       <dgm14:recolorImg xmlns:dgm14="http://schemas.microsoft.com/office/drawing/2010/diagram" val="1"/>
@@ -15412,7 +15268,11 @@
     </dgm:pt>
     <dgm:pt modelId="{5033FB32-F740-4C19-B504-0647C1F53E48}">
       <dgm:prSet phldrT="[Text]"/>
-      <dgm:spPr/>
+      <dgm:spPr>
+        <a:solidFill>
+          <a:srgbClr val="507E32"/>
+        </a:solidFill>
+      </dgm:spPr>
       <dgm:t>
         <a:bodyPr/>
         <a:lstStyle/>
@@ -15507,11 +15367,7 @@
     </dgm:pt>
     <dgm:pt modelId="{5033FB32-F740-4C19-B504-0647C1F53E48}">
       <dgm:prSet phldrT="[Text]"/>
-      <dgm:spPr>
-        <a:solidFill>
-          <a:srgbClr val="507E32"/>
-        </a:solidFill>
-      </dgm:spPr>
+      <dgm:spPr/>
       <dgm:t>
         <a:bodyPr/>
         <a:lstStyle/>
@@ -16338,13 +16194,13 @@
             </a:spcAft>
           </a:pPr>
           <a:r>
-            <a:rPr lang="de-DE" sz="1900" b="1" kern="1200" dirty="0">
+            <a:rPr lang="de-DE" sz="1900" kern="1200" dirty="0" smtClean="0">
               <a:solidFill>
                 <a:schemeClr val="bg1"/>
               </a:solidFill>
               <a:latin typeface="Corbel Light" panose="020B0303020204020204" pitchFamily="34" charset="0"/>
             </a:rPr>
-            <a:t>Live-Demo bzw. Video-Tutorial</a:t>
+            <a:t>Exkursion</a:t>
           </a:r>
           <a:endParaRPr lang="de-DE" sz="1900" kern="1200" dirty="0">
             <a:solidFill>
@@ -16364,6 +16220,101 @@
 </file>
 
 <file path=ppt/diagrams/drawing13.xml><?xml version="1.0" encoding="utf-8"?>
+<dsp:drawing xmlns:dgm="http://schemas.openxmlformats.org/drawingml/2006/diagram" xmlns:dsp="http://schemas.microsoft.com/office/drawing/2008/diagram" xmlns:a="http://schemas.openxmlformats.org/drawingml/2006/main">
+  <dsp:spTree>
+    <dsp:nvGrpSpPr>
+      <dsp:cNvPr id="0" name=""/>
+      <dsp:cNvGrpSpPr/>
+    </dsp:nvGrpSpPr>
+    <dsp:grpSpPr/>
+    <dsp:sp modelId="{3EB30996-91B3-4239-BF37-88E3C555BC52}">
+      <dsp:nvSpPr>
+        <dsp:cNvPr id="0" name=""/>
+        <dsp:cNvSpPr/>
+      </dsp:nvSpPr>
+      <dsp:spPr>
+        <a:xfrm>
+          <a:off x="4737" y="0"/>
+          <a:ext cx="9693565" cy="324000"/>
+        </a:xfrm>
+        <a:prstGeom prst="chevron">
+          <a:avLst/>
+        </a:prstGeom>
+        <a:solidFill>
+          <a:schemeClr val="accent6">
+            <a:shade val="50000"/>
+            <a:hueOff val="0"/>
+            <a:satOff val="0"/>
+            <a:lumOff val="0"/>
+            <a:alphaOff val="0"/>
+          </a:schemeClr>
+        </a:solidFill>
+        <a:ln w="19050" cap="flat" cmpd="sng" algn="ctr">
+          <a:solidFill>
+            <a:schemeClr val="lt1">
+              <a:hueOff val="0"/>
+              <a:satOff val="0"/>
+              <a:lumOff val="0"/>
+              <a:alphaOff val="0"/>
+            </a:schemeClr>
+          </a:solidFill>
+          <a:prstDash val="solid"/>
+          <a:miter lim="800000"/>
+        </a:ln>
+        <a:effectLst/>
+      </dsp:spPr>
+      <dsp:style>
+        <a:lnRef idx="3">
+          <a:scrgbClr r="0" g="0" b="0"/>
+        </a:lnRef>
+        <a:fillRef idx="1">
+          <a:scrgbClr r="0" g="0" b="0"/>
+        </a:fillRef>
+        <a:effectRef idx="1">
+          <a:scrgbClr r="0" g="0" b="0"/>
+        </a:effectRef>
+        <a:fontRef idx="minor">
+          <a:schemeClr val="lt1"/>
+        </a:fontRef>
+      </dsp:style>
+      <dsp:txBody>
+        <a:bodyPr spcFirstLastPara="0" vert="horz" wrap="square" lIns="76010" tIns="25337" rIns="25337" bIns="25337" numCol="1" spcCol="1270" anchor="ctr" anchorCtr="0">
+          <a:noAutofit/>
+        </a:bodyPr>
+        <a:lstStyle/>
+        <a:p>
+          <a:pPr lvl="0" algn="ctr" defTabSz="844550">
+            <a:lnSpc>
+              <a:spcPct val="90000"/>
+            </a:lnSpc>
+            <a:spcBef>
+              <a:spcPct val="0"/>
+            </a:spcBef>
+            <a:spcAft>
+              <a:spcPct val="35000"/>
+            </a:spcAft>
+          </a:pPr>
+          <a:r>
+            <a:rPr lang="de-DE" sz="1900" b="0" kern="1200" dirty="0">
+              <a:solidFill>
+                <a:schemeClr val="bg1"/>
+              </a:solidFill>
+              <a:latin typeface="Corbel Light" panose="020B0303020204020204" pitchFamily="34" charset="0"/>
+            </a:rPr>
+            <a:t>Live-Demo bzw. Video-Tutorial</a:t>
+          </a:r>
+        </a:p>
+      </dsp:txBody>
+      <dsp:txXfrm>
+        <a:off x="166737" y="0"/>
+        <a:ext cx="9369565" cy="324000"/>
+      </dsp:txXfrm>
+    </dsp:sp>
+  </dsp:spTree>
+</dsp:drawing>
+</file>
+
+<file path=ppt/diagrams/drawing14.xml><?xml version="1.0" encoding="utf-8"?>
 <dsp:drawing xmlns:dgm="http://schemas.openxmlformats.org/drawingml/2006/diagram" xmlns:dsp="http://schemas.microsoft.com/office/drawing/2008/diagram" xmlns:a="http://schemas.openxmlformats.org/drawingml/2006/main">
   <dsp:spTree>
     <dsp:nvGrpSpPr>
@@ -16464,7 +16415,7 @@
 </dsp:drawing>
 </file>
 
-<file path=ppt/diagrams/drawing14.xml><?xml version="1.0" encoding="utf-8"?>
+<file path=ppt/diagrams/drawing15.xml><?xml version="1.0" encoding="utf-8"?>
 <dsp:drawing xmlns:dgm="http://schemas.openxmlformats.org/drawingml/2006/diagram" xmlns:dsp="http://schemas.microsoft.com/office/drawing/2008/diagram" xmlns:a="http://schemas.openxmlformats.org/drawingml/2006/main">
   <dsp:spTree>
     <dsp:nvGrpSpPr>
@@ -16565,7 +16516,7 @@
 </dsp:drawing>
 </file>
 
-<file path=ppt/diagrams/drawing15.xml><?xml version="1.0" encoding="utf-8"?>
+<file path=ppt/diagrams/drawing16.xml><?xml version="1.0" encoding="utf-8"?>
 <dsp:drawing xmlns:dgm="http://schemas.openxmlformats.org/drawingml/2006/diagram" xmlns:dsp="http://schemas.microsoft.com/office/drawing/2008/diagram" xmlns:a="http://schemas.openxmlformats.org/drawingml/2006/main">
   <dsp:spTree>
     <dsp:nvGrpSpPr>
@@ -16640,260 +16591,17 @@
               <a:spcPct val="35000"/>
             </a:spcAft>
           </a:pPr>
-          <a:r>
-            <a:rPr lang="de-DE" sz="1900" kern="1200" dirty="0">
-              <a:solidFill>
-                <a:schemeClr val="bg1"/>
-              </a:solidFill>
-              <a:latin typeface="Corbel Light" panose="020B0303020204020204" pitchFamily="34" charset="0"/>
-            </a:rPr>
-            <a:t>AGENDA</a:t>
-          </a:r>
+          <a:endParaRPr lang="de-DE" sz="1900" kern="1200" dirty="0">
+            <a:solidFill>
+              <a:schemeClr val="bg1"/>
+            </a:solidFill>
+            <a:latin typeface="Corbel Light" panose="020B0303020204020204" pitchFamily="34" charset="0"/>
+          </a:endParaRPr>
         </a:p>
       </dsp:txBody>
       <dsp:txXfrm>
         <a:off x="166737" y="0"/>
         <a:ext cx="9369565" cy="324000"/>
-      </dsp:txXfrm>
-    </dsp:sp>
-  </dsp:spTree>
-</dsp:drawing>
-</file>
-
-<file path=ppt/diagrams/drawing16.xml><?xml version="1.0" encoding="utf-8"?>
-<dsp:drawing xmlns:dgm="http://schemas.openxmlformats.org/drawingml/2006/diagram" xmlns:dsp="http://schemas.microsoft.com/office/drawing/2008/diagram" xmlns:a="http://schemas.openxmlformats.org/drawingml/2006/main">
-  <dsp:spTree>
-    <dsp:nvGrpSpPr>
-      <dsp:cNvPr id="0" name=""/>
-      <dsp:cNvGrpSpPr/>
-    </dsp:nvGrpSpPr>
-    <dsp:grpSpPr/>
-    <dsp:sp modelId="{B4E1D9FA-813E-45A4-99A8-BCE162C67903}">
-      <dsp:nvSpPr>
-        <dsp:cNvPr id="0" name=""/>
-        <dsp:cNvSpPr/>
-      </dsp:nvSpPr>
-      <dsp:spPr>
-        <a:xfrm>
-          <a:off x="0" y="0"/>
-          <a:ext cx="3463341" cy="324000"/>
-        </a:xfrm>
-        <a:prstGeom prst="chevron">
-          <a:avLst/>
-        </a:prstGeom>
-        <a:solidFill>
-          <a:srgbClr val="99C184"/>
-        </a:solidFill>
-        <a:ln w="19050" cap="flat" cmpd="sng" algn="ctr">
-          <a:solidFill>
-            <a:schemeClr val="lt1">
-              <a:hueOff val="0"/>
-              <a:satOff val="0"/>
-              <a:lumOff val="0"/>
-              <a:alphaOff val="0"/>
-            </a:schemeClr>
-          </a:solidFill>
-          <a:prstDash val="solid"/>
-          <a:miter lim="800000"/>
-        </a:ln>
-        <a:effectLst/>
-      </dsp:spPr>
-      <dsp:style>
-        <a:lnRef idx="3">
-          <a:scrgbClr r="0" g="0" b="0"/>
-        </a:lnRef>
-        <a:fillRef idx="1">
-          <a:scrgbClr r="0" g="0" b="0"/>
-        </a:fillRef>
-        <a:effectRef idx="1">
-          <a:scrgbClr r="0" g="0" b="0"/>
-        </a:effectRef>
-        <a:fontRef idx="minor">
-          <a:schemeClr val="lt1"/>
-        </a:fontRef>
-      </dsp:style>
-      <dsp:txBody>
-        <a:bodyPr spcFirstLastPara="0" vert="horz" wrap="square" lIns="76010" tIns="25337" rIns="25337" bIns="25337" numCol="1" spcCol="1270" anchor="ctr" anchorCtr="0">
-          <a:noAutofit/>
-        </a:bodyPr>
-        <a:lstStyle/>
-        <a:p>
-          <a:pPr lvl="0" algn="ctr" defTabSz="844550">
-            <a:lnSpc>
-              <a:spcPct val="90000"/>
-            </a:lnSpc>
-            <a:spcBef>
-              <a:spcPct val="0"/>
-            </a:spcBef>
-            <a:spcAft>
-              <a:spcPct val="35000"/>
-            </a:spcAft>
-          </a:pPr>
-          <a:r>
-            <a:rPr lang="de-DE" sz="1900" kern="1200" dirty="0">
-              <a:solidFill>
-                <a:srgbClr val="385723"/>
-              </a:solidFill>
-            </a:rPr>
-            <a:t>Motivation</a:t>
-          </a:r>
-        </a:p>
-      </dsp:txBody>
-      <dsp:txXfrm>
-        <a:off x="162000" y="0"/>
-        <a:ext cx="3139341" cy="324000"/>
-      </dsp:txXfrm>
-    </dsp:sp>
-    <dsp:sp modelId="{29D39E56-9421-44FD-B56B-DDEAA3FF2152}">
-      <dsp:nvSpPr>
-        <dsp:cNvPr id="0" name=""/>
-        <dsp:cNvSpPr/>
-      </dsp:nvSpPr>
-      <dsp:spPr>
-        <a:xfrm>
-          <a:off x="3119849" y="0"/>
-          <a:ext cx="3463341" cy="324000"/>
-        </a:xfrm>
-        <a:prstGeom prst="chevron">
-          <a:avLst/>
-        </a:prstGeom>
-        <a:solidFill>
-          <a:srgbClr val="99C184"/>
-        </a:solidFill>
-        <a:ln w="19050" cap="flat" cmpd="sng" algn="ctr">
-          <a:solidFill>
-            <a:schemeClr val="lt1">
-              <a:hueOff val="0"/>
-              <a:satOff val="0"/>
-              <a:lumOff val="0"/>
-              <a:alphaOff val="0"/>
-            </a:schemeClr>
-          </a:solidFill>
-          <a:prstDash val="solid"/>
-          <a:miter lim="800000"/>
-        </a:ln>
-        <a:effectLst/>
-      </dsp:spPr>
-      <dsp:style>
-        <a:lnRef idx="3">
-          <a:scrgbClr r="0" g="0" b="0"/>
-        </a:lnRef>
-        <a:fillRef idx="1">
-          <a:scrgbClr r="0" g="0" b="0"/>
-        </a:fillRef>
-        <a:effectRef idx="1">
-          <a:scrgbClr r="0" g="0" b="0"/>
-        </a:effectRef>
-        <a:fontRef idx="minor">
-          <a:schemeClr val="lt1"/>
-        </a:fontRef>
-      </dsp:style>
-      <dsp:txBody>
-        <a:bodyPr spcFirstLastPara="0" vert="horz" wrap="square" lIns="76010" tIns="25337" rIns="25337" bIns="25337" numCol="1" spcCol="1270" anchor="ctr" anchorCtr="0">
-          <a:noAutofit/>
-        </a:bodyPr>
-        <a:lstStyle/>
-        <a:p>
-          <a:pPr lvl="0" algn="ctr" defTabSz="844550">
-            <a:lnSpc>
-              <a:spcPct val="90000"/>
-            </a:lnSpc>
-            <a:spcBef>
-              <a:spcPct val="0"/>
-            </a:spcBef>
-            <a:spcAft>
-              <a:spcPct val="35000"/>
-            </a:spcAft>
-          </a:pPr>
-          <a:r>
-            <a:rPr lang="de-DE" sz="1900" kern="1200" dirty="0">
-              <a:solidFill>
-                <a:srgbClr val="385723"/>
-              </a:solidFill>
-            </a:rPr>
-            <a:t>Technische Struktur</a:t>
-          </a:r>
-        </a:p>
-      </dsp:txBody>
-      <dsp:txXfrm>
-        <a:off x="3281849" y="0"/>
-        <a:ext cx="3139341" cy="324000"/>
-      </dsp:txXfrm>
-    </dsp:sp>
-    <dsp:sp modelId="{3EB30996-91B3-4239-BF37-88E3C555BC52}">
-      <dsp:nvSpPr>
-        <dsp:cNvPr id="0" name=""/>
-        <dsp:cNvSpPr/>
-      </dsp:nvSpPr>
-      <dsp:spPr>
-        <a:xfrm>
-          <a:off x="6236857" y="0"/>
-          <a:ext cx="3463341" cy="324000"/>
-        </a:xfrm>
-        <a:prstGeom prst="chevron">
-          <a:avLst/>
-        </a:prstGeom>
-        <a:solidFill>
-          <a:srgbClr val="507E32"/>
-        </a:solidFill>
-        <a:ln w="19050" cap="flat" cmpd="sng" algn="ctr">
-          <a:solidFill>
-            <a:schemeClr val="lt1">
-              <a:hueOff val="0"/>
-              <a:satOff val="0"/>
-              <a:lumOff val="0"/>
-              <a:alphaOff val="0"/>
-            </a:schemeClr>
-          </a:solidFill>
-          <a:prstDash val="solid"/>
-          <a:miter lim="800000"/>
-        </a:ln>
-        <a:effectLst/>
-      </dsp:spPr>
-      <dsp:style>
-        <a:lnRef idx="3">
-          <a:scrgbClr r="0" g="0" b="0"/>
-        </a:lnRef>
-        <a:fillRef idx="1">
-          <a:scrgbClr r="0" g="0" b="0"/>
-        </a:fillRef>
-        <a:effectRef idx="1">
-          <a:scrgbClr r="0" g="0" b="0"/>
-        </a:effectRef>
-        <a:fontRef idx="minor">
-          <a:schemeClr val="lt1"/>
-        </a:fontRef>
-      </dsp:style>
-      <dsp:txBody>
-        <a:bodyPr spcFirstLastPara="0" vert="horz" wrap="square" lIns="76010" tIns="25337" rIns="25337" bIns="25337" numCol="1" spcCol="1270" anchor="ctr" anchorCtr="0">
-          <a:noAutofit/>
-        </a:bodyPr>
-        <a:lstStyle/>
-        <a:p>
-          <a:pPr lvl="0" algn="ctr" defTabSz="844550">
-            <a:lnSpc>
-              <a:spcPct val="90000"/>
-            </a:lnSpc>
-            <a:spcBef>
-              <a:spcPct val="0"/>
-            </a:spcBef>
-            <a:spcAft>
-              <a:spcPct val="35000"/>
-            </a:spcAft>
-          </a:pPr>
-          <a:r>
-            <a:rPr lang="de-DE" sz="1900" kern="1200" dirty="0">
-              <a:solidFill>
-                <a:schemeClr val="bg1"/>
-              </a:solidFill>
-            </a:rPr>
-            <a:t>Anwendungsoberfläche</a:t>
-          </a:r>
-        </a:p>
-      </dsp:txBody>
-      <dsp:txXfrm>
-        <a:off x="6398857" y="0"/>
-        <a:ext cx="3139341" cy="324000"/>
       </dsp:txXfrm>
     </dsp:sp>
   </dsp:spTree>
@@ -17112,13 +16820,7 @@
           <a:avLst/>
         </a:prstGeom>
         <a:solidFill>
-          <a:schemeClr val="accent6">
-            <a:shade val="50000"/>
-            <a:hueOff val="0"/>
-            <a:satOff val="0"/>
-            <a:lumOff val="0"/>
-            <a:alphaOff val="0"/>
-          </a:schemeClr>
+          <a:srgbClr val="507E32"/>
         </a:solidFill>
         <a:ln w="19050" cap="flat" cmpd="sng" algn="ctr">
           <a:solidFill>
@@ -17207,7 +16909,13 @@
           <a:avLst/>
         </a:prstGeom>
         <a:solidFill>
-          <a:srgbClr val="507E32"/>
+          <a:schemeClr val="accent6">
+            <a:shade val="50000"/>
+            <a:hueOff val="0"/>
+            <a:satOff val="0"/>
+            <a:lumOff val="0"/>
+            <a:alphaOff val="0"/>
+          </a:schemeClr>
         </a:solidFill>
         <a:ln w="19050" cap="flat" cmpd="sng" algn="ctr">
           <a:solidFill>
@@ -39206,7 +38914,32 @@
           <a:bodyPr/>
           <a:lstStyle/>
           <a:p>
-            <a:endParaRPr lang="de-DE" dirty="0"/>
+            <a:pPr marL="0" marR="0" lvl="0" indent="0" algn="l" defTabSz="914400" rtl="0" eaLnBrk="1" fontAlgn="auto" latinLnBrk="0" hangingPunct="1">
+              <a:lnSpc>
+                <a:spcPct val="100000"/>
+              </a:lnSpc>
+              <a:spcBef>
+                <a:spcPts val="0"/>
+              </a:spcBef>
+              <a:spcAft>
+                <a:spcPts val="0"/>
+              </a:spcAft>
+              <a:buClrTx/>
+              <a:buSzTx/>
+              <a:buFontTx/>
+              <a:buNone/>
+              <a:tabLst/>
+              <a:defRPr/>
+            </a:pPr>
+            <a:r>
+              <a:rPr lang="de-DE" dirty="0" smtClean="0"/>
+              <a:t>Zuständig</a:t>
+            </a:r>
+            <a:r>
+              <a:rPr lang="de-DE" baseline="0" dirty="0" smtClean="0"/>
+              <a:t> Angelo</a:t>
+            </a:r>
+            <a:endParaRPr lang="de-DE" dirty="0" smtClean="0"/>
           </a:p>
         </p:txBody>
       </p:sp>
@@ -39236,7 +38969,7 @@
     </p:spTree>
     <p:extLst>
       <p:ext uri="{BB962C8B-B14F-4D97-AF65-F5344CB8AC3E}">
-        <p14:creationId xmlns:p14="http://schemas.microsoft.com/office/powerpoint/2010/main" val="4236658229"/>
+        <p14:creationId xmlns:p14="http://schemas.microsoft.com/office/powerpoint/2010/main" val="1939463753"/>
       </p:ext>
     </p:extLst>
   </p:cSld>
@@ -39290,7 +39023,32 @@
           <a:bodyPr/>
           <a:lstStyle/>
           <a:p>
-            <a:endParaRPr lang="de-DE" dirty="0"/>
+            <a:pPr marL="0" marR="0" lvl="0" indent="0" algn="l" defTabSz="914400" rtl="0" eaLnBrk="1" fontAlgn="auto" latinLnBrk="0" hangingPunct="1">
+              <a:lnSpc>
+                <a:spcPct val="100000"/>
+              </a:lnSpc>
+              <a:spcBef>
+                <a:spcPts val="0"/>
+              </a:spcBef>
+              <a:spcAft>
+                <a:spcPts val="0"/>
+              </a:spcAft>
+              <a:buClrTx/>
+              <a:buSzTx/>
+              <a:buFontTx/>
+              <a:buNone/>
+              <a:tabLst/>
+              <a:defRPr/>
+            </a:pPr>
+            <a:r>
+              <a:rPr lang="de-DE" dirty="0" smtClean="0"/>
+              <a:t>Zuständig</a:t>
+            </a:r>
+            <a:r>
+              <a:rPr lang="de-DE" baseline="0" dirty="0" smtClean="0"/>
+              <a:t> Angelo</a:t>
+            </a:r>
+            <a:endParaRPr lang="de-DE" dirty="0" smtClean="0"/>
           </a:p>
         </p:txBody>
       </p:sp>
@@ -39320,7 +39078,7 @@
     </p:spTree>
     <p:extLst>
       <p:ext uri="{BB962C8B-B14F-4D97-AF65-F5344CB8AC3E}">
-        <p14:creationId xmlns:p14="http://schemas.microsoft.com/office/powerpoint/2010/main" val="1635911333"/>
+        <p14:creationId xmlns:p14="http://schemas.microsoft.com/office/powerpoint/2010/main" val="2365264867"/>
       </p:ext>
     </p:extLst>
   </p:cSld>
@@ -39374,6 +39132,34 @@
           <a:bodyPr/>
           <a:lstStyle/>
           <a:p>
+            <a:pPr marL="0" marR="0" lvl="0" indent="0" algn="l" defTabSz="914400" rtl="0" eaLnBrk="1" fontAlgn="auto" latinLnBrk="0" hangingPunct="1">
+              <a:lnSpc>
+                <a:spcPct val="100000"/>
+              </a:lnSpc>
+              <a:spcBef>
+                <a:spcPts val="0"/>
+              </a:spcBef>
+              <a:spcAft>
+                <a:spcPts val="0"/>
+              </a:spcAft>
+              <a:buClrTx/>
+              <a:buSzTx/>
+              <a:buFontTx/>
+              <a:buNone/>
+              <a:tabLst/>
+              <a:defRPr/>
+            </a:pPr>
+            <a:r>
+              <a:rPr lang="de-DE" dirty="0" smtClean="0"/>
+              <a:t>Zuständig</a:t>
+            </a:r>
+            <a:r>
+              <a:rPr lang="de-DE" baseline="0" dirty="0" smtClean="0"/>
+              <a:t> Angelo</a:t>
+            </a:r>
+            <a:endParaRPr lang="de-DE" dirty="0" smtClean="0"/>
+          </a:p>
+          <a:p>
             <a:endParaRPr lang="de-DE" dirty="0"/>
           </a:p>
         </p:txBody>
@@ -39404,7 +39190,7 @@
     </p:spTree>
     <p:extLst>
       <p:ext uri="{BB962C8B-B14F-4D97-AF65-F5344CB8AC3E}">
-        <p14:creationId xmlns:p14="http://schemas.microsoft.com/office/powerpoint/2010/main" val="1939463753"/>
+        <p14:creationId xmlns:p14="http://schemas.microsoft.com/office/powerpoint/2010/main" val="1520047385"/>
       </p:ext>
     </p:extLst>
   </p:cSld>
@@ -39458,6 +39244,10 @@
           <a:bodyPr/>
           <a:lstStyle/>
           <a:p>
+            <a:r>
+              <a:rPr lang="de-DE" dirty="0" smtClean="0"/>
+              <a:t>Zuständig Eduard</a:t>
+            </a:r>
             <a:endParaRPr lang="de-DE" dirty="0"/>
           </a:p>
         </p:txBody>
@@ -39488,7 +39278,7 @@
     </p:spTree>
     <p:extLst>
       <p:ext uri="{BB962C8B-B14F-4D97-AF65-F5344CB8AC3E}">
-        <p14:creationId xmlns:p14="http://schemas.microsoft.com/office/powerpoint/2010/main" val="3763017894"/>
+        <p14:creationId xmlns:p14="http://schemas.microsoft.com/office/powerpoint/2010/main" val="3932102347"/>
       </p:ext>
     </p:extLst>
   </p:cSld>
@@ -39572,7 +39362,7 @@
     </p:spTree>
     <p:extLst>
       <p:ext uri="{BB962C8B-B14F-4D97-AF65-F5344CB8AC3E}">
-        <p14:creationId xmlns:p14="http://schemas.microsoft.com/office/powerpoint/2010/main" val="4071012174"/>
+        <p14:creationId xmlns:p14="http://schemas.microsoft.com/office/powerpoint/2010/main" val="3763017894"/>
       </p:ext>
     </p:extLst>
   </p:cSld>
@@ -39648,6 +39438,90 @@
             <a:fld id="{9CCF391E-5C5D-4EA1-8A2D-1AD87DAE70A5}" type="slidenum">
               <a:rPr lang="de-DE" smtClean="0"/>
               <a:t>15</a:t>
+            </a:fld>
+            <a:endParaRPr lang="de-DE"/>
+          </a:p>
+        </p:txBody>
+      </p:sp>
+    </p:spTree>
+    <p:extLst>
+      <p:ext uri="{BB962C8B-B14F-4D97-AF65-F5344CB8AC3E}">
+        <p14:creationId xmlns:p14="http://schemas.microsoft.com/office/powerpoint/2010/main" val="4071012174"/>
+      </p:ext>
+    </p:extLst>
+  </p:cSld>
+  <p:clrMapOvr>
+    <a:masterClrMapping/>
+  </p:clrMapOvr>
+</p:notes>
+</file>
+
+<file path=ppt/notesSlides/notesSlide16.xml><?xml version="1.0" encoding="utf-8"?>
+<p:notes xmlns:a="http://schemas.openxmlformats.org/drawingml/2006/main" xmlns:r="http://schemas.openxmlformats.org/officeDocument/2006/relationships" xmlns:p="http://schemas.openxmlformats.org/presentationml/2006/main">
+  <p:cSld>
+    <p:spTree>
+      <p:nvGrpSpPr>
+        <p:cNvPr id="1" name=""/>
+        <p:cNvGrpSpPr/>
+        <p:nvPr/>
+      </p:nvGrpSpPr>
+      <p:grpSpPr>
+        <a:xfrm>
+          <a:off x="0" y="0"/>
+          <a:ext cx="0" cy="0"/>
+          <a:chOff x="0" y="0"/>
+          <a:chExt cx="0" cy="0"/>
+        </a:xfrm>
+      </p:grpSpPr>
+      <p:sp>
+        <p:nvSpPr>
+          <p:cNvPr id="2" name="Folienbildplatzhalter 1"/>
+          <p:cNvSpPr>
+            <a:spLocks noGrp="1" noRot="1" noChangeAspect="1"/>
+          </p:cNvSpPr>
+          <p:nvPr>
+            <p:ph type="sldImg"/>
+          </p:nvPr>
+        </p:nvSpPr>
+        <p:spPr/>
+      </p:sp>
+      <p:sp>
+        <p:nvSpPr>
+          <p:cNvPr id="3" name="Notizenplatzhalter 2"/>
+          <p:cNvSpPr>
+            <a:spLocks noGrp="1"/>
+          </p:cNvSpPr>
+          <p:nvPr>
+            <p:ph type="body" idx="1"/>
+          </p:nvPr>
+        </p:nvSpPr>
+        <p:spPr/>
+        <p:txBody>
+          <a:bodyPr/>
+          <a:lstStyle/>
+          <a:p>
+            <a:endParaRPr lang="de-DE" dirty="0"/>
+          </a:p>
+        </p:txBody>
+      </p:sp>
+      <p:sp>
+        <p:nvSpPr>
+          <p:cNvPr id="4" name="Foliennummernplatzhalter 3"/>
+          <p:cNvSpPr>
+            <a:spLocks noGrp="1"/>
+          </p:cNvSpPr>
+          <p:nvPr>
+            <p:ph type="sldNum" sz="quarter" idx="10"/>
+          </p:nvPr>
+        </p:nvSpPr>
+        <p:spPr/>
+        <p:txBody>
+          <a:bodyPr/>
+          <a:lstStyle/>
+          <a:p>
+            <a:fld id="{9CCF391E-5C5D-4EA1-8A2D-1AD87DAE70A5}" type="slidenum">
+              <a:rPr lang="de-DE" smtClean="0"/>
+              <a:t>16</a:t>
             </a:fld>
             <a:endParaRPr lang="de-DE"/>
           </a:p>
@@ -39981,6 +39855,10 @@
           <a:bodyPr/>
           <a:lstStyle/>
           <a:p>
+            <a:r>
+              <a:rPr lang="de-DE" dirty="0" smtClean="0"/>
+              <a:t>Zuständig Adrian</a:t>
+            </a:r>
             <a:endParaRPr lang="de-DE" dirty="0"/>
           </a:p>
         </p:txBody>
@@ -40011,7 +39889,7 @@
     </p:spTree>
     <p:extLst>
       <p:ext uri="{BB962C8B-B14F-4D97-AF65-F5344CB8AC3E}">
-        <p14:creationId xmlns:p14="http://schemas.microsoft.com/office/powerpoint/2010/main" val="2123776605"/>
+        <p14:creationId xmlns:p14="http://schemas.microsoft.com/office/powerpoint/2010/main" val="4208092413"/>
       </p:ext>
     </p:extLst>
   </p:cSld>
@@ -40095,7 +39973,7 @@
     </p:spTree>
     <p:extLst>
       <p:ext uri="{BB962C8B-B14F-4D97-AF65-F5344CB8AC3E}">
-        <p14:creationId xmlns:p14="http://schemas.microsoft.com/office/powerpoint/2010/main" val="4208092413"/>
+        <p14:creationId xmlns:p14="http://schemas.microsoft.com/office/powerpoint/2010/main" val="1630585595"/>
       </p:ext>
     </p:extLst>
   </p:cSld>
@@ -40149,7 +40027,32 @@
           <a:bodyPr/>
           <a:lstStyle/>
           <a:p>
-            <a:endParaRPr lang="de-DE" dirty="0"/>
+            <a:pPr marL="0" marR="0" lvl="0" indent="0" algn="l" defTabSz="914400" rtl="0" eaLnBrk="1" fontAlgn="auto" latinLnBrk="0" hangingPunct="1">
+              <a:lnSpc>
+                <a:spcPct val="100000"/>
+              </a:lnSpc>
+              <a:spcBef>
+                <a:spcPts val="0"/>
+              </a:spcBef>
+              <a:spcAft>
+                <a:spcPts val="0"/>
+              </a:spcAft>
+              <a:buClrTx/>
+              <a:buSzTx/>
+              <a:buFontTx/>
+              <a:buNone/>
+              <a:tabLst/>
+              <a:defRPr/>
+            </a:pPr>
+            <a:r>
+              <a:rPr lang="de-DE" dirty="0" smtClean="0"/>
+              <a:t>Zuständig</a:t>
+            </a:r>
+            <a:r>
+              <a:rPr lang="de-DE" baseline="0" dirty="0" smtClean="0"/>
+              <a:t> Daniel</a:t>
+            </a:r>
+            <a:endParaRPr lang="de-DE" dirty="0" smtClean="0"/>
           </a:p>
         </p:txBody>
       </p:sp>
@@ -40179,7 +40082,7 @@
     </p:spTree>
     <p:extLst>
       <p:ext uri="{BB962C8B-B14F-4D97-AF65-F5344CB8AC3E}">
-        <p14:creationId xmlns:p14="http://schemas.microsoft.com/office/powerpoint/2010/main" val="1630585595"/>
+        <p14:creationId xmlns:p14="http://schemas.microsoft.com/office/powerpoint/2010/main" val="1352689730"/>
       </p:ext>
     </p:extLst>
   </p:cSld>
@@ -40233,7 +40136,32 @@
           <a:bodyPr/>
           <a:lstStyle/>
           <a:p>
-            <a:endParaRPr lang="de-DE" dirty="0"/>
+            <a:pPr marL="0" marR="0" lvl="0" indent="0" algn="l" defTabSz="914400" rtl="0" eaLnBrk="1" fontAlgn="auto" latinLnBrk="0" hangingPunct="1">
+              <a:lnSpc>
+                <a:spcPct val="100000"/>
+              </a:lnSpc>
+              <a:spcBef>
+                <a:spcPts val="0"/>
+              </a:spcBef>
+              <a:spcAft>
+                <a:spcPts val="0"/>
+              </a:spcAft>
+              <a:buClrTx/>
+              <a:buSzTx/>
+              <a:buFontTx/>
+              <a:buNone/>
+              <a:tabLst/>
+              <a:defRPr/>
+            </a:pPr>
+            <a:r>
+              <a:rPr lang="de-DE" dirty="0" smtClean="0"/>
+              <a:t>Zuständig</a:t>
+            </a:r>
+            <a:r>
+              <a:rPr lang="de-DE" baseline="0" dirty="0" smtClean="0"/>
+              <a:t> Daniel</a:t>
+            </a:r>
+            <a:endParaRPr lang="de-DE" dirty="0" smtClean="0"/>
           </a:p>
         </p:txBody>
       </p:sp>
@@ -40263,7 +40191,7 @@
     </p:spTree>
     <p:extLst>
       <p:ext uri="{BB962C8B-B14F-4D97-AF65-F5344CB8AC3E}">
-        <p14:creationId xmlns:p14="http://schemas.microsoft.com/office/powerpoint/2010/main" val="1352689730"/>
+        <p14:creationId xmlns:p14="http://schemas.microsoft.com/office/powerpoint/2010/main" val="2696556399"/>
       </p:ext>
     </p:extLst>
   </p:cSld>
@@ -40317,7 +40245,32 @@
           <a:bodyPr/>
           <a:lstStyle/>
           <a:p>
-            <a:endParaRPr lang="de-DE" dirty="0"/>
+            <a:pPr marL="0" marR="0" lvl="0" indent="0" algn="l" defTabSz="914400" rtl="0" eaLnBrk="1" fontAlgn="auto" latinLnBrk="0" hangingPunct="1">
+              <a:lnSpc>
+                <a:spcPct val="100000"/>
+              </a:lnSpc>
+              <a:spcBef>
+                <a:spcPts val="0"/>
+              </a:spcBef>
+              <a:spcAft>
+                <a:spcPts val="0"/>
+              </a:spcAft>
+              <a:buClrTx/>
+              <a:buSzTx/>
+              <a:buFontTx/>
+              <a:buNone/>
+              <a:tabLst/>
+              <a:defRPr/>
+            </a:pPr>
+            <a:r>
+              <a:rPr lang="de-DE" dirty="0" smtClean="0"/>
+              <a:t>Zuständig</a:t>
+            </a:r>
+            <a:r>
+              <a:rPr lang="de-DE" baseline="0" dirty="0" smtClean="0"/>
+              <a:t> Hüseyin</a:t>
+            </a:r>
+            <a:endParaRPr lang="de-DE" dirty="0" smtClean="0"/>
           </a:p>
         </p:txBody>
       </p:sp>
@@ -40347,7 +40300,7 @@
     </p:spTree>
     <p:extLst>
       <p:ext uri="{BB962C8B-B14F-4D97-AF65-F5344CB8AC3E}">
-        <p14:creationId xmlns:p14="http://schemas.microsoft.com/office/powerpoint/2010/main" val="2696556399"/>
+        <p14:creationId xmlns:p14="http://schemas.microsoft.com/office/powerpoint/2010/main" val="4236658229"/>
       </p:ext>
     </p:extLst>
   </p:cSld>
@@ -43907,6 +43860,13 @@
       </p:transition>
     </mc:Fallback>
   </mc:AlternateContent>
+  <p:timing>
+    <p:tnLst>
+      <p:par>
+        <p:cTn id="1" dur="indefinite" restart="never" nodeType="tmRoot"/>
+      </p:par>
+    </p:tnLst>
+  </p:timing>
 </p:sld>
 </file>
 
@@ -43979,7 +43939,7 @@
           <p:cNvPr id="2" name="Rechteck 1">
             <a:extLst>
               <a:ext uri="{FF2B5EF4-FFF2-40B4-BE49-F238E27FC236}">
-                <a16:creationId xmlns:a16="http://schemas.microsoft.com/office/drawing/2014/main" id="{1B3CBAB0-80D1-4F6A-918A-20FAF88A0F7B}"/>
+                <a16:creationId xmlns:a16="http://schemas.microsoft.com/office/drawing/2014/main" id="{C2A7ECBF-C5DE-4CA9-B4CD-A91748CBCA72}"/>
               </a:ext>
             </a:extLst>
           </p:cNvPr>
@@ -43988,15 +43948,15 @@
         </p:nvSpPr>
         <p:spPr>
           <a:xfrm>
-            <a:off x="500026" y="849042"/>
-            <a:ext cx="4939109" cy="754694"/>
+            <a:off x="448574" y="836268"/>
+            <a:ext cx="6096000" cy="1384995"/>
           </a:xfrm>
           <a:prstGeom prst="rect">
             <a:avLst/>
           </a:prstGeom>
         </p:spPr>
         <p:txBody>
-          <a:bodyPr wrap="none">
+          <a:bodyPr>
             <a:spAutoFit/>
           </a:bodyPr>
           <a:lstStyle/>
@@ -44007,66 +43967,39 @@
               </a:lnSpc>
             </a:pPr>
             <a:r>
-              <a:rPr lang="de-DE" sz="3200" b="1" dirty="0">
+              <a:rPr lang="de-DE" sz="3200" b="1" dirty="0" smtClean="0">
                 <a:solidFill>
                   <a:srgbClr val="385723"/>
                 </a:solidFill>
                 <a:latin typeface="Corbel Light" panose="020B0303020204020204" pitchFamily="34" charset="0"/>
               </a:rPr>
-              <a:t>JAVA </a:t>
+              <a:t>Schnittstellenprogrammierung</a:t>
             </a:r>
-            <a:r>
-              <a:rPr lang="de-DE" sz="3200" b="1" dirty="0" err="1">
+            <a:br>
+              <a:rPr lang="de-DE" sz="3200" b="1" dirty="0" smtClean="0">
                 <a:solidFill>
                   <a:srgbClr val="385723"/>
                 </a:solidFill>
                 <a:latin typeface="Corbel Light" panose="020B0303020204020204" pitchFamily="34" charset="0"/>
               </a:rPr>
-              <a:t>Graphical</a:t>
-            </a:r>
+            </a:br>
             <a:r>
-              <a:rPr lang="de-DE" sz="3200" b="1" dirty="0">
+              <a:rPr lang="de-DE" sz="2400" dirty="0" smtClean="0">
                 <a:solidFill>
                   <a:srgbClr val="385723"/>
                 </a:solidFill>
                 <a:latin typeface="Corbel Light" panose="020B0303020204020204" pitchFamily="34" charset="0"/>
               </a:rPr>
-              <a:t> User Interface</a:t>
+              <a:t>SAP </a:t>
             </a:r>
-          </a:p>
-        </p:txBody>
-      </p:sp>
-      <p:sp>
-        <p:nvSpPr>
-          <p:cNvPr id="3" name="Textfeld 2">
-            <a:extLst>
-              <a:ext uri="{FF2B5EF4-FFF2-40B4-BE49-F238E27FC236}">
-                <a16:creationId xmlns:a16="http://schemas.microsoft.com/office/drawing/2014/main" id="{239D2F6A-D12F-4A46-BC36-E7AC2AD096E7}"/>
-              </a:ext>
-            </a:extLst>
-          </p:cNvPr>
-          <p:cNvSpPr txBox="1"/>
-          <p:nvPr/>
-        </p:nvSpPr>
-        <p:spPr>
-          <a:xfrm>
-            <a:off x="1477992" y="2490158"/>
-            <a:ext cx="2547668" cy="369332"/>
-          </a:xfrm>
-          <a:prstGeom prst="rect">
-            <a:avLst/>
-          </a:prstGeom>
-          <a:noFill/>
-        </p:spPr>
-        <p:txBody>
-          <a:bodyPr wrap="square" rtlCol="0">
-            <a:spAutoFit/>
-          </a:bodyPr>
-          <a:lstStyle/>
-          <a:p>
             <a:r>
-              <a:rPr lang="de-DE" dirty="0"/>
-              <a:t>Screenshots einfügen</a:t>
+              <a:rPr lang="de-DE" sz="2400" dirty="0">
+                <a:solidFill>
+                  <a:srgbClr val="385723"/>
+                </a:solidFill>
+                <a:latin typeface="Corbel Light" panose="020B0303020204020204" pitchFamily="34" charset="0"/>
+              </a:rPr>
+              <a:t>ABAP API Programmierung</a:t>
             </a:r>
           </a:p>
         </p:txBody>
@@ -44074,7 +44007,7 @@
     </p:spTree>
     <p:extLst>
       <p:ext uri="{BB962C8B-B14F-4D97-AF65-F5344CB8AC3E}">
-        <p14:creationId xmlns:p14="http://schemas.microsoft.com/office/powerpoint/2010/main" val="3899959399"/>
+        <p14:creationId xmlns:p14="http://schemas.microsoft.com/office/powerpoint/2010/main" val="2472505764"/>
       </p:ext>
     </p:extLst>
   </p:cSld>
@@ -44165,7 +44098,7 @@
           <p:cNvPr id="2" name="Rechteck 1">
             <a:extLst>
               <a:ext uri="{FF2B5EF4-FFF2-40B4-BE49-F238E27FC236}">
-                <a16:creationId xmlns:a16="http://schemas.microsoft.com/office/drawing/2014/main" id="{E45327E7-D322-46DF-B43E-470DCAEEAF50}"/>
+                <a16:creationId xmlns:a16="http://schemas.microsoft.com/office/drawing/2014/main" id="{C2A7ECBF-C5DE-4CA9-B4CD-A91748CBCA72}"/>
               </a:ext>
             </a:extLst>
           </p:cNvPr>
@@ -44174,15 +44107,15 @@
         </p:nvSpPr>
         <p:spPr>
           <a:xfrm>
-            <a:off x="614736" y="958310"/>
-            <a:ext cx="4736810" cy="754694"/>
+            <a:off x="448574" y="836268"/>
+            <a:ext cx="6096000" cy="1384995"/>
           </a:xfrm>
           <a:prstGeom prst="rect">
             <a:avLst/>
           </a:prstGeom>
         </p:spPr>
         <p:txBody>
-          <a:bodyPr wrap="none">
+          <a:bodyPr>
             <a:spAutoFit/>
           </a:bodyPr>
           <a:lstStyle/>
@@ -44193,21 +44126,44 @@
               </a:lnSpc>
             </a:pPr>
             <a:r>
-              <a:rPr lang="de-DE" sz="3200" b="1" dirty="0">
+              <a:rPr lang="de-DE" sz="3200" b="1" dirty="0" smtClean="0">
                 <a:solidFill>
                   <a:srgbClr val="385723"/>
                 </a:solidFill>
                 <a:latin typeface="Corbel Light" panose="020B0303020204020204" pitchFamily="34" charset="0"/>
               </a:rPr>
-              <a:t>Relevante Daten bestimmen</a:t>
+              <a:t>Schnittstellenprogrammierung</a:t>
             </a:r>
+            <a:br>
+              <a:rPr lang="de-DE" sz="3200" b="1" dirty="0" smtClean="0">
+                <a:solidFill>
+                  <a:srgbClr val="385723"/>
+                </a:solidFill>
+                <a:latin typeface="Corbel Light" panose="020B0303020204020204" pitchFamily="34" charset="0"/>
+              </a:rPr>
+            </a:br>
+            <a:r>
+              <a:rPr lang="de-DE" sz="2400" dirty="0" smtClean="0">
+                <a:solidFill>
+                  <a:srgbClr val="385723"/>
+                </a:solidFill>
+                <a:latin typeface="Corbel Light" panose="020B0303020204020204" pitchFamily="34" charset="0"/>
+              </a:rPr>
+              <a:t>Java Connector</a:t>
+            </a:r>
+            <a:endParaRPr lang="de-DE" sz="2400" dirty="0">
+              <a:solidFill>
+                <a:srgbClr val="385723"/>
+              </a:solidFill>
+              <a:latin typeface="Corbel Light" panose="020B0303020204020204" pitchFamily="34" charset="0"/>
+            </a:endParaRPr>
           </a:p>
         </p:txBody>
       </p:sp>
     </p:spTree>
     <p:extLst>
       <p:ext uri="{BB962C8B-B14F-4D97-AF65-F5344CB8AC3E}">
-        <p14:creationId xmlns:p14="http://schemas.microsoft.com/office/powerpoint/2010/main" val="4014255332"/>
+        <p14:creationId xmlns:p14="http://schemas.microsoft.com/office/powerpoint/2010/main" val="3904331660"/>
       </p:ext>
     </p:extLst>
   </p:cSld>
@@ -44308,7 +44264,7 @@
         <p:spPr>
           <a:xfrm>
             <a:off x="448574" y="836268"/>
-            <a:ext cx="6096000" cy="754694"/>
+            <a:ext cx="6096000" cy="1327736"/>
           </a:xfrm>
           <a:prstGeom prst="rect">
             <a:avLst/>
@@ -44326,21 +44282,127 @@
               </a:lnSpc>
             </a:pPr>
             <a:r>
-              <a:rPr lang="de-DE" sz="3200" b="1" dirty="0">
+              <a:rPr lang="de-DE" sz="3200" b="1" dirty="0" smtClean="0">
                 <a:solidFill>
                   <a:srgbClr val="385723"/>
                 </a:solidFill>
                 <a:latin typeface="Corbel Light" panose="020B0303020204020204" pitchFamily="34" charset="0"/>
               </a:rPr>
-              <a:t>SAP ABAP API Programmierung</a:t>
+              <a:t>Schnittstellenprogrammierung</a:t>
             </a:r>
+            <a:br>
+              <a:rPr lang="de-DE" sz="3200" b="1" dirty="0" smtClean="0">
+                <a:solidFill>
+                  <a:srgbClr val="385723"/>
+                </a:solidFill>
+                <a:latin typeface="Corbel Light" panose="020B0303020204020204" pitchFamily="34" charset="0"/>
+              </a:rPr>
+            </a:br>
+            <a:r>
+              <a:rPr lang="de-DE" sz="2400" dirty="0" smtClean="0">
+                <a:solidFill>
+                  <a:srgbClr val="385723"/>
+                </a:solidFill>
+                <a:latin typeface="Corbel Light" panose="020B0303020204020204" pitchFamily="34" charset="0"/>
+              </a:rPr>
+              <a:t>Schnittstellen Datentransfer</a:t>
+            </a:r>
+            <a:endParaRPr lang="de-DE" sz="2400" dirty="0">
+              <a:solidFill>
+                <a:srgbClr val="385723"/>
+              </a:solidFill>
+              <a:latin typeface="Corbel Light" panose="020B0303020204020204" pitchFamily="34" charset="0"/>
+            </a:endParaRPr>
+          </a:p>
+        </p:txBody>
+      </p:sp>
+      <p:sp>
+        <p:nvSpPr>
+          <p:cNvPr id="6" name="Rechteck 5">
+            <a:extLst>
+              <a:ext uri="{FF2B5EF4-FFF2-40B4-BE49-F238E27FC236}">
+                <a16:creationId xmlns:a16="http://schemas.microsoft.com/office/drawing/2014/main" id="{C2A7ECBF-C5DE-4CA9-B4CD-A91748CBCA72}"/>
+              </a:ext>
+            </a:extLst>
+          </p:cNvPr>
+          <p:cNvSpPr/>
+          <p:nvPr/>
+        </p:nvSpPr>
+        <p:spPr>
+          <a:xfrm>
+            <a:off x="1840546" y="2955489"/>
+            <a:ext cx="9750724" cy="2308324"/>
+          </a:xfrm>
+          <a:prstGeom prst="rect">
+            <a:avLst/>
+          </a:prstGeom>
+        </p:spPr>
+        <p:txBody>
+          <a:bodyPr wrap="square">
+            <a:spAutoFit/>
+          </a:bodyPr>
+          <a:lstStyle/>
+          <a:p>
+            <a:pPr>
+              <a:lnSpc>
+                <a:spcPct val="150000"/>
+              </a:lnSpc>
+            </a:pPr>
+            <a:r>
+              <a:rPr lang="de-DE" sz="3200" i="1" dirty="0" smtClean="0">
+                <a:solidFill>
+                  <a:srgbClr val="385723"/>
+                </a:solidFill>
+                <a:latin typeface="Corbel Light" panose="020B0303020204020204" pitchFamily="34" charset="0"/>
+              </a:rPr>
+              <a:t>Architektur Schema zwischen SAP JAVA und Schnittstelle</a:t>
+            </a:r>
+          </a:p>
+          <a:p>
+            <a:pPr>
+              <a:lnSpc>
+                <a:spcPct val="150000"/>
+              </a:lnSpc>
+            </a:pPr>
+            <a:r>
+              <a:rPr lang="de-DE" sz="3200" i="1" dirty="0" smtClean="0">
+                <a:solidFill>
+                  <a:srgbClr val="385723"/>
+                </a:solidFill>
+                <a:latin typeface="Corbel Light" panose="020B0303020204020204" pitchFamily="34" charset="0"/>
+              </a:rPr>
+              <a:t>Welche Daten werden transferiert ?</a:t>
+            </a:r>
+            <a:br>
+              <a:rPr lang="de-DE" sz="3200" i="1" dirty="0" smtClean="0">
+                <a:solidFill>
+                  <a:srgbClr val="385723"/>
+                </a:solidFill>
+                <a:latin typeface="Corbel Light" panose="020B0303020204020204" pitchFamily="34" charset="0"/>
+              </a:rPr>
+            </a:br>
+            <a:r>
+              <a:rPr lang="de-DE" sz="3200" i="1" dirty="0" smtClean="0">
+                <a:solidFill>
+                  <a:srgbClr val="385723"/>
+                </a:solidFill>
+                <a:latin typeface="Corbel Light" panose="020B0303020204020204" pitchFamily="34" charset="0"/>
+              </a:rPr>
+              <a:t>Welche Daten werden in der Praxis relevant?</a:t>
+            </a:r>
+            <a:endParaRPr lang="de-DE" sz="2400" i="1" dirty="0">
+              <a:solidFill>
+                <a:srgbClr val="385723"/>
+              </a:solidFill>
+              <a:latin typeface="Corbel Light" panose="020B0303020204020204" pitchFamily="34" charset="0"/>
+            </a:endParaRPr>
           </a:p>
         </p:txBody>
       </p:sp>
     </p:spTree>
     <p:extLst>
       <p:ext uri="{BB962C8B-B14F-4D97-AF65-F5344CB8AC3E}">
-        <p14:creationId xmlns:p14="http://schemas.microsoft.com/office/powerpoint/2010/main" val="2472505764"/>
+        <p14:creationId xmlns:p14="http://schemas.microsoft.com/office/powerpoint/2010/main" val="3002068343"/>
       </p:ext>
     </p:extLst>
   </p:cSld>
@@ -44415,7 +44477,176 @@
           <p:nvPr>
             <p:extLst>
               <p:ext uri="{D42A27DB-BD31-4B8C-83A1-F6EECF244321}">
-                <p14:modId xmlns:p14="http://schemas.microsoft.com/office/powerpoint/2010/main" val="3255996249"/>
+                <p14:modId xmlns:p14="http://schemas.microsoft.com/office/powerpoint/2010/main" val="998273700"/>
+              </p:ext>
+            </p:extLst>
+          </p:nvPr>
+        </p:nvGraphicFramePr>
+        <p:xfrm>
+          <a:off x="500026" y="242702"/>
+          <a:ext cx="9703041" cy="324000"/>
+        </p:xfrm>
+        <a:graphic>
+          <a:graphicData uri="http://schemas.openxmlformats.org/drawingml/2006/diagram">
+            <dgm:relIds xmlns:dgm="http://schemas.openxmlformats.org/drawingml/2006/diagram" xmlns:r="http://schemas.openxmlformats.org/officeDocument/2006/relationships" r:dm="rId4" r:lo="rId5" r:qs="rId6" r:cs="rId7"/>
+          </a:graphicData>
+        </a:graphic>
+      </p:graphicFrame>
+      <p:sp>
+        <p:nvSpPr>
+          <p:cNvPr id="2" name="Rechteck 1">
+            <a:extLst>
+              <a:ext uri="{FF2B5EF4-FFF2-40B4-BE49-F238E27FC236}">
+                <a16:creationId xmlns:a16="http://schemas.microsoft.com/office/drawing/2014/main" id="{C2A7ECBF-C5DE-4CA9-B4CD-A91748CBCA72}"/>
+              </a:ext>
+            </a:extLst>
+          </p:cNvPr>
+          <p:cNvSpPr/>
+          <p:nvPr/>
+        </p:nvSpPr>
+        <p:spPr>
+          <a:xfrm>
+            <a:off x="448574" y="836268"/>
+            <a:ext cx="6096000" cy="1384995"/>
+          </a:xfrm>
+          <a:prstGeom prst="rect">
+            <a:avLst/>
+          </a:prstGeom>
+        </p:spPr>
+        <p:txBody>
+          <a:bodyPr>
+            <a:spAutoFit/>
+          </a:bodyPr>
+          <a:lstStyle/>
+          <a:p>
+            <a:pPr>
+              <a:lnSpc>
+                <a:spcPct val="150000"/>
+              </a:lnSpc>
+            </a:pPr>
+            <a:r>
+              <a:rPr lang="de-DE" sz="3200" b="1" dirty="0" smtClean="0">
+                <a:solidFill>
+                  <a:srgbClr val="385723"/>
+                </a:solidFill>
+                <a:latin typeface="Corbel Light" panose="020B0303020204020204" pitchFamily="34" charset="0"/>
+              </a:rPr>
+              <a:t>Exkursion </a:t>
+            </a:r>
+            <a:r>
+              <a:rPr lang="de-DE" sz="3200" b="1" dirty="0" err="1" smtClean="0">
+                <a:solidFill>
+                  <a:srgbClr val="385723"/>
+                </a:solidFill>
+                <a:latin typeface="Corbel Light" panose="020B0303020204020204" pitchFamily="34" charset="0"/>
+              </a:rPr>
+              <a:t>Groz-Beckert</a:t>
+            </a:r>
+            <a:r>
+              <a:rPr lang="de-DE" sz="3200" b="1" dirty="0" smtClean="0">
+                <a:solidFill>
+                  <a:srgbClr val="385723"/>
+                </a:solidFill>
+                <a:latin typeface="Corbel Light" panose="020B0303020204020204" pitchFamily="34" charset="0"/>
+              </a:rPr>
+              <a:t/>
+            </a:r>
+            <a:br>
+              <a:rPr lang="de-DE" sz="3200" b="1" dirty="0" smtClean="0">
+                <a:solidFill>
+                  <a:srgbClr val="385723"/>
+                </a:solidFill>
+                <a:latin typeface="Corbel Light" panose="020B0303020204020204" pitchFamily="34" charset="0"/>
+              </a:rPr>
+            </a:br>
+            <a:endParaRPr lang="de-DE" sz="2400" dirty="0">
+              <a:solidFill>
+                <a:srgbClr val="385723"/>
+              </a:solidFill>
+              <a:latin typeface="Corbel Light" panose="020B0303020204020204" pitchFamily="34" charset="0"/>
+            </a:endParaRPr>
+          </a:p>
+        </p:txBody>
+      </p:sp>
+    </p:spTree>
+    <p:extLst>
+      <p:ext uri="{BB962C8B-B14F-4D97-AF65-F5344CB8AC3E}">
+        <p14:creationId xmlns:p14="http://schemas.microsoft.com/office/powerpoint/2010/main" val="3489810987"/>
+      </p:ext>
+    </p:extLst>
+  </p:cSld>
+  <p:clrMapOvr>
+    <a:masterClrMapping/>
+  </p:clrMapOvr>
+  <mc:AlternateContent xmlns:mc="http://schemas.openxmlformats.org/markup-compatibility/2006" xmlns:p14="http://schemas.microsoft.com/office/powerpoint/2010/main">
+    <mc:Choice Requires="p14">
+      <p:transition spd="med" p14:dur="700">
+        <p:fade/>
+      </p:transition>
+    </mc:Choice>
+    <mc:Fallback xmlns="">
+      <p:transition spd="med">
+        <p:fade/>
+      </p:transition>
+    </mc:Fallback>
+  </mc:AlternateContent>
+</p:sld>
+</file>
+
+<file path=ppt/slides/slide14.xml><?xml version="1.0" encoding="utf-8"?>
+<p:sld xmlns:a="http://schemas.openxmlformats.org/drawingml/2006/main" xmlns:r="http://schemas.openxmlformats.org/officeDocument/2006/relationships" xmlns:p="http://schemas.openxmlformats.org/presentationml/2006/main">
+  <p:cSld>
+    <p:spTree>
+      <p:nvGrpSpPr>
+        <p:cNvPr id="1" name=""/>
+        <p:cNvGrpSpPr/>
+        <p:nvPr/>
+      </p:nvGrpSpPr>
+      <p:grpSpPr>
+        <a:xfrm>
+          <a:off x="0" y="0"/>
+          <a:ext cx="0" cy="0"/>
+          <a:chOff x="0" y="0"/>
+          <a:chExt cx="0" cy="0"/>
+        </a:xfrm>
+      </p:grpSpPr>
+      <p:pic>
+        <p:nvPicPr>
+          <p:cNvPr id="5" name="Grafik 4"/>
+          <p:cNvPicPr>
+            <a:picLocks noChangeAspect="1"/>
+          </p:cNvPicPr>
+          <p:nvPr/>
+        </p:nvPicPr>
+        <p:blipFill rotWithShape="1">
+          <a:blip r:embed="rId3" cstate="print">
+            <a:extLst>
+              <a:ext uri="{28A0092B-C50C-407E-A947-70E740481C1C}">
+                <a14:useLocalDpi xmlns:a14="http://schemas.microsoft.com/office/drawing/2010/main" val="0"/>
+              </a:ext>
+            </a:extLst>
+          </a:blip>
+          <a:srcRect l="11698" t="20395" r="11757" b="33313"/>
+          <a:stretch/>
+        </p:blipFill>
+        <p:spPr>
+          <a:xfrm>
+            <a:off x="10480851" y="231038"/>
+            <a:ext cx="1392702" cy="401920"/>
+          </a:xfrm>
+          <a:prstGeom prst="rect">
+            <a:avLst/>
+          </a:prstGeom>
+        </p:spPr>
+      </p:pic>
+      <p:graphicFrame>
+        <p:nvGraphicFramePr>
+          <p:cNvPr id="11" name="Diagramm 10"/>
+          <p:cNvGraphicFramePr/>
+          <p:nvPr>
+            <p:extLst>
+              <p:ext uri="{D42A27DB-BD31-4B8C-83A1-F6EECF244321}">
+                <p14:modId xmlns:p14="http://schemas.microsoft.com/office/powerpoint/2010/main" val="2726330120"/>
               </p:ext>
             </p:extLst>
           </p:nvPr>
@@ -44977,7 +45208,7 @@
 </p:sld>
 </file>
 
-<file path=ppt/slides/slide14.xml><?xml version="1.0" encoding="utf-8"?>
+<file path=ppt/slides/slide15.xml><?xml version="1.0" encoding="utf-8"?>
 <p:sld xmlns:a="http://schemas.openxmlformats.org/drawingml/2006/main" xmlns:r="http://schemas.openxmlformats.org/officeDocument/2006/relationships" xmlns:p="http://schemas.openxmlformats.org/presentationml/2006/main">
   <p:cSld>
     <p:spTree>
@@ -45140,7 +45371,7 @@
 </p:sld>
 </file>
 
-<file path=ppt/slides/slide15.xml><?xml version="1.0" encoding="utf-8"?>
+<file path=ppt/slides/slide16.xml><?xml version="1.0" encoding="utf-8"?>
 <p:sld xmlns:a="http://schemas.openxmlformats.org/drawingml/2006/main" xmlns:r="http://schemas.openxmlformats.org/officeDocument/2006/relationships" xmlns:p="http://schemas.openxmlformats.org/presentationml/2006/main">
   <p:cSld>
     <p:spTree>
@@ -45253,6 +45484,46 @@
           </a:p>
         </p:txBody>
       </p:sp>
+      <p:sp>
+        <p:nvSpPr>
+          <p:cNvPr id="3" name="Textfeld 2"/>
+          <p:cNvSpPr txBox="1"/>
+          <p:nvPr/>
+        </p:nvSpPr>
+        <p:spPr>
+          <a:xfrm>
+            <a:off x="1552755" y="2070340"/>
+            <a:ext cx="8321445" cy="923330"/>
+          </a:xfrm>
+          <a:prstGeom prst="rect">
+            <a:avLst/>
+          </a:prstGeom>
+          <a:noFill/>
+        </p:spPr>
+        <p:txBody>
+          <a:bodyPr wrap="none" rtlCol="0">
+            <a:spAutoFit/>
+          </a:bodyPr>
+          <a:lstStyle/>
+          <a:p>
+            <a:r>
+              <a:rPr lang="de-DE" dirty="0" smtClean="0"/>
+              <a:t>Ausweitung der Sprachassistenz auf weitere betriebliche Bereiche (z.B. Warenausgang)</a:t>
+            </a:r>
+            <a:br>
+              <a:rPr lang="de-DE" dirty="0" smtClean="0"/>
+            </a:br>
+            <a:endParaRPr lang="de-DE" dirty="0" smtClean="0"/>
+          </a:p>
+          <a:p>
+            <a:r>
+              <a:rPr lang="de-DE" dirty="0" smtClean="0"/>
+              <a:t>Wareneingang über SAPlexa bucht nur eine Einheit</a:t>
+            </a:r>
+            <a:endParaRPr lang="de-DE" dirty="0"/>
+          </a:p>
+        </p:txBody>
+      </p:sp>
     </p:spTree>
     <p:extLst>
       <p:ext uri="{BB962C8B-B14F-4D97-AF65-F5344CB8AC3E}">
@@ -45278,7 +45549,7 @@
 </p:sld>
 </file>
 
-<file path=ppt/slides/slide16.xml><?xml version="1.0" encoding="utf-8"?>
+<file path=ppt/slides/slide17.xml><?xml version="1.0" encoding="utf-8"?>
 <p:sld xmlns:a="http://schemas.openxmlformats.org/drawingml/2006/main" xmlns:r="http://schemas.openxmlformats.org/officeDocument/2006/relationships" xmlns:p="http://schemas.openxmlformats.org/presentationml/2006/main">
   <p:cSld>
     <p:spTree>
@@ -45401,7 +45672,7 @@
           <p:nvPr>
             <p:extLst>
               <p:ext uri="{D42A27DB-BD31-4B8C-83A1-F6EECF244321}">
-                <p14:modId xmlns:p14="http://schemas.microsoft.com/office/powerpoint/2010/main" val="2178379743"/>
+                <p14:modId xmlns:p14="http://schemas.microsoft.com/office/powerpoint/2010/main" val="2199999562"/>
               </p:ext>
             </p:extLst>
           </p:nvPr>
@@ -45420,207 +45691,6 @@
     <p:extLst>
       <p:ext uri="{BB962C8B-B14F-4D97-AF65-F5344CB8AC3E}">
         <p14:creationId xmlns:p14="http://schemas.microsoft.com/office/powerpoint/2010/main" val="169311735"/>
-      </p:ext>
-    </p:extLst>
-  </p:cSld>
-  <p:clrMapOvr>
-    <a:masterClrMapping/>
-  </p:clrMapOvr>
-  <mc:AlternateContent xmlns:mc="http://schemas.openxmlformats.org/markup-compatibility/2006" xmlns:p14="http://schemas.microsoft.com/office/powerpoint/2010/main">
-    <mc:Choice Requires="p14">
-      <p:transition spd="med" p14:dur="700">
-        <p:fade/>
-      </p:transition>
-    </mc:Choice>
-    <mc:Fallback xmlns="">
-      <p:transition spd="med">
-        <p:fade/>
-      </p:transition>
-    </mc:Fallback>
-  </mc:AlternateContent>
-</p:sld>
-</file>
-
-<file path=ppt/slides/slide17.xml><?xml version="1.0" encoding="utf-8"?>
-<p:sld xmlns:a="http://schemas.openxmlformats.org/drawingml/2006/main" xmlns:r="http://schemas.openxmlformats.org/officeDocument/2006/relationships" xmlns:p="http://schemas.openxmlformats.org/presentationml/2006/main">
-  <p:cSld>
-    <p:spTree>
-      <p:nvGrpSpPr>
-        <p:cNvPr id="1" name=""/>
-        <p:cNvGrpSpPr/>
-        <p:nvPr/>
-      </p:nvGrpSpPr>
-      <p:grpSpPr>
-        <a:xfrm>
-          <a:off x="0" y="0"/>
-          <a:ext cx="0" cy="0"/>
-          <a:chOff x="0" y="0"/>
-          <a:chExt cx="0" cy="0"/>
-        </a:xfrm>
-      </p:grpSpPr>
-      <p:pic>
-        <p:nvPicPr>
-          <p:cNvPr id="5" name="Grafik 4"/>
-          <p:cNvPicPr>
-            <a:picLocks noChangeAspect="1"/>
-          </p:cNvPicPr>
-          <p:nvPr/>
-        </p:nvPicPr>
-        <p:blipFill rotWithShape="1">
-          <a:blip r:embed="rId2" cstate="print">
-            <a:extLst>
-              <a:ext uri="{28A0092B-C50C-407E-A947-70E740481C1C}">
-                <a14:useLocalDpi xmlns:a14="http://schemas.microsoft.com/office/drawing/2010/main" val="0"/>
-              </a:ext>
-            </a:extLst>
-          </a:blip>
-          <a:srcRect l="11698" t="20395" r="11757" b="33313"/>
-          <a:stretch/>
-        </p:blipFill>
-        <p:spPr>
-          <a:xfrm>
-            <a:off x="10480851" y="231038"/>
-            <a:ext cx="1392702" cy="401920"/>
-          </a:xfrm>
-          <a:prstGeom prst="rect">
-            <a:avLst/>
-          </a:prstGeom>
-        </p:spPr>
-      </p:pic>
-      <p:graphicFrame>
-        <p:nvGraphicFramePr>
-          <p:cNvPr id="4" name="Diagramm 3"/>
-          <p:cNvGraphicFramePr/>
-          <p:nvPr>
-            <p:extLst>
-              <p:ext uri="{D42A27DB-BD31-4B8C-83A1-F6EECF244321}">
-                <p14:modId xmlns:p14="http://schemas.microsoft.com/office/powerpoint/2010/main" val="1251809369"/>
-              </p:ext>
-            </p:extLst>
-          </p:nvPr>
-        </p:nvGraphicFramePr>
-        <p:xfrm>
-          <a:off x="500025" y="242702"/>
-          <a:ext cx="9703041" cy="324000"/>
-        </p:xfrm>
-        <a:graphic>
-          <a:graphicData uri="http://schemas.openxmlformats.org/drawingml/2006/diagram">
-            <dgm:relIds xmlns:dgm="http://schemas.openxmlformats.org/drawingml/2006/diagram" xmlns:r="http://schemas.openxmlformats.org/officeDocument/2006/relationships" r:dm="rId3" r:lo="rId4" r:qs="rId5" r:cs="rId6"/>
-          </a:graphicData>
-        </a:graphic>
-      </p:graphicFrame>
-      <p:sp>
-        <p:nvSpPr>
-          <p:cNvPr id="9" name="Textfeld 8"/>
-          <p:cNvSpPr txBox="1"/>
-          <p:nvPr/>
-        </p:nvSpPr>
-        <p:spPr>
-          <a:xfrm>
-            <a:off x="659259" y="684015"/>
-            <a:ext cx="4921540" cy="830997"/>
-          </a:xfrm>
-          <a:prstGeom prst="rect">
-            <a:avLst/>
-          </a:prstGeom>
-          <a:noFill/>
-        </p:spPr>
-        <p:txBody>
-          <a:bodyPr wrap="none" rtlCol="0">
-            <a:spAutoFit/>
-          </a:bodyPr>
-          <a:lstStyle/>
-          <a:p>
-            <a:r>
-              <a:rPr lang="de-DE" sz="2400" dirty="0">
-                <a:latin typeface="Corbel Light" panose="020B0303020204020204" pitchFamily="34" charset="0"/>
-              </a:rPr>
-              <a:t>Beispiel-Ansage</a:t>
-            </a:r>
-            <a:br>
-              <a:rPr lang="de-DE" sz="2400" dirty="0">
-                <a:latin typeface="Corbel Light" panose="020B0303020204020204" pitchFamily="34" charset="0"/>
-              </a:rPr>
-            </a:br>
-            <a:r>
-              <a:rPr lang="de-DE" sz="2400" dirty="0">
-                <a:latin typeface="Corbel Light" panose="020B0303020204020204" pitchFamily="34" charset="0"/>
-              </a:rPr>
-              <a:t>„</a:t>
-            </a:r>
-            <a:r>
-              <a:rPr lang="de-DE" sz="2400" b="1" dirty="0" err="1">
-                <a:latin typeface="Corbel Light" panose="020B0303020204020204" pitchFamily="34" charset="0"/>
-              </a:rPr>
-              <a:t>SAPlexa</a:t>
-            </a:r>
-            <a:r>
-              <a:rPr lang="de-DE" sz="2400" b="1" dirty="0">
-                <a:latin typeface="Corbel Light" panose="020B0303020204020204" pitchFamily="34" charset="0"/>
-              </a:rPr>
-              <a:t>, zeige mir die Bestellung 643.“</a:t>
-            </a:r>
-          </a:p>
-        </p:txBody>
-      </p:sp>
-      <p:pic>
-        <p:nvPicPr>
-          <p:cNvPr id="10" name="Grafik 9"/>
-          <p:cNvPicPr>
-            <a:picLocks noChangeAspect="1"/>
-          </p:cNvPicPr>
-          <p:nvPr/>
-        </p:nvPicPr>
-        <p:blipFill>
-          <a:blip r:embed="rId8">
-            <a:extLst>
-              <a:ext uri="{28A0092B-C50C-407E-A947-70E740481C1C}">
-                <a14:useLocalDpi xmlns:a14="http://schemas.microsoft.com/office/drawing/2010/main" val="0"/>
-              </a:ext>
-            </a:extLst>
-          </a:blip>
-          <a:stretch>
-            <a:fillRect/>
-          </a:stretch>
-        </p:blipFill>
-        <p:spPr>
-          <a:xfrm>
-            <a:off x="-228791" y="737177"/>
-            <a:ext cx="888050" cy="888050"/>
-          </a:xfrm>
-          <a:prstGeom prst="rect">
-            <a:avLst/>
-          </a:prstGeom>
-        </p:spPr>
-      </p:pic>
-      <p:pic>
-        <p:nvPicPr>
-          <p:cNvPr id="3" name="Grafik 2"/>
-          <p:cNvPicPr>
-            <a:picLocks noChangeAspect="1"/>
-          </p:cNvPicPr>
-          <p:nvPr/>
-        </p:nvPicPr>
-        <p:blipFill>
-          <a:blip r:embed="rId9"/>
-          <a:stretch>
-            <a:fillRect/>
-          </a:stretch>
-        </p:blipFill>
-        <p:spPr>
-          <a:xfrm>
-            <a:off x="1805965" y="1632325"/>
-            <a:ext cx="9525000" cy="5010150"/>
-          </a:xfrm>
-          <a:prstGeom prst="rect">
-            <a:avLst/>
-          </a:prstGeom>
-        </p:spPr>
-      </p:pic>
-    </p:spTree>
-    <p:extLst>
-      <p:ext uri="{BB962C8B-B14F-4D97-AF65-F5344CB8AC3E}">
-        <p14:creationId xmlns:p14="http://schemas.microsoft.com/office/powerpoint/2010/main" val="1374680937"/>
       </p:ext>
     </p:extLst>
   </p:cSld>
@@ -45752,72 +45822,14 @@
       </p:sp>
       <p:sp>
         <p:nvSpPr>
-          <p:cNvPr id="14" name="Textfeld 13"/>
-          <p:cNvSpPr txBox="1"/>
-          <p:nvPr/>
-        </p:nvSpPr>
-        <p:spPr>
-          <a:xfrm>
-            <a:off x="9653073" y="990139"/>
-            <a:ext cx="2220480" cy="707886"/>
-          </a:xfrm>
-          <a:prstGeom prst="rect">
-            <a:avLst/>
-          </a:prstGeom>
-          <a:noFill/>
-        </p:spPr>
-        <p:txBody>
-          <a:bodyPr wrap="none" rtlCol="0">
-            <a:spAutoFit/>
-          </a:bodyPr>
-          <a:lstStyle/>
-          <a:p>
-            <a:pPr algn="r"/>
-            <a:r>
-              <a:rPr lang="de-DE" sz="2000" dirty="0">
-                <a:solidFill>
-                  <a:srgbClr val="385723"/>
-                </a:solidFill>
-                <a:latin typeface="Corbel Light" panose="020B0303020204020204" pitchFamily="34" charset="0"/>
-              </a:rPr>
-              <a:t>Präsentationsdauer</a:t>
-            </a:r>
-            <a:br>
-              <a:rPr lang="de-DE" sz="2000" dirty="0">
-                <a:solidFill>
-                  <a:srgbClr val="385723"/>
-                </a:solidFill>
-                <a:latin typeface="Corbel Light" panose="020B0303020204020204" pitchFamily="34" charset="0"/>
-              </a:rPr>
-            </a:br>
-            <a:r>
-              <a:rPr lang="de-DE" sz="2000" dirty="0">
-                <a:solidFill>
-                  <a:srgbClr val="385723"/>
-                </a:solidFill>
-                <a:latin typeface="Corbel Light" panose="020B0303020204020204" pitchFamily="34" charset="0"/>
-              </a:rPr>
-              <a:t>12 – 13 Minuten</a:t>
-            </a:r>
-            <a:endParaRPr lang="de-DE" sz="2000" baseline="-25000" dirty="0">
-              <a:solidFill>
-                <a:srgbClr val="385723"/>
-              </a:solidFill>
-              <a:latin typeface="Corbel Light" panose="020B0303020204020204" pitchFamily="34" charset="0"/>
-            </a:endParaRPr>
-          </a:p>
-        </p:txBody>
-      </p:sp>
-      <p:sp>
-        <p:nvSpPr>
           <p:cNvPr id="6" name="Textfeld 5"/>
           <p:cNvSpPr txBox="1"/>
           <p:nvPr/>
         </p:nvSpPr>
         <p:spPr>
           <a:xfrm>
-            <a:off x="795649" y="1541942"/>
-            <a:ext cx="7212872" cy="4708981"/>
+            <a:off x="1273950" y="1767025"/>
+            <a:ext cx="6100901" cy="3785652"/>
           </a:xfrm>
           <a:prstGeom prst="rect">
             <a:avLst/>
@@ -45831,6 +45843,9 @@
           <a:lstStyle/>
           <a:p>
             <a:pPr marL="571500" indent="-571500">
+              <a:lnSpc>
+                <a:spcPct val="150000"/>
+              </a:lnSpc>
               <a:buFont typeface="Courier New" panose="02070309020205020404" pitchFamily="49" charset="0"/>
               <a:buChar char="o"/>
             </a:pPr>
@@ -45846,6 +45861,9 @@
           </a:p>
           <a:p>
             <a:pPr marL="571500" indent="-571500">
+              <a:lnSpc>
+                <a:spcPct val="150000"/>
+              </a:lnSpc>
               <a:buFont typeface="Courier New" panose="02070309020205020404" pitchFamily="49" charset="0"/>
               <a:buChar char="o"/>
             </a:pPr>
@@ -45861,6 +45879,9 @@
           </a:p>
           <a:p>
             <a:pPr marL="1028700" lvl="1" indent="-571500">
+              <a:lnSpc>
+                <a:spcPct val="150000"/>
+              </a:lnSpc>
               <a:buFont typeface="Courier New" panose="02070309020205020404" pitchFamily="49" charset="0"/>
               <a:buChar char="o"/>
             </a:pPr>
@@ -45893,42 +45914,15 @@
             </a:r>
           </a:p>
           <a:p>
-            <a:pPr marL="1485900" lvl="2" indent="-571500">
+            <a:pPr marL="1028700" lvl="1" indent="-571500">
+              <a:lnSpc>
+                <a:spcPct val="150000"/>
+              </a:lnSpc>
               <a:buFont typeface="Courier New" panose="02070309020205020404" pitchFamily="49" charset="0"/>
               <a:buChar char="o"/>
             </a:pPr>
             <a:r>
-              <a:rPr lang="de-DE" sz="2000" dirty="0">
-                <a:solidFill>
-                  <a:srgbClr val="385723"/>
-                </a:solidFill>
-                <a:latin typeface="Corbel Light" panose="020B0303020204020204" pitchFamily="34" charset="0"/>
-              </a:rPr>
-              <a:t>Auswahl der Spracherkennungssoftware</a:t>
-            </a:r>
-          </a:p>
-          <a:p>
-            <a:pPr marL="1485900" lvl="2" indent="-571500">
-              <a:buFont typeface="Courier New" panose="02070309020205020404" pitchFamily="49" charset="0"/>
-              <a:buChar char="o"/>
-            </a:pPr>
-            <a:r>
-              <a:rPr lang="de-DE" sz="2000" dirty="0">
-                <a:solidFill>
-                  <a:srgbClr val="385723"/>
-                </a:solidFill>
-                <a:latin typeface="Corbel Light" panose="020B0303020204020204" pitchFamily="34" charset="0"/>
-              </a:rPr>
-              <a:t>Ergonomie/ Testlauf der Sprachbedienung einhalten</a:t>
-            </a:r>
-          </a:p>
-          <a:p>
-            <a:pPr marL="1028700" lvl="1" indent="-571500">
-              <a:buFont typeface="Courier New" panose="02070309020205020404" pitchFamily="49" charset="0"/>
-              <a:buChar char="o"/>
-            </a:pPr>
-            <a:r>
-              <a:rPr lang="de-DE" sz="2000" b="1" dirty="0">
+              <a:rPr lang="de-DE" sz="2000" b="1" dirty="0" smtClean="0">
                 <a:solidFill>
                   <a:srgbClr val="385723"/>
                 </a:solidFill>
@@ -45956,42 +45950,15 @@
             </a:r>
           </a:p>
           <a:p>
-            <a:pPr marL="1485900" lvl="2" indent="-571500">
+            <a:pPr marL="1028700" lvl="1" indent="-571500">
+              <a:lnSpc>
+                <a:spcPct val="150000"/>
+              </a:lnSpc>
               <a:buFont typeface="Courier New" panose="02070309020205020404" pitchFamily="49" charset="0"/>
               <a:buChar char="o"/>
             </a:pPr>
             <a:r>
-              <a:rPr lang="de-DE" sz="2000" dirty="0">
-                <a:solidFill>
-                  <a:srgbClr val="385723"/>
-                </a:solidFill>
-                <a:latin typeface="Corbel Light" panose="020B0303020204020204" pitchFamily="34" charset="0"/>
-              </a:rPr>
-              <a:t>SWT Libraries</a:t>
-            </a:r>
-          </a:p>
-          <a:p>
-            <a:pPr marL="1485900" lvl="2" indent="-571500">
-              <a:buFont typeface="Courier New" panose="02070309020205020404" pitchFamily="49" charset="0"/>
-              <a:buChar char="o"/>
-            </a:pPr>
-            <a:r>
-              <a:rPr lang="de-DE" sz="2000" dirty="0">
-                <a:solidFill>
-                  <a:srgbClr val="385723"/>
-                </a:solidFill>
-                <a:latin typeface="Corbel Light" panose="020B0303020204020204" pitchFamily="34" charset="0"/>
-              </a:rPr>
-              <a:t>Design-Prinzipien und Gedanken hinter der Gestaltung</a:t>
-            </a:r>
-          </a:p>
-          <a:p>
-            <a:pPr marL="1028700" lvl="1" indent="-571500">
-              <a:buFont typeface="Courier New" panose="02070309020205020404" pitchFamily="49" charset="0"/>
-              <a:buChar char="o"/>
-            </a:pPr>
-            <a:r>
-              <a:rPr lang="de-DE" sz="2000" b="1" dirty="0">
+              <a:rPr lang="de-DE" sz="2000" b="1" dirty="0" smtClean="0">
                 <a:solidFill>
                   <a:srgbClr val="385723"/>
                 </a:solidFill>
@@ -45999,77 +45966,23 @@
               </a:rPr>
               <a:t>Schnittstellenprogrammierung</a:t>
             </a:r>
+            <a:endParaRPr lang="de-DE" sz="2000" b="1" dirty="0">
+              <a:solidFill>
+                <a:srgbClr val="385723"/>
+              </a:solidFill>
+              <a:latin typeface="Corbel Light" panose="020B0303020204020204" pitchFamily="34" charset="0"/>
+            </a:endParaRPr>
           </a:p>
           <a:p>
-            <a:pPr marL="1485900" lvl="2" indent="-571500">
+            <a:pPr marL="571500" indent="-571500">
+              <a:lnSpc>
+                <a:spcPct val="150000"/>
+              </a:lnSpc>
               <a:buFont typeface="Courier New" panose="02070309020205020404" pitchFamily="49" charset="0"/>
               <a:buChar char="o"/>
             </a:pPr>
             <a:r>
-              <a:rPr lang="de-DE" sz="2000" dirty="0">
-                <a:solidFill>
-                  <a:srgbClr val="385723"/>
-                </a:solidFill>
-                <a:latin typeface="Corbel Light" panose="020B0303020204020204" pitchFamily="34" charset="0"/>
-              </a:rPr>
-              <a:t>SAP ABAP API Programmierung</a:t>
-            </a:r>
-          </a:p>
-          <a:p>
-            <a:pPr marL="1485900" lvl="2" indent="-571500">
-              <a:buFont typeface="Courier New" panose="02070309020205020404" pitchFamily="49" charset="0"/>
-              <a:buChar char="o"/>
-            </a:pPr>
-            <a:r>
-              <a:rPr lang="de-DE" sz="2000" dirty="0">
-                <a:solidFill>
-                  <a:srgbClr val="385723"/>
-                </a:solidFill>
-                <a:latin typeface="Corbel Light" panose="020B0303020204020204" pitchFamily="34" charset="0"/>
-              </a:rPr>
-              <a:t>Java Connector (</a:t>
-            </a:r>
-            <a:r>
-              <a:rPr lang="de-DE" sz="2000" dirty="0" err="1">
-                <a:solidFill>
-                  <a:srgbClr val="385723"/>
-                </a:solidFill>
-                <a:latin typeface="Corbel Light" panose="020B0303020204020204" pitchFamily="34" charset="0"/>
-              </a:rPr>
-              <a:t>JCo</a:t>
-            </a:r>
-            <a:r>
-              <a:rPr lang="de-DE" sz="2000" dirty="0">
-                <a:solidFill>
-                  <a:srgbClr val="385723"/>
-                </a:solidFill>
-                <a:latin typeface="Corbel Light" panose="020B0303020204020204" pitchFamily="34" charset="0"/>
-              </a:rPr>
-              <a:t>)</a:t>
-            </a:r>
-          </a:p>
-          <a:p>
-            <a:pPr marL="1485900" lvl="2" indent="-571500">
-              <a:buFont typeface="Courier New" panose="02070309020205020404" pitchFamily="49" charset="0"/>
-              <a:buChar char="o"/>
-            </a:pPr>
-            <a:r>
-              <a:rPr lang="de-DE" sz="2000" dirty="0">
-                <a:solidFill>
-                  <a:srgbClr val="385723"/>
-                </a:solidFill>
-                <a:latin typeface="Corbel Light" panose="020B0303020204020204" pitchFamily="34" charset="0"/>
-              </a:rPr>
-              <a:t>Schnittstellen Datentransfer</a:t>
-            </a:r>
-          </a:p>
-          <a:p>
-            <a:pPr marL="571500" indent="-571500">
-              <a:buFont typeface="Courier New" panose="02070309020205020404" pitchFamily="49" charset="0"/>
-              <a:buChar char="o"/>
-            </a:pPr>
-            <a:r>
-              <a:rPr lang="de-DE" sz="2000" b="1" dirty="0">
+              <a:rPr lang="de-DE" sz="2000" b="1" dirty="0" smtClean="0">
                 <a:solidFill>
                   <a:srgbClr val="385723"/>
                 </a:solidFill>
@@ -46078,13 +45991,37 @@
               <a:t>Exkursion </a:t>
             </a:r>
             <a:r>
-              <a:rPr lang="de-DE" sz="2000" b="1" dirty="0" err="1">
+              <a:rPr lang="de-DE" sz="2000" b="1" dirty="0" err="1" smtClean="0">
                 <a:solidFill>
                   <a:srgbClr val="385723"/>
                 </a:solidFill>
                 <a:latin typeface="Corbel Light" panose="020B0303020204020204" pitchFamily="34" charset="0"/>
               </a:rPr>
-              <a:t>Groz</a:t>
+              <a:t>Groz-Beckert</a:t>
+            </a:r>
+            <a:endParaRPr lang="de-DE" sz="2000" b="1" dirty="0" smtClean="0">
+              <a:solidFill>
+                <a:srgbClr val="385723"/>
+              </a:solidFill>
+              <a:latin typeface="Corbel Light" panose="020B0303020204020204" pitchFamily="34" charset="0"/>
+            </a:endParaRPr>
+          </a:p>
+          <a:p>
+            <a:pPr marL="571500" indent="-571500">
+              <a:lnSpc>
+                <a:spcPct val="150000"/>
+              </a:lnSpc>
+              <a:buFont typeface="Courier New" panose="02070309020205020404" pitchFamily="49" charset="0"/>
+              <a:buChar char="o"/>
+            </a:pPr>
+            <a:r>
+              <a:rPr lang="de-DE" sz="2000" b="1" dirty="0" smtClean="0">
+                <a:solidFill>
+                  <a:srgbClr val="385723"/>
+                </a:solidFill>
+                <a:latin typeface="Corbel Light" panose="020B0303020204020204" pitchFamily="34" charset="0"/>
+              </a:rPr>
+              <a:t>Live-Demo </a:t>
             </a:r>
             <a:r>
               <a:rPr lang="de-DE" sz="2000" b="1" dirty="0">
@@ -46093,26 +46030,14 @@
                 </a:solidFill>
                 <a:latin typeface="Corbel Light" panose="020B0303020204020204" pitchFamily="34" charset="0"/>
               </a:rPr>
-              <a:t>-Beckert</a:t>
+              <a:t>bzw. Video-Tutorial</a:t>
             </a:r>
           </a:p>
           <a:p>
             <a:pPr marL="571500" indent="-571500">
-              <a:buFont typeface="Courier New" panose="02070309020205020404" pitchFamily="49" charset="0"/>
-              <a:buChar char="o"/>
-            </a:pPr>
-            <a:r>
-              <a:rPr lang="de-DE" sz="2000" b="1" dirty="0">
-                <a:solidFill>
-                  <a:srgbClr val="385723"/>
-                </a:solidFill>
-                <a:latin typeface="Corbel Light" panose="020B0303020204020204" pitchFamily="34" charset="0"/>
-              </a:rPr>
-              <a:t>Live-Demo bzw. Video-Tutorial</a:t>
-            </a:r>
-          </a:p>
-          <a:p>
-            <a:pPr marL="571500" indent="-571500">
+              <a:lnSpc>
+                <a:spcPct val="150000"/>
+              </a:lnSpc>
               <a:buFont typeface="Courier New" panose="02070309020205020404" pitchFamily="49" charset="0"/>
               <a:buChar char="o"/>
             </a:pPr>
@@ -46126,64 +46051,6 @@
               <a:t>Projektausblick</a:t>
             </a:r>
             <a:endParaRPr lang="de-DE" sz="2000" b="1" baseline="-25000" dirty="0">
-              <a:solidFill>
-                <a:srgbClr val="385723"/>
-              </a:solidFill>
-              <a:latin typeface="Corbel Light" panose="020B0303020204020204" pitchFamily="34" charset="0"/>
-            </a:endParaRPr>
-          </a:p>
-        </p:txBody>
-      </p:sp>
-      <p:sp>
-        <p:nvSpPr>
-          <p:cNvPr id="7" name="Textfeld 6"/>
-          <p:cNvSpPr txBox="1"/>
-          <p:nvPr/>
-        </p:nvSpPr>
-        <p:spPr>
-          <a:xfrm>
-            <a:off x="9087406" y="1701263"/>
-            <a:ext cx="2786147" cy="707886"/>
-          </a:xfrm>
-          <a:prstGeom prst="rect">
-            <a:avLst/>
-          </a:prstGeom>
-          <a:noFill/>
-        </p:spPr>
-        <p:txBody>
-          <a:bodyPr wrap="none" rtlCol="0">
-            <a:spAutoFit/>
-          </a:bodyPr>
-          <a:lstStyle/>
-          <a:p>
-            <a:pPr algn="r"/>
-            <a:r>
-              <a:rPr lang="de-DE" sz="2000" dirty="0">
-                <a:solidFill>
-                  <a:srgbClr val="385723"/>
-                </a:solidFill>
-                <a:latin typeface="Corbel Light" panose="020B0303020204020204" pitchFamily="34" charset="0"/>
-              </a:rPr>
-              <a:t>davon Live-Demo (Video)</a:t>
-            </a:r>
-            <a:br>
-              <a:rPr lang="de-DE" sz="2000" dirty="0">
-                <a:solidFill>
-                  <a:srgbClr val="385723"/>
-                </a:solidFill>
-                <a:latin typeface="Corbel Light" panose="020B0303020204020204" pitchFamily="34" charset="0"/>
-              </a:rPr>
-            </a:br>
-            <a:r>
-              <a:rPr lang="de-DE" sz="2000" dirty="0">
-                <a:solidFill>
-                  <a:srgbClr val="385723"/>
-                </a:solidFill>
-                <a:latin typeface="Corbel Light" panose="020B0303020204020204" pitchFamily="34" charset="0"/>
-              </a:rPr>
-              <a:t>2-3 Minuten</a:t>
-            </a:r>
-            <a:endParaRPr lang="de-DE" sz="2000" baseline="-25000" dirty="0">
               <a:solidFill>
                 <a:srgbClr val="385723"/>
               </a:solidFill>
@@ -46214,6 +46081,13 @@
       </p:transition>
     </mc:Fallback>
   </mc:AlternateContent>
+  <p:timing>
+    <p:tnLst>
+      <p:par>
+        <p:cTn id="1" dur="indefinite" restart="never" nodeType="tmRoot"/>
+      </p:par>
+    </p:tnLst>
+  </p:timing>
 </p:sld>
 </file>
 
@@ -47947,351 +47821,6 @@
           <p:cNvPr id="11" name="Diagramm 10"/>
           <p:cNvGraphicFramePr/>
           <p:nvPr>
-            <p:extLst/>
-          </p:nvPr>
-        </p:nvGraphicFramePr>
-        <p:xfrm>
-          <a:off x="500026" y="242702"/>
-          <a:ext cx="9703041" cy="324000"/>
-        </p:xfrm>
-        <a:graphic>
-          <a:graphicData uri="http://schemas.openxmlformats.org/drawingml/2006/diagram">
-            <dgm:relIds xmlns:dgm="http://schemas.openxmlformats.org/drawingml/2006/diagram" xmlns:r="http://schemas.openxmlformats.org/officeDocument/2006/relationships" r:dm="rId4" r:lo="rId5" r:qs="rId6" r:cs="rId7"/>
-          </a:graphicData>
-        </a:graphic>
-      </p:graphicFrame>
-      <p:sp>
-        <p:nvSpPr>
-          <p:cNvPr id="2" name="Rechteck 1">
-            <a:extLst>
-              <a:ext uri="{FF2B5EF4-FFF2-40B4-BE49-F238E27FC236}">
-                <a16:creationId xmlns:a16="http://schemas.microsoft.com/office/drawing/2014/main" id="{65D96C98-6073-4BA0-B68C-A43178100907}"/>
-              </a:ext>
-            </a:extLst>
-          </p:cNvPr>
-          <p:cNvSpPr/>
-          <p:nvPr/>
-        </p:nvSpPr>
-        <p:spPr>
-          <a:xfrm>
-            <a:off x="293297" y="870773"/>
-            <a:ext cx="8494144" cy="754694"/>
-          </a:xfrm>
-          <a:prstGeom prst="rect">
-            <a:avLst/>
-          </a:prstGeom>
-        </p:spPr>
-        <p:txBody>
-          <a:bodyPr wrap="square">
-            <a:spAutoFit/>
-          </a:bodyPr>
-          <a:lstStyle/>
-          <a:p>
-            <a:pPr>
-              <a:lnSpc>
-                <a:spcPct val="150000"/>
-              </a:lnSpc>
-            </a:pPr>
-            <a:r>
-              <a:rPr lang="de-DE" sz="3200" b="1" dirty="0">
-                <a:solidFill>
-                  <a:srgbClr val="385723"/>
-                </a:solidFill>
-                <a:latin typeface="Corbel Light" panose="020B0303020204020204" pitchFamily="34" charset="0"/>
-              </a:rPr>
-              <a:t>Speech-</a:t>
-            </a:r>
-            <a:r>
-              <a:rPr lang="de-DE" sz="3200" b="1" dirty="0" err="1">
-                <a:solidFill>
-                  <a:srgbClr val="385723"/>
-                </a:solidFill>
-                <a:latin typeface="Corbel Light" panose="020B0303020204020204" pitchFamily="34" charset="0"/>
-              </a:rPr>
-              <a:t>To</a:t>
-            </a:r>
-            <a:r>
-              <a:rPr lang="de-DE" sz="3200" b="1" dirty="0">
-                <a:solidFill>
-                  <a:srgbClr val="385723"/>
-                </a:solidFill>
-                <a:latin typeface="Corbel Light" panose="020B0303020204020204" pitchFamily="34" charset="0"/>
-              </a:rPr>
-              <a:t>-Text Recherche und Implementierung</a:t>
-            </a:r>
-          </a:p>
-        </p:txBody>
-      </p:sp>
-      <p:sp>
-        <p:nvSpPr>
-          <p:cNvPr id="3" name="Textfeld 2">
-            <a:extLst>
-              <a:ext uri="{FF2B5EF4-FFF2-40B4-BE49-F238E27FC236}">
-                <a16:creationId xmlns:a16="http://schemas.microsoft.com/office/drawing/2014/main" id="{3674ADF9-9F2C-458A-BFDC-3485D21F2927}"/>
-              </a:ext>
-            </a:extLst>
-          </p:cNvPr>
-          <p:cNvSpPr txBox="1"/>
-          <p:nvPr/>
-        </p:nvSpPr>
-        <p:spPr>
-          <a:xfrm>
-            <a:off x="417082" y="1929538"/>
-            <a:ext cx="9868925" cy="3359061"/>
-          </a:xfrm>
-          <a:prstGeom prst="rect">
-            <a:avLst/>
-          </a:prstGeom>
-          <a:noFill/>
-        </p:spPr>
-        <p:txBody>
-          <a:bodyPr wrap="square" rtlCol="0">
-            <a:spAutoFit/>
-          </a:bodyPr>
-          <a:lstStyle/>
-          <a:p>
-            <a:pPr>
-              <a:lnSpc>
-                <a:spcPct val="150000"/>
-              </a:lnSpc>
-            </a:pPr>
-            <a:r>
-              <a:rPr lang="de-DE" sz="2400" dirty="0">
-                <a:solidFill>
-                  <a:schemeClr val="accent6">
-                    <a:lumMod val="50000"/>
-                  </a:schemeClr>
-                </a:solidFill>
-              </a:rPr>
-              <a:t>Wahl der Sprachsteuerung: </a:t>
-            </a:r>
-          </a:p>
-          <a:p>
-            <a:pPr marL="800100" lvl="1" indent="-342900">
-              <a:lnSpc>
-                <a:spcPct val="150000"/>
-              </a:lnSpc>
-              <a:buFont typeface="Arial" panose="020B0604020202020204" pitchFamily="34" charset="0"/>
-              <a:buChar char="•"/>
-            </a:pPr>
-            <a:r>
-              <a:rPr lang="de-DE" sz="2400" dirty="0">
-                <a:solidFill>
-                  <a:schemeClr val="accent6">
-                    <a:lumMod val="50000"/>
-                  </a:schemeClr>
-                </a:solidFill>
-              </a:rPr>
-              <a:t>Sichtung der Verfügbaren Spracherkennungssoftware</a:t>
-            </a:r>
-          </a:p>
-          <a:p>
-            <a:pPr marL="800100" lvl="1" indent="-342900">
-              <a:lnSpc>
-                <a:spcPct val="150000"/>
-              </a:lnSpc>
-              <a:buFont typeface="Arial" panose="020B0604020202020204" pitchFamily="34" charset="0"/>
-              <a:buChar char="•"/>
-            </a:pPr>
-            <a:r>
-              <a:rPr lang="de-DE" sz="2400" dirty="0">
-                <a:solidFill>
-                  <a:schemeClr val="accent6">
-                    <a:lumMod val="50000"/>
-                  </a:schemeClr>
-                </a:solidFill>
-              </a:rPr>
-              <a:t>Google Cloud Speech </a:t>
-            </a:r>
-            <a:r>
-              <a:rPr lang="de-DE" sz="2400" dirty="0" err="1">
-                <a:solidFill>
-                  <a:schemeClr val="accent6">
-                    <a:lumMod val="50000"/>
-                  </a:schemeClr>
-                </a:solidFill>
-              </a:rPr>
-              <a:t>to</a:t>
-            </a:r>
-            <a:r>
-              <a:rPr lang="de-DE" sz="2400" dirty="0">
-                <a:solidFill>
-                  <a:schemeClr val="accent6">
-                    <a:lumMod val="50000"/>
-                  </a:schemeClr>
-                </a:solidFill>
-              </a:rPr>
-              <a:t> Text vs. </a:t>
-            </a:r>
-            <a:r>
-              <a:rPr lang="de-DE" sz="2400" dirty="0" err="1">
-                <a:solidFill>
-                  <a:schemeClr val="accent6">
-                    <a:lumMod val="50000"/>
-                  </a:schemeClr>
-                </a:solidFill>
-              </a:rPr>
-              <a:t>CMUSphinx</a:t>
-            </a:r>
-            <a:endParaRPr lang="de-DE" sz="2400" dirty="0">
-              <a:solidFill>
-                <a:schemeClr val="accent6">
-                  <a:lumMod val="50000"/>
-                </a:schemeClr>
-              </a:solidFill>
-            </a:endParaRPr>
-          </a:p>
-          <a:p>
-            <a:pPr marL="800100" lvl="1" indent="-342900">
-              <a:lnSpc>
-                <a:spcPct val="150000"/>
-              </a:lnSpc>
-              <a:buFont typeface="Arial" panose="020B0604020202020204" pitchFamily="34" charset="0"/>
-              <a:buChar char="•"/>
-            </a:pPr>
-            <a:r>
-              <a:rPr lang="de-DE" sz="2400" dirty="0">
-                <a:solidFill>
-                  <a:schemeClr val="accent6">
-                    <a:lumMod val="50000"/>
-                  </a:schemeClr>
-                </a:solidFill>
-              </a:rPr>
-              <a:t>Entscheidung für </a:t>
-            </a:r>
-            <a:r>
-              <a:rPr lang="de-DE" sz="2400" dirty="0" err="1">
-                <a:solidFill>
-                  <a:schemeClr val="accent6">
-                    <a:lumMod val="50000"/>
-                  </a:schemeClr>
-                </a:solidFill>
-              </a:rPr>
-              <a:t>CMUSphinx</a:t>
-            </a:r>
-            <a:r>
-              <a:rPr lang="de-DE" sz="2400" dirty="0">
-                <a:solidFill>
-                  <a:schemeClr val="accent6">
-                    <a:lumMod val="50000"/>
-                  </a:schemeClr>
-                </a:solidFill>
-              </a:rPr>
-              <a:t> -&gt; Offline Verfügbar</a:t>
-            </a:r>
-          </a:p>
-          <a:p>
-            <a:pPr lvl="8">
-              <a:lnSpc>
-                <a:spcPct val="150000"/>
-              </a:lnSpc>
-            </a:pPr>
-            <a:r>
-              <a:rPr lang="de-DE" sz="2400" dirty="0">
-                <a:solidFill>
-                  <a:schemeClr val="accent6">
-                    <a:lumMod val="50000"/>
-                  </a:schemeClr>
-                </a:solidFill>
-              </a:rPr>
-              <a:t>            -&gt; Bereits Erfahrungen gemacht</a:t>
-            </a:r>
-          </a:p>
-          <a:p>
-            <a:pPr lvl="8">
-              <a:lnSpc>
-                <a:spcPct val="150000"/>
-              </a:lnSpc>
-            </a:pPr>
-            <a:r>
-              <a:rPr lang="de-DE" sz="2400" dirty="0">
-                <a:solidFill>
-                  <a:schemeClr val="accent6">
-                    <a:lumMod val="50000"/>
-                  </a:schemeClr>
-                </a:solidFill>
-              </a:rPr>
-              <a:t>            -&gt; Kostenlos und gut Dokumentiert</a:t>
-            </a:r>
-          </a:p>
-        </p:txBody>
-      </p:sp>
-    </p:spTree>
-    <p:extLst>
-      <p:ext uri="{BB962C8B-B14F-4D97-AF65-F5344CB8AC3E}">
-        <p14:creationId xmlns:p14="http://schemas.microsoft.com/office/powerpoint/2010/main" val="2013793455"/>
-      </p:ext>
-    </p:extLst>
-  </p:cSld>
-  <p:clrMapOvr>
-    <a:masterClrMapping/>
-  </p:clrMapOvr>
-  <mc:AlternateContent xmlns:mc="http://schemas.openxmlformats.org/markup-compatibility/2006" xmlns:p14="http://schemas.microsoft.com/office/powerpoint/2010/main">
-    <mc:Choice Requires="p14">
-      <p:transition spd="med" p14:dur="700">
-        <p:fade/>
-      </p:transition>
-    </mc:Choice>
-    <mc:Fallback xmlns="">
-      <p:transition spd="med">
-        <p:fade/>
-      </p:transition>
-    </mc:Fallback>
-  </mc:AlternateContent>
-</p:sld>
-</file>
-
-<file path=ppt/slides/slide6.xml><?xml version="1.0" encoding="utf-8"?>
-<p:sld xmlns:a="http://schemas.openxmlformats.org/drawingml/2006/main" xmlns:r="http://schemas.openxmlformats.org/officeDocument/2006/relationships" xmlns:p="http://schemas.openxmlformats.org/presentationml/2006/main">
-  <p:cSld>
-    <p:spTree>
-      <p:nvGrpSpPr>
-        <p:cNvPr id="1" name=""/>
-        <p:cNvGrpSpPr/>
-        <p:nvPr/>
-      </p:nvGrpSpPr>
-      <p:grpSpPr>
-        <a:xfrm>
-          <a:off x="0" y="0"/>
-          <a:ext cx="0" cy="0"/>
-          <a:chOff x="0" y="0"/>
-          <a:chExt cx="0" cy="0"/>
-        </a:xfrm>
-      </p:grpSpPr>
-      <p:pic>
-        <p:nvPicPr>
-          <p:cNvPr id="5" name="Grafik 4"/>
-          <p:cNvPicPr>
-            <a:picLocks noChangeAspect="1"/>
-          </p:cNvPicPr>
-          <p:nvPr/>
-        </p:nvPicPr>
-        <p:blipFill rotWithShape="1">
-          <a:blip r:embed="rId3" cstate="print">
-            <a:extLst>
-              <a:ext uri="{28A0092B-C50C-407E-A947-70E740481C1C}">
-                <a14:useLocalDpi xmlns:a14="http://schemas.microsoft.com/office/drawing/2010/main" val="0"/>
-              </a:ext>
-            </a:extLst>
-          </a:blip>
-          <a:srcRect l="11698" t="20395" r="11757" b="33313"/>
-          <a:stretch/>
-        </p:blipFill>
-        <p:spPr>
-          <a:xfrm>
-            <a:off x="10480851" y="231038"/>
-            <a:ext cx="1392702" cy="401920"/>
-          </a:xfrm>
-          <a:prstGeom prst="rect">
-            <a:avLst/>
-          </a:prstGeom>
-        </p:spPr>
-      </p:pic>
-      <p:graphicFrame>
-        <p:nvGraphicFramePr>
-          <p:cNvPr id="11" name="Diagramm 10"/>
-          <p:cNvGraphicFramePr/>
-          <p:nvPr>
             <p:extLst>
               <p:ext uri="{D42A27DB-BD31-4B8C-83A1-F6EECF244321}">
                 <p14:modId xmlns:p14="http://schemas.microsoft.com/office/powerpoint/2010/main" val="3652949369"/>
@@ -48794,7 +48323,7 @@
                 <a14:useLocalDpi xmlns:a14="http://schemas.microsoft.com/office/drawing/2010/main" val="0"/>
               </a:ext>
               <a:ext uri="{96DAC541-7B7A-43D3-8B79-37D633B846F1}">
-                <asvg:svgBlip xmlns:asvg="http://schemas.microsoft.com/office/drawing/2016/SVG/main" xmlns="" r:embed="rId10"/>
+                <asvg:svgBlip xmlns="" xmlns:asvg="http://schemas.microsoft.com/office/drawing/2016/SVG/main" r:embed="rId10"/>
               </a:ext>
             </a:extLst>
           </a:blip>
@@ -48833,7 +48362,7 @@
                 <a14:useLocalDpi xmlns:a14="http://schemas.microsoft.com/office/drawing/2010/main" val="0"/>
               </a:ext>
               <a:ext uri="{96DAC541-7B7A-43D3-8B79-37D633B846F1}">
-                <asvg:svgBlip xmlns:asvg="http://schemas.microsoft.com/office/drawing/2016/SVG/main" xmlns="" r:embed="rId10"/>
+                <asvg:svgBlip xmlns="" xmlns:asvg="http://schemas.microsoft.com/office/drawing/2016/SVG/main" r:embed="rId10"/>
               </a:ext>
             </a:extLst>
           </a:blip>
@@ -48872,7 +48401,7 @@
                 <a14:useLocalDpi xmlns:a14="http://schemas.microsoft.com/office/drawing/2010/main" val="0"/>
               </a:ext>
               <a:ext uri="{96DAC541-7B7A-43D3-8B79-37D633B846F1}">
-                <asvg:svgBlip xmlns:asvg="http://schemas.microsoft.com/office/drawing/2016/SVG/main" xmlns="" r:embed="rId12"/>
+                <asvg:svgBlip xmlns="" xmlns:asvg="http://schemas.microsoft.com/office/drawing/2016/SVG/main" r:embed="rId12"/>
               </a:ext>
             </a:extLst>
           </a:blip>
@@ -48911,7 +48440,7 @@
                 <a14:useLocalDpi xmlns:a14="http://schemas.microsoft.com/office/drawing/2010/main" val="0"/>
               </a:ext>
               <a:ext uri="{96DAC541-7B7A-43D3-8B79-37D633B846F1}">
-                <asvg:svgBlip xmlns:asvg="http://schemas.microsoft.com/office/drawing/2016/SVG/main" xmlns="" r:embed="rId12"/>
+                <asvg:svgBlip xmlns="" xmlns:asvg="http://schemas.microsoft.com/office/drawing/2016/SVG/main" r:embed="rId12"/>
               </a:ext>
             </a:extLst>
           </a:blip>
@@ -48954,7 +48483,7 @@
 </p:sld>
 </file>
 
-<file path=ppt/slides/slide7.xml><?xml version="1.0" encoding="utf-8"?>
+<file path=ppt/slides/slide6.xml><?xml version="1.0" encoding="utf-8"?>
 <p:sld xmlns:a="http://schemas.openxmlformats.org/drawingml/2006/main" xmlns:r="http://schemas.openxmlformats.org/officeDocument/2006/relationships" xmlns:p="http://schemas.openxmlformats.org/presentationml/2006/main">
   <p:cSld>
     <p:spTree>
@@ -49485,291 +49014,6 @@
           </a:p>
         </p:txBody>
       </p:sp>
-      <p:graphicFrame>
-        <p:nvGraphicFramePr>
-          <p:cNvPr id="9" name="Tabelle 8">
-            <a:extLst>
-              <a:ext uri="{FF2B5EF4-FFF2-40B4-BE49-F238E27FC236}">
-                <a16:creationId xmlns:a16="http://schemas.microsoft.com/office/drawing/2014/main" id="{372ACC14-58FC-4955-8374-31F4DDC72980}"/>
-              </a:ext>
-            </a:extLst>
-          </p:cNvPr>
-          <p:cNvGraphicFramePr>
-            <a:graphicFrameLocks noGrp="1"/>
-          </p:cNvGraphicFramePr>
-          <p:nvPr>
-            <p:extLst>
-              <p:ext uri="{D42A27DB-BD31-4B8C-83A1-F6EECF244321}">
-                <p14:modId xmlns:p14="http://schemas.microsoft.com/office/powerpoint/2010/main" val="1795270520"/>
-              </p:ext>
-            </p:extLst>
-          </p:nvPr>
-        </p:nvGraphicFramePr>
-        <p:xfrm>
-          <a:off x="7687781" y="2176042"/>
-          <a:ext cx="3755367" cy="2327752"/>
-        </p:xfrm>
-        <a:graphic>
-          <a:graphicData uri="http://schemas.openxmlformats.org/drawingml/2006/table">
-            <a:tbl>
-              <a:tblPr firstRow="1" bandRow="1">
-                <a:tableStyleId>{93296810-A885-4BE3-A3E7-6D5BEEA58F35}</a:tableStyleId>
-              </a:tblPr>
-              <a:tblGrid>
-                <a:gridCol w="1251789">
-                  <a:extLst>
-                    <a:ext uri="{9D8B030D-6E8A-4147-A177-3AD203B41FA5}">
-                      <a16:colId xmlns:a16="http://schemas.microsoft.com/office/drawing/2014/main" val="4282336287"/>
-                    </a:ext>
-                  </a:extLst>
-                </a:gridCol>
-                <a:gridCol w="1251789">
-                  <a:extLst>
-                    <a:ext uri="{9D8B030D-6E8A-4147-A177-3AD203B41FA5}">
-                      <a16:colId xmlns:a16="http://schemas.microsoft.com/office/drawing/2014/main" val="1020248074"/>
-                    </a:ext>
-                  </a:extLst>
-                </a:gridCol>
-                <a:gridCol w="1251789">
-                  <a:extLst>
-                    <a:ext uri="{9D8B030D-6E8A-4147-A177-3AD203B41FA5}">
-                      <a16:colId xmlns:a16="http://schemas.microsoft.com/office/drawing/2014/main" val="4241186633"/>
-                    </a:ext>
-                  </a:extLst>
-                </a:gridCol>
-              </a:tblGrid>
-              <a:tr h="1285262">
-                <a:tc>
-                  <a:txBody>
-                    <a:bodyPr/>
-                    <a:lstStyle/>
-                    <a:p>
-                      <a:r>
-                        <a:rPr lang="de-DE" dirty="0"/>
-                        <a:t>Schlecht </a:t>
-                      </a:r>
-                      <a:r>
-                        <a:rPr lang="de-DE" sz="1800" kern="1200" dirty="0"/>
-                        <a:t>Ergonomie</a:t>
-                      </a:r>
-                      <a:endParaRPr lang="de-DE" sz="1800" b="1" kern="1200" dirty="0">
-                        <a:solidFill>
-                          <a:schemeClr val="bg1"/>
-                        </a:solidFill>
-                        <a:latin typeface="+mn-lt"/>
-                        <a:ea typeface="+mn-ea"/>
-                        <a:cs typeface="+mn-cs"/>
-                      </a:endParaRPr>
-                    </a:p>
-                  </a:txBody>
-                  <a:tcPr>
-                    <a:solidFill>
-                      <a:srgbClr val="507E32"/>
-                    </a:solidFill>
-                  </a:tcPr>
-                </a:tc>
-                <a:tc>
-                  <a:txBody>
-                    <a:bodyPr/>
-                    <a:lstStyle/>
-                    <a:p>
-                      <a:endParaRPr lang="de-DE" dirty="0"/>
-                    </a:p>
-                  </a:txBody>
-                  <a:tcPr>
-                    <a:solidFill>
-                      <a:srgbClr val="507E32"/>
-                    </a:solidFill>
-                  </a:tcPr>
-                </a:tc>
-                <a:tc>
-                  <a:txBody>
-                    <a:bodyPr/>
-                    <a:lstStyle/>
-                    <a:p>
-                      <a:pPr marL="0" marR="0" lvl="0" indent="0" algn="l" defTabSz="914400" rtl="0" eaLnBrk="1" fontAlgn="auto" latinLnBrk="0" hangingPunct="1">
-                        <a:lnSpc>
-                          <a:spcPct val="100000"/>
-                        </a:lnSpc>
-                        <a:spcBef>
-                          <a:spcPts val="0"/>
-                        </a:spcBef>
-                        <a:spcAft>
-                          <a:spcPts val="0"/>
-                        </a:spcAft>
-                        <a:buClrTx/>
-                        <a:buSzTx/>
-                        <a:buFontTx/>
-                        <a:buNone/>
-                        <a:tabLst/>
-                        <a:defRPr/>
-                      </a:pPr>
-                      <a:r>
-                        <a:rPr lang="de-DE" dirty="0"/>
-                        <a:t>Gute Ergonomie</a:t>
-                      </a:r>
-                    </a:p>
-                    <a:p>
-                      <a:endParaRPr lang="de-DE" dirty="0"/>
-                    </a:p>
-                  </a:txBody>
-                  <a:tcPr>
-                    <a:solidFill>
-                      <a:srgbClr val="507E32"/>
-                    </a:solidFill>
-                  </a:tcPr>
-                </a:tc>
-                <a:extLst>
-                  <a:ext uri="{0D108BD9-81ED-4DB2-BD59-A6C34878D82A}">
-                    <a16:rowId xmlns:a16="http://schemas.microsoft.com/office/drawing/2014/main" val="126635387"/>
-                  </a:ext>
-                </a:extLst>
-              </a:tr>
-              <a:tr h="521245">
-                <a:tc>
-                  <a:txBody>
-                    <a:bodyPr/>
-                    <a:lstStyle/>
-                    <a:p>
-                      <a:r>
-                        <a:rPr lang="de-DE" b="1" dirty="0"/>
-                        <a:t>Start</a:t>
-                      </a:r>
-                    </a:p>
-                  </a:txBody>
-                  <a:tcPr/>
-                </a:tc>
-                <a:tc>
-                  <a:txBody>
-                    <a:bodyPr/>
-                    <a:lstStyle/>
-                    <a:p>
-                      <a:endParaRPr lang="de-DE" dirty="0"/>
-                    </a:p>
-                  </a:txBody>
-                  <a:tcPr/>
-                </a:tc>
-                <a:tc>
-                  <a:txBody>
-                    <a:bodyPr/>
-                    <a:lstStyle/>
-                    <a:p>
-                      <a:r>
-                        <a:rPr lang="de-DE" b="1" dirty="0"/>
-                        <a:t>Hana</a:t>
-                      </a:r>
-                    </a:p>
-                  </a:txBody>
-                  <a:tcPr/>
-                </a:tc>
-                <a:extLst>
-                  <a:ext uri="{0D108BD9-81ED-4DB2-BD59-A6C34878D82A}">
-                    <a16:rowId xmlns:a16="http://schemas.microsoft.com/office/drawing/2014/main" val="1887008074"/>
-                  </a:ext>
-                </a:extLst>
-              </a:tr>
-              <a:tr h="521245">
-                <a:tc>
-                  <a:txBody>
-                    <a:bodyPr/>
-                    <a:lstStyle/>
-                    <a:p>
-                      <a:r>
-                        <a:rPr lang="de-DE" b="1" dirty="0" err="1"/>
-                        <a:t>Stop</a:t>
-                      </a:r>
-                      <a:endParaRPr lang="de-DE" b="1" dirty="0"/>
-                    </a:p>
-                  </a:txBody>
-                  <a:tcPr/>
-                </a:tc>
-                <a:tc>
-                  <a:txBody>
-                    <a:bodyPr/>
-                    <a:lstStyle/>
-                    <a:p>
-                      <a:endParaRPr lang="de-DE" dirty="0"/>
-                    </a:p>
-                  </a:txBody>
-                  <a:tcPr/>
-                </a:tc>
-                <a:tc>
-                  <a:txBody>
-                    <a:bodyPr/>
-                    <a:lstStyle/>
-                    <a:p>
-                      <a:r>
-                        <a:rPr lang="de-DE" b="1" dirty="0"/>
-                        <a:t>Okay</a:t>
-                      </a:r>
-                    </a:p>
-                  </a:txBody>
-                  <a:tcPr/>
-                </a:tc>
-                <a:extLst>
-                  <a:ext uri="{0D108BD9-81ED-4DB2-BD59-A6C34878D82A}">
-                    <a16:rowId xmlns:a16="http://schemas.microsoft.com/office/drawing/2014/main" val="1768701079"/>
-                  </a:ext>
-                </a:extLst>
-              </a:tr>
-            </a:tbl>
-          </a:graphicData>
-        </a:graphic>
-      </p:graphicFrame>
-      <p:sp>
-        <p:nvSpPr>
-          <p:cNvPr id="12" name="Pfeil: nach rechts 11">
-            <a:extLst>
-              <a:ext uri="{FF2B5EF4-FFF2-40B4-BE49-F238E27FC236}">
-                <a16:creationId xmlns:a16="http://schemas.microsoft.com/office/drawing/2014/main" id="{D8A530CB-406F-472B-8C1D-5B247EF7BB7F}"/>
-              </a:ext>
-            </a:extLst>
-          </p:cNvPr>
-          <p:cNvSpPr/>
-          <p:nvPr/>
-        </p:nvSpPr>
-        <p:spPr>
-          <a:xfrm>
-            <a:off x="9047879" y="3667136"/>
-            <a:ext cx="1035170" cy="614019"/>
-          </a:xfrm>
-          <a:prstGeom prst="rightArrow">
-            <a:avLst/>
-          </a:prstGeom>
-          <a:solidFill>
-            <a:srgbClr val="507E32"/>
-          </a:solidFill>
-          <a:ln>
-            <a:solidFill>
-              <a:schemeClr val="bg1"/>
-            </a:solidFill>
-          </a:ln>
-        </p:spPr>
-        <p:style>
-          <a:lnRef idx="2">
-            <a:schemeClr val="accent1">
-              <a:shade val="50000"/>
-            </a:schemeClr>
-          </a:lnRef>
-          <a:fillRef idx="1">
-            <a:schemeClr val="accent1"/>
-          </a:fillRef>
-          <a:effectRef idx="0">
-            <a:schemeClr val="accent1"/>
-          </a:effectRef>
-          <a:fontRef idx="minor">
-            <a:schemeClr val="lt1"/>
-          </a:fontRef>
-        </p:style>
-        <p:txBody>
-          <a:bodyPr rtlCol="0" anchor="ctr"/>
-          <a:lstStyle/>
-          <a:p>
-            <a:pPr algn="ctr"/>
-            <a:endParaRPr lang="de-DE"/>
-          </a:p>
-        </p:txBody>
-      </p:sp>
     </p:spTree>
     <p:extLst>
       <p:ext uri="{BB962C8B-B14F-4D97-AF65-F5344CB8AC3E}">
@@ -49878,7 +49122,7 @@
 </p:sld>
 </file>
 
-<file path=ppt/slides/slide8.xml><?xml version="1.0" encoding="utf-8"?>
+<file path=ppt/slides/slide7.xml><?xml version="1.0" encoding="utf-8"?>
 <p:sld xmlns:a="http://schemas.openxmlformats.org/drawingml/2006/main" xmlns:r="http://schemas.openxmlformats.org/officeDocument/2006/relationships" xmlns:p="http://schemas.openxmlformats.org/presentationml/2006/main">
   <p:cSld>
     <p:spTree>
@@ -50379,7 +49623,7 @@
 </p:sld>
 </file>
 
-<file path=ppt/slides/slide9.xml><?xml version="1.0" encoding="utf-8"?>
+<file path=ppt/slides/slide8.xml><?xml version="1.0" encoding="utf-8"?>
 <p:sld xmlns:a="http://schemas.openxmlformats.org/drawingml/2006/main" xmlns:r="http://schemas.openxmlformats.org/officeDocument/2006/relationships" xmlns:p="http://schemas.openxmlformats.org/presentationml/2006/main">
   <p:cSld>
     <p:spTree>
@@ -50861,6 +50105,213 @@
     <p:extLst>
       <p:ext uri="{BB962C8B-B14F-4D97-AF65-F5344CB8AC3E}">
         <p14:creationId xmlns:p14="http://schemas.microsoft.com/office/powerpoint/2010/main" val="2545160058"/>
+      </p:ext>
+    </p:extLst>
+  </p:cSld>
+  <p:clrMapOvr>
+    <a:masterClrMapping/>
+  </p:clrMapOvr>
+  <mc:AlternateContent xmlns:mc="http://schemas.openxmlformats.org/markup-compatibility/2006" xmlns:p14="http://schemas.microsoft.com/office/powerpoint/2010/main">
+    <mc:Choice Requires="p14">
+      <p:transition spd="med" p14:dur="700">
+        <p:fade/>
+      </p:transition>
+    </mc:Choice>
+    <mc:Fallback xmlns="">
+      <p:transition spd="med">
+        <p:fade/>
+      </p:transition>
+    </mc:Fallback>
+  </mc:AlternateContent>
+</p:sld>
+</file>
+
+<file path=ppt/slides/slide9.xml><?xml version="1.0" encoding="utf-8"?>
+<p:sld xmlns:a="http://schemas.openxmlformats.org/drawingml/2006/main" xmlns:r="http://schemas.openxmlformats.org/officeDocument/2006/relationships" xmlns:p="http://schemas.openxmlformats.org/presentationml/2006/main">
+  <p:cSld>
+    <p:spTree>
+      <p:nvGrpSpPr>
+        <p:cNvPr id="1" name=""/>
+        <p:cNvGrpSpPr/>
+        <p:nvPr/>
+      </p:nvGrpSpPr>
+      <p:grpSpPr>
+        <a:xfrm>
+          <a:off x="0" y="0"/>
+          <a:ext cx="0" cy="0"/>
+          <a:chOff x="0" y="0"/>
+          <a:chExt cx="0" cy="0"/>
+        </a:xfrm>
+      </p:grpSpPr>
+      <p:pic>
+        <p:nvPicPr>
+          <p:cNvPr id="5" name="Grafik 4"/>
+          <p:cNvPicPr>
+            <a:picLocks noChangeAspect="1"/>
+          </p:cNvPicPr>
+          <p:nvPr/>
+        </p:nvPicPr>
+        <p:blipFill rotWithShape="1">
+          <a:blip r:embed="rId3" cstate="print">
+            <a:extLst>
+              <a:ext uri="{28A0092B-C50C-407E-A947-70E740481C1C}">
+                <a14:useLocalDpi xmlns:a14="http://schemas.microsoft.com/office/drawing/2010/main" val="0"/>
+              </a:ext>
+            </a:extLst>
+          </a:blip>
+          <a:srcRect l="11698" t="20395" r="11757" b="33313"/>
+          <a:stretch/>
+        </p:blipFill>
+        <p:spPr>
+          <a:xfrm>
+            <a:off x="10480851" y="231038"/>
+            <a:ext cx="1392702" cy="401920"/>
+          </a:xfrm>
+          <a:prstGeom prst="rect">
+            <a:avLst/>
+          </a:prstGeom>
+        </p:spPr>
+      </p:pic>
+      <p:graphicFrame>
+        <p:nvGraphicFramePr>
+          <p:cNvPr id="11" name="Diagramm 10"/>
+          <p:cNvGraphicFramePr/>
+          <p:nvPr>
+            <p:extLst/>
+          </p:nvPr>
+        </p:nvGraphicFramePr>
+        <p:xfrm>
+          <a:off x="500026" y="242702"/>
+          <a:ext cx="9703041" cy="324000"/>
+        </p:xfrm>
+        <a:graphic>
+          <a:graphicData uri="http://schemas.openxmlformats.org/drawingml/2006/diagram">
+            <dgm:relIds xmlns:dgm="http://schemas.openxmlformats.org/drawingml/2006/diagram" xmlns:r="http://schemas.openxmlformats.org/officeDocument/2006/relationships" r:dm="rId4" r:lo="rId5" r:qs="rId6" r:cs="rId7"/>
+          </a:graphicData>
+        </a:graphic>
+      </p:graphicFrame>
+      <p:sp>
+        <p:nvSpPr>
+          <p:cNvPr id="2" name="Rechteck 1">
+            <a:extLst>
+              <a:ext uri="{FF2B5EF4-FFF2-40B4-BE49-F238E27FC236}">
+                <a16:creationId xmlns:a16="http://schemas.microsoft.com/office/drawing/2014/main" id="{1B3CBAB0-80D1-4F6A-918A-20FAF88A0F7B}"/>
+              </a:ext>
+            </a:extLst>
+          </p:cNvPr>
+          <p:cNvSpPr/>
+          <p:nvPr/>
+        </p:nvSpPr>
+        <p:spPr>
+          <a:xfrm>
+            <a:off x="500026" y="849042"/>
+            <a:ext cx="4939109" cy="754694"/>
+          </a:xfrm>
+          <a:prstGeom prst="rect">
+            <a:avLst/>
+          </a:prstGeom>
+        </p:spPr>
+        <p:txBody>
+          <a:bodyPr wrap="none">
+            <a:spAutoFit/>
+          </a:bodyPr>
+          <a:lstStyle/>
+          <a:p>
+            <a:pPr>
+              <a:lnSpc>
+                <a:spcPct val="150000"/>
+              </a:lnSpc>
+            </a:pPr>
+            <a:r>
+              <a:rPr lang="de-DE" sz="3200" b="1" dirty="0">
+                <a:solidFill>
+                  <a:srgbClr val="385723"/>
+                </a:solidFill>
+                <a:latin typeface="Corbel Light" panose="020B0303020204020204" pitchFamily="34" charset="0"/>
+              </a:rPr>
+              <a:t>JAVA </a:t>
+            </a:r>
+            <a:r>
+              <a:rPr lang="de-DE" sz="3200" b="1" dirty="0" err="1">
+                <a:solidFill>
+                  <a:srgbClr val="385723"/>
+                </a:solidFill>
+                <a:latin typeface="Corbel Light" panose="020B0303020204020204" pitchFamily="34" charset="0"/>
+              </a:rPr>
+              <a:t>Graphical</a:t>
+            </a:r>
+            <a:r>
+              <a:rPr lang="de-DE" sz="3200" b="1" dirty="0">
+                <a:solidFill>
+                  <a:srgbClr val="385723"/>
+                </a:solidFill>
+                <a:latin typeface="Corbel Light" panose="020B0303020204020204" pitchFamily="34" charset="0"/>
+              </a:rPr>
+              <a:t> User Interface</a:t>
+            </a:r>
+          </a:p>
+        </p:txBody>
+      </p:sp>
+      <p:sp>
+        <p:nvSpPr>
+          <p:cNvPr id="3" name="Textfeld 2">
+            <a:extLst>
+              <a:ext uri="{FF2B5EF4-FFF2-40B4-BE49-F238E27FC236}">
+                <a16:creationId xmlns:a16="http://schemas.microsoft.com/office/drawing/2014/main" id="{239D2F6A-D12F-4A46-BC36-E7AC2AD096E7}"/>
+              </a:ext>
+            </a:extLst>
+          </p:cNvPr>
+          <p:cNvSpPr txBox="1"/>
+          <p:nvPr/>
+        </p:nvSpPr>
+        <p:spPr>
+          <a:xfrm>
+            <a:off x="1477991" y="2490158"/>
+            <a:ext cx="7272113" cy="923330"/>
+          </a:xfrm>
+          <a:prstGeom prst="rect">
+            <a:avLst/>
+          </a:prstGeom>
+          <a:noFill/>
+        </p:spPr>
+        <p:txBody>
+          <a:bodyPr wrap="square" rtlCol="0">
+            <a:spAutoFit/>
+          </a:bodyPr>
+          <a:lstStyle/>
+          <a:p>
+            <a:r>
+              <a:rPr lang="de-DE" i="1" dirty="0" smtClean="0"/>
+              <a:t>- </a:t>
+            </a:r>
+            <a:r>
+              <a:rPr lang="de-DE" i="1" dirty="0" smtClean="0"/>
+              <a:t>SWT-Libraries</a:t>
+            </a:r>
+            <a:br>
+              <a:rPr lang="de-DE" i="1" dirty="0" smtClean="0"/>
+            </a:br>
+            <a:r>
+              <a:rPr lang="de-DE" i="1" dirty="0" smtClean="0"/>
+              <a:t>- Design-Prinzipien und Gedanken hinter der Gestaltung</a:t>
+            </a:r>
+          </a:p>
+          <a:p>
+            <a:r>
+              <a:rPr lang="de-DE" i="1" dirty="0" smtClean="0"/>
+              <a:t>Screenshots </a:t>
+            </a:r>
+            <a:r>
+              <a:rPr lang="de-DE" i="1" dirty="0"/>
+              <a:t>einfügen</a:t>
+            </a:r>
+          </a:p>
+        </p:txBody>
+      </p:sp>
+    </p:spTree>
+    <p:extLst>
+      <p:ext uri="{BB962C8B-B14F-4D97-AF65-F5344CB8AC3E}">
+        <p14:creationId xmlns:p14="http://schemas.microsoft.com/office/powerpoint/2010/main" val="3899959399"/>
       </p:ext>
     </p:extLst>
   </p:cSld>

--- a/CavallaroAngelo/Präsentation Wahlmodulvorstellung/SAPlexa Präsentation.pptx
+++ b/CavallaroAngelo/Präsentation Wahlmodulvorstellung/SAPlexa Präsentation.pptx
@@ -5,26 +5,29 @@
     <p:sldMasterId id="2147483648" r:id="rId1"/>
   </p:sldMasterIdLst>
   <p:notesMasterIdLst>
-    <p:notesMasterId r:id="rId19"/>
+    <p:notesMasterId r:id="rId22"/>
   </p:notesMasterIdLst>
   <p:sldIdLst>
     <p:sldId id="256" r:id="rId2"/>
     <p:sldId id="266" r:id="rId3"/>
-    <p:sldId id="259" r:id="rId4"/>
-    <p:sldId id="269" r:id="rId5"/>
-    <p:sldId id="278" r:id="rId6"/>
-    <p:sldId id="277" r:id="rId7"/>
-    <p:sldId id="279" r:id="rId8"/>
-    <p:sldId id="281" r:id="rId9"/>
-    <p:sldId id="271" r:id="rId10"/>
-    <p:sldId id="272" r:id="rId11"/>
-    <p:sldId id="282" r:id="rId12"/>
-    <p:sldId id="283" r:id="rId13"/>
-    <p:sldId id="284" r:id="rId14"/>
-    <p:sldId id="274" r:id="rId15"/>
-    <p:sldId id="276" r:id="rId16"/>
-    <p:sldId id="275" r:id="rId17"/>
-    <p:sldId id="267" r:id="rId18"/>
+    <p:sldId id="286" r:id="rId4"/>
+    <p:sldId id="259" r:id="rId5"/>
+    <p:sldId id="269" r:id="rId6"/>
+    <p:sldId id="278" r:id="rId7"/>
+    <p:sldId id="277" r:id="rId8"/>
+    <p:sldId id="279" r:id="rId9"/>
+    <p:sldId id="281" r:id="rId10"/>
+    <p:sldId id="287" r:id="rId11"/>
+    <p:sldId id="271" r:id="rId12"/>
+    <p:sldId id="267" r:id="rId13"/>
+    <p:sldId id="272" r:id="rId14"/>
+    <p:sldId id="282" r:id="rId15"/>
+    <p:sldId id="283" r:id="rId16"/>
+    <p:sldId id="284" r:id="rId17"/>
+    <p:sldId id="274" r:id="rId18"/>
+    <p:sldId id="276" r:id="rId19"/>
+    <p:sldId id="275" r:id="rId20"/>
+    <p:sldId id="285" r:id="rId21"/>
   </p:sldIdLst>
   <p:sldSz cx="12192000" cy="6858000"/>
   <p:notesSz cx="6858000" cy="9144000"/>
@@ -5605,875 +5608,6 @@
 </file>
 
 <file path=ppt/diagrams/colors15.xml><?xml version="1.0" encoding="utf-8"?>
-<dgm:colorsDef xmlns:dgm="http://schemas.openxmlformats.org/drawingml/2006/diagram" xmlns:a="http://schemas.openxmlformats.org/drawingml/2006/main" uniqueId="urn:microsoft.com/office/officeart/2005/8/colors/accent6_4">
-  <dgm:title val=""/>
-  <dgm:desc val=""/>
-  <dgm:catLst>
-    <dgm:cat type="accent6" pri="11400"/>
-  </dgm:catLst>
-  <dgm:styleLbl name="node0">
-    <dgm:fillClrLst meth="cycle">
-      <a:schemeClr val="accent6">
-        <a:shade val="60000"/>
-      </a:schemeClr>
-    </dgm:fillClrLst>
-    <dgm:linClrLst meth="repeat">
-      <a:schemeClr val="lt1"/>
-    </dgm:linClrLst>
-    <dgm:effectClrLst/>
-    <dgm:txLinClrLst/>
-    <dgm:txFillClrLst/>
-    <dgm:txEffectClrLst/>
-  </dgm:styleLbl>
-  <dgm:styleLbl name="alignNode1">
-    <dgm:fillClrLst meth="cycle">
-      <a:schemeClr val="accent6">
-        <a:shade val="50000"/>
-      </a:schemeClr>
-      <a:schemeClr val="accent6">
-        <a:tint val="55000"/>
-      </a:schemeClr>
-    </dgm:fillClrLst>
-    <dgm:linClrLst meth="cycle">
-      <a:schemeClr val="accent6">
-        <a:shade val="50000"/>
-      </a:schemeClr>
-      <a:schemeClr val="accent6">
-        <a:tint val="55000"/>
-      </a:schemeClr>
-    </dgm:linClrLst>
-    <dgm:effectClrLst/>
-    <dgm:txLinClrLst/>
-    <dgm:txFillClrLst/>
-    <dgm:txEffectClrLst/>
-  </dgm:styleLbl>
-  <dgm:styleLbl name="node1">
-    <dgm:fillClrLst meth="cycle">
-      <a:schemeClr val="accent6">
-        <a:shade val="50000"/>
-      </a:schemeClr>
-      <a:schemeClr val="accent6">
-        <a:tint val="55000"/>
-      </a:schemeClr>
-    </dgm:fillClrLst>
-    <dgm:linClrLst meth="repeat">
-      <a:schemeClr val="lt1"/>
-    </dgm:linClrLst>
-    <dgm:effectClrLst/>
-    <dgm:txLinClrLst/>
-    <dgm:txFillClrLst/>
-    <dgm:txEffectClrLst/>
-  </dgm:styleLbl>
-  <dgm:styleLbl name="lnNode1">
-    <dgm:fillClrLst meth="cycle">
-      <a:schemeClr val="accent6">
-        <a:shade val="50000"/>
-      </a:schemeClr>
-      <a:schemeClr val="accent6">
-        <a:tint val="55000"/>
-      </a:schemeClr>
-    </dgm:fillClrLst>
-    <dgm:linClrLst meth="repeat">
-      <a:schemeClr val="lt1"/>
-    </dgm:linClrLst>
-    <dgm:effectClrLst/>
-    <dgm:txLinClrLst/>
-    <dgm:txFillClrLst/>
-    <dgm:txEffectClrLst/>
-  </dgm:styleLbl>
-  <dgm:styleLbl name="vennNode1">
-    <dgm:fillClrLst meth="cycle">
-      <a:schemeClr val="accent6">
-        <a:shade val="80000"/>
-        <a:alpha val="50000"/>
-      </a:schemeClr>
-      <a:schemeClr val="accent6">
-        <a:tint val="50000"/>
-        <a:alpha val="50000"/>
-      </a:schemeClr>
-    </dgm:fillClrLst>
-    <dgm:linClrLst meth="repeat">
-      <a:schemeClr val="lt1"/>
-    </dgm:linClrLst>
-    <dgm:effectClrLst/>
-    <dgm:txLinClrLst/>
-    <dgm:txFillClrLst/>
-    <dgm:txEffectClrLst/>
-  </dgm:styleLbl>
-  <dgm:styleLbl name="node2">
-    <dgm:fillClrLst>
-      <a:schemeClr val="accent6">
-        <a:shade val="80000"/>
-      </a:schemeClr>
-    </dgm:fillClrLst>
-    <dgm:linClrLst meth="repeat">
-      <a:schemeClr val="lt1"/>
-    </dgm:linClrLst>
-    <dgm:effectClrLst/>
-    <dgm:txLinClrLst/>
-    <dgm:txFillClrLst/>
-    <dgm:txEffectClrLst/>
-  </dgm:styleLbl>
-  <dgm:styleLbl name="node3">
-    <dgm:fillClrLst>
-      <a:schemeClr val="accent6">
-        <a:tint val="99000"/>
-      </a:schemeClr>
-    </dgm:fillClrLst>
-    <dgm:linClrLst meth="repeat">
-      <a:schemeClr val="lt1"/>
-    </dgm:linClrLst>
-    <dgm:effectClrLst/>
-    <dgm:txLinClrLst/>
-    <dgm:txFillClrLst/>
-    <dgm:txEffectClrLst/>
-  </dgm:styleLbl>
-  <dgm:styleLbl name="node4">
-    <dgm:fillClrLst>
-      <a:schemeClr val="accent6">
-        <a:tint val="70000"/>
-      </a:schemeClr>
-    </dgm:fillClrLst>
-    <dgm:linClrLst meth="repeat">
-      <a:schemeClr val="lt1"/>
-    </dgm:linClrLst>
-    <dgm:effectClrLst/>
-    <dgm:txLinClrLst/>
-    <dgm:txFillClrLst/>
-    <dgm:txEffectClrLst/>
-  </dgm:styleLbl>
-  <dgm:styleLbl name="fgImgPlace1">
-    <dgm:fillClrLst>
-      <a:schemeClr val="accent6">
-        <a:tint val="50000"/>
-      </a:schemeClr>
-      <a:schemeClr val="accent6">
-        <a:tint val="55000"/>
-      </a:schemeClr>
-    </dgm:fillClrLst>
-    <dgm:linClrLst meth="repeat">
-      <a:schemeClr val="lt1"/>
-    </dgm:linClrLst>
-    <dgm:effectClrLst/>
-    <dgm:txLinClrLst/>
-    <dgm:txFillClrLst meth="repeat">
-      <a:schemeClr val="lt1"/>
-    </dgm:txFillClrLst>
-    <dgm:txEffectClrLst/>
-  </dgm:styleLbl>
-  <dgm:styleLbl name="alignImgPlace1">
-    <dgm:fillClrLst>
-      <a:schemeClr val="accent6">
-        <a:tint val="50000"/>
-      </a:schemeClr>
-      <a:schemeClr val="accent6">
-        <a:tint val="55000"/>
-      </a:schemeClr>
-    </dgm:fillClrLst>
-    <dgm:linClrLst meth="repeat">
-      <a:schemeClr val="lt1"/>
-    </dgm:linClrLst>
-    <dgm:effectClrLst/>
-    <dgm:txLinClrLst/>
-    <dgm:txFillClrLst meth="repeat">
-      <a:schemeClr val="lt1"/>
-    </dgm:txFillClrLst>
-    <dgm:txEffectClrLst/>
-  </dgm:styleLbl>
-  <dgm:styleLbl name="bgImgPlace1">
-    <dgm:fillClrLst>
-      <a:schemeClr val="accent6">
-        <a:tint val="50000"/>
-      </a:schemeClr>
-      <a:schemeClr val="accent6">
-        <a:tint val="55000"/>
-      </a:schemeClr>
-    </dgm:fillClrLst>
-    <dgm:linClrLst meth="repeat">
-      <a:schemeClr val="lt1"/>
-    </dgm:linClrLst>
-    <dgm:effectClrLst/>
-    <dgm:txLinClrLst/>
-    <dgm:txFillClrLst meth="repeat">
-      <a:schemeClr val="lt1"/>
-    </dgm:txFillClrLst>
-    <dgm:txEffectClrLst/>
-  </dgm:styleLbl>
-  <dgm:styleLbl name="sibTrans2D1">
-    <dgm:fillClrLst meth="cycle">
-      <a:schemeClr val="accent6">
-        <a:shade val="90000"/>
-      </a:schemeClr>
-      <a:schemeClr val="accent6">
-        <a:tint val="50000"/>
-      </a:schemeClr>
-    </dgm:fillClrLst>
-    <dgm:linClrLst meth="cycle">
-      <a:schemeClr val="accent6">
-        <a:shade val="90000"/>
-      </a:schemeClr>
-      <a:schemeClr val="accent6">
-        <a:tint val="50000"/>
-      </a:schemeClr>
-    </dgm:linClrLst>
-    <dgm:effectClrLst/>
-    <dgm:txLinClrLst/>
-    <dgm:txFillClrLst/>
-    <dgm:txEffectClrLst/>
-  </dgm:styleLbl>
-  <dgm:styleLbl name="fgSibTrans2D1">
-    <dgm:fillClrLst meth="cycle">
-      <a:schemeClr val="accent6">
-        <a:shade val="90000"/>
-      </a:schemeClr>
-      <a:schemeClr val="accent6">
-        <a:tint val="50000"/>
-      </a:schemeClr>
-    </dgm:fillClrLst>
-    <dgm:linClrLst meth="cycle">
-      <a:schemeClr val="accent6">
-        <a:shade val="90000"/>
-      </a:schemeClr>
-      <a:schemeClr val="accent6">
-        <a:tint val="50000"/>
-      </a:schemeClr>
-    </dgm:linClrLst>
-    <dgm:effectClrLst/>
-    <dgm:txLinClrLst/>
-    <dgm:txFillClrLst/>
-    <dgm:txEffectClrLst/>
-  </dgm:styleLbl>
-  <dgm:styleLbl name="bgSibTrans2D1">
-    <dgm:fillClrLst meth="cycle">
-      <a:schemeClr val="accent6">
-        <a:shade val="90000"/>
-      </a:schemeClr>
-      <a:schemeClr val="accent6">
-        <a:tint val="50000"/>
-      </a:schemeClr>
-    </dgm:fillClrLst>
-    <dgm:linClrLst meth="cycle">
-      <a:schemeClr val="accent6">
-        <a:shade val="90000"/>
-      </a:schemeClr>
-      <a:schemeClr val="accent6">
-        <a:tint val="50000"/>
-      </a:schemeClr>
-    </dgm:linClrLst>
-    <dgm:effectClrLst/>
-    <dgm:txLinClrLst/>
-    <dgm:txFillClrLst/>
-    <dgm:txEffectClrLst/>
-  </dgm:styleLbl>
-  <dgm:styleLbl name="sibTrans1D1">
-    <dgm:fillClrLst meth="cycle">
-      <a:schemeClr val="accent6">
-        <a:shade val="90000"/>
-      </a:schemeClr>
-      <a:schemeClr val="accent6">
-        <a:tint val="50000"/>
-      </a:schemeClr>
-    </dgm:fillClrLst>
-    <dgm:linClrLst meth="cycle">
-      <a:schemeClr val="accent6">
-        <a:shade val="90000"/>
-      </a:schemeClr>
-      <a:schemeClr val="accent6">
-        <a:tint val="50000"/>
-      </a:schemeClr>
-    </dgm:linClrLst>
-    <dgm:effectClrLst/>
-    <dgm:txLinClrLst/>
-    <dgm:txFillClrLst meth="repeat">
-      <a:schemeClr val="tx1"/>
-    </dgm:txFillClrLst>
-    <dgm:txEffectClrLst/>
-  </dgm:styleLbl>
-  <dgm:styleLbl name="callout">
-    <dgm:fillClrLst meth="repeat">
-      <a:schemeClr val="accent6"/>
-    </dgm:fillClrLst>
-    <dgm:linClrLst meth="repeat">
-      <a:schemeClr val="accent6"/>
-    </dgm:linClrLst>
-    <dgm:effectClrLst/>
-    <dgm:txLinClrLst/>
-    <dgm:txFillClrLst meth="repeat">
-      <a:schemeClr val="tx1"/>
-    </dgm:txFillClrLst>
-    <dgm:txEffectClrLst/>
-  </dgm:styleLbl>
-  <dgm:styleLbl name="asst0">
-    <dgm:fillClrLst meth="repeat">
-      <a:schemeClr val="accent6">
-        <a:shade val="80000"/>
-      </a:schemeClr>
-    </dgm:fillClrLst>
-    <dgm:linClrLst meth="repeat">
-      <a:schemeClr val="lt1"/>
-    </dgm:linClrLst>
-    <dgm:effectClrLst/>
-    <dgm:txLinClrLst/>
-    <dgm:txFillClrLst/>
-    <dgm:txEffectClrLst/>
-  </dgm:styleLbl>
-  <dgm:styleLbl name="asst1">
-    <dgm:fillClrLst meth="repeat">
-      <a:schemeClr val="accent6">
-        <a:shade val="80000"/>
-      </a:schemeClr>
-    </dgm:fillClrLst>
-    <dgm:linClrLst meth="repeat">
-      <a:schemeClr val="lt1"/>
-    </dgm:linClrLst>
-    <dgm:effectClrLst/>
-    <dgm:txLinClrLst/>
-    <dgm:txFillClrLst/>
-    <dgm:txEffectClrLst/>
-  </dgm:styleLbl>
-  <dgm:styleLbl name="asst2">
-    <dgm:fillClrLst>
-      <a:schemeClr val="accent6">
-        <a:tint val="90000"/>
-      </a:schemeClr>
-    </dgm:fillClrLst>
-    <dgm:linClrLst meth="repeat">
-      <a:schemeClr val="lt1"/>
-    </dgm:linClrLst>
-    <dgm:effectClrLst/>
-    <dgm:txLinClrLst/>
-    <dgm:txFillClrLst/>
-    <dgm:txEffectClrLst/>
-  </dgm:styleLbl>
-  <dgm:styleLbl name="asst3">
-    <dgm:fillClrLst>
-      <a:schemeClr val="accent6">
-        <a:tint val="70000"/>
-      </a:schemeClr>
-    </dgm:fillClrLst>
-    <dgm:linClrLst meth="repeat">
-      <a:schemeClr val="lt1"/>
-    </dgm:linClrLst>
-    <dgm:effectClrLst/>
-    <dgm:txLinClrLst/>
-    <dgm:txFillClrLst/>
-    <dgm:txEffectClrLst/>
-  </dgm:styleLbl>
-  <dgm:styleLbl name="asst4">
-    <dgm:fillClrLst>
-      <a:schemeClr val="accent6">
-        <a:tint val="50000"/>
-      </a:schemeClr>
-    </dgm:fillClrLst>
-    <dgm:linClrLst meth="repeat">
-      <a:schemeClr val="lt1"/>
-    </dgm:linClrLst>
-    <dgm:effectClrLst/>
-    <dgm:txLinClrLst/>
-    <dgm:txFillClrLst/>
-    <dgm:txEffectClrLst/>
-  </dgm:styleLbl>
-  <dgm:styleLbl name="parChTrans2D1">
-    <dgm:fillClrLst meth="repeat">
-      <a:schemeClr val="accent6">
-        <a:tint val="60000"/>
-      </a:schemeClr>
-    </dgm:fillClrLst>
-    <dgm:linClrLst meth="repeat">
-      <a:schemeClr val="accent6">
-        <a:shade val="80000"/>
-      </a:schemeClr>
-    </dgm:linClrLst>
-    <dgm:effectClrLst/>
-    <dgm:txLinClrLst/>
-    <dgm:txFillClrLst/>
-    <dgm:txEffectClrLst/>
-  </dgm:styleLbl>
-  <dgm:styleLbl name="parChTrans2D2">
-    <dgm:fillClrLst meth="repeat">
-      <a:schemeClr val="accent6">
-        <a:tint val="90000"/>
-      </a:schemeClr>
-    </dgm:fillClrLst>
-    <dgm:linClrLst meth="repeat">
-      <a:schemeClr val="accent6">
-        <a:tint val="90000"/>
-      </a:schemeClr>
-    </dgm:linClrLst>
-    <dgm:effectClrLst/>
-    <dgm:txLinClrLst/>
-    <dgm:txFillClrLst/>
-    <dgm:txEffectClrLst/>
-  </dgm:styleLbl>
-  <dgm:styleLbl name="parChTrans2D3">
-    <dgm:fillClrLst meth="repeat">
-      <a:schemeClr val="accent6">
-        <a:tint val="70000"/>
-      </a:schemeClr>
-    </dgm:fillClrLst>
-    <dgm:linClrLst meth="repeat">
-      <a:schemeClr val="accent6">
-        <a:tint val="70000"/>
-      </a:schemeClr>
-    </dgm:linClrLst>
-    <dgm:effectClrLst/>
-    <dgm:txLinClrLst/>
-    <dgm:txFillClrLst/>
-    <dgm:txEffectClrLst/>
-  </dgm:styleLbl>
-  <dgm:styleLbl name="parChTrans2D4">
-    <dgm:fillClrLst meth="repeat">
-      <a:schemeClr val="accent6">
-        <a:tint val="50000"/>
-      </a:schemeClr>
-    </dgm:fillClrLst>
-    <dgm:linClrLst meth="repeat">
-      <a:schemeClr val="accent6">
-        <a:tint val="50000"/>
-      </a:schemeClr>
-    </dgm:linClrLst>
-    <dgm:effectClrLst/>
-    <dgm:txLinClrLst/>
-    <dgm:txFillClrLst meth="repeat">
-      <a:schemeClr val="dk1"/>
-    </dgm:txFillClrLst>
-    <dgm:txEffectClrLst/>
-  </dgm:styleLbl>
-  <dgm:styleLbl name="parChTrans1D1">
-    <dgm:fillClrLst meth="repeat">
-      <a:schemeClr val="accent6">
-        <a:shade val="80000"/>
-      </a:schemeClr>
-    </dgm:fillClrLst>
-    <dgm:linClrLst meth="repeat">
-      <a:schemeClr val="accent6">
-        <a:shade val="80000"/>
-      </a:schemeClr>
-    </dgm:linClrLst>
-    <dgm:effectClrLst/>
-    <dgm:txLinClrLst/>
-    <dgm:txFillClrLst meth="repeat">
-      <a:schemeClr val="tx1"/>
-    </dgm:txFillClrLst>
-    <dgm:txEffectClrLst/>
-  </dgm:styleLbl>
-  <dgm:styleLbl name="parChTrans1D2">
-    <dgm:fillClrLst meth="repeat">
-      <a:schemeClr val="accent6">
-        <a:tint val="90000"/>
-      </a:schemeClr>
-    </dgm:fillClrLst>
-    <dgm:linClrLst meth="repeat">
-      <a:schemeClr val="accent6">
-        <a:tint val="90000"/>
-      </a:schemeClr>
-    </dgm:linClrLst>
-    <dgm:effectClrLst/>
-    <dgm:txLinClrLst/>
-    <dgm:txFillClrLst meth="repeat">
-      <a:schemeClr val="tx1"/>
-    </dgm:txFillClrLst>
-    <dgm:txEffectClrLst/>
-  </dgm:styleLbl>
-  <dgm:styleLbl name="parChTrans1D3">
-    <dgm:fillClrLst meth="repeat">
-      <a:schemeClr val="accent6">
-        <a:tint val="70000"/>
-      </a:schemeClr>
-    </dgm:fillClrLst>
-    <dgm:linClrLst meth="repeat">
-      <a:schemeClr val="accent6">
-        <a:tint val="70000"/>
-      </a:schemeClr>
-    </dgm:linClrLst>
-    <dgm:effectClrLst/>
-    <dgm:txLinClrLst/>
-    <dgm:txFillClrLst meth="repeat">
-      <a:schemeClr val="tx1"/>
-    </dgm:txFillClrLst>
-    <dgm:txEffectClrLst/>
-  </dgm:styleLbl>
-  <dgm:styleLbl name="parChTrans1D4">
-    <dgm:fillClrLst meth="repeat">
-      <a:schemeClr val="accent6">
-        <a:tint val="50000"/>
-      </a:schemeClr>
-    </dgm:fillClrLst>
-    <dgm:linClrLst meth="repeat">
-      <a:schemeClr val="accent6">
-        <a:tint val="50000"/>
-      </a:schemeClr>
-    </dgm:linClrLst>
-    <dgm:effectClrLst/>
-    <dgm:txLinClrLst/>
-    <dgm:txFillClrLst meth="repeat">
-      <a:schemeClr val="tx1"/>
-    </dgm:txFillClrLst>
-    <dgm:txEffectClrLst/>
-  </dgm:styleLbl>
-  <dgm:styleLbl name="fgAcc1">
-    <dgm:fillClrLst meth="repeat">
-      <a:schemeClr val="lt1">
-        <a:alpha val="90000"/>
-      </a:schemeClr>
-    </dgm:fillClrLst>
-    <dgm:linClrLst meth="cycle">
-      <a:schemeClr val="accent6">
-        <a:shade val="50000"/>
-      </a:schemeClr>
-      <a:schemeClr val="accent6">
-        <a:tint val="55000"/>
-      </a:schemeClr>
-    </dgm:linClrLst>
-    <dgm:effectClrLst/>
-    <dgm:txLinClrLst/>
-    <dgm:txFillClrLst meth="repeat">
-      <a:schemeClr val="dk1"/>
-    </dgm:txFillClrLst>
-    <dgm:txEffectClrLst/>
-  </dgm:styleLbl>
-  <dgm:styleLbl name="conFgAcc1">
-    <dgm:fillClrLst meth="repeat">
-      <a:schemeClr val="lt1">
-        <a:alpha val="90000"/>
-      </a:schemeClr>
-    </dgm:fillClrLst>
-    <dgm:linClrLst meth="cycle">
-      <a:schemeClr val="accent6">
-        <a:shade val="50000"/>
-      </a:schemeClr>
-      <a:schemeClr val="accent6">
-        <a:tint val="55000"/>
-      </a:schemeClr>
-    </dgm:linClrLst>
-    <dgm:effectClrLst/>
-    <dgm:txLinClrLst/>
-    <dgm:txFillClrLst meth="repeat">
-      <a:schemeClr val="dk1"/>
-    </dgm:txFillClrLst>
-    <dgm:txEffectClrLst/>
-  </dgm:styleLbl>
-  <dgm:styleLbl name="alignAcc1">
-    <dgm:fillClrLst meth="repeat">
-      <a:schemeClr val="lt1">
-        <a:alpha val="90000"/>
-      </a:schemeClr>
-    </dgm:fillClrLst>
-    <dgm:linClrLst meth="cycle">
-      <a:schemeClr val="accent6">
-        <a:shade val="50000"/>
-      </a:schemeClr>
-      <a:schemeClr val="accent6">
-        <a:tint val="55000"/>
-      </a:schemeClr>
-    </dgm:linClrLst>
-    <dgm:effectClrLst/>
-    <dgm:txLinClrLst/>
-    <dgm:txFillClrLst meth="repeat">
-      <a:schemeClr val="dk1"/>
-    </dgm:txFillClrLst>
-    <dgm:txEffectClrLst/>
-  </dgm:styleLbl>
-  <dgm:styleLbl name="trAlignAcc1">
-    <dgm:fillClrLst meth="repeat">
-      <a:schemeClr val="lt1">
-        <a:alpha val="55000"/>
-      </a:schemeClr>
-    </dgm:fillClrLst>
-    <dgm:linClrLst meth="repeat">
-      <a:schemeClr val="accent6"/>
-    </dgm:linClrLst>
-    <dgm:effectClrLst/>
-    <dgm:txLinClrLst/>
-    <dgm:txFillClrLst meth="repeat">
-      <a:schemeClr val="dk1"/>
-    </dgm:txFillClrLst>
-    <dgm:txEffectClrLst/>
-  </dgm:styleLbl>
-  <dgm:styleLbl name="bgAcc1">
-    <dgm:fillClrLst meth="repeat">
-      <a:schemeClr val="lt1">
-        <a:alpha val="90000"/>
-      </a:schemeClr>
-    </dgm:fillClrLst>
-    <dgm:linClrLst meth="cycle">
-      <a:schemeClr val="accent6">
-        <a:shade val="50000"/>
-      </a:schemeClr>
-      <a:schemeClr val="accent6">
-        <a:tint val="55000"/>
-      </a:schemeClr>
-    </dgm:linClrLst>
-    <dgm:effectClrLst/>
-    <dgm:txLinClrLst/>
-    <dgm:txFillClrLst meth="repeat">
-      <a:schemeClr val="dk1"/>
-    </dgm:txFillClrLst>
-    <dgm:txEffectClrLst/>
-  </dgm:styleLbl>
-  <dgm:styleLbl name="solidFgAcc1">
-    <dgm:fillClrLst meth="repeat">
-      <a:schemeClr val="lt1"/>
-    </dgm:fillClrLst>
-    <dgm:linClrLst meth="cycle">
-      <a:schemeClr val="accent6">
-        <a:shade val="50000"/>
-      </a:schemeClr>
-      <a:schemeClr val="accent6">
-        <a:tint val="55000"/>
-      </a:schemeClr>
-    </dgm:linClrLst>
-    <dgm:effectClrLst/>
-    <dgm:txLinClrLst/>
-    <dgm:txFillClrLst meth="repeat">
-      <a:schemeClr val="dk1"/>
-    </dgm:txFillClrLst>
-    <dgm:txEffectClrLst/>
-  </dgm:styleLbl>
-  <dgm:styleLbl name="solidAlignAcc1">
-    <dgm:fillClrLst meth="repeat">
-      <a:schemeClr val="lt1"/>
-    </dgm:fillClrLst>
-    <dgm:linClrLst meth="repeat">
-      <a:schemeClr val="accent6"/>
-    </dgm:linClrLst>
-    <dgm:effectClrLst/>
-    <dgm:txLinClrLst/>
-    <dgm:txFillClrLst meth="repeat">
-      <a:schemeClr val="dk1"/>
-    </dgm:txFillClrLst>
-    <dgm:txEffectClrLst/>
-  </dgm:styleLbl>
-  <dgm:styleLbl name="solidBgAcc1">
-    <dgm:fillClrLst meth="repeat">
-      <a:schemeClr val="lt1"/>
-    </dgm:fillClrLst>
-    <dgm:linClrLst meth="repeat">
-      <a:schemeClr val="accent6"/>
-    </dgm:linClrLst>
-    <dgm:effectClrLst/>
-    <dgm:txLinClrLst/>
-    <dgm:txFillClrLst meth="repeat">
-      <a:schemeClr val="dk1"/>
-    </dgm:txFillClrLst>
-    <dgm:txEffectClrLst/>
-  </dgm:styleLbl>
-  <dgm:styleLbl name="fgAccFollowNode1">
-    <dgm:fillClrLst meth="repeat">
-      <a:schemeClr val="accent6">
-        <a:alpha val="90000"/>
-        <a:tint val="55000"/>
-      </a:schemeClr>
-    </dgm:fillClrLst>
-    <dgm:linClrLst meth="repeat">
-      <a:schemeClr val="accent6">
-        <a:alpha val="90000"/>
-        <a:tint val="55000"/>
-      </a:schemeClr>
-    </dgm:linClrLst>
-    <dgm:effectClrLst/>
-    <dgm:txLinClrLst/>
-    <dgm:txFillClrLst meth="repeat">
-      <a:schemeClr val="dk1"/>
-    </dgm:txFillClrLst>
-    <dgm:txEffectClrLst/>
-  </dgm:styleLbl>
-  <dgm:styleLbl name="alignAccFollowNode1">
-    <dgm:fillClrLst meth="repeat">
-      <a:schemeClr val="accent6">
-        <a:alpha val="90000"/>
-        <a:tint val="55000"/>
-      </a:schemeClr>
-    </dgm:fillClrLst>
-    <dgm:linClrLst meth="repeat">
-      <a:schemeClr val="accent6">
-        <a:alpha val="90000"/>
-        <a:tint val="55000"/>
-      </a:schemeClr>
-    </dgm:linClrLst>
-    <dgm:effectClrLst/>
-    <dgm:txLinClrLst/>
-    <dgm:txFillClrLst meth="repeat">
-      <a:schemeClr val="dk1"/>
-    </dgm:txFillClrLst>
-    <dgm:txEffectClrLst/>
-  </dgm:styleLbl>
-  <dgm:styleLbl name="bgAccFollowNode1">
-    <dgm:fillClrLst meth="repeat">
-      <a:schemeClr val="accent6">
-        <a:alpha val="90000"/>
-        <a:tint val="55000"/>
-      </a:schemeClr>
-    </dgm:fillClrLst>
-    <dgm:linClrLst meth="repeat">
-      <a:schemeClr val="lt1"/>
-    </dgm:linClrLst>
-    <dgm:effectClrLst/>
-    <dgm:txLinClrLst/>
-    <dgm:txFillClrLst meth="repeat">
-      <a:schemeClr val="dk1"/>
-    </dgm:txFillClrLst>
-    <dgm:txEffectClrLst/>
-  </dgm:styleLbl>
-  <dgm:styleLbl name="fgAcc0">
-    <dgm:fillClrLst meth="repeat">
-      <a:schemeClr val="lt1">
-        <a:alpha val="90000"/>
-      </a:schemeClr>
-    </dgm:fillClrLst>
-    <dgm:linClrLst meth="repeat">
-      <a:schemeClr val="accent6">
-        <a:shade val="80000"/>
-      </a:schemeClr>
-    </dgm:linClrLst>
-    <dgm:effectClrLst/>
-    <dgm:txLinClrLst/>
-    <dgm:txFillClrLst meth="repeat">
-      <a:schemeClr val="dk1"/>
-    </dgm:txFillClrLst>
-    <dgm:txEffectClrLst/>
-  </dgm:styleLbl>
-  <dgm:styleLbl name="fgAcc2">
-    <dgm:fillClrLst meth="repeat">
-      <a:schemeClr val="lt1">
-        <a:alpha val="90000"/>
-      </a:schemeClr>
-    </dgm:fillClrLst>
-    <dgm:linClrLst meth="repeat">
-      <a:schemeClr val="accent6">
-        <a:tint val="90000"/>
-      </a:schemeClr>
-    </dgm:linClrLst>
-    <dgm:effectClrLst/>
-    <dgm:txLinClrLst/>
-    <dgm:txFillClrLst meth="repeat">
-      <a:schemeClr val="dk1"/>
-    </dgm:txFillClrLst>
-    <dgm:txEffectClrLst/>
-  </dgm:styleLbl>
-  <dgm:styleLbl name="fgAcc3">
-    <dgm:fillClrLst meth="repeat">
-      <a:schemeClr val="lt1">
-        <a:alpha val="90000"/>
-      </a:schemeClr>
-    </dgm:fillClrLst>
-    <dgm:linClrLst meth="repeat">
-      <a:schemeClr val="accent6">
-        <a:tint val="70000"/>
-      </a:schemeClr>
-    </dgm:linClrLst>
-    <dgm:effectClrLst/>
-    <dgm:txLinClrLst/>
-    <dgm:txFillClrLst meth="repeat">
-      <a:schemeClr val="dk1"/>
-    </dgm:txFillClrLst>
-    <dgm:txEffectClrLst/>
-  </dgm:styleLbl>
-  <dgm:styleLbl name="fgAcc4">
-    <dgm:fillClrLst meth="repeat">
-      <a:schemeClr val="lt1">
-        <a:alpha val="90000"/>
-      </a:schemeClr>
-    </dgm:fillClrLst>
-    <dgm:linClrLst meth="repeat">
-      <a:schemeClr val="accent6">
-        <a:tint val="50000"/>
-      </a:schemeClr>
-    </dgm:linClrLst>
-    <dgm:effectClrLst/>
-    <dgm:txLinClrLst/>
-    <dgm:txFillClrLst meth="repeat">
-      <a:schemeClr val="dk1"/>
-    </dgm:txFillClrLst>
-    <dgm:txEffectClrLst/>
-  </dgm:styleLbl>
-  <dgm:styleLbl name="bgShp">
-    <dgm:fillClrLst meth="repeat">
-      <a:schemeClr val="accent6">
-        <a:tint val="55000"/>
-      </a:schemeClr>
-    </dgm:fillClrLst>
-    <dgm:linClrLst meth="repeat">
-      <a:schemeClr val="dk1"/>
-    </dgm:linClrLst>
-    <dgm:effectClrLst/>
-    <dgm:txLinClrLst/>
-    <dgm:txFillClrLst meth="repeat">
-      <a:schemeClr val="dk1"/>
-    </dgm:txFillClrLst>
-    <dgm:txEffectClrLst/>
-  </dgm:styleLbl>
-  <dgm:styleLbl name="dkBgShp">
-    <dgm:fillClrLst meth="repeat">
-      <a:schemeClr val="accent6">
-        <a:shade val="90000"/>
-      </a:schemeClr>
-    </dgm:fillClrLst>
-    <dgm:linClrLst meth="repeat">
-      <a:schemeClr val="dk1"/>
-    </dgm:linClrLst>
-    <dgm:effectClrLst/>
-    <dgm:txLinClrLst/>
-    <dgm:txFillClrLst meth="repeat">
-      <a:schemeClr val="lt1"/>
-    </dgm:txFillClrLst>
-    <dgm:txEffectClrLst/>
-  </dgm:styleLbl>
-  <dgm:styleLbl name="trBgShp">
-    <dgm:fillClrLst meth="repeat">
-      <a:schemeClr val="accent6">
-        <a:tint val="50000"/>
-        <a:alpha val="55000"/>
-      </a:schemeClr>
-    </dgm:fillClrLst>
-    <dgm:linClrLst meth="repeat">
-      <a:schemeClr val="accent6"/>
-    </dgm:linClrLst>
-    <dgm:effectClrLst/>
-    <dgm:txLinClrLst/>
-    <dgm:txFillClrLst meth="repeat">
-      <a:schemeClr val="lt1"/>
-    </dgm:txFillClrLst>
-    <dgm:txEffectClrLst/>
-  </dgm:styleLbl>
-  <dgm:styleLbl name="fgShp">
-    <dgm:fillClrLst meth="repeat">
-      <a:schemeClr val="accent6">
-        <a:tint val="55000"/>
-      </a:schemeClr>
-    </dgm:fillClrLst>
-    <dgm:linClrLst meth="repeat">
-      <a:schemeClr val="lt1"/>
-    </dgm:linClrLst>
-    <dgm:effectClrLst/>
-    <dgm:txLinClrLst/>
-    <dgm:txFillClrLst meth="repeat">
-      <a:schemeClr val="dk1"/>
-    </dgm:txFillClrLst>
-    <dgm:txEffectClrLst/>
-  </dgm:styleLbl>
-  <dgm:styleLbl name="revTx">
-    <dgm:fillClrLst meth="repeat">
-      <a:schemeClr val="lt1">
-        <a:alpha val="0"/>
-      </a:schemeClr>
-    </dgm:fillClrLst>
-    <dgm:linClrLst meth="repeat">
-      <a:schemeClr val="dk1">
-        <a:alpha val="0"/>
-      </a:schemeClr>
-    </dgm:linClrLst>
-    <dgm:effectClrLst/>
-    <dgm:txLinClrLst/>
-    <dgm:txFillClrLst meth="repeat">
-      <a:schemeClr val="tx1"/>
-    </dgm:txFillClrLst>
-    <dgm:txEffectClrLst/>
-  </dgm:styleLbl>
-</dgm:colorsDef>
-</file>
-
-<file path=ppt/diagrams/colors16.xml><?xml version="1.0" encoding="utf-8"?>
 <dgm:colorsDef xmlns:dgm="http://schemas.openxmlformats.org/drawingml/2006/diagram" xmlns:a="http://schemas.openxmlformats.org/drawingml/2006/main" uniqueId="urn:microsoft.com/office/officeart/2005/8/colors/accent6_4">
   <dgm:title val=""/>
   <dgm:desc val=""/>
@@ -14977,98 +14111,6 @@
 </dgm:dataModel>
 </file>
 
-<file path=ppt/diagrams/data16.xml><?xml version="1.0" encoding="utf-8"?>
-<dgm:dataModel xmlns:dgm="http://schemas.openxmlformats.org/drawingml/2006/diagram" xmlns:a="http://schemas.openxmlformats.org/drawingml/2006/main">
-  <dgm:ptLst>
-    <dgm:pt modelId="{674503E8-1AC7-41ED-8605-5E819E9C237D}" type="doc">
-      <dgm:prSet loTypeId="urn:microsoft.com/office/officeart/2005/8/layout/chevron1" loCatId="process" qsTypeId="urn:microsoft.com/office/officeart/2005/8/quickstyle/simple2" qsCatId="simple" csTypeId="urn:microsoft.com/office/officeart/2005/8/colors/accent6_4" csCatId="accent6" phldr="1"/>
-      <dgm:spPr/>
-    </dgm:pt>
-    <dgm:pt modelId="{5033FB32-F740-4C19-B504-0647C1F53E48}">
-      <dgm:prSet phldrT="[Text]"/>
-      <dgm:spPr/>
-      <dgm:t>
-        <a:bodyPr/>
-        <a:lstStyle/>
-        <a:p>
-          <a:endParaRPr lang="de-DE" dirty="0">
-            <a:solidFill>
-              <a:schemeClr val="bg1"/>
-            </a:solidFill>
-            <a:latin typeface="Corbel Light" panose="020B0303020204020204" pitchFamily="34" charset="0"/>
-          </a:endParaRPr>
-        </a:p>
-      </dgm:t>
-    </dgm:pt>
-    <dgm:pt modelId="{4F5440BC-E4ED-41F4-BCBC-91A4379FE628}" type="parTrans" cxnId="{A9C04542-76A5-484F-BDC6-8684DE3831C0}">
-      <dgm:prSet/>
-      <dgm:spPr/>
-      <dgm:t>
-        <a:bodyPr/>
-        <a:lstStyle/>
-        <a:p>
-          <a:endParaRPr lang="de-DE"/>
-        </a:p>
-      </dgm:t>
-    </dgm:pt>
-    <dgm:pt modelId="{0F72E487-3666-4627-B648-0F027167834A}" type="sibTrans" cxnId="{A9C04542-76A5-484F-BDC6-8684DE3831C0}">
-      <dgm:prSet/>
-      <dgm:spPr/>
-      <dgm:t>
-        <a:bodyPr/>
-        <a:lstStyle/>
-        <a:p>
-          <a:endParaRPr lang="de-DE"/>
-        </a:p>
-      </dgm:t>
-    </dgm:pt>
-    <dgm:pt modelId="{B2AC34C9-27F4-4A43-B9E6-31AAF7FDE0CB}" type="pres">
-      <dgm:prSet presAssocID="{674503E8-1AC7-41ED-8605-5E819E9C237D}" presName="Name0" presStyleCnt="0">
-        <dgm:presLayoutVars>
-          <dgm:dir/>
-          <dgm:animLvl val="lvl"/>
-          <dgm:resizeHandles val="exact"/>
-        </dgm:presLayoutVars>
-      </dgm:prSet>
-      <dgm:spPr/>
-    </dgm:pt>
-    <dgm:pt modelId="{3EB30996-91B3-4239-BF37-88E3C555BC52}" type="pres">
-      <dgm:prSet presAssocID="{5033FB32-F740-4C19-B504-0647C1F53E48}" presName="parTxOnly" presStyleLbl="node1" presStyleIdx="0" presStyleCnt="1">
-        <dgm:presLayoutVars>
-          <dgm:chMax val="0"/>
-          <dgm:chPref val="0"/>
-          <dgm:bulletEnabled val="1"/>
-        </dgm:presLayoutVars>
-      </dgm:prSet>
-      <dgm:spPr/>
-      <dgm:t>
-        <a:bodyPr/>
-        <a:lstStyle/>
-        <a:p>
-          <a:endParaRPr lang="de-DE"/>
-        </a:p>
-      </dgm:t>
-    </dgm:pt>
-  </dgm:ptLst>
-  <dgm:cxnLst>
-    <dgm:cxn modelId="{3EFB67F2-B4EB-4EFE-964A-8AF193349332}" type="presOf" srcId="{674503E8-1AC7-41ED-8605-5E819E9C237D}" destId="{B2AC34C9-27F4-4A43-B9E6-31AAF7FDE0CB}" srcOrd="0" destOrd="0" presId="urn:microsoft.com/office/officeart/2005/8/layout/chevron1"/>
-    <dgm:cxn modelId="{6D139A0C-1C5F-462F-941A-E83A5038A582}" type="presOf" srcId="{5033FB32-F740-4C19-B504-0647C1F53E48}" destId="{3EB30996-91B3-4239-BF37-88E3C555BC52}" srcOrd="0" destOrd="0" presId="urn:microsoft.com/office/officeart/2005/8/layout/chevron1"/>
-    <dgm:cxn modelId="{A9C04542-76A5-484F-BDC6-8684DE3831C0}" srcId="{674503E8-1AC7-41ED-8605-5E819E9C237D}" destId="{5033FB32-F740-4C19-B504-0647C1F53E48}" srcOrd="0" destOrd="0" parTransId="{4F5440BC-E4ED-41F4-BCBC-91A4379FE628}" sibTransId="{0F72E487-3666-4627-B648-0F027167834A}"/>
-    <dgm:cxn modelId="{E75CA34E-81F5-42E1-938A-72E2F0999817}" type="presParOf" srcId="{B2AC34C9-27F4-4A43-B9E6-31AAF7FDE0CB}" destId="{3EB30996-91B3-4239-BF37-88E3C555BC52}" srcOrd="0" destOrd="0" presId="urn:microsoft.com/office/officeart/2005/8/layout/chevron1"/>
-  </dgm:cxnLst>
-  <dgm:bg/>
-  <dgm:whole/>
-  <dgm:extLst>
-    <a:ext uri="http://schemas.microsoft.com/office/drawing/2008/diagram">
-      <dsp:dataModelExt xmlns:dsp="http://schemas.microsoft.com/office/drawing/2008/diagram" relId="rId8" minVer="http://schemas.openxmlformats.org/drawingml/2006/diagram"/>
-    </a:ext>
-    <a:ext uri="{C62137D5-CB1D-491B-B009-E17868A290BF}">
-      <dgm14:recolorImg xmlns:dgm14="http://schemas.microsoft.com/office/drawing/2010/diagram" val="1"/>
-    </a:ext>
-  </dgm:extLst>
-</dgm:dataModel>
-</file>
-
 <file path=ppt/diagrams/data2.xml><?xml version="1.0" encoding="utf-8"?>
 <dgm:dataModel xmlns:dgm="http://schemas.openxmlformats.org/drawingml/2006/diagram" xmlns:a="http://schemas.openxmlformats.org/drawingml/2006/main">
   <dgm:ptLst>
@@ -15077,14 +14119,14 @@
       <dgm:spPr/>
     </dgm:pt>
     <dgm:pt modelId="{5033FB32-F740-4C19-B504-0647C1F53E48}">
-      <dgm:prSet phldrT="[Text]"/>
+      <dgm:prSet phldrT="[Text]" custT="1"/>
       <dgm:spPr/>
       <dgm:t>
         <a:bodyPr/>
         <a:lstStyle/>
         <a:p>
           <a:r>
-            <a:rPr lang="de-DE" dirty="0">
+            <a:rPr lang="de-DE" sz="2400" dirty="0">
               <a:solidFill>
                 <a:schemeClr val="bg1"/>
               </a:solidFill>
@@ -15173,7 +14215,11 @@
     </dgm:pt>
     <dgm:pt modelId="{5033FB32-F740-4C19-B504-0647C1F53E48}">
       <dgm:prSet phldrT="[Text]"/>
-      <dgm:spPr/>
+      <dgm:spPr>
+        <a:solidFill>
+          <a:srgbClr val="507E32"/>
+        </a:solidFill>
+      </dgm:spPr>
       <dgm:t>
         <a:bodyPr/>
         <a:lstStyle/>
@@ -15268,11 +14314,7 @@
     </dgm:pt>
     <dgm:pt modelId="{5033FB32-F740-4C19-B504-0647C1F53E48}">
       <dgm:prSet phldrT="[Text]"/>
-      <dgm:spPr>
-        <a:solidFill>
-          <a:srgbClr val="507E32"/>
-        </a:solidFill>
-      </dgm:spPr>
+      <dgm:spPr/>
       <dgm:t>
         <a:bodyPr/>
         <a:lstStyle/>
@@ -15657,15 +14699,12 @@
         <a:bodyPr/>
         <a:lstStyle/>
         <a:p>
-          <a:r>
-            <a:rPr lang="de-DE" dirty="0">
-              <a:solidFill>
-                <a:schemeClr val="bg1"/>
-              </a:solidFill>
-              <a:latin typeface="Corbel Light" panose="020B0303020204020204" pitchFamily="34" charset="0"/>
-            </a:rPr>
-            <a:t>Schwerpunkte der Implementierung</a:t>
-          </a:r>
+          <a:endParaRPr lang="de-DE" dirty="0">
+            <a:solidFill>
+              <a:schemeClr val="bg1"/>
+            </a:solidFill>
+            <a:latin typeface="Corbel Light" panose="020B0303020204020204" pitchFamily="34" charset="0"/>
+          </a:endParaRPr>
         </a:p>
       </dgm:t>
     </dgm:pt>
@@ -16516,98 +15555,6 @@
 </dsp:drawing>
 </file>
 
-<file path=ppt/diagrams/drawing16.xml><?xml version="1.0" encoding="utf-8"?>
-<dsp:drawing xmlns:dgm="http://schemas.openxmlformats.org/drawingml/2006/diagram" xmlns:dsp="http://schemas.microsoft.com/office/drawing/2008/diagram" xmlns:a="http://schemas.openxmlformats.org/drawingml/2006/main">
-  <dsp:spTree>
-    <dsp:nvGrpSpPr>
-      <dsp:cNvPr id="0" name=""/>
-      <dsp:cNvGrpSpPr/>
-    </dsp:nvGrpSpPr>
-    <dsp:grpSpPr/>
-    <dsp:sp modelId="{3EB30996-91B3-4239-BF37-88E3C555BC52}">
-      <dsp:nvSpPr>
-        <dsp:cNvPr id="0" name=""/>
-        <dsp:cNvSpPr/>
-      </dsp:nvSpPr>
-      <dsp:spPr>
-        <a:xfrm>
-          <a:off x="4737" y="0"/>
-          <a:ext cx="9693565" cy="324000"/>
-        </a:xfrm>
-        <a:prstGeom prst="chevron">
-          <a:avLst/>
-        </a:prstGeom>
-        <a:solidFill>
-          <a:schemeClr val="accent6">
-            <a:shade val="50000"/>
-            <a:hueOff val="0"/>
-            <a:satOff val="0"/>
-            <a:lumOff val="0"/>
-            <a:alphaOff val="0"/>
-          </a:schemeClr>
-        </a:solidFill>
-        <a:ln w="19050" cap="flat" cmpd="sng" algn="ctr">
-          <a:solidFill>
-            <a:schemeClr val="lt1">
-              <a:hueOff val="0"/>
-              <a:satOff val="0"/>
-              <a:lumOff val="0"/>
-              <a:alphaOff val="0"/>
-            </a:schemeClr>
-          </a:solidFill>
-          <a:prstDash val="solid"/>
-          <a:miter lim="800000"/>
-        </a:ln>
-        <a:effectLst/>
-      </dsp:spPr>
-      <dsp:style>
-        <a:lnRef idx="3">
-          <a:scrgbClr r="0" g="0" b="0"/>
-        </a:lnRef>
-        <a:fillRef idx="1">
-          <a:scrgbClr r="0" g="0" b="0"/>
-        </a:fillRef>
-        <a:effectRef idx="1">
-          <a:scrgbClr r="0" g="0" b="0"/>
-        </a:effectRef>
-        <a:fontRef idx="minor">
-          <a:schemeClr val="lt1"/>
-        </a:fontRef>
-      </dsp:style>
-      <dsp:txBody>
-        <a:bodyPr spcFirstLastPara="0" vert="horz" wrap="square" lIns="76010" tIns="25337" rIns="25337" bIns="25337" numCol="1" spcCol="1270" anchor="ctr" anchorCtr="0">
-          <a:noAutofit/>
-        </a:bodyPr>
-        <a:lstStyle/>
-        <a:p>
-          <a:pPr lvl="0" algn="ctr" defTabSz="844550">
-            <a:lnSpc>
-              <a:spcPct val="90000"/>
-            </a:lnSpc>
-            <a:spcBef>
-              <a:spcPct val="0"/>
-            </a:spcBef>
-            <a:spcAft>
-              <a:spcPct val="35000"/>
-            </a:spcAft>
-          </a:pPr>
-          <a:endParaRPr lang="de-DE" sz="1900" kern="1200" dirty="0">
-            <a:solidFill>
-              <a:schemeClr val="bg1"/>
-            </a:solidFill>
-            <a:latin typeface="Corbel Light" panose="020B0303020204020204" pitchFamily="34" charset="0"/>
-          </a:endParaRPr>
-        </a:p>
-      </dsp:txBody>
-      <dsp:txXfrm>
-        <a:off x="166737" y="0"/>
-        <a:ext cx="9369565" cy="324000"/>
-      </dsp:txXfrm>
-    </dsp:sp>
-  </dsp:spTree>
-</dsp:drawing>
-</file>
-
 <file path=ppt/diagrams/drawing2.xml><?xml version="1.0" encoding="utf-8"?>
 <dsp:drawing xmlns:dgm="http://schemas.openxmlformats.org/drawingml/2006/diagram" xmlns:dsp="http://schemas.microsoft.com/office/drawing/2008/diagram" xmlns:a="http://schemas.openxmlformats.org/drawingml/2006/main">
   <dsp:spTree>
@@ -16667,12 +15614,12 @@
         </a:fontRef>
       </dsp:style>
       <dsp:txBody>
-        <a:bodyPr spcFirstLastPara="0" vert="horz" wrap="square" lIns="76010" tIns="25337" rIns="25337" bIns="25337" numCol="1" spcCol="1270" anchor="ctr" anchorCtr="0">
+        <a:bodyPr spcFirstLastPara="0" vert="horz" wrap="square" lIns="96012" tIns="32004" rIns="32004" bIns="32004" numCol="1" spcCol="1270" anchor="ctr" anchorCtr="0">
           <a:noAutofit/>
         </a:bodyPr>
         <a:lstStyle/>
         <a:p>
-          <a:pPr lvl="0" algn="ctr" defTabSz="844550">
+          <a:pPr lvl="0" algn="ctr" defTabSz="1066800">
             <a:lnSpc>
               <a:spcPct val="90000"/>
             </a:lnSpc>
@@ -16684,7 +15631,7 @@
             </a:spcAft>
           </a:pPr>
           <a:r>
-            <a:rPr lang="de-DE" sz="1900" kern="1200" dirty="0">
+            <a:rPr lang="de-DE" sz="2400" kern="1200" dirty="0">
               <a:solidFill>
                 <a:schemeClr val="bg1"/>
               </a:solidFill>
@@ -16725,13 +15672,7 @@
           <a:avLst/>
         </a:prstGeom>
         <a:solidFill>
-          <a:schemeClr val="accent6">
-            <a:shade val="50000"/>
-            <a:hueOff val="0"/>
-            <a:satOff val="0"/>
-            <a:lumOff val="0"/>
-            <a:alphaOff val="0"/>
-          </a:schemeClr>
+          <a:srgbClr val="507E32"/>
         </a:solidFill>
         <a:ln w="19050" cap="flat" cmpd="sng" algn="ctr">
           <a:solidFill>
@@ -16820,7 +15761,13 @@
           <a:avLst/>
         </a:prstGeom>
         <a:solidFill>
-          <a:srgbClr val="507E32"/>
+          <a:schemeClr val="accent6">
+            <a:shade val="50000"/>
+            <a:hueOff val="0"/>
+            <a:satOff val="0"/>
+            <a:lumOff val="0"/>
+            <a:alphaOff val="0"/>
+          </a:schemeClr>
         </a:solidFill>
         <a:ln w="19050" cap="flat" cmpd="sng" algn="ctr">
           <a:solidFill>
@@ -17247,15 +16194,12 @@
               <a:spcPct val="35000"/>
             </a:spcAft>
           </a:pPr>
-          <a:r>
-            <a:rPr lang="de-DE" sz="1900" kern="1200" dirty="0">
-              <a:solidFill>
-                <a:schemeClr val="bg1"/>
-              </a:solidFill>
-              <a:latin typeface="Corbel Light" panose="020B0303020204020204" pitchFamily="34" charset="0"/>
-            </a:rPr>
-            <a:t>Schwerpunkte der Implementierung</a:t>
-          </a:r>
+          <a:endParaRPr lang="de-DE" sz="1900" kern="1200" dirty="0">
+            <a:solidFill>
+              <a:schemeClr val="bg1"/>
+            </a:solidFill>
+            <a:latin typeface="Corbel Light" panose="020B0303020204020204" pitchFamily="34" charset="0"/>
+          </a:endParaRPr>
         </a:p>
       </dsp:txBody>
       <dsp:txXfrm>
@@ -19061,289 +18005,6 @@
 </file>
 
 <file path=ppt/diagrams/layout15.xml><?xml version="1.0" encoding="utf-8"?>
-<dgm:layoutDef xmlns:dgm="http://schemas.openxmlformats.org/drawingml/2006/diagram" xmlns:a="http://schemas.openxmlformats.org/drawingml/2006/main" uniqueId="urn:microsoft.com/office/officeart/2005/8/layout/chevron1">
-  <dgm:title val=""/>
-  <dgm:desc val=""/>
-  <dgm:catLst>
-    <dgm:cat type="process" pri="9000"/>
-  </dgm:catLst>
-  <dgm:sampData useDef="1">
-    <dgm:dataModel>
-      <dgm:ptLst/>
-      <dgm:bg/>
-      <dgm:whole/>
-    </dgm:dataModel>
-  </dgm:sampData>
-  <dgm:styleData>
-    <dgm:dataModel>
-      <dgm:ptLst>
-        <dgm:pt modelId="0" type="doc"/>
-        <dgm:pt modelId="1"/>
-        <dgm:pt modelId="2"/>
-      </dgm:ptLst>
-      <dgm:cxnLst>
-        <dgm:cxn modelId="3" srcId="0" destId="1" srcOrd="0" destOrd="0"/>
-        <dgm:cxn modelId="4" srcId="0" destId="2" srcOrd="1" destOrd="0"/>
-      </dgm:cxnLst>
-      <dgm:bg/>
-      <dgm:whole/>
-    </dgm:dataModel>
-  </dgm:styleData>
-  <dgm:clrData>
-    <dgm:dataModel>
-      <dgm:ptLst>
-        <dgm:pt modelId="0" type="doc"/>
-        <dgm:pt modelId="1"/>
-        <dgm:pt modelId="2"/>
-        <dgm:pt modelId="3"/>
-        <dgm:pt modelId="4"/>
-      </dgm:ptLst>
-      <dgm:cxnLst>
-        <dgm:cxn modelId="5" srcId="0" destId="1" srcOrd="0" destOrd="0"/>
-        <dgm:cxn modelId="6" srcId="0" destId="2" srcOrd="1" destOrd="0"/>
-        <dgm:cxn modelId="7" srcId="0" destId="3" srcOrd="2" destOrd="0"/>
-        <dgm:cxn modelId="8" srcId="0" destId="4" srcOrd="3" destOrd="0"/>
-      </dgm:cxnLst>
-      <dgm:bg/>
-      <dgm:whole/>
-    </dgm:dataModel>
-  </dgm:clrData>
-  <dgm:layoutNode name="Name0">
-    <dgm:varLst>
-      <dgm:dir/>
-      <dgm:animLvl val="lvl"/>
-      <dgm:resizeHandles val="exact"/>
-    </dgm:varLst>
-    <dgm:choose name="Name1">
-      <dgm:if name="Name2" func="var" arg="dir" op="equ" val="norm">
-        <dgm:alg type="lin"/>
-      </dgm:if>
-      <dgm:else name="Name3">
-        <dgm:alg type="lin">
-          <dgm:param type="linDir" val="fromR"/>
-        </dgm:alg>
-      </dgm:else>
-    </dgm:choose>
-    <dgm:shape xmlns:r="http://schemas.openxmlformats.org/officeDocument/2006/relationships" r:blip="">
-      <dgm:adjLst/>
-    </dgm:shape>
-    <dgm:presOf/>
-    <dgm:choose name="Name4">
-      <dgm:if name="Name5" axis="des" func="maxDepth" op="gte" val="2">
-        <dgm:constrLst>
-          <dgm:constr type="h" for="ch" forName="composite" refType="h"/>
-          <dgm:constr type="w" for="ch" forName="composite" refType="w"/>
-          <dgm:constr type="w" for="des" forName="parTx"/>
-          <dgm:constr type="h" for="des" forName="parTx" op="equ"/>
-          <dgm:constr type="w" for="des" forName="desTx"/>
-          <dgm:constr type="h" for="des" forName="desTx" op="equ"/>
-          <dgm:constr type="primFontSz" for="des" forName="parTx" val="65"/>
-          <dgm:constr type="secFontSz" for="des" forName="desTx" refType="primFontSz" refFor="des" refForName="parTx" op="equ"/>
-          <dgm:constr type="h" for="des" forName="parTx" refType="primFontSz" refFor="des" refForName="parTx" fact="1.5"/>
-          <dgm:constr type="h" for="des" forName="desTx" refType="primFontSz" refFor="des" refForName="parTx" fact="0.5"/>
-          <dgm:constr type="w" for="ch" forName="space" op="equ" val="-6"/>
-        </dgm:constrLst>
-        <dgm:ruleLst>
-          <dgm:rule type="w" for="ch" forName="composite" val="0" fact="NaN" max="NaN"/>
-          <dgm:rule type="primFontSz" for="des" forName="parTx" val="5" fact="NaN" max="NaN"/>
-        </dgm:ruleLst>
-        <dgm:forEach name="Name6" axis="ch" ptType="node">
-          <dgm:layoutNode name="composite">
-            <dgm:alg type="composite"/>
-            <dgm:shape xmlns:r="http://schemas.openxmlformats.org/officeDocument/2006/relationships" r:blip="">
-              <dgm:adjLst/>
-            </dgm:shape>
-            <dgm:presOf/>
-            <dgm:choose name="Name7">
-              <dgm:if name="Name8" func="var" arg="dir" op="equ" val="norm">
-                <dgm:constrLst>
-                  <dgm:constr type="l" for="ch" forName="parTx"/>
-                  <dgm:constr type="w" for="ch" forName="parTx" refType="w"/>
-                  <dgm:constr type="t" for="ch" forName="parTx"/>
-                  <dgm:constr type="l" for="ch" forName="desTx"/>
-                  <dgm:constr type="w" for="ch" forName="desTx" refType="w" refFor="ch" refForName="parTx" fact="0.8"/>
-                  <dgm:constr type="t" for="ch" forName="desTx" refType="h" refFor="ch" refForName="parTx" fact="1.125"/>
-                </dgm:constrLst>
-              </dgm:if>
-              <dgm:else name="Name9">
-                <dgm:constrLst>
-                  <dgm:constr type="l" for="ch" forName="parTx"/>
-                  <dgm:constr type="w" for="ch" forName="parTx" refType="w"/>
-                  <dgm:constr type="t" for="ch" forName="parTx"/>
-                  <dgm:constr type="l" for="ch" forName="desTx" refType="w" fact="0.2"/>
-                  <dgm:constr type="w" for="ch" forName="desTx" refType="w" refFor="ch" refForName="parTx" fact="0.8"/>
-                  <dgm:constr type="t" for="ch" forName="desTx" refType="h" refFor="ch" refForName="parTx" fact="1.125"/>
-                </dgm:constrLst>
-              </dgm:else>
-            </dgm:choose>
-            <dgm:ruleLst>
-              <dgm:rule type="h" val="INF" fact="NaN" max="NaN"/>
-            </dgm:ruleLst>
-            <dgm:layoutNode name="parTx">
-              <dgm:varLst>
-                <dgm:chMax val="0"/>
-                <dgm:chPref val="0"/>
-                <dgm:bulletEnabled val="1"/>
-              </dgm:varLst>
-              <dgm:alg type="tx"/>
-              <dgm:choose name="Name10">
-                <dgm:if name="Name11" func="var" arg="dir" op="equ" val="norm">
-                  <dgm:shape xmlns:r="http://schemas.openxmlformats.org/officeDocument/2006/relationships" type="chevron" r:blip="">
-                    <dgm:adjLst/>
-                  </dgm:shape>
-                </dgm:if>
-                <dgm:else name="Name12">
-                  <dgm:shape xmlns:r="http://schemas.openxmlformats.org/officeDocument/2006/relationships" rot="180" type="chevron" r:blip="">
-                    <dgm:adjLst/>
-                  </dgm:shape>
-                </dgm:else>
-              </dgm:choose>
-              <dgm:presOf axis="self" ptType="node"/>
-              <dgm:choose name="Name13">
-                <dgm:if name="Name14" func="var" arg="dir" op="equ" val="norm">
-                  <dgm:constrLst>
-                    <dgm:constr type="h" refType="w" op="lte" fact="0.4"/>
-                    <dgm:constr type="h"/>
-                    <dgm:constr type="tMarg" refType="primFontSz" fact="0.105"/>
-                    <dgm:constr type="bMarg" refType="primFontSz" fact="0.105"/>
-                    <dgm:constr type="lMarg" refType="primFontSz" fact="0.315"/>
-                    <dgm:constr type="rMarg" refType="primFontSz" fact="0.105"/>
-                  </dgm:constrLst>
-                </dgm:if>
-                <dgm:else name="Name15">
-                  <dgm:constrLst>
-                    <dgm:constr type="h" refType="w" op="lte" fact="0.4"/>
-                    <dgm:constr type="h"/>
-                    <dgm:constr type="tMarg" refType="primFontSz" fact="0.105"/>
-                    <dgm:constr type="bMarg" refType="primFontSz" fact="0.105"/>
-                    <dgm:constr type="lMarg" refType="primFontSz" fact="0.105"/>
-                    <dgm:constr type="rMarg" refType="primFontSz" fact="0.315"/>
-                  </dgm:constrLst>
-                </dgm:else>
-              </dgm:choose>
-              <dgm:ruleLst>
-                <dgm:rule type="h" val="INF" fact="NaN" max="NaN"/>
-              </dgm:ruleLst>
-            </dgm:layoutNode>
-            <dgm:layoutNode name="desTx" styleLbl="revTx">
-              <dgm:varLst>
-                <dgm:bulletEnabled val="1"/>
-              </dgm:varLst>
-              <dgm:alg type="tx">
-                <dgm:param type="stBulletLvl" val="1"/>
-              </dgm:alg>
-              <dgm:choose name="Name16">
-                <dgm:if name="Name17" axis="ch" ptType="node" func="cnt" op="gte" val="1">
-                  <dgm:shape xmlns:r="http://schemas.openxmlformats.org/officeDocument/2006/relationships" type="rect" r:blip="">
-                    <dgm:adjLst/>
-                  </dgm:shape>
-                </dgm:if>
-                <dgm:else name="Name18">
-                  <dgm:shape xmlns:r="http://schemas.openxmlformats.org/officeDocument/2006/relationships" type="rect" r:blip="" hideGeom="1">
-                    <dgm:adjLst/>
-                  </dgm:shape>
-                </dgm:else>
-              </dgm:choose>
-              <dgm:presOf axis="des" ptType="node"/>
-              <dgm:constrLst>
-                <dgm:constr type="secFontSz" val="65"/>
-                <dgm:constr type="primFontSz" refType="secFontSz"/>
-                <dgm:constr type="h"/>
-                <dgm:constr type="tMarg"/>
-                <dgm:constr type="bMarg"/>
-                <dgm:constr type="rMarg"/>
-                <dgm:constr type="lMarg"/>
-              </dgm:constrLst>
-              <dgm:ruleLst>
-                <dgm:rule type="h" val="INF" fact="NaN" max="NaN"/>
-              </dgm:ruleLst>
-            </dgm:layoutNode>
-          </dgm:layoutNode>
-          <dgm:forEach name="Name19" axis="followSib" ptType="sibTrans" cnt="1">
-            <dgm:layoutNode name="space">
-              <dgm:alg type="sp"/>
-              <dgm:shape xmlns:r="http://schemas.openxmlformats.org/officeDocument/2006/relationships" r:blip="">
-                <dgm:adjLst/>
-              </dgm:shape>
-              <dgm:presOf/>
-              <dgm:constrLst/>
-              <dgm:ruleLst/>
-            </dgm:layoutNode>
-          </dgm:forEach>
-        </dgm:forEach>
-      </dgm:if>
-      <dgm:else name="Name20">
-        <dgm:constrLst>
-          <dgm:constr type="w" for="ch" forName="parTxOnly" refType="w"/>
-          <dgm:constr type="h" for="des" forName="parTxOnly" op="equ"/>
-          <dgm:constr type="primFontSz" for="des" forName="parTxOnly" op="equ" val="65"/>
-          <dgm:constr type="w" for="ch" forName="parTxOnlySpace" refType="w" refFor="ch" refForName="parTxOnly" fact="-0.1"/>
-        </dgm:constrLst>
-        <dgm:ruleLst/>
-        <dgm:forEach name="Name21" axis="ch" ptType="node">
-          <dgm:layoutNode name="parTxOnly">
-            <dgm:varLst>
-              <dgm:chMax val="0"/>
-              <dgm:chPref val="0"/>
-              <dgm:bulletEnabled val="1"/>
-            </dgm:varLst>
-            <dgm:alg type="tx"/>
-            <dgm:choose name="Name22">
-              <dgm:if name="Name23" func="var" arg="dir" op="equ" val="norm">
-                <dgm:shape xmlns:r="http://schemas.openxmlformats.org/officeDocument/2006/relationships" type="chevron" r:blip="">
-                  <dgm:adjLst/>
-                </dgm:shape>
-              </dgm:if>
-              <dgm:else name="Name24">
-                <dgm:shape xmlns:r="http://schemas.openxmlformats.org/officeDocument/2006/relationships" rot="180" type="chevron" r:blip="">
-                  <dgm:adjLst/>
-                </dgm:shape>
-              </dgm:else>
-            </dgm:choose>
-            <dgm:presOf axis="self" ptType="node"/>
-            <dgm:choose name="Name25">
-              <dgm:if name="Name26" func="var" arg="dir" op="equ" val="norm">
-                <dgm:constrLst>
-                  <dgm:constr type="h" refType="w" op="equ" fact="0.4"/>
-                  <dgm:constr type="tMarg" refType="primFontSz" fact="0.105"/>
-                  <dgm:constr type="bMarg" refType="primFontSz" fact="0.105"/>
-                  <dgm:constr type="lMarg" refType="primFontSz" fact="0.315"/>
-                  <dgm:constr type="rMarg" refType="primFontSz" fact="0.105"/>
-                </dgm:constrLst>
-              </dgm:if>
-              <dgm:else name="Name27">
-                <dgm:constrLst>
-                  <dgm:constr type="h" refType="w" op="equ" fact="0.4"/>
-                  <dgm:constr type="tMarg" refType="primFontSz" fact="0.105"/>
-                  <dgm:constr type="bMarg" refType="primFontSz" fact="0.105"/>
-                  <dgm:constr type="lMarg" refType="primFontSz" fact="0.105"/>
-                  <dgm:constr type="rMarg" refType="primFontSz" fact="0.315"/>
-                </dgm:constrLst>
-              </dgm:else>
-            </dgm:choose>
-            <dgm:ruleLst>
-              <dgm:rule type="primFontSz" val="5" fact="NaN" max="NaN"/>
-            </dgm:ruleLst>
-          </dgm:layoutNode>
-          <dgm:forEach name="Name28" axis="followSib" ptType="sibTrans" cnt="1">
-            <dgm:layoutNode name="parTxOnlySpace">
-              <dgm:alg type="sp"/>
-              <dgm:shape xmlns:r="http://schemas.openxmlformats.org/officeDocument/2006/relationships" r:blip="">
-                <dgm:adjLst/>
-              </dgm:shape>
-              <dgm:presOf/>
-              <dgm:constrLst/>
-              <dgm:ruleLst/>
-            </dgm:layoutNode>
-          </dgm:forEach>
-        </dgm:forEach>
-      </dgm:else>
-    </dgm:choose>
-  </dgm:layoutNode>
-</dgm:layoutDef>
-</file>
-
-<file path=ppt/diagrams/layout16.xml><?xml version="1.0" encoding="utf-8"?>
 <dgm:layoutDef xmlns:dgm="http://schemas.openxmlformats.org/drawingml/2006/diagram" xmlns:a="http://schemas.openxmlformats.org/drawingml/2006/main" uniqueId="urn:microsoft.com/office/officeart/2005/8/layout/chevron1">
   <dgm:title val=""/>
   <dgm:desc val=""/>
@@ -29128,1040 +27789,6 @@
 </dgm:styleDef>
 </file>
 
-<file path=ppt/diagrams/quickStyle16.xml><?xml version="1.0" encoding="utf-8"?>
-<dgm:styleDef xmlns:dgm="http://schemas.openxmlformats.org/drawingml/2006/diagram" xmlns:a="http://schemas.openxmlformats.org/drawingml/2006/main" uniqueId="urn:microsoft.com/office/officeart/2005/8/quickstyle/simple2">
-  <dgm:title val=""/>
-  <dgm:desc val=""/>
-  <dgm:catLst>
-    <dgm:cat type="simple" pri="10200"/>
-  </dgm:catLst>
-  <dgm:scene3d>
-    <a:camera prst="orthographicFront"/>
-    <a:lightRig rig="threePt" dir="t"/>
-  </dgm:scene3d>
-  <dgm:styleLbl name="node0">
-    <dgm:scene3d>
-      <a:camera prst="orthographicFront"/>
-      <a:lightRig rig="threePt" dir="t"/>
-    </dgm:scene3d>
-    <dgm:sp3d/>
-    <dgm:txPr/>
-    <dgm:style>
-      <a:lnRef idx="3">
-        <a:scrgbClr r="0" g="0" b="0"/>
-      </a:lnRef>
-      <a:fillRef idx="1">
-        <a:scrgbClr r="0" g="0" b="0"/>
-      </a:fillRef>
-      <a:effectRef idx="1">
-        <a:scrgbClr r="0" g="0" b="0"/>
-      </a:effectRef>
-      <a:fontRef idx="minor">
-        <a:schemeClr val="lt1"/>
-      </a:fontRef>
-    </dgm:style>
-  </dgm:styleLbl>
-  <dgm:styleLbl name="lnNode1">
-    <dgm:scene3d>
-      <a:camera prst="orthographicFront"/>
-      <a:lightRig rig="threePt" dir="t"/>
-    </dgm:scene3d>
-    <dgm:sp3d/>
-    <dgm:txPr/>
-    <dgm:style>
-      <a:lnRef idx="3">
-        <a:scrgbClr r="0" g="0" b="0"/>
-      </a:lnRef>
-      <a:fillRef idx="1">
-        <a:scrgbClr r="0" g="0" b="0"/>
-      </a:fillRef>
-      <a:effectRef idx="1">
-        <a:scrgbClr r="0" g="0" b="0"/>
-      </a:effectRef>
-      <a:fontRef idx="minor">
-        <a:schemeClr val="lt1"/>
-      </a:fontRef>
-    </dgm:style>
-  </dgm:styleLbl>
-  <dgm:styleLbl name="vennNode1">
-    <dgm:scene3d>
-      <a:camera prst="orthographicFront"/>
-      <a:lightRig rig="threePt" dir="t"/>
-    </dgm:scene3d>
-    <dgm:sp3d/>
-    <dgm:txPr/>
-    <dgm:style>
-      <a:lnRef idx="3">
-        <a:scrgbClr r="0" g="0" b="0"/>
-      </a:lnRef>
-      <a:fillRef idx="1">
-        <a:scrgbClr r="0" g="0" b="0"/>
-      </a:fillRef>
-      <a:effectRef idx="0">
-        <a:scrgbClr r="0" g="0" b="0"/>
-      </a:effectRef>
-      <a:fontRef idx="minor">
-        <a:schemeClr val="tx1"/>
-      </a:fontRef>
-    </dgm:style>
-  </dgm:styleLbl>
-  <dgm:styleLbl name="alignNode1">
-    <dgm:scene3d>
-      <a:camera prst="orthographicFront"/>
-      <a:lightRig rig="threePt" dir="t"/>
-    </dgm:scene3d>
-    <dgm:sp3d/>
-    <dgm:txPr/>
-    <dgm:style>
-      <a:lnRef idx="2">
-        <a:scrgbClr r="0" g="0" b="0"/>
-      </a:lnRef>
-      <a:fillRef idx="1">
-        <a:scrgbClr r="0" g="0" b="0"/>
-      </a:fillRef>
-      <a:effectRef idx="1">
-        <a:scrgbClr r="0" g="0" b="0"/>
-      </a:effectRef>
-      <a:fontRef idx="minor">
-        <a:schemeClr val="lt1"/>
-      </a:fontRef>
-    </dgm:style>
-  </dgm:styleLbl>
-  <dgm:styleLbl name="node1">
-    <dgm:scene3d>
-      <a:camera prst="orthographicFront"/>
-      <a:lightRig rig="threePt" dir="t"/>
-    </dgm:scene3d>
-    <dgm:sp3d/>
-    <dgm:txPr/>
-    <dgm:style>
-      <a:lnRef idx="3">
-        <a:scrgbClr r="0" g="0" b="0"/>
-      </a:lnRef>
-      <a:fillRef idx="1">
-        <a:scrgbClr r="0" g="0" b="0"/>
-      </a:fillRef>
-      <a:effectRef idx="1">
-        <a:scrgbClr r="0" g="0" b="0"/>
-      </a:effectRef>
-      <a:fontRef idx="minor">
-        <a:schemeClr val="lt1"/>
-      </a:fontRef>
-    </dgm:style>
-  </dgm:styleLbl>
-  <dgm:styleLbl name="node2">
-    <dgm:scene3d>
-      <a:camera prst="orthographicFront"/>
-      <a:lightRig rig="threePt" dir="t"/>
-    </dgm:scene3d>
-    <dgm:sp3d/>
-    <dgm:txPr/>
-    <dgm:style>
-      <a:lnRef idx="3">
-        <a:scrgbClr r="0" g="0" b="0"/>
-      </a:lnRef>
-      <a:fillRef idx="1">
-        <a:scrgbClr r="0" g="0" b="0"/>
-      </a:fillRef>
-      <a:effectRef idx="1">
-        <a:scrgbClr r="0" g="0" b="0"/>
-      </a:effectRef>
-      <a:fontRef idx="minor">
-        <a:schemeClr val="lt1"/>
-      </a:fontRef>
-    </dgm:style>
-  </dgm:styleLbl>
-  <dgm:styleLbl name="node3">
-    <dgm:scene3d>
-      <a:camera prst="orthographicFront"/>
-      <a:lightRig rig="threePt" dir="t"/>
-    </dgm:scene3d>
-    <dgm:sp3d/>
-    <dgm:txPr/>
-    <dgm:style>
-      <a:lnRef idx="3">
-        <a:scrgbClr r="0" g="0" b="0"/>
-      </a:lnRef>
-      <a:fillRef idx="1">
-        <a:scrgbClr r="0" g="0" b="0"/>
-      </a:fillRef>
-      <a:effectRef idx="1">
-        <a:scrgbClr r="0" g="0" b="0"/>
-      </a:effectRef>
-      <a:fontRef idx="minor">
-        <a:schemeClr val="lt1"/>
-      </a:fontRef>
-    </dgm:style>
-  </dgm:styleLbl>
-  <dgm:styleLbl name="node4">
-    <dgm:scene3d>
-      <a:camera prst="orthographicFront"/>
-      <a:lightRig rig="threePt" dir="t"/>
-    </dgm:scene3d>
-    <dgm:sp3d/>
-    <dgm:txPr/>
-    <dgm:style>
-      <a:lnRef idx="3">
-        <a:scrgbClr r="0" g="0" b="0"/>
-      </a:lnRef>
-      <a:fillRef idx="1">
-        <a:scrgbClr r="0" g="0" b="0"/>
-      </a:fillRef>
-      <a:effectRef idx="1">
-        <a:scrgbClr r="0" g="0" b="0"/>
-      </a:effectRef>
-      <a:fontRef idx="minor">
-        <a:schemeClr val="lt1"/>
-      </a:fontRef>
-    </dgm:style>
-  </dgm:styleLbl>
-  <dgm:styleLbl name="fgImgPlace1">
-    <dgm:scene3d>
-      <a:camera prst="orthographicFront"/>
-      <a:lightRig rig="threePt" dir="t"/>
-    </dgm:scene3d>
-    <dgm:sp3d/>
-    <dgm:txPr/>
-    <dgm:style>
-      <a:lnRef idx="3">
-        <a:scrgbClr r="0" g="0" b="0"/>
-      </a:lnRef>
-      <a:fillRef idx="1">
-        <a:scrgbClr r="0" g="0" b="0"/>
-      </a:fillRef>
-      <a:effectRef idx="1">
-        <a:scrgbClr r="0" g="0" b="0"/>
-      </a:effectRef>
-      <a:fontRef idx="minor"/>
-    </dgm:style>
-  </dgm:styleLbl>
-  <dgm:styleLbl name="alignImgPlace1">
-    <dgm:scene3d>
-      <a:camera prst="orthographicFront"/>
-      <a:lightRig rig="threePt" dir="t"/>
-    </dgm:scene3d>
-    <dgm:sp3d/>
-    <dgm:txPr/>
-    <dgm:style>
-      <a:lnRef idx="3">
-        <a:scrgbClr r="0" g="0" b="0"/>
-      </a:lnRef>
-      <a:fillRef idx="1">
-        <a:scrgbClr r="0" g="0" b="0"/>
-      </a:fillRef>
-      <a:effectRef idx="1">
-        <a:scrgbClr r="0" g="0" b="0"/>
-      </a:effectRef>
-      <a:fontRef idx="minor"/>
-    </dgm:style>
-  </dgm:styleLbl>
-  <dgm:styleLbl name="bgImgPlace1">
-    <dgm:scene3d>
-      <a:camera prst="orthographicFront"/>
-      <a:lightRig rig="threePt" dir="t"/>
-    </dgm:scene3d>
-    <dgm:sp3d/>
-    <dgm:txPr/>
-    <dgm:style>
-      <a:lnRef idx="3">
-        <a:scrgbClr r="0" g="0" b="0"/>
-      </a:lnRef>
-      <a:fillRef idx="1">
-        <a:scrgbClr r="0" g="0" b="0"/>
-      </a:fillRef>
-      <a:effectRef idx="1">
-        <a:scrgbClr r="0" g="0" b="0"/>
-      </a:effectRef>
-      <a:fontRef idx="minor"/>
-    </dgm:style>
-  </dgm:styleLbl>
-  <dgm:styleLbl name="sibTrans2D1">
-    <dgm:scene3d>
-      <a:camera prst="orthographicFront"/>
-      <a:lightRig rig="threePt" dir="t"/>
-    </dgm:scene3d>
-    <dgm:sp3d/>
-    <dgm:txPr/>
-    <dgm:style>
-      <a:lnRef idx="0">
-        <a:scrgbClr r="0" g="0" b="0"/>
-      </a:lnRef>
-      <a:fillRef idx="1">
-        <a:scrgbClr r="0" g="0" b="0"/>
-      </a:fillRef>
-      <a:effectRef idx="1">
-        <a:scrgbClr r="0" g="0" b="0"/>
-      </a:effectRef>
-      <a:fontRef idx="minor">
-        <a:schemeClr val="lt1"/>
-      </a:fontRef>
-    </dgm:style>
-  </dgm:styleLbl>
-  <dgm:styleLbl name="fgSibTrans2D1">
-    <dgm:scene3d>
-      <a:camera prst="orthographicFront"/>
-      <a:lightRig rig="threePt" dir="t"/>
-    </dgm:scene3d>
-    <dgm:sp3d/>
-    <dgm:txPr/>
-    <dgm:style>
-      <a:lnRef idx="0">
-        <a:scrgbClr r="0" g="0" b="0"/>
-      </a:lnRef>
-      <a:fillRef idx="1">
-        <a:scrgbClr r="0" g="0" b="0"/>
-      </a:fillRef>
-      <a:effectRef idx="1">
-        <a:scrgbClr r="0" g="0" b="0"/>
-      </a:effectRef>
-      <a:fontRef idx="minor">
-        <a:schemeClr val="lt1"/>
-      </a:fontRef>
-    </dgm:style>
-  </dgm:styleLbl>
-  <dgm:styleLbl name="bgSibTrans2D1">
-    <dgm:scene3d>
-      <a:camera prst="orthographicFront"/>
-      <a:lightRig rig="threePt" dir="t"/>
-    </dgm:scene3d>
-    <dgm:sp3d/>
-    <dgm:txPr/>
-    <dgm:style>
-      <a:lnRef idx="0">
-        <a:scrgbClr r="0" g="0" b="0"/>
-      </a:lnRef>
-      <a:fillRef idx="1">
-        <a:scrgbClr r="0" g="0" b="0"/>
-      </a:fillRef>
-      <a:effectRef idx="1">
-        <a:scrgbClr r="0" g="0" b="0"/>
-      </a:effectRef>
-      <a:fontRef idx="minor">
-        <a:schemeClr val="lt1"/>
-      </a:fontRef>
-    </dgm:style>
-  </dgm:styleLbl>
-  <dgm:styleLbl name="sibTrans1D1">
-    <dgm:scene3d>
-      <a:camera prst="orthographicFront"/>
-      <a:lightRig rig="threePt" dir="t"/>
-    </dgm:scene3d>
-    <dgm:sp3d/>
-    <dgm:txPr/>
-    <dgm:style>
-      <a:lnRef idx="1">
-        <a:scrgbClr r="0" g="0" b="0"/>
-      </a:lnRef>
-      <a:fillRef idx="0">
-        <a:scrgbClr r="0" g="0" b="0"/>
-      </a:fillRef>
-      <a:effectRef idx="0">
-        <a:scrgbClr r="0" g="0" b="0"/>
-      </a:effectRef>
-      <a:fontRef idx="minor"/>
-    </dgm:style>
-  </dgm:styleLbl>
-  <dgm:styleLbl name="callout">
-    <dgm:scene3d>
-      <a:camera prst="orthographicFront"/>
-      <a:lightRig rig="threePt" dir="t"/>
-    </dgm:scene3d>
-    <dgm:sp3d/>
-    <dgm:txPr/>
-    <dgm:style>
-      <a:lnRef idx="2">
-        <a:scrgbClr r="0" g="0" b="0"/>
-      </a:lnRef>
-      <a:fillRef idx="1">
-        <a:scrgbClr r="0" g="0" b="0"/>
-      </a:fillRef>
-      <a:effectRef idx="1">
-        <a:scrgbClr r="0" g="0" b="0"/>
-      </a:effectRef>
-      <a:fontRef idx="minor"/>
-    </dgm:style>
-  </dgm:styleLbl>
-  <dgm:styleLbl name="asst0">
-    <dgm:scene3d>
-      <a:camera prst="orthographicFront"/>
-      <a:lightRig rig="threePt" dir="t"/>
-    </dgm:scene3d>
-    <dgm:sp3d/>
-    <dgm:txPr/>
-    <dgm:style>
-      <a:lnRef idx="3">
-        <a:scrgbClr r="0" g="0" b="0"/>
-      </a:lnRef>
-      <a:fillRef idx="1">
-        <a:scrgbClr r="0" g="0" b="0"/>
-      </a:fillRef>
-      <a:effectRef idx="1">
-        <a:scrgbClr r="0" g="0" b="0"/>
-      </a:effectRef>
-      <a:fontRef idx="minor">
-        <a:schemeClr val="lt1"/>
-      </a:fontRef>
-    </dgm:style>
-  </dgm:styleLbl>
-  <dgm:styleLbl name="asst1">
-    <dgm:scene3d>
-      <a:camera prst="orthographicFront"/>
-      <a:lightRig rig="threePt" dir="t"/>
-    </dgm:scene3d>
-    <dgm:sp3d/>
-    <dgm:txPr/>
-    <dgm:style>
-      <a:lnRef idx="3">
-        <a:scrgbClr r="0" g="0" b="0"/>
-      </a:lnRef>
-      <a:fillRef idx="1">
-        <a:scrgbClr r="0" g="0" b="0"/>
-      </a:fillRef>
-      <a:effectRef idx="1">
-        <a:scrgbClr r="0" g="0" b="0"/>
-      </a:effectRef>
-      <a:fontRef idx="minor">
-        <a:schemeClr val="lt1"/>
-      </a:fontRef>
-    </dgm:style>
-  </dgm:styleLbl>
-  <dgm:styleLbl name="asst2">
-    <dgm:scene3d>
-      <a:camera prst="orthographicFront"/>
-      <a:lightRig rig="threePt" dir="t"/>
-    </dgm:scene3d>
-    <dgm:sp3d/>
-    <dgm:txPr/>
-    <dgm:style>
-      <a:lnRef idx="3">
-        <a:scrgbClr r="0" g="0" b="0"/>
-      </a:lnRef>
-      <a:fillRef idx="1">
-        <a:scrgbClr r="0" g="0" b="0"/>
-      </a:fillRef>
-      <a:effectRef idx="1">
-        <a:scrgbClr r="0" g="0" b="0"/>
-      </a:effectRef>
-      <a:fontRef idx="minor">
-        <a:schemeClr val="lt1"/>
-      </a:fontRef>
-    </dgm:style>
-  </dgm:styleLbl>
-  <dgm:styleLbl name="asst3">
-    <dgm:scene3d>
-      <a:camera prst="orthographicFront"/>
-      <a:lightRig rig="threePt" dir="t"/>
-    </dgm:scene3d>
-    <dgm:sp3d/>
-    <dgm:txPr/>
-    <dgm:style>
-      <a:lnRef idx="3">
-        <a:scrgbClr r="0" g="0" b="0"/>
-      </a:lnRef>
-      <a:fillRef idx="1">
-        <a:scrgbClr r="0" g="0" b="0"/>
-      </a:fillRef>
-      <a:effectRef idx="1">
-        <a:scrgbClr r="0" g="0" b="0"/>
-      </a:effectRef>
-      <a:fontRef idx="minor">
-        <a:schemeClr val="lt1"/>
-      </a:fontRef>
-    </dgm:style>
-  </dgm:styleLbl>
-  <dgm:styleLbl name="asst4">
-    <dgm:scene3d>
-      <a:camera prst="orthographicFront"/>
-      <a:lightRig rig="threePt" dir="t"/>
-    </dgm:scene3d>
-    <dgm:sp3d/>
-    <dgm:txPr/>
-    <dgm:style>
-      <a:lnRef idx="3">
-        <a:scrgbClr r="0" g="0" b="0"/>
-      </a:lnRef>
-      <a:fillRef idx="1">
-        <a:scrgbClr r="0" g="0" b="0"/>
-      </a:fillRef>
-      <a:effectRef idx="1">
-        <a:scrgbClr r="0" g="0" b="0"/>
-      </a:effectRef>
-      <a:fontRef idx="minor">
-        <a:schemeClr val="lt1"/>
-      </a:fontRef>
-    </dgm:style>
-  </dgm:styleLbl>
-  <dgm:styleLbl name="parChTrans2D1">
-    <dgm:scene3d>
-      <a:camera prst="orthographicFront"/>
-      <a:lightRig rig="threePt" dir="t"/>
-    </dgm:scene3d>
-    <dgm:sp3d/>
-    <dgm:txPr/>
-    <dgm:style>
-      <a:lnRef idx="3">
-        <a:scrgbClr r="0" g="0" b="0"/>
-      </a:lnRef>
-      <a:fillRef idx="1">
-        <a:scrgbClr r="0" g="0" b="0"/>
-      </a:fillRef>
-      <a:effectRef idx="1">
-        <a:scrgbClr r="0" g="0" b="0"/>
-      </a:effectRef>
-      <a:fontRef idx="minor">
-        <a:schemeClr val="lt1"/>
-      </a:fontRef>
-    </dgm:style>
-  </dgm:styleLbl>
-  <dgm:styleLbl name="parChTrans2D2">
-    <dgm:scene3d>
-      <a:camera prst="orthographicFront"/>
-      <a:lightRig rig="threePt" dir="t"/>
-    </dgm:scene3d>
-    <dgm:sp3d/>
-    <dgm:txPr/>
-    <dgm:style>
-      <a:lnRef idx="3">
-        <a:scrgbClr r="0" g="0" b="0"/>
-      </a:lnRef>
-      <a:fillRef idx="1">
-        <a:scrgbClr r="0" g="0" b="0"/>
-      </a:fillRef>
-      <a:effectRef idx="1">
-        <a:scrgbClr r="0" g="0" b="0"/>
-      </a:effectRef>
-      <a:fontRef idx="minor">
-        <a:schemeClr val="lt1"/>
-      </a:fontRef>
-    </dgm:style>
-  </dgm:styleLbl>
-  <dgm:styleLbl name="parChTrans2D3">
-    <dgm:scene3d>
-      <a:camera prst="orthographicFront"/>
-      <a:lightRig rig="threePt" dir="t"/>
-    </dgm:scene3d>
-    <dgm:sp3d/>
-    <dgm:txPr/>
-    <dgm:style>
-      <a:lnRef idx="3">
-        <a:scrgbClr r="0" g="0" b="0"/>
-      </a:lnRef>
-      <a:fillRef idx="1">
-        <a:scrgbClr r="0" g="0" b="0"/>
-      </a:fillRef>
-      <a:effectRef idx="1">
-        <a:scrgbClr r="0" g="0" b="0"/>
-      </a:effectRef>
-      <a:fontRef idx="minor">
-        <a:schemeClr val="lt1"/>
-      </a:fontRef>
-    </dgm:style>
-  </dgm:styleLbl>
-  <dgm:styleLbl name="parChTrans2D4">
-    <dgm:scene3d>
-      <a:camera prst="orthographicFront"/>
-      <a:lightRig rig="threePt" dir="t"/>
-    </dgm:scene3d>
-    <dgm:sp3d/>
-    <dgm:txPr/>
-    <dgm:style>
-      <a:lnRef idx="3">
-        <a:scrgbClr r="0" g="0" b="0"/>
-      </a:lnRef>
-      <a:fillRef idx="1">
-        <a:scrgbClr r="0" g="0" b="0"/>
-      </a:fillRef>
-      <a:effectRef idx="1">
-        <a:scrgbClr r="0" g="0" b="0"/>
-      </a:effectRef>
-      <a:fontRef idx="minor">
-        <a:schemeClr val="lt1"/>
-      </a:fontRef>
-    </dgm:style>
-  </dgm:styleLbl>
-  <dgm:styleLbl name="parChTrans1D1">
-    <dgm:scene3d>
-      <a:camera prst="orthographicFront"/>
-      <a:lightRig rig="threePt" dir="t"/>
-    </dgm:scene3d>
-    <dgm:sp3d/>
-    <dgm:txPr/>
-    <dgm:style>
-      <a:lnRef idx="2">
-        <a:scrgbClr r="0" g="0" b="0"/>
-      </a:lnRef>
-      <a:fillRef idx="0">
-        <a:scrgbClr r="0" g="0" b="0"/>
-      </a:fillRef>
-      <a:effectRef idx="0">
-        <a:scrgbClr r="0" g="0" b="0"/>
-      </a:effectRef>
-      <a:fontRef idx="minor"/>
-    </dgm:style>
-  </dgm:styleLbl>
-  <dgm:styleLbl name="parChTrans1D2">
-    <dgm:scene3d>
-      <a:camera prst="orthographicFront"/>
-      <a:lightRig rig="threePt" dir="t"/>
-    </dgm:scene3d>
-    <dgm:sp3d/>
-    <dgm:txPr/>
-    <dgm:style>
-      <a:lnRef idx="2">
-        <a:scrgbClr r="0" g="0" b="0"/>
-      </a:lnRef>
-      <a:fillRef idx="0">
-        <a:scrgbClr r="0" g="0" b="0"/>
-      </a:fillRef>
-      <a:effectRef idx="0">
-        <a:scrgbClr r="0" g="0" b="0"/>
-      </a:effectRef>
-      <a:fontRef idx="minor"/>
-    </dgm:style>
-  </dgm:styleLbl>
-  <dgm:styleLbl name="parChTrans1D3">
-    <dgm:scene3d>
-      <a:camera prst="orthographicFront"/>
-      <a:lightRig rig="threePt" dir="t"/>
-    </dgm:scene3d>
-    <dgm:sp3d/>
-    <dgm:txPr/>
-    <dgm:style>
-      <a:lnRef idx="2">
-        <a:scrgbClr r="0" g="0" b="0"/>
-      </a:lnRef>
-      <a:fillRef idx="0">
-        <a:scrgbClr r="0" g="0" b="0"/>
-      </a:fillRef>
-      <a:effectRef idx="0">
-        <a:scrgbClr r="0" g="0" b="0"/>
-      </a:effectRef>
-      <a:fontRef idx="minor"/>
-    </dgm:style>
-  </dgm:styleLbl>
-  <dgm:styleLbl name="parChTrans1D4">
-    <dgm:scene3d>
-      <a:camera prst="orthographicFront"/>
-      <a:lightRig rig="threePt" dir="t"/>
-    </dgm:scene3d>
-    <dgm:sp3d/>
-    <dgm:txPr/>
-    <dgm:style>
-      <a:lnRef idx="2">
-        <a:scrgbClr r="0" g="0" b="0"/>
-      </a:lnRef>
-      <a:fillRef idx="0">
-        <a:scrgbClr r="0" g="0" b="0"/>
-      </a:fillRef>
-      <a:effectRef idx="0">
-        <a:scrgbClr r="0" g="0" b="0"/>
-      </a:effectRef>
-      <a:fontRef idx="minor"/>
-    </dgm:style>
-  </dgm:styleLbl>
-  <dgm:styleLbl name="fgAcc1">
-    <dgm:scene3d>
-      <a:camera prst="orthographicFront"/>
-      <a:lightRig rig="threePt" dir="t"/>
-    </dgm:scene3d>
-    <dgm:sp3d/>
-    <dgm:txPr/>
-    <dgm:style>
-      <a:lnRef idx="2">
-        <a:scrgbClr r="0" g="0" b="0"/>
-      </a:lnRef>
-      <a:fillRef idx="1">
-        <a:scrgbClr r="0" g="0" b="0"/>
-      </a:fillRef>
-      <a:effectRef idx="0">
-        <a:scrgbClr r="0" g="0" b="0"/>
-      </a:effectRef>
-      <a:fontRef idx="minor"/>
-    </dgm:style>
-  </dgm:styleLbl>
-  <dgm:styleLbl name="conFgAcc1">
-    <dgm:scene3d>
-      <a:camera prst="orthographicFront"/>
-      <a:lightRig rig="threePt" dir="t"/>
-    </dgm:scene3d>
-    <dgm:sp3d/>
-    <dgm:txPr/>
-    <dgm:style>
-      <a:lnRef idx="2">
-        <a:scrgbClr r="0" g="0" b="0"/>
-      </a:lnRef>
-      <a:fillRef idx="1">
-        <a:scrgbClr r="0" g="0" b="0"/>
-      </a:fillRef>
-      <a:effectRef idx="0">
-        <a:scrgbClr r="0" g="0" b="0"/>
-      </a:effectRef>
-      <a:fontRef idx="minor"/>
-    </dgm:style>
-  </dgm:styleLbl>
-  <dgm:styleLbl name="alignAcc1">
-    <dgm:scene3d>
-      <a:camera prst="orthographicFront"/>
-      <a:lightRig rig="threePt" dir="t"/>
-    </dgm:scene3d>
-    <dgm:sp3d/>
-    <dgm:txPr/>
-    <dgm:style>
-      <a:lnRef idx="2">
-        <a:scrgbClr r="0" g="0" b="0"/>
-      </a:lnRef>
-      <a:fillRef idx="1">
-        <a:scrgbClr r="0" g="0" b="0"/>
-      </a:fillRef>
-      <a:effectRef idx="0">
-        <a:scrgbClr r="0" g="0" b="0"/>
-      </a:effectRef>
-      <a:fontRef idx="minor"/>
-    </dgm:style>
-  </dgm:styleLbl>
-  <dgm:styleLbl name="trAlignAcc1">
-    <dgm:scene3d>
-      <a:camera prst="orthographicFront"/>
-      <a:lightRig rig="threePt" dir="t"/>
-    </dgm:scene3d>
-    <dgm:sp3d/>
-    <dgm:txPr/>
-    <dgm:style>
-      <a:lnRef idx="1">
-        <a:scrgbClr r="0" g="0" b="0"/>
-      </a:lnRef>
-      <a:fillRef idx="1">
-        <a:scrgbClr r="0" g="0" b="0"/>
-      </a:fillRef>
-      <a:effectRef idx="0">
-        <a:scrgbClr r="0" g="0" b="0"/>
-      </a:effectRef>
-      <a:fontRef idx="minor"/>
-    </dgm:style>
-  </dgm:styleLbl>
-  <dgm:styleLbl name="bgAcc1">
-    <dgm:scene3d>
-      <a:camera prst="orthographicFront"/>
-      <a:lightRig rig="threePt" dir="t"/>
-    </dgm:scene3d>
-    <dgm:sp3d/>
-    <dgm:txPr/>
-    <dgm:style>
-      <a:lnRef idx="2">
-        <a:scrgbClr r="0" g="0" b="0"/>
-      </a:lnRef>
-      <a:fillRef idx="1">
-        <a:scrgbClr r="0" g="0" b="0"/>
-      </a:fillRef>
-      <a:effectRef idx="0">
-        <a:scrgbClr r="0" g="0" b="0"/>
-      </a:effectRef>
-      <a:fontRef idx="minor"/>
-    </dgm:style>
-  </dgm:styleLbl>
-  <dgm:styleLbl name="solidFgAcc1">
-    <dgm:scene3d>
-      <a:camera prst="orthographicFront"/>
-      <a:lightRig rig="threePt" dir="t"/>
-    </dgm:scene3d>
-    <dgm:sp3d/>
-    <dgm:txPr/>
-    <dgm:style>
-      <a:lnRef idx="2">
-        <a:scrgbClr r="0" g="0" b="0"/>
-      </a:lnRef>
-      <a:fillRef idx="1">
-        <a:scrgbClr r="0" g="0" b="0"/>
-      </a:fillRef>
-      <a:effectRef idx="0">
-        <a:scrgbClr r="0" g="0" b="0"/>
-      </a:effectRef>
-      <a:fontRef idx="minor"/>
-    </dgm:style>
-  </dgm:styleLbl>
-  <dgm:styleLbl name="solidAlignAcc1">
-    <dgm:scene3d>
-      <a:camera prst="orthographicFront"/>
-      <a:lightRig rig="threePt" dir="t"/>
-    </dgm:scene3d>
-    <dgm:sp3d/>
-    <dgm:txPr/>
-    <dgm:style>
-      <a:lnRef idx="2">
-        <a:scrgbClr r="0" g="0" b="0"/>
-      </a:lnRef>
-      <a:fillRef idx="1">
-        <a:scrgbClr r="0" g="0" b="0"/>
-      </a:fillRef>
-      <a:effectRef idx="0">
-        <a:scrgbClr r="0" g="0" b="0"/>
-      </a:effectRef>
-      <a:fontRef idx="minor"/>
-    </dgm:style>
-  </dgm:styleLbl>
-  <dgm:styleLbl name="solidBgAcc1">
-    <dgm:scene3d>
-      <a:camera prst="orthographicFront"/>
-      <a:lightRig rig="threePt" dir="t"/>
-    </dgm:scene3d>
-    <dgm:sp3d/>
-    <dgm:txPr/>
-    <dgm:style>
-      <a:lnRef idx="2">
-        <a:scrgbClr r="0" g="0" b="0"/>
-      </a:lnRef>
-      <a:fillRef idx="1">
-        <a:scrgbClr r="0" g="0" b="0"/>
-      </a:fillRef>
-      <a:effectRef idx="0">
-        <a:scrgbClr r="0" g="0" b="0"/>
-      </a:effectRef>
-      <a:fontRef idx="minor"/>
-    </dgm:style>
-  </dgm:styleLbl>
-  <dgm:styleLbl name="fgAccFollowNode1">
-    <dgm:scene3d>
-      <a:camera prst="orthographicFront"/>
-      <a:lightRig rig="threePt" dir="t"/>
-    </dgm:scene3d>
-    <dgm:sp3d/>
-    <dgm:txPr/>
-    <dgm:style>
-      <a:lnRef idx="2">
-        <a:scrgbClr r="0" g="0" b="0"/>
-      </a:lnRef>
-      <a:fillRef idx="1">
-        <a:scrgbClr r="0" g="0" b="0"/>
-      </a:fillRef>
-      <a:effectRef idx="0">
-        <a:scrgbClr r="0" g="0" b="0"/>
-      </a:effectRef>
-      <a:fontRef idx="minor"/>
-    </dgm:style>
-  </dgm:styleLbl>
-  <dgm:styleLbl name="alignAccFollowNode1">
-    <dgm:scene3d>
-      <a:camera prst="orthographicFront"/>
-      <a:lightRig rig="threePt" dir="t"/>
-    </dgm:scene3d>
-    <dgm:sp3d/>
-    <dgm:txPr/>
-    <dgm:style>
-      <a:lnRef idx="2">
-        <a:scrgbClr r="0" g="0" b="0"/>
-      </a:lnRef>
-      <a:fillRef idx="1">
-        <a:scrgbClr r="0" g="0" b="0"/>
-      </a:fillRef>
-      <a:effectRef idx="0">
-        <a:scrgbClr r="0" g="0" b="0"/>
-      </a:effectRef>
-      <a:fontRef idx="minor"/>
-    </dgm:style>
-  </dgm:styleLbl>
-  <dgm:styleLbl name="bgAccFollowNode1">
-    <dgm:scene3d>
-      <a:camera prst="orthographicFront"/>
-      <a:lightRig rig="threePt" dir="t"/>
-    </dgm:scene3d>
-    <dgm:sp3d/>
-    <dgm:txPr/>
-    <dgm:style>
-      <a:lnRef idx="2">
-        <a:scrgbClr r="0" g="0" b="0"/>
-      </a:lnRef>
-      <a:fillRef idx="1">
-        <a:scrgbClr r="0" g="0" b="0"/>
-      </a:fillRef>
-      <a:effectRef idx="0">
-        <a:scrgbClr r="0" g="0" b="0"/>
-      </a:effectRef>
-      <a:fontRef idx="minor"/>
-    </dgm:style>
-  </dgm:styleLbl>
-  <dgm:styleLbl name="fgAcc0">
-    <dgm:scene3d>
-      <a:camera prst="orthographicFront"/>
-      <a:lightRig rig="threePt" dir="t"/>
-    </dgm:scene3d>
-    <dgm:sp3d/>
-    <dgm:txPr/>
-    <dgm:style>
-      <a:lnRef idx="2">
-        <a:scrgbClr r="0" g="0" b="0"/>
-      </a:lnRef>
-      <a:fillRef idx="1">
-        <a:scrgbClr r="0" g="0" b="0"/>
-      </a:fillRef>
-      <a:effectRef idx="0">
-        <a:scrgbClr r="0" g="0" b="0"/>
-      </a:effectRef>
-      <a:fontRef idx="minor"/>
-    </dgm:style>
-  </dgm:styleLbl>
-  <dgm:styleLbl name="fgAcc2">
-    <dgm:scene3d>
-      <a:camera prst="orthographicFront"/>
-      <a:lightRig rig="threePt" dir="t"/>
-    </dgm:scene3d>
-    <dgm:sp3d/>
-    <dgm:txPr/>
-    <dgm:style>
-      <a:lnRef idx="2">
-        <a:scrgbClr r="0" g="0" b="0"/>
-      </a:lnRef>
-      <a:fillRef idx="1">
-        <a:scrgbClr r="0" g="0" b="0"/>
-      </a:fillRef>
-      <a:effectRef idx="0">
-        <a:scrgbClr r="0" g="0" b="0"/>
-      </a:effectRef>
-      <a:fontRef idx="minor"/>
-    </dgm:style>
-  </dgm:styleLbl>
-  <dgm:styleLbl name="fgAcc3">
-    <dgm:scene3d>
-      <a:camera prst="orthographicFront"/>
-      <a:lightRig rig="threePt" dir="t"/>
-    </dgm:scene3d>
-    <dgm:sp3d/>
-    <dgm:txPr/>
-    <dgm:style>
-      <a:lnRef idx="2">
-        <a:scrgbClr r="0" g="0" b="0"/>
-      </a:lnRef>
-      <a:fillRef idx="1">
-        <a:scrgbClr r="0" g="0" b="0"/>
-      </a:fillRef>
-      <a:effectRef idx="0">
-        <a:scrgbClr r="0" g="0" b="0"/>
-      </a:effectRef>
-      <a:fontRef idx="minor"/>
-    </dgm:style>
-  </dgm:styleLbl>
-  <dgm:styleLbl name="fgAcc4">
-    <dgm:scene3d>
-      <a:camera prst="orthographicFront"/>
-      <a:lightRig rig="threePt" dir="t"/>
-    </dgm:scene3d>
-    <dgm:sp3d/>
-    <dgm:txPr/>
-    <dgm:style>
-      <a:lnRef idx="2">
-        <a:scrgbClr r="0" g="0" b="0"/>
-      </a:lnRef>
-      <a:fillRef idx="1">
-        <a:scrgbClr r="0" g="0" b="0"/>
-      </a:fillRef>
-      <a:effectRef idx="0">
-        <a:scrgbClr r="0" g="0" b="0"/>
-      </a:effectRef>
-      <a:fontRef idx="minor"/>
-    </dgm:style>
-  </dgm:styleLbl>
-  <dgm:styleLbl name="bgShp">
-    <dgm:scene3d>
-      <a:camera prst="orthographicFront"/>
-      <a:lightRig rig="threePt" dir="t"/>
-    </dgm:scene3d>
-    <dgm:sp3d/>
-    <dgm:txPr/>
-    <dgm:style>
-      <a:lnRef idx="0">
-        <a:scrgbClr r="0" g="0" b="0"/>
-      </a:lnRef>
-      <a:fillRef idx="1">
-        <a:scrgbClr r="0" g="0" b="0"/>
-      </a:fillRef>
-      <a:effectRef idx="0">
-        <a:scrgbClr r="0" g="0" b="0"/>
-      </a:effectRef>
-      <a:fontRef idx="minor"/>
-    </dgm:style>
-  </dgm:styleLbl>
-  <dgm:styleLbl name="dkBgShp">
-    <dgm:scene3d>
-      <a:camera prst="orthographicFront"/>
-      <a:lightRig rig="threePt" dir="t"/>
-    </dgm:scene3d>
-    <dgm:sp3d/>
-    <dgm:txPr/>
-    <dgm:style>
-      <a:lnRef idx="0">
-        <a:scrgbClr r="0" g="0" b="0"/>
-      </a:lnRef>
-      <a:fillRef idx="1">
-        <a:scrgbClr r="0" g="0" b="0"/>
-      </a:fillRef>
-      <a:effectRef idx="0">
-        <a:scrgbClr r="0" g="0" b="0"/>
-      </a:effectRef>
-      <a:fontRef idx="minor"/>
-    </dgm:style>
-  </dgm:styleLbl>
-  <dgm:styleLbl name="trBgShp">
-    <dgm:scene3d>
-      <a:camera prst="orthographicFront"/>
-      <a:lightRig rig="threePt" dir="t"/>
-    </dgm:scene3d>
-    <dgm:sp3d/>
-    <dgm:txPr/>
-    <dgm:style>
-      <a:lnRef idx="0">
-        <a:scrgbClr r="0" g="0" b="0"/>
-      </a:lnRef>
-      <a:fillRef idx="1">
-        <a:scrgbClr r="0" g="0" b="0"/>
-      </a:fillRef>
-      <a:effectRef idx="0">
-        <a:scrgbClr r="0" g="0" b="0"/>
-      </a:effectRef>
-      <a:fontRef idx="minor"/>
-    </dgm:style>
-  </dgm:styleLbl>
-  <dgm:styleLbl name="fgShp">
-    <dgm:scene3d>
-      <a:camera prst="orthographicFront"/>
-      <a:lightRig rig="threePt" dir="t"/>
-    </dgm:scene3d>
-    <dgm:sp3d/>
-    <dgm:txPr/>
-    <dgm:style>
-      <a:lnRef idx="3">
-        <a:scrgbClr r="0" g="0" b="0"/>
-      </a:lnRef>
-      <a:fillRef idx="1">
-        <a:scrgbClr r="0" g="0" b="0"/>
-      </a:fillRef>
-      <a:effectRef idx="1">
-        <a:scrgbClr r="0" g="0" b="0"/>
-      </a:effectRef>
-      <a:fontRef idx="minor"/>
-    </dgm:style>
-  </dgm:styleLbl>
-  <dgm:styleLbl name="revTx">
-    <dgm:scene3d>
-      <a:camera prst="orthographicFront"/>
-      <a:lightRig rig="threePt" dir="t"/>
-    </dgm:scene3d>
-    <dgm:sp3d/>
-    <dgm:txPr/>
-    <dgm:style>
-      <a:lnRef idx="0">
-        <a:scrgbClr r="0" g="0" b="0"/>
-      </a:lnRef>
-      <a:fillRef idx="0">
-        <a:scrgbClr r="0" g="0" b="0"/>
-      </a:fillRef>
-      <a:effectRef idx="0">
-        <a:scrgbClr r="0" g="0" b="0"/>
-      </a:effectRef>
-      <a:fontRef idx="minor"/>
-    </dgm:style>
-  </dgm:styleLbl>
-</dgm:styleDef>
-</file>
-
 <file path=ppt/diagrams/quickStyle2.xml><?xml version="1.0" encoding="utf-8"?>
 <dgm:styleDef xmlns:dgm="http://schemas.openxmlformats.org/drawingml/2006/diagram" xmlns:a="http://schemas.openxmlformats.org/drawingml/2006/main" uniqueId="urn:microsoft.com/office/officeart/2005/8/quickstyle/simple2">
   <dgm:title val=""/>
@@ -38914,32 +36541,7 @@
           <a:bodyPr/>
           <a:lstStyle/>
           <a:p>
-            <a:pPr marL="0" marR="0" lvl="0" indent="0" algn="l" defTabSz="914400" rtl="0" eaLnBrk="1" fontAlgn="auto" latinLnBrk="0" hangingPunct="1">
-              <a:lnSpc>
-                <a:spcPct val="100000"/>
-              </a:lnSpc>
-              <a:spcBef>
-                <a:spcPts val="0"/>
-              </a:spcBef>
-              <a:spcAft>
-                <a:spcPts val="0"/>
-              </a:spcAft>
-              <a:buClrTx/>
-              <a:buSzTx/>
-              <a:buFontTx/>
-              <a:buNone/>
-              <a:tabLst/>
-              <a:defRPr/>
-            </a:pPr>
-            <a:r>
-              <a:rPr lang="de-DE" dirty="0" smtClean="0"/>
-              <a:t>Zuständig</a:t>
-            </a:r>
-            <a:r>
-              <a:rPr lang="de-DE" baseline="0" dirty="0" smtClean="0"/>
-              <a:t> Angelo</a:t>
-            </a:r>
-            <a:endParaRPr lang="de-DE" dirty="0" smtClean="0"/>
+            <a:endParaRPr lang="de-DE" dirty="0"/>
           </a:p>
         </p:txBody>
       </p:sp>
@@ -38969,7 +36571,7 @@
     </p:spTree>
     <p:extLst>
       <p:ext uri="{BB962C8B-B14F-4D97-AF65-F5344CB8AC3E}">
-        <p14:creationId xmlns:p14="http://schemas.microsoft.com/office/powerpoint/2010/main" val="1939463753"/>
+        <p14:creationId xmlns:p14="http://schemas.microsoft.com/office/powerpoint/2010/main" val="111653762"/>
       </p:ext>
     </p:extLst>
   </p:cSld>
@@ -38980,6 +36582,115 @@
 </file>
 
 <file path=ppt/notesSlides/notesSlide11.xml><?xml version="1.0" encoding="utf-8"?>
+<p:notes xmlns:a="http://schemas.openxmlformats.org/drawingml/2006/main" xmlns:r="http://schemas.openxmlformats.org/officeDocument/2006/relationships" xmlns:p="http://schemas.openxmlformats.org/presentationml/2006/main">
+  <p:cSld>
+    <p:spTree>
+      <p:nvGrpSpPr>
+        <p:cNvPr id="1" name=""/>
+        <p:cNvGrpSpPr/>
+        <p:nvPr/>
+      </p:nvGrpSpPr>
+      <p:grpSpPr>
+        <a:xfrm>
+          <a:off x="0" y="0"/>
+          <a:ext cx="0" cy="0"/>
+          <a:chOff x="0" y="0"/>
+          <a:chExt cx="0" cy="0"/>
+        </a:xfrm>
+      </p:grpSpPr>
+      <p:sp>
+        <p:nvSpPr>
+          <p:cNvPr id="2" name="Folienbildplatzhalter 1"/>
+          <p:cNvSpPr>
+            <a:spLocks noGrp="1" noRot="1" noChangeAspect="1"/>
+          </p:cNvSpPr>
+          <p:nvPr>
+            <p:ph type="sldImg"/>
+          </p:nvPr>
+        </p:nvSpPr>
+        <p:spPr/>
+      </p:sp>
+      <p:sp>
+        <p:nvSpPr>
+          <p:cNvPr id="3" name="Notizenplatzhalter 2"/>
+          <p:cNvSpPr>
+            <a:spLocks noGrp="1"/>
+          </p:cNvSpPr>
+          <p:nvPr>
+            <p:ph type="body" idx="1"/>
+          </p:nvPr>
+        </p:nvSpPr>
+        <p:spPr/>
+        <p:txBody>
+          <a:bodyPr/>
+          <a:lstStyle/>
+          <a:p>
+            <a:pPr marL="0" marR="0" lvl="0" indent="0" algn="l" defTabSz="914400" rtl="0" eaLnBrk="1" fontAlgn="auto" latinLnBrk="0" hangingPunct="1">
+              <a:lnSpc>
+                <a:spcPct val="100000"/>
+              </a:lnSpc>
+              <a:spcBef>
+                <a:spcPts val="0"/>
+              </a:spcBef>
+              <a:spcAft>
+                <a:spcPts val="0"/>
+              </a:spcAft>
+              <a:buClrTx/>
+              <a:buSzTx/>
+              <a:buFontTx/>
+              <a:buNone/>
+              <a:tabLst/>
+              <a:defRPr/>
+            </a:pPr>
+            <a:r>
+              <a:rPr lang="de-DE" dirty="0" smtClean="0"/>
+              <a:t>Zuständig</a:t>
+            </a:r>
+            <a:r>
+              <a:rPr lang="de-DE" baseline="0" dirty="0" smtClean="0"/>
+              <a:t> Hüseyin</a:t>
+            </a:r>
+            <a:endParaRPr lang="de-DE" dirty="0" smtClean="0"/>
+          </a:p>
+        </p:txBody>
+      </p:sp>
+      <p:sp>
+        <p:nvSpPr>
+          <p:cNvPr id="4" name="Foliennummernplatzhalter 3"/>
+          <p:cNvSpPr>
+            <a:spLocks noGrp="1"/>
+          </p:cNvSpPr>
+          <p:nvPr>
+            <p:ph type="sldNum" sz="quarter" idx="10"/>
+          </p:nvPr>
+        </p:nvSpPr>
+        <p:spPr/>
+        <p:txBody>
+          <a:bodyPr/>
+          <a:lstStyle/>
+          <a:p>
+            <a:fld id="{9CCF391E-5C5D-4EA1-8A2D-1AD87DAE70A5}" type="slidenum">
+              <a:rPr lang="de-DE" smtClean="0"/>
+              <a:t>11</a:t>
+            </a:fld>
+            <a:endParaRPr lang="de-DE"/>
+          </a:p>
+        </p:txBody>
+      </p:sp>
+    </p:spTree>
+    <p:extLst>
+      <p:ext uri="{BB962C8B-B14F-4D97-AF65-F5344CB8AC3E}">
+        <p14:creationId xmlns:p14="http://schemas.microsoft.com/office/powerpoint/2010/main" val="4236658229"/>
+      </p:ext>
+    </p:extLst>
+  </p:cSld>
+  <p:clrMapOvr>
+    <a:masterClrMapping/>
+  </p:clrMapOvr>
+</p:notes>
+</file>
+
+<file path=ppt/notesSlides/notesSlide12.xml><?xml version="1.0" encoding="utf-8"?>
 <p:notes xmlns:a="http://schemas.openxmlformats.org/drawingml/2006/main" xmlns:r="http://schemas.openxmlformats.org/officeDocument/2006/relationships" xmlns:p="http://schemas.openxmlformats.org/presentationml/2006/main">
   <p:cSld>
     <p:spTree>
@@ -39069,7 +36780,116 @@
           <a:p>
             <a:fld id="{9CCF391E-5C5D-4EA1-8A2D-1AD87DAE70A5}" type="slidenum">
               <a:rPr lang="de-DE" smtClean="0"/>
-              <a:t>11</a:t>
+              <a:t>13</a:t>
+            </a:fld>
+            <a:endParaRPr lang="de-DE"/>
+          </a:p>
+        </p:txBody>
+      </p:sp>
+    </p:spTree>
+    <p:extLst>
+      <p:ext uri="{BB962C8B-B14F-4D97-AF65-F5344CB8AC3E}">
+        <p14:creationId xmlns:p14="http://schemas.microsoft.com/office/powerpoint/2010/main" val="1939463753"/>
+      </p:ext>
+    </p:extLst>
+  </p:cSld>
+  <p:clrMapOvr>
+    <a:masterClrMapping/>
+  </p:clrMapOvr>
+</p:notes>
+</file>
+
+<file path=ppt/notesSlides/notesSlide13.xml><?xml version="1.0" encoding="utf-8"?>
+<p:notes xmlns:a="http://schemas.openxmlformats.org/drawingml/2006/main" xmlns:r="http://schemas.openxmlformats.org/officeDocument/2006/relationships" xmlns:p="http://schemas.openxmlformats.org/presentationml/2006/main">
+  <p:cSld>
+    <p:spTree>
+      <p:nvGrpSpPr>
+        <p:cNvPr id="1" name=""/>
+        <p:cNvGrpSpPr/>
+        <p:nvPr/>
+      </p:nvGrpSpPr>
+      <p:grpSpPr>
+        <a:xfrm>
+          <a:off x="0" y="0"/>
+          <a:ext cx="0" cy="0"/>
+          <a:chOff x="0" y="0"/>
+          <a:chExt cx="0" cy="0"/>
+        </a:xfrm>
+      </p:grpSpPr>
+      <p:sp>
+        <p:nvSpPr>
+          <p:cNvPr id="2" name="Folienbildplatzhalter 1"/>
+          <p:cNvSpPr>
+            <a:spLocks noGrp="1" noRot="1" noChangeAspect="1"/>
+          </p:cNvSpPr>
+          <p:nvPr>
+            <p:ph type="sldImg"/>
+          </p:nvPr>
+        </p:nvSpPr>
+        <p:spPr/>
+      </p:sp>
+      <p:sp>
+        <p:nvSpPr>
+          <p:cNvPr id="3" name="Notizenplatzhalter 2"/>
+          <p:cNvSpPr>
+            <a:spLocks noGrp="1"/>
+          </p:cNvSpPr>
+          <p:nvPr>
+            <p:ph type="body" idx="1"/>
+          </p:nvPr>
+        </p:nvSpPr>
+        <p:spPr/>
+        <p:txBody>
+          <a:bodyPr/>
+          <a:lstStyle/>
+          <a:p>
+            <a:pPr marL="0" marR="0" lvl="0" indent="0" algn="l" defTabSz="914400" rtl="0" eaLnBrk="1" fontAlgn="auto" latinLnBrk="0" hangingPunct="1">
+              <a:lnSpc>
+                <a:spcPct val="100000"/>
+              </a:lnSpc>
+              <a:spcBef>
+                <a:spcPts val="0"/>
+              </a:spcBef>
+              <a:spcAft>
+                <a:spcPts val="0"/>
+              </a:spcAft>
+              <a:buClrTx/>
+              <a:buSzTx/>
+              <a:buFontTx/>
+              <a:buNone/>
+              <a:tabLst/>
+              <a:defRPr/>
+            </a:pPr>
+            <a:r>
+              <a:rPr lang="de-DE" dirty="0" smtClean="0"/>
+              <a:t>Zuständig</a:t>
+            </a:r>
+            <a:r>
+              <a:rPr lang="de-DE" baseline="0" dirty="0" smtClean="0"/>
+              <a:t> Angelo</a:t>
+            </a:r>
+            <a:endParaRPr lang="de-DE" dirty="0" smtClean="0"/>
+          </a:p>
+        </p:txBody>
+      </p:sp>
+      <p:sp>
+        <p:nvSpPr>
+          <p:cNvPr id="4" name="Foliennummernplatzhalter 3"/>
+          <p:cNvSpPr>
+            <a:spLocks noGrp="1"/>
+          </p:cNvSpPr>
+          <p:nvPr>
+            <p:ph type="sldNum" sz="quarter" idx="10"/>
+          </p:nvPr>
+        </p:nvSpPr>
+        <p:spPr/>
+        <p:txBody>
+          <a:bodyPr/>
+          <a:lstStyle/>
+          <a:p>
+            <a:fld id="{9CCF391E-5C5D-4EA1-8A2D-1AD87DAE70A5}" type="slidenum">
+              <a:rPr lang="de-DE" smtClean="0"/>
+              <a:t>14</a:t>
             </a:fld>
             <a:endParaRPr lang="de-DE"/>
           </a:p>
@@ -39088,7 +36908,7 @@
 </p:notes>
 </file>
 
-<file path=ppt/notesSlides/notesSlide12.xml><?xml version="1.0" encoding="utf-8"?>
+<file path=ppt/notesSlides/notesSlide14.xml><?xml version="1.0" encoding="utf-8"?>
 <p:notes xmlns:a="http://schemas.openxmlformats.org/drawingml/2006/main" xmlns:r="http://schemas.openxmlformats.org/officeDocument/2006/relationships" xmlns:p="http://schemas.openxmlformats.org/presentationml/2006/main">
   <p:cSld>
     <p:spTree>
@@ -39181,7 +37001,7 @@
           <a:p>
             <a:fld id="{9CCF391E-5C5D-4EA1-8A2D-1AD87DAE70A5}" type="slidenum">
               <a:rPr lang="de-DE" smtClean="0"/>
-              <a:t>12</a:t>
+              <a:t>15</a:t>
             </a:fld>
             <a:endParaRPr lang="de-DE"/>
           </a:p>
@@ -39200,7 +37020,7 @@
 </p:notes>
 </file>
 
-<file path=ppt/notesSlides/notesSlide13.xml><?xml version="1.0" encoding="utf-8"?>
+<file path=ppt/notesSlides/notesSlide15.xml><?xml version="1.0" encoding="utf-8"?>
 <p:notes xmlns:a="http://schemas.openxmlformats.org/drawingml/2006/main" xmlns:r="http://schemas.openxmlformats.org/officeDocument/2006/relationships" xmlns:p="http://schemas.openxmlformats.org/presentationml/2006/main">
   <p:cSld>
     <p:spTree>
@@ -39269,7 +37089,7 @@
           <a:p>
             <a:fld id="{9CCF391E-5C5D-4EA1-8A2D-1AD87DAE70A5}" type="slidenum">
               <a:rPr lang="de-DE" smtClean="0"/>
-              <a:t>13</a:t>
+              <a:t>16</a:t>
             </a:fld>
             <a:endParaRPr lang="de-DE"/>
           </a:p>
@@ -39279,174 +37099,6 @@
     <p:extLst>
       <p:ext uri="{BB962C8B-B14F-4D97-AF65-F5344CB8AC3E}">
         <p14:creationId xmlns:p14="http://schemas.microsoft.com/office/powerpoint/2010/main" val="3932102347"/>
-      </p:ext>
-    </p:extLst>
-  </p:cSld>
-  <p:clrMapOvr>
-    <a:masterClrMapping/>
-  </p:clrMapOvr>
-</p:notes>
-</file>
-
-<file path=ppt/notesSlides/notesSlide14.xml><?xml version="1.0" encoding="utf-8"?>
-<p:notes xmlns:a="http://schemas.openxmlformats.org/drawingml/2006/main" xmlns:r="http://schemas.openxmlformats.org/officeDocument/2006/relationships" xmlns:p="http://schemas.openxmlformats.org/presentationml/2006/main">
-  <p:cSld>
-    <p:spTree>
-      <p:nvGrpSpPr>
-        <p:cNvPr id="1" name=""/>
-        <p:cNvGrpSpPr/>
-        <p:nvPr/>
-      </p:nvGrpSpPr>
-      <p:grpSpPr>
-        <a:xfrm>
-          <a:off x="0" y="0"/>
-          <a:ext cx="0" cy="0"/>
-          <a:chOff x="0" y="0"/>
-          <a:chExt cx="0" cy="0"/>
-        </a:xfrm>
-      </p:grpSpPr>
-      <p:sp>
-        <p:nvSpPr>
-          <p:cNvPr id="2" name="Folienbildplatzhalter 1"/>
-          <p:cNvSpPr>
-            <a:spLocks noGrp="1" noRot="1" noChangeAspect="1"/>
-          </p:cNvSpPr>
-          <p:nvPr>
-            <p:ph type="sldImg"/>
-          </p:nvPr>
-        </p:nvSpPr>
-        <p:spPr/>
-      </p:sp>
-      <p:sp>
-        <p:nvSpPr>
-          <p:cNvPr id="3" name="Notizenplatzhalter 2"/>
-          <p:cNvSpPr>
-            <a:spLocks noGrp="1"/>
-          </p:cNvSpPr>
-          <p:nvPr>
-            <p:ph type="body" idx="1"/>
-          </p:nvPr>
-        </p:nvSpPr>
-        <p:spPr/>
-        <p:txBody>
-          <a:bodyPr/>
-          <a:lstStyle/>
-          <a:p>
-            <a:endParaRPr lang="de-DE" dirty="0"/>
-          </a:p>
-        </p:txBody>
-      </p:sp>
-      <p:sp>
-        <p:nvSpPr>
-          <p:cNvPr id="4" name="Foliennummernplatzhalter 3"/>
-          <p:cNvSpPr>
-            <a:spLocks noGrp="1"/>
-          </p:cNvSpPr>
-          <p:nvPr>
-            <p:ph type="sldNum" sz="quarter" idx="10"/>
-          </p:nvPr>
-        </p:nvSpPr>
-        <p:spPr/>
-        <p:txBody>
-          <a:bodyPr/>
-          <a:lstStyle/>
-          <a:p>
-            <a:fld id="{9CCF391E-5C5D-4EA1-8A2D-1AD87DAE70A5}" type="slidenum">
-              <a:rPr lang="de-DE" smtClean="0"/>
-              <a:t>14</a:t>
-            </a:fld>
-            <a:endParaRPr lang="de-DE"/>
-          </a:p>
-        </p:txBody>
-      </p:sp>
-    </p:spTree>
-    <p:extLst>
-      <p:ext uri="{BB962C8B-B14F-4D97-AF65-F5344CB8AC3E}">
-        <p14:creationId xmlns:p14="http://schemas.microsoft.com/office/powerpoint/2010/main" val="3763017894"/>
-      </p:ext>
-    </p:extLst>
-  </p:cSld>
-  <p:clrMapOvr>
-    <a:masterClrMapping/>
-  </p:clrMapOvr>
-</p:notes>
-</file>
-
-<file path=ppt/notesSlides/notesSlide15.xml><?xml version="1.0" encoding="utf-8"?>
-<p:notes xmlns:a="http://schemas.openxmlformats.org/drawingml/2006/main" xmlns:r="http://schemas.openxmlformats.org/officeDocument/2006/relationships" xmlns:p="http://schemas.openxmlformats.org/presentationml/2006/main">
-  <p:cSld>
-    <p:spTree>
-      <p:nvGrpSpPr>
-        <p:cNvPr id="1" name=""/>
-        <p:cNvGrpSpPr/>
-        <p:nvPr/>
-      </p:nvGrpSpPr>
-      <p:grpSpPr>
-        <a:xfrm>
-          <a:off x="0" y="0"/>
-          <a:ext cx="0" cy="0"/>
-          <a:chOff x="0" y="0"/>
-          <a:chExt cx="0" cy="0"/>
-        </a:xfrm>
-      </p:grpSpPr>
-      <p:sp>
-        <p:nvSpPr>
-          <p:cNvPr id="2" name="Folienbildplatzhalter 1"/>
-          <p:cNvSpPr>
-            <a:spLocks noGrp="1" noRot="1" noChangeAspect="1"/>
-          </p:cNvSpPr>
-          <p:nvPr>
-            <p:ph type="sldImg"/>
-          </p:nvPr>
-        </p:nvSpPr>
-        <p:spPr/>
-      </p:sp>
-      <p:sp>
-        <p:nvSpPr>
-          <p:cNvPr id="3" name="Notizenplatzhalter 2"/>
-          <p:cNvSpPr>
-            <a:spLocks noGrp="1"/>
-          </p:cNvSpPr>
-          <p:nvPr>
-            <p:ph type="body" idx="1"/>
-          </p:nvPr>
-        </p:nvSpPr>
-        <p:spPr/>
-        <p:txBody>
-          <a:bodyPr/>
-          <a:lstStyle/>
-          <a:p>
-            <a:endParaRPr lang="de-DE" dirty="0"/>
-          </a:p>
-        </p:txBody>
-      </p:sp>
-      <p:sp>
-        <p:nvSpPr>
-          <p:cNvPr id="4" name="Foliennummernplatzhalter 3"/>
-          <p:cNvSpPr>
-            <a:spLocks noGrp="1"/>
-          </p:cNvSpPr>
-          <p:nvPr>
-            <p:ph type="sldNum" sz="quarter" idx="10"/>
-          </p:nvPr>
-        </p:nvSpPr>
-        <p:spPr/>
-        <p:txBody>
-          <a:bodyPr/>
-          <a:lstStyle/>
-          <a:p>
-            <a:fld id="{9CCF391E-5C5D-4EA1-8A2D-1AD87DAE70A5}" type="slidenum">
-              <a:rPr lang="de-DE" smtClean="0"/>
-              <a:t>15</a:t>
-            </a:fld>
-            <a:endParaRPr lang="de-DE"/>
-          </a:p>
-        </p:txBody>
-      </p:sp>
-    </p:spTree>
-    <p:extLst>
-      <p:ext uri="{BB962C8B-B14F-4D97-AF65-F5344CB8AC3E}">
-        <p14:creationId xmlns:p14="http://schemas.microsoft.com/office/powerpoint/2010/main" val="4071012174"/>
       </p:ext>
     </p:extLst>
   </p:cSld>
@@ -39521,7 +37173,175 @@
           <a:p>
             <a:fld id="{9CCF391E-5C5D-4EA1-8A2D-1AD87DAE70A5}" type="slidenum">
               <a:rPr lang="de-DE" smtClean="0"/>
-              <a:t>16</a:t>
+              <a:t>17</a:t>
+            </a:fld>
+            <a:endParaRPr lang="de-DE"/>
+          </a:p>
+        </p:txBody>
+      </p:sp>
+    </p:spTree>
+    <p:extLst>
+      <p:ext uri="{BB962C8B-B14F-4D97-AF65-F5344CB8AC3E}">
+        <p14:creationId xmlns:p14="http://schemas.microsoft.com/office/powerpoint/2010/main" val="3763017894"/>
+      </p:ext>
+    </p:extLst>
+  </p:cSld>
+  <p:clrMapOvr>
+    <a:masterClrMapping/>
+  </p:clrMapOvr>
+</p:notes>
+</file>
+
+<file path=ppt/notesSlides/notesSlide17.xml><?xml version="1.0" encoding="utf-8"?>
+<p:notes xmlns:a="http://schemas.openxmlformats.org/drawingml/2006/main" xmlns:r="http://schemas.openxmlformats.org/officeDocument/2006/relationships" xmlns:p="http://schemas.openxmlformats.org/presentationml/2006/main">
+  <p:cSld>
+    <p:spTree>
+      <p:nvGrpSpPr>
+        <p:cNvPr id="1" name=""/>
+        <p:cNvGrpSpPr/>
+        <p:nvPr/>
+      </p:nvGrpSpPr>
+      <p:grpSpPr>
+        <a:xfrm>
+          <a:off x="0" y="0"/>
+          <a:ext cx="0" cy="0"/>
+          <a:chOff x="0" y="0"/>
+          <a:chExt cx="0" cy="0"/>
+        </a:xfrm>
+      </p:grpSpPr>
+      <p:sp>
+        <p:nvSpPr>
+          <p:cNvPr id="2" name="Folienbildplatzhalter 1"/>
+          <p:cNvSpPr>
+            <a:spLocks noGrp="1" noRot="1" noChangeAspect="1"/>
+          </p:cNvSpPr>
+          <p:nvPr>
+            <p:ph type="sldImg"/>
+          </p:nvPr>
+        </p:nvSpPr>
+        <p:spPr/>
+      </p:sp>
+      <p:sp>
+        <p:nvSpPr>
+          <p:cNvPr id="3" name="Notizenplatzhalter 2"/>
+          <p:cNvSpPr>
+            <a:spLocks noGrp="1"/>
+          </p:cNvSpPr>
+          <p:nvPr>
+            <p:ph type="body" idx="1"/>
+          </p:nvPr>
+        </p:nvSpPr>
+        <p:spPr/>
+        <p:txBody>
+          <a:bodyPr/>
+          <a:lstStyle/>
+          <a:p>
+            <a:endParaRPr lang="de-DE" dirty="0"/>
+          </a:p>
+        </p:txBody>
+      </p:sp>
+      <p:sp>
+        <p:nvSpPr>
+          <p:cNvPr id="4" name="Foliennummernplatzhalter 3"/>
+          <p:cNvSpPr>
+            <a:spLocks noGrp="1"/>
+          </p:cNvSpPr>
+          <p:nvPr>
+            <p:ph type="sldNum" sz="quarter" idx="10"/>
+          </p:nvPr>
+        </p:nvSpPr>
+        <p:spPr/>
+        <p:txBody>
+          <a:bodyPr/>
+          <a:lstStyle/>
+          <a:p>
+            <a:fld id="{9CCF391E-5C5D-4EA1-8A2D-1AD87DAE70A5}" type="slidenum">
+              <a:rPr lang="de-DE" smtClean="0"/>
+              <a:t>18</a:t>
+            </a:fld>
+            <a:endParaRPr lang="de-DE"/>
+          </a:p>
+        </p:txBody>
+      </p:sp>
+    </p:spTree>
+    <p:extLst>
+      <p:ext uri="{BB962C8B-B14F-4D97-AF65-F5344CB8AC3E}">
+        <p14:creationId xmlns:p14="http://schemas.microsoft.com/office/powerpoint/2010/main" val="4071012174"/>
+      </p:ext>
+    </p:extLst>
+  </p:cSld>
+  <p:clrMapOvr>
+    <a:masterClrMapping/>
+  </p:clrMapOvr>
+</p:notes>
+</file>
+
+<file path=ppt/notesSlides/notesSlide18.xml><?xml version="1.0" encoding="utf-8"?>
+<p:notes xmlns:a="http://schemas.openxmlformats.org/drawingml/2006/main" xmlns:r="http://schemas.openxmlformats.org/officeDocument/2006/relationships" xmlns:p="http://schemas.openxmlformats.org/presentationml/2006/main">
+  <p:cSld>
+    <p:spTree>
+      <p:nvGrpSpPr>
+        <p:cNvPr id="1" name=""/>
+        <p:cNvGrpSpPr/>
+        <p:nvPr/>
+      </p:nvGrpSpPr>
+      <p:grpSpPr>
+        <a:xfrm>
+          <a:off x="0" y="0"/>
+          <a:ext cx="0" cy="0"/>
+          <a:chOff x="0" y="0"/>
+          <a:chExt cx="0" cy="0"/>
+        </a:xfrm>
+      </p:grpSpPr>
+      <p:sp>
+        <p:nvSpPr>
+          <p:cNvPr id="2" name="Folienbildplatzhalter 1"/>
+          <p:cNvSpPr>
+            <a:spLocks noGrp="1" noRot="1" noChangeAspect="1"/>
+          </p:cNvSpPr>
+          <p:nvPr>
+            <p:ph type="sldImg"/>
+          </p:nvPr>
+        </p:nvSpPr>
+        <p:spPr/>
+      </p:sp>
+      <p:sp>
+        <p:nvSpPr>
+          <p:cNvPr id="3" name="Notizenplatzhalter 2"/>
+          <p:cNvSpPr>
+            <a:spLocks noGrp="1"/>
+          </p:cNvSpPr>
+          <p:nvPr>
+            <p:ph type="body" idx="1"/>
+          </p:nvPr>
+        </p:nvSpPr>
+        <p:spPr/>
+        <p:txBody>
+          <a:bodyPr/>
+          <a:lstStyle/>
+          <a:p>
+            <a:endParaRPr lang="de-DE" dirty="0"/>
+          </a:p>
+        </p:txBody>
+      </p:sp>
+      <p:sp>
+        <p:nvSpPr>
+          <p:cNvPr id="4" name="Foliennummernplatzhalter 3"/>
+          <p:cNvSpPr>
+            <a:spLocks noGrp="1"/>
+          </p:cNvSpPr>
+          <p:nvPr>
+            <p:ph type="sldNum" sz="quarter" idx="10"/>
+          </p:nvPr>
+        </p:nvSpPr>
+        <p:spPr/>
+        <p:txBody>
+          <a:bodyPr/>
+          <a:lstStyle/>
+          <a:p>
+            <a:fld id="{9CCF391E-5C5D-4EA1-8A2D-1AD87DAE70A5}" type="slidenum">
+              <a:rPr lang="de-DE" smtClean="0"/>
+              <a:t>19</a:t>
             </a:fld>
             <a:endParaRPr lang="de-DE"/>
           </a:p>
@@ -39684,6 +37504,90 @@
           <a:bodyPr/>
           <a:lstStyle/>
           <a:p>
+            <a:endParaRPr lang="de-DE" dirty="0"/>
+          </a:p>
+        </p:txBody>
+      </p:sp>
+      <p:sp>
+        <p:nvSpPr>
+          <p:cNvPr id="4" name="Foliennummernplatzhalter 3"/>
+          <p:cNvSpPr>
+            <a:spLocks noGrp="1"/>
+          </p:cNvSpPr>
+          <p:nvPr>
+            <p:ph type="sldNum" sz="quarter" idx="10"/>
+          </p:nvPr>
+        </p:nvSpPr>
+        <p:spPr/>
+        <p:txBody>
+          <a:bodyPr/>
+          <a:lstStyle/>
+          <a:p>
+            <a:fld id="{9CCF391E-5C5D-4EA1-8A2D-1AD87DAE70A5}" type="slidenum">
+              <a:rPr lang="de-DE" smtClean="0"/>
+              <a:t>3</a:t>
+            </a:fld>
+            <a:endParaRPr lang="de-DE"/>
+          </a:p>
+        </p:txBody>
+      </p:sp>
+    </p:spTree>
+    <p:extLst>
+      <p:ext uri="{BB962C8B-B14F-4D97-AF65-F5344CB8AC3E}">
+        <p14:creationId xmlns:p14="http://schemas.microsoft.com/office/powerpoint/2010/main" val="824907617"/>
+      </p:ext>
+    </p:extLst>
+  </p:cSld>
+  <p:clrMapOvr>
+    <a:masterClrMapping/>
+  </p:clrMapOvr>
+</p:notes>
+</file>
+
+<file path=ppt/notesSlides/notesSlide4.xml><?xml version="1.0" encoding="utf-8"?>
+<p:notes xmlns:a="http://schemas.openxmlformats.org/drawingml/2006/main" xmlns:r="http://schemas.openxmlformats.org/officeDocument/2006/relationships" xmlns:p="http://schemas.openxmlformats.org/presentationml/2006/main">
+  <p:cSld>
+    <p:spTree>
+      <p:nvGrpSpPr>
+        <p:cNvPr id="1" name=""/>
+        <p:cNvGrpSpPr/>
+        <p:nvPr/>
+      </p:nvGrpSpPr>
+      <p:grpSpPr>
+        <a:xfrm>
+          <a:off x="0" y="0"/>
+          <a:ext cx="0" cy="0"/>
+          <a:chOff x="0" y="0"/>
+          <a:chExt cx="0" cy="0"/>
+        </a:xfrm>
+      </p:grpSpPr>
+      <p:sp>
+        <p:nvSpPr>
+          <p:cNvPr id="2" name="Folienbildplatzhalter 1"/>
+          <p:cNvSpPr>
+            <a:spLocks noGrp="1" noRot="1" noChangeAspect="1"/>
+          </p:cNvSpPr>
+          <p:nvPr>
+            <p:ph type="sldImg"/>
+          </p:nvPr>
+        </p:nvSpPr>
+        <p:spPr/>
+      </p:sp>
+      <p:sp>
+        <p:nvSpPr>
+          <p:cNvPr id="3" name="Notizenplatzhalter 2"/>
+          <p:cNvSpPr>
+            <a:spLocks noGrp="1"/>
+          </p:cNvSpPr>
+          <p:nvPr>
+            <p:ph type="body" idx="1"/>
+          </p:nvPr>
+        </p:nvSpPr>
+        <p:spPr/>
+        <p:txBody>
+          <a:bodyPr/>
+          <a:lstStyle/>
+          <a:p>
             <a:r>
               <a:rPr lang="de-DE" dirty="0"/>
               <a:t>Vorstellung des Projekts anhand der Skizze</a:t>
@@ -39708,7 +37612,7 @@
           <a:p>
             <a:fld id="{9CCF391E-5C5D-4EA1-8A2D-1AD87DAE70A5}" type="slidenum">
               <a:rPr lang="de-DE" smtClean="0"/>
-              <a:t>3</a:t>
+              <a:t>4</a:t>
             </a:fld>
             <a:endParaRPr lang="de-DE"/>
           </a:p>
@@ -39727,7 +37631,7 @@
 </p:notes>
 </file>
 
-<file path=ppt/notesSlides/notesSlide4.xml><?xml version="1.0" encoding="utf-8"?>
+<file path=ppt/notesSlides/notesSlide5.xml><?xml version="1.0" encoding="utf-8"?>
 <p:notes xmlns:a="http://schemas.openxmlformats.org/drawingml/2006/main" xmlns:r="http://schemas.openxmlformats.org/officeDocument/2006/relationships" xmlns:p="http://schemas.openxmlformats.org/presentationml/2006/main">
   <p:cSld>
     <p:spTree>
@@ -39792,7 +37696,7 @@
           <a:p>
             <a:fld id="{9CCF391E-5C5D-4EA1-8A2D-1AD87DAE70A5}" type="slidenum">
               <a:rPr lang="de-DE" smtClean="0"/>
-              <a:t>4</a:t>
+              <a:t>5</a:t>
             </a:fld>
             <a:endParaRPr lang="de-DE"/>
           </a:p>
@@ -39811,7 +37715,7 @@
 </p:notes>
 </file>
 
-<file path=ppt/notesSlides/notesSlide5.xml><?xml version="1.0" encoding="utf-8"?>
+<file path=ppt/notesSlides/notesSlide6.xml><?xml version="1.0" encoding="utf-8"?>
 <p:notes xmlns:a="http://schemas.openxmlformats.org/drawingml/2006/main" xmlns:r="http://schemas.openxmlformats.org/officeDocument/2006/relationships" xmlns:p="http://schemas.openxmlformats.org/presentationml/2006/main">
   <p:cSld>
     <p:spTree>
@@ -39880,7 +37784,7 @@
           <a:p>
             <a:fld id="{9CCF391E-5C5D-4EA1-8A2D-1AD87DAE70A5}" type="slidenum">
               <a:rPr lang="de-DE" smtClean="0"/>
-              <a:t>5</a:t>
+              <a:t>6</a:t>
             </a:fld>
             <a:endParaRPr lang="de-DE"/>
           </a:p>
@@ -39890,90 +37794,6 @@
     <p:extLst>
       <p:ext uri="{BB962C8B-B14F-4D97-AF65-F5344CB8AC3E}">
         <p14:creationId xmlns:p14="http://schemas.microsoft.com/office/powerpoint/2010/main" val="4208092413"/>
-      </p:ext>
-    </p:extLst>
-  </p:cSld>
-  <p:clrMapOvr>
-    <a:masterClrMapping/>
-  </p:clrMapOvr>
-</p:notes>
-</file>
-
-<file path=ppt/notesSlides/notesSlide6.xml><?xml version="1.0" encoding="utf-8"?>
-<p:notes xmlns:a="http://schemas.openxmlformats.org/drawingml/2006/main" xmlns:r="http://schemas.openxmlformats.org/officeDocument/2006/relationships" xmlns:p="http://schemas.openxmlformats.org/presentationml/2006/main">
-  <p:cSld>
-    <p:spTree>
-      <p:nvGrpSpPr>
-        <p:cNvPr id="1" name=""/>
-        <p:cNvGrpSpPr/>
-        <p:nvPr/>
-      </p:nvGrpSpPr>
-      <p:grpSpPr>
-        <a:xfrm>
-          <a:off x="0" y="0"/>
-          <a:ext cx="0" cy="0"/>
-          <a:chOff x="0" y="0"/>
-          <a:chExt cx="0" cy="0"/>
-        </a:xfrm>
-      </p:grpSpPr>
-      <p:sp>
-        <p:nvSpPr>
-          <p:cNvPr id="2" name="Folienbildplatzhalter 1"/>
-          <p:cNvSpPr>
-            <a:spLocks noGrp="1" noRot="1" noChangeAspect="1"/>
-          </p:cNvSpPr>
-          <p:nvPr>
-            <p:ph type="sldImg"/>
-          </p:nvPr>
-        </p:nvSpPr>
-        <p:spPr/>
-      </p:sp>
-      <p:sp>
-        <p:nvSpPr>
-          <p:cNvPr id="3" name="Notizenplatzhalter 2"/>
-          <p:cNvSpPr>
-            <a:spLocks noGrp="1"/>
-          </p:cNvSpPr>
-          <p:nvPr>
-            <p:ph type="body" idx="1"/>
-          </p:nvPr>
-        </p:nvSpPr>
-        <p:spPr/>
-        <p:txBody>
-          <a:bodyPr/>
-          <a:lstStyle/>
-          <a:p>
-            <a:endParaRPr lang="de-DE" dirty="0"/>
-          </a:p>
-        </p:txBody>
-      </p:sp>
-      <p:sp>
-        <p:nvSpPr>
-          <p:cNvPr id="4" name="Foliennummernplatzhalter 3"/>
-          <p:cNvSpPr>
-            <a:spLocks noGrp="1"/>
-          </p:cNvSpPr>
-          <p:nvPr>
-            <p:ph type="sldNum" sz="quarter" idx="10"/>
-          </p:nvPr>
-        </p:nvSpPr>
-        <p:spPr/>
-        <p:txBody>
-          <a:bodyPr/>
-          <a:lstStyle/>
-          <a:p>
-            <a:fld id="{9CCF391E-5C5D-4EA1-8A2D-1AD87DAE70A5}" type="slidenum">
-              <a:rPr lang="de-DE" smtClean="0"/>
-              <a:t>6</a:t>
-            </a:fld>
-            <a:endParaRPr lang="de-DE"/>
-          </a:p>
-        </p:txBody>
-      </p:sp>
-    </p:spTree>
-    <p:extLst>
-      <p:ext uri="{BB962C8B-B14F-4D97-AF65-F5344CB8AC3E}">
-        <p14:creationId xmlns:p14="http://schemas.microsoft.com/office/powerpoint/2010/main" val="1630585595"/>
       </p:ext>
     </p:extLst>
   </p:cSld>
@@ -40054,6 +37874,9 @@
             </a:r>
             <a:endParaRPr lang="de-DE" dirty="0" smtClean="0"/>
           </a:p>
+          <a:p>
+            <a:endParaRPr lang="de-DE" dirty="0"/>
+          </a:p>
         </p:txBody>
       </p:sp>
       <p:sp>
@@ -40082,7 +37905,7 @@
     </p:spTree>
     <p:extLst>
       <p:ext uri="{BB962C8B-B14F-4D97-AF65-F5344CB8AC3E}">
-        <p14:creationId xmlns:p14="http://schemas.microsoft.com/office/powerpoint/2010/main" val="1352689730"/>
+        <p14:creationId xmlns:p14="http://schemas.microsoft.com/office/powerpoint/2010/main" val="1630585595"/>
       </p:ext>
     </p:extLst>
   </p:cSld>
@@ -40191,7 +38014,7 @@
     </p:spTree>
     <p:extLst>
       <p:ext uri="{BB962C8B-B14F-4D97-AF65-F5344CB8AC3E}">
-        <p14:creationId xmlns:p14="http://schemas.microsoft.com/office/powerpoint/2010/main" val="2696556399"/>
+        <p14:creationId xmlns:p14="http://schemas.microsoft.com/office/powerpoint/2010/main" val="1352689730"/>
       </p:ext>
     </p:extLst>
   </p:cSld>
@@ -40268,7 +38091,7 @@
             </a:r>
             <a:r>
               <a:rPr lang="de-DE" baseline="0" dirty="0" smtClean="0"/>
-              <a:t> Hüseyin</a:t>
+              <a:t> Daniel</a:t>
             </a:r>
             <a:endParaRPr lang="de-DE" dirty="0" smtClean="0"/>
           </a:p>
@@ -40300,7 +38123,7 @@
     </p:spTree>
     <p:extLst>
       <p:ext uri="{BB962C8B-B14F-4D97-AF65-F5344CB8AC3E}">
-        <p14:creationId xmlns:p14="http://schemas.microsoft.com/office/powerpoint/2010/main" val="4236658229"/>
+        <p14:creationId xmlns:p14="http://schemas.microsoft.com/office/powerpoint/2010/main" val="2696556399"/>
       </p:ext>
     </p:extLst>
   </p:cSld>
@@ -43908,6 +41731,493 @@
         </p:blipFill>
         <p:spPr>
           <a:xfrm>
+            <a:off x="5183048" y="3048554"/>
+            <a:ext cx="1392702" cy="401920"/>
+          </a:xfrm>
+          <a:prstGeom prst="rect">
+            <a:avLst/>
+          </a:prstGeom>
+        </p:spPr>
+      </p:pic>
+      <p:sp>
+        <p:nvSpPr>
+          <p:cNvPr id="6" name="Rechteck 5">
+            <a:extLst>
+              <a:ext uri="{FF2B5EF4-FFF2-40B4-BE49-F238E27FC236}">
+                <a16:creationId xmlns:a16="http://schemas.microsoft.com/office/drawing/2014/main" id="{EFECEC75-4288-4464-8926-6B01DB1D4558}"/>
+              </a:ext>
+            </a:extLst>
+          </p:cNvPr>
+          <p:cNvSpPr/>
+          <p:nvPr/>
+        </p:nvSpPr>
+        <p:spPr>
+          <a:xfrm>
+            <a:off x="2445986" y="3450474"/>
+            <a:ext cx="6866826" cy="754694"/>
+          </a:xfrm>
+          <a:prstGeom prst="rect">
+            <a:avLst/>
+          </a:prstGeom>
+        </p:spPr>
+        <p:txBody>
+          <a:bodyPr wrap="square">
+            <a:spAutoFit/>
+          </a:bodyPr>
+          <a:lstStyle/>
+          <a:p>
+            <a:pPr lvl="1">
+              <a:lnSpc>
+                <a:spcPct val="150000"/>
+              </a:lnSpc>
+            </a:pPr>
+            <a:r>
+              <a:rPr lang="de-DE" sz="3200" b="1" dirty="0" smtClean="0">
+                <a:solidFill>
+                  <a:srgbClr val="385723"/>
+                </a:solidFill>
+                <a:latin typeface="Corbel Light" panose="020B0303020204020204" pitchFamily="34" charset="0"/>
+              </a:rPr>
+              <a:t>Schwerpunkte der Implementierung</a:t>
+            </a:r>
+            <a:endParaRPr lang="de-DE" sz="3200" b="1" dirty="0">
+              <a:solidFill>
+                <a:srgbClr val="385723"/>
+              </a:solidFill>
+              <a:latin typeface="Corbel Light" panose="020B0303020204020204" pitchFamily="34" charset="0"/>
+            </a:endParaRPr>
+          </a:p>
+        </p:txBody>
+      </p:sp>
+    </p:spTree>
+    <p:extLst>
+      <p:ext uri="{BB962C8B-B14F-4D97-AF65-F5344CB8AC3E}">
+        <p14:creationId xmlns:p14="http://schemas.microsoft.com/office/powerpoint/2010/main" val="3265211517"/>
+      </p:ext>
+    </p:extLst>
+  </p:cSld>
+  <p:clrMapOvr>
+    <a:masterClrMapping/>
+  </p:clrMapOvr>
+  <mc:AlternateContent xmlns:mc="http://schemas.openxmlformats.org/markup-compatibility/2006" xmlns:p14="http://schemas.microsoft.com/office/powerpoint/2010/main">
+    <mc:Choice Requires="p14">
+      <p:transition spd="med" p14:dur="700">
+        <p:fade/>
+      </p:transition>
+    </mc:Choice>
+    <mc:Fallback xmlns="">
+      <p:transition spd="med">
+        <p:fade/>
+      </p:transition>
+    </mc:Fallback>
+  </mc:AlternateContent>
+</p:sld>
+</file>
+
+<file path=ppt/slides/slide11.xml><?xml version="1.0" encoding="utf-8"?>
+<p:sld xmlns:a="http://schemas.openxmlformats.org/drawingml/2006/main" xmlns:r="http://schemas.openxmlformats.org/officeDocument/2006/relationships" xmlns:p="http://schemas.openxmlformats.org/presentationml/2006/main">
+  <p:cSld>
+    <p:spTree>
+      <p:nvGrpSpPr>
+        <p:cNvPr id="1" name=""/>
+        <p:cNvGrpSpPr/>
+        <p:nvPr/>
+      </p:nvGrpSpPr>
+      <p:grpSpPr>
+        <a:xfrm>
+          <a:off x="0" y="0"/>
+          <a:ext cx="0" cy="0"/>
+          <a:chOff x="0" y="0"/>
+          <a:chExt cx="0" cy="0"/>
+        </a:xfrm>
+      </p:grpSpPr>
+      <p:pic>
+        <p:nvPicPr>
+          <p:cNvPr id="5" name="Grafik 4"/>
+          <p:cNvPicPr>
+            <a:picLocks noChangeAspect="1"/>
+          </p:cNvPicPr>
+          <p:nvPr/>
+        </p:nvPicPr>
+        <p:blipFill rotWithShape="1">
+          <a:blip r:embed="rId3" cstate="print">
+            <a:extLst>
+              <a:ext uri="{28A0092B-C50C-407E-A947-70E740481C1C}">
+                <a14:useLocalDpi xmlns:a14="http://schemas.microsoft.com/office/drawing/2010/main" val="0"/>
+              </a:ext>
+            </a:extLst>
+          </a:blip>
+          <a:srcRect l="11698" t="20395" r="11757" b="33313"/>
+          <a:stretch/>
+        </p:blipFill>
+        <p:spPr>
+          <a:xfrm>
+            <a:off x="10480851" y="231038"/>
+            <a:ext cx="1392702" cy="401920"/>
+          </a:xfrm>
+          <a:prstGeom prst="rect">
+            <a:avLst/>
+          </a:prstGeom>
+        </p:spPr>
+      </p:pic>
+      <p:graphicFrame>
+        <p:nvGraphicFramePr>
+          <p:cNvPr id="11" name="Diagramm 10"/>
+          <p:cNvGraphicFramePr/>
+          <p:nvPr>
+            <p:extLst/>
+          </p:nvPr>
+        </p:nvGraphicFramePr>
+        <p:xfrm>
+          <a:off x="500026" y="242702"/>
+          <a:ext cx="9703041" cy="324000"/>
+        </p:xfrm>
+        <a:graphic>
+          <a:graphicData uri="http://schemas.openxmlformats.org/drawingml/2006/diagram">
+            <dgm:relIds xmlns:dgm="http://schemas.openxmlformats.org/drawingml/2006/diagram" xmlns:r="http://schemas.openxmlformats.org/officeDocument/2006/relationships" r:dm="rId4" r:lo="rId5" r:qs="rId6" r:cs="rId7"/>
+          </a:graphicData>
+        </a:graphic>
+      </p:graphicFrame>
+      <p:sp>
+        <p:nvSpPr>
+          <p:cNvPr id="2" name="Rechteck 1">
+            <a:extLst>
+              <a:ext uri="{FF2B5EF4-FFF2-40B4-BE49-F238E27FC236}">
+                <a16:creationId xmlns:a16="http://schemas.microsoft.com/office/drawing/2014/main" id="{1B3CBAB0-80D1-4F6A-918A-20FAF88A0F7B}"/>
+              </a:ext>
+            </a:extLst>
+          </p:cNvPr>
+          <p:cNvSpPr/>
+          <p:nvPr/>
+        </p:nvSpPr>
+        <p:spPr>
+          <a:xfrm>
+            <a:off x="500026" y="849042"/>
+            <a:ext cx="4939109" cy="754694"/>
+          </a:xfrm>
+          <a:prstGeom prst="rect">
+            <a:avLst/>
+          </a:prstGeom>
+        </p:spPr>
+        <p:txBody>
+          <a:bodyPr wrap="none">
+            <a:spAutoFit/>
+          </a:bodyPr>
+          <a:lstStyle/>
+          <a:p>
+            <a:pPr>
+              <a:lnSpc>
+                <a:spcPct val="150000"/>
+              </a:lnSpc>
+            </a:pPr>
+            <a:r>
+              <a:rPr lang="de-DE" sz="3200" b="1" dirty="0">
+                <a:solidFill>
+                  <a:srgbClr val="385723"/>
+                </a:solidFill>
+                <a:latin typeface="Corbel Light" panose="020B0303020204020204" pitchFamily="34" charset="0"/>
+              </a:rPr>
+              <a:t>JAVA </a:t>
+            </a:r>
+            <a:r>
+              <a:rPr lang="de-DE" sz="3200" b="1" dirty="0" err="1">
+                <a:solidFill>
+                  <a:srgbClr val="385723"/>
+                </a:solidFill>
+                <a:latin typeface="Corbel Light" panose="020B0303020204020204" pitchFamily="34" charset="0"/>
+              </a:rPr>
+              <a:t>Graphical</a:t>
+            </a:r>
+            <a:r>
+              <a:rPr lang="de-DE" sz="3200" b="1" dirty="0">
+                <a:solidFill>
+                  <a:srgbClr val="385723"/>
+                </a:solidFill>
+                <a:latin typeface="Corbel Light" panose="020B0303020204020204" pitchFamily="34" charset="0"/>
+              </a:rPr>
+              <a:t> User Interface</a:t>
+            </a:r>
+          </a:p>
+        </p:txBody>
+      </p:sp>
+      <p:sp>
+        <p:nvSpPr>
+          <p:cNvPr id="3" name="Textfeld 2">
+            <a:extLst>
+              <a:ext uri="{FF2B5EF4-FFF2-40B4-BE49-F238E27FC236}">
+                <a16:creationId xmlns:a16="http://schemas.microsoft.com/office/drawing/2014/main" id="{239D2F6A-D12F-4A46-BC36-E7AC2AD096E7}"/>
+              </a:ext>
+            </a:extLst>
+          </p:cNvPr>
+          <p:cNvSpPr txBox="1"/>
+          <p:nvPr/>
+        </p:nvSpPr>
+        <p:spPr>
+          <a:xfrm>
+            <a:off x="1477991" y="2490158"/>
+            <a:ext cx="7272113" cy="923330"/>
+          </a:xfrm>
+          <a:prstGeom prst="rect">
+            <a:avLst/>
+          </a:prstGeom>
+          <a:noFill/>
+        </p:spPr>
+        <p:txBody>
+          <a:bodyPr wrap="square" rtlCol="0">
+            <a:spAutoFit/>
+          </a:bodyPr>
+          <a:lstStyle/>
+          <a:p>
+            <a:r>
+              <a:rPr lang="de-DE" i="1" dirty="0" smtClean="0"/>
+              <a:t>- SWT-Libraries</a:t>
+            </a:r>
+            <a:br>
+              <a:rPr lang="de-DE" i="1" dirty="0" smtClean="0"/>
+            </a:br>
+            <a:r>
+              <a:rPr lang="de-DE" i="1" dirty="0" smtClean="0"/>
+              <a:t>- Design-Prinzipien und Gedanken hinter der Gestaltung</a:t>
+            </a:r>
+          </a:p>
+          <a:p>
+            <a:r>
+              <a:rPr lang="de-DE" i="1" dirty="0" smtClean="0"/>
+              <a:t>Screenshots </a:t>
+            </a:r>
+            <a:r>
+              <a:rPr lang="de-DE" i="1" dirty="0"/>
+              <a:t>einfügen</a:t>
+            </a:r>
+          </a:p>
+        </p:txBody>
+      </p:sp>
+    </p:spTree>
+    <p:extLst>
+      <p:ext uri="{BB962C8B-B14F-4D97-AF65-F5344CB8AC3E}">
+        <p14:creationId xmlns:p14="http://schemas.microsoft.com/office/powerpoint/2010/main" val="3899959399"/>
+      </p:ext>
+    </p:extLst>
+  </p:cSld>
+  <p:clrMapOvr>
+    <a:masterClrMapping/>
+  </p:clrMapOvr>
+  <mc:AlternateContent xmlns:mc="http://schemas.openxmlformats.org/markup-compatibility/2006" xmlns:p14="http://schemas.microsoft.com/office/powerpoint/2010/main">
+    <mc:Choice Requires="p14">
+      <p:transition spd="med" p14:dur="700">
+        <p:fade/>
+      </p:transition>
+    </mc:Choice>
+    <mc:Fallback xmlns="">
+      <p:transition spd="med">
+        <p:fade/>
+      </p:transition>
+    </mc:Fallback>
+  </mc:AlternateContent>
+</p:sld>
+</file>
+
+<file path=ppt/slides/slide12.xml><?xml version="1.0" encoding="utf-8"?>
+<p:sld xmlns:a="http://schemas.openxmlformats.org/drawingml/2006/main" xmlns:r="http://schemas.openxmlformats.org/officeDocument/2006/relationships" xmlns:p="http://schemas.openxmlformats.org/presentationml/2006/main">
+  <p:cSld>
+    <p:spTree>
+      <p:nvGrpSpPr>
+        <p:cNvPr id="1" name=""/>
+        <p:cNvGrpSpPr/>
+        <p:nvPr/>
+      </p:nvGrpSpPr>
+      <p:grpSpPr>
+        <a:xfrm>
+          <a:off x="0" y="0"/>
+          <a:ext cx="0" cy="0"/>
+          <a:chOff x="0" y="0"/>
+          <a:chExt cx="0" cy="0"/>
+        </a:xfrm>
+      </p:grpSpPr>
+      <p:pic>
+        <p:nvPicPr>
+          <p:cNvPr id="4" name="Grafik 3"/>
+          <p:cNvPicPr>
+            <a:picLocks noChangeAspect="1"/>
+          </p:cNvPicPr>
+          <p:nvPr/>
+        </p:nvPicPr>
+        <p:blipFill rotWithShape="1">
+          <a:blip r:embed="rId2"/>
+          <a:srcRect l="671" t="16724" r="6642" b="27769"/>
+          <a:stretch/>
+        </p:blipFill>
+        <p:spPr>
+          <a:xfrm>
+            <a:off x="233979" y="1630681"/>
+            <a:ext cx="11776734" cy="4110478"/>
+          </a:xfrm>
+          <a:prstGeom prst="rect">
+            <a:avLst/>
+          </a:prstGeom>
+          <a:effectLst>
+            <a:outerShdw blurRad="63500" sx="101000" sy="101000" algn="ctr" rotWithShape="0">
+              <a:prstClr val="black">
+                <a:alpha val="25000"/>
+              </a:prstClr>
+            </a:outerShdw>
+          </a:effectLst>
+        </p:spPr>
+      </p:pic>
+      <p:sp>
+        <p:nvSpPr>
+          <p:cNvPr id="6" name="Textfeld 5"/>
+          <p:cNvSpPr txBox="1"/>
+          <p:nvPr/>
+        </p:nvSpPr>
+        <p:spPr>
+          <a:xfrm>
+            <a:off x="389936" y="632958"/>
+            <a:ext cx="5930663" cy="646331"/>
+          </a:xfrm>
+          <a:prstGeom prst="rect">
+            <a:avLst/>
+          </a:prstGeom>
+          <a:noFill/>
+        </p:spPr>
+        <p:txBody>
+          <a:bodyPr wrap="none" rtlCol="0">
+            <a:spAutoFit/>
+          </a:bodyPr>
+          <a:lstStyle/>
+          <a:p>
+            <a:r>
+              <a:rPr lang="de-DE" sz="3600" dirty="0">
+                <a:solidFill>
+                  <a:srgbClr val="385723"/>
+                </a:solidFill>
+                <a:latin typeface="Corbel Light" panose="020B0303020204020204" pitchFamily="34" charset="0"/>
+              </a:rPr>
+              <a:t>MIGO – Wareneingang buchen</a:t>
+            </a:r>
+            <a:endParaRPr lang="de-DE" sz="3600" baseline="-25000" dirty="0">
+              <a:solidFill>
+                <a:srgbClr val="385723"/>
+              </a:solidFill>
+              <a:latin typeface="Corbel Light" panose="020B0303020204020204" pitchFamily="34" charset="0"/>
+            </a:endParaRPr>
+          </a:p>
+        </p:txBody>
+      </p:sp>
+      <p:pic>
+        <p:nvPicPr>
+          <p:cNvPr id="7" name="Grafik 6"/>
+          <p:cNvPicPr>
+            <a:picLocks noChangeAspect="1"/>
+          </p:cNvPicPr>
+          <p:nvPr/>
+        </p:nvPicPr>
+        <p:blipFill rotWithShape="1">
+          <a:blip r:embed="rId3" cstate="print">
+            <a:extLst>
+              <a:ext uri="{28A0092B-C50C-407E-A947-70E740481C1C}">
+                <a14:useLocalDpi xmlns:a14="http://schemas.microsoft.com/office/drawing/2010/main" val="0"/>
+              </a:ext>
+            </a:extLst>
+          </a:blip>
+          <a:srcRect l="11698" t="20395" r="11757" b="33313"/>
+          <a:stretch/>
+        </p:blipFill>
+        <p:spPr>
+          <a:xfrm>
+            <a:off x="10480851" y="231038"/>
+            <a:ext cx="1392702" cy="401920"/>
+          </a:xfrm>
+          <a:prstGeom prst="rect">
+            <a:avLst/>
+          </a:prstGeom>
+        </p:spPr>
+      </p:pic>
+      <p:graphicFrame>
+        <p:nvGraphicFramePr>
+          <p:cNvPr id="8" name="Diagramm 7"/>
+          <p:cNvGraphicFramePr/>
+          <p:nvPr>
+            <p:extLst>
+              <p:ext uri="{D42A27DB-BD31-4B8C-83A1-F6EECF244321}">
+                <p14:modId xmlns:p14="http://schemas.microsoft.com/office/powerpoint/2010/main" val="2199999562"/>
+              </p:ext>
+            </p:extLst>
+          </p:nvPr>
+        </p:nvGraphicFramePr>
+        <p:xfrm>
+          <a:off x="500026" y="242702"/>
+          <a:ext cx="9703041" cy="324000"/>
+        </p:xfrm>
+        <a:graphic>
+          <a:graphicData uri="http://schemas.openxmlformats.org/drawingml/2006/diagram">
+            <dgm:relIds xmlns:dgm="http://schemas.openxmlformats.org/drawingml/2006/diagram" xmlns:r="http://schemas.openxmlformats.org/officeDocument/2006/relationships" r:dm="rId4" r:lo="rId5" r:qs="rId6" r:cs="rId7"/>
+          </a:graphicData>
+        </a:graphic>
+      </p:graphicFrame>
+    </p:spTree>
+    <p:extLst>
+      <p:ext uri="{BB962C8B-B14F-4D97-AF65-F5344CB8AC3E}">
+        <p14:creationId xmlns:p14="http://schemas.microsoft.com/office/powerpoint/2010/main" val="169311735"/>
+      </p:ext>
+    </p:extLst>
+  </p:cSld>
+  <p:clrMapOvr>
+    <a:masterClrMapping/>
+  </p:clrMapOvr>
+  <mc:AlternateContent xmlns:mc="http://schemas.openxmlformats.org/markup-compatibility/2006" xmlns:p14="http://schemas.microsoft.com/office/powerpoint/2010/main">
+    <mc:Choice Requires="p14">
+      <p:transition spd="med" p14:dur="700">
+        <p:fade/>
+      </p:transition>
+    </mc:Choice>
+    <mc:Fallback xmlns="">
+      <p:transition spd="med">
+        <p:fade/>
+      </p:transition>
+    </mc:Fallback>
+  </mc:AlternateContent>
+</p:sld>
+</file>
+
+<file path=ppt/slides/slide13.xml><?xml version="1.0" encoding="utf-8"?>
+<p:sld xmlns:a="http://schemas.openxmlformats.org/drawingml/2006/main" xmlns:r="http://schemas.openxmlformats.org/officeDocument/2006/relationships" xmlns:p="http://schemas.openxmlformats.org/presentationml/2006/main">
+  <p:cSld>
+    <p:spTree>
+      <p:nvGrpSpPr>
+        <p:cNvPr id="1" name=""/>
+        <p:cNvGrpSpPr/>
+        <p:nvPr/>
+      </p:nvGrpSpPr>
+      <p:grpSpPr>
+        <a:xfrm>
+          <a:off x="0" y="0"/>
+          <a:ext cx="0" cy="0"/>
+          <a:chOff x="0" y="0"/>
+          <a:chExt cx="0" cy="0"/>
+        </a:xfrm>
+      </p:grpSpPr>
+      <p:pic>
+        <p:nvPicPr>
+          <p:cNvPr id="5" name="Grafik 4"/>
+          <p:cNvPicPr>
+            <a:picLocks noChangeAspect="1"/>
+          </p:cNvPicPr>
+          <p:nvPr/>
+        </p:nvPicPr>
+        <p:blipFill rotWithShape="1">
+          <a:blip r:embed="rId3" cstate="print">
+            <a:extLst>
+              <a:ext uri="{28A0092B-C50C-407E-A947-70E740481C1C}">
+                <a14:useLocalDpi xmlns:a14="http://schemas.microsoft.com/office/drawing/2010/main" val="0"/>
+              </a:ext>
+            </a:extLst>
+          </a:blip>
+          <a:srcRect l="11698" t="20395" r="11757" b="33313"/>
+          <a:stretch/>
+        </p:blipFill>
+        <p:spPr>
+          <a:xfrm>
             <a:off x="10480851" y="231038"/>
             <a:ext cx="1392702" cy="401920"/>
           </a:xfrm>
@@ -44029,7 +42339,7 @@
 </p:sld>
 </file>
 
-<file path=ppt/slides/slide11.xml><?xml version="1.0" encoding="utf-8"?>
+<file path=ppt/slides/slide14.xml><?xml version="1.0" encoding="utf-8"?>
 <p:sld xmlns:a="http://schemas.openxmlformats.org/drawingml/2006/main" xmlns:r="http://schemas.openxmlformats.org/officeDocument/2006/relationships" xmlns:p="http://schemas.openxmlformats.org/presentationml/2006/main">
   <p:cSld>
     <p:spTree>
@@ -44185,7 +42495,7 @@
 </p:sld>
 </file>
 
-<file path=ppt/slides/slide12.xml><?xml version="1.0" encoding="utf-8"?>
+<file path=ppt/slides/slide15.xml><?xml version="1.0" encoding="utf-8"?>
 <p:sld xmlns:a="http://schemas.openxmlformats.org/drawingml/2006/main" xmlns:r="http://schemas.openxmlformats.org/officeDocument/2006/relationships" xmlns:p="http://schemas.openxmlformats.org/presentationml/2006/main">
   <p:cSld>
     <p:spTree>
@@ -44424,7 +42734,7 @@
 </p:sld>
 </file>
 
-<file path=ppt/slides/slide13.xml><?xml version="1.0" encoding="utf-8"?>
+<file path=ppt/slides/slide16.xml><?xml version="1.0" encoding="utf-8"?>
 <p:sld xmlns:a="http://schemas.openxmlformats.org/drawingml/2006/main" xmlns:r="http://schemas.openxmlformats.org/officeDocument/2006/relationships" xmlns:p="http://schemas.openxmlformats.org/presentationml/2006/main">
   <p:cSld>
     <p:spTree>
@@ -44593,7 +42903,7 @@
 </p:sld>
 </file>
 
-<file path=ppt/slides/slide14.xml><?xml version="1.0" encoding="utf-8"?>
+<file path=ppt/slides/slide17.xml><?xml version="1.0" encoding="utf-8"?>
 <p:sld xmlns:a="http://schemas.openxmlformats.org/drawingml/2006/main" xmlns:r="http://schemas.openxmlformats.org/officeDocument/2006/relationships" xmlns:p="http://schemas.openxmlformats.org/presentationml/2006/main">
   <p:cSld>
     <p:spTree>
@@ -45208,7 +43518,7 @@
 </p:sld>
 </file>
 
-<file path=ppt/slides/slide15.xml><?xml version="1.0" encoding="utf-8"?>
+<file path=ppt/slides/slide18.xml><?xml version="1.0" encoding="utf-8"?>
 <p:sld xmlns:a="http://schemas.openxmlformats.org/drawingml/2006/main" xmlns:r="http://schemas.openxmlformats.org/officeDocument/2006/relationships" xmlns:p="http://schemas.openxmlformats.org/presentationml/2006/main">
   <p:cSld>
     <p:spTree>
@@ -45371,7 +43681,7 @@
 </p:sld>
 </file>
 
-<file path=ppt/slides/slide16.xml><?xml version="1.0" encoding="utf-8"?>
+<file path=ppt/slides/slide19.xml><?xml version="1.0" encoding="utf-8"?>
 <p:sld xmlns:a="http://schemas.openxmlformats.org/drawingml/2006/main" xmlns:r="http://schemas.openxmlformats.org/officeDocument/2006/relationships" xmlns:p="http://schemas.openxmlformats.org/presentationml/2006/main">
   <p:cSld>
     <p:spTree>
@@ -45518,7 +43828,19 @@
           <a:p>
             <a:r>
               <a:rPr lang="de-DE" dirty="0" smtClean="0"/>
-              <a:t>Wareneingang über SAPlexa bucht nur eine Einheit</a:t>
+              <a:t>Wareneingang über SAPlexa bucht nur eine </a:t>
+            </a:r>
+            <a:r>
+              <a:rPr lang="de-DE" dirty="0" smtClean="0"/>
+              <a:t>Einheit – </a:t>
+            </a:r>
+            <a:r>
+              <a:rPr lang="de-DE" dirty="0" smtClean="0"/>
+              <a:t>Dynamisierung </a:t>
+            </a:r>
+            <a:r>
+              <a:rPr lang="de-DE" dirty="0" smtClean="0"/>
+              <a:t>der Buchung</a:t>
             </a:r>
             <a:endParaRPr lang="de-DE" dirty="0"/>
           </a:p>
@@ -45528,169 +43850,6 @@
     <p:extLst>
       <p:ext uri="{BB962C8B-B14F-4D97-AF65-F5344CB8AC3E}">
         <p14:creationId xmlns:p14="http://schemas.microsoft.com/office/powerpoint/2010/main" val="3338334478"/>
-      </p:ext>
-    </p:extLst>
-  </p:cSld>
-  <p:clrMapOvr>
-    <a:masterClrMapping/>
-  </p:clrMapOvr>
-  <mc:AlternateContent xmlns:mc="http://schemas.openxmlformats.org/markup-compatibility/2006" xmlns:p14="http://schemas.microsoft.com/office/powerpoint/2010/main">
-    <mc:Choice Requires="p14">
-      <p:transition spd="med" p14:dur="700">
-        <p:fade/>
-      </p:transition>
-    </mc:Choice>
-    <mc:Fallback xmlns="">
-      <p:transition spd="med">
-        <p:fade/>
-      </p:transition>
-    </mc:Fallback>
-  </mc:AlternateContent>
-</p:sld>
-</file>
-
-<file path=ppt/slides/slide17.xml><?xml version="1.0" encoding="utf-8"?>
-<p:sld xmlns:a="http://schemas.openxmlformats.org/drawingml/2006/main" xmlns:r="http://schemas.openxmlformats.org/officeDocument/2006/relationships" xmlns:p="http://schemas.openxmlformats.org/presentationml/2006/main">
-  <p:cSld>
-    <p:spTree>
-      <p:nvGrpSpPr>
-        <p:cNvPr id="1" name=""/>
-        <p:cNvGrpSpPr/>
-        <p:nvPr/>
-      </p:nvGrpSpPr>
-      <p:grpSpPr>
-        <a:xfrm>
-          <a:off x="0" y="0"/>
-          <a:ext cx="0" cy="0"/>
-          <a:chOff x="0" y="0"/>
-          <a:chExt cx="0" cy="0"/>
-        </a:xfrm>
-      </p:grpSpPr>
-      <p:pic>
-        <p:nvPicPr>
-          <p:cNvPr id="4" name="Grafik 3"/>
-          <p:cNvPicPr>
-            <a:picLocks noChangeAspect="1"/>
-          </p:cNvPicPr>
-          <p:nvPr/>
-        </p:nvPicPr>
-        <p:blipFill rotWithShape="1">
-          <a:blip r:embed="rId2"/>
-          <a:srcRect l="671" t="16724" r="6642" b="27769"/>
-          <a:stretch/>
-        </p:blipFill>
-        <p:spPr>
-          <a:xfrm>
-            <a:off x="233979" y="1630681"/>
-            <a:ext cx="11776734" cy="4110478"/>
-          </a:xfrm>
-          <a:prstGeom prst="rect">
-            <a:avLst/>
-          </a:prstGeom>
-          <a:effectLst>
-            <a:outerShdw blurRad="63500" sx="101000" sy="101000" algn="ctr" rotWithShape="0">
-              <a:prstClr val="black">
-                <a:alpha val="25000"/>
-              </a:prstClr>
-            </a:outerShdw>
-          </a:effectLst>
-        </p:spPr>
-      </p:pic>
-      <p:sp>
-        <p:nvSpPr>
-          <p:cNvPr id="6" name="Textfeld 5"/>
-          <p:cNvSpPr txBox="1"/>
-          <p:nvPr/>
-        </p:nvSpPr>
-        <p:spPr>
-          <a:xfrm>
-            <a:off x="389936" y="632958"/>
-            <a:ext cx="5930663" cy="646331"/>
-          </a:xfrm>
-          <a:prstGeom prst="rect">
-            <a:avLst/>
-          </a:prstGeom>
-          <a:noFill/>
-        </p:spPr>
-        <p:txBody>
-          <a:bodyPr wrap="none" rtlCol="0">
-            <a:spAutoFit/>
-          </a:bodyPr>
-          <a:lstStyle/>
-          <a:p>
-            <a:r>
-              <a:rPr lang="de-DE" sz="3600" dirty="0">
-                <a:solidFill>
-                  <a:srgbClr val="385723"/>
-                </a:solidFill>
-                <a:latin typeface="Corbel Light" panose="020B0303020204020204" pitchFamily="34" charset="0"/>
-              </a:rPr>
-              <a:t>MIGO – Wareneingang buchen</a:t>
-            </a:r>
-            <a:endParaRPr lang="de-DE" sz="3600" baseline="-25000" dirty="0">
-              <a:solidFill>
-                <a:srgbClr val="385723"/>
-              </a:solidFill>
-              <a:latin typeface="Corbel Light" panose="020B0303020204020204" pitchFamily="34" charset="0"/>
-            </a:endParaRPr>
-          </a:p>
-        </p:txBody>
-      </p:sp>
-      <p:pic>
-        <p:nvPicPr>
-          <p:cNvPr id="7" name="Grafik 6"/>
-          <p:cNvPicPr>
-            <a:picLocks noChangeAspect="1"/>
-          </p:cNvPicPr>
-          <p:nvPr/>
-        </p:nvPicPr>
-        <p:blipFill rotWithShape="1">
-          <a:blip r:embed="rId3" cstate="print">
-            <a:extLst>
-              <a:ext uri="{28A0092B-C50C-407E-A947-70E740481C1C}">
-                <a14:useLocalDpi xmlns:a14="http://schemas.microsoft.com/office/drawing/2010/main" val="0"/>
-              </a:ext>
-            </a:extLst>
-          </a:blip>
-          <a:srcRect l="11698" t="20395" r="11757" b="33313"/>
-          <a:stretch/>
-        </p:blipFill>
-        <p:spPr>
-          <a:xfrm>
-            <a:off x="10480851" y="231038"/>
-            <a:ext cx="1392702" cy="401920"/>
-          </a:xfrm>
-          <a:prstGeom prst="rect">
-            <a:avLst/>
-          </a:prstGeom>
-        </p:spPr>
-      </p:pic>
-      <p:graphicFrame>
-        <p:nvGraphicFramePr>
-          <p:cNvPr id="8" name="Diagramm 7"/>
-          <p:cNvGraphicFramePr/>
-          <p:nvPr>
-            <p:extLst>
-              <p:ext uri="{D42A27DB-BD31-4B8C-83A1-F6EECF244321}">
-                <p14:modId xmlns:p14="http://schemas.microsoft.com/office/powerpoint/2010/main" val="2199999562"/>
-              </p:ext>
-            </p:extLst>
-          </p:nvPr>
-        </p:nvGraphicFramePr>
-        <p:xfrm>
-          <a:off x="500026" y="242702"/>
-          <a:ext cx="9703041" cy="324000"/>
-        </p:xfrm>
-        <a:graphic>
-          <a:graphicData uri="http://schemas.openxmlformats.org/drawingml/2006/diagram">
-            <dgm:relIds xmlns:dgm="http://schemas.openxmlformats.org/drawingml/2006/diagram" xmlns:r="http://schemas.openxmlformats.org/officeDocument/2006/relationships" r:dm="rId4" r:lo="rId5" r:qs="rId6" r:cs="rId7"/>
-          </a:graphicData>
-        </a:graphic>
-      </p:graphicFrame>
-    </p:spTree>
-    <p:extLst>
-      <p:ext uri="{BB962C8B-B14F-4D97-AF65-F5344CB8AC3E}">
-        <p14:creationId xmlns:p14="http://schemas.microsoft.com/office/powerpoint/2010/main" val="169311735"/>
       </p:ext>
     </p:extLst>
   </p:cSld>
@@ -46091,7 +44250,208 @@
 </p:sld>
 </file>
 
+<file path=ppt/slides/slide20.xml><?xml version="1.0" encoding="utf-8"?>
+<p:sld xmlns:a="http://schemas.openxmlformats.org/drawingml/2006/main" xmlns:r="http://schemas.openxmlformats.org/officeDocument/2006/relationships" xmlns:p="http://schemas.openxmlformats.org/presentationml/2006/main">
+  <p:cSld>
+    <p:bg>
+      <p:bgPr>
+        <a:solidFill>
+          <a:schemeClr val="tx1"/>
+        </a:solidFill>
+        <a:effectLst/>
+      </p:bgPr>
+    </p:bg>
+    <p:spTree>
+      <p:nvGrpSpPr>
+        <p:cNvPr id="1" name=""/>
+        <p:cNvGrpSpPr/>
+        <p:nvPr/>
+      </p:nvGrpSpPr>
+      <p:grpSpPr>
+        <a:xfrm>
+          <a:off x="0" y="0"/>
+          <a:ext cx="0" cy="0"/>
+          <a:chOff x="0" y="0"/>
+          <a:chExt cx="0" cy="0"/>
+        </a:xfrm>
+      </p:grpSpPr>
+      <p:pic>
+        <p:nvPicPr>
+          <p:cNvPr id="4" name="Grafik 3"/>
+          <p:cNvPicPr>
+            <a:picLocks noChangeAspect="1"/>
+          </p:cNvPicPr>
+          <p:nvPr/>
+        </p:nvPicPr>
+        <p:blipFill rotWithShape="1">
+          <a:blip r:embed="rId2" cstate="print">
+            <a:lum bright="70000" contrast="-70000"/>
+            <a:extLst>
+              <a:ext uri="{28A0092B-C50C-407E-A947-70E740481C1C}">
+                <a14:useLocalDpi xmlns:a14="http://schemas.microsoft.com/office/drawing/2010/main" val="0"/>
+              </a:ext>
+            </a:extLst>
+          </a:blip>
+          <a:srcRect l="11698" t="20395" r="11757" b="33313"/>
+          <a:stretch/>
+        </p:blipFill>
+        <p:spPr>
+          <a:xfrm>
+            <a:off x="5399649" y="3228040"/>
+            <a:ext cx="1392702" cy="401920"/>
+          </a:xfrm>
+          <a:prstGeom prst="rect">
+            <a:avLst/>
+          </a:prstGeom>
+        </p:spPr>
+      </p:pic>
+    </p:spTree>
+    <p:extLst>
+      <p:ext uri="{BB962C8B-B14F-4D97-AF65-F5344CB8AC3E}">
+        <p14:creationId xmlns:p14="http://schemas.microsoft.com/office/powerpoint/2010/main" val="663142810"/>
+      </p:ext>
+    </p:extLst>
+  </p:cSld>
+  <p:clrMapOvr>
+    <a:masterClrMapping/>
+  </p:clrMapOvr>
+  <mc:AlternateContent xmlns:mc="http://schemas.openxmlformats.org/markup-compatibility/2006" xmlns:p14="http://schemas.microsoft.com/office/powerpoint/2010/main">
+    <mc:Choice Requires="p14">
+      <p:transition spd="med" p14:dur="700">
+        <p:fade/>
+      </p:transition>
+    </mc:Choice>
+    <mc:Fallback xmlns="">
+      <p:transition spd="med">
+        <p:fade/>
+      </p:transition>
+    </mc:Fallback>
+  </mc:AlternateContent>
+</p:sld>
+</file>
+
 <file path=ppt/slides/slide3.xml><?xml version="1.0" encoding="utf-8"?>
+<p:sld xmlns:a="http://schemas.openxmlformats.org/drawingml/2006/main" xmlns:r="http://schemas.openxmlformats.org/officeDocument/2006/relationships" xmlns:p="http://schemas.openxmlformats.org/presentationml/2006/main">
+  <p:cSld>
+    <p:spTree>
+      <p:nvGrpSpPr>
+        <p:cNvPr id="1" name=""/>
+        <p:cNvGrpSpPr/>
+        <p:nvPr/>
+      </p:nvGrpSpPr>
+      <p:grpSpPr>
+        <a:xfrm>
+          <a:off x="0" y="0"/>
+          <a:ext cx="0" cy="0"/>
+          <a:chOff x="0" y="0"/>
+          <a:chExt cx="0" cy="0"/>
+        </a:xfrm>
+      </p:grpSpPr>
+      <p:pic>
+        <p:nvPicPr>
+          <p:cNvPr id="5" name="Grafik 4"/>
+          <p:cNvPicPr>
+            <a:picLocks noChangeAspect="1"/>
+          </p:cNvPicPr>
+          <p:nvPr/>
+        </p:nvPicPr>
+        <p:blipFill rotWithShape="1">
+          <a:blip r:embed="rId3" cstate="print">
+            <a:extLst>
+              <a:ext uri="{28A0092B-C50C-407E-A947-70E740481C1C}">
+                <a14:useLocalDpi xmlns:a14="http://schemas.microsoft.com/office/drawing/2010/main" val="0"/>
+              </a:ext>
+            </a:extLst>
+          </a:blip>
+          <a:srcRect l="11698" t="20395" r="11757" b="33313"/>
+          <a:stretch/>
+        </p:blipFill>
+        <p:spPr>
+          <a:xfrm>
+            <a:off x="5183048" y="3048554"/>
+            <a:ext cx="1392702" cy="401920"/>
+          </a:xfrm>
+          <a:prstGeom prst="rect">
+            <a:avLst/>
+          </a:prstGeom>
+        </p:spPr>
+      </p:pic>
+      <p:sp>
+        <p:nvSpPr>
+          <p:cNvPr id="6" name="Rechteck 5">
+            <a:extLst>
+              <a:ext uri="{FF2B5EF4-FFF2-40B4-BE49-F238E27FC236}">
+                <a16:creationId xmlns:a16="http://schemas.microsoft.com/office/drawing/2014/main" id="{EFECEC75-4288-4464-8926-6B01DB1D4558}"/>
+              </a:ext>
+            </a:extLst>
+          </p:cNvPr>
+          <p:cNvSpPr/>
+          <p:nvPr/>
+        </p:nvSpPr>
+        <p:spPr>
+          <a:xfrm>
+            <a:off x="2445986" y="3450474"/>
+            <a:ext cx="6866826" cy="754694"/>
+          </a:xfrm>
+          <a:prstGeom prst="rect">
+            <a:avLst/>
+          </a:prstGeom>
+        </p:spPr>
+        <p:txBody>
+          <a:bodyPr wrap="square">
+            <a:spAutoFit/>
+          </a:bodyPr>
+          <a:lstStyle/>
+          <a:p>
+            <a:pPr lvl="1">
+              <a:lnSpc>
+                <a:spcPct val="150000"/>
+              </a:lnSpc>
+            </a:pPr>
+            <a:r>
+              <a:rPr lang="de-DE" sz="3200" b="1" dirty="0" smtClean="0">
+                <a:solidFill>
+                  <a:srgbClr val="385723"/>
+                </a:solidFill>
+                <a:latin typeface="Corbel Light" panose="020B0303020204020204" pitchFamily="34" charset="0"/>
+              </a:rPr>
+              <a:t>Teilprozess</a:t>
+            </a:r>
+            <a:endParaRPr lang="de-DE" sz="3200" b="1" dirty="0">
+              <a:solidFill>
+                <a:srgbClr val="385723"/>
+              </a:solidFill>
+              <a:latin typeface="Corbel Light" panose="020B0303020204020204" pitchFamily="34" charset="0"/>
+            </a:endParaRPr>
+          </a:p>
+        </p:txBody>
+      </p:sp>
+    </p:spTree>
+    <p:extLst>
+      <p:ext uri="{BB962C8B-B14F-4D97-AF65-F5344CB8AC3E}">
+        <p14:creationId xmlns:p14="http://schemas.microsoft.com/office/powerpoint/2010/main" val="2401759370"/>
+      </p:ext>
+    </p:extLst>
+  </p:cSld>
+  <p:clrMapOvr>
+    <a:masterClrMapping/>
+  </p:clrMapOvr>
+  <mc:AlternateContent xmlns:mc="http://schemas.openxmlformats.org/markup-compatibility/2006" xmlns:p14="http://schemas.microsoft.com/office/powerpoint/2010/main">
+    <mc:Choice Requires="p14">
+      <p:transition spd="med" p14:dur="700">
+        <p:fade/>
+      </p:transition>
+    </mc:Choice>
+    <mc:Fallback xmlns="">
+      <p:transition spd="med">
+        <p:fade/>
+      </p:transition>
+    </mc:Fallback>
+  </mc:AlternateContent>
+</p:sld>
+</file>
+
+<file path=ppt/slides/slide4.xml><?xml version="1.0" encoding="utf-8"?>
 <p:sld xmlns:a="http://schemas.openxmlformats.org/drawingml/2006/main" xmlns:r="http://schemas.openxmlformats.org/officeDocument/2006/relationships" xmlns:p="http://schemas.openxmlformats.org/presentationml/2006/main">
   <p:cSld>
     <p:spTree>
@@ -46855,7 +45215,7 @@
           <p:nvPr>
             <p:extLst>
               <p:ext uri="{D42A27DB-BD31-4B8C-83A1-F6EECF244321}">
-                <p14:modId xmlns:p14="http://schemas.microsoft.com/office/powerpoint/2010/main" val="3111646539"/>
+                <p14:modId xmlns:p14="http://schemas.microsoft.com/office/powerpoint/2010/main" val="4105009575"/>
               </p:ext>
             </p:extLst>
           </p:nvPr>
@@ -47526,7 +45886,7 @@
 </p:sld>
 </file>
 
-<file path=ppt/slides/slide4.xml><?xml version="1.0" encoding="utf-8"?>
+<file path=ppt/slides/slide5.xml><?xml version="1.0" encoding="utf-8"?>
 <p:sld xmlns:a="http://schemas.openxmlformats.org/drawingml/2006/main" xmlns:r="http://schemas.openxmlformats.org/officeDocument/2006/relationships" xmlns:p="http://schemas.openxmlformats.org/presentationml/2006/main">
   <p:cSld>
     <p:spTree>
@@ -47564,7 +45924,7 @@
         </p:blipFill>
         <p:spPr>
           <a:xfrm>
-            <a:off x="10480851" y="231038"/>
+            <a:off x="5183048" y="3048554"/>
             <a:ext cx="1392702" cy="401920"/>
           </a:xfrm>
           <a:prstGeom prst="rect">
@@ -47572,28 +45932,6 @@
           </a:prstGeom>
         </p:spPr>
       </p:pic>
-      <p:graphicFrame>
-        <p:nvGraphicFramePr>
-          <p:cNvPr id="11" name="Diagramm 10"/>
-          <p:cNvGraphicFramePr/>
-          <p:nvPr>
-            <p:extLst>
-              <p:ext uri="{D42A27DB-BD31-4B8C-83A1-F6EECF244321}">
-                <p14:modId xmlns:p14="http://schemas.microsoft.com/office/powerpoint/2010/main" val="2483096352"/>
-              </p:ext>
-            </p:extLst>
-          </p:nvPr>
-        </p:nvGraphicFramePr>
-        <p:xfrm>
-          <a:off x="500026" y="242702"/>
-          <a:ext cx="9703041" cy="324000"/>
-        </p:xfrm>
-        <a:graphic>
-          <a:graphicData uri="http://schemas.openxmlformats.org/drawingml/2006/diagram">
-            <dgm:relIds xmlns:dgm="http://schemas.openxmlformats.org/drawingml/2006/diagram" xmlns:r="http://schemas.openxmlformats.org/officeDocument/2006/relationships" r:dm="rId4" r:lo="rId5" r:qs="rId6" r:cs="rId7"/>
-          </a:graphicData>
-        </a:graphic>
-      </p:graphicFrame>
       <p:sp>
         <p:nvSpPr>
           <p:cNvPr id="6" name="Rechteck 5">
@@ -47608,8 +45946,8 @@
         </p:nvSpPr>
         <p:spPr>
           <a:xfrm>
-            <a:off x="776377" y="1790487"/>
-            <a:ext cx="9638582" cy="3709349"/>
+            <a:off x="2445986" y="3450474"/>
+            <a:ext cx="6866826" cy="754694"/>
           </a:xfrm>
           <a:prstGeom prst="rect">
             <a:avLst/>
@@ -47621,121 +45959,20 @@
           </a:bodyPr>
           <a:lstStyle/>
           <a:p>
-            <a:pPr marL="1028700" lvl="1" indent="-571500">
+            <a:pPr lvl="1">
               <a:lnSpc>
                 <a:spcPct val="150000"/>
               </a:lnSpc>
-              <a:buFont typeface="Courier New" panose="02070309020205020404" pitchFamily="49" charset="0"/>
-              <a:buChar char="o"/>
             </a:pPr>
             <a:r>
-              <a:rPr lang="de-DE" sz="3200" b="1" dirty="0">
+              <a:rPr lang="de-DE" sz="3200" b="1" dirty="0" smtClean="0">
                 <a:solidFill>
                   <a:srgbClr val="385723"/>
                 </a:solidFill>
                 <a:latin typeface="Corbel Light" panose="020B0303020204020204" pitchFamily="34" charset="0"/>
               </a:rPr>
-              <a:t>Speech-</a:t>
+              <a:t>Schwerpunkte der Implementierung</a:t>
             </a:r>
-            <a:r>
-              <a:rPr lang="de-DE" sz="3200" b="1" dirty="0" err="1">
-                <a:solidFill>
-                  <a:srgbClr val="385723"/>
-                </a:solidFill>
-                <a:latin typeface="Corbel Light" panose="020B0303020204020204" pitchFamily="34" charset="0"/>
-              </a:rPr>
-              <a:t>To</a:t>
-            </a:r>
-            <a:r>
-              <a:rPr lang="de-DE" sz="3200" b="1" dirty="0">
-                <a:solidFill>
-                  <a:srgbClr val="385723"/>
-                </a:solidFill>
-                <a:latin typeface="Corbel Light" panose="020B0303020204020204" pitchFamily="34" charset="0"/>
-              </a:rPr>
-              <a:t>-Text Recherche und Implementierung</a:t>
-            </a:r>
-          </a:p>
-          <a:p>
-            <a:pPr marL="1028700" lvl="1" indent="-571500">
-              <a:lnSpc>
-                <a:spcPct val="150000"/>
-              </a:lnSpc>
-              <a:buFont typeface="Courier New" panose="02070309020205020404" pitchFamily="49" charset="0"/>
-              <a:buChar char="o"/>
-            </a:pPr>
-            <a:r>
-              <a:rPr lang="de-DE" sz="3200" b="1" dirty="0">
-                <a:solidFill>
-                  <a:srgbClr val="385723"/>
-                </a:solidFill>
-                <a:latin typeface="Corbel Light" panose="020B0303020204020204" pitchFamily="34" charset="0"/>
-              </a:rPr>
-              <a:t>JAVA </a:t>
-            </a:r>
-            <a:r>
-              <a:rPr lang="de-DE" sz="3200" b="1" dirty="0" err="1">
-                <a:solidFill>
-                  <a:srgbClr val="385723"/>
-                </a:solidFill>
-                <a:latin typeface="Corbel Light" panose="020B0303020204020204" pitchFamily="34" charset="0"/>
-              </a:rPr>
-              <a:t>Graphical</a:t>
-            </a:r>
-            <a:r>
-              <a:rPr lang="de-DE" sz="3200" b="1" dirty="0">
-                <a:solidFill>
-                  <a:srgbClr val="385723"/>
-                </a:solidFill>
-                <a:latin typeface="Corbel Light" panose="020B0303020204020204" pitchFamily="34" charset="0"/>
-              </a:rPr>
-              <a:t> User Interface</a:t>
-            </a:r>
-          </a:p>
-          <a:p>
-            <a:pPr marL="1028700" lvl="1" indent="-571500">
-              <a:lnSpc>
-                <a:spcPct val="150000"/>
-              </a:lnSpc>
-              <a:buFont typeface="Courier New" panose="02070309020205020404" pitchFamily="49" charset="0"/>
-              <a:buChar char="o"/>
-            </a:pPr>
-            <a:r>
-              <a:rPr lang="de-DE" sz="3200" b="1" dirty="0">
-                <a:solidFill>
-                  <a:srgbClr val="385723"/>
-                </a:solidFill>
-                <a:latin typeface="Corbel Light" panose="020B0303020204020204" pitchFamily="34" charset="0"/>
-              </a:rPr>
-              <a:t>Relevante Daten bestimmen</a:t>
-            </a:r>
-          </a:p>
-          <a:p>
-            <a:pPr marL="1028700" lvl="1" indent="-571500">
-              <a:lnSpc>
-                <a:spcPct val="150000"/>
-              </a:lnSpc>
-              <a:buFont typeface="Courier New" panose="02070309020205020404" pitchFamily="49" charset="0"/>
-              <a:buChar char="o"/>
-            </a:pPr>
-            <a:r>
-              <a:rPr lang="de-DE" sz="3200" b="1" dirty="0">
-                <a:solidFill>
-                  <a:srgbClr val="385723"/>
-                </a:solidFill>
-                <a:latin typeface="Corbel Light" panose="020B0303020204020204" pitchFamily="34" charset="0"/>
-              </a:rPr>
-              <a:t>SAP ABAP API Programmierung</a:t>
-            </a:r>
-          </a:p>
-          <a:p>
-            <a:pPr marL="1028700" lvl="1" indent="-571500">
-              <a:lnSpc>
-                <a:spcPct val="150000"/>
-              </a:lnSpc>
-              <a:buFont typeface="Courier New" panose="02070309020205020404" pitchFamily="49" charset="0"/>
-              <a:buChar char="o"/>
-            </a:pPr>
             <a:endParaRPr lang="de-DE" sz="3200" b="1" dirty="0">
               <a:solidFill>
                 <a:srgbClr val="385723"/>
@@ -47770,7 +46007,7 @@
 </p:sld>
 </file>
 
-<file path=ppt/slides/slide5.xml><?xml version="1.0" encoding="utf-8"?>
+<file path=ppt/slides/slide6.xml><?xml version="1.0" encoding="utf-8"?>
 <p:sld xmlns:a="http://schemas.openxmlformats.org/drawingml/2006/main" xmlns:r="http://schemas.openxmlformats.org/officeDocument/2006/relationships" xmlns:p="http://schemas.openxmlformats.org/presentationml/2006/main">
   <p:cSld>
     <p:spTree>
@@ -47915,7 +46152,7 @@
           <p:nvPr>
             <p:extLst>
               <p:ext uri="{D42A27DB-BD31-4B8C-83A1-F6EECF244321}">
-                <p14:modId xmlns:p14="http://schemas.microsoft.com/office/powerpoint/2010/main" val="3477315680"/>
+                <p14:modId xmlns:p14="http://schemas.microsoft.com/office/powerpoint/2010/main" val="1773637908"/>
               </p:ext>
             </p:extLst>
           </p:nvPr>
@@ -48101,8 +46338,13 @@
                       </a:pPr>
                       <a:r>
                         <a:rPr lang="de-DE" dirty="0"/>
-                        <a:t>Gut Dokumentiert</a:t>
+                        <a:t>Gut </a:t>
                       </a:r>
+                      <a:r>
+                        <a:rPr lang="de-DE" dirty="0" smtClean="0"/>
+                        <a:t>dokumentiert</a:t>
+                      </a:r>
+                      <a:endParaRPr lang="de-DE" dirty="0"/>
                     </a:p>
                     <a:p>
                       <a:endParaRPr lang="de-DE" dirty="0"/>
@@ -48170,8 +46412,13 @@
                       </a:pPr>
                       <a:r>
                         <a:rPr lang="de-DE" dirty="0"/>
-                        <a:t>Gut Dokumentiert</a:t>
+                        <a:t>Gut </a:t>
                       </a:r>
+                      <a:r>
+                        <a:rPr lang="de-DE" dirty="0" smtClean="0"/>
+                        <a:t>dokumentiert</a:t>
+                      </a:r>
+                      <a:endParaRPr lang="de-DE" dirty="0"/>
                     </a:p>
                   </a:txBody>
                   <a:tcPr/>
@@ -48323,7 +46570,7 @@
                 <a14:useLocalDpi xmlns:a14="http://schemas.microsoft.com/office/drawing/2010/main" val="0"/>
               </a:ext>
               <a:ext uri="{96DAC541-7B7A-43D3-8B79-37D633B846F1}">
-                <asvg:svgBlip xmlns="" xmlns:asvg="http://schemas.microsoft.com/office/drawing/2016/SVG/main" r:embed="rId10"/>
+                <asvg:svgBlip xmlns:asvg="http://schemas.microsoft.com/office/drawing/2016/SVG/main" xmlns="" r:embed="rId10"/>
               </a:ext>
             </a:extLst>
           </a:blip>
@@ -48362,7 +46609,7 @@
                 <a14:useLocalDpi xmlns:a14="http://schemas.microsoft.com/office/drawing/2010/main" val="0"/>
               </a:ext>
               <a:ext uri="{96DAC541-7B7A-43D3-8B79-37D633B846F1}">
-                <asvg:svgBlip xmlns="" xmlns:asvg="http://schemas.microsoft.com/office/drawing/2016/SVG/main" r:embed="rId10"/>
+                <asvg:svgBlip xmlns:asvg="http://schemas.microsoft.com/office/drawing/2016/SVG/main" xmlns="" r:embed="rId10"/>
               </a:ext>
             </a:extLst>
           </a:blip>
@@ -48401,7 +46648,7 @@
                 <a14:useLocalDpi xmlns:a14="http://schemas.microsoft.com/office/drawing/2010/main" val="0"/>
               </a:ext>
               <a:ext uri="{96DAC541-7B7A-43D3-8B79-37D633B846F1}">
-                <asvg:svgBlip xmlns="" xmlns:asvg="http://schemas.microsoft.com/office/drawing/2016/SVG/main" r:embed="rId12"/>
+                <asvg:svgBlip xmlns:asvg="http://schemas.microsoft.com/office/drawing/2016/SVG/main" xmlns="" r:embed="rId12"/>
               </a:ext>
             </a:extLst>
           </a:blip>
@@ -48440,7 +46687,7 @@
                 <a14:useLocalDpi xmlns:a14="http://schemas.microsoft.com/office/drawing/2010/main" val="0"/>
               </a:ext>
               <a:ext uri="{96DAC541-7B7A-43D3-8B79-37D633B846F1}">
-                <asvg:svgBlip xmlns="" xmlns:asvg="http://schemas.microsoft.com/office/drawing/2016/SVG/main" r:embed="rId12"/>
+                <asvg:svgBlip xmlns:asvg="http://schemas.microsoft.com/office/drawing/2016/SVG/main" xmlns="" r:embed="rId12"/>
               </a:ext>
             </a:extLst>
           </a:blip>
@@ -48483,7 +46730,7 @@
 </p:sld>
 </file>
 
-<file path=ppt/slides/slide6.xml><?xml version="1.0" encoding="utf-8"?>
+<file path=ppt/slides/slide7.xml><?xml version="1.0" encoding="utf-8"?>
 <p:sld xmlns:a="http://schemas.openxmlformats.org/drawingml/2006/main" xmlns:r="http://schemas.openxmlformats.org/officeDocument/2006/relationships" xmlns:p="http://schemas.openxmlformats.org/presentationml/2006/main">
   <p:cSld>
     <p:spTree>
@@ -48697,7 +46944,37 @@
                   </a:schemeClr>
                 </a:solidFill>
               </a:rPr>
-              <a:t>	-&gt; Oft das Flasche Key-Word erkannt, da</a:t>
+              <a:t>	-&gt; Oft das </a:t>
+            </a:r>
+            <a:r>
+              <a:rPr lang="de-DE" dirty="0" smtClean="0">
+                <a:solidFill>
+                  <a:schemeClr val="accent6">
+                    <a:lumMod val="50000"/>
+                  </a:schemeClr>
+                </a:solidFill>
+              </a:rPr>
+              <a:t>f</a:t>
+            </a:r>
+            <a:r>
+              <a:rPr lang="de-DE" dirty="0" smtClean="0">
+                <a:solidFill>
+                  <a:schemeClr val="accent6">
+                    <a:lumMod val="50000"/>
+                  </a:schemeClr>
+                </a:solidFill>
+              </a:rPr>
+              <a:t>alsche </a:t>
+            </a:r>
+            <a:r>
+              <a:rPr lang="de-DE" dirty="0">
+                <a:solidFill>
+                  <a:schemeClr val="accent6">
+                    <a:lumMod val="50000"/>
+                  </a:schemeClr>
+                </a:solidFill>
+              </a:rPr>
+              <a:t>Key-Word erkannt, da</a:t>
             </a:r>
           </a:p>
           <a:p>
@@ -48718,7 +46995,27 @@
                   </a:schemeClr>
                 </a:solidFill>
               </a:rPr>
-              <a:t>Umbenennung notwendig um Fehlerquote zu verringern</a:t>
+              <a:t>Umbenennung </a:t>
+            </a:r>
+            <a:r>
+              <a:rPr lang="de-DE" dirty="0" smtClean="0">
+                <a:solidFill>
+                  <a:schemeClr val="accent6">
+                    <a:lumMod val="50000"/>
+                  </a:schemeClr>
+                </a:solidFill>
+              </a:rPr>
+              <a:t>notwendig, </a:t>
+            </a:r>
+            <a:r>
+              <a:rPr lang="de-DE" dirty="0">
+                <a:solidFill>
+                  <a:schemeClr val="accent6">
+                    <a:lumMod val="50000"/>
+                  </a:schemeClr>
+                </a:solidFill>
+              </a:rPr>
+              <a:t>um Fehlerquote zu verringern</a:t>
             </a:r>
           </a:p>
           <a:p>
@@ -49122,7 +47419,7 @@
 </p:sld>
 </file>
 
-<file path=ppt/slides/slide7.xml><?xml version="1.0" encoding="utf-8"?>
+<file path=ppt/slides/slide8.xml><?xml version="1.0" encoding="utf-8"?>
 <p:sld xmlns:a="http://schemas.openxmlformats.org/drawingml/2006/main" xmlns:r="http://schemas.openxmlformats.org/officeDocument/2006/relationships" xmlns:p="http://schemas.openxmlformats.org/presentationml/2006/main">
   <p:cSld>
     <p:spTree>
@@ -49533,7 +47830,15 @@
           <a:p>
             <a:r>
               <a:rPr lang="de-DE" dirty="0"/>
-              <a:t>Sehr Ähnlich in Verteilung der Energiedichte</a:t>
+              <a:t>Sehr </a:t>
+            </a:r>
+            <a:r>
+              <a:rPr lang="de-DE" dirty="0" smtClean="0"/>
+              <a:t>ähnlich </a:t>
+            </a:r>
+            <a:r>
+              <a:rPr lang="de-DE" dirty="0"/>
+              <a:t>in Verteilung der Energiedichte</a:t>
             </a:r>
           </a:p>
         </p:txBody>
@@ -49623,7 +47928,7 @@
 </p:sld>
 </file>
 
-<file path=ppt/slides/slide8.xml><?xml version="1.0" encoding="utf-8"?>
+<file path=ppt/slides/slide9.xml><?xml version="1.0" encoding="utf-8"?>
 <p:sld xmlns:a="http://schemas.openxmlformats.org/drawingml/2006/main" xmlns:r="http://schemas.openxmlformats.org/officeDocument/2006/relationships" xmlns:p="http://schemas.openxmlformats.org/presentationml/2006/main">
   <p:cSld>
     <p:spTree>
@@ -49924,7 +48229,15 @@
           <a:p>
             <a:r>
               <a:rPr lang="de-DE" dirty="0"/>
-              <a:t>Weist mehrere unterschiede auf, dadurch leichter von Spracherkennung unterscheidbar</a:t>
+              <a:t>Weist mehrere </a:t>
+            </a:r>
+            <a:r>
+              <a:rPr lang="de-DE" dirty="0" smtClean="0"/>
+              <a:t>Unterschiede </a:t>
+            </a:r>
+            <a:r>
+              <a:rPr lang="de-DE" dirty="0"/>
+              <a:t>auf, dadurch leichter von Spracherkennung unterscheidbar</a:t>
             </a:r>
           </a:p>
         </p:txBody>
@@ -50105,213 +48418,6 @@
     <p:extLst>
       <p:ext uri="{BB962C8B-B14F-4D97-AF65-F5344CB8AC3E}">
         <p14:creationId xmlns:p14="http://schemas.microsoft.com/office/powerpoint/2010/main" val="2545160058"/>
-      </p:ext>
-    </p:extLst>
-  </p:cSld>
-  <p:clrMapOvr>
-    <a:masterClrMapping/>
-  </p:clrMapOvr>
-  <mc:AlternateContent xmlns:mc="http://schemas.openxmlformats.org/markup-compatibility/2006" xmlns:p14="http://schemas.microsoft.com/office/powerpoint/2010/main">
-    <mc:Choice Requires="p14">
-      <p:transition spd="med" p14:dur="700">
-        <p:fade/>
-      </p:transition>
-    </mc:Choice>
-    <mc:Fallback xmlns="">
-      <p:transition spd="med">
-        <p:fade/>
-      </p:transition>
-    </mc:Fallback>
-  </mc:AlternateContent>
-</p:sld>
-</file>
-
-<file path=ppt/slides/slide9.xml><?xml version="1.0" encoding="utf-8"?>
-<p:sld xmlns:a="http://schemas.openxmlformats.org/drawingml/2006/main" xmlns:r="http://schemas.openxmlformats.org/officeDocument/2006/relationships" xmlns:p="http://schemas.openxmlformats.org/presentationml/2006/main">
-  <p:cSld>
-    <p:spTree>
-      <p:nvGrpSpPr>
-        <p:cNvPr id="1" name=""/>
-        <p:cNvGrpSpPr/>
-        <p:nvPr/>
-      </p:nvGrpSpPr>
-      <p:grpSpPr>
-        <a:xfrm>
-          <a:off x="0" y="0"/>
-          <a:ext cx="0" cy="0"/>
-          <a:chOff x="0" y="0"/>
-          <a:chExt cx="0" cy="0"/>
-        </a:xfrm>
-      </p:grpSpPr>
-      <p:pic>
-        <p:nvPicPr>
-          <p:cNvPr id="5" name="Grafik 4"/>
-          <p:cNvPicPr>
-            <a:picLocks noChangeAspect="1"/>
-          </p:cNvPicPr>
-          <p:nvPr/>
-        </p:nvPicPr>
-        <p:blipFill rotWithShape="1">
-          <a:blip r:embed="rId3" cstate="print">
-            <a:extLst>
-              <a:ext uri="{28A0092B-C50C-407E-A947-70E740481C1C}">
-                <a14:useLocalDpi xmlns:a14="http://schemas.microsoft.com/office/drawing/2010/main" val="0"/>
-              </a:ext>
-            </a:extLst>
-          </a:blip>
-          <a:srcRect l="11698" t="20395" r="11757" b="33313"/>
-          <a:stretch/>
-        </p:blipFill>
-        <p:spPr>
-          <a:xfrm>
-            <a:off x="10480851" y="231038"/>
-            <a:ext cx="1392702" cy="401920"/>
-          </a:xfrm>
-          <a:prstGeom prst="rect">
-            <a:avLst/>
-          </a:prstGeom>
-        </p:spPr>
-      </p:pic>
-      <p:graphicFrame>
-        <p:nvGraphicFramePr>
-          <p:cNvPr id="11" name="Diagramm 10"/>
-          <p:cNvGraphicFramePr/>
-          <p:nvPr>
-            <p:extLst/>
-          </p:nvPr>
-        </p:nvGraphicFramePr>
-        <p:xfrm>
-          <a:off x="500026" y="242702"/>
-          <a:ext cx="9703041" cy="324000"/>
-        </p:xfrm>
-        <a:graphic>
-          <a:graphicData uri="http://schemas.openxmlformats.org/drawingml/2006/diagram">
-            <dgm:relIds xmlns:dgm="http://schemas.openxmlformats.org/drawingml/2006/diagram" xmlns:r="http://schemas.openxmlformats.org/officeDocument/2006/relationships" r:dm="rId4" r:lo="rId5" r:qs="rId6" r:cs="rId7"/>
-          </a:graphicData>
-        </a:graphic>
-      </p:graphicFrame>
-      <p:sp>
-        <p:nvSpPr>
-          <p:cNvPr id="2" name="Rechteck 1">
-            <a:extLst>
-              <a:ext uri="{FF2B5EF4-FFF2-40B4-BE49-F238E27FC236}">
-                <a16:creationId xmlns:a16="http://schemas.microsoft.com/office/drawing/2014/main" id="{1B3CBAB0-80D1-4F6A-918A-20FAF88A0F7B}"/>
-              </a:ext>
-            </a:extLst>
-          </p:cNvPr>
-          <p:cNvSpPr/>
-          <p:nvPr/>
-        </p:nvSpPr>
-        <p:spPr>
-          <a:xfrm>
-            <a:off x="500026" y="849042"/>
-            <a:ext cx="4939109" cy="754694"/>
-          </a:xfrm>
-          <a:prstGeom prst="rect">
-            <a:avLst/>
-          </a:prstGeom>
-        </p:spPr>
-        <p:txBody>
-          <a:bodyPr wrap="none">
-            <a:spAutoFit/>
-          </a:bodyPr>
-          <a:lstStyle/>
-          <a:p>
-            <a:pPr>
-              <a:lnSpc>
-                <a:spcPct val="150000"/>
-              </a:lnSpc>
-            </a:pPr>
-            <a:r>
-              <a:rPr lang="de-DE" sz="3200" b="1" dirty="0">
-                <a:solidFill>
-                  <a:srgbClr val="385723"/>
-                </a:solidFill>
-                <a:latin typeface="Corbel Light" panose="020B0303020204020204" pitchFamily="34" charset="0"/>
-              </a:rPr>
-              <a:t>JAVA </a:t>
-            </a:r>
-            <a:r>
-              <a:rPr lang="de-DE" sz="3200" b="1" dirty="0" err="1">
-                <a:solidFill>
-                  <a:srgbClr val="385723"/>
-                </a:solidFill>
-                <a:latin typeface="Corbel Light" panose="020B0303020204020204" pitchFamily="34" charset="0"/>
-              </a:rPr>
-              <a:t>Graphical</a:t>
-            </a:r>
-            <a:r>
-              <a:rPr lang="de-DE" sz="3200" b="1" dirty="0">
-                <a:solidFill>
-                  <a:srgbClr val="385723"/>
-                </a:solidFill>
-                <a:latin typeface="Corbel Light" panose="020B0303020204020204" pitchFamily="34" charset="0"/>
-              </a:rPr>
-              <a:t> User Interface</a:t>
-            </a:r>
-          </a:p>
-        </p:txBody>
-      </p:sp>
-      <p:sp>
-        <p:nvSpPr>
-          <p:cNvPr id="3" name="Textfeld 2">
-            <a:extLst>
-              <a:ext uri="{FF2B5EF4-FFF2-40B4-BE49-F238E27FC236}">
-                <a16:creationId xmlns:a16="http://schemas.microsoft.com/office/drawing/2014/main" id="{239D2F6A-D12F-4A46-BC36-E7AC2AD096E7}"/>
-              </a:ext>
-            </a:extLst>
-          </p:cNvPr>
-          <p:cNvSpPr txBox="1"/>
-          <p:nvPr/>
-        </p:nvSpPr>
-        <p:spPr>
-          <a:xfrm>
-            <a:off x="1477991" y="2490158"/>
-            <a:ext cx="7272113" cy="923330"/>
-          </a:xfrm>
-          <a:prstGeom prst="rect">
-            <a:avLst/>
-          </a:prstGeom>
-          <a:noFill/>
-        </p:spPr>
-        <p:txBody>
-          <a:bodyPr wrap="square" rtlCol="0">
-            <a:spAutoFit/>
-          </a:bodyPr>
-          <a:lstStyle/>
-          <a:p>
-            <a:r>
-              <a:rPr lang="de-DE" i="1" dirty="0" smtClean="0"/>
-              <a:t>- </a:t>
-            </a:r>
-            <a:r>
-              <a:rPr lang="de-DE" i="1" dirty="0" smtClean="0"/>
-              <a:t>SWT-Libraries</a:t>
-            </a:r>
-            <a:br>
-              <a:rPr lang="de-DE" i="1" dirty="0" smtClean="0"/>
-            </a:br>
-            <a:r>
-              <a:rPr lang="de-DE" i="1" dirty="0" smtClean="0"/>
-              <a:t>- Design-Prinzipien und Gedanken hinter der Gestaltung</a:t>
-            </a:r>
-          </a:p>
-          <a:p>
-            <a:r>
-              <a:rPr lang="de-DE" i="1" dirty="0" smtClean="0"/>
-              <a:t>Screenshots </a:t>
-            </a:r>
-            <a:r>
-              <a:rPr lang="de-DE" i="1" dirty="0"/>
-              <a:t>einfügen</a:t>
-            </a:r>
-          </a:p>
-        </p:txBody>
-      </p:sp>
-    </p:spTree>
-    <p:extLst>
-      <p:ext uri="{BB962C8B-B14F-4D97-AF65-F5344CB8AC3E}">
-        <p14:creationId xmlns:p14="http://schemas.microsoft.com/office/powerpoint/2010/main" val="3899959399"/>
       </p:ext>
     </p:extLst>
   </p:cSld>

--- a/CavallaroAngelo/Präsentation Wahlmodulvorstellung/SAPlexa Präsentation.pptx
+++ b/CavallaroAngelo/Präsentation Wahlmodulvorstellung/SAPlexa Präsentation.pptx
@@ -14768,7 +14768,7 @@
   <dgm:whole/>
   <dgm:extLst>
     <a:ext uri="http://schemas.microsoft.com/office/drawing/2008/diagram">
-      <dsp:dataModelExt xmlns:dsp="http://schemas.microsoft.com/office/drawing/2008/diagram" relId="rId8" minVer="http://schemas.openxmlformats.org/drawingml/2006/diagram"/>
+      <dsp:dataModelExt xmlns:dsp="http://schemas.microsoft.com/office/drawing/2008/diagram" relId="rId9" minVer="http://schemas.openxmlformats.org/drawingml/2006/diagram"/>
     </a:ext>
     <a:ext uri="{C62137D5-CB1D-491B-B009-E17868A290BF}">
       <dgm14:recolorImg xmlns:dgm14="http://schemas.microsoft.com/office/drawing/2010/diagram" val="1"/>
@@ -36455,9 +36455,10 @@
           <a:lstStyle/>
           <a:p>
             <a:r>
-              <a:rPr lang="de-DE" dirty="0"/>
-              <a:t>Vorstellung des Projekts</a:t>
+              <a:rPr lang="de-DE" dirty="0" smtClean="0"/>
+              <a:t>Zuständig Adrian</a:t>
             </a:r>
+            <a:endParaRPr lang="de-DE" dirty="0"/>
           </a:p>
         </p:txBody>
       </p:sp>
@@ -36540,6 +36541,29 @@
         <p:txBody>
           <a:bodyPr/>
           <a:lstStyle/>
+          <a:p>
+            <a:pPr marL="0" marR="0" lvl="0" indent="0" algn="l" defTabSz="914400" rtl="0" eaLnBrk="1" fontAlgn="auto" latinLnBrk="0" hangingPunct="1">
+              <a:lnSpc>
+                <a:spcPct val="100000"/>
+              </a:lnSpc>
+              <a:spcBef>
+                <a:spcPts val="0"/>
+              </a:spcBef>
+              <a:spcAft>
+                <a:spcPts val="0"/>
+              </a:spcAft>
+              <a:buClrTx/>
+              <a:buSzTx/>
+              <a:buFontTx/>
+              <a:buNone/>
+              <a:tabLst/>
+              <a:defRPr/>
+            </a:pPr>
+            <a:r>
+              <a:rPr lang="de-DE" dirty="0" smtClean="0"/>
+              <a:t>Zuständig Hüseyin</a:t>
+            </a:r>
+          </a:p>
           <a:p>
             <a:endParaRPr lang="de-DE" dirty="0"/>
           </a:p>
@@ -36753,6 +36777,113 @@
             </a:pPr>
             <a:r>
               <a:rPr lang="de-DE" dirty="0" smtClean="0"/>
+              <a:t>Zuständig Hüseyin</a:t>
+            </a:r>
+          </a:p>
+          <a:p>
+            <a:endParaRPr lang="de-DE" dirty="0"/>
+          </a:p>
+        </p:txBody>
+      </p:sp>
+      <p:sp>
+        <p:nvSpPr>
+          <p:cNvPr id="4" name="Foliennummernplatzhalter 3"/>
+          <p:cNvSpPr>
+            <a:spLocks noGrp="1"/>
+          </p:cNvSpPr>
+          <p:nvPr>
+            <p:ph type="sldNum" sz="quarter" idx="10"/>
+          </p:nvPr>
+        </p:nvSpPr>
+        <p:spPr/>
+        <p:txBody>
+          <a:bodyPr/>
+          <a:lstStyle/>
+          <a:p>
+            <a:fld id="{9CCF391E-5C5D-4EA1-8A2D-1AD87DAE70A5}" type="slidenum">
+              <a:rPr lang="de-DE" smtClean="0"/>
+              <a:t>12</a:t>
+            </a:fld>
+            <a:endParaRPr lang="de-DE"/>
+          </a:p>
+        </p:txBody>
+      </p:sp>
+    </p:spTree>
+    <p:extLst>
+      <p:ext uri="{BB962C8B-B14F-4D97-AF65-F5344CB8AC3E}">
+        <p14:creationId xmlns:p14="http://schemas.microsoft.com/office/powerpoint/2010/main" val="2776359091"/>
+      </p:ext>
+    </p:extLst>
+  </p:cSld>
+  <p:clrMapOvr>
+    <a:masterClrMapping/>
+  </p:clrMapOvr>
+</p:notes>
+</file>
+
+<file path=ppt/notesSlides/notesSlide13.xml><?xml version="1.0" encoding="utf-8"?>
+<p:notes xmlns:a="http://schemas.openxmlformats.org/drawingml/2006/main" xmlns:r="http://schemas.openxmlformats.org/officeDocument/2006/relationships" xmlns:p="http://schemas.openxmlformats.org/presentationml/2006/main">
+  <p:cSld>
+    <p:spTree>
+      <p:nvGrpSpPr>
+        <p:cNvPr id="1" name=""/>
+        <p:cNvGrpSpPr/>
+        <p:nvPr/>
+      </p:nvGrpSpPr>
+      <p:grpSpPr>
+        <a:xfrm>
+          <a:off x="0" y="0"/>
+          <a:ext cx="0" cy="0"/>
+          <a:chOff x="0" y="0"/>
+          <a:chExt cx="0" cy="0"/>
+        </a:xfrm>
+      </p:grpSpPr>
+      <p:sp>
+        <p:nvSpPr>
+          <p:cNvPr id="2" name="Folienbildplatzhalter 1"/>
+          <p:cNvSpPr>
+            <a:spLocks noGrp="1" noRot="1" noChangeAspect="1"/>
+          </p:cNvSpPr>
+          <p:nvPr>
+            <p:ph type="sldImg"/>
+          </p:nvPr>
+        </p:nvSpPr>
+        <p:spPr/>
+      </p:sp>
+      <p:sp>
+        <p:nvSpPr>
+          <p:cNvPr id="3" name="Notizenplatzhalter 2"/>
+          <p:cNvSpPr>
+            <a:spLocks noGrp="1"/>
+          </p:cNvSpPr>
+          <p:nvPr>
+            <p:ph type="body" idx="1"/>
+          </p:nvPr>
+        </p:nvSpPr>
+        <p:spPr/>
+        <p:txBody>
+          <a:bodyPr/>
+          <a:lstStyle/>
+          <a:p>
+            <a:pPr marL="0" marR="0" lvl="0" indent="0" algn="l" defTabSz="914400" rtl="0" eaLnBrk="1" fontAlgn="auto" latinLnBrk="0" hangingPunct="1">
+              <a:lnSpc>
+                <a:spcPct val="100000"/>
+              </a:lnSpc>
+              <a:spcBef>
+                <a:spcPts val="0"/>
+              </a:spcBef>
+              <a:spcAft>
+                <a:spcPts val="0"/>
+              </a:spcAft>
+              <a:buClrTx/>
+              <a:buSzTx/>
+              <a:buFontTx/>
+              <a:buNone/>
+              <a:tabLst/>
+              <a:defRPr/>
+            </a:pPr>
+            <a:r>
+              <a:rPr lang="de-DE" dirty="0" smtClean="0"/>
               <a:t>Zuständig</a:t>
             </a:r>
             <a:r>
@@ -36799,7 +36930,7 @@
 </p:notes>
 </file>
 
-<file path=ppt/notesSlides/notesSlide13.xml><?xml version="1.0" encoding="utf-8"?>
+<file path=ppt/notesSlides/notesSlide14.xml><?xml version="1.0" encoding="utf-8"?>
 <p:notes xmlns:a="http://schemas.openxmlformats.org/drawingml/2006/main" xmlns:r="http://schemas.openxmlformats.org/officeDocument/2006/relationships" xmlns:p="http://schemas.openxmlformats.org/presentationml/2006/main">
   <p:cSld>
     <p:spTree>
@@ -36908,7 +37039,7 @@
 </p:notes>
 </file>
 
-<file path=ppt/notesSlides/notesSlide14.xml><?xml version="1.0" encoding="utf-8"?>
+<file path=ppt/notesSlides/notesSlide15.xml><?xml version="1.0" encoding="utf-8"?>
 <p:notes xmlns:a="http://schemas.openxmlformats.org/drawingml/2006/main" xmlns:r="http://schemas.openxmlformats.org/officeDocument/2006/relationships" xmlns:p="http://schemas.openxmlformats.org/presentationml/2006/main">
   <p:cSld>
     <p:spTree>
@@ -37020,7 +37151,7 @@
 </p:notes>
 </file>
 
-<file path=ppt/notesSlides/notesSlide15.xml><?xml version="1.0" encoding="utf-8"?>
+<file path=ppt/notesSlides/notesSlide16.xml><?xml version="1.0" encoding="utf-8"?>
 <p:notes xmlns:a="http://schemas.openxmlformats.org/drawingml/2006/main" xmlns:r="http://schemas.openxmlformats.org/officeDocument/2006/relationships" xmlns:p="http://schemas.openxmlformats.org/presentationml/2006/main">
   <p:cSld>
     <p:spTree>
@@ -37108,90 +37239,6 @@
 </p:notes>
 </file>
 
-<file path=ppt/notesSlides/notesSlide16.xml><?xml version="1.0" encoding="utf-8"?>
-<p:notes xmlns:a="http://schemas.openxmlformats.org/drawingml/2006/main" xmlns:r="http://schemas.openxmlformats.org/officeDocument/2006/relationships" xmlns:p="http://schemas.openxmlformats.org/presentationml/2006/main">
-  <p:cSld>
-    <p:spTree>
-      <p:nvGrpSpPr>
-        <p:cNvPr id="1" name=""/>
-        <p:cNvGrpSpPr/>
-        <p:nvPr/>
-      </p:nvGrpSpPr>
-      <p:grpSpPr>
-        <a:xfrm>
-          <a:off x="0" y="0"/>
-          <a:ext cx="0" cy="0"/>
-          <a:chOff x="0" y="0"/>
-          <a:chExt cx="0" cy="0"/>
-        </a:xfrm>
-      </p:grpSpPr>
-      <p:sp>
-        <p:nvSpPr>
-          <p:cNvPr id="2" name="Folienbildplatzhalter 1"/>
-          <p:cNvSpPr>
-            <a:spLocks noGrp="1" noRot="1" noChangeAspect="1"/>
-          </p:cNvSpPr>
-          <p:nvPr>
-            <p:ph type="sldImg"/>
-          </p:nvPr>
-        </p:nvSpPr>
-        <p:spPr/>
-      </p:sp>
-      <p:sp>
-        <p:nvSpPr>
-          <p:cNvPr id="3" name="Notizenplatzhalter 2"/>
-          <p:cNvSpPr>
-            <a:spLocks noGrp="1"/>
-          </p:cNvSpPr>
-          <p:nvPr>
-            <p:ph type="body" idx="1"/>
-          </p:nvPr>
-        </p:nvSpPr>
-        <p:spPr/>
-        <p:txBody>
-          <a:bodyPr/>
-          <a:lstStyle/>
-          <a:p>
-            <a:endParaRPr lang="de-DE" dirty="0"/>
-          </a:p>
-        </p:txBody>
-      </p:sp>
-      <p:sp>
-        <p:nvSpPr>
-          <p:cNvPr id="4" name="Foliennummernplatzhalter 3"/>
-          <p:cNvSpPr>
-            <a:spLocks noGrp="1"/>
-          </p:cNvSpPr>
-          <p:nvPr>
-            <p:ph type="sldNum" sz="quarter" idx="10"/>
-          </p:nvPr>
-        </p:nvSpPr>
-        <p:spPr/>
-        <p:txBody>
-          <a:bodyPr/>
-          <a:lstStyle/>
-          <a:p>
-            <a:fld id="{9CCF391E-5C5D-4EA1-8A2D-1AD87DAE70A5}" type="slidenum">
-              <a:rPr lang="de-DE" smtClean="0"/>
-              <a:t>17</a:t>
-            </a:fld>
-            <a:endParaRPr lang="de-DE"/>
-          </a:p>
-        </p:txBody>
-      </p:sp>
-    </p:spTree>
-    <p:extLst>
-      <p:ext uri="{BB962C8B-B14F-4D97-AF65-F5344CB8AC3E}">
-        <p14:creationId xmlns:p14="http://schemas.microsoft.com/office/powerpoint/2010/main" val="3763017894"/>
-      </p:ext>
-    </p:extLst>
-  </p:cSld>
-  <p:clrMapOvr>
-    <a:masterClrMapping/>
-  </p:clrMapOvr>
-</p:notes>
-</file>
-
 <file path=ppt/notesSlides/notesSlide17.xml><?xml version="1.0" encoding="utf-8"?>
 <p:notes xmlns:a="http://schemas.openxmlformats.org/drawingml/2006/main" xmlns:r="http://schemas.openxmlformats.org/officeDocument/2006/relationships" xmlns:p="http://schemas.openxmlformats.org/presentationml/2006/main">
   <p:cSld>
@@ -37236,6 +37283,10 @@
           <a:bodyPr/>
           <a:lstStyle/>
           <a:p>
+            <a:r>
+              <a:rPr lang="de-DE" dirty="0" smtClean="0"/>
+              <a:t>Zuständiger Angelo</a:t>
+            </a:r>
             <a:endParaRPr lang="de-DE" dirty="0"/>
           </a:p>
         </p:txBody>
@@ -37257,7 +37308,7 @@
           <a:p>
             <a:fld id="{9CCF391E-5C5D-4EA1-8A2D-1AD87DAE70A5}" type="slidenum">
               <a:rPr lang="de-DE" smtClean="0"/>
-              <a:t>18</a:t>
+              <a:t>17</a:t>
             </a:fld>
             <a:endParaRPr lang="de-DE"/>
           </a:p>
@@ -37266,7 +37317,7 @@
     </p:spTree>
     <p:extLst>
       <p:ext uri="{BB962C8B-B14F-4D97-AF65-F5344CB8AC3E}">
-        <p14:creationId xmlns:p14="http://schemas.microsoft.com/office/powerpoint/2010/main" val="4071012174"/>
+        <p14:creationId xmlns:p14="http://schemas.microsoft.com/office/powerpoint/2010/main" val="3763017894"/>
       </p:ext>
     </p:extLst>
   </p:cSld>
@@ -37320,6 +37371,117 @@
           <a:bodyPr/>
           <a:lstStyle/>
           <a:p>
+            <a:pPr marL="0" marR="0" lvl="0" indent="0" algn="l" defTabSz="914400" rtl="0" eaLnBrk="1" fontAlgn="auto" latinLnBrk="0" hangingPunct="1">
+              <a:lnSpc>
+                <a:spcPct val="100000"/>
+              </a:lnSpc>
+              <a:spcBef>
+                <a:spcPts val="0"/>
+              </a:spcBef>
+              <a:spcAft>
+                <a:spcPts val="0"/>
+              </a:spcAft>
+              <a:buClrTx/>
+              <a:buSzTx/>
+              <a:buFontTx/>
+              <a:buNone/>
+              <a:tabLst/>
+              <a:defRPr/>
+            </a:pPr>
+            <a:r>
+              <a:rPr lang="de-DE" dirty="0" smtClean="0"/>
+              <a:t>Zuständiger Angelo</a:t>
+            </a:r>
+          </a:p>
+          <a:p>
+            <a:endParaRPr lang="de-DE" dirty="0"/>
+          </a:p>
+        </p:txBody>
+      </p:sp>
+      <p:sp>
+        <p:nvSpPr>
+          <p:cNvPr id="4" name="Foliennummernplatzhalter 3"/>
+          <p:cNvSpPr>
+            <a:spLocks noGrp="1"/>
+          </p:cNvSpPr>
+          <p:nvPr>
+            <p:ph type="sldNum" sz="quarter" idx="10"/>
+          </p:nvPr>
+        </p:nvSpPr>
+        <p:spPr/>
+        <p:txBody>
+          <a:bodyPr/>
+          <a:lstStyle/>
+          <a:p>
+            <a:fld id="{9CCF391E-5C5D-4EA1-8A2D-1AD87DAE70A5}" type="slidenum">
+              <a:rPr lang="de-DE" smtClean="0"/>
+              <a:t>18</a:t>
+            </a:fld>
+            <a:endParaRPr lang="de-DE"/>
+          </a:p>
+        </p:txBody>
+      </p:sp>
+    </p:spTree>
+    <p:extLst>
+      <p:ext uri="{BB962C8B-B14F-4D97-AF65-F5344CB8AC3E}">
+        <p14:creationId xmlns:p14="http://schemas.microsoft.com/office/powerpoint/2010/main" val="4071012174"/>
+      </p:ext>
+    </p:extLst>
+  </p:cSld>
+  <p:clrMapOvr>
+    <a:masterClrMapping/>
+  </p:clrMapOvr>
+</p:notes>
+</file>
+
+<file path=ppt/notesSlides/notesSlide19.xml><?xml version="1.0" encoding="utf-8"?>
+<p:notes xmlns:a="http://schemas.openxmlformats.org/drawingml/2006/main" xmlns:r="http://schemas.openxmlformats.org/officeDocument/2006/relationships" xmlns:p="http://schemas.openxmlformats.org/presentationml/2006/main">
+  <p:cSld>
+    <p:spTree>
+      <p:nvGrpSpPr>
+        <p:cNvPr id="1" name=""/>
+        <p:cNvGrpSpPr/>
+        <p:nvPr/>
+      </p:nvGrpSpPr>
+      <p:grpSpPr>
+        <a:xfrm>
+          <a:off x="0" y="0"/>
+          <a:ext cx="0" cy="0"/>
+          <a:chOff x="0" y="0"/>
+          <a:chExt cx="0" cy="0"/>
+        </a:xfrm>
+      </p:grpSpPr>
+      <p:sp>
+        <p:nvSpPr>
+          <p:cNvPr id="2" name="Folienbildplatzhalter 1"/>
+          <p:cNvSpPr>
+            <a:spLocks noGrp="1" noRot="1" noChangeAspect="1"/>
+          </p:cNvSpPr>
+          <p:nvPr>
+            <p:ph type="sldImg"/>
+          </p:nvPr>
+        </p:nvSpPr>
+        <p:spPr/>
+      </p:sp>
+      <p:sp>
+        <p:nvSpPr>
+          <p:cNvPr id="3" name="Notizenplatzhalter 2"/>
+          <p:cNvSpPr>
+            <a:spLocks noGrp="1"/>
+          </p:cNvSpPr>
+          <p:nvPr>
+            <p:ph type="body" idx="1"/>
+          </p:nvPr>
+        </p:nvSpPr>
+        <p:spPr/>
+        <p:txBody>
+          <a:bodyPr/>
+          <a:lstStyle/>
+          <a:p>
+            <a:r>
+              <a:rPr lang="de-DE" dirty="0" smtClean="0"/>
+              <a:t>Zuständiger Eduard</a:t>
+            </a:r>
             <a:endParaRPr lang="de-DE" dirty="0"/>
           </a:p>
         </p:txBody>
@@ -37404,19 +37566,26 @@
           <a:bodyPr/>
           <a:lstStyle/>
           <a:p>
+            <a:pPr marL="0" marR="0" lvl="0" indent="0" algn="l" defTabSz="914400" rtl="0" eaLnBrk="1" fontAlgn="auto" latinLnBrk="0" hangingPunct="1">
+              <a:lnSpc>
+                <a:spcPct val="100000"/>
+              </a:lnSpc>
+              <a:spcBef>
+                <a:spcPts val="0"/>
+              </a:spcBef>
+              <a:spcAft>
+                <a:spcPts val="0"/>
+              </a:spcAft>
+              <a:buClrTx/>
+              <a:buSzTx/>
+              <a:buFontTx/>
+              <a:buNone/>
+              <a:tabLst/>
+              <a:defRPr/>
+            </a:pPr>
             <a:r>
-              <a:rPr lang="de-DE" dirty="0"/>
-              <a:t>Interaktion: Wer</a:t>
-            </a:r>
-            <a:r>
-              <a:rPr lang="de-DE" baseline="0" dirty="0"/>
-              <a:t> kennt SAP ?</a:t>
-            </a:r>
-          </a:p>
-          <a:p>
-            <a:r>
-              <a:rPr lang="de-DE" baseline="0" dirty="0"/>
-              <a:t>Referenten, alle ?</a:t>
+              <a:rPr lang="de-DE" dirty="0" smtClean="0"/>
+              <a:t>Zuständig Adrian</a:t>
             </a:r>
           </a:p>
           <a:p>
@@ -37504,6 +37673,29 @@
           <a:bodyPr/>
           <a:lstStyle/>
           <a:p>
+            <a:pPr marL="0" marR="0" lvl="0" indent="0" algn="l" defTabSz="914400" rtl="0" eaLnBrk="1" fontAlgn="auto" latinLnBrk="0" hangingPunct="1">
+              <a:lnSpc>
+                <a:spcPct val="100000"/>
+              </a:lnSpc>
+              <a:spcBef>
+                <a:spcPts val="0"/>
+              </a:spcBef>
+              <a:spcAft>
+                <a:spcPts val="0"/>
+              </a:spcAft>
+              <a:buClrTx/>
+              <a:buSzTx/>
+              <a:buFontTx/>
+              <a:buNone/>
+              <a:tabLst/>
+              <a:defRPr/>
+            </a:pPr>
+            <a:r>
+              <a:rPr lang="de-DE" dirty="0" smtClean="0"/>
+              <a:t>Zuständig Adrian</a:t>
+            </a:r>
+          </a:p>
+          <a:p>
             <a:endParaRPr lang="de-DE" dirty="0"/>
           </a:p>
         </p:txBody>
@@ -37589,9 +37781,10 @@
           <a:lstStyle/>
           <a:p>
             <a:r>
-              <a:rPr lang="de-DE" dirty="0"/>
-              <a:t>Vorstellung des Projekts anhand der Skizze</a:t>
+              <a:rPr lang="de-DE" dirty="0" smtClean="0"/>
+              <a:t>Zuständig Adrian</a:t>
             </a:r>
+            <a:endParaRPr lang="de-DE" dirty="0"/>
           </a:p>
         </p:txBody>
       </p:sp>
@@ -37674,6 +37867,29 @@
         <p:txBody>
           <a:bodyPr/>
           <a:lstStyle/>
+          <a:p>
+            <a:pPr marL="0" marR="0" lvl="0" indent="0" algn="l" defTabSz="914400" rtl="0" eaLnBrk="1" fontAlgn="auto" latinLnBrk="0" hangingPunct="1">
+              <a:lnSpc>
+                <a:spcPct val="100000"/>
+              </a:lnSpc>
+              <a:spcBef>
+                <a:spcPts val="0"/>
+              </a:spcBef>
+              <a:spcAft>
+                <a:spcPts val="0"/>
+              </a:spcAft>
+              <a:buClrTx/>
+              <a:buSzTx/>
+              <a:buFontTx/>
+              <a:buNone/>
+              <a:tabLst/>
+              <a:defRPr/>
+            </a:pPr>
+            <a:r>
+              <a:rPr lang="de-DE" dirty="0" smtClean="0"/>
+              <a:t>Zuständig Adrian</a:t>
+            </a:r>
+          </a:p>
           <a:p>
             <a:endParaRPr lang="de-DE" dirty="0"/>
           </a:p>
@@ -42043,7 +42259,7 @@
           <p:nvPr/>
         </p:nvPicPr>
         <p:blipFill rotWithShape="1">
-          <a:blip r:embed="rId2"/>
+          <a:blip r:embed="rId3"/>
           <a:srcRect l="671" t="16724" r="6642" b="27769"/>
           <a:stretch/>
         </p:blipFill>
@@ -42113,7 +42329,7 @@
           <p:nvPr/>
         </p:nvPicPr>
         <p:blipFill rotWithShape="1">
-          <a:blip r:embed="rId3" cstate="print">
+          <a:blip r:embed="rId4" cstate="print">
             <a:extLst>
               <a:ext uri="{28A0092B-C50C-407E-A947-70E740481C1C}">
                 <a14:useLocalDpi xmlns:a14="http://schemas.microsoft.com/office/drawing/2010/main" val="0"/>
@@ -42151,7 +42367,7 @@
         </p:xfrm>
         <a:graphic>
           <a:graphicData uri="http://schemas.openxmlformats.org/drawingml/2006/diagram">
-            <dgm:relIds xmlns:dgm="http://schemas.openxmlformats.org/drawingml/2006/diagram" xmlns:r="http://schemas.openxmlformats.org/officeDocument/2006/relationships" r:dm="rId4" r:lo="rId5" r:qs="rId6" r:cs="rId7"/>
+            <dgm:relIds xmlns:dgm="http://schemas.openxmlformats.org/drawingml/2006/diagram" xmlns:r="http://schemas.openxmlformats.org/officeDocument/2006/relationships" r:dm="rId5" r:lo="rId6" r:qs="rId7" r:cs="rId8"/>
           </a:graphicData>
         </a:graphic>
       </p:graphicFrame>
@@ -43828,19 +44044,7 @@
           <a:p>
             <a:r>
               <a:rPr lang="de-DE" dirty="0" smtClean="0"/>
-              <a:t>Wareneingang über SAPlexa bucht nur eine </a:t>
-            </a:r>
-            <a:r>
-              <a:rPr lang="de-DE" dirty="0" smtClean="0"/>
-              <a:t>Einheit – </a:t>
-            </a:r>
-            <a:r>
-              <a:rPr lang="de-DE" dirty="0" smtClean="0"/>
-              <a:t>Dynamisierung </a:t>
-            </a:r>
-            <a:r>
-              <a:rPr lang="de-DE" dirty="0" smtClean="0"/>
-              <a:t>der Buchung</a:t>
+              <a:t>Wareneingang über SAPlexa bucht nur eine Einheit – Dynamisierung der Buchung</a:t>
             </a:r>
             <a:endParaRPr lang="de-DE" dirty="0"/>
           </a:p>
@@ -46570,7 +46774,7 @@
                 <a14:useLocalDpi xmlns:a14="http://schemas.microsoft.com/office/drawing/2010/main" val="0"/>
               </a:ext>
               <a:ext uri="{96DAC541-7B7A-43D3-8B79-37D633B846F1}">
-                <asvg:svgBlip xmlns:asvg="http://schemas.microsoft.com/office/drawing/2016/SVG/main" xmlns="" r:embed="rId10"/>
+                <asvg:svgBlip xmlns="" xmlns:asvg="http://schemas.microsoft.com/office/drawing/2016/SVG/main" r:embed="rId10"/>
               </a:ext>
             </a:extLst>
           </a:blip>
@@ -46609,7 +46813,7 @@
                 <a14:useLocalDpi xmlns:a14="http://schemas.microsoft.com/office/drawing/2010/main" val="0"/>
               </a:ext>
               <a:ext uri="{96DAC541-7B7A-43D3-8B79-37D633B846F1}">
-                <asvg:svgBlip xmlns:asvg="http://schemas.microsoft.com/office/drawing/2016/SVG/main" xmlns="" r:embed="rId10"/>
+                <asvg:svgBlip xmlns="" xmlns:asvg="http://schemas.microsoft.com/office/drawing/2016/SVG/main" r:embed="rId10"/>
               </a:ext>
             </a:extLst>
           </a:blip>
@@ -46648,7 +46852,7 @@
                 <a14:useLocalDpi xmlns:a14="http://schemas.microsoft.com/office/drawing/2010/main" val="0"/>
               </a:ext>
               <a:ext uri="{96DAC541-7B7A-43D3-8B79-37D633B846F1}">
-                <asvg:svgBlip xmlns:asvg="http://schemas.microsoft.com/office/drawing/2016/SVG/main" xmlns="" r:embed="rId12"/>
+                <asvg:svgBlip xmlns="" xmlns:asvg="http://schemas.microsoft.com/office/drawing/2016/SVG/main" r:embed="rId12"/>
               </a:ext>
             </a:extLst>
           </a:blip>
@@ -46687,7 +46891,7 @@
                 <a14:useLocalDpi xmlns:a14="http://schemas.microsoft.com/office/drawing/2010/main" val="0"/>
               </a:ext>
               <a:ext uri="{96DAC541-7B7A-43D3-8B79-37D633B846F1}">
-                <asvg:svgBlip xmlns:asvg="http://schemas.microsoft.com/office/drawing/2016/SVG/main" xmlns="" r:embed="rId12"/>
+                <asvg:svgBlip xmlns="" xmlns:asvg="http://schemas.microsoft.com/office/drawing/2016/SVG/main" r:embed="rId12"/>
               </a:ext>
             </a:extLst>
           </a:blip>
@@ -46954,17 +47158,7 @@
                   </a:schemeClr>
                 </a:solidFill>
               </a:rPr>
-              <a:t>f</a:t>
-            </a:r>
-            <a:r>
-              <a:rPr lang="de-DE" dirty="0" smtClean="0">
-                <a:solidFill>
-                  <a:schemeClr val="accent6">
-                    <a:lumMod val="50000"/>
-                  </a:schemeClr>
-                </a:solidFill>
-              </a:rPr>
-              <a:t>alsche </a:t>
+              <a:t>falsche </a:t>
             </a:r>
             <a:r>
               <a:rPr lang="de-DE" dirty="0">

--- a/CavallaroAngelo/Präsentation Wahlmodulvorstellung/SAPlexa Präsentation.pptx
+++ b/CavallaroAngelo/Präsentation Wahlmodulvorstellung/SAPlexa Präsentation.pptx
@@ -37144,11 +37144,7 @@
           <a:p>
             <a:r>
               <a:rPr lang="de-DE" i="1" dirty="0" smtClean="0"/>
-              <a:t>Screenshots </a:t>
-            </a:r>
-            <a:r>
-              <a:rPr lang="de-DE" i="1" dirty="0" smtClean="0"/>
-              <a:t>einfügen</a:t>
+              <a:t>Screenshots einfügen</a:t>
             </a:r>
           </a:p>
           <a:p>
@@ -37414,15 +37410,6 @@
                 <a:latin typeface="Corbel Light" panose="020B0303020204020204" pitchFamily="34" charset="0"/>
               </a:rPr>
               <a:t>Wareneingang buchen</a:t>
-            </a:r>
-            <a:r>
-              <a:rPr lang="de-DE" sz="3200" b="1" dirty="0" smtClean="0">
-                <a:solidFill>
-                  <a:srgbClr val="385723"/>
-                </a:solidFill>
-                <a:latin typeface="Corbel Light" panose="020B0303020204020204" pitchFamily="34" charset="0"/>
-              </a:rPr>
-              <a:t/>
             </a:r>
             <a:br>
               <a:rPr lang="de-DE" sz="3200" b="1" dirty="0" smtClean="0">
@@ -39861,16 +39848,7 @@
                 </a:solidFill>
                 <a:latin typeface="Corbel Light" panose="020B0303020204020204" pitchFamily="34" charset="0"/>
               </a:rPr>
-              <a:t>After i</a:t>
-            </a:r>
-            <a:r>
-              <a:rPr lang="en-GB" dirty="0" smtClean="0">
-                <a:solidFill>
-                  <a:srgbClr val="0184C4"/>
-                </a:solidFill>
-                <a:latin typeface="Corbel Light" panose="020B0303020204020204" pitchFamily="34" charset="0"/>
-              </a:rPr>
-              <a:t>mporting the JCo Jar-Library</a:t>
+              <a:t>After importing the JCo Jar-Library</a:t>
             </a:r>
             <a:endParaRPr lang="en-GB" sz="1400" dirty="0">
               <a:solidFill>
@@ -40016,16 +39994,7 @@
                 </a:solidFill>
                 <a:latin typeface="Corbel Light" panose="020B0303020204020204" pitchFamily="34" charset="0"/>
               </a:rPr>
-              <a:t>Welche </a:t>
-            </a:r>
-            <a:r>
-              <a:rPr lang="de-DE" sz="3200" i="1" dirty="0" smtClean="0">
-                <a:solidFill>
-                  <a:srgbClr val="385723"/>
-                </a:solidFill>
-                <a:latin typeface="Corbel Light" panose="020B0303020204020204" pitchFamily="34" charset="0"/>
-              </a:rPr>
-              <a:t>Daten werden transferiert ?</a:t>
+              <a:t>Welche Daten werden transferiert ?</a:t>
             </a:r>
             <a:br>
               <a:rPr lang="de-DE" sz="3200" i="1" dirty="0" smtClean="0">
@@ -41424,8 +41393,24 @@
                 </a:solidFill>
                 <a:latin typeface="Corbel Light" panose="020B0303020204020204" pitchFamily="34" charset="0"/>
               </a:rPr>
-              <a:t>Live-Demo bzw. Video-Tutorial</a:t>
+              <a:t>Live-Demo bzw. </a:t>
             </a:r>
+            <a:r>
+              <a:rPr lang="de-DE" sz="3200" b="1" dirty="0">
+                <a:solidFill>
+                  <a:srgbClr val="385723"/>
+                </a:solidFill>
+                <a:latin typeface="Corbel Light" panose="020B0303020204020204" pitchFamily="34" charset="0"/>
+                <a:hlinkClick r:id="rId3" action="ppaction://hlinkfile"/>
+              </a:rPr>
+              <a:t>Video-Tutorial</a:t>
+            </a:r>
+            <a:endParaRPr lang="de-DE" sz="3200" b="1" dirty="0">
+              <a:solidFill>
+                <a:srgbClr val="385723"/>
+              </a:solidFill>
+              <a:latin typeface="Corbel Light" panose="020B0303020204020204" pitchFamily="34" charset="0"/>
+            </a:endParaRPr>
           </a:p>
         </p:txBody>
       </p:sp>
@@ -42046,11 +42031,7 @@
           <a:p>
             <a:r>
               <a:rPr lang="de-DE" dirty="0" smtClean="0"/>
-              <a:t>Wareneingang über SAPlexa bucht nur eine Einheit – Dynamisierung der </a:t>
-            </a:r>
-            <a:r>
-              <a:rPr lang="de-DE" dirty="0" smtClean="0"/>
-              <a:t>Buchung</a:t>
+              <a:t>Wareneingang über SAPlexa bucht nur eine Einheit – Dynamisierung der Buchung</a:t>
             </a:r>
           </a:p>
           <a:p>
@@ -42068,11 +42049,7 @@
           <a:p>
             <a:r>
               <a:rPr lang="de-DE" dirty="0" smtClean="0"/>
-              <a:t>Möglichkeit zur </a:t>
-            </a:r>
-            <a:r>
-              <a:rPr lang="de-DE" dirty="0" smtClean="0"/>
-              <a:t>Selektion von Positionen zur Teillieferungen über Sprache</a:t>
+              <a:t>Möglichkeit zur Selektion von Positionen zur Teillieferungen über Sprache</a:t>
             </a:r>
             <a:endParaRPr lang="de-DE" dirty="0"/>
           </a:p>
@@ -42113,15 +42090,6 @@
                 <a:latin typeface="Corbel Light" panose="020B0303020204020204" pitchFamily="34" charset="0"/>
               </a:rPr>
               <a:t>Projektausblick</a:t>
-            </a:r>
-            <a:r>
-              <a:rPr lang="de-DE" sz="3200" b="1" dirty="0" smtClean="0">
-                <a:solidFill>
-                  <a:srgbClr val="385723"/>
-                </a:solidFill>
-                <a:latin typeface="Corbel Light" panose="020B0303020204020204" pitchFamily="34" charset="0"/>
-              </a:rPr>
-              <a:t/>
             </a:r>
             <a:br>
               <a:rPr lang="de-DE" sz="3200" b="1" dirty="0" smtClean="0">
@@ -42171,6 +42139,13 @@
       </p:transition>
     </mc:Fallback>
   </mc:AlternateContent>
+  <p:timing>
+    <p:tnLst>
+      <p:par>
+        <p:cTn id="1" dur="indefinite" restart="never" nodeType="tmRoot"/>
+      </p:par>
+    </p:tnLst>
+  </p:timing>
 </p:sld>
 </file>
 
@@ -43498,15 +43473,6 @@
                 <a:latin typeface="Corbel Light" panose="020B0303020204020204" pitchFamily="34" charset="0"/>
               </a:rPr>
               <a:t>Szenario / Aufgabe</a:t>
-            </a:r>
-            <a:r>
-              <a:rPr lang="de-DE" sz="3200" b="1" dirty="0" smtClean="0">
-                <a:solidFill>
-                  <a:srgbClr val="385723"/>
-                </a:solidFill>
-                <a:latin typeface="Corbel Light" panose="020B0303020204020204" pitchFamily="34" charset="0"/>
-              </a:rPr>
-              <a:t/>
             </a:r>
             <a:br>
               <a:rPr lang="de-DE" sz="3200" b="1" dirty="0" smtClean="0">
@@ -44865,7 +44831,7 @@
                 <a14:useLocalDpi xmlns:a14="http://schemas.microsoft.com/office/drawing/2010/main" val="0"/>
               </a:ext>
               <a:ext uri="{96DAC541-7B7A-43D3-8B79-37D633B846F1}">
-                <asvg:svgBlip xmlns:asvg="http://schemas.microsoft.com/office/drawing/2016/SVG/main" xmlns="" r:embed="rId10"/>
+                <asvg:svgBlip xmlns="" xmlns:asvg="http://schemas.microsoft.com/office/drawing/2016/SVG/main" r:embed="rId10"/>
               </a:ext>
             </a:extLst>
           </a:blip>
@@ -44904,7 +44870,7 @@
                 <a14:useLocalDpi xmlns:a14="http://schemas.microsoft.com/office/drawing/2010/main" val="0"/>
               </a:ext>
               <a:ext uri="{96DAC541-7B7A-43D3-8B79-37D633B846F1}">
-                <asvg:svgBlip xmlns:asvg="http://schemas.microsoft.com/office/drawing/2016/SVG/main" xmlns="" r:embed="rId10"/>
+                <asvg:svgBlip xmlns="" xmlns:asvg="http://schemas.microsoft.com/office/drawing/2016/SVG/main" r:embed="rId10"/>
               </a:ext>
             </a:extLst>
           </a:blip>
@@ -44943,7 +44909,7 @@
                 <a14:useLocalDpi xmlns:a14="http://schemas.microsoft.com/office/drawing/2010/main" val="0"/>
               </a:ext>
               <a:ext uri="{96DAC541-7B7A-43D3-8B79-37D633B846F1}">
-                <asvg:svgBlip xmlns:asvg="http://schemas.microsoft.com/office/drawing/2016/SVG/main" xmlns="" r:embed="rId12"/>
+                <asvg:svgBlip xmlns="" xmlns:asvg="http://schemas.microsoft.com/office/drawing/2016/SVG/main" r:embed="rId12"/>
               </a:ext>
             </a:extLst>
           </a:blip>
@@ -44982,7 +44948,7 @@
                 <a14:useLocalDpi xmlns:a14="http://schemas.microsoft.com/office/drawing/2010/main" val="0"/>
               </a:ext>
               <a:ext uri="{96DAC541-7B7A-43D3-8B79-37D633B846F1}">
-                <asvg:svgBlip xmlns:asvg="http://schemas.microsoft.com/office/drawing/2016/SVG/main" xmlns="" r:embed="rId12"/>
+                <asvg:svgBlip xmlns="" xmlns:asvg="http://schemas.microsoft.com/office/drawing/2016/SVG/main" r:embed="rId12"/>
               </a:ext>
             </a:extLst>
           </a:blip>
@@ -45035,15 +45001,6 @@
                 <a:latin typeface="Corbel Light" panose="020B0303020204020204" pitchFamily="34" charset="0"/>
               </a:rPr>
               <a:t>Speech-2-Text</a:t>
-            </a:r>
-            <a:r>
-              <a:rPr lang="de-DE" sz="3200" b="1" dirty="0" smtClean="0">
-                <a:solidFill>
-                  <a:srgbClr val="385723"/>
-                </a:solidFill>
-                <a:latin typeface="Corbel Light" panose="020B0303020204020204" pitchFamily="34" charset="0"/>
-              </a:rPr>
-              <a:t/>
             </a:r>
             <a:br>
               <a:rPr lang="de-DE" sz="3200" b="1" dirty="0" smtClean="0">
@@ -45648,15 +45605,6 @@
               </a:rPr>
               <a:t>Speech-2-Text</a:t>
             </a:r>
-            <a:r>
-              <a:rPr lang="de-DE" sz="3200" b="1" dirty="0" smtClean="0">
-                <a:solidFill>
-                  <a:srgbClr val="385723"/>
-                </a:solidFill>
-                <a:latin typeface="Corbel Light" panose="020B0303020204020204" pitchFamily="34" charset="0"/>
-              </a:rPr>
-              <a:t/>
-            </a:r>
             <a:br>
               <a:rPr lang="de-DE" sz="3200" b="1" dirty="0" smtClean="0">
                 <a:solidFill>
@@ -46249,15 +46197,6 @@
               </a:rPr>
               <a:t>Speech-2-Text</a:t>
             </a:r>
-            <a:r>
-              <a:rPr lang="de-DE" sz="3200" b="1" dirty="0" smtClean="0">
-                <a:solidFill>
-                  <a:srgbClr val="385723"/>
-                </a:solidFill>
-                <a:latin typeface="Corbel Light" panose="020B0303020204020204" pitchFamily="34" charset="0"/>
-              </a:rPr>
-              <a:t/>
-            </a:r>
             <a:br>
               <a:rPr lang="de-DE" sz="3200" b="1" dirty="0" smtClean="0">
                 <a:solidFill>
@@ -46775,15 +46714,6 @@
                 <a:latin typeface="Corbel Light" panose="020B0303020204020204" pitchFamily="34" charset="0"/>
               </a:rPr>
               <a:t>Speech-2-Text</a:t>
-            </a:r>
-            <a:r>
-              <a:rPr lang="de-DE" sz="3200" b="1" dirty="0" smtClean="0">
-                <a:solidFill>
-                  <a:srgbClr val="385723"/>
-                </a:solidFill>
-                <a:latin typeface="Corbel Light" panose="020B0303020204020204" pitchFamily="34" charset="0"/>
-              </a:rPr>
-              <a:t/>
             </a:r>
             <a:br>
               <a:rPr lang="de-DE" sz="3200" b="1" dirty="0" smtClean="0">
